--- a/Documents/hirojiren_設計ノート.pptx
+++ b/Documents/hirojiren_設計ノート.pptx
@@ -131,7 +131,7 @@
   </p:defaultTextStyle>
   <p:extLst>
     <p:ext uri="{EFAFB233-063F-42B5-8137-9DF3F51BA10A}">
-      <p15:sldGuideLst xmlns:p15="http://schemas.microsoft.com/office/powerpoint/2012/main" xmlns="">
+      <p15:sldGuideLst xmlns="" xmlns:p15="http://schemas.microsoft.com/office/powerpoint/2012/main">
         <p15:guide id="1" orient="horz" pos="2886" userDrawn="1">
           <p15:clr>
             <a:srgbClr val="A4A3A4"/>
@@ -719,7 +719,7 @@
           <p:cNvPr id="2" name="タイトル 1">
             <a:extLst>
               <a:ext uri="{FF2B5EF4-FFF2-40B4-BE49-F238E27FC236}">
-                <a16:creationId xmlns:a16="http://schemas.microsoft.com/office/drawing/2014/main" xmlns="" id="{553D6B93-0E72-F640-B336-20FC6868B8B4}"/>
+                <a16:creationId xmlns="" xmlns:a16="http://schemas.microsoft.com/office/drawing/2014/main" id="{553D6B93-0E72-F640-B336-20FC6868B8B4}"/>
               </a:ext>
             </a:extLst>
           </p:cNvPr>
@@ -756,7 +756,7 @@
           <p:cNvPr id="3" name="サブタイトル 2">
             <a:extLst>
               <a:ext uri="{FF2B5EF4-FFF2-40B4-BE49-F238E27FC236}">
-                <a16:creationId xmlns:a16="http://schemas.microsoft.com/office/drawing/2014/main" xmlns="" id="{3F939F73-8188-854C-AA94-A8CFD979CDE3}"/>
+                <a16:creationId xmlns="" xmlns:a16="http://schemas.microsoft.com/office/drawing/2014/main" id="{3F939F73-8188-854C-AA94-A8CFD979CDE3}"/>
               </a:ext>
             </a:extLst>
           </p:cNvPr>
@@ -826,7 +826,7 @@
           <p:cNvPr id="4" name="日付プレースホルダー 3">
             <a:extLst>
               <a:ext uri="{FF2B5EF4-FFF2-40B4-BE49-F238E27FC236}">
-                <a16:creationId xmlns:a16="http://schemas.microsoft.com/office/drawing/2014/main" xmlns="" id="{FA48B2FD-36B6-2845-A479-E7A7B0434319}"/>
+                <a16:creationId xmlns="" xmlns:a16="http://schemas.microsoft.com/office/drawing/2014/main" id="{FA48B2FD-36B6-2845-A479-E7A7B0434319}"/>
               </a:ext>
             </a:extLst>
           </p:cNvPr>
@@ -855,7 +855,7 @@
           <p:cNvPr id="5" name="フッター プレースホルダー 4">
             <a:extLst>
               <a:ext uri="{FF2B5EF4-FFF2-40B4-BE49-F238E27FC236}">
-                <a16:creationId xmlns:a16="http://schemas.microsoft.com/office/drawing/2014/main" xmlns="" id="{44B62887-FBCC-B849-8B21-4D37BA13A334}"/>
+                <a16:creationId xmlns="" xmlns:a16="http://schemas.microsoft.com/office/drawing/2014/main" id="{44B62887-FBCC-B849-8B21-4D37BA13A334}"/>
               </a:ext>
             </a:extLst>
           </p:cNvPr>
@@ -880,7 +880,7 @@
           <p:cNvPr id="6" name="スライド番号プレースホルダー 5">
             <a:extLst>
               <a:ext uri="{FF2B5EF4-FFF2-40B4-BE49-F238E27FC236}">
-                <a16:creationId xmlns:a16="http://schemas.microsoft.com/office/drawing/2014/main" xmlns="" id="{79237482-F624-E442-8637-4DEB10980C80}"/>
+                <a16:creationId xmlns="" xmlns:a16="http://schemas.microsoft.com/office/drawing/2014/main" id="{79237482-F624-E442-8637-4DEB10980C80}"/>
               </a:ext>
             </a:extLst>
           </p:cNvPr>
@@ -939,7 +939,7 @@
           <p:cNvPr id="2" name="タイトル 1">
             <a:extLst>
               <a:ext uri="{FF2B5EF4-FFF2-40B4-BE49-F238E27FC236}">
-                <a16:creationId xmlns:a16="http://schemas.microsoft.com/office/drawing/2014/main" xmlns="" id="{6864D686-7BEC-E145-87FE-2CF82D370CEA}"/>
+                <a16:creationId xmlns="" xmlns:a16="http://schemas.microsoft.com/office/drawing/2014/main" id="{6864D686-7BEC-E145-87FE-2CF82D370CEA}"/>
               </a:ext>
             </a:extLst>
           </p:cNvPr>
@@ -967,7 +967,7 @@
           <p:cNvPr id="3" name="縦書きテキスト プレースホルダー 2">
             <a:extLst>
               <a:ext uri="{FF2B5EF4-FFF2-40B4-BE49-F238E27FC236}">
-                <a16:creationId xmlns:a16="http://schemas.microsoft.com/office/drawing/2014/main" xmlns="" id="{40E0E84D-F8A3-184C-8345-12816E4F7A6F}"/>
+                <a16:creationId xmlns="" xmlns:a16="http://schemas.microsoft.com/office/drawing/2014/main" id="{40E0E84D-F8A3-184C-8345-12816E4F7A6F}"/>
               </a:ext>
             </a:extLst>
           </p:cNvPr>
@@ -1056,7 +1056,7 @@
           <p:cNvPr id="4" name="日付プレースホルダー 3">
             <a:extLst>
               <a:ext uri="{FF2B5EF4-FFF2-40B4-BE49-F238E27FC236}">
-                <a16:creationId xmlns:a16="http://schemas.microsoft.com/office/drawing/2014/main" xmlns="" id="{89C1FEC2-87BE-D043-AF0A-145CEC857C0C}"/>
+                <a16:creationId xmlns="" xmlns:a16="http://schemas.microsoft.com/office/drawing/2014/main" id="{89C1FEC2-87BE-D043-AF0A-145CEC857C0C}"/>
               </a:ext>
             </a:extLst>
           </p:cNvPr>
@@ -1085,7 +1085,7 @@
           <p:cNvPr id="5" name="フッター プレースホルダー 4">
             <a:extLst>
               <a:ext uri="{FF2B5EF4-FFF2-40B4-BE49-F238E27FC236}">
-                <a16:creationId xmlns:a16="http://schemas.microsoft.com/office/drawing/2014/main" xmlns="" id="{19EA99CB-A983-CF44-BAE6-2728293304FD}"/>
+                <a16:creationId xmlns="" xmlns:a16="http://schemas.microsoft.com/office/drawing/2014/main" id="{19EA99CB-A983-CF44-BAE6-2728293304FD}"/>
               </a:ext>
             </a:extLst>
           </p:cNvPr>
@@ -1110,7 +1110,7 @@
           <p:cNvPr id="6" name="スライド番号プレースホルダー 5">
             <a:extLst>
               <a:ext uri="{FF2B5EF4-FFF2-40B4-BE49-F238E27FC236}">
-                <a16:creationId xmlns:a16="http://schemas.microsoft.com/office/drawing/2014/main" xmlns="" id="{98731680-07AE-5C4A-9FA8-5BA9835A59BA}"/>
+                <a16:creationId xmlns="" xmlns:a16="http://schemas.microsoft.com/office/drawing/2014/main" id="{98731680-07AE-5C4A-9FA8-5BA9835A59BA}"/>
               </a:ext>
             </a:extLst>
           </p:cNvPr>
@@ -1169,7 +1169,7 @@
           <p:cNvPr id="2" name="縦書きタイトル 1">
             <a:extLst>
               <a:ext uri="{FF2B5EF4-FFF2-40B4-BE49-F238E27FC236}">
-                <a16:creationId xmlns:a16="http://schemas.microsoft.com/office/drawing/2014/main" xmlns="" id="{E6DB8372-657E-2D46-90CA-6FC954EF80D5}"/>
+                <a16:creationId xmlns="" xmlns:a16="http://schemas.microsoft.com/office/drawing/2014/main" id="{E6DB8372-657E-2D46-90CA-6FC954EF80D5}"/>
               </a:ext>
             </a:extLst>
           </p:cNvPr>
@@ -1202,7 +1202,7 @@
           <p:cNvPr id="3" name="縦書きテキスト プレースホルダー 2">
             <a:extLst>
               <a:ext uri="{FF2B5EF4-FFF2-40B4-BE49-F238E27FC236}">
-                <a16:creationId xmlns:a16="http://schemas.microsoft.com/office/drawing/2014/main" xmlns="" id="{F4AC3AB1-E965-2148-990C-A5CCAD8BC502}"/>
+                <a16:creationId xmlns="" xmlns:a16="http://schemas.microsoft.com/office/drawing/2014/main" id="{F4AC3AB1-E965-2148-990C-A5CCAD8BC502}"/>
               </a:ext>
             </a:extLst>
           </p:cNvPr>
@@ -1296,7 +1296,7 @@
           <p:cNvPr id="4" name="日付プレースホルダー 3">
             <a:extLst>
               <a:ext uri="{FF2B5EF4-FFF2-40B4-BE49-F238E27FC236}">
-                <a16:creationId xmlns:a16="http://schemas.microsoft.com/office/drawing/2014/main" xmlns="" id="{E05AF869-AE37-6348-B922-CDFCECC599BC}"/>
+                <a16:creationId xmlns="" xmlns:a16="http://schemas.microsoft.com/office/drawing/2014/main" id="{E05AF869-AE37-6348-B922-CDFCECC599BC}"/>
               </a:ext>
             </a:extLst>
           </p:cNvPr>
@@ -1325,7 +1325,7 @@
           <p:cNvPr id="5" name="フッター プレースホルダー 4">
             <a:extLst>
               <a:ext uri="{FF2B5EF4-FFF2-40B4-BE49-F238E27FC236}">
-                <a16:creationId xmlns:a16="http://schemas.microsoft.com/office/drawing/2014/main" xmlns="" id="{AD2B24F4-49C4-E44E-AE85-1ACCD4A826BC}"/>
+                <a16:creationId xmlns="" xmlns:a16="http://schemas.microsoft.com/office/drawing/2014/main" id="{AD2B24F4-49C4-E44E-AE85-1ACCD4A826BC}"/>
               </a:ext>
             </a:extLst>
           </p:cNvPr>
@@ -1350,7 +1350,7 @@
           <p:cNvPr id="6" name="スライド番号プレースホルダー 5">
             <a:extLst>
               <a:ext uri="{FF2B5EF4-FFF2-40B4-BE49-F238E27FC236}">
-                <a16:creationId xmlns:a16="http://schemas.microsoft.com/office/drawing/2014/main" xmlns="" id="{6D6FF6F6-6091-F04F-B622-4B010AF972FF}"/>
+                <a16:creationId xmlns="" xmlns:a16="http://schemas.microsoft.com/office/drawing/2014/main" id="{6D6FF6F6-6091-F04F-B622-4B010AF972FF}"/>
               </a:ext>
             </a:extLst>
           </p:cNvPr>
@@ -1409,7 +1409,7 @@
           <p:cNvPr id="2" name="タイトル 1">
             <a:extLst>
               <a:ext uri="{FF2B5EF4-FFF2-40B4-BE49-F238E27FC236}">
-                <a16:creationId xmlns:a16="http://schemas.microsoft.com/office/drawing/2014/main" xmlns="" id="{EE65D975-2E45-6249-BBD7-FA836364F148}"/>
+                <a16:creationId xmlns="" xmlns:a16="http://schemas.microsoft.com/office/drawing/2014/main" id="{EE65D975-2E45-6249-BBD7-FA836364F148}"/>
               </a:ext>
             </a:extLst>
           </p:cNvPr>
@@ -1437,7 +1437,7 @@
           <p:cNvPr id="3" name="コンテンツ プレースホルダー 2">
             <a:extLst>
               <a:ext uri="{FF2B5EF4-FFF2-40B4-BE49-F238E27FC236}">
-                <a16:creationId xmlns:a16="http://schemas.microsoft.com/office/drawing/2014/main" xmlns="" id="{AEAC1974-2468-C44F-AFDF-BC095A00E6A1}"/>
+                <a16:creationId xmlns="" xmlns:a16="http://schemas.microsoft.com/office/drawing/2014/main" id="{AEAC1974-2468-C44F-AFDF-BC095A00E6A1}"/>
               </a:ext>
             </a:extLst>
           </p:cNvPr>
@@ -1526,7 +1526,7 @@
           <p:cNvPr id="4" name="日付プレースホルダー 3">
             <a:extLst>
               <a:ext uri="{FF2B5EF4-FFF2-40B4-BE49-F238E27FC236}">
-                <a16:creationId xmlns:a16="http://schemas.microsoft.com/office/drawing/2014/main" xmlns="" id="{F2C9B85D-EF3F-BC45-8F52-121F8D9F50A7}"/>
+                <a16:creationId xmlns="" xmlns:a16="http://schemas.microsoft.com/office/drawing/2014/main" id="{F2C9B85D-EF3F-BC45-8F52-121F8D9F50A7}"/>
               </a:ext>
             </a:extLst>
           </p:cNvPr>
@@ -1555,7 +1555,7 @@
           <p:cNvPr id="5" name="フッター プレースホルダー 4">
             <a:extLst>
               <a:ext uri="{FF2B5EF4-FFF2-40B4-BE49-F238E27FC236}">
-                <a16:creationId xmlns:a16="http://schemas.microsoft.com/office/drawing/2014/main" xmlns="" id="{ADDCF012-7398-8446-9B77-18D13AB051DD}"/>
+                <a16:creationId xmlns="" xmlns:a16="http://schemas.microsoft.com/office/drawing/2014/main" id="{ADDCF012-7398-8446-9B77-18D13AB051DD}"/>
               </a:ext>
             </a:extLst>
           </p:cNvPr>
@@ -1580,7 +1580,7 @@
           <p:cNvPr id="6" name="スライド番号プレースホルダー 5">
             <a:extLst>
               <a:ext uri="{FF2B5EF4-FFF2-40B4-BE49-F238E27FC236}">
-                <a16:creationId xmlns:a16="http://schemas.microsoft.com/office/drawing/2014/main" xmlns="" id="{1E8AB559-3B6D-4D4D-ABD4-813150698E75}"/>
+                <a16:creationId xmlns="" xmlns:a16="http://schemas.microsoft.com/office/drawing/2014/main" id="{1E8AB559-3B6D-4D4D-ABD4-813150698E75}"/>
               </a:ext>
             </a:extLst>
           </p:cNvPr>
@@ -1639,7 +1639,7 @@
           <p:cNvPr id="2" name="タイトル 1">
             <a:extLst>
               <a:ext uri="{FF2B5EF4-FFF2-40B4-BE49-F238E27FC236}">
-                <a16:creationId xmlns:a16="http://schemas.microsoft.com/office/drawing/2014/main" xmlns="" id="{BC79A17D-F1E2-BB44-960F-043308571A16}"/>
+                <a16:creationId xmlns="" xmlns:a16="http://schemas.microsoft.com/office/drawing/2014/main" id="{BC79A17D-F1E2-BB44-960F-043308571A16}"/>
               </a:ext>
             </a:extLst>
           </p:cNvPr>
@@ -1676,7 +1676,7 @@
           <p:cNvPr id="3" name="テキスト プレースホルダー 2">
             <a:extLst>
               <a:ext uri="{FF2B5EF4-FFF2-40B4-BE49-F238E27FC236}">
-                <a16:creationId xmlns:a16="http://schemas.microsoft.com/office/drawing/2014/main" xmlns="" id="{FBC98D7D-7E28-A442-8722-8D9562D40129}"/>
+                <a16:creationId xmlns="" xmlns:a16="http://schemas.microsoft.com/office/drawing/2014/main" id="{FBC98D7D-7E28-A442-8722-8D9562D40129}"/>
               </a:ext>
             </a:extLst>
           </p:cNvPr>
@@ -1801,7 +1801,7 @@
           <p:cNvPr id="4" name="日付プレースホルダー 3">
             <a:extLst>
               <a:ext uri="{FF2B5EF4-FFF2-40B4-BE49-F238E27FC236}">
-                <a16:creationId xmlns:a16="http://schemas.microsoft.com/office/drawing/2014/main" xmlns="" id="{E882D62A-2A4A-0F4F-A92C-294A9F4534D8}"/>
+                <a16:creationId xmlns="" xmlns:a16="http://schemas.microsoft.com/office/drawing/2014/main" id="{E882D62A-2A4A-0F4F-A92C-294A9F4534D8}"/>
               </a:ext>
             </a:extLst>
           </p:cNvPr>
@@ -1830,7 +1830,7 @@
           <p:cNvPr id="5" name="フッター プレースホルダー 4">
             <a:extLst>
               <a:ext uri="{FF2B5EF4-FFF2-40B4-BE49-F238E27FC236}">
-                <a16:creationId xmlns:a16="http://schemas.microsoft.com/office/drawing/2014/main" xmlns="" id="{FC2E0B06-9F72-D24D-9351-6110E691D307}"/>
+                <a16:creationId xmlns="" xmlns:a16="http://schemas.microsoft.com/office/drawing/2014/main" id="{FC2E0B06-9F72-D24D-9351-6110E691D307}"/>
               </a:ext>
             </a:extLst>
           </p:cNvPr>
@@ -1855,7 +1855,7 @@
           <p:cNvPr id="6" name="スライド番号プレースホルダー 5">
             <a:extLst>
               <a:ext uri="{FF2B5EF4-FFF2-40B4-BE49-F238E27FC236}">
-                <a16:creationId xmlns:a16="http://schemas.microsoft.com/office/drawing/2014/main" xmlns="" id="{9C545E27-F6BB-FF4F-B201-3AB8683343AB}"/>
+                <a16:creationId xmlns="" xmlns:a16="http://schemas.microsoft.com/office/drawing/2014/main" id="{9C545E27-F6BB-FF4F-B201-3AB8683343AB}"/>
               </a:ext>
             </a:extLst>
           </p:cNvPr>
@@ -1914,7 +1914,7 @@
           <p:cNvPr id="2" name="タイトル 1">
             <a:extLst>
               <a:ext uri="{FF2B5EF4-FFF2-40B4-BE49-F238E27FC236}">
-                <a16:creationId xmlns:a16="http://schemas.microsoft.com/office/drawing/2014/main" xmlns="" id="{ECCB056D-09BB-C041-990B-033029DF1BB9}"/>
+                <a16:creationId xmlns="" xmlns:a16="http://schemas.microsoft.com/office/drawing/2014/main" id="{ECCB056D-09BB-C041-990B-033029DF1BB9}"/>
               </a:ext>
             </a:extLst>
           </p:cNvPr>
@@ -1942,7 +1942,7 @@
           <p:cNvPr id="3" name="コンテンツ プレースホルダー 2">
             <a:extLst>
               <a:ext uri="{FF2B5EF4-FFF2-40B4-BE49-F238E27FC236}">
-                <a16:creationId xmlns:a16="http://schemas.microsoft.com/office/drawing/2014/main" xmlns="" id="{FE353911-797C-1542-9EA5-34E2BCBD55CE}"/>
+                <a16:creationId xmlns="" xmlns:a16="http://schemas.microsoft.com/office/drawing/2014/main" id="{FE353911-797C-1542-9EA5-34E2BCBD55CE}"/>
               </a:ext>
             </a:extLst>
           </p:cNvPr>
@@ -2036,7 +2036,7 @@
           <p:cNvPr id="4" name="コンテンツ プレースホルダー 3">
             <a:extLst>
               <a:ext uri="{FF2B5EF4-FFF2-40B4-BE49-F238E27FC236}">
-                <a16:creationId xmlns:a16="http://schemas.microsoft.com/office/drawing/2014/main" xmlns="" id="{6CE74667-7746-3547-A312-9771AC67FEDD}"/>
+                <a16:creationId xmlns="" xmlns:a16="http://schemas.microsoft.com/office/drawing/2014/main" id="{6CE74667-7746-3547-A312-9771AC67FEDD}"/>
               </a:ext>
             </a:extLst>
           </p:cNvPr>
@@ -2130,7 +2130,7 @@
           <p:cNvPr id="5" name="日付プレースホルダー 4">
             <a:extLst>
               <a:ext uri="{FF2B5EF4-FFF2-40B4-BE49-F238E27FC236}">
-                <a16:creationId xmlns:a16="http://schemas.microsoft.com/office/drawing/2014/main" xmlns="" id="{8349D24C-610D-D841-B021-902AB8B55D33}"/>
+                <a16:creationId xmlns="" xmlns:a16="http://schemas.microsoft.com/office/drawing/2014/main" id="{8349D24C-610D-D841-B021-902AB8B55D33}"/>
               </a:ext>
             </a:extLst>
           </p:cNvPr>
@@ -2159,7 +2159,7 @@
           <p:cNvPr id="6" name="フッター プレースホルダー 5">
             <a:extLst>
               <a:ext uri="{FF2B5EF4-FFF2-40B4-BE49-F238E27FC236}">
-                <a16:creationId xmlns:a16="http://schemas.microsoft.com/office/drawing/2014/main" xmlns="" id="{A0D0FDEB-FF14-604B-B5E6-D3FDD3916ACD}"/>
+                <a16:creationId xmlns="" xmlns:a16="http://schemas.microsoft.com/office/drawing/2014/main" id="{A0D0FDEB-FF14-604B-B5E6-D3FDD3916ACD}"/>
               </a:ext>
             </a:extLst>
           </p:cNvPr>
@@ -2184,7 +2184,7 @@
           <p:cNvPr id="7" name="スライド番号プレースホルダー 6">
             <a:extLst>
               <a:ext uri="{FF2B5EF4-FFF2-40B4-BE49-F238E27FC236}">
-                <a16:creationId xmlns:a16="http://schemas.microsoft.com/office/drawing/2014/main" xmlns="" id="{07B6C083-3D28-9B4C-BB8B-9FCF15C72149}"/>
+                <a16:creationId xmlns="" xmlns:a16="http://schemas.microsoft.com/office/drawing/2014/main" id="{07B6C083-3D28-9B4C-BB8B-9FCF15C72149}"/>
               </a:ext>
             </a:extLst>
           </p:cNvPr>
@@ -2243,7 +2243,7 @@
           <p:cNvPr id="2" name="タイトル 1">
             <a:extLst>
               <a:ext uri="{FF2B5EF4-FFF2-40B4-BE49-F238E27FC236}">
-                <a16:creationId xmlns:a16="http://schemas.microsoft.com/office/drawing/2014/main" xmlns="" id="{550404A4-11F9-A944-8349-D7762CA1D704}"/>
+                <a16:creationId xmlns="" xmlns:a16="http://schemas.microsoft.com/office/drawing/2014/main" id="{550404A4-11F9-A944-8349-D7762CA1D704}"/>
               </a:ext>
             </a:extLst>
           </p:cNvPr>
@@ -2276,7 +2276,7 @@
           <p:cNvPr id="3" name="テキスト プレースホルダー 2">
             <a:extLst>
               <a:ext uri="{FF2B5EF4-FFF2-40B4-BE49-F238E27FC236}">
-                <a16:creationId xmlns:a16="http://schemas.microsoft.com/office/drawing/2014/main" xmlns="" id="{6610E45D-C0E2-7647-93AC-B885FBC71441}"/>
+                <a16:creationId xmlns="" xmlns:a16="http://schemas.microsoft.com/office/drawing/2014/main" id="{6610E45D-C0E2-7647-93AC-B885FBC71441}"/>
               </a:ext>
             </a:extLst>
           </p:cNvPr>
@@ -2347,7 +2347,7 @@
           <p:cNvPr id="4" name="コンテンツ プレースホルダー 3">
             <a:extLst>
               <a:ext uri="{FF2B5EF4-FFF2-40B4-BE49-F238E27FC236}">
-                <a16:creationId xmlns:a16="http://schemas.microsoft.com/office/drawing/2014/main" xmlns="" id="{35A06B95-6B8A-5F48-9C84-D83BFE51FC91}"/>
+                <a16:creationId xmlns="" xmlns:a16="http://schemas.microsoft.com/office/drawing/2014/main" id="{35A06B95-6B8A-5F48-9C84-D83BFE51FC91}"/>
               </a:ext>
             </a:extLst>
           </p:cNvPr>
@@ -2441,7 +2441,7 @@
           <p:cNvPr id="5" name="テキスト プレースホルダー 4">
             <a:extLst>
               <a:ext uri="{FF2B5EF4-FFF2-40B4-BE49-F238E27FC236}">
-                <a16:creationId xmlns:a16="http://schemas.microsoft.com/office/drawing/2014/main" xmlns="" id="{3CAF484F-63D4-3F42-90AB-04B024B73235}"/>
+                <a16:creationId xmlns="" xmlns:a16="http://schemas.microsoft.com/office/drawing/2014/main" id="{3CAF484F-63D4-3F42-90AB-04B024B73235}"/>
               </a:ext>
             </a:extLst>
           </p:cNvPr>
@@ -2512,7 +2512,7 @@
           <p:cNvPr id="6" name="コンテンツ プレースホルダー 5">
             <a:extLst>
               <a:ext uri="{FF2B5EF4-FFF2-40B4-BE49-F238E27FC236}">
-                <a16:creationId xmlns:a16="http://schemas.microsoft.com/office/drawing/2014/main" xmlns="" id="{A74F1FBB-289A-964D-864E-35F9DB7A53E3}"/>
+                <a16:creationId xmlns="" xmlns:a16="http://schemas.microsoft.com/office/drawing/2014/main" id="{A74F1FBB-289A-964D-864E-35F9DB7A53E3}"/>
               </a:ext>
             </a:extLst>
           </p:cNvPr>
@@ -2606,7 +2606,7 @@
           <p:cNvPr id="7" name="日付プレースホルダー 6">
             <a:extLst>
               <a:ext uri="{FF2B5EF4-FFF2-40B4-BE49-F238E27FC236}">
-                <a16:creationId xmlns:a16="http://schemas.microsoft.com/office/drawing/2014/main" xmlns="" id="{B4BE34F7-6A8A-BD4B-9763-46950B1BEC74}"/>
+                <a16:creationId xmlns="" xmlns:a16="http://schemas.microsoft.com/office/drawing/2014/main" id="{B4BE34F7-6A8A-BD4B-9763-46950B1BEC74}"/>
               </a:ext>
             </a:extLst>
           </p:cNvPr>
@@ -2635,7 +2635,7 @@
           <p:cNvPr id="8" name="フッター プレースホルダー 7">
             <a:extLst>
               <a:ext uri="{FF2B5EF4-FFF2-40B4-BE49-F238E27FC236}">
-                <a16:creationId xmlns:a16="http://schemas.microsoft.com/office/drawing/2014/main" xmlns="" id="{9ED193A8-159A-6642-BF1B-1272625BA494}"/>
+                <a16:creationId xmlns="" xmlns:a16="http://schemas.microsoft.com/office/drawing/2014/main" id="{9ED193A8-159A-6642-BF1B-1272625BA494}"/>
               </a:ext>
             </a:extLst>
           </p:cNvPr>
@@ -2660,7 +2660,7 @@
           <p:cNvPr id="9" name="スライド番号プレースホルダー 8">
             <a:extLst>
               <a:ext uri="{FF2B5EF4-FFF2-40B4-BE49-F238E27FC236}">
-                <a16:creationId xmlns:a16="http://schemas.microsoft.com/office/drawing/2014/main" xmlns="" id="{D89FB461-629F-EC49-9E1E-C632AFA3823F}"/>
+                <a16:creationId xmlns="" xmlns:a16="http://schemas.microsoft.com/office/drawing/2014/main" id="{D89FB461-629F-EC49-9E1E-C632AFA3823F}"/>
               </a:ext>
             </a:extLst>
           </p:cNvPr>
@@ -2719,7 +2719,7 @@
           <p:cNvPr id="2" name="タイトル 1">
             <a:extLst>
               <a:ext uri="{FF2B5EF4-FFF2-40B4-BE49-F238E27FC236}">
-                <a16:creationId xmlns:a16="http://schemas.microsoft.com/office/drawing/2014/main" xmlns="" id="{7C22645B-716A-A04B-B53B-DA7958F08592}"/>
+                <a16:creationId xmlns="" xmlns:a16="http://schemas.microsoft.com/office/drawing/2014/main" id="{7C22645B-716A-A04B-B53B-DA7958F08592}"/>
               </a:ext>
             </a:extLst>
           </p:cNvPr>
@@ -2747,7 +2747,7 @@
           <p:cNvPr id="3" name="日付プレースホルダー 2">
             <a:extLst>
               <a:ext uri="{FF2B5EF4-FFF2-40B4-BE49-F238E27FC236}">
-                <a16:creationId xmlns:a16="http://schemas.microsoft.com/office/drawing/2014/main" xmlns="" id="{3F0612FD-EA1D-6141-858C-8A6D6E565CB2}"/>
+                <a16:creationId xmlns="" xmlns:a16="http://schemas.microsoft.com/office/drawing/2014/main" id="{3F0612FD-EA1D-6141-858C-8A6D6E565CB2}"/>
               </a:ext>
             </a:extLst>
           </p:cNvPr>
@@ -2776,7 +2776,7 @@
           <p:cNvPr id="4" name="フッター プレースホルダー 3">
             <a:extLst>
               <a:ext uri="{FF2B5EF4-FFF2-40B4-BE49-F238E27FC236}">
-                <a16:creationId xmlns:a16="http://schemas.microsoft.com/office/drawing/2014/main" xmlns="" id="{2CE681AE-7D2D-9C42-A593-396ABA8C6B39}"/>
+                <a16:creationId xmlns="" xmlns:a16="http://schemas.microsoft.com/office/drawing/2014/main" id="{2CE681AE-7D2D-9C42-A593-396ABA8C6B39}"/>
               </a:ext>
             </a:extLst>
           </p:cNvPr>
@@ -2801,7 +2801,7 @@
           <p:cNvPr id="5" name="スライド番号プレースホルダー 4">
             <a:extLst>
               <a:ext uri="{FF2B5EF4-FFF2-40B4-BE49-F238E27FC236}">
-                <a16:creationId xmlns:a16="http://schemas.microsoft.com/office/drawing/2014/main" xmlns="" id="{621C3504-1675-7C4A-A61C-9ACAD4598A44}"/>
+                <a16:creationId xmlns="" xmlns:a16="http://schemas.microsoft.com/office/drawing/2014/main" id="{621C3504-1675-7C4A-A61C-9ACAD4598A44}"/>
               </a:ext>
             </a:extLst>
           </p:cNvPr>
@@ -2860,7 +2860,7 @@
           <p:cNvPr id="2" name="日付プレースホルダー 1">
             <a:extLst>
               <a:ext uri="{FF2B5EF4-FFF2-40B4-BE49-F238E27FC236}">
-                <a16:creationId xmlns:a16="http://schemas.microsoft.com/office/drawing/2014/main" xmlns="" id="{6C2819F4-1CF8-EE4A-9804-00CFDC8A75B9}"/>
+                <a16:creationId xmlns="" xmlns:a16="http://schemas.microsoft.com/office/drawing/2014/main" id="{6C2819F4-1CF8-EE4A-9804-00CFDC8A75B9}"/>
               </a:ext>
             </a:extLst>
           </p:cNvPr>
@@ -2889,7 +2889,7 @@
           <p:cNvPr id="3" name="フッター プレースホルダー 2">
             <a:extLst>
               <a:ext uri="{FF2B5EF4-FFF2-40B4-BE49-F238E27FC236}">
-                <a16:creationId xmlns:a16="http://schemas.microsoft.com/office/drawing/2014/main" xmlns="" id="{82C6D72F-54D6-E648-B741-50D66E264660}"/>
+                <a16:creationId xmlns="" xmlns:a16="http://schemas.microsoft.com/office/drawing/2014/main" id="{82C6D72F-54D6-E648-B741-50D66E264660}"/>
               </a:ext>
             </a:extLst>
           </p:cNvPr>
@@ -2914,7 +2914,7 @@
           <p:cNvPr id="4" name="スライド番号プレースホルダー 3">
             <a:extLst>
               <a:ext uri="{FF2B5EF4-FFF2-40B4-BE49-F238E27FC236}">
-                <a16:creationId xmlns:a16="http://schemas.microsoft.com/office/drawing/2014/main" xmlns="" id="{00328805-64BF-4F47-8B86-F0A1680831A6}"/>
+                <a16:creationId xmlns="" xmlns:a16="http://schemas.microsoft.com/office/drawing/2014/main" id="{00328805-64BF-4F47-8B86-F0A1680831A6}"/>
               </a:ext>
             </a:extLst>
           </p:cNvPr>
@@ -2973,7 +2973,7 @@
           <p:cNvPr id="2" name="タイトル 1">
             <a:extLst>
               <a:ext uri="{FF2B5EF4-FFF2-40B4-BE49-F238E27FC236}">
-                <a16:creationId xmlns:a16="http://schemas.microsoft.com/office/drawing/2014/main" xmlns="" id="{D7EF8574-94B1-594A-A12A-7637B7D58485}"/>
+                <a16:creationId xmlns="" xmlns:a16="http://schemas.microsoft.com/office/drawing/2014/main" id="{D7EF8574-94B1-594A-A12A-7637B7D58485}"/>
               </a:ext>
             </a:extLst>
           </p:cNvPr>
@@ -3010,7 +3010,7 @@
           <p:cNvPr id="3" name="コンテンツ プレースホルダー 2">
             <a:extLst>
               <a:ext uri="{FF2B5EF4-FFF2-40B4-BE49-F238E27FC236}">
-                <a16:creationId xmlns:a16="http://schemas.microsoft.com/office/drawing/2014/main" xmlns="" id="{097ED8D2-C1FC-2547-BC65-CD5B5ACA6FDF}"/>
+                <a16:creationId xmlns="" xmlns:a16="http://schemas.microsoft.com/office/drawing/2014/main" id="{097ED8D2-C1FC-2547-BC65-CD5B5ACA6FDF}"/>
               </a:ext>
             </a:extLst>
           </p:cNvPr>
@@ -3132,7 +3132,7 @@
           <p:cNvPr id="4" name="テキスト プレースホルダー 3">
             <a:extLst>
               <a:ext uri="{FF2B5EF4-FFF2-40B4-BE49-F238E27FC236}">
-                <a16:creationId xmlns:a16="http://schemas.microsoft.com/office/drawing/2014/main" xmlns="" id="{13C22CFE-2232-3340-93AA-8D2B3114B792}"/>
+                <a16:creationId xmlns="" xmlns:a16="http://schemas.microsoft.com/office/drawing/2014/main" id="{13C22CFE-2232-3340-93AA-8D2B3114B792}"/>
               </a:ext>
             </a:extLst>
           </p:cNvPr>
@@ -3203,7 +3203,7 @@
           <p:cNvPr id="5" name="日付プレースホルダー 4">
             <a:extLst>
               <a:ext uri="{FF2B5EF4-FFF2-40B4-BE49-F238E27FC236}">
-                <a16:creationId xmlns:a16="http://schemas.microsoft.com/office/drawing/2014/main" xmlns="" id="{B08B58EE-C115-0A41-A481-5D9FF7CADD6E}"/>
+                <a16:creationId xmlns="" xmlns:a16="http://schemas.microsoft.com/office/drawing/2014/main" id="{B08B58EE-C115-0A41-A481-5D9FF7CADD6E}"/>
               </a:ext>
             </a:extLst>
           </p:cNvPr>
@@ -3232,7 +3232,7 @@
           <p:cNvPr id="6" name="フッター プレースホルダー 5">
             <a:extLst>
               <a:ext uri="{FF2B5EF4-FFF2-40B4-BE49-F238E27FC236}">
-                <a16:creationId xmlns:a16="http://schemas.microsoft.com/office/drawing/2014/main" xmlns="" id="{BD25EC3B-169D-4B44-8E76-FADC08DE3480}"/>
+                <a16:creationId xmlns="" xmlns:a16="http://schemas.microsoft.com/office/drawing/2014/main" id="{BD25EC3B-169D-4B44-8E76-FADC08DE3480}"/>
               </a:ext>
             </a:extLst>
           </p:cNvPr>
@@ -3257,7 +3257,7 @@
           <p:cNvPr id="7" name="スライド番号プレースホルダー 6">
             <a:extLst>
               <a:ext uri="{FF2B5EF4-FFF2-40B4-BE49-F238E27FC236}">
-                <a16:creationId xmlns:a16="http://schemas.microsoft.com/office/drawing/2014/main" xmlns="" id="{87C35F9B-BCC3-854F-BA9D-AD9CAE30E3C3}"/>
+                <a16:creationId xmlns="" xmlns:a16="http://schemas.microsoft.com/office/drawing/2014/main" id="{87C35F9B-BCC3-854F-BA9D-AD9CAE30E3C3}"/>
               </a:ext>
             </a:extLst>
           </p:cNvPr>
@@ -3316,7 +3316,7 @@
           <p:cNvPr id="2" name="タイトル 1">
             <a:extLst>
               <a:ext uri="{FF2B5EF4-FFF2-40B4-BE49-F238E27FC236}">
-                <a16:creationId xmlns:a16="http://schemas.microsoft.com/office/drawing/2014/main" xmlns="" id="{546991DF-BFCA-E947-B285-C4C3CBFDBBBC}"/>
+                <a16:creationId xmlns="" xmlns:a16="http://schemas.microsoft.com/office/drawing/2014/main" id="{546991DF-BFCA-E947-B285-C4C3CBFDBBBC}"/>
               </a:ext>
             </a:extLst>
           </p:cNvPr>
@@ -3353,7 +3353,7 @@
           <p:cNvPr id="3" name="図プレースホルダー 2">
             <a:extLst>
               <a:ext uri="{FF2B5EF4-FFF2-40B4-BE49-F238E27FC236}">
-                <a16:creationId xmlns:a16="http://schemas.microsoft.com/office/drawing/2014/main" xmlns="" id="{E8269D28-D4A8-CF44-8E3E-1D0E0F95CBBA}"/>
+                <a16:creationId xmlns="" xmlns:a16="http://schemas.microsoft.com/office/drawing/2014/main" id="{E8269D28-D4A8-CF44-8E3E-1D0E0F95CBBA}"/>
               </a:ext>
             </a:extLst>
           </p:cNvPr>
@@ -3420,7 +3420,7 @@
           <p:cNvPr id="4" name="テキスト プレースホルダー 3">
             <a:extLst>
               <a:ext uri="{FF2B5EF4-FFF2-40B4-BE49-F238E27FC236}">
-                <a16:creationId xmlns:a16="http://schemas.microsoft.com/office/drawing/2014/main" xmlns="" id="{E8B747EB-4688-2142-A380-59DE83568178}"/>
+                <a16:creationId xmlns="" xmlns:a16="http://schemas.microsoft.com/office/drawing/2014/main" id="{E8B747EB-4688-2142-A380-59DE83568178}"/>
               </a:ext>
             </a:extLst>
           </p:cNvPr>
@@ -3491,7 +3491,7 @@
           <p:cNvPr id="5" name="日付プレースホルダー 4">
             <a:extLst>
               <a:ext uri="{FF2B5EF4-FFF2-40B4-BE49-F238E27FC236}">
-                <a16:creationId xmlns:a16="http://schemas.microsoft.com/office/drawing/2014/main" xmlns="" id="{11E202AD-0710-3E49-8665-511E478A6EC1}"/>
+                <a16:creationId xmlns="" xmlns:a16="http://schemas.microsoft.com/office/drawing/2014/main" id="{11E202AD-0710-3E49-8665-511E478A6EC1}"/>
               </a:ext>
             </a:extLst>
           </p:cNvPr>
@@ -3520,7 +3520,7 @@
           <p:cNvPr id="6" name="フッター プレースホルダー 5">
             <a:extLst>
               <a:ext uri="{FF2B5EF4-FFF2-40B4-BE49-F238E27FC236}">
-                <a16:creationId xmlns:a16="http://schemas.microsoft.com/office/drawing/2014/main" xmlns="" id="{A55DB5E7-FB0E-874B-9177-A4F5A3CF9E8C}"/>
+                <a16:creationId xmlns="" xmlns:a16="http://schemas.microsoft.com/office/drawing/2014/main" id="{A55DB5E7-FB0E-874B-9177-A4F5A3CF9E8C}"/>
               </a:ext>
             </a:extLst>
           </p:cNvPr>
@@ -3545,7 +3545,7 @@
           <p:cNvPr id="7" name="スライド番号プレースホルダー 6">
             <a:extLst>
               <a:ext uri="{FF2B5EF4-FFF2-40B4-BE49-F238E27FC236}">
-                <a16:creationId xmlns:a16="http://schemas.microsoft.com/office/drawing/2014/main" xmlns="" id="{528122A0-09AA-1C4F-8A81-8D51EF0F217F}"/>
+                <a16:creationId xmlns="" xmlns:a16="http://schemas.microsoft.com/office/drawing/2014/main" id="{528122A0-09AA-1C4F-8A81-8D51EF0F217F}"/>
               </a:ext>
             </a:extLst>
           </p:cNvPr>
@@ -3609,7 +3609,7 @@
           <p:cNvPr id="2" name="タイトル プレースホルダー 1">
             <a:extLst>
               <a:ext uri="{FF2B5EF4-FFF2-40B4-BE49-F238E27FC236}">
-                <a16:creationId xmlns:a16="http://schemas.microsoft.com/office/drawing/2014/main" xmlns="" id="{108127FB-6FFA-5548-9347-47A38A23F44C}"/>
+                <a16:creationId xmlns="" xmlns:a16="http://schemas.microsoft.com/office/drawing/2014/main" id="{108127FB-6FFA-5548-9347-47A38A23F44C}"/>
               </a:ext>
             </a:extLst>
           </p:cNvPr>
@@ -3647,7 +3647,7 @@
           <p:cNvPr id="3" name="テキスト プレースホルダー 2">
             <a:extLst>
               <a:ext uri="{FF2B5EF4-FFF2-40B4-BE49-F238E27FC236}">
-                <a16:creationId xmlns:a16="http://schemas.microsoft.com/office/drawing/2014/main" xmlns="" id="{FBD8BA1E-81BE-9947-9DDB-9E7AD2C85341}"/>
+                <a16:creationId xmlns="" xmlns:a16="http://schemas.microsoft.com/office/drawing/2014/main" id="{FBD8BA1E-81BE-9947-9DDB-9E7AD2C85341}"/>
               </a:ext>
             </a:extLst>
           </p:cNvPr>
@@ -3746,7 +3746,7 @@
           <p:cNvPr id="4" name="日付プレースホルダー 3">
             <a:extLst>
               <a:ext uri="{FF2B5EF4-FFF2-40B4-BE49-F238E27FC236}">
-                <a16:creationId xmlns:a16="http://schemas.microsoft.com/office/drawing/2014/main" xmlns="" id="{18C8CBE2-DF27-DD48-A00B-5A51C0BF37DE}"/>
+                <a16:creationId xmlns="" xmlns:a16="http://schemas.microsoft.com/office/drawing/2014/main" id="{18C8CBE2-DF27-DD48-A00B-5A51C0BF37DE}"/>
               </a:ext>
             </a:extLst>
           </p:cNvPr>
@@ -3793,7 +3793,7 @@
           <p:cNvPr id="5" name="フッター プレースホルダー 4">
             <a:extLst>
               <a:ext uri="{FF2B5EF4-FFF2-40B4-BE49-F238E27FC236}">
-                <a16:creationId xmlns:a16="http://schemas.microsoft.com/office/drawing/2014/main" xmlns="" id="{FA6C983E-3156-5A4C-A2F7-ED47523293CD}"/>
+                <a16:creationId xmlns="" xmlns:a16="http://schemas.microsoft.com/office/drawing/2014/main" id="{FA6C983E-3156-5A4C-A2F7-ED47523293CD}"/>
               </a:ext>
             </a:extLst>
           </p:cNvPr>
@@ -3836,7 +3836,7 @@
           <p:cNvPr id="6" name="スライド番号プレースホルダー 5">
             <a:extLst>
               <a:ext uri="{FF2B5EF4-FFF2-40B4-BE49-F238E27FC236}">
-                <a16:creationId xmlns:a16="http://schemas.microsoft.com/office/drawing/2014/main" xmlns="" id="{A46EB7B7-B665-FB48-A955-D9A9254D5BEF}"/>
+                <a16:creationId xmlns="" xmlns:a16="http://schemas.microsoft.com/office/drawing/2014/main" id="{A46EB7B7-B665-FB48-A955-D9A9254D5BEF}"/>
               </a:ext>
             </a:extLst>
           </p:cNvPr>
@@ -4204,7 +4204,7 @@
           <p:cNvPr id="2" name="タイトル 1">
             <a:extLst>
               <a:ext uri="{FF2B5EF4-FFF2-40B4-BE49-F238E27FC236}">
-                <a16:creationId xmlns:a16="http://schemas.microsoft.com/office/drawing/2014/main" xmlns="" id="{37B7E350-4F4E-A24E-8958-4CC4AB3B5872}"/>
+                <a16:creationId xmlns="" xmlns:a16="http://schemas.microsoft.com/office/drawing/2014/main" id="{37B7E350-4F4E-A24E-8958-4CC4AB3B5872}"/>
               </a:ext>
             </a:extLst>
           </p:cNvPr>
@@ -4251,7 +4251,7 @@
           <p:cNvPr id="3" name="サブタイトル 2">
             <a:extLst>
               <a:ext uri="{FF2B5EF4-FFF2-40B4-BE49-F238E27FC236}">
-                <a16:creationId xmlns:a16="http://schemas.microsoft.com/office/drawing/2014/main" xmlns="" id="{C8138D14-45D2-494E-BF8B-8ED14080D1FD}"/>
+                <a16:creationId xmlns="" xmlns:a16="http://schemas.microsoft.com/office/drawing/2014/main" id="{C8138D14-45D2-494E-BF8B-8ED14080D1FD}"/>
               </a:ext>
             </a:extLst>
           </p:cNvPr>
@@ -4306,7 +4306,7 @@
           <p:cNvPr id="4" name="正方形/長方形 3">
             <a:extLst>
               <a:ext uri="{FF2B5EF4-FFF2-40B4-BE49-F238E27FC236}">
-                <a16:creationId xmlns:a16="http://schemas.microsoft.com/office/drawing/2014/main" xmlns="" id="{E14352D6-4254-954F-B23C-DD3C3BEF430F}"/>
+                <a16:creationId xmlns="" xmlns:a16="http://schemas.microsoft.com/office/drawing/2014/main" id="{E14352D6-4254-954F-B23C-DD3C3BEF430F}"/>
               </a:ext>
             </a:extLst>
           </p:cNvPr>
@@ -4372,7 +4372,7 @@
           <p:cNvPr id="2" name="フリーフォーム 1">
             <a:extLst>
               <a:ext uri="{FF2B5EF4-FFF2-40B4-BE49-F238E27FC236}">
-                <a16:creationId xmlns:a16="http://schemas.microsoft.com/office/drawing/2014/main" xmlns="" id="{C1CF671C-1973-BB4B-8499-D925431031F9}"/>
+                <a16:creationId xmlns="" xmlns:a16="http://schemas.microsoft.com/office/drawing/2014/main" id="{C1CF671C-1973-BB4B-8499-D925431031F9}"/>
               </a:ext>
             </a:extLst>
           </p:cNvPr>
@@ -4460,7 +4460,7 @@
           <p:cNvPr id="6" name="正方形/長方形 5">
             <a:extLst>
               <a:ext uri="{FF2B5EF4-FFF2-40B4-BE49-F238E27FC236}">
-                <a16:creationId xmlns:a16="http://schemas.microsoft.com/office/drawing/2014/main" xmlns="" id="{3133FDFE-F698-A04B-87BA-855249F0A8F3}"/>
+                <a16:creationId xmlns="" xmlns:a16="http://schemas.microsoft.com/office/drawing/2014/main" id="{3133FDFE-F698-A04B-87BA-855249F0A8F3}"/>
               </a:ext>
             </a:extLst>
           </p:cNvPr>
@@ -4530,7 +4530,7 @@
           <p:cNvPr id="9" name="正方形/長方形 8">
             <a:extLst>
               <a:ext uri="{FF2B5EF4-FFF2-40B4-BE49-F238E27FC236}">
-                <a16:creationId xmlns:a16="http://schemas.microsoft.com/office/drawing/2014/main" xmlns="" id="{081D1E09-3BB0-984D-8FD1-4FBC6B904AA3}"/>
+                <a16:creationId xmlns="" xmlns:a16="http://schemas.microsoft.com/office/drawing/2014/main" id="{081D1E09-3BB0-984D-8FD1-4FBC6B904AA3}"/>
               </a:ext>
             </a:extLst>
           </p:cNvPr>
@@ -4600,7 +4600,7 @@
           <p:cNvPr id="10" name="正方形/長方形 9">
             <a:extLst>
               <a:ext uri="{FF2B5EF4-FFF2-40B4-BE49-F238E27FC236}">
-                <a16:creationId xmlns:a16="http://schemas.microsoft.com/office/drawing/2014/main" xmlns="" id="{EFBEBC3A-DA97-D14C-B158-0FAEC4DA172C}"/>
+                <a16:creationId xmlns="" xmlns:a16="http://schemas.microsoft.com/office/drawing/2014/main" id="{EFBEBC3A-DA97-D14C-B158-0FAEC4DA172C}"/>
               </a:ext>
             </a:extLst>
           </p:cNvPr>
@@ -4670,7 +4670,7 @@
           <p:cNvPr id="12" name="直線コネクタ 11">
             <a:extLst>
               <a:ext uri="{FF2B5EF4-FFF2-40B4-BE49-F238E27FC236}">
-                <a16:creationId xmlns:a16="http://schemas.microsoft.com/office/drawing/2014/main" xmlns="" id="{498D4C03-132D-8643-8758-A8114DD78FB1}"/>
+                <a16:creationId xmlns="" xmlns:a16="http://schemas.microsoft.com/office/drawing/2014/main" id="{498D4C03-132D-8643-8758-A8114DD78FB1}"/>
               </a:ext>
             </a:extLst>
           </p:cNvPr>
@@ -4712,7 +4712,7 @@
           <p:cNvPr id="14" name="直線コネクタ 13">
             <a:extLst>
               <a:ext uri="{FF2B5EF4-FFF2-40B4-BE49-F238E27FC236}">
-                <a16:creationId xmlns:a16="http://schemas.microsoft.com/office/drawing/2014/main" xmlns="" id="{3ECBF010-6007-A644-A7E0-0253692D4E3E}"/>
+                <a16:creationId xmlns="" xmlns:a16="http://schemas.microsoft.com/office/drawing/2014/main" id="{3ECBF010-6007-A644-A7E0-0253692D4E3E}"/>
               </a:ext>
             </a:extLst>
           </p:cNvPr>
@@ -4751,7 +4751,7 @@
           <p:cNvPr id="17" name="直線コネクタ 16">
             <a:extLst>
               <a:ext uri="{FF2B5EF4-FFF2-40B4-BE49-F238E27FC236}">
-                <a16:creationId xmlns:a16="http://schemas.microsoft.com/office/drawing/2014/main" xmlns="" id="{3388B312-0FD0-184D-BA60-6F3D4146CFB4}"/>
+                <a16:creationId xmlns="" xmlns:a16="http://schemas.microsoft.com/office/drawing/2014/main" id="{3388B312-0FD0-184D-BA60-6F3D4146CFB4}"/>
               </a:ext>
             </a:extLst>
           </p:cNvPr>
@@ -4790,7 +4790,7 @@
           <p:cNvPr id="19" name="直線コネクタ 18">
             <a:extLst>
               <a:ext uri="{FF2B5EF4-FFF2-40B4-BE49-F238E27FC236}">
-                <a16:creationId xmlns:a16="http://schemas.microsoft.com/office/drawing/2014/main" xmlns="" id="{CF1C5363-FA1D-D444-823B-9ECE759818F1}"/>
+                <a16:creationId xmlns="" xmlns:a16="http://schemas.microsoft.com/office/drawing/2014/main" id="{CF1C5363-FA1D-D444-823B-9ECE759818F1}"/>
               </a:ext>
             </a:extLst>
           </p:cNvPr>
@@ -4829,7 +4829,7 @@
           <p:cNvPr id="20" name="フリーフォーム 19">
             <a:extLst>
               <a:ext uri="{FF2B5EF4-FFF2-40B4-BE49-F238E27FC236}">
-                <a16:creationId xmlns:a16="http://schemas.microsoft.com/office/drawing/2014/main" xmlns="" id="{AF2389CD-D043-8140-B056-B50B613FF5A4}"/>
+                <a16:creationId xmlns="" xmlns:a16="http://schemas.microsoft.com/office/drawing/2014/main" id="{AF2389CD-D043-8140-B056-B50B613FF5A4}"/>
               </a:ext>
             </a:extLst>
           </p:cNvPr>
@@ -4923,7 +4923,7 @@
           <p:cNvPr id="41" name="直線コネクタ 40">
             <a:extLst>
               <a:ext uri="{FF2B5EF4-FFF2-40B4-BE49-F238E27FC236}">
-                <a16:creationId xmlns:a16="http://schemas.microsoft.com/office/drawing/2014/main" xmlns="" id="{3ECBF010-6007-A644-A7E0-0253692D4E3E}"/>
+                <a16:creationId xmlns="" xmlns:a16="http://schemas.microsoft.com/office/drawing/2014/main" id="{3ECBF010-6007-A644-A7E0-0253692D4E3E}"/>
               </a:ext>
             </a:extLst>
           </p:cNvPr>
@@ -4976,7 +4976,7 @@
             <p:cNvPr id="21" name="正方形/長方形 20">
               <a:extLst>
                 <a:ext uri="{FF2B5EF4-FFF2-40B4-BE49-F238E27FC236}">
-                  <a16:creationId xmlns:a16="http://schemas.microsoft.com/office/drawing/2014/main" xmlns="" id="{EB51ABC7-6C6A-7142-BE11-B1F9354B3F3C}"/>
+                  <a16:creationId xmlns="" xmlns:a16="http://schemas.microsoft.com/office/drawing/2014/main" id="{EB51ABC7-6C6A-7142-BE11-B1F9354B3F3C}"/>
                 </a:ext>
               </a:extLst>
             </p:cNvPr>
@@ -5038,7 +5038,7 @@
             <p:cNvPr id="43" name="正方形/長方形 42">
               <a:extLst>
                 <a:ext uri="{FF2B5EF4-FFF2-40B4-BE49-F238E27FC236}">
-                  <a16:creationId xmlns:a16="http://schemas.microsoft.com/office/drawing/2014/main" xmlns="" id="{838C1902-9A20-2B4A-B5D7-F3AA957A29A5}"/>
+                  <a16:creationId xmlns="" xmlns:a16="http://schemas.microsoft.com/office/drawing/2014/main" id="{838C1902-9A20-2B4A-B5D7-F3AA957A29A5}"/>
                 </a:ext>
               </a:extLst>
             </p:cNvPr>
@@ -5100,7 +5100,7 @@
             <p:cNvPr id="44" name="正方形/長方形 43">
               <a:extLst>
                 <a:ext uri="{FF2B5EF4-FFF2-40B4-BE49-F238E27FC236}">
-                  <a16:creationId xmlns:a16="http://schemas.microsoft.com/office/drawing/2014/main" xmlns="" id="{4D8F268D-1C6C-8D4D-95B9-D5D9740B85CD}"/>
+                  <a16:creationId xmlns="" xmlns:a16="http://schemas.microsoft.com/office/drawing/2014/main" id="{4D8F268D-1C6C-8D4D-95B9-D5D9740B85CD}"/>
                 </a:ext>
               </a:extLst>
             </p:cNvPr>
@@ -5162,7 +5162,7 @@
             <p:cNvPr id="45" name="正方形/長方形 44">
               <a:extLst>
                 <a:ext uri="{FF2B5EF4-FFF2-40B4-BE49-F238E27FC236}">
-                  <a16:creationId xmlns:a16="http://schemas.microsoft.com/office/drawing/2014/main" xmlns="" id="{7494A8F0-4D34-B748-BD7D-0CBDAE721714}"/>
+                  <a16:creationId xmlns="" xmlns:a16="http://schemas.microsoft.com/office/drawing/2014/main" id="{7494A8F0-4D34-B748-BD7D-0CBDAE721714}"/>
                 </a:ext>
               </a:extLst>
             </p:cNvPr>
@@ -5224,7 +5224,7 @@
             <p:cNvPr id="46" name="正方形/長方形 45">
               <a:extLst>
                 <a:ext uri="{FF2B5EF4-FFF2-40B4-BE49-F238E27FC236}">
-                  <a16:creationId xmlns:a16="http://schemas.microsoft.com/office/drawing/2014/main" xmlns="" id="{838C1902-9A20-2B4A-B5D7-F3AA957A29A5}"/>
+                  <a16:creationId xmlns="" xmlns:a16="http://schemas.microsoft.com/office/drawing/2014/main" id="{838C1902-9A20-2B4A-B5D7-F3AA957A29A5}"/>
                 </a:ext>
               </a:extLst>
             </p:cNvPr>
@@ -5287,7 +5287,7 @@
           <p:cNvPr id="65" name="フリーフォーム 64">
             <a:extLst>
               <a:ext uri="{FF2B5EF4-FFF2-40B4-BE49-F238E27FC236}">
-                <a16:creationId xmlns:a16="http://schemas.microsoft.com/office/drawing/2014/main" xmlns="" id="{C1CF671C-1973-BB4B-8499-D925431031F9}"/>
+                <a16:creationId xmlns="" xmlns:a16="http://schemas.microsoft.com/office/drawing/2014/main" id="{C1CF671C-1973-BB4B-8499-D925431031F9}"/>
               </a:ext>
             </a:extLst>
           </p:cNvPr>
@@ -5389,7 +5389,7 @@
             <p:cNvPr id="67" name="正方形/長方形 66">
               <a:extLst>
                 <a:ext uri="{FF2B5EF4-FFF2-40B4-BE49-F238E27FC236}">
-                  <a16:creationId xmlns:a16="http://schemas.microsoft.com/office/drawing/2014/main" xmlns="" id="{EB51ABC7-6C6A-7142-BE11-B1F9354B3F3C}"/>
+                  <a16:creationId xmlns="" xmlns:a16="http://schemas.microsoft.com/office/drawing/2014/main" id="{EB51ABC7-6C6A-7142-BE11-B1F9354B3F3C}"/>
                 </a:ext>
               </a:extLst>
             </p:cNvPr>
@@ -5451,7 +5451,7 @@
             <p:cNvPr id="68" name="正方形/長方形 67">
               <a:extLst>
                 <a:ext uri="{FF2B5EF4-FFF2-40B4-BE49-F238E27FC236}">
-                  <a16:creationId xmlns:a16="http://schemas.microsoft.com/office/drawing/2014/main" xmlns="" id="{838C1902-9A20-2B4A-B5D7-F3AA957A29A5}"/>
+                  <a16:creationId xmlns="" xmlns:a16="http://schemas.microsoft.com/office/drawing/2014/main" id="{838C1902-9A20-2B4A-B5D7-F3AA957A29A5}"/>
                 </a:ext>
               </a:extLst>
             </p:cNvPr>
@@ -5513,7 +5513,7 @@
             <p:cNvPr id="69" name="正方形/長方形 68">
               <a:extLst>
                 <a:ext uri="{FF2B5EF4-FFF2-40B4-BE49-F238E27FC236}">
-                  <a16:creationId xmlns:a16="http://schemas.microsoft.com/office/drawing/2014/main" xmlns="" id="{4D8F268D-1C6C-8D4D-95B9-D5D9740B85CD}"/>
+                  <a16:creationId xmlns="" xmlns:a16="http://schemas.microsoft.com/office/drawing/2014/main" id="{4D8F268D-1C6C-8D4D-95B9-D5D9740B85CD}"/>
                 </a:ext>
               </a:extLst>
             </p:cNvPr>
@@ -5575,7 +5575,7 @@
             <p:cNvPr id="70" name="正方形/長方形 69">
               <a:extLst>
                 <a:ext uri="{FF2B5EF4-FFF2-40B4-BE49-F238E27FC236}">
-                  <a16:creationId xmlns:a16="http://schemas.microsoft.com/office/drawing/2014/main" xmlns="" id="{7494A8F0-4D34-B748-BD7D-0CBDAE721714}"/>
+                  <a16:creationId xmlns="" xmlns:a16="http://schemas.microsoft.com/office/drawing/2014/main" id="{7494A8F0-4D34-B748-BD7D-0CBDAE721714}"/>
                 </a:ext>
               </a:extLst>
             </p:cNvPr>
@@ -5637,7 +5637,7 @@
             <p:cNvPr id="71" name="正方形/長方形 70">
               <a:extLst>
                 <a:ext uri="{FF2B5EF4-FFF2-40B4-BE49-F238E27FC236}">
-                  <a16:creationId xmlns:a16="http://schemas.microsoft.com/office/drawing/2014/main" xmlns="" id="{838C1902-9A20-2B4A-B5D7-F3AA957A29A5}"/>
+                  <a16:creationId xmlns="" xmlns:a16="http://schemas.microsoft.com/office/drawing/2014/main" id="{838C1902-9A20-2B4A-B5D7-F3AA957A29A5}"/>
                 </a:ext>
               </a:extLst>
             </p:cNvPr>
@@ -5842,7 +5842,7 @@
           <p:cNvPr id="75" name="直線コネクタ 74">
             <a:extLst>
               <a:ext uri="{FF2B5EF4-FFF2-40B4-BE49-F238E27FC236}">
-                <a16:creationId xmlns:a16="http://schemas.microsoft.com/office/drawing/2014/main" xmlns="" id="{498D4C03-132D-8643-8758-A8114DD78FB1}"/>
+                <a16:creationId xmlns="" xmlns:a16="http://schemas.microsoft.com/office/drawing/2014/main" id="{498D4C03-132D-8643-8758-A8114DD78FB1}"/>
               </a:ext>
             </a:extLst>
           </p:cNvPr>
@@ -5884,7 +5884,7 @@
           <p:cNvPr id="76" name="正方形/長方形 75">
             <a:extLst>
               <a:ext uri="{FF2B5EF4-FFF2-40B4-BE49-F238E27FC236}">
-                <a16:creationId xmlns:a16="http://schemas.microsoft.com/office/drawing/2014/main" xmlns="" id="{EFBEBC3A-DA97-D14C-B158-0FAEC4DA172C}"/>
+                <a16:creationId xmlns="" xmlns:a16="http://schemas.microsoft.com/office/drawing/2014/main" id="{EFBEBC3A-DA97-D14C-B158-0FAEC4DA172C}"/>
               </a:ext>
             </a:extLst>
           </p:cNvPr>
@@ -5946,7 +5946,7 @@
           <p:cNvPr id="77" name="正方形/長方形 76">
             <a:extLst>
               <a:ext uri="{FF2B5EF4-FFF2-40B4-BE49-F238E27FC236}">
-                <a16:creationId xmlns:a16="http://schemas.microsoft.com/office/drawing/2014/main" xmlns="" id="{081D1E09-3BB0-984D-8FD1-4FBC6B904AA3}"/>
+                <a16:creationId xmlns="" xmlns:a16="http://schemas.microsoft.com/office/drawing/2014/main" id="{081D1E09-3BB0-984D-8FD1-4FBC6B904AA3}"/>
               </a:ext>
             </a:extLst>
           </p:cNvPr>
@@ -6016,7 +6016,7 @@
           <p:cNvPr id="78" name="正方形/長方形 77">
             <a:extLst>
               <a:ext uri="{FF2B5EF4-FFF2-40B4-BE49-F238E27FC236}">
-                <a16:creationId xmlns:a16="http://schemas.microsoft.com/office/drawing/2014/main" xmlns="" id="{3133FDFE-F698-A04B-87BA-855249F0A8F3}"/>
+                <a16:creationId xmlns="" xmlns:a16="http://schemas.microsoft.com/office/drawing/2014/main" id="{3133FDFE-F698-A04B-87BA-855249F0A8F3}"/>
               </a:ext>
             </a:extLst>
           </p:cNvPr>
@@ -6247,7 +6247,7 @@
           <p:cNvPr id="80" name="グループ化 79">
             <a:extLst>
               <a:ext uri="{FF2B5EF4-FFF2-40B4-BE49-F238E27FC236}">
-                <a16:creationId xmlns:a16="http://schemas.microsoft.com/office/drawing/2014/main" xmlns="" id="{CA545B9D-8336-9640-BEA9-44D4167D0338}"/>
+                <a16:creationId xmlns="" xmlns:a16="http://schemas.microsoft.com/office/drawing/2014/main" id="{CA545B9D-8336-9640-BEA9-44D4167D0338}"/>
               </a:ext>
             </a:extLst>
           </p:cNvPr>
@@ -6267,7 +6267,7 @@
             <p:cNvPr id="81" name="正方形/長方形 80">
               <a:extLst>
                 <a:ext uri="{FF2B5EF4-FFF2-40B4-BE49-F238E27FC236}">
-                  <a16:creationId xmlns:a16="http://schemas.microsoft.com/office/drawing/2014/main" xmlns="" id="{E8832EA0-3EAD-444A-A54B-DEE20453FB3C}"/>
+                  <a16:creationId xmlns="" xmlns:a16="http://schemas.microsoft.com/office/drawing/2014/main" id="{E8832EA0-3EAD-444A-A54B-DEE20453FB3C}"/>
                 </a:ext>
               </a:extLst>
             </p:cNvPr>
@@ -6327,7 +6327,7 @@
             <p:cNvPr id="82" name="グループ化 81">
               <a:extLst>
                 <a:ext uri="{FF2B5EF4-FFF2-40B4-BE49-F238E27FC236}">
-                  <a16:creationId xmlns:a16="http://schemas.microsoft.com/office/drawing/2014/main" xmlns="" id="{0A941A2B-54AA-9044-B17E-2E27597DC29F}"/>
+                  <a16:creationId xmlns="" xmlns:a16="http://schemas.microsoft.com/office/drawing/2014/main" id="{0A941A2B-54AA-9044-B17E-2E27597DC29F}"/>
                 </a:ext>
               </a:extLst>
             </p:cNvPr>
@@ -6347,7 +6347,7 @@
               <p:cNvPr id="86" name="パイ 85">
                 <a:extLst>
                   <a:ext uri="{FF2B5EF4-FFF2-40B4-BE49-F238E27FC236}">
-                    <a16:creationId xmlns:a16="http://schemas.microsoft.com/office/drawing/2014/main" xmlns="" id="{09292F6B-D078-BE43-ACF3-34AD8A9FA4CF}"/>
+                    <a16:creationId xmlns="" xmlns:a16="http://schemas.microsoft.com/office/drawing/2014/main" id="{09292F6B-D078-BE43-ACF3-34AD8A9FA4CF}"/>
                   </a:ext>
                 </a:extLst>
               </p:cNvPr>
@@ -6408,7 +6408,7 @@
               <p:cNvPr id="87" name="パイ 86">
                 <a:extLst>
                   <a:ext uri="{FF2B5EF4-FFF2-40B4-BE49-F238E27FC236}">
-                    <a16:creationId xmlns:a16="http://schemas.microsoft.com/office/drawing/2014/main" xmlns="" id="{FE51C13B-D123-1B42-9990-61DAFD92565B}"/>
+                    <a16:creationId xmlns="" xmlns:a16="http://schemas.microsoft.com/office/drawing/2014/main" id="{FE51C13B-D123-1B42-9990-61DAFD92565B}"/>
                   </a:ext>
                 </a:extLst>
               </p:cNvPr>
@@ -6467,7 +6467,7 @@
               <p:cNvPr id="88" name="パイ 87">
                 <a:extLst>
                   <a:ext uri="{FF2B5EF4-FFF2-40B4-BE49-F238E27FC236}">
-                    <a16:creationId xmlns:a16="http://schemas.microsoft.com/office/drawing/2014/main" xmlns="" id="{D3D1611A-B60C-324E-B234-EC5D625E4BC3}"/>
+                    <a16:creationId xmlns="" xmlns:a16="http://schemas.microsoft.com/office/drawing/2014/main" id="{D3D1611A-B60C-324E-B234-EC5D625E4BC3}"/>
                   </a:ext>
                 </a:extLst>
               </p:cNvPr>
@@ -6529,7 +6529,7 @@
             <p:cNvPr id="83" name="角丸四角形 82">
               <a:extLst>
                 <a:ext uri="{FF2B5EF4-FFF2-40B4-BE49-F238E27FC236}">
-                  <a16:creationId xmlns:a16="http://schemas.microsoft.com/office/drawing/2014/main" xmlns="" id="{C7D8C0F5-E2BE-8A46-B2FB-4648EAC3CA2C}"/>
+                  <a16:creationId xmlns="" xmlns:a16="http://schemas.microsoft.com/office/drawing/2014/main" id="{C7D8C0F5-E2BE-8A46-B2FB-4648EAC3CA2C}"/>
                 </a:ext>
               </a:extLst>
             </p:cNvPr>
@@ -6587,7 +6587,7 @@
             <p:cNvPr id="84" name="角丸四角形 83">
               <a:extLst>
                 <a:ext uri="{FF2B5EF4-FFF2-40B4-BE49-F238E27FC236}">
-                  <a16:creationId xmlns:a16="http://schemas.microsoft.com/office/drawing/2014/main" xmlns="" id="{F31044D6-FAA3-CC49-BE06-ECB9B832F9BB}"/>
+                  <a16:creationId xmlns="" xmlns:a16="http://schemas.microsoft.com/office/drawing/2014/main" id="{F31044D6-FAA3-CC49-BE06-ECB9B832F9BB}"/>
                 </a:ext>
               </a:extLst>
             </p:cNvPr>
@@ -6645,7 +6645,7 @@
             <p:cNvPr id="85" name="円/楕円 84">
               <a:extLst>
                 <a:ext uri="{FF2B5EF4-FFF2-40B4-BE49-F238E27FC236}">
-                  <a16:creationId xmlns:a16="http://schemas.microsoft.com/office/drawing/2014/main" xmlns="" id="{EF500B6F-9558-DF42-A713-55939B7AF4FF}"/>
+                  <a16:creationId xmlns="" xmlns:a16="http://schemas.microsoft.com/office/drawing/2014/main" id="{EF500B6F-9558-DF42-A713-55939B7AF4FF}"/>
                 </a:ext>
               </a:extLst>
             </p:cNvPr>
@@ -6707,7 +6707,7 @@
           <p:cNvPr id="91" name="グループ化 90">
             <a:extLst>
               <a:ext uri="{FF2B5EF4-FFF2-40B4-BE49-F238E27FC236}">
-                <a16:creationId xmlns:a16="http://schemas.microsoft.com/office/drawing/2014/main" xmlns="" id="{CA545B9D-8336-9640-BEA9-44D4167D0338}"/>
+                <a16:creationId xmlns="" xmlns:a16="http://schemas.microsoft.com/office/drawing/2014/main" id="{CA545B9D-8336-9640-BEA9-44D4167D0338}"/>
               </a:ext>
             </a:extLst>
           </p:cNvPr>
@@ -6727,7 +6727,7 @@
             <p:cNvPr id="92" name="正方形/長方形 91">
               <a:extLst>
                 <a:ext uri="{FF2B5EF4-FFF2-40B4-BE49-F238E27FC236}">
-                  <a16:creationId xmlns:a16="http://schemas.microsoft.com/office/drawing/2014/main" xmlns="" id="{E8832EA0-3EAD-444A-A54B-DEE20453FB3C}"/>
+                  <a16:creationId xmlns="" xmlns:a16="http://schemas.microsoft.com/office/drawing/2014/main" id="{E8832EA0-3EAD-444A-A54B-DEE20453FB3C}"/>
                 </a:ext>
               </a:extLst>
             </p:cNvPr>
@@ -6787,7 +6787,7 @@
             <p:cNvPr id="93" name="グループ化 92">
               <a:extLst>
                 <a:ext uri="{FF2B5EF4-FFF2-40B4-BE49-F238E27FC236}">
-                  <a16:creationId xmlns:a16="http://schemas.microsoft.com/office/drawing/2014/main" xmlns="" id="{0A941A2B-54AA-9044-B17E-2E27597DC29F}"/>
+                  <a16:creationId xmlns="" xmlns:a16="http://schemas.microsoft.com/office/drawing/2014/main" id="{0A941A2B-54AA-9044-B17E-2E27597DC29F}"/>
                 </a:ext>
               </a:extLst>
             </p:cNvPr>
@@ -6807,7 +6807,7 @@
               <p:cNvPr id="97" name="パイ 96">
                 <a:extLst>
                   <a:ext uri="{FF2B5EF4-FFF2-40B4-BE49-F238E27FC236}">
-                    <a16:creationId xmlns:a16="http://schemas.microsoft.com/office/drawing/2014/main" xmlns="" id="{09292F6B-D078-BE43-ACF3-34AD8A9FA4CF}"/>
+                    <a16:creationId xmlns="" xmlns:a16="http://schemas.microsoft.com/office/drawing/2014/main" id="{09292F6B-D078-BE43-ACF3-34AD8A9FA4CF}"/>
                   </a:ext>
                 </a:extLst>
               </p:cNvPr>
@@ -6868,7 +6868,7 @@
               <p:cNvPr id="98" name="パイ 97">
                 <a:extLst>
                   <a:ext uri="{FF2B5EF4-FFF2-40B4-BE49-F238E27FC236}">
-                    <a16:creationId xmlns:a16="http://schemas.microsoft.com/office/drawing/2014/main" xmlns="" id="{FE51C13B-D123-1B42-9990-61DAFD92565B}"/>
+                    <a16:creationId xmlns="" xmlns:a16="http://schemas.microsoft.com/office/drawing/2014/main" id="{FE51C13B-D123-1B42-9990-61DAFD92565B}"/>
                   </a:ext>
                 </a:extLst>
               </p:cNvPr>
@@ -6927,7 +6927,7 @@
               <p:cNvPr id="99" name="パイ 98">
                 <a:extLst>
                   <a:ext uri="{FF2B5EF4-FFF2-40B4-BE49-F238E27FC236}">
-                    <a16:creationId xmlns:a16="http://schemas.microsoft.com/office/drawing/2014/main" xmlns="" id="{D3D1611A-B60C-324E-B234-EC5D625E4BC3}"/>
+                    <a16:creationId xmlns="" xmlns:a16="http://schemas.microsoft.com/office/drawing/2014/main" id="{D3D1611A-B60C-324E-B234-EC5D625E4BC3}"/>
                   </a:ext>
                 </a:extLst>
               </p:cNvPr>
@@ -6989,7 +6989,7 @@
             <p:cNvPr id="94" name="角丸四角形 93">
               <a:extLst>
                 <a:ext uri="{FF2B5EF4-FFF2-40B4-BE49-F238E27FC236}">
-                  <a16:creationId xmlns:a16="http://schemas.microsoft.com/office/drawing/2014/main" xmlns="" id="{C7D8C0F5-E2BE-8A46-B2FB-4648EAC3CA2C}"/>
+                  <a16:creationId xmlns="" xmlns:a16="http://schemas.microsoft.com/office/drawing/2014/main" id="{C7D8C0F5-E2BE-8A46-B2FB-4648EAC3CA2C}"/>
                 </a:ext>
               </a:extLst>
             </p:cNvPr>
@@ -7047,7 +7047,7 @@
             <p:cNvPr id="95" name="角丸四角形 94">
               <a:extLst>
                 <a:ext uri="{FF2B5EF4-FFF2-40B4-BE49-F238E27FC236}">
-                  <a16:creationId xmlns:a16="http://schemas.microsoft.com/office/drawing/2014/main" xmlns="" id="{F31044D6-FAA3-CC49-BE06-ECB9B832F9BB}"/>
+                  <a16:creationId xmlns="" xmlns:a16="http://schemas.microsoft.com/office/drawing/2014/main" id="{F31044D6-FAA3-CC49-BE06-ECB9B832F9BB}"/>
                 </a:ext>
               </a:extLst>
             </p:cNvPr>
@@ -7105,7 +7105,7 @@
             <p:cNvPr id="96" name="円/楕円 95">
               <a:extLst>
                 <a:ext uri="{FF2B5EF4-FFF2-40B4-BE49-F238E27FC236}">
-                  <a16:creationId xmlns:a16="http://schemas.microsoft.com/office/drawing/2014/main" xmlns="" id="{EF500B6F-9558-DF42-A713-55939B7AF4FF}"/>
+                  <a16:creationId xmlns="" xmlns:a16="http://schemas.microsoft.com/office/drawing/2014/main" id="{EF500B6F-9558-DF42-A713-55939B7AF4FF}"/>
                 </a:ext>
               </a:extLst>
             </p:cNvPr>
@@ -7202,7 +7202,7 @@
           <p:cNvPr id="100" name="正方形/長方形 99">
             <a:extLst>
               <a:ext uri="{FF2B5EF4-FFF2-40B4-BE49-F238E27FC236}">
-                <a16:creationId xmlns:a16="http://schemas.microsoft.com/office/drawing/2014/main" xmlns="" id="{081D1E09-3BB0-984D-8FD1-4FBC6B904AA3}"/>
+                <a16:creationId xmlns="" xmlns:a16="http://schemas.microsoft.com/office/drawing/2014/main" id="{081D1E09-3BB0-984D-8FD1-4FBC6B904AA3}"/>
               </a:ext>
             </a:extLst>
           </p:cNvPr>
@@ -7264,7 +7264,7 @@
           <p:cNvPr id="101" name="正方形/長方形 100">
             <a:extLst>
               <a:ext uri="{FF2B5EF4-FFF2-40B4-BE49-F238E27FC236}">
-                <a16:creationId xmlns:a16="http://schemas.microsoft.com/office/drawing/2014/main" xmlns="" id="{081D1E09-3BB0-984D-8FD1-4FBC6B904AA3}"/>
+                <a16:creationId xmlns="" xmlns:a16="http://schemas.microsoft.com/office/drawing/2014/main" id="{081D1E09-3BB0-984D-8FD1-4FBC6B904AA3}"/>
               </a:ext>
             </a:extLst>
           </p:cNvPr>
@@ -7326,7 +7326,7 @@
           <p:cNvPr id="102" name="正方形/長方形 101">
             <a:extLst>
               <a:ext uri="{FF2B5EF4-FFF2-40B4-BE49-F238E27FC236}">
-                <a16:creationId xmlns:a16="http://schemas.microsoft.com/office/drawing/2014/main" xmlns="" id="{081D1E09-3BB0-984D-8FD1-4FBC6B904AA3}"/>
+                <a16:creationId xmlns="" xmlns:a16="http://schemas.microsoft.com/office/drawing/2014/main" id="{081D1E09-3BB0-984D-8FD1-4FBC6B904AA3}"/>
               </a:ext>
             </a:extLst>
           </p:cNvPr>
@@ -7429,7 +7429,7 @@
           <p:cNvPr id="4" name="正方形/長方形 3">
             <a:extLst>
               <a:ext uri="{FF2B5EF4-FFF2-40B4-BE49-F238E27FC236}">
-                <a16:creationId xmlns:a16="http://schemas.microsoft.com/office/drawing/2014/main" xmlns="" id="{E14352D6-4254-954F-B23C-DD3C3BEF430F}"/>
+                <a16:creationId xmlns="" xmlns:a16="http://schemas.microsoft.com/office/drawing/2014/main" id="{E14352D6-4254-954F-B23C-DD3C3BEF430F}"/>
               </a:ext>
             </a:extLst>
           </p:cNvPr>
@@ -7503,7 +7503,7 @@
           <p:cNvPr id="2" name="正方形/長方形 1">
             <a:extLst>
               <a:ext uri="{FF2B5EF4-FFF2-40B4-BE49-F238E27FC236}">
-                <a16:creationId xmlns:a16="http://schemas.microsoft.com/office/drawing/2014/main" xmlns="" id="{3B96F38B-7BB7-1F4E-A5F8-5FCA8E116D6A}"/>
+                <a16:creationId xmlns="" xmlns:a16="http://schemas.microsoft.com/office/drawing/2014/main" id="{3B96F38B-7BB7-1F4E-A5F8-5FCA8E116D6A}"/>
               </a:ext>
             </a:extLst>
           </p:cNvPr>
@@ -7569,7 +7569,7 @@
           <p:cNvPr id="9" name="正方形/長方形 8">
             <a:extLst>
               <a:ext uri="{FF2B5EF4-FFF2-40B4-BE49-F238E27FC236}">
-                <a16:creationId xmlns:a16="http://schemas.microsoft.com/office/drawing/2014/main" xmlns="" id="{D25F2B85-7440-CD40-A8A0-B13A3A3EFD4D}"/>
+                <a16:creationId xmlns="" xmlns:a16="http://schemas.microsoft.com/office/drawing/2014/main" id="{D25F2B85-7440-CD40-A8A0-B13A3A3EFD4D}"/>
               </a:ext>
             </a:extLst>
           </p:cNvPr>
@@ -7634,7 +7634,7 @@
           <p:cNvPr id="12" name="正方形/長方形 11">
             <a:extLst>
               <a:ext uri="{FF2B5EF4-FFF2-40B4-BE49-F238E27FC236}">
-                <a16:creationId xmlns:a16="http://schemas.microsoft.com/office/drawing/2014/main" xmlns="" id="{87630161-49C7-B54A-863C-2731BD820B94}"/>
+                <a16:creationId xmlns="" xmlns:a16="http://schemas.microsoft.com/office/drawing/2014/main" id="{87630161-49C7-B54A-863C-2731BD820B94}"/>
               </a:ext>
             </a:extLst>
           </p:cNvPr>
@@ -7707,7 +7707,7 @@
           <p:cNvPr id="18" name="正方形/長方形 17">
             <a:extLst>
               <a:ext uri="{FF2B5EF4-FFF2-40B4-BE49-F238E27FC236}">
-                <a16:creationId xmlns:a16="http://schemas.microsoft.com/office/drawing/2014/main" xmlns="" id="{4B242921-8215-924A-82CE-0BDD899B68D4}"/>
+                <a16:creationId xmlns="" xmlns:a16="http://schemas.microsoft.com/office/drawing/2014/main" id="{4B242921-8215-924A-82CE-0BDD899B68D4}"/>
               </a:ext>
             </a:extLst>
           </p:cNvPr>
@@ -7772,7 +7772,7 @@
           <p:cNvPr id="22" name="直線コネクタ 21">
             <a:extLst>
               <a:ext uri="{FF2B5EF4-FFF2-40B4-BE49-F238E27FC236}">
-                <a16:creationId xmlns:a16="http://schemas.microsoft.com/office/drawing/2014/main" xmlns="" id="{FE9FF948-2749-5642-93AC-B90A735533B4}"/>
+                <a16:creationId xmlns="" xmlns:a16="http://schemas.microsoft.com/office/drawing/2014/main" id="{FE9FF948-2749-5642-93AC-B90A735533B4}"/>
               </a:ext>
             </a:extLst>
           </p:cNvPr>
@@ -7815,7 +7815,7 @@
           <p:cNvPr id="24" name="直線コネクタ 23">
             <a:extLst>
               <a:ext uri="{FF2B5EF4-FFF2-40B4-BE49-F238E27FC236}">
-                <a16:creationId xmlns:a16="http://schemas.microsoft.com/office/drawing/2014/main" xmlns="" id="{AA304103-7EF6-2F48-9E13-AD65D84E21FC}"/>
+                <a16:creationId xmlns="" xmlns:a16="http://schemas.microsoft.com/office/drawing/2014/main" id="{AA304103-7EF6-2F48-9E13-AD65D84E21FC}"/>
               </a:ext>
             </a:extLst>
           </p:cNvPr>
@@ -7858,7 +7858,7 @@
           <p:cNvPr id="29" name="正方形/長方形 28">
             <a:extLst>
               <a:ext uri="{FF2B5EF4-FFF2-40B4-BE49-F238E27FC236}">
-                <a16:creationId xmlns:a16="http://schemas.microsoft.com/office/drawing/2014/main" xmlns="" id="{5729F884-B159-8A4B-BD8E-FE850EDC7DD5}"/>
+                <a16:creationId xmlns="" xmlns:a16="http://schemas.microsoft.com/office/drawing/2014/main" id="{5729F884-B159-8A4B-BD8E-FE850EDC7DD5}"/>
               </a:ext>
             </a:extLst>
           </p:cNvPr>
@@ -7921,7 +7921,7 @@
           <p:cNvPr id="30" name="正方形/長方形 29">
             <a:extLst>
               <a:ext uri="{FF2B5EF4-FFF2-40B4-BE49-F238E27FC236}">
-                <a16:creationId xmlns:a16="http://schemas.microsoft.com/office/drawing/2014/main" xmlns="" id="{08479233-78CF-0240-A9AE-0924D8DC9097}"/>
+                <a16:creationId xmlns="" xmlns:a16="http://schemas.microsoft.com/office/drawing/2014/main" id="{08479233-78CF-0240-A9AE-0924D8DC9097}"/>
               </a:ext>
             </a:extLst>
           </p:cNvPr>
@@ -8005,7 +8005,7 @@
           <p:cNvPr id="31" name="正方形/長方形 30">
             <a:extLst>
               <a:ext uri="{FF2B5EF4-FFF2-40B4-BE49-F238E27FC236}">
-                <a16:creationId xmlns:a16="http://schemas.microsoft.com/office/drawing/2014/main" xmlns="" id="{9C3F81BD-C19A-EA43-BB71-51B597050167}"/>
+                <a16:creationId xmlns="" xmlns:a16="http://schemas.microsoft.com/office/drawing/2014/main" id="{9C3F81BD-C19A-EA43-BB71-51B597050167}"/>
               </a:ext>
             </a:extLst>
           </p:cNvPr>
@@ -8081,7 +8081,7 @@
           <p:cNvPr id="33" name="直線コネクタ 32">
             <a:extLst>
               <a:ext uri="{FF2B5EF4-FFF2-40B4-BE49-F238E27FC236}">
-                <a16:creationId xmlns:a16="http://schemas.microsoft.com/office/drawing/2014/main" xmlns="" id="{C17D52A5-A1C2-5644-A791-FE8E85C266DB}"/>
+                <a16:creationId xmlns="" xmlns:a16="http://schemas.microsoft.com/office/drawing/2014/main" id="{C17D52A5-A1C2-5644-A791-FE8E85C266DB}"/>
               </a:ext>
             </a:extLst>
           </p:cNvPr>
@@ -8121,7 +8121,7 @@
           <p:cNvPr id="34" name="直線コネクタ 33">
             <a:extLst>
               <a:ext uri="{FF2B5EF4-FFF2-40B4-BE49-F238E27FC236}">
-                <a16:creationId xmlns:a16="http://schemas.microsoft.com/office/drawing/2014/main" xmlns="" id="{D68BE1F3-7AEA-694B-BB81-5510E80064D6}"/>
+                <a16:creationId xmlns="" xmlns:a16="http://schemas.microsoft.com/office/drawing/2014/main" id="{D68BE1F3-7AEA-694B-BB81-5510E80064D6}"/>
               </a:ext>
             </a:extLst>
           </p:cNvPr>
@@ -8161,7 +8161,7 @@
           <p:cNvPr id="37" name="正方形/長方形 36">
             <a:extLst>
               <a:ext uri="{FF2B5EF4-FFF2-40B4-BE49-F238E27FC236}">
-                <a16:creationId xmlns:a16="http://schemas.microsoft.com/office/drawing/2014/main" xmlns="" id="{28056EF5-1A0A-C345-95F0-D04921842027}"/>
+                <a16:creationId xmlns="" xmlns:a16="http://schemas.microsoft.com/office/drawing/2014/main" id="{28056EF5-1A0A-C345-95F0-D04921842027}"/>
               </a:ext>
             </a:extLst>
           </p:cNvPr>
@@ -8229,7 +8229,7 @@
           <p:cNvPr id="38" name="正方形/長方形 37">
             <a:extLst>
               <a:ext uri="{FF2B5EF4-FFF2-40B4-BE49-F238E27FC236}">
-                <a16:creationId xmlns:a16="http://schemas.microsoft.com/office/drawing/2014/main" xmlns="" id="{C7A76BD7-9ED7-074D-9CC0-643687221C41}"/>
+                <a16:creationId xmlns="" xmlns:a16="http://schemas.microsoft.com/office/drawing/2014/main" id="{C7A76BD7-9ED7-074D-9CC0-643687221C41}"/>
               </a:ext>
             </a:extLst>
           </p:cNvPr>
@@ -8297,7 +8297,7 @@
           <p:cNvPr id="39" name="正方形/長方形 38">
             <a:extLst>
               <a:ext uri="{FF2B5EF4-FFF2-40B4-BE49-F238E27FC236}">
-                <a16:creationId xmlns:a16="http://schemas.microsoft.com/office/drawing/2014/main" xmlns="" id="{E52736EC-F79D-E548-A3B5-E6DACF67E764}"/>
+                <a16:creationId xmlns="" xmlns:a16="http://schemas.microsoft.com/office/drawing/2014/main" id="{E52736EC-F79D-E548-A3B5-E6DACF67E764}"/>
               </a:ext>
             </a:extLst>
           </p:cNvPr>
@@ -8365,7 +8365,7 @@
           <p:cNvPr id="41" name="直線コネクタ 40">
             <a:extLst>
               <a:ext uri="{FF2B5EF4-FFF2-40B4-BE49-F238E27FC236}">
-                <a16:creationId xmlns:a16="http://schemas.microsoft.com/office/drawing/2014/main" xmlns="" id="{07CBD99B-6B20-814A-AF7D-8A4D16F47E37}"/>
+                <a16:creationId xmlns="" xmlns:a16="http://schemas.microsoft.com/office/drawing/2014/main" id="{07CBD99B-6B20-814A-AF7D-8A4D16F47E37}"/>
               </a:ext>
             </a:extLst>
           </p:cNvPr>
@@ -8405,7 +8405,7 @@
           <p:cNvPr id="42" name="直線コネクタ 41">
             <a:extLst>
               <a:ext uri="{FF2B5EF4-FFF2-40B4-BE49-F238E27FC236}">
-                <a16:creationId xmlns:a16="http://schemas.microsoft.com/office/drawing/2014/main" xmlns="" id="{D0851425-88EA-8F4E-8C32-17E72EACAA5D}"/>
+                <a16:creationId xmlns="" xmlns:a16="http://schemas.microsoft.com/office/drawing/2014/main" id="{D0851425-88EA-8F4E-8C32-17E72EACAA5D}"/>
               </a:ext>
             </a:extLst>
           </p:cNvPr>
@@ -8445,7 +8445,7 @@
           <p:cNvPr id="43" name="直線コネクタ 42">
             <a:extLst>
               <a:ext uri="{FF2B5EF4-FFF2-40B4-BE49-F238E27FC236}">
-                <a16:creationId xmlns:a16="http://schemas.microsoft.com/office/drawing/2014/main" xmlns="" id="{1D2954E9-C58B-AB47-9521-4C3D90DBA5B6}"/>
+                <a16:creationId xmlns="" xmlns:a16="http://schemas.microsoft.com/office/drawing/2014/main" id="{1D2954E9-C58B-AB47-9521-4C3D90DBA5B6}"/>
               </a:ext>
             </a:extLst>
           </p:cNvPr>
@@ -8488,7 +8488,7 @@
           <p:cNvPr id="46" name="直線コネクタ 45">
             <a:extLst>
               <a:ext uri="{FF2B5EF4-FFF2-40B4-BE49-F238E27FC236}">
-                <a16:creationId xmlns:a16="http://schemas.microsoft.com/office/drawing/2014/main" xmlns="" id="{4287B8F5-AE88-3043-B943-6C6156B55EC4}"/>
+                <a16:creationId xmlns="" xmlns:a16="http://schemas.microsoft.com/office/drawing/2014/main" id="{4287B8F5-AE88-3043-B943-6C6156B55EC4}"/>
               </a:ext>
             </a:extLst>
           </p:cNvPr>
@@ -8531,7 +8531,7 @@
           <p:cNvPr id="49" name="直線コネクタ 48">
             <a:extLst>
               <a:ext uri="{FF2B5EF4-FFF2-40B4-BE49-F238E27FC236}">
-                <a16:creationId xmlns:a16="http://schemas.microsoft.com/office/drawing/2014/main" xmlns="" id="{F34EEB9C-368F-4644-90B1-A7BECEB930CD}"/>
+                <a16:creationId xmlns="" xmlns:a16="http://schemas.microsoft.com/office/drawing/2014/main" id="{F34EEB9C-368F-4644-90B1-A7BECEB930CD}"/>
               </a:ext>
             </a:extLst>
           </p:cNvPr>
@@ -8604,7 +8604,7 @@
           <p:cNvPr id="4" name="正方形/長方形 3">
             <a:extLst>
               <a:ext uri="{FF2B5EF4-FFF2-40B4-BE49-F238E27FC236}">
-                <a16:creationId xmlns:a16="http://schemas.microsoft.com/office/drawing/2014/main" xmlns="" id="{A5BEF1B8-26B4-954D-9E23-608FB52D86D6}"/>
+                <a16:creationId xmlns="" xmlns:a16="http://schemas.microsoft.com/office/drawing/2014/main" id="{A5BEF1B8-26B4-954D-9E23-608FB52D86D6}"/>
               </a:ext>
             </a:extLst>
           </p:cNvPr>
@@ -8678,7 +8678,7 @@
           <p:cNvPr id="7" name="直線コネクタ 6">
             <a:extLst>
               <a:ext uri="{FF2B5EF4-FFF2-40B4-BE49-F238E27FC236}">
-                <a16:creationId xmlns:a16="http://schemas.microsoft.com/office/drawing/2014/main" xmlns="" id="{25A12E36-56D6-D04A-904C-74E4AC5EACC7}"/>
+                <a16:creationId xmlns="" xmlns:a16="http://schemas.microsoft.com/office/drawing/2014/main" id="{25A12E36-56D6-D04A-904C-74E4AC5EACC7}"/>
               </a:ext>
             </a:extLst>
           </p:cNvPr>
@@ -8721,7 +8721,7 @@
           <p:cNvPr id="12" name="グループ化 11">
             <a:extLst>
               <a:ext uri="{FF2B5EF4-FFF2-40B4-BE49-F238E27FC236}">
-                <a16:creationId xmlns:a16="http://schemas.microsoft.com/office/drawing/2014/main" xmlns="" id="{DD32794D-F3F2-8D48-98F9-ABBC2BACE453}"/>
+                <a16:creationId xmlns="" xmlns:a16="http://schemas.microsoft.com/office/drawing/2014/main" id="{DD32794D-F3F2-8D48-98F9-ABBC2BACE453}"/>
               </a:ext>
             </a:extLst>
           </p:cNvPr>
@@ -8741,7 +8741,7 @@
             <p:cNvPr id="5" name="円/楕円 4">
               <a:extLst>
                 <a:ext uri="{FF2B5EF4-FFF2-40B4-BE49-F238E27FC236}">
-                  <a16:creationId xmlns:a16="http://schemas.microsoft.com/office/drawing/2014/main" xmlns="" id="{7A42A556-5873-C946-8708-EC89BF1B6983}"/>
+                  <a16:creationId xmlns="" xmlns:a16="http://schemas.microsoft.com/office/drawing/2014/main" id="{7A42A556-5873-C946-8708-EC89BF1B6983}"/>
                 </a:ext>
               </a:extLst>
             </p:cNvPr>
@@ -8807,7 +8807,7 @@
             <p:cNvPr id="9" name="直線コネクタ 8">
               <a:extLst>
                 <a:ext uri="{FF2B5EF4-FFF2-40B4-BE49-F238E27FC236}">
-                  <a16:creationId xmlns:a16="http://schemas.microsoft.com/office/drawing/2014/main" xmlns="" id="{9748DDAD-E860-494B-9999-7719EE47DE04}"/>
+                  <a16:creationId xmlns="" xmlns:a16="http://schemas.microsoft.com/office/drawing/2014/main" id="{9748DDAD-E860-494B-9999-7719EE47DE04}"/>
                 </a:ext>
               </a:extLst>
             </p:cNvPr>
@@ -8851,7 +8851,7 @@
             <p:cNvPr id="11" name="直線コネクタ 10">
               <a:extLst>
                 <a:ext uri="{FF2B5EF4-FFF2-40B4-BE49-F238E27FC236}">
-                  <a16:creationId xmlns:a16="http://schemas.microsoft.com/office/drawing/2014/main" xmlns="" id="{79832B64-F3D0-494C-A457-8EB54A6162A5}"/>
+                  <a16:creationId xmlns="" xmlns:a16="http://schemas.microsoft.com/office/drawing/2014/main" id="{79832B64-F3D0-494C-A457-8EB54A6162A5}"/>
                 </a:ext>
               </a:extLst>
             </p:cNvPr>
@@ -8896,7 +8896,7 @@
           <p:cNvPr id="15" name="直線矢印コネクタ 14">
             <a:extLst>
               <a:ext uri="{FF2B5EF4-FFF2-40B4-BE49-F238E27FC236}">
-                <a16:creationId xmlns:a16="http://schemas.microsoft.com/office/drawing/2014/main" xmlns="" id="{6BEFA3C7-A322-5645-A3C2-150CE9A9D2C9}"/>
+                <a16:creationId xmlns="" xmlns:a16="http://schemas.microsoft.com/office/drawing/2014/main" id="{6BEFA3C7-A322-5645-A3C2-150CE9A9D2C9}"/>
               </a:ext>
             </a:extLst>
           </p:cNvPr>
@@ -8935,7 +8935,7 @@
           <p:cNvPr id="17" name="直線コネクタ 16">
             <a:extLst>
               <a:ext uri="{FF2B5EF4-FFF2-40B4-BE49-F238E27FC236}">
-                <a16:creationId xmlns:a16="http://schemas.microsoft.com/office/drawing/2014/main" xmlns="" id="{56119E4D-ABC9-4A44-A657-3ACC3ED6075C}"/>
+                <a16:creationId xmlns="" xmlns:a16="http://schemas.microsoft.com/office/drawing/2014/main" id="{56119E4D-ABC9-4A44-A657-3ACC3ED6075C}"/>
               </a:ext>
             </a:extLst>
           </p:cNvPr>
@@ -8976,7 +8976,7 @@
           <p:cNvPr id="19" name="直線矢印コネクタ 18">
             <a:extLst>
               <a:ext uri="{FF2B5EF4-FFF2-40B4-BE49-F238E27FC236}">
-                <a16:creationId xmlns:a16="http://schemas.microsoft.com/office/drawing/2014/main" xmlns="" id="{4FD928EF-B134-3444-B4E7-4A99FEC58B9D}"/>
+                <a16:creationId xmlns="" xmlns:a16="http://schemas.microsoft.com/office/drawing/2014/main" id="{4FD928EF-B134-3444-B4E7-4A99FEC58B9D}"/>
               </a:ext>
             </a:extLst>
           </p:cNvPr>
@@ -9017,7 +9017,7 @@
           <p:cNvPr id="21" name="正方形/長方形 20">
             <a:extLst>
               <a:ext uri="{FF2B5EF4-FFF2-40B4-BE49-F238E27FC236}">
-                <a16:creationId xmlns:a16="http://schemas.microsoft.com/office/drawing/2014/main" xmlns="" id="{0973CC44-59C6-124A-8168-DB05FE179C01}"/>
+                <a16:creationId xmlns="" xmlns:a16="http://schemas.microsoft.com/office/drawing/2014/main" id="{0973CC44-59C6-124A-8168-DB05FE179C01}"/>
               </a:ext>
             </a:extLst>
           </p:cNvPr>
@@ -9081,7 +9081,7 @@
           <p:cNvPr id="22" name="グループ化 21">
             <a:extLst>
               <a:ext uri="{FF2B5EF4-FFF2-40B4-BE49-F238E27FC236}">
-                <a16:creationId xmlns:a16="http://schemas.microsoft.com/office/drawing/2014/main" xmlns="" id="{FEEE2B49-58B2-B748-9567-8A4247EA8CC5}"/>
+                <a16:creationId xmlns="" xmlns:a16="http://schemas.microsoft.com/office/drawing/2014/main" id="{FEEE2B49-58B2-B748-9567-8A4247EA8CC5}"/>
               </a:ext>
             </a:extLst>
           </p:cNvPr>
@@ -9101,7 +9101,7 @@
             <p:cNvPr id="26" name="パイ 25">
               <a:extLst>
                 <a:ext uri="{FF2B5EF4-FFF2-40B4-BE49-F238E27FC236}">
-                  <a16:creationId xmlns:a16="http://schemas.microsoft.com/office/drawing/2014/main" xmlns="" id="{B68162D2-4B1C-074F-AB75-3D48D4277AC4}"/>
+                  <a16:creationId xmlns="" xmlns:a16="http://schemas.microsoft.com/office/drawing/2014/main" id="{B68162D2-4B1C-074F-AB75-3D48D4277AC4}"/>
                 </a:ext>
               </a:extLst>
             </p:cNvPr>
@@ -9162,7 +9162,7 @@
             <p:cNvPr id="27" name="パイ 26">
               <a:extLst>
                 <a:ext uri="{FF2B5EF4-FFF2-40B4-BE49-F238E27FC236}">
-                  <a16:creationId xmlns:a16="http://schemas.microsoft.com/office/drawing/2014/main" xmlns="" id="{7F701166-B61E-3F4F-AC67-B894882A59FC}"/>
+                  <a16:creationId xmlns="" xmlns:a16="http://schemas.microsoft.com/office/drawing/2014/main" id="{7F701166-B61E-3F4F-AC67-B894882A59FC}"/>
                 </a:ext>
               </a:extLst>
             </p:cNvPr>
@@ -9221,7 +9221,7 @@
             <p:cNvPr id="28" name="パイ 27">
               <a:extLst>
                 <a:ext uri="{FF2B5EF4-FFF2-40B4-BE49-F238E27FC236}">
-                  <a16:creationId xmlns:a16="http://schemas.microsoft.com/office/drawing/2014/main" xmlns="" id="{835C2019-EDF2-AA47-9A1C-939F36F18970}"/>
+                  <a16:creationId xmlns="" xmlns:a16="http://schemas.microsoft.com/office/drawing/2014/main" id="{835C2019-EDF2-AA47-9A1C-939F36F18970}"/>
                 </a:ext>
               </a:extLst>
             </p:cNvPr>
@@ -9283,7 +9283,7 @@
           <p:cNvPr id="29" name="円弧 28">
             <a:extLst>
               <a:ext uri="{FF2B5EF4-FFF2-40B4-BE49-F238E27FC236}">
-                <a16:creationId xmlns:a16="http://schemas.microsoft.com/office/drawing/2014/main" xmlns="" id="{AFD5FEB2-6245-BE42-8B61-01FA1BEB354A}"/>
+                <a16:creationId xmlns="" xmlns:a16="http://schemas.microsoft.com/office/drawing/2014/main" id="{AFD5FEB2-6245-BE42-8B61-01FA1BEB354A}"/>
               </a:ext>
             </a:extLst>
           </p:cNvPr>
@@ -9334,7 +9334,7 @@
           <p:cNvPr id="30" name="直線矢印コネクタ 29">
             <a:extLst>
               <a:ext uri="{FF2B5EF4-FFF2-40B4-BE49-F238E27FC236}">
-                <a16:creationId xmlns:a16="http://schemas.microsoft.com/office/drawing/2014/main" xmlns="" id="{EA57FD0B-CC0F-EA46-81D4-C760EE15B73C}"/>
+                <a16:creationId xmlns="" xmlns:a16="http://schemas.microsoft.com/office/drawing/2014/main" id="{EA57FD0B-CC0F-EA46-81D4-C760EE15B73C}"/>
               </a:ext>
             </a:extLst>
           </p:cNvPr>
@@ -9375,7 +9375,7 @@
           <p:cNvPr id="85" name="グループ化 84">
             <a:extLst>
               <a:ext uri="{FF2B5EF4-FFF2-40B4-BE49-F238E27FC236}">
-                <a16:creationId xmlns:a16="http://schemas.microsoft.com/office/drawing/2014/main" xmlns="" id="{24CBF393-800F-F545-9F7A-30282A6B1717}"/>
+                <a16:creationId xmlns="" xmlns:a16="http://schemas.microsoft.com/office/drawing/2014/main" id="{24CBF393-800F-F545-9F7A-30282A6B1717}"/>
               </a:ext>
             </a:extLst>
           </p:cNvPr>
@@ -9395,7 +9395,7 @@
             <p:cNvPr id="32" name="円/楕円 31">
               <a:extLst>
                 <a:ext uri="{FF2B5EF4-FFF2-40B4-BE49-F238E27FC236}">
-                  <a16:creationId xmlns:a16="http://schemas.microsoft.com/office/drawing/2014/main" xmlns="" id="{F48C7AFA-C695-2044-BFE4-98E977E4B42A}"/>
+                  <a16:creationId xmlns="" xmlns:a16="http://schemas.microsoft.com/office/drawing/2014/main" id="{F48C7AFA-C695-2044-BFE4-98E977E4B42A}"/>
                 </a:ext>
               </a:extLst>
             </p:cNvPr>
@@ -9453,7 +9453,7 @@
             <p:cNvPr id="33" name="直線コネクタ 32">
               <a:extLst>
                 <a:ext uri="{FF2B5EF4-FFF2-40B4-BE49-F238E27FC236}">
-                  <a16:creationId xmlns:a16="http://schemas.microsoft.com/office/drawing/2014/main" xmlns="" id="{031F4C55-1C33-A24E-8BE6-B803283999F7}"/>
+                  <a16:creationId xmlns="" xmlns:a16="http://schemas.microsoft.com/office/drawing/2014/main" id="{031F4C55-1C33-A24E-8BE6-B803283999F7}"/>
                 </a:ext>
               </a:extLst>
             </p:cNvPr>
@@ -9497,7 +9497,7 @@
             <p:cNvPr id="34" name="直線コネクタ 33">
               <a:extLst>
                 <a:ext uri="{FF2B5EF4-FFF2-40B4-BE49-F238E27FC236}">
-                  <a16:creationId xmlns:a16="http://schemas.microsoft.com/office/drawing/2014/main" xmlns="" id="{5DD3275E-8ABC-9740-84C9-98B5B9FFDB34}"/>
+                  <a16:creationId xmlns="" xmlns:a16="http://schemas.microsoft.com/office/drawing/2014/main" id="{5DD3275E-8ABC-9740-84C9-98B5B9FFDB34}"/>
                 </a:ext>
               </a:extLst>
             </p:cNvPr>
@@ -9542,7 +9542,7 @@
           <p:cNvPr id="38" name="正方形/長方形 37">
             <a:extLst>
               <a:ext uri="{FF2B5EF4-FFF2-40B4-BE49-F238E27FC236}">
-                <a16:creationId xmlns:a16="http://schemas.microsoft.com/office/drawing/2014/main" xmlns="" id="{224CB823-8267-D54C-A84F-F5EB981A2D8E}"/>
+                <a16:creationId xmlns="" xmlns:a16="http://schemas.microsoft.com/office/drawing/2014/main" id="{224CB823-8267-D54C-A84F-F5EB981A2D8E}"/>
               </a:ext>
             </a:extLst>
           </p:cNvPr>
@@ -9632,7 +9632,7 @@
           <p:cNvPr id="39" name="正方形/長方形 38">
             <a:extLst>
               <a:ext uri="{FF2B5EF4-FFF2-40B4-BE49-F238E27FC236}">
-                <a16:creationId xmlns:a16="http://schemas.microsoft.com/office/drawing/2014/main" xmlns="" id="{761743FF-311D-F441-8694-558772356518}"/>
+                <a16:creationId xmlns="" xmlns:a16="http://schemas.microsoft.com/office/drawing/2014/main" id="{761743FF-311D-F441-8694-558772356518}"/>
               </a:ext>
             </a:extLst>
           </p:cNvPr>
@@ -9712,7 +9712,7 @@
           <p:cNvPr id="40" name="正方形/長方形 39">
             <a:extLst>
               <a:ext uri="{FF2B5EF4-FFF2-40B4-BE49-F238E27FC236}">
-                <a16:creationId xmlns:a16="http://schemas.microsoft.com/office/drawing/2014/main" xmlns="" id="{69F9C521-BC5E-AB4C-B598-949AD696185C}"/>
+                <a16:creationId xmlns="" xmlns:a16="http://schemas.microsoft.com/office/drawing/2014/main" id="{69F9C521-BC5E-AB4C-B598-949AD696185C}"/>
               </a:ext>
             </a:extLst>
           </p:cNvPr>
@@ -9782,7 +9782,7 @@
           <p:cNvPr id="41" name="正方形/長方形 40">
             <a:extLst>
               <a:ext uri="{FF2B5EF4-FFF2-40B4-BE49-F238E27FC236}">
-                <a16:creationId xmlns:a16="http://schemas.microsoft.com/office/drawing/2014/main" xmlns="" id="{F13334BF-615A-544D-B85F-88E828CF94C0}"/>
+                <a16:creationId xmlns="" xmlns:a16="http://schemas.microsoft.com/office/drawing/2014/main" id="{F13334BF-615A-544D-B85F-88E828CF94C0}"/>
               </a:ext>
             </a:extLst>
           </p:cNvPr>
@@ -9864,7 +9864,7 @@
           <p:cNvPr id="45" name="直線矢印コネクタ 44">
             <a:extLst>
               <a:ext uri="{FF2B5EF4-FFF2-40B4-BE49-F238E27FC236}">
-                <a16:creationId xmlns:a16="http://schemas.microsoft.com/office/drawing/2014/main" xmlns="" id="{BC322415-115A-534B-A6E5-8855B7B47DC1}"/>
+                <a16:creationId xmlns="" xmlns:a16="http://schemas.microsoft.com/office/drawing/2014/main" id="{BC322415-115A-534B-A6E5-8855B7B47DC1}"/>
               </a:ext>
             </a:extLst>
           </p:cNvPr>
@@ -9910,7 +9910,7 @@
           <p:cNvPr id="48" name="直線矢印コネクタ 47">
             <a:extLst>
               <a:ext uri="{FF2B5EF4-FFF2-40B4-BE49-F238E27FC236}">
-                <a16:creationId xmlns:a16="http://schemas.microsoft.com/office/drawing/2014/main" xmlns="" id="{86CAAB08-D29D-334B-BB7F-2C95C1543560}"/>
+                <a16:creationId xmlns="" xmlns:a16="http://schemas.microsoft.com/office/drawing/2014/main" id="{86CAAB08-D29D-334B-BB7F-2C95C1543560}"/>
               </a:ext>
             </a:extLst>
           </p:cNvPr>
@@ -9956,7 +9956,7 @@
           <p:cNvPr id="55" name="グループ化 54">
             <a:extLst>
               <a:ext uri="{FF2B5EF4-FFF2-40B4-BE49-F238E27FC236}">
-                <a16:creationId xmlns:a16="http://schemas.microsoft.com/office/drawing/2014/main" xmlns="" id="{2E643B34-1135-F048-A33F-FECDE805A732}"/>
+                <a16:creationId xmlns="" xmlns:a16="http://schemas.microsoft.com/office/drawing/2014/main" id="{2E643B34-1135-F048-A33F-FECDE805A732}"/>
               </a:ext>
             </a:extLst>
           </p:cNvPr>
@@ -9977,7 +9977,7 @@
             <p:cNvPr id="49" name="直線矢印コネクタ 48">
               <a:extLst>
                 <a:ext uri="{FF2B5EF4-FFF2-40B4-BE49-F238E27FC236}">
-                  <a16:creationId xmlns:a16="http://schemas.microsoft.com/office/drawing/2014/main" xmlns="" id="{DE5CA45E-0CA6-7840-9E2A-D67F10EFFE86}"/>
+                  <a16:creationId xmlns="" xmlns:a16="http://schemas.microsoft.com/office/drawing/2014/main" id="{DE5CA45E-0CA6-7840-9E2A-D67F10EFFE86}"/>
                 </a:ext>
               </a:extLst>
             </p:cNvPr>
@@ -10026,7 +10026,7 @@
             <p:cNvPr id="54" name="直線矢印コネクタ 53">
               <a:extLst>
                 <a:ext uri="{FF2B5EF4-FFF2-40B4-BE49-F238E27FC236}">
-                  <a16:creationId xmlns:a16="http://schemas.microsoft.com/office/drawing/2014/main" xmlns="" id="{65C46311-C2DC-6842-9EE1-2B622A45C6D8}"/>
+                  <a16:creationId xmlns="" xmlns:a16="http://schemas.microsoft.com/office/drawing/2014/main" id="{65C46311-C2DC-6842-9EE1-2B622A45C6D8}"/>
                 </a:ext>
               </a:extLst>
             </p:cNvPr>
@@ -10074,7 +10074,7 @@
           <p:cNvPr id="56" name="正方形/長方形 55">
             <a:extLst>
               <a:ext uri="{FF2B5EF4-FFF2-40B4-BE49-F238E27FC236}">
-                <a16:creationId xmlns:a16="http://schemas.microsoft.com/office/drawing/2014/main" xmlns="" id="{8279C6B9-28C0-D543-87DB-FD51C2E3FBDA}"/>
+                <a16:creationId xmlns="" xmlns:a16="http://schemas.microsoft.com/office/drawing/2014/main" id="{8279C6B9-28C0-D543-87DB-FD51C2E3FBDA}"/>
               </a:ext>
             </a:extLst>
           </p:cNvPr>
@@ -10156,7 +10156,7 @@
           <p:cNvPr id="57" name="直線矢印コネクタ 56">
             <a:extLst>
               <a:ext uri="{FF2B5EF4-FFF2-40B4-BE49-F238E27FC236}">
-                <a16:creationId xmlns:a16="http://schemas.microsoft.com/office/drawing/2014/main" xmlns="" id="{AA04A6B5-C176-0645-A8B8-A4A8B25EE886}"/>
+                <a16:creationId xmlns="" xmlns:a16="http://schemas.microsoft.com/office/drawing/2014/main" id="{AA04A6B5-C176-0645-A8B8-A4A8B25EE886}"/>
               </a:ext>
             </a:extLst>
           </p:cNvPr>
@@ -10197,7 +10197,7 @@
           <p:cNvPr id="59" name="正方形/長方形 58">
             <a:extLst>
               <a:ext uri="{FF2B5EF4-FFF2-40B4-BE49-F238E27FC236}">
-                <a16:creationId xmlns:a16="http://schemas.microsoft.com/office/drawing/2014/main" xmlns="" id="{6845D476-A07D-E44A-80DB-1D09197FDACD}"/>
+                <a16:creationId xmlns="" xmlns:a16="http://schemas.microsoft.com/office/drawing/2014/main" id="{6845D476-A07D-E44A-80DB-1D09197FDACD}"/>
               </a:ext>
             </a:extLst>
           </p:cNvPr>
@@ -10266,7 +10266,7 @@
           <p:cNvPr id="61" name="直線矢印コネクタ 60">
             <a:extLst>
               <a:ext uri="{FF2B5EF4-FFF2-40B4-BE49-F238E27FC236}">
-                <a16:creationId xmlns:a16="http://schemas.microsoft.com/office/drawing/2014/main" xmlns="" id="{06961735-800E-8C4A-8208-63B729038CB3}"/>
+                <a16:creationId xmlns="" xmlns:a16="http://schemas.microsoft.com/office/drawing/2014/main" id="{06961735-800E-8C4A-8208-63B729038CB3}"/>
               </a:ext>
             </a:extLst>
           </p:cNvPr>
@@ -10307,7 +10307,7 @@
           <p:cNvPr id="62" name="正方形/長方形 61">
             <a:extLst>
               <a:ext uri="{FF2B5EF4-FFF2-40B4-BE49-F238E27FC236}">
-                <a16:creationId xmlns:a16="http://schemas.microsoft.com/office/drawing/2014/main" xmlns="" id="{F5671407-5BD7-634B-ADC4-CF503755CC66}"/>
+                <a16:creationId xmlns="" xmlns:a16="http://schemas.microsoft.com/office/drawing/2014/main" id="{F5671407-5BD7-634B-ADC4-CF503755CC66}"/>
               </a:ext>
             </a:extLst>
           </p:cNvPr>
@@ -10376,7 +10376,7 @@
           <p:cNvPr id="64" name="直線矢印コネクタ 63">
             <a:extLst>
               <a:ext uri="{FF2B5EF4-FFF2-40B4-BE49-F238E27FC236}">
-                <a16:creationId xmlns:a16="http://schemas.microsoft.com/office/drawing/2014/main" xmlns="" id="{FD2526AE-4FE8-F543-ABDA-466862BED543}"/>
+                <a16:creationId xmlns="" xmlns:a16="http://schemas.microsoft.com/office/drawing/2014/main" id="{FD2526AE-4FE8-F543-ABDA-466862BED543}"/>
               </a:ext>
             </a:extLst>
           </p:cNvPr>
@@ -10422,7 +10422,7 @@
           <p:cNvPr id="42" name="グループ化 41">
             <a:extLst>
               <a:ext uri="{FF2B5EF4-FFF2-40B4-BE49-F238E27FC236}">
-                <a16:creationId xmlns:a16="http://schemas.microsoft.com/office/drawing/2014/main" xmlns="" id="{8C3050C0-06C5-BC40-A299-FFED180B4514}"/>
+                <a16:creationId xmlns="" xmlns:a16="http://schemas.microsoft.com/office/drawing/2014/main" id="{8C3050C0-06C5-BC40-A299-FFED180B4514}"/>
               </a:ext>
             </a:extLst>
           </p:cNvPr>
@@ -10442,7 +10442,7 @@
             <p:cNvPr id="43" name="直線矢印コネクタ 42">
               <a:extLst>
                 <a:ext uri="{FF2B5EF4-FFF2-40B4-BE49-F238E27FC236}">
-                  <a16:creationId xmlns:a16="http://schemas.microsoft.com/office/drawing/2014/main" xmlns="" id="{2C20D620-7BFF-6C47-ADBB-607B2F1ECC9D}"/>
+                  <a16:creationId xmlns="" xmlns:a16="http://schemas.microsoft.com/office/drawing/2014/main" id="{2C20D620-7BFF-6C47-ADBB-607B2F1ECC9D}"/>
                 </a:ext>
               </a:extLst>
             </p:cNvPr>
@@ -10485,7 +10485,7 @@
             <p:cNvPr id="44" name="直線矢印コネクタ 43">
               <a:extLst>
                 <a:ext uri="{FF2B5EF4-FFF2-40B4-BE49-F238E27FC236}">
-                  <a16:creationId xmlns:a16="http://schemas.microsoft.com/office/drawing/2014/main" xmlns="" id="{6D3B5809-B6D2-9A42-AF89-75561C5014A6}"/>
+                  <a16:creationId xmlns="" xmlns:a16="http://schemas.microsoft.com/office/drawing/2014/main" id="{6D3B5809-B6D2-9A42-AF89-75561C5014A6}"/>
                 </a:ext>
               </a:extLst>
             </p:cNvPr>
@@ -10527,7 +10527,7 @@
           <p:cNvPr id="60" name="正方形/長方形 59">
             <a:extLst>
               <a:ext uri="{FF2B5EF4-FFF2-40B4-BE49-F238E27FC236}">
-                <a16:creationId xmlns:a16="http://schemas.microsoft.com/office/drawing/2014/main" xmlns="" id="{43564593-DFB3-F141-B034-2C5B13AD66D2}"/>
+                <a16:creationId xmlns="" xmlns:a16="http://schemas.microsoft.com/office/drawing/2014/main" id="{43564593-DFB3-F141-B034-2C5B13AD66D2}"/>
               </a:ext>
             </a:extLst>
           </p:cNvPr>
@@ -10604,7 +10604,7 @@
           <p:cNvPr id="46" name="正方形/長方形 45">
             <a:extLst>
               <a:ext uri="{FF2B5EF4-FFF2-40B4-BE49-F238E27FC236}">
-                <a16:creationId xmlns:a16="http://schemas.microsoft.com/office/drawing/2014/main" xmlns="" id="{4CFBD517-1EC6-7340-A95E-085DF5A98CAA}"/>
+                <a16:creationId xmlns="" xmlns:a16="http://schemas.microsoft.com/office/drawing/2014/main" id="{4CFBD517-1EC6-7340-A95E-085DF5A98CAA}"/>
               </a:ext>
             </a:extLst>
           </p:cNvPr>
@@ -10686,7 +10686,7 @@
           <p:cNvPr id="47" name="正方形/長方形 46">
             <a:extLst>
               <a:ext uri="{FF2B5EF4-FFF2-40B4-BE49-F238E27FC236}">
-                <a16:creationId xmlns:a16="http://schemas.microsoft.com/office/drawing/2014/main" xmlns="" id="{6DD65294-2BAE-3745-BA24-6F95C272387F}"/>
+                <a16:creationId xmlns="" xmlns:a16="http://schemas.microsoft.com/office/drawing/2014/main" id="{6DD65294-2BAE-3745-BA24-6F95C272387F}"/>
               </a:ext>
             </a:extLst>
           </p:cNvPr>
@@ -10760,7 +10760,7 @@
           <p:cNvPr id="50" name="正方形/長方形 49">
             <a:extLst>
               <a:ext uri="{FF2B5EF4-FFF2-40B4-BE49-F238E27FC236}">
-                <a16:creationId xmlns:a16="http://schemas.microsoft.com/office/drawing/2014/main" xmlns="" id="{AFD99A8A-835F-374D-A89E-3A3EF1A33DDB}"/>
+                <a16:creationId xmlns="" xmlns:a16="http://schemas.microsoft.com/office/drawing/2014/main" id="{AFD99A8A-835F-374D-A89E-3A3EF1A33DDB}"/>
               </a:ext>
             </a:extLst>
           </p:cNvPr>
@@ -10826,7 +10826,7 @@
           <p:cNvPr id="58" name="直線矢印コネクタ 57">
             <a:extLst>
               <a:ext uri="{FF2B5EF4-FFF2-40B4-BE49-F238E27FC236}">
-                <a16:creationId xmlns:a16="http://schemas.microsoft.com/office/drawing/2014/main" xmlns="" id="{633E628D-37B4-C240-ABD4-3F5A4F44C7C9}"/>
+                <a16:creationId xmlns="" xmlns:a16="http://schemas.microsoft.com/office/drawing/2014/main" id="{633E628D-37B4-C240-ABD4-3F5A4F44C7C9}"/>
               </a:ext>
             </a:extLst>
           </p:cNvPr>
@@ -10867,7 +10867,7 @@
           <p:cNvPr id="63" name="直線矢印コネクタ 62">
             <a:extLst>
               <a:ext uri="{FF2B5EF4-FFF2-40B4-BE49-F238E27FC236}">
-                <a16:creationId xmlns:a16="http://schemas.microsoft.com/office/drawing/2014/main" xmlns="" id="{75DCB1B0-9389-1A47-B4A8-5245CE62B9DB}"/>
+                <a16:creationId xmlns="" xmlns:a16="http://schemas.microsoft.com/office/drawing/2014/main" id="{75DCB1B0-9389-1A47-B4A8-5245CE62B9DB}"/>
               </a:ext>
             </a:extLst>
           </p:cNvPr>
@@ -10908,7 +10908,7 @@
           <p:cNvPr id="66" name="正方形/長方形 65">
             <a:extLst>
               <a:ext uri="{FF2B5EF4-FFF2-40B4-BE49-F238E27FC236}">
-                <a16:creationId xmlns:a16="http://schemas.microsoft.com/office/drawing/2014/main" xmlns="" id="{02EE5410-9B7A-B34F-BC85-91B3259B4CD2}"/>
+                <a16:creationId xmlns="" xmlns:a16="http://schemas.microsoft.com/office/drawing/2014/main" id="{02EE5410-9B7A-B34F-BC85-91B3259B4CD2}"/>
               </a:ext>
             </a:extLst>
           </p:cNvPr>
@@ -11009,7 +11009,7 @@
           <p:cNvPr id="67" name="正方形/長方形 66">
             <a:extLst>
               <a:ext uri="{FF2B5EF4-FFF2-40B4-BE49-F238E27FC236}">
-                <a16:creationId xmlns:a16="http://schemas.microsoft.com/office/drawing/2014/main" xmlns="" id="{55C9A658-96A7-2446-870E-1DBF697F4323}"/>
+                <a16:creationId xmlns="" xmlns:a16="http://schemas.microsoft.com/office/drawing/2014/main" id="{55C9A658-96A7-2446-870E-1DBF697F4323}"/>
               </a:ext>
             </a:extLst>
           </p:cNvPr>
@@ -11078,7 +11078,7 @@
           <p:cNvPr id="68" name="正方形/長方形 67">
             <a:extLst>
               <a:ext uri="{FF2B5EF4-FFF2-40B4-BE49-F238E27FC236}">
-                <a16:creationId xmlns:a16="http://schemas.microsoft.com/office/drawing/2014/main" xmlns="" id="{47AC358C-B70D-3D4D-8CD3-C3DF3A70AFCA}"/>
+                <a16:creationId xmlns="" xmlns:a16="http://schemas.microsoft.com/office/drawing/2014/main" id="{47AC358C-B70D-3D4D-8CD3-C3DF3A70AFCA}"/>
               </a:ext>
             </a:extLst>
           </p:cNvPr>
@@ -11147,7 +11147,7 @@
           <p:cNvPr id="69" name="直線矢印コネクタ 68">
             <a:extLst>
               <a:ext uri="{FF2B5EF4-FFF2-40B4-BE49-F238E27FC236}">
-                <a16:creationId xmlns:a16="http://schemas.microsoft.com/office/drawing/2014/main" xmlns="" id="{B7CBC968-68A9-E24F-A2C7-054F8D361EE7}"/>
+                <a16:creationId xmlns="" xmlns:a16="http://schemas.microsoft.com/office/drawing/2014/main" id="{B7CBC968-68A9-E24F-A2C7-054F8D361EE7}"/>
               </a:ext>
             </a:extLst>
           </p:cNvPr>
@@ -11188,7 +11188,7 @@
           <p:cNvPr id="70" name="正方形/長方形 69">
             <a:extLst>
               <a:ext uri="{FF2B5EF4-FFF2-40B4-BE49-F238E27FC236}">
-                <a16:creationId xmlns:a16="http://schemas.microsoft.com/office/drawing/2014/main" xmlns="" id="{1F8E4955-7161-DD4A-A006-B0E956752B2A}"/>
+                <a16:creationId xmlns="" xmlns:a16="http://schemas.microsoft.com/office/drawing/2014/main" id="{1F8E4955-7161-DD4A-A006-B0E956752B2A}"/>
               </a:ext>
             </a:extLst>
           </p:cNvPr>
@@ -11257,7 +11257,7 @@
           <p:cNvPr id="71" name="グループ化 70">
             <a:extLst>
               <a:ext uri="{FF2B5EF4-FFF2-40B4-BE49-F238E27FC236}">
-                <a16:creationId xmlns:a16="http://schemas.microsoft.com/office/drawing/2014/main" xmlns="" id="{36AF4B0A-68AD-0A4A-87D4-E3965E65D475}"/>
+                <a16:creationId xmlns="" xmlns:a16="http://schemas.microsoft.com/office/drawing/2014/main" id="{36AF4B0A-68AD-0A4A-87D4-E3965E65D475}"/>
               </a:ext>
             </a:extLst>
           </p:cNvPr>
@@ -11277,7 +11277,7 @@
             <p:cNvPr id="72" name="直線矢印コネクタ 71">
               <a:extLst>
                 <a:ext uri="{FF2B5EF4-FFF2-40B4-BE49-F238E27FC236}">
-                  <a16:creationId xmlns:a16="http://schemas.microsoft.com/office/drawing/2014/main" xmlns="" id="{D1403DAB-3574-7744-86E7-C900A3B1D081}"/>
+                  <a16:creationId xmlns="" xmlns:a16="http://schemas.microsoft.com/office/drawing/2014/main" id="{D1403DAB-3574-7744-86E7-C900A3B1D081}"/>
                 </a:ext>
               </a:extLst>
             </p:cNvPr>
@@ -11320,7 +11320,7 @@
             <p:cNvPr id="73" name="直線矢印コネクタ 72">
               <a:extLst>
                 <a:ext uri="{FF2B5EF4-FFF2-40B4-BE49-F238E27FC236}">
-                  <a16:creationId xmlns:a16="http://schemas.microsoft.com/office/drawing/2014/main" xmlns="" id="{F2CA26F3-4C45-6F42-AA13-AF2A717CD0DA}"/>
+                  <a16:creationId xmlns="" xmlns:a16="http://schemas.microsoft.com/office/drawing/2014/main" id="{F2CA26F3-4C45-6F42-AA13-AF2A717CD0DA}"/>
                 </a:ext>
               </a:extLst>
             </p:cNvPr>
@@ -11362,7 +11362,7 @@
           <p:cNvPr id="74" name="直線矢印コネクタ 73">
             <a:extLst>
               <a:ext uri="{FF2B5EF4-FFF2-40B4-BE49-F238E27FC236}">
-                <a16:creationId xmlns:a16="http://schemas.microsoft.com/office/drawing/2014/main" xmlns="" id="{E29FD0F6-AB9A-C24B-AFED-CEB2367C27EC}"/>
+                <a16:creationId xmlns="" xmlns:a16="http://schemas.microsoft.com/office/drawing/2014/main" id="{E29FD0F6-AB9A-C24B-AFED-CEB2367C27EC}"/>
               </a:ext>
             </a:extLst>
           </p:cNvPr>
@@ -11403,7 +11403,7 @@
           <p:cNvPr id="77" name="正方形/長方形 76">
             <a:extLst>
               <a:ext uri="{FF2B5EF4-FFF2-40B4-BE49-F238E27FC236}">
-                <a16:creationId xmlns:a16="http://schemas.microsoft.com/office/drawing/2014/main" xmlns="" id="{F2520337-BA48-5941-AA24-A5C17F2A5192}"/>
+                <a16:creationId xmlns="" xmlns:a16="http://schemas.microsoft.com/office/drawing/2014/main" id="{F2520337-BA48-5941-AA24-A5C17F2A5192}"/>
               </a:ext>
             </a:extLst>
           </p:cNvPr>
@@ -11472,7 +11472,7 @@
           <p:cNvPr id="79" name="正方形/長方形 78">
             <a:extLst>
               <a:ext uri="{FF2B5EF4-FFF2-40B4-BE49-F238E27FC236}">
-                <a16:creationId xmlns:a16="http://schemas.microsoft.com/office/drawing/2014/main" xmlns="" id="{EAD0C441-5D8E-D048-95E1-B5E97BDF6C95}"/>
+                <a16:creationId xmlns="" xmlns:a16="http://schemas.microsoft.com/office/drawing/2014/main" id="{EAD0C441-5D8E-D048-95E1-B5E97BDF6C95}"/>
               </a:ext>
             </a:extLst>
           </p:cNvPr>
@@ -11549,7 +11549,7 @@
           <p:cNvPr id="80" name="正方形/長方形 79">
             <a:extLst>
               <a:ext uri="{FF2B5EF4-FFF2-40B4-BE49-F238E27FC236}">
-                <a16:creationId xmlns:a16="http://schemas.microsoft.com/office/drawing/2014/main" xmlns="" id="{5A1B0C34-0480-7B44-A324-01930640D3F1}"/>
+                <a16:creationId xmlns="" xmlns:a16="http://schemas.microsoft.com/office/drawing/2014/main" id="{5A1B0C34-0480-7B44-A324-01930640D3F1}"/>
               </a:ext>
             </a:extLst>
           </p:cNvPr>
@@ -11615,7 +11615,7 @@
           <p:cNvPr id="81" name="グループ化 80">
             <a:extLst>
               <a:ext uri="{FF2B5EF4-FFF2-40B4-BE49-F238E27FC236}">
-                <a16:creationId xmlns:a16="http://schemas.microsoft.com/office/drawing/2014/main" xmlns="" id="{AC7F6008-090A-B14F-94D0-0A778C68A57F}"/>
+                <a16:creationId xmlns="" xmlns:a16="http://schemas.microsoft.com/office/drawing/2014/main" id="{AC7F6008-090A-B14F-94D0-0A778C68A57F}"/>
               </a:ext>
             </a:extLst>
           </p:cNvPr>
@@ -11635,7 +11635,7 @@
             <p:cNvPr id="82" name="直線矢印コネクタ 81">
               <a:extLst>
                 <a:ext uri="{FF2B5EF4-FFF2-40B4-BE49-F238E27FC236}">
-                  <a16:creationId xmlns:a16="http://schemas.microsoft.com/office/drawing/2014/main" xmlns="" id="{B1DB5316-6EEE-4042-ACD4-07690DF22325}"/>
+                  <a16:creationId xmlns="" xmlns:a16="http://schemas.microsoft.com/office/drawing/2014/main" id="{B1DB5316-6EEE-4042-ACD4-07690DF22325}"/>
                 </a:ext>
               </a:extLst>
             </p:cNvPr>
@@ -11678,7 +11678,7 @@
             <p:cNvPr id="83" name="直線矢印コネクタ 82">
               <a:extLst>
                 <a:ext uri="{FF2B5EF4-FFF2-40B4-BE49-F238E27FC236}">
-                  <a16:creationId xmlns:a16="http://schemas.microsoft.com/office/drawing/2014/main" xmlns="" id="{3FF66671-7495-4A4F-9504-EB5FD00C720E}"/>
+                  <a16:creationId xmlns="" xmlns:a16="http://schemas.microsoft.com/office/drawing/2014/main" id="{3FF66671-7495-4A4F-9504-EB5FD00C720E}"/>
                 </a:ext>
               </a:extLst>
             </p:cNvPr>
@@ -11720,7 +11720,7 @@
           <p:cNvPr id="84" name="グループ化 83">
             <a:extLst>
               <a:ext uri="{FF2B5EF4-FFF2-40B4-BE49-F238E27FC236}">
-                <a16:creationId xmlns:a16="http://schemas.microsoft.com/office/drawing/2014/main" xmlns="" id="{756AF7F9-54DF-A846-9DC8-4174B7D3DD7D}"/>
+                <a16:creationId xmlns="" xmlns:a16="http://schemas.microsoft.com/office/drawing/2014/main" id="{756AF7F9-54DF-A846-9DC8-4174B7D3DD7D}"/>
               </a:ext>
             </a:extLst>
           </p:cNvPr>
@@ -11740,7 +11740,7 @@
             <p:cNvPr id="86" name="直線矢印コネクタ 85">
               <a:extLst>
                 <a:ext uri="{FF2B5EF4-FFF2-40B4-BE49-F238E27FC236}">
-                  <a16:creationId xmlns:a16="http://schemas.microsoft.com/office/drawing/2014/main" xmlns="" id="{BB453A63-DAA6-054F-8B3E-CCDE0149724D}"/>
+                  <a16:creationId xmlns="" xmlns:a16="http://schemas.microsoft.com/office/drawing/2014/main" id="{BB453A63-DAA6-054F-8B3E-CCDE0149724D}"/>
                 </a:ext>
               </a:extLst>
             </p:cNvPr>
@@ -11783,7 +11783,7 @@
             <p:cNvPr id="87" name="直線矢印コネクタ 86">
               <a:extLst>
                 <a:ext uri="{FF2B5EF4-FFF2-40B4-BE49-F238E27FC236}">
-                  <a16:creationId xmlns:a16="http://schemas.microsoft.com/office/drawing/2014/main" xmlns="" id="{4010F88A-82C6-7C43-B116-81A6098E783A}"/>
+                  <a16:creationId xmlns="" xmlns:a16="http://schemas.microsoft.com/office/drawing/2014/main" id="{4010F88A-82C6-7C43-B116-81A6098E783A}"/>
                 </a:ext>
               </a:extLst>
             </p:cNvPr>
@@ -11825,7 +11825,7 @@
           <p:cNvPr id="88" name="グループ化 87">
             <a:extLst>
               <a:ext uri="{FF2B5EF4-FFF2-40B4-BE49-F238E27FC236}">
-                <a16:creationId xmlns:a16="http://schemas.microsoft.com/office/drawing/2014/main" xmlns="" id="{1F670DAF-733B-FD4D-8ABB-269CDCBB32AF}"/>
+                <a16:creationId xmlns="" xmlns:a16="http://schemas.microsoft.com/office/drawing/2014/main" id="{1F670DAF-733B-FD4D-8ABB-269CDCBB32AF}"/>
               </a:ext>
             </a:extLst>
           </p:cNvPr>
@@ -11845,7 +11845,7 @@
             <p:cNvPr id="89" name="直線矢印コネクタ 88">
               <a:extLst>
                 <a:ext uri="{FF2B5EF4-FFF2-40B4-BE49-F238E27FC236}">
-                  <a16:creationId xmlns:a16="http://schemas.microsoft.com/office/drawing/2014/main" xmlns="" id="{AFBC7749-0A75-8747-866C-FD738E6E7B9A}"/>
+                  <a16:creationId xmlns="" xmlns:a16="http://schemas.microsoft.com/office/drawing/2014/main" id="{AFBC7749-0A75-8747-866C-FD738E6E7B9A}"/>
                 </a:ext>
               </a:extLst>
             </p:cNvPr>
@@ -11888,7 +11888,7 @@
             <p:cNvPr id="90" name="直線矢印コネクタ 89">
               <a:extLst>
                 <a:ext uri="{FF2B5EF4-FFF2-40B4-BE49-F238E27FC236}">
-                  <a16:creationId xmlns:a16="http://schemas.microsoft.com/office/drawing/2014/main" xmlns="" id="{6045922E-1BB6-AE44-A97D-C60E5CB5C523}"/>
+                  <a16:creationId xmlns="" xmlns:a16="http://schemas.microsoft.com/office/drawing/2014/main" id="{6045922E-1BB6-AE44-A97D-C60E5CB5C523}"/>
                 </a:ext>
               </a:extLst>
             </p:cNvPr>
@@ -11930,7 +11930,7 @@
           <p:cNvPr id="91" name="グループ化 90">
             <a:extLst>
               <a:ext uri="{FF2B5EF4-FFF2-40B4-BE49-F238E27FC236}">
-                <a16:creationId xmlns:a16="http://schemas.microsoft.com/office/drawing/2014/main" xmlns="" id="{71CD44FA-D6C0-C843-AD5D-C1A85D11D007}"/>
+                <a16:creationId xmlns="" xmlns:a16="http://schemas.microsoft.com/office/drawing/2014/main" id="{71CD44FA-D6C0-C843-AD5D-C1A85D11D007}"/>
               </a:ext>
             </a:extLst>
           </p:cNvPr>
@@ -11950,7 +11950,7 @@
             <p:cNvPr id="92" name="直線矢印コネクタ 91">
               <a:extLst>
                 <a:ext uri="{FF2B5EF4-FFF2-40B4-BE49-F238E27FC236}">
-                  <a16:creationId xmlns:a16="http://schemas.microsoft.com/office/drawing/2014/main" xmlns="" id="{4F67E372-7C72-FB43-A703-BCD0419FD40A}"/>
+                  <a16:creationId xmlns="" xmlns:a16="http://schemas.microsoft.com/office/drawing/2014/main" id="{4F67E372-7C72-FB43-A703-BCD0419FD40A}"/>
                 </a:ext>
               </a:extLst>
             </p:cNvPr>
@@ -11993,7 +11993,7 @@
             <p:cNvPr id="93" name="直線矢印コネクタ 92">
               <a:extLst>
                 <a:ext uri="{FF2B5EF4-FFF2-40B4-BE49-F238E27FC236}">
-                  <a16:creationId xmlns:a16="http://schemas.microsoft.com/office/drawing/2014/main" xmlns="" id="{365004E8-5AAE-BF41-A91D-4F4625FAD5E5}"/>
+                  <a16:creationId xmlns="" xmlns:a16="http://schemas.microsoft.com/office/drawing/2014/main" id="{365004E8-5AAE-BF41-A91D-4F4625FAD5E5}"/>
                 </a:ext>
               </a:extLst>
             </p:cNvPr>
@@ -12035,7 +12035,7 @@
           <p:cNvPr id="94" name="正方形/長方形 93">
             <a:extLst>
               <a:ext uri="{FF2B5EF4-FFF2-40B4-BE49-F238E27FC236}">
-                <a16:creationId xmlns:a16="http://schemas.microsoft.com/office/drawing/2014/main" xmlns="" id="{6CE04C31-37AF-5E41-8267-AD5D40D63EDD}"/>
+                <a16:creationId xmlns="" xmlns:a16="http://schemas.microsoft.com/office/drawing/2014/main" id="{6CE04C31-37AF-5E41-8267-AD5D40D63EDD}"/>
               </a:ext>
             </a:extLst>
           </p:cNvPr>
@@ -12136,7 +12136,7 @@
           <p:cNvPr id="95" name="正方形/長方形 94">
             <a:extLst>
               <a:ext uri="{FF2B5EF4-FFF2-40B4-BE49-F238E27FC236}">
-                <a16:creationId xmlns:a16="http://schemas.microsoft.com/office/drawing/2014/main" xmlns="" id="{24883989-1BC6-D349-A648-96BE42CDE9D7}"/>
+                <a16:creationId xmlns="" xmlns:a16="http://schemas.microsoft.com/office/drawing/2014/main" id="{24883989-1BC6-D349-A648-96BE42CDE9D7}"/>
               </a:ext>
             </a:extLst>
           </p:cNvPr>
@@ -12210,7 +12210,7 @@
           <p:cNvPr id="96" name="正方形/長方形 95">
             <a:extLst>
               <a:ext uri="{FF2B5EF4-FFF2-40B4-BE49-F238E27FC236}">
-                <a16:creationId xmlns:a16="http://schemas.microsoft.com/office/drawing/2014/main" xmlns="" id="{616DD579-E3C8-6B47-93BD-87CC3FDC5287}"/>
+                <a16:creationId xmlns="" xmlns:a16="http://schemas.microsoft.com/office/drawing/2014/main" id="{616DD579-E3C8-6B47-93BD-87CC3FDC5287}"/>
               </a:ext>
             </a:extLst>
           </p:cNvPr>
@@ -12276,7 +12276,7 @@
           <p:cNvPr id="97" name="正方形/長方形 96">
             <a:extLst>
               <a:ext uri="{FF2B5EF4-FFF2-40B4-BE49-F238E27FC236}">
-                <a16:creationId xmlns:a16="http://schemas.microsoft.com/office/drawing/2014/main" xmlns="" id="{72466C0F-EE79-2C4C-AE1E-CECDB9CC3CB8}"/>
+                <a16:creationId xmlns="" xmlns:a16="http://schemas.microsoft.com/office/drawing/2014/main" id="{72466C0F-EE79-2C4C-AE1E-CECDB9CC3CB8}"/>
               </a:ext>
             </a:extLst>
           </p:cNvPr>
@@ -12353,7 +12353,7 @@
           <p:cNvPr id="98" name="直線矢印コネクタ 97">
             <a:extLst>
               <a:ext uri="{FF2B5EF4-FFF2-40B4-BE49-F238E27FC236}">
-                <a16:creationId xmlns:a16="http://schemas.microsoft.com/office/drawing/2014/main" xmlns="" id="{083DE6DF-84BB-2E4F-8B64-7D4F8FFD1C13}"/>
+                <a16:creationId xmlns="" xmlns:a16="http://schemas.microsoft.com/office/drawing/2014/main" id="{083DE6DF-84BB-2E4F-8B64-7D4F8FFD1C13}"/>
               </a:ext>
             </a:extLst>
           </p:cNvPr>
@@ -12394,7 +12394,7 @@
           <p:cNvPr id="99" name="正方形/長方形 98">
             <a:extLst>
               <a:ext uri="{FF2B5EF4-FFF2-40B4-BE49-F238E27FC236}">
-                <a16:creationId xmlns:a16="http://schemas.microsoft.com/office/drawing/2014/main" xmlns="" id="{3BD7E6E5-1FC9-F54C-ADF0-0C7523A6FB1B}"/>
+                <a16:creationId xmlns="" xmlns:a16="http://schemas.microsoft.com/office/drawing/2014/main" id="{3BD7E6E5-1FC9-F54C-ADF0-0C7523A6FB1B}"/>
               </a:ext>
             </a:extLst>
           </p:cNvPr>
@@ -12463,7 +12463,7 @@
           <p:cNvPr id="100" name="直線矢印コネクタ 99">
             <a:extLst>
               <a:ext uri="{FF2B5EF4-FFF2-40B4-BE49-F238E27FC236}">
-                <a16:creationId xmlns:a16="http://schemas.microsoft.com/office/drawing/2014/main" xmlns="" id="{E950DF1E-85E5-0049-B555-70C882BFBE6A}"/>
+                <a16:creationId xmlns="" xmlns:a16="http://schemas.microsoft.com/office/drawing/2014/main" id="{E950DF1E-85E5-0049-B555-70C882BFBE6A}"/>
               </a:ext>
             </a:extLst>
           </p:cNvPr>
@@ -12504,7 +12504,7 @@
           <p:cNvPr id="101" name="正方形/長方形 100">
             <a:extLst>
               <a:ext uri="{FF2B5EF4-FFF2-40B4-BE49-F238E27FC236}">
-                <a16:creationId xmlns:a16="http://schemas.microsoft.com/office/drawing/2014/main" xmlns="" id="{47D0C2BF-9085-3B49-909F-0E2456B5116A}"/>
+                <a16:creationId xmlns="" xmlns:a16="http://schemas.microsoft.com/office/drawing/2014/main" id="{47D0C2BF-9085-3B49-909F-0E2456B5116A}"/>
               </a:ext>
             </a:extLst>
           </p:cNvPr>
@@ -12565,7 +12565,7 @@
           <p:cNvPr id="102" name="直線コネクタ 101">
             <a:extLst>
               <a:ext uri="{FF2B5EF4-FFF2-40B4-BE49-F238E27FC236}">
-                <a16:creationId xmlns:a16="http://schemas.microsoft.com/office/drawing/2014/main" xmlns="" id="{5CE06011-71C4-234A-B43E-9635459AE999}"/>
+                <a16:creationId xmlns="" xmlns:a16="http://schemas.microsoft.com/office/drawing/2014/main" id="{5CE06011-71C4-234A-B43E-9635459AE999}"/>
               </a:ext>
             </a:extLst>
           </p:cNvPr>
@@ -12608,7 +12608,7 @@
           <p:cNvPr id="103" name="直線矢印コネクタ 102">
             <a:extLst>
               <a:ext uri="{FF2B5EF4-FFF2-40B4-BE49-F238E27FC236}">
-                <a16:creationId xmlns:a16="http://schemas.microsoft.com/office/drawing/2014/main" xmlns="" id="{21142FF1-C136-9945-A99B-9223643E67B6}"/>
+                <a16:creationId xmlns="" xmlns:a16="http://schemas.microsoft.com/office/drawing/2014/main" id="{21142FF1-C136-9945-A99B-9223643E67B6}"/>
               </a:ext>
             </a:extLst>
           </p:cNvPr>
@@ -12649,7 +12649,7 @@
           <p:cNvPr id="104" name="正方形/長方形 103">
             <a:extLst>
               <a:ext uri="{FF2B5EF4-FFF2-40B4-BE49-F238E27FC236}">
-                <a16:creationId xmlns:a16="http://schemas.microsoft.com/office/drawing/2014/main" xmlns="" id="{9C3D8B10-0CA7-E348-9727-745763121779}"/>
+                <a16:creationId xmlns="" xmlns:a16="http://schemas.microsoft.com/office/drawing/2014/main" id="{9C3D8B10-0CA7-E348-9727-745763121779}"/>
               </a:ext>
             </a:extLst>
           </p:cNvPr>
@@ -12710,7 +12710,7 @@
           <p:cNvPr id="105" name="直線矢印コネクタ 104">
             <a:extLst>
               <a:ext uri="{FF2B5EF4-FFF2-40B4-BE49-F238E27FC236}">
-                <a16:creationId xmlns:a16="http://schemas.microsoft.com/office/drawing/2014/main" xmlns="" id="{58AF541C-22F3-3841-9C2E-9033F63010C1}"/>
+                <a16:creationId xmlns="" xmlns:a16="http://schemas.microsoft.com/office/drawing/2014/main" id="{58AF541C-22F3-3841-9C2E-9033F63010C1}"/>
               </a:ext>
             </a:extLst>
           </p:cNvPr>
@@ -12753,7 +12753,7 @@
           <p:cNvPr id="107" name="グループ化 106">
             <a:extLst>
               <a:ext uri="{FF2B5EF4-FFF2-40B4-BE49-F238E27FC236}">
-                <a16:creationId xmlns:a16="http://schemas.microsoft.com/office/drawing/2014/main" xmlns="" id="{A71A17E8-E9BA-B841-B8EE-4814B87EAD14}"/>
+                <a16:creationId xmlns="" xmlns:a16="http://schemas.microsoft.com/office/drawing/2014/main" id="{A71A17E8-E9BA-B841-B8EE-4814B87EAD14}"/>
               </a:ext>
             </a:extLst>
           </p:cNvPr>
@@ -12773,7 +12773,7 @@
             <p:cNvPr id="108" name="直線矢印コネクタ 107">
               <a:extLst>
                 <a:ext uri="{FF2B5EF4-FFF2-40B4-BE49-F238E27FC236}">
-                  <a16:creationId xmlns:a16="http://schemas.microsoft.com/office/drawing/2014/main" xmlns="" id="{9D2CB462-85AB-4849-9210-9421FC651D6F}"/>
+                  <a16:creationId xmlns="" xmlns:a16="http://schemas.microsoft.com/office/drawing/2014/main" id="{9D2CB462-85AB-4849-9210-9421FC651D6F}"/>
                 </a:ext>
               </a:extLst>
             </p:cNvPr>
@@ -12816,7 +12816,7 @@
             <p:cNvPr id="109" name="直線矢印コネクタ 108">
               <a:extLst>
                 <a:ext uri="{FF2B5EF4-FFF2-40B4-BE49-F238E27FC236}">
-                  <a16:creationId xmlns:a16="http://schemas.microsoft.com/office/drawing/2014/main" xmlns="" id="{28F77025-4DCF-AA45-AA6E-766A39BCC754}"/>
+                  <a16:creationId xmlns="" xmlns:a16="http://schemas.microsoft.com/office/drawing/2014/main" id="{28F77025-4DCF-AA45-AA6E-766A39BCC754}"/>
                 </a:ext>
               </a:extLst>
             </p:cNvPr>
@@ -12858,7 +12858,7 @@
           <p:cNvPr id="106" name="正方形/長方形 105">
             <a:extLst>
               <a:ext uri="{FF2B5EF4-FFF2-40B4-BE49-F238E27FC236}">
-                <a16:creationId xmlns:a16="http://schemas.microsoft.com/office/drawing/2014/main" xmlns="" id="{F2520337-BA48-5941-AA24-A5C17F2A5192}"/>
+                <a16:creationId xmlns="" xmlns:a16="http://schemas.microsoft.com/office/drawing/2014/main" id="{F2520337-BA48-5941-AA24-A5C17F2A5192}"/>
               </a:ext>
             </a:extLst>
           </p:cNvPr>
@@ -12927,7 +12927,7 @@
           <p:cNvPr id="110" name="直線矢印コネクタ 109">
             <a:extLst>
               <a:ext uri="{FF2B5EF4-FFF2-40B4-BE49-F238E27FC236}">
-                <a16:creationId xmlns:a16="http://schemas.microsoft.com/office/drawing/2014/main" xmlns="" id="{E29FD0F6-AB9A-C24B-AFED-CEB2367C27EC}"/>
+                <a16:creationId xmlns="" xmlns:a16="http://schemas.microsoft.com/office/drawing/2014/main" id="{E29FD0F6-AB9A-C24B-AFED-CEB2367C27EC}"/>
               </a:ext>
             </a:extLst>
           </p:cNvPr>
@@ -12968,7 +12968,7 @@
           <p:cNvPr id="111" name="正方形/長方形 110">
             <a:extLst>
               <a:ext uri="{FF2B5EF4-FFF2-40B4-BE49-F238E27FC236}">
-                <a16:creationId xmlns:a16="http://schemas.microsoft.com/office/drawing/2014/main" xmlns="" id="{4CFBD517-1EC6-7340-A95E-085DF5A98CAA}"/>
+                <a16:creationId xmlns="" xmlns:a16="http://schemas.microsoft.com/office/drawing/2014/main" id="{4CFBD517-1EC6-7340-A95E-085DF5A98CAA}"/>
               </a:ext>
             </a:extLst>
           </p:cNvPr>
@@ -13067,7 +13067,7 @@
           <p:cNvPr id="4" name="正方形/長方形 3">
             <a:extLst>
               <a:ext uri="{FF2B5EF4-FFF2-40B4-BE49-F238E27FC236}">
-                <a16:creationId xmlns:a16="http://schemas.microsoft.com/office/drawing/2014/main" xmlns="" id="{A5BEF1B8-26B4-954D-9E23-608FB52D86D6}"/>
+                <a16:creationId xmlns="" xmlns:a16="http://schemas.microsoft.com/office/drawing/2014/main" id="{A5BEF1B8-26B4-954D-9E23-608FB52D86D6}"/>
               </a:ext>
             </a:extLst>
           </p:cNvPr>
@@ -13166,7 +13166,7 @@
           <p:cNvPr id="4" name="正方形/長方形 3">
             <a:extLst>
               <a:ext uri="{FF2B5EF4-FFF2-40B4-BE49-F238E27FC236}">
-                <a16:creationId xmlns:a16="http://schemas.microsoft.com/office/drawing/2014/main" xmlns="" id="{E14352D6-4254-954F-B23C-DD3C3BEF430F}"/>
+                <a16:creationId xmlns="" xmlns:a16="http://schemas.microsoft.com/office/drawing/2014/main" id="{E14352D6-4254-954F-B23C-DD3C3BEF430F}"/>
               </a:ext>
             </a:extLst>
           </p:cNvPr>
@@ -13240,7 +13240,7 @@
           <p:cNvPr id="6" name="正方形/長方形 5">
             <a:extLst>
               <a:ext uri="{FF2B5EF4-FFF2-40B4-BE49-F238E27FC236}">
-                <a16:creationId xmlns:a16="http://schemas.microsoft.com/office/drawing/2014/main" xmlns="" id="{65F35CCE-7C28-BC4F-998B-D2BC0895361F}"/>
+                <a16:creationId xmlns="" xmlns:a16="http://schemas.microsoft.com/office/drawing/2014/main" id="{65F35CCE-7C28-BC4F-998B-D2BC0895361F}"/>
               </a:ext>
             </a:extLst>
           </p:cNvPr>
@@ -13306,7 +13306,7 @@
           <p:cNvPr id="7" name="正方形/長方形 6">
             <a:extLst>
               <a:ext uri="{FF2B5EF4-FFF2-40B4-BE49-F238E27FC236}">
-                <a16:creationId xmlns:a16="http://schemas.microsoft.com/office/drawing/2014/main" xmlns="" id="{745DA8CA-F23F-234B-B0D9-3A074437FE4B}"/>
+                <a16:creationId xmlns="" xmlns:a16="http://schemas.microsoft.com/office/drawing/2014/main" id="{745DA8CA-F23F-234B-B0D9-3A074437FE4B}"/>
               </a:ext>
             </a:extLst>
           </p:cNvPr>
@@ -13371,7 +13371,7 @@
           <p:cNvPr id="8" name="正方形/長方形 7">
             <a:extLst>
               <a:ext uri="{FF2B5EF4-FFF2-40B4-BE49-F238E27FC236}">
-                <a16:creationId xmlns:a16="http://schemas.microsoft.com/office/drawing/2014/main" xmlns="" id="{3FAC55B2-05A4-7F41-A449-543B9D9C0BCA}"/>
+                <a16:creationId xmlns="" xmlns:a16="http://schemas.microsoft.com/office/drawing/2014/main" id="{3FAC55B2-05A4-7F41-A449-543B9D9C0BCA}"/>
               </a:ext>
             </a:extLst>
           </p:cNvPr>
@@ -13444,7 +13444,7 @@
           <p:cNvPr id="9" name="正方形/長方形 8">
             <a:extLst>
               <a:ext uri="{FF2B5EF4-FFF2-40B4-BE49-F238E27FC236}">
-                <a16:creationId xmlns:a16="http://schemas.microsoft.com/office/drawing/2014/main" xmlns="" id="{919BF83C-E234-724C-9BE2-86EF515DAC0B}"/>
+                <a16:creationId xmlns="" xmlns:a16="http://schemas.microsoft.com/office/drawing/2014/main" id="{919BF83C-E234-724C-9BE2-86EF515DAC0B}"/>
               </a:ext>
             </a:extLst>
           </p:cNvPr>
@@ -13509,7 +13509,7 @@
           <p:cNvPr id="10" name="直線コネクタ 9">
             <a:extLst>
               <a:ext uri="{FF2B5EF4-FFF2-40B4-BE49-F238E27FC236}">
-                <a16:creationId xmlns:a16="http://schemas.microsoft.com/office/drawing/2014/main" xmlns="" id="{C1C3A174-0605-1842-8AD1-1F07498BACB0}"/>
+                <a16:creationId xmlns="" xmlns:a16="http://schemas.microsoft.com/office/drawing/2014/main" id="{C1C3A174-0605-1842-8AD1-1F07498BACB0}"/>
               </a:ext>
             </a:extLst>
           </p:cNvPr>
@@ -13552,7 +13552,7 @@
           <p:cNvPr id="11" name="直線コネクタ 10">
             <a:extLst>
               <a:ext uri="{FF2B5EF4-FFF2-40B4-BE49-F238E27FC236}">
-                <a16:creationId xmlns:a16="http://schemas.microsoft.com/office/drawing/2014/main" xmlns="" id="{40D0D2D9-E783-D544-9386-D63178876F5F}"/>
+                <a16:creationId xmlns="" xmlns:a16="http://schemas.microsoft.com/office/drawing/2014/main" id="{40D0D2D9-E783-D544-9386-D63178876F5F}"/>
               </a:ext>
             </a:extLst>
           </p:cNvPr>
@@ -13595,7 +13595,7 @@
           <p:cNvPr id="12" name="正方形/長方形 11">
             <a:extLst>
               <a:ext uri="{FF2B5EF4-FFF2-40B4-BE49-F238E27FC236}">
-                <a16:creationId xmlns:a16="http://schemas.microsoft.com/office/drawing/2014/main" xmlns="" id="{53D9C8A3-8A22-9742-A26D-5C3FCF2150C2}"/>
+                <a16:creationId xmlns="" xmlns:a16="http://schemas.microsoft.com/office/drawing/2014/main" id="{53D9C8A3-8A22-9742-A26D-5C3FCF2150C2}"/>
               </a:ext>
             </a:extLst>
           </p:cNvPr>
@@ -13658,7 +13658,7 @@
           <p:cNvPr id="13" name="正方形/長方形 12">
             <a:extLst>
               <a:ext uri="{FF2B5EF4-FFF2-40B4-BE49-F238E27FC236}">
-                <a16:creationId xmlns:a16="http://schemas.microsoft.com/office/drawing/2014/main" xmlns="" id="{009E1A21-796F-7A48-906B-721083B301F7}"/>
+                <a16:creationId xmlns="" xmlns:a16="http://schemas.microsoft.com/office/drawing/2014/main" id="{009E1A21-796F-7A48-906B-721083B301F7}"/>
               </a:ext>
             </a:extLst>
           </p:cNvPr>
@@ -13734,7 +13734,7 @@
           <p:cNvPr id="14" name="正方形/長方形 13">
             <a:extLst>
               <a:ext uri="{FF2B5EF4-FFF2-40B4-BE49-F238E27FC236}">
-                <a16:creationId xmlns:a16="http://schemas.microsoft.com/office/drawing/2014/main" xmlns="" id="{15836AE0-FDDF-3345-A5F7-F114A875BFB9}"/>
+                <a16:creationId xmlns="" xmlns:a16="http://schemas.microsoft.com/office/drawing/2014/main" id="{15836AE0-FDDF-3345-A5F7-F114A875BFB9}"/>
               </a:ext>
             </a:extLst>
           </p:cNvPr>
@@ -13810,7 +13810,7 @@
           <p:cNvPr id="15" name="直線コネクタ 14">
             <a:extLst>
               <a:ext uri="{FF2B5EF4-FFF2-40B4-BE49-F238E27FC236}">
-                <a16:creationId xmlns:a16="http://schemas.microsoft.com/office/drawing/2014/main" xmlns="" id="{2FAE392F-237E-C443-823D-D2D2045990FD}"/>
+                <a16:creationId xmlns="" xmlns:a16="http://schemas.microsoft.com/office/drawing/2014/main" id="{2FAE392F-237E-C443-823D-D2D2045990FD}"/>
               </a:ext>
             </a:extLst>
           </p:cNvPr>
@@ -13850,7 +13850,7 @@
           <p:cNvPr id="16" name="直線コネクタ 15">
             <a:extLst>
               <a:ext uri="{FF2B5EF4-FFF2-40B4-BE49-F238E27FC236}">
-                <a16:creationId xmlns:a16="http://schemas.microsoft.com/office/drawing/2014/main" xmlns="" id="{AD26B316-9D72-BA4C-8728-3B58F840BF25}"/>
+                <a16:creationId xmlns="" xmlns:a16="http://schemas.microsoft.com/office/drawing/2014/main" id="{AD26B316-9D72-BA4C-8728-3B58F840BF25}"/>
               </a:ext>
             </a:extLst>
           </p:cNvPr>
@@ -13890,7 +13890,7 @@
           <p:cNvPr id="17" name="正方形/長方形 16">
             <a:extLst>
               <a:ext uri="{FF2B5EF4-FFF2-40B4-BE49-F238E27FC236}">
-                <a16:creationId xmlns:a16="http://schemas.microsoft.com/office/drawing/2014/main" xmlns="" id="{01B1A16F-EAB2-B545-842C-702F49BC82B7}"/>
+                <a16:creationId xmlns="" xmlns:a16="http://schemas.microsoft.com/office/drawing/2014/main" id="{01B1A16F-EAB2-B545-842C-702F49BC82B7}"/>
               </a:ext>
             </a:extLst>
           </p:cNvPr>
@@ -13953,7 +13953,7 @@
           <p:cNvPr id="18" name="正方形/長方形 17">
             <a:extLst>
               <a:ext uri="{FF2B5EF4-FFF2-40B4-BE49-F238E27FC236}">
-                <a16:creationId xmlns:a16="http://schemas.microsoft.com/office/drawing/2014/main" xmlns="" id="{46217CDB-59EC-D74B-9B9A-C03003E5DCB1}"/>
+                <a16:creationId xmlns="" xmlns:a16="http://schemas.microsoft.com/office/drawing/2014/main" id="{46217CDB-59EC-D74B-9B9A-C03003E5DCB1}"/>
               </a:ext>
             </a:extLst>
           </p:cNvPr>
@@ -14021,7 +14021,7 @@
           <p:cNvPr id="19" name="正方形/長方形 18">
             <a:extLst>
               <a:ext uri="{FF2B5EF4-FFF2-40B4-BE49-F238E27FC236}">
-                <a16:creationId xmlns:a16="http://schemas.microsoft.com/office/drawing/2014/main" xmlns="" id="{A2662004-CD73-F942-ACBC-11315B300049}"/>
+                <a16:creationId xmlns="" xmlns:a16="http://schemas.microsoft.com/office/drawing/2014/main" id="{A2662004-CD73-F942-ACBC-11315B300049}"/>
               </a:ext>
             </a:extLst>
           </p:cNvPr>
@@ -14089,7 +14089,7 @@
           <p:cNvPr id="20" name="直線コネクタ 19">
             <a:extLst>
               <a:ext uri="{FF2B5EF4-FFF2-40B4-BE49-F238E27FC236}">
-                <a16:creationId xmlns:a16="http://schemas.microsoft.com/office/drawing/2014/main" xmlns="" id="{837593CD-8E4C-494E-B9AB-7DB24B9F090F}"/>
+                <a16:creationId xmlns="" xmlns:a16="http://schemas.microsoft.com/office/drawing/2014/main" id="{837593CD-8E4C-494E-B9AB-7DB24B9F090F}"/>
               </a:ext>
             </a:extLst>
           </p:cNvPr>
@@ -14129,7 +14129,7 @@
           <p:cNvPr id="21" name="直線コネクタ 20">
             <a:extLst>
               <a:ext uri="{FF2B5EF4-FFF2-40B4-BE49-F238E27FC236}">
-                <a16:creationId xmlns:a16="http://schemas.microsoft.com/office/drawing/2014/main" xmlns="" id="{77AB1D80-C7A5-8C43-8925-02CDDC8F1ADB}"/>
+                <a16:creationId xmlns="" xmlns:a16="http://schemas.microsoft.com/office/drawing/2014/main" id="{77AB1D80-C7A5-8C43-8925-02CDDC8F1ADB}"/>
               </a:ext>
             </a:extLst>
           </p:cNvPr>
@@ -14169,7 +14169,7 @@
           <p:cNvPr id="22" name="直線コネクタ 21">
             <a:extLst>
               <a:ext uri="{FF2B5EF4-FFF2-40B4-BE49-F238E27FC236}">
-                <a16:creationId xmlns:a16="http://schemas.microsoft.com/office/drawing/2014/main" xmlns="" id="{248D4B54-DE5E-E446-B44A-4B73A0667940}"/>
+                <a16:creationId xmlns="" xmlns:a16="http://schemas.microsoft.com/office/drawing/2014/main" id="{248D4B54-DE5E-E446-B44A-4B73A0667940}"/>
               </a:ext>
             </a:extLst>
           </p:cNvPr>
@@ -14212,7 +14212,7 @@
           <p:cNvPr id="23" name="直線コネクタ 22">
             <a:extLst>
               <a:ext uri="{FF2B5EF4-FFF2-40B4-BE49-F238E27FC236}">
-                <a16:creationId xmlns:a16="http://schemas.microsoft.com/office/drawing/2014/main" xmlns="" id="{71359C0F-8372-6042-BAC0-42C995600E67}"/>
+                <a16:creationId xmlns="" xmlns:a16="http://schemas.microsoft.com/office/drawing/2014/main" id="{71359C0F-8372-6042-BAC0-42C995600E67}"/>
               </a:ext>
             </a:extLst>
           </p:cNvPr>
@@ -14255,7 +14255,7 @@
           <p:cNvPr id="24" name="直線コネクタ 23">
             <a:extLst>
               <a:ext uri="{FF2B5EF4-FFF2-40B4-BE49-F238E27FC236}">
-                <a16:creationId xmlns:a16="http://schemas.microsoft.com/office/drawing/2014/main" xmlns="" id="{F69D1103-8076-6748-961D-9E190F371880}"/>
+                <a16:creationId xmlns="" xmlns:a16="http://schemas.microsoft.com/office/drawing/2014/main" id="{F69D1103-8076-6748-961D-9E190F371880}"/>
               </a:ext>
             </a:extLst>
           </p:cNvPr>
@@ -14328,7 +14328,7 @@
           <p:cNvPr id="4" name="正方形/長方形 3">
             <a:extLst>
               <a:ext uri="{FF2B5EF4-FFF2-40B4-BE49-F238E27FC236}">
-                <a16:creationId xmlns:a16="http://schemas.microsoft.com/office/drawing/2014/main" xmlns="" id="{A5BEF1B8-26B4-954D-9E23-608FB52D86D6}"/>
+                <a16:creationId xmlns="" xmlns:a16="http://schemas.microsoft.com/office/drawing/2014/main" id="{A5BEF1B8-26B4-954D-9E23-608FB52D86D6}"/>
               </a:ext>
             </a:extLst>
           </p:cNvPr>
@@ -14402,7 +14402,7 @@
           <p:cNvPr id="7" name="直線コネクタ 6">
             <a:extLst>
               <a:ext uri="{FF2B5EF4-FFF2-40B4-BE49-F238E27FC236}">
-                <a16:creationId xmlns:a16="http://schemas.microsoft.com/office/drawing/2014/main" xmlns="" id="{25A12E36-56D6-D04A-904C-74E4AC5EACC7}"/>
+                <a16:creationId xmlns="" xmlns:a16="http://schemas.microsoft.com/office/drawing/2014/main" id="{25A12E36-56D6-D04A-904C-74E4AC5EACC7}"/>
               </a:ext>
             </a:extLst>
           </p:cNvPr>
@@ -14445,7 +14445,7 @@
           <p:cNvPr id="12" name="グループ化 11">
             <a:extLst>
               <a:ext uri="{FF2B5EF4-FFF2-40B4-BE49-F238E27FC236}">
-                <a16:creationId xmlns:a16="http://schemas.microsoft.com/office/drawing/2014/main" xmlns="" id="{DD32794D-F3F2-8D48-98F9-ABBC2BACE453}"/>
+                <a16:creationId xmlns="" xmlns:a16="http://schemas.microsoft.com/office/drawing/2014/main" id="{DD32794D-F3F2-8D48-98F9-ABBC2BACE453}"/>
               </a:ext>
             </a:extLst>
           </p:cNvPr>
@@ -14465,7 +14465,7 @@
             <p:cNvPr id="5" name="円/楕円 4">
               <a:extLst>
                 <a:ext uri="{FF2B5EF4-FFF2-40B4-BE49-F238E27FC236}">
-                  <a16:creationId xmlns:a16="http://schemas.microsoft.com/office/drawing/2014/main" xmlns="" id="{7A42A556-5873-C946-8708-EC89BF1B6983}"/>
+                  <a16:creationId xmlns="" xmlns:a16="http://schemas.microsoft.com/office/drawing/2014/main" id="{7A42A556-5873-C946-8708-EC89BF1B6983}"/>
                 </a:ext>
               </a:extLst>
             </p:cNvPr>
@@ -14531,7 +14531,7 @@
             <p:cNvPr id="9" name="直線コネクタ 8">
               <a:extLst>
                 <a:ext uri="{FF2B5EF4-FFF2-40B4-BE49-F238E27FC236}">
-                  <a16:creationId xmlns:a16="http://schemas.microsoft.com/office/drawing/2014/main" xmlns="" id="{9748DDAD-E860-494B-9999-7719EE47DE04}"/>
+                  <a16:creationId xmlns="" xmlns:a16="http://schemas.microsoft.com/office/drawing/2014/main" id="{9748DDAD-E860-494B-9999-7719EE47DE04}"/>
                 </a:ext>
               </a:extLst>
             </p:cNvPr>
@@ -14575,7 +14575,7 @@
             <p:cNvPr id="11" name="直線コネクタ 10">
               <a:extLst>
                 <a:ext uri="{FF2B5EF4-FFF2-40B4-BE49-F238E27FC236}">
-                  <a16:creationId xmlns:a16="http://schemas.microsoft.com/office/drawing/2014/main" xmlns="" id="{79832B64-F3D0-494C-A457-8EB54A6162A5}"/>
+                  <a16:creationId xmlns="" xmlns:a16="http://schemas.microsoft.com/office/drawing/2014/main" id="{79832B64-F3D0-494C-A457-8EB54A6162A5}"/>
                 </a:ext>
               </a:extLst>
             </p:cNvPr>
@@ -14620,7 +14620,7 @@
           <p:cNvPr id="15" name="直線矢印コネクタ 14">
             <a:extLst>
               <a:ext uri="{FF2B5EF4-FFF2-40B4-BE49-F238E27FC236}">
-                <a16:creationId xmlns:a16="http://schemas.microsoft.com/office/drawing/2014/main" xmlns="" id="{6BEFA3C7-A322-5645-A3C2-150CE9A9D2C9}"/>
+                <a16:creationId xmlns="" xmlns:a16="http://schemas.microsoft.com/office/drawing/2014/main" id="{6BEFA3C7-A322-5645-A3C2-150CE9A9D2C9}"/>
               </a:ext>
             </a:extLst>
           </p:cNvPr>
@@ -14659,7 +14659,7 @@
           <p:cNvPr id="17" name="直線コネクタ 16">
             <a:extLst>
               <a:ext uri="{FF2B5EF4-FFF2-40B4-BE49-F238E27FC236}">
-                <a16:creationId xmlns:a16="http://schemas.microsoft.com/office/drawing/2014/main" xmlns="" id="{56119E4D-ABC9-4A44-A657-3ACC3ED6075C}"/>
+                <a16:creationId xmlns="" xmlns:a16="http://schemas.microsoft.com/office/drawing/2014/main" id="{56119E4D-ABC9-4A44-A657-3ACC3ED6075C}"/>
               </a:ext>
             </a:extLst>
           </p:cNvPr>
@@ -14700,7 +14700,7 @@
           <p:cNvPr id="19" name="直線矢印コネクタ 18">
             <a:extLst>
               <a:ext uri="{FF2B5EF4-FFF2-40B4-BE49-F238E27FC236}">
-                <a16:creationId xmlns:a16="http://schemas.microsoft.com/office/drawing/2014/main" xmlns="" id="{4FD928EF-B134-3444-B4E7-4A99FEC58B9D}"/>
+                <a16:creationId xmlns="" xmlns:a16="http://schemas.microsoft.com/office/drawing/2014/main" id="{4FD928EF-B134-3444-B4E7-4A99FEC58B9D}"/>
               </a:ext>
             </a:extLst>
           </p:cNvPr>
@@ -14741,7 +14741,7 @@
           <p:cNvPr id="21" name="正方形/長方形 20">
             <a:extLst>
               <a:ext uri="{FF2B5EF4-FFF2-40B4-BE49-F238E27FC236}">
-                <a16:creationId xmlns:a16="http://schemas.microsoft.com/office/drawing/2014/main" xmlns="" id="{0973CC44-59C6-124A-8168-DB05FE179C01}"/>
+                <a16:creationId xmlns="" xmlns:a16="http://schemas.microsoft.com/office/drawing/2014/main" id="{0973CC44-59C6-124A-8168-DB05FE179C01}"/>
               </a:ext>
             </a:extLst>
           </p:cNvPr>
@@ -14805,7 +14805,7 @@
           <p:cNvPr id="22" name="グループ化 21">
             <a:extLst>
               <a:ext uri="{FF2B5EF4-FFF2-40B4-BE49-F238E27FC236}">
-                <a16:creationId xmlns:a16="http://schemas.microsoft.com/office/drawing/2014/main" xmlns="" id="{FEEE2B49-58B2-B748-9567-8A4247EA8CC5}"/>
+                <a16:creationId xmlns="" xmlns:a16="http://schemas.microsoft.com/office/drawing/2014/main" id="{FEEE2B49-58B2-B748-9567-8A4247EA8CC5}"/>
               </a:ext>
             </a:extLst>
           </p:cNvPr>
@@ -14825,7 +14825,7 @@
             <p:cNvPr id="26" name="パイ 25">
               <a:extLst>
                 <a:ext uri="{FF2B5EF4-FFF2-40B4-BE49-F238E27FC236}">
-                  <a16:creationId xmlns:a16="http://schemas.microsoft.com/office/drawing/2014/main" xmlns="" id="{B68162D2-4B1C-074F-AB75-3D48D4277AC4}"/>
+                  <a16:creationId xmlns="" xmlns:a16="http://schemas.microsoft.com/office/drawing/2014/main" id="{B68162D2-4B1C-074F-AB75-3D48D4277AC4}"/>
                 </a:ext>
               </a:extLst>
             </p:cNvPr>
@@ -14886,7 +14886,7 @@
             <p:cNvPr id="27" name="パイ 26">
               <a:extLst>
                 <a:ext uri="{FF2B5EF4-FFF2-40B4-BE49-F238E27FC236}">
-                  <a16:creationId xmlns:a16="http://schemas.microsoft.com/office/drawing/2014/main" xmlns="" id="{7F701166-B61E-3F4F-AC67-B894882A59FC}"/>
+                  <a16:creationId xmlns="" xmlns:a16="http://schemas.microsoft.com/office/drawing/2014/main" id="{7F701166-B61E-3F4F-AC67-B894882A59FC}"/>
                 </a:ext>
               </a:extLst>
             </p:cNvPr>
@@ -14945,7 +14945,7 @@
             <p:cNvPr id="28" name="パイ 27">
               <a:extLst>
                 <a:ext uri="{FF2B5EF4-FFF2-40B4-BE49-F238E27FC236}">
-                  <a16:creationId xmlns:a16="http://schemas.microsoft.com/office/drawing/2014/main" xmlns="" id="{835C2019-EDF2-AA47-9A1C-939F36F18970}"/>
+                  <a16:creationId xmlns="" xmlns:a16="http://schemas.microsoft.com/office/drawing/2014/main" id="{835C2019-EDF2-AA47-9A1C-939F36F18970}"/>
                 </a:ext>
               </a:extLst>
             </p:cNvPr>
@@ -15007,7 +15007,7 @@
           <p:cNvPr id="29" name="円弧 28">
             <a:extLst>
               <a:ext uri="{FF2B5EF4-FFF2-40B4-BE49-F238E27FC236}">
-                <a16:creationId xmlns:a16="http://schemas.microsoft.com/office/drawing/2014/main" xmlns="" id="{AFD5FEB2-6245-BE42-8B61-01FA1BEB354A}"/>
+                <a16:creationId xmlns="" xmlns:a16="http://schemas.microsoft.com/office/drawing/2014/main" id="{AFD5FEB2-6245-BE42-8B61-01FA1BEB354A}"/>
               </a:ext>
             </a:extLst>
           </p:cNvPr>
@@ -15058,7 +15058,7 @@
           <p:cNvPr id="30" name="直線矢印コネクタ 29">
             <a:extLst>
               <a:ext uri="{FF2B5EF4-FFF2-40B4-BE49-F238E27FC236}">
-                <a16:creationId xmlns:a16="http://schemas.microsoft.com/office/drawing/2014/main" xmlns="" id="{EA57FD0B-CC0F-EA46-81D4-C760EE15B73C}"/>
+                <a16:creationId xmlns="" xmlns:a16="http://schemas.microsoft.com/office/drawing/2014/main" id="{EA57FD0B-CC0F-EA46-81D4-C760EE15B73C}"/>
               </a:ext>
             </a:extLst>
           </p:cNvPr>
@@ -15099,7 +15099,7 @@
           <p:cNvPr id="85" name="グループ化 84">
             <a:extLst>
               <a:ext uri="{FF2B5EF4-FFF2-40B4-BE49-F238E27FC236}">
-                <a16:creationId xmlns:a16="http://schemas.microsoft.com/office/drawing/2014/main" xmlns="" id="{24CBF393-800F-F545-9F7A-30282A6B1717}"/>
+                <a16:creationId xmlns="" xmlns:a16="http://schemas.microsoft.com/office/drawing/2014/main" id="{24CBF393-800F-F545-9F7A-30282A6B1717}"/>
               </a:ext>
             </a:extLst>
           </p:cNvPr>
@@ -15119,7 +15119,7 @@
             <p:cNvPr id="32" name="円/楕円 31">
               <a:extLst>
                 <a:ext uri="{FF2B5EF4-FFF2-40B4-BE49-F238E27FC236}">
-                  <a16:creationId xmlns:a16="http://schemas.microsoft.com/office/drawing/2014/main" xmlns="" id="{F48C7AFA-C695-2044-BFE4-98E977E4B42A}"/>
+                  <a16:creationId xmlns="" xmlns:a16="http://schemas.microsoft.com/office/drawing/2014/main" id="{F48C7AFA-C695-2044-BFE4-98E977E4B42A}"/>
                 </a:ext>
               </a:extLst>
             </p:cNvPr>
@@ -15177,7 +15177,7 @@
             <p:cNvPr id="33" name="直線コネクタ 32">
               <a:extLst>
                 <a:ext uri="{FF2B5EF4-FFF2-40B4-BE49-F238E27FC236}">
-                  <a16:creationId xmlns:a16="http://schemas.microsoft.com/office/drawing/2014/main" xmlns="" id="{031F4C55-1C33-A24E-8BE6-B803283999F7}"/>
+                  <a16:creationId xmlns="" xmlns:a16="http://schemas.microsoft.com/office/drawing/2014/main" id="{031F4C55-1C33-A24E-8BE6-B803283999F7}"/>
                 </a:ext>
               </a:extLst>
             </p:cNvPr>
@@ -15221,7 +15221,7 @@
             <p:cNvPr id="34" name="直線コネクタ 33">
               <a:extLst>
                 <a:ext uri="{FF2B5EF4-FFF2-40B4-BE49-F238E27FC236}">
-                  <a16:creationId xmlns:a16="http://schemas.microsoft.com/office/drawing/2014/main" xmlns="" id="{5DD3275E-8ABC-9740-84C9-98B5B9FFDB34}"/>
+                  <a16:creationId xmlns="" xmlns:a16="http://schemas.microsoft.com/office/drawing/2014/main" id="{5DD3275E-8ABC-9740-84C9-98B5B9FFDB34}"/>
                 </a:ext>
               </a:extLst>
             </p:cNvPr>
@@ -15266,7 +15266,7 @@
           <p:cNvPr id="38" name="正方形/長方形 37">
             <a:extLst>
               <a:ext uri="{FF2B5EF4-FFF2-40B4-BE49-F238E27FC236}">
-                <a16:creationId xmlns:a16="http://schemas.microsoft.com/office/drawing/2014/main" xmlns="" id="{224CB823-8267-D54C-A84F-F5EB981A2D8E}"/>
+                <a16:creationId xmlns="" xmlns:a16="http://schemas.microsoft.com/office/drawing/2014/main" id="{224CB823-8267-D54C-A84F-F5EB981A2D8E}"/>
               </a:ext>
             </a:extLst>
           </p:cNvPr>
@@ -15356,7 +15356,7 @@
           <p:cNvPr id="39" name="正方形/長方形 38">
             <a:extLst>
               <a:ext uri="{FF2B5EF4-FFF2-40B4-BE49-F238E27FC236}">
-                <a16:creationId xmlns:a16="http://schemas.microsoft.com/office/drawing/2014/main" xmlns="" id="{761743FF-311D-F441-8694-558772356518}"/>
+                <a16:creationId xmlns="" xmlns:a16="http://schemas.microsoft.com/office/drawing/2014/main" id="{761743FF-311D-F441-8694-558772356518}"/>
               </a:ext>
             </a:extLst>
           </p:cNvPr>
@@ -15436,7 +15436,7 @@
           <p:cNvPr id="40" name="正方形/長方形 39">
             <a:extLst>
               <a:ext uri="{FF2B5EF4-FFF2-40B4-BE49-F238E27FC236}">
-                <a16:creationId xmlns:a16="http://schemas.microsoft.com/office/drawing/2014/main" xmlns="" id="{69F9C521-BC5E-AB4C-B598-949AD696185C}"/>
+                <a16:creationId xmlns="" xmlns:a16="http://schemas.microsoft.com/office/drawing/2014/main" id="{69F9C521-BC5E-AB4C-B598-949AD696185C}"/>
               </a:ext>
             </a:extLst>
           </p:cNvPr>
@@ -15506,7 +15506,7 @@
           <p:cNvPr id="41" name="正方形/長方形 40">
             <a:extLst>
               <a:ext uri="{FF2B5EF4-FFF2-40B4-BE49-F238E27FC236}">
-                <a16:creationId xmlns:a16="http://schemas.microsoft.com/office/drawing/2014/main" xmlns="" id="{F13334BF-615A-544D-B85F-88E828CF94C0}"/>
+                <a16:creationId xmlns="" xmlns:a16="http://schemas.microsoft.com/office/drawing/2014/main" id="{F13334BF-615A-544D-B85F-88E828CF94C0}"/>
               </a:ext>
             </a:extLst>
           </p:cNvPr>
@@ -15596,7 +15596,7 @@
           <p:cNvPr id="45" name="直線矢印コネクタ 44">
             <a:extLst>
               <a:ext uri="{FF2B5EF4-FFF2-40B4-BE49-F238E27FC236}">
-                <a16:creationId xmlns:a16="http://schemas.microsoft.com/office/drawing/2014/main" xmlns="" id="{BC322415-115A-534B-A6E5-8855B7B47DC1}"/>
+                <a16:creationId xmlns="" xmlns:a16="http://schemas.microsoft.com/office/drawing/2014/main" id="{BC322415-115A-534B-A6E5-8855B7B47DC1}"/>
               </a:ext>
             </a:extLst>
           </p:cNvPr>
@@ -15642,7 +15642,7 @@
           <p:cNvPr id="48" name="直線矢印コネクタ 47">
             <a:extLst>
               <a:ext uri="{FF2B5EF4-FFF2-40B4-BE49-F238E27FC236}">
-                <a16:creationId xmlns:a16="http://schemas.microsoft.com/office/drawing/2014/main" xmlns="" id="{86CAAB08-D29D-334B-BB7F-2C95C1543560}"/>
+                <a16:creationId xmlns="" xmlns:a16="http://schemas.microsoft.com/office/drawing/2014/main" id="{86CAAB08-D29D-334B-BB7F-2C95C1543560}"/>
               </a:ext>
             </a:extLst>
           </p:cNvPr>
@@ -15688,7 +15688,7 @@
           <p:cNvPr id="55" name="グループ化 54">
             <a:extLst>
               <a:ext uri="{FF2B5EF4-FFF2-40B4-BE49-F238E27FC236}">
-                <a16:creationId xmlns:a16="http://schemas.microsoft.com/office/drawing/2014/main" xmlns="" id="{2E643B34-1135-F048-A33F-FECDE805A732}"/>
+                <a16:creationId xmlns="" xmlns:a16="http://schemas.microsoft.com/office/drawing/2014/main" id="{2E643B34-1135-F048-A33F-FECDE805A732}"/>
               </a:ext>
             </a:extLst>
           </p:cNvPr>
@@ -15709,7 +15709,7 @@
             <p:cNvPr id="49" name="直線矢印コネクタ 48">
               <a:extLst>
                 <a:ext uri="{FF2B5EF4-FFF2-40B4-BE49-F238E27FC236}">
-                  <a16:creationId xmlns:a16="http://schemas.microsoft.com/office/drawing/2014/main" xmlns="" id="{DE5CA45E-0CA6-7840-9E2A-D67F10EFFE86}"/>
+                  <a16:creationId xmlns="" xmlns:a16="http://schemas.microsoft.com/office/drawing/2014/main" id="{DE5CA45E-0CA6-7840-9E2A-D67F10EFFE86}"/>
                 </a:ext>
               </a:extLst>
             </p:cNvPr>
@@ -15758,7 +15758,7 @@
             <p:cNvPr id="54" name="直線矢印コネクタ 53">
               <a:extLst>
                 <a:ext uri="{FF2B5EF4-FFF2-40B4-BE49-F238E27FC236}">
-                  <a16:creationId xmlns:a16="http://schemas.microsoft.com/office/drawing/2014/main" xmlns="" id="{65C46311-C2DC-6842-9EE1-2B622A45C6D8}"/>
+                  <a16:creationId xmlns="" xmlns:a16="http://schemas.microsoft.com/office/drawing/2014/main" id="{65C46311-C2DC-6842-9EE1-2B622A45C6D8}"/>
                 </a:ext>
               </a:extLst>
             </p:cNvPr>
@@ -15806,7 +15806,7 @@
           <p:cNvPr id="56" name="正方形/長方形 55">
             <a:extLst>
               <a:ext uri="{FF2B5EF4-FFF2-40B4-BE49-F238E27FC236}">
-                <a16:creationId xmlns:a16="http://schemas.microsoft.com/office/drawing/2014/main" xmlns="" id="{8279C6B9-28C0-D543-87DB-FD51C2E3FBDA}"/>
+                <a16:creationId xmlns="" xmlns:a16="http://schemas.microsoft.com/office/drawing/2014/main" id="{8279C6B9-28C0-D543-87DB-FD51C2E3FBDA}"/>
               </a:ext>
             </a:extLst>
           </p:cNvPr>
@@ -15888,7 +15888,7 @@
           <p:cNvPr id="57" name="直線矢印コネクタ 56">
             <a:extLst>
               <a:ext uri="{FF2B5EF4-FFF2-40B4-BE49-F238E27FC236}">
-                <a16:creationId xmlns:a16="http://schemas.microsoft.com/office/drawing/2014/main" xmlns="" id="{AA04A6B5-C176-0645-A8B8-A4A8B25EE886}"/>
+                <a16:creationId xmlns="" xmlns:a16="http://schemas.microsoft.com/office/drawing/2014/main" id="{AA04A6B5-C176-0645-A8B8-A4A8B25EE886}"/>
               </a:ext>
             </a:extLst>
           </p:cNvPr>
@@ -15929,7 +15929,7 @@
           <p:cNvPr id="59" name="正方形/長方形 58">
             <a:extLst>
               <a:ext uri="{FF2B5EF4-FFF2-40B4-BE49-F238E27FC236}">
-                <a16:creationId xmlns:a16="http://schemas.microsoft.com/office/drawing/2014/main" xmlns="" id="{6845D476-A07D-E44A-80DB-1D09197FDACD}"/>
+                <a16:creationId xmlns="" xmlns:a16="http://schemas.microsoft.com/office/drawing/2014/main" id="{6845D476-A07D-E44A-80DB-1D09197FDACD}"/>
               </a:ext>
             </a:extLst>
           </p:cNvPr>
@@ -15998,7 +15998,7 @@
           <p:cNvPr id="61" name="直線矢印コネクタ 60">
             <a:extLst>
               <a:ext uri="{FF2B5EF4-FFF2-40B4-BE49-F238E27FC236}">
-                <a16:creationId xmlns:a16="http://schemas.microsoft.com/office/drawing/2014/main" xmlns="" id="{06961735-800E-8C4A-8208-63B729038CB3}"/>
+                <a16:creationId xmlns="" xmlns:a16="http://schemas.microsoft.com/office/drawing/2014/main" id="{06961735-800E-8C4A-8208-63B729038CB3}"/>
               </a:ext>
             </a:extLst>
           </p:cNvPr>
@@ -16039,7 +16039,7 @@
           <p:cNvPr id="62" name="正方形/長方形 61">
             <a:extLst>
               <a:ext uri="{FF2B5EF4-FFF2-40B4-BE49-F238E27FC236}">
-                <a16:creationId xmlns:a16="http://schemas.microsoft.com/office/drawing/2014/main" xmlns="" id="{F5671407-5BD7-634B-ADC4-CF503755CC66}"/>
+                <a16:creationId xmlns="" xmlns:a16="http://schemas.microsoft.com/office/drawing/2014/main" id="{F5671407-5BD7-634B-ADC4-CF503755CC66}"/>
               </a:ext>
             </a:extLst>
           </p:cNvPr>
@@ -16108,7 +16108,7 @@
           <p:cNvPr id="64" name="直線矢印コネクタ 63">
             <a:extLst>
               <a:ext uri="{FF2B5EF4-FFF2-40B4-BE49-F238E27FC236}">
-                <a16:creationId xmlns:a16="http://schemas.microsoft.com/office/drawing/2014/main" xmlns="" id="{FD2526AE-4FE8-F543-ABDA-466862BED543}"/>
+                <a16:creationId xmlns="" xmlns:a16="http://schemas.microsoft.com/office/drawing/2014/main" id="{FD2526AE-4FE8-F543-ABDA-466862BED543}"/>
               </a:ext>
             </a:extLst>
           </p:cNvPr>
@@ -16154,7 +16154,7 @@
           <p:cNvPr id="42" name="グループ化 41">
             <a:extLst>
               <a:ext uri="{FF2B5EF4-FFF2-40B4-BE49-F238E27FC236}">
-                <a16:creationId xmlns:a16="http://schemas.microsoft.com/office/drawing/2014/main" xmlns="" id="{8C3050C0-06C5-BC40-A299-FFED180B4514}"/>
+                <a16:creationId xmlns="" xmlns:a16="http://schemas.microsoft.com/office/drawing/2014/main" id="{8C3050C0-06C5-BC40-A299-FFED180B4514}"/>
               </a:ext>
             </a:extLst>
           </p:cNvPr>
@@ -16174,7 +16174,7 @@
             <p:cNvPr id="43" name="直線矢印コネクタ 42">
               <a:extLst>
                 <a:ext uri="{FF2B5EF4-FFF2-40B4-BE49-F238E27FC236}">
-                  <a16:creationId xmlns:a16="http://schemas.microsoft.com/office/drawing/2014/main" xmlns="" id="{2C20D620-7BFF-6C47-ADBB-607B2F1ECC9D}"/>
+                  <a16:creationId xmlns="" xmlns:a16="http://schemas.microsoft.com/office/drawing/2014/main" id="{2C20D620-7BFF-6C47-ADBB-607B2F1ECC9D}"/>
                 </a:ext>
               </a:extLst>
             </p:cNvPr>
@@ -16217,7 +16217,7 @@
             <p:cNvPr id="44" name="直線矢印コネクタ 43">
               <a:extLst>
                 <a:ext uri="{FF2B5EF4-FFF2-40B4-BE49-F238E27FC236}">
-                  <a16:creationId xmlns:a16="http://schemas.microsoft.com/office/drawing/2014/main" xmlns="" id="{6D3B5809-B6D2-9A42-AF89-75561C5014A6}"/>
+                  <a16:creationId xmlns="" xmlns:a16="http://schemas.microsoft.com/office/drawing/2014/main" id="{6D3B5809-B6D2-9A42-AF89-75561C5014A6}"/>
                 </a:ext>
               </a:extLst>
             </p:cNvPr>
@@ -16259,7 +16259,7 @@
           <p:cNvPr id="60" name="正方形/長方形 59">
             <a:extLst>
               <a:ext uri="{FF2B5EF4-FFF2-40B4-BE49-F238E27FC236}">
-                <a16:creationId xmlns:a16="http://schemas.microsoft.com/office/drawing/2014/main" xmlns="" id="{43564593-DFB3-F141-B034-2C5B13AD66D2}"/>
+                <a16:creationId xmlns="" xmlns:a16="http://schemas.microsoft.com/office/drawing/2014/main" id="{43564593-DFB3-F141-B034-2C5B13AD66D2}"/>
               </a:ext>
             </a:extLst>
           </p:cNvPr>
@@ -16336,7 +16336,7 @@
           <p:cNvPr id="46" name="正方形/長方形 45">
             <a:extLst>
               <a:ext uri="{FF2B5EF4-FFF2-40B4-BE49-F238E27FC236}">
-                <a16:creationId xmlns:a16="http://schemas.microsoft.com/office/drawing/2014/main" xmlns="" id="{4CFBD517-1EC6-7340-A95E-085DF5A98CAA}"/>
+                <a16:creationId xmlns="" xmlns:a16="http://schemas.microsoft.com/office/drawing/2014/main" id="{4CFBD517-1EC6-7340-A95E-085DF5A98CAA}"/>
               </a:ext>
             </a:extLst>
           </p:cNvPr>
@@ -16418,7 +16418,7 @@
           <p:cNvPr id="47" name="正方形/長方形 46">
             <a:extLst>
               <a:ext uri="{FF2B5EF4-FFF2-40B4-BE49-F238E27FC236}">
-                <a16:creationId xmlns:a16="http://schemas.microsoft.com/office/drawing/2014/main" xmlns="" id="{6DD65294-2BAE-3745-BA24-6F95C272387F}"/>
+                <a16:creationId xmlns="" xmlns:a16="http://schemas.microsoft.com/office/drawing/2014/main" id="{6DD65294-2BAE-3745-BA24-6F95C272387F}"/>
               </a:ext>
             </a:extLst>
           </p:cNvPr>
@@ -16492,7 +16492,7 @@
           <p:cNvPr id="50" name="正方形/長方形 49">
             <a:extLst>
               <a:ext uri="{FF2B5EF4-FFF2-40B4-BE49-F238E27FC236}">
-                <a16:creationId xmlns:a16="http://schemas.microsoft.com/office/drawing/2014/main" xmlns="" id="{AFD99A8A-835F-374D-A89E-3A3EF1A33DDB}"/>
+                <a16:creationId xmlns="" xmlns:a16="http://schemas.microsoft.com/office/drawing/2014/main" id="{AFD99A8A-835F-374D-A89E-3A3EF1A33DDB}"/>
               </a:ext>
             </a:extLst>
           </p:cNvPr>
@@ -16558,7 +16558,7 @@
           <p:cNvPr id="58" name="直線矢印コネクタ 57">
             <a:extLst>
               <a:ext uri="{FF2B5EF4-FFF2-40B4-BE49-F238E27FC236}">
-                <a16:creationId xmlns:a16="http://schemas.microsoft.com/office/drawing/2014/main" xmlns="" id="{633E628D-37B4-C240-ABD4-3F5A4F44C7C9}"/>
+                <a16:creationId xmlns="" xmlns:a16="http://schemas.microsoft.com/office/drawing/2014/main" id="{633E628D-37B4-C240-ABD4-3F5A4F44C7C9}"/>
               </a:ext>
             </a:extLst>
           </p:cNvPr>
@@ -16599,7 +16599,7 @@
           <p:cNvPr id="63" name="直線矢印コネクタ 62">
             <a:extLst>
               <a:ext uri="{FF2B5EF4-FFF2-40B4-BE49-F238E27FC236}">
-                <a16:creationId xmlns:a16="http://schemas.microsoft.com/office/drawing/2014/main" xmlns="" id="{75DCB1B0-9389-1A47-B4A8-5245CE62B9DB}"/>
+                <a16:creationId xmlns="" xmlns:a16="http://schemas.microsoft.com/office/drawing/2014/main" id="{75DCB1B0-9389-1A47-B4A8-5245CE62B9DB}"/>
               </a:ext>
             </a:extLst>
           </p:cNvPr>
@@ -16640,7 +16640,7 @@
           <p:cNvPr id="66" name="正方形/長方形 65">
             <a:extLst>
               <a:ext uri="{FF2B5EF4-FFF2-40B4-BE49-F238E27FC236}">
-                <a16:creationId xmlns:a16="http://schemas.microsoft.com/office/drawing/2014/main" xmlns="" id="{02EE5410-9B7A-B34F-BC85-91B3259B4CD2}"/>
+                <a16:creationId xmlns="" xmlns:a16="http://schemas.microsoft.com/office/drawing/2014/main" id="{02EE5410-9B7A-B34F-BC85-91B3259B4CD2}"/>
               </a:ext>
             </a:extLst>
           </p:cNvPr>
@@ -16741,7 +16741,7 @@
           <p:cNvPr id="67" name="正方形/長方形 66">
             <a:extLst>
               <a:ext uri="{FF2B5EF4-FFF2-40B4-BE49-F238E27FC236}">
-                <a16:creationId xmlns:a16="http://schemas.microsoft.com/office/drawing/2014/main" xmlns="" id="{55C9A658-96A7-2446-870E-1DBF697F4323}"/>
+                <a16:creationId xmlns="" xmlns:a16="http://schemas.microsoft.com/office/drawing/2014/main" id="{55C9A658-96A7-2446-870E-1DBF697F4323}"/>
               </a:ext>
             </a:extLst>
           </p:cNvPr>
@@ -16810,7 +16810,7 @@
           <p:cNvPr id="68" name="正方形/長方形 67">
             <a:extLst>
               <a:ext uri="{FF2B5EF4-FFF2-40B4-BE49-F238E27FC236}">
-                <a16:creationId xmlns:a16="http://schemas.microsoft.com/office/drawing/2014/main" xmlns="" id="{47AC358C-B70D-3D4D-8CD3-C3DF3A70AFCA}"/>
+                <a16:creationId xmlns="" xmlns:a16="http://schemas.microsoft.com/office/drawing/2014/main" id="{47AC358C-B70D-3D4D-8CD3-C3DF3A70AFCA}"/>
               </a:ext>
             </a:extLst>
           </p:cNvPr>
@@ -16879,7 +16879,7 @@
           <p:cNvPr id="69" name="直線矢印コネクタ 68">
             <a:extLst>
               <a:ext uri="{FF2B5EF4-FFF2-40B4-BE49-F238E27FC236}">
-                <a16:creationId xmlns:a16="http://schemas.microsoft.com/office/drawing/2014/main" xmlns="" id="{B7CBC968-68A9-E24F-A2C7-054F8D361EE7}"/>
+                <a16:creationId xmlns="" xmlns:a16="http://schemas.microsoft.com/office/drawing/2014/main" id="{B7CBC968-68A9-E24F-A2C7-054F8D361EE7}"/>
               </a:ext>
             </a:extLst>
           </p:cNvPr>
@@ -16920,7 +16920,7 @@
           <p:cNvPr id="70" name="正方形/長方形 69">
             <a:extLst>
               <a:ext uri="{FF2B5EF4-FFF2-40B4-BE49-F238E27FC236}">
-                <a16:creationId xmlns:a16="http://schemas.microsoft.com/office/drawing/2014/main" xmlns="" id="{1F8E4955-7161-DD4A-A006-B0E956752B2A}"/>
+                <a16:creationId xmlns="" xmlns:a16="http://schemas.microsoft.com/office/drawing/2014/main" id="{1F8E4955-7161-DD4A-A006-B0E956752B2A}"/>
               </a:ext>
             </a:extLst>
           </p:cNvPr>
@@ -16989,7 +16989,7 @@
           <p:cNvPr id="71" name="グループ化 70">
             <a:extLst>
               <a:ext uri="{FF2B5EF4-FFF2-40B4-BE49-F238E27FC236}">
-                <a16:creationId xmlns:a16="http://schemas.microsoft.com/office/drawing/2014/main" xmlns="" id="{36AF4B0A-68AD-0A4A-87D4-E3965E65D475}"/>
+                <a16:creationId xmlns="" xmlns:a16="http://schemas.microsoft.com/office/drawing/2014/main" id="{36AF4B0A-68AD-0A4A-87D4-E3965E65D475}"/>
               </a:ext>
             </a:extLst>
           </p:cNvPr>
@@ -17009,7 +17009,7 @@
             <p:cNvPr id="72" name="直線矢印コネクタ 71">
               <a:extLst>
                 <a:ext uri="{FF2B5EF4-FFF2-40B4-BE49-F238E27FC236}">
-                  <a16:creationId xmlns:a16="http://schemas.microsoft.com/office/drawing/2014/main" xmlns="" id="{D1403DAB-3574-7744-86E7-C900A3B1D081}"/>
+                  <a16:creationId xmlns="" xmlns:a16="http://schemas.microsoft.com/office/drawing/2014/main" id="{D1403DAB-3574-7744-86E7-C900A3B1D081}"/>
                 </a:ext>
               </a:extLst>
             </p:cNvPr>
@@ -17052,7 +17052,7 @@
             <p:cNvPr id="73" name="直線矢印コネクタ 72">
               <a:extLst>
                 <a:ext uri="{FF2B5EF4-FFF2-40B4-BE49-F238E27FC236}">
-                  <a16:creationId xmlns:a16="http://schemas.microsoft.com/office/drawing/2014/main" xmlns="" id="{F2CA26F3-4C45-6F42-AA13-AF2A717CD0DA}"/>
+                  <a16:creationId xmlns="" xmlns:a16="http://schemas.microsoft.com/office/drawing/2014/main" id="{F2CA26F3-4C45-6F42-AA13-AF2A717CD0DA}"/>
                 </a:ext>
               </a:extLst>
             </p:cNvPr>
@@ -17094,7 +17094,7 @@
           <p:cNvPr id="74" name="直線矢印コネクタ 73">
             <a:extLst>
               <a:ext uri="{FF2B5EF4-FFF2-40B4-BE49-F238E27FC236}">
-                <a16:creationId xmlns:a16="http://schemas.microsoft.com/office/drawing/2014/main" xmlns="" id="{E29FD0F6-AB9A-C24B-AFED-CEB2367C27EC}"/>
+                <a16:creationId xmlns="" xmlns:a16="http://schemas.microsoft.com/office/drawing/2014/main" id="{E29FD0F6-AB9A-C24B-AFED-CEB2367C27EC}"/>
               </a:ext>
             </a:extLst>
           </p:cNvPr>
@@ -17135,7 +17135,7 @@
           <p:cNvPr id="77" name="正方形/長方形 76">
             <a:extLst>
               <a:ext uri="{FF2B5EF4-FFF2-40B4-BE49-F238E27FC236}">
-                <a16:creationId xmlns:a16="http://schemas.microsoft.com/office/drawing/2014/main" xmlns="" id="{F2520337-BA48-5941-AA24-A5C17F2A5192}"/>
+                <a16:creationId xmlns="" xmlns:a16="http://schemas.microsoft.com/office/drawing/2014/main" id="{F2520337-BA48-5941-AA24-A5C17F2A5192}"/>
               </a:ext>
             </a:extLst>
           </p:cNvPr>
@@ -17196,7 +17196,7 @@
           <p:cNvPr id="79" name="正方形/長方形 78">
             <a:extLst>
               <a:ext uri="{FF2B5EF4-FFF2-40B4-BE49-F238E27FC236}">
-                <a16:creationId xmlns:a16="http://schemas.microsoft.com/office/drawing/2014/main" xmlns="" id="{EAD0C441-5D8E-D048-95E1-B5E97BDF6C95}"/>
+                <a16:creationId xmlns="" xmlns:a16="http://schemas.microsoft.com/office/drawing/2014/main" id="{EAD0C441-5D8E-D048-95E1-B5E97BDF6C95}"/>
               </a:ext>
             </a:extLst>
           </p:cNvPr>
@@ -17273,7 +17273,7 @@
           <p:cNvPr id="80" name="正方形/長方形 79">
             <a:extLst>
               <a:ext uri="{FF2B5EF4-FFF2-40B4-BE49-F238E27FC236}">
-                <a16:creationId xmlns:a16="http://schemas.microsoft.com/office/drawing/2014/main" xmlns="" id="{5A1B0C34-0480-7B44-A324-01930640D3F1}"/>
+                <a16:creationId xmlns="" xmlns:a16="http://schemas.microsoft.com/office/drawing/2014/main" id="{5A1B0C34-0480-7B44-A324-01930640D3F1}"/>
               </a:ext>
             </a:extLst>
           </p:cNvPr>
@@ -17339,7 +17339,7 @@
           <p:cNvPr id="81" name="グループ化 80">
             <a:extLst>
               <a:ext uri="{FF2B5EF4-FFF2-40B4-BE49-F238E27FC236}">
-                <a16:creationId xmlns:a16="http://schemas.microsoft.com/office/drawing/2014/main" xmlns="" id="{AC7F6008-090A-B14F-94D0-0A778C68A57F}"/>
+                <a16:creationId xmlns="" xmlns:a16="http://schemas.microsoft.com/office/drawing/2014/main" id="{AC7F6008-090A-B14F-94D0-0A778C68A57F}"/>
               </a:ext>
             </a:extLst>
           </p:cNvPr>
@@ -17359,7 +17359,7 @@
             <p:cNvPr id="82" name="直線矢印コネクタ 81">
               <a:extLst>
                 <a:ext uri="{FF2B5EF4-FFF2-40B4-BE49-F238E27FC236}">
-                  <a16:creationId xmlns:a16="http://schemas.microsoft.com/office/drawing/2014/main" xmlns="" id="{B1DB5316-6EEE-4042-ACD4-07690DF22325}"/>
+                  <a16:creationId xmlns="" xmlns:a16="http://schemas.microsoft.com/office/drawing/2014/main" id="{B1DB5316-6EEE-4042-ACD4-07690DF22325}"/>
                 </a:ext>
               </a:extLst>
             </p:cNvPr>
@@ -17402,7 +17402,7 @@
             <p:cNvPr id="83" name="直線矢印コネクタ 82">
               <a:extLst>
                 <a:ext uri="{FF2B5EF4-FFF2-40B4-BE49-F238E27FC236}">
-                  <a16:creationId xmlns:a16="http://schemas.microsoft.com/office/drawing/2014/main" xmlns="" id="{3FF66671-7495-4A4F-9504-EB5FD00C720E}"/>
+                  <a16:creationId xmlns="" xmlns:a16="http://schemas.microsoft.com/office/drawing/2014/main" id="{3FF66671-7495-4A4F-9504-EB5FD00C720E}"/>
                 </a:ext>
               </a:extLst>
             </p:cNvPr>
@@ -17444,7 +17444,7 @@
           <p:cNvPr id="84" name="グループ化 83">
             <a:extLst>
               <a:ext uri="{FF2B5EF4-FFF2-40B4-BE49-F238E27FC236}">
-                <a16:creationId xmlns:a16="http://schemas.microsoft.com/office/drawing/2014/main" xmlns="" id="{756AF7F9-54DF-A846-9DC8-4174B7D3DD7D}"/>
+                <a16:creationId xmlns="" xmlns:a16="http://schemas.microsoft.com/office/drawing/2014/main" id="{756AF7F9-54DF-A846-9DC8-4174B7D3DD7D}"/>
               </a:ext>
             </a:extLst>
           </p:cNvPr>
@@ -17464,7 +17464,7 @@
             <p:cNvPr id="86" name="直線矢印コネクタ 85">
               <a:extLst>
                 <a:ext uri="{FF2B5EF4-FFF2-40B4-BE49-F238E27FC236}">
-                  <a16:creationId xmlns:a16="http://schemas.microsoft.com/office/drawing/2014/main" xmlns="" id="{BB453A63-DAA6-054F-8B3E-CCDE0149724D}"/>
+                  <a16:creationId xmlns="" xmlns:a16="http://schemas.microsoft.com/office/drawing/2014/main" id="{BB453A63-DAA6-054F-8B3E-CCDE0149724D}"/>
                 </a:ext>
               </a:extLst>
             </p:cNvPr>
@@ -17507,7 +17507,7 @@
             <p:cNvPr id="87" name="直線矢印コネクタ 86">
               <a:extLst>
                 <a:ext uri="{FF2B5EF4-FFF2-40B4-BE49-F238E27FC236}">
-                  <a16:creationId xmlns:a16="http://schemas.microsoft.com/office/drawing/2014/main" xmlns="" id="{4010F88A-82C6-7C43-B116-81A6098E783A}"/>
+                  <a16:creationId xmlns="" xmlns:a16="http://schemas.microsoft.com/office/drawing/2014/main" id="{4010F88A-82C6-7C43-B116-81A6098E783A}"/>
                 </a:ext>
               </a:extLst>
             </p:cNvPr>
@@ -17549,7 +17549,7 @@
           <p:cNvPr id="88" name="グループ化 87">
             <a:extLst>
               <a:ext uri="{FF2B5EF4-FFF2-40B4-BE49-F238E27FC236}">
-                <a16:creationId xmlns:a16="http://schemas.microsoft.com/office/drawing/2014/main" xmlns="" id="{1F670DAF-733B-FD4D-8ABB-269CDCBB32AF}"/>
+                <a16:creationId xmlns="" xmlns:a16="http://schemas.microsoft.com/office/drawing/2014/main" id="{1F670DAF-733B-FD4D-8ABB-269CDCBB32AF}"/>
               </a:ext>
             </a:extLst>
           </p:cNvPr>
@@ -17569,7 +17569,7 @@
             <p:cNvPr id="89" name="直線矢印コネクタ 88">
               <a:extLst>
                 <a:ext uri="{FF2B5EF4-FFF2-40B4-BE49-F238E27FC236}">
-                  <a16:creationId xmlns:a16="http://schemas.microsoft.com/office/drawing/2014/main" xmlns="" id="{AFBC7749-0A75-8747-866C-FD738E6E7B9A}"/>
+                  <a16:creationId xmlns="" xmlns:a16="http://schemas.microsoft.com/office/drawing/2014/main" id="{AFBC7749-0A75-8747-866C-FD738E6E7B9A}"/>
                 </a:ext>
               </a:extLst>
             </p:cNvPr>
@@ -17612,7 +17612,7 @@
             <p:cNvPr id="90" name="直線矢印コネクタ 89">
               <a:extLst>
                 <a:ext uri="{FF2B5EF4-FFF2-40B4-BE49-F238E27FC236}">
-                  <a16:creationId xmlns:a16="http://schemas.microsoft.com/office/drawing/2014/main" xmlns="" id="{6045922E-1BB6-AE44-A97D-C60E5CB5C523}"/>
+                  <a16:creationId xmlns="" xmlns:a16="http://schemas.microsoft.com/office/drawing/2014/main" id="{6045922E-1BB6-AE44-A97D-C60E5CB5C523}"/>
                 </a:ext>
               </a:extLst>
             </p:cNvPr>
@@ -17654,7 +17654,7 @@
           <p:cNvPr id="91" name="グループ化 90">
             <a:extLst>
               <a:ext uri="{FF2B5EF4-FFF2-40B4-BE49-F238E27FC236}">
-                <a16:creationId xmlns:a16="http://schemas.microsoft.com/office/drawing/2014/main" xmlns="" id="{71CD44FA-D6C0-C843-AD5D-C1A85D11D007}"/>
+                <a16:creationId xmlns="" xmlns:a16="http://schemas.microsoft.com/office/drawing/2014/main" id="{71CD44FA-D6C0-C843-AD5D-C1A85D11D007}"/>
               </a:ext>
             </a:extLst>
           </p:cNvPr>
@@ -17674,7 +17674,7 @@
             <p:cNvPr id="92" name="直線矢印コネクタ 91">
               <a:extLst>
                 <a:ext uri="{FF2B5EF4-FFF2-40B4-BE49-F238E27FC236}">
-                  <a16:creationId xmlns:a16="http://schemas.microsoft.com/office/drawing/2014/main" xmlns="" id="{4F67E372-7C72-FB43-A703-BCD0419FD40A}"/>
+                  <a16:creationId xmlns="" xmlns:a16="http://schemas.microsoft.com/office/drawing/2014/main" id="{4F67E372-7C72-FB43-A703-BCD0419FD40A}"/>
                 </a:ext>
               </a:extLst>
             </p:cNvPr>
@@ -17717,7 +17717,7 @@
             <p:cNvPr id="93" name="直線矢印コネクタ 92">
               <a:extLst>
                 <a:ext uri="{FF2B5EF4-FFF2-40B4-BE49-F238E27FC236}">
-                  <a16:creationId xmlns:a16="http://schemas.microsoft.com/office/drawing/2014/main" xmlns="" id="{365004E8-5AAE-BF41-A91D-4F4625FAD5E5}"/>
+                  <a16:creationId xmlns="" xmlns:a16="http://schemas.microsoft.com/office/drawing/2014/main" id="{365004E8-5AAE-BF41-A91D-4F4625FAD5E5}"/>
                 </a:ext>
               </a:extLst>
             </p:cNvPr>
@@ -17759,7 +17759,7 @@
           <p:cNvPr id="94" name="正方形/長方形 93">
             <a:extLst>
               <a:ext uri="{FF2B5EF4-FFF2-40B4-BE49-F238E27FC236}">
-                <a16:creationId xmlns:a16="http://schemas.microsoft.com/office/drawing/2014/main" xmlns="" id="{6CE04C31-37AF-5E41-8267-AD5D40D63EDD}"/>
+                <a16:creationId xmlns="" xmlns:a16="http://schemas.microsoft.com/office/drawing/2014/main" id="{6CE04C31-37AF-5E41-8267-AD5D40D63EDD}"/>
               </a:ext>
             </a:extLst>
           </p:cNvPr>
@@ -17860,7 +17860,7 @@
           <p:cNvPr id="95" name="正方形/長方形 94">
             <a:extLst>
               <a:ext uri="{FF2B5EF4-FFF2-40B4-BE49-F238E27FC236}">
-                <a16:creationId xmlns:a16="http://schemas.microsoft.com/office/drawing/2014/main" xmlns="" id="{24883989-1BC6-D349-A648-96BE42CDE9D7}"/>
+                <a16:creationId xmlns="" xmlns:a16="http://schemas.microsoft.com/office/drawing/2014/main" id="{24883989-1BC6-D349-A648-96BE42CDE9D7}"/>
               </a:ext>
             </a:extLst>
           </p:cNvPr>
@@ -17934,7 +17934,7 @@
           <p:cNvPr id="96" name="正方形/長方形 95">
             <a:extLst>
               <a:ext uri="{FF2B5EF4-FFF2-40B4-BE49-F238E27FC236}">
-                <a16:creationId xmlns:a16="http://schemas.microsoft.com/office/drawing/2014/main" xmlns="" id="{616DD579-E3C8-6B47-93BD-87CC3FDC5287}"/>
+                <a16:creationId xmlns="" xmlns:a16="http://schemas.microsoft.com/office/drawing/2014/main" id="{616DD579-E3C8-6B47-93BD-87CC3FDC5287}"/>
               </a:ext>
             </a:extLst>
           </p:cNvPr>
@@ -18000,7 +18000,7 @@
           <p:cNvPr id="97" name="正方形/長方形 96">
             <a:extLst>
               <a:ext uri="{FF2B5EF4-FFF2-40B4-BE49-F238E27FC236}">
-                <a16:creationId xmlns:a16="http://schemas.microsoft.com/office/drawing/2014/main" xmlns="" id="{72466C0F-EE79-2C4C-AE1E-CECDB9CC3CB8}"/>
+                <a16:creationId xmlns="" xmlns:a16="http://schemas.microsoft.com/office/drawing/2014/main" id="{72466C0F-EE79-2C4C-AE1E-CECDB9CC3CB8}"/>
               </a:ext>
             </a:extLst>
           </p:cNvPr>
@@ -18077,7 +18077,7 @@
           <p:cNvPr id="98" name="直線矢印コネクタ 97">
             <a:extLst>
               <a:ext uri="{FF2B5EF4-FFF2-40B4-BE49-F238E27FC236}">
-                <a16:creationId xmlns:a16="http://schemas.microsoft.com/office/drawing/2014/main" xmlns="" id="{083DE6DF-84BB-2E4F-8B64-7D4F8FFD1C13}"/>
+                <a16:creationId xmlns="" xmlns:a16="http://schemas.microsoft.com/office/drawing/2014/main" id="{083DE6DF-84BB-2E4F-8B64-7D4F8FFD1C13}"/>
               </a:ext>
             </a:extLst>
           </p:cNvPr>
@@ -18118,7 +18118,7 @@
           <p:cNvPr id="99" name="正方形/長方形 98">
             <a:extLst>
               <a:ext uri="{FF2B5EF4-FFF2-40B4-BE49-F238E27FC236}">
-                <a16:creationId xmlns:a16="http://schemas.microsoft.com/office/drawing/2014/main" xmlns="" id="{3BD7E6E5-1FC9-F54C-ADF0-0C7523A6FB1B}"/>
+                <a16:creationId xmlns="" xmlns:a16="http://schemas.microsoft.com/office/drawing/2014/main" id="{3BD7E6E5-1FC9-F54C-ADF0-0C7523A6FB1B}"/>
               </a:ext>
             </a:extLst>
           </p:cNvPr>
@@ -18187,7 +18187,7 @@
           <p:cNvPr id="100" name="直線矢印コネクタ 99">
             <a:extLst>
               <a:ext uri="{FF2B5EF4-FFF2-40B4-BE49-F238E27FC236}">
-                <a16:creationId xmlns:a16="http://schemas.microsoft.com/office/drawing/2014/main" xmlns="" id="{E950DF1E-85E5-0049-B555-70C882BFBE6A}"/>
+                <a16:creationId xmlns="" xmlns:a16="http://schemas.microsoft.com/office/drawing/2014/main" id="{E950DF1E-85E5-0049-B555-70C882BFBE6A}"/>
               </a:ext>
             </a:extLst>
           </p:cNvPr>
@@ -18228,7 +18228,7 @@
           <p:cNvPr id="101" name="正方形/長方形 100">
             <a:extLst>
               <a:ext uri="{FF2B5EF4-FFF2-40B4-BE49-F238E27FC236}">
-                <a16:creationId xmlns:a16="http://schemas.microsoft.com/office/drawing/2014/main" xmlns="" id="{47D0C2BF-9085-3B49-909F-0E2456B5116A}"/>
+                <a16:creationId xmlns="" xmlns:a16="http://schemas.microsoft.com/office/drawing/2014/main" id="{47D0C2BF-9085-3B49-909F-0E2456B5116A}"/>
               </a:ext>
             </a:extLst>
           </p:cNvPr>
@@ -18289,7 +18289,7 @@
           <p:cNvPr id="102" name="直線コネクタ 101">
             <a:extLst>
               <a:ext uri="{FF2B5EF4-FFF2-40B4-BE49-F238E27FC236}">
-                <a16:creationId xmlns:a16="http://schemas.microsoft.com/office/drawing/2014/main" xmlns="" id="{5CE06011-71C4-234A-B43E-9635459AE999}"/>
+                <a16:creationId xmlns="" xmlns:a16="http://schemas.microsoft.com/office/drawing/2014/main" id="{5CE06011-71C4-234A-B43E-9635459AE999}"/>
               </a:ext>
             </a:extLst>
           </p:cNvPr>
@@ -18332,7 +18332,7 @@
           <p:cNvPr id="103" name="直線矢印コネクタ 102">
             <a:extLst>
               <a:ext uri="{FF2B5EF4-FFF2-40B4-BE49-F238E27FC236}">
-                <a16:creationId xmlns:a16="http://schemas.microsoft.com/office/drawing/2014/main" xmlns="" id="{21142FF1-C136-9945-A99B-9223643E67B6}"/>
+                <a16:creationId xmlns="" xmlns:a16="http://schemas.microsoft.com/office/drawing/2014/main" id="{21142FF1-C136-9945-A99B-9223643E67B6}"/>
               </a:ext>
             </a:extLst>
           </p:cNvPr>
@@ -18373,7 +18373,7 @@
           <p:cNvPr id="104" name="正方形/長方形 103">
             <a:extLst>
               <a:ext uri="{FF2B5EF4-FFF2-40B4-BE49-F238E27FC236}">
-                <a16:creationId xmlns:a16="http://schemas.microsoft.com/office/drawing/2014/main" xmlns="" id="{9C3D8B10-0CA7-E348-9727-745763121779}"/>
+                <a16:creationId xmlns="" xmlns:a16="http://schemas.microsoft.com/office/drawing/2014/main" id="{9C3D8B10-0CA7-E348-9727-745763121779}"/>
               </a:ext>
             </a:extLst>
           </p:cNvPr>
@@ -18434,7 +18434,7 @@
           <p:cNvPr id="105" name="直線矢印コネクタ 104">
             <a:extLst>
               <a:ext uri="{FF2B5EF4-FFF2-40B4-BE49-F238E27FC236}">
-                <a16:creationId xmlns:a16="http://schemas.microsoft.com/office/drawing/2014/main" xmlns="" id="{58AF541C-22F3-3841-9C2E-9033F63010C1}"/>
+                <a16:creationId xmlns="" xmlns:a16="http://schemas.microsoft.com/office/drawing/2014/main" id="{58AF541C-22F3-3841-9C2E-9033F63010C1}"/>
               </a:ext>
             </a:extLst>
           </p:cNvPr>
@@ -18477,7 +18477,7 @@
           <p:cNvPr id="107" name="グループ化 106">
             <a:extLst>
               <a:ext uri="{FF2B5EF4-FFF2-40B4-BE49-F238E27FC236}">
-                <a16:creationId xmlns:a16="http://schemas.microsoft.com/office/drawing/2014/main" xmlns="" id="{A71A17E8-E9BA-B841-B8EE-4814B87EAD14}"/>
+                <a16:creationId xmlns="" xmlns:a16="http://schemas.microsoft.com/office/drawing/2014/main" id="{A71A17E8-E9BA-B841-B8EE-4814B87EAD14}"/>
               </a:ext>
             </a:extLst>
           </p:cNvPr>
@@ -18497,7 +18497,7 @@
             <p:cNvPr id="108" name="直線矢印コネクタ 107">
               <a:extLst>
                 <a:ext uri="{FF2B5EF4-FFF2-40B4-BE49-F238E27FC236}">
-                  <a16:creationId xmlns:a16="http://schemas.microsoft.com/office/drawing/2014/main" xmlns="" id="{9D2CB462-85AB-4849-9210-9421FC651D6F}"/>
+                  <a16:creationId xmlns="" xmlns:a16="http://schemas.microsoft.com/office/drawing/2014/main" id="{9D2CB462-85AB-4849-9210-9421FC651D6F}"/>
                 </a:ext>
               </a:extLst>
             </p:cNvPr>
@@ -18540,7 +18540,7 @@
             <p:cNvPr id="109" name="直線矢印コネクタ 108">
               <a:extLst>
                 <a:ext uri="{FF2B5EF4-FFF2-40B4-BE49-F238E27FC236}">
-                  <a16:creationId xmlns:a16="http://schemas.microsoft.com/office/drawing/2014/main" xmlns="" id="{28F77025-4DCF-AA45-AA6E-766A39BCC754}"/>
+                  <a16:creationId xmlns="" xmlns:a16="http://schemas.microsoft.com/office/drawing/2014/main" id="{28F77025-4DCF-AA45-AA6E-766A39BCC754}"/>
                 </a:ext>
               </a:extLst>
             </p:cNvPr>
@@ -18582,7 +18582,7 @@
           <p:cNvPr id="110" name="正方形/長方形 109">
             <a:extLst>
               <a:ext uri="{FF2B5EF4-FFF2-40B4-BE49-F238E27FC236}">
-                <a16:creationId xmlns:a16="http://schemas.microsoft.com/office/drawing/2014/main" xmlns="" id="{5A1B0C34-0480-7B44-A324-01930640D3F1}"/>
+                <a16:creationId xmlns="" xmlns:a16="http://schemas.microsoft.com/office/drawing/2014/main" id="{5A1B0C34-0480-7B44-A324-01930640D3F1}"/>
               </a:ext>
             </a:extLst>
           </p:cNvPr>
@@ -18664,7 +18664,7 @@
           <p:cNvPr id="111" name="直線矢印コネクタ 110">
             <a:extLst>
               <a:ext uri="{FF2B5EF4-FFF2-40B4-BE49-F238E27FC236}">
-                <a16:creationId xmlns:a16="http://schemas.microsoft.com/office/drawing/2014/main" xmlns="" id="{E29FD0F6-AB9A-C24B-AFED-CEB2367C27EC}"/>
+                <a16:creationId xmlns="" xmlns:a16="http://schemas.microsoft.com/office/drawing/2014/main" id="{E29FD0F6-AB9A-C24B-AFED-CEB2367C27EC}"/>
               </a:ext>
             </a:extLst>
           </p:cNvPr>
@@ -18705,7 +18705,7 @@
           <p:cNvPr id="112" name="正方形/長方形 111">
             <a:extLst>
               <a:ext uri="{FF2B5EF4-FFF2-40B4-BE49-F238E27FC236}">
-                <a16:creationId xmlns:a16="http://schemas.microsoft.com/office/drawing/2014/main" xmlns="" id="{F2520337-BA48-5941-AA24-A5C17F2A5192}"/>
+                <a16:creationId xmlns="" xmlns:a16="http://schemas.microsoft.com/office/drawing/2014/main" id="{F2520337-BA48-5941-AA24-A5C17F2A5192}"/>
               </a:ext>
             </a:extLst>
           </p:cNvPr>
@@ -18804,7 +18804,7 @@
           <p:cNvPr id="113" name="正方形/長方形 112">
             <a:extLst>
               <a:ext uri="{FF2B5EF4-FFF2-40B4-BE49-F238E27FC236}">
-                <a16:creationId xmlns:a16="http://schemas.microsoft.com/office/drawing/2014/main" xmlns="" id="{F2520337-BA48-5941-AA24-A5C17F2A5192}"/>
+                <a16:creationId xmlns="" xmlns:a16="http://schemas.microsoft.com/office/drawing/2014/main" id="{F2520337-BA48-5941-AA24-A5C17F2A5192}"/>
               </a:ext>
             </a:extLst>
           </p:cNvPr>
@@ -18903,7 +18903,7 @@
           <p:cNvPr id="114" name="直線矢印コネクタ 113">
             <a:extLst>
               <a:ext uri="{FF2B5EF4-FFF2-40B4-BE49-F238E27FC236}">
-                <a16:creationId xmlns:a16="http://schemas.microsoft.com/office/drawing/2014/main" xmlns="" id="{E29FD0F6-AB9A-C24B-AFED-CEB2367C27EC}"/>
+                <a16:creationId xmlns="" xmlns:a16="http://schemas.microsoft.com/office/drawing/2014/main" id="{E29FD0F6-AB9A-C24B-AFED-CEB2367C27EC}"/>
               </a:ext>
             </a:extLst>
           </p:cNvPr>
@@ -18974,7 +18974,7 @@
           <p:cNvPr id="2" name="タイトル 1">
             <a:extLst>
               <a:ext uri="{FF2B5EF4-FFF2-40B4-BE49-F238E27FC236}">
-                <a16:creationId xmlns:a16="http://schemas.microsoft.com/office/drawing/2014/main" xmlns="" id="{37B7E350-4F4E-A24E-8958-4CC4AB3B5872}"/>
+                <a16:creationId xmlns="" xmlns:a16="http://schemas.microsoft.com/office/drawing/2014/main" id="{37B7E350-4F4E-A24E-8958-4CC4AB3B5872}"/>
               </a:ext>
             </a:extLst>
           </p:cNvPr>
@@ -19057,7 +19057,7 @@
           <p:cNvPr id="4" name="正方形/長方形 3">
             <a:extLst>
               <a:ext uri="{FF2B5EF4-FFF2-40B4-BE49-F238E27FC236}">
-                <a16:creationId xmlns:a16="http://schemas.microsoft.com/office/drawing/2014/main" xmlns="" id="{A5BEF1B8-26B4-954D-9E23-608FB52D86D6}"/>
+                <a16:creationId xmlns="" xmlns:a16="http://schemas.microsoft.com/office/drawing/2014/main" id="{A5BEF1B8-26B4-954D-9E23-608FB52D86D6}"/>
               </a:ext>
             </a:extLst>
           </p:cNvPr>
@@ -19148,7 +19148,7 @@
           <p:cNvPr id="2" name="タイトル 1">
             <a:extLst>
               <a:ext uri="{FF2B5EF4-FFF2-40B4-BE49-F238E27FC236}">
-                <a16:creationId xmlns:a16="http://schemas.microsoft.com/office/drawing/2014/main" xmlns="" id="{37B7E350-4F4E-A24E-8958-4CC4AB3B5872}"/>
+                <a16:creationId xmlns="" xmlns:a16="http://schemas.microsoft.com/office/drawing/2014/main" id="{37B7E350-4F4E-A24E-8958-4CC4AB3B5872}"/>
               </a:ext>
             </a:extLst>
           </p:cNvPr>
@@ -19224,7 +19224,7 @@
           <p:cNvPr id="4" name="正方形/長方形 3">
             <a:extLst>
               <a:ext uri="{FF2B5EF4-FFF2-40B4-BE49-F238E27FC236}">
-                <a16:creationId xmlns:a16="http://schemas.microsoft.com/office/drawing/2014/main" xmlns="" id="{A5BEF1B8-26B4-954D-9E23-608FB52D86D6}"/>
+                <a16:creationId xmlns="" xmlns:a16="http://schemas.microsoft.com/office/drawing/2014/main" id="{A5BEF1B8-26B4-954D-9E23-608FB52D86D6}"/>
               </a:ext>
             </a:extLst>
           </p:cNvPr>
@@ -19315,7 +19315,7 @@
           <p:cNvPr id="175" name="グループ化 174">
             <a:extLst>
               <a:ext uri="{FF2B5EF4-FFF2-40B4-BE49-F238E27FC236}">
-                <a16:creationId xmlns:a16="http://schemas.microsoft.com/office/drawing/2014/main" xmlns="" id="{093EE6D3-71AD-D54E-8193-FADD5501B058}"/>
+                <a16:creationId xmlns="" xmlns:a16="http://schemas.microsoft.com/office/drawing/2014/main" id="{093EE6D3-71AD-D54E-8193-FADD5501B058}"/>
               </a:ext>
             </a:extLst>
           </p:cNvPr>
@@ -19335,7 +19335,7 @@
             <p:cNvPr id="168" name="正方形/長方形 167">
               <a:extLst>
                 <a:ext uri="{FF2B5EF4-FFF2-40B4-BE49-F238E27FC236}">
-                  <a16:creationId xmlns:a16="http://schemas.microsoft.com/office/drawing/2014/main" xmlns="" id="{FFA485B0-3448-2547-A590-8CB2E2947E58}"/>
+                  <a16:creationId xmlns="" xmlns:a16="http://schemas.microsoft.com/office/drawing/2014/main" id="{FFA485B0-3448-2547-A590-8CB2E2947E58}"/>
                 </a:ext>
               </a:extLst>
             </p:cNvPr>
@@ -19389,7 +19389,7 @@
             <p:cNvPr id="170" name="正方形/長方形 169">
               <a:extLst>
                 <a:ext uri="{FF2B5EF4-FFF2-40B4-BE49-F238E27FC236}">
-                  <a16:creationId xmlns:a16="http://schemas.microsoft.com/office/drawing/2014/main" xmlns="" id="{E9DBDD4B-A4A4-8349-AC6F-A524AF5C7B91}"/>
+                  <a16:creationId xmlns="" xmlns:a16="http://schemas.microsoft.com/office/drawing/2014/main" id="{E9DBDD4B-A4A4-8349-AC6F-A524AF5C7B91}"/>
                 </a:ext>
               </a:extLst>
             </p:cNvPr>
@@ -19443,7 +19443,7 @@
             <p:cNvPr id="171" name="正方形/長方形 170">
               <a:extLst>
                 <a:ext uri="{FF2B5EF4-FFF2-40B4-BE49-F238E27FC236}">
-                  <a16:creationId xmlns:a16="http://schemas.microsoft.com/office/drawing/2014/main" xmlns="" id="{A935E969-F0E8-8F45-AC47-9E7B8F701D3B}"/>
+                  <a16:creationId xmlns="" xmlns:a16="http://schemas.microsoft.com/office/drawing/2014/main" id="{A935E969-F0E8-8F45-AC47-9E7B8F701D3B}"/>
                 </a:ext>
               </a:extLst>
             </p:cNvPr>
@@ -19498,7 +19498,7 @@
           <p:cNvPr id="176" name="正方形/長方形 175">
             <a:extLst>
               <a:ext uri="{FF2B5EF4-FFF2-40B4-BE49-F238E27FC236}">
-                <a16:creationId xmlns:a16="http://schemas.microsoft.com/office/drawing/2014/main" xmlns="" id="{38E8BDB4-9F49-2E4E-9B14-47CE47C6E4DE}"/>
+                <a16:creationId xmlns="" xmlns:a16="http://schemas.microsoft.com/office/drawing/2014/main" id="{38E8BDB4-9F49-2E4E-9B14-47CE47C6E4DE}"/>
               </a:ext>
             </a:extLst>
           </p:cNvPr>
@@ -19553,7 +19553,7 @@
           <p:cNvPr id="68" name="正方形/長方形 67">
             <a:extLst>
               <a:ext uri="{FF2B5EF4-FFF2-40B4-BE49-F238E27FC236}">
-                <a16:creationId xmlns:a16="http://schemas.microsoft.com/office/drawing/2014/main" xmlns="" id="{352CE438-4AF5-C841-B571-13EE86D45C3F}"/>
+                <a16:creationId xmlns="" xmlns:a16="http://schemas.microsoft.com/office/drawing/2014/main" id="{352CE438-4AF5-C841-B571-13EE86D45C3F}"/>
               </a:ext>
             </a:extLst>
           </p:cNvPr>
@@ -19614,7 +19614,7 @@
           <p:cNvPr id="22" name="グループ化 21">
             <a:extLst>
               <a:ext uri="{FF2B5EF4-FFF2-40B4-BE49-F238E27FC236}">
-                <a16:creationId xmlns:a16="http://schemas.microsoft.com/office/drawing/2014/main" xmlns="" id="{8C3880D4-B358-A440-BFA1-74D5883AE522}"/>
+                <a16:creationId xmlns="" xmlns:a16="http://schemas.microsoft.com/office/drawing/2014/main" id="{8C3880D4-B358-A440-BFA1-74D5883AE522}"/>
               </a:ext>
             </a:extLst>
           </p:cNvPr>
@@ -19634,7 +19634,7 @@
             <p:cNvPr id="25" name="正方形/長方形 24">
               <a:extLst>
                 <a:ext uri="{FF2B5EF4-FFF2-40B4-BE49-F238E27FC236}">
-                  <a16:creationId xmlns:a16="http://schemas.microsoft.com/office/drawing/2014/main" xmlns="" id="{ABC7FB96-33F9-5B4C-B205-11C2A68153C1}"/>
+                  <a16:creationId xmlns="" xmlns:a16="http://schemas.microsoft.com/office/drawing/2014/main" id="{ABC7FB96-33F9-5B4C-B205-11C2A68153C1}"/>
                 </a:ext>
               </a:extLst>
             </p:cNvPr>
@@ -19691,7 +19691,7 @@
             <p:cNvPr id="33" name="正方形/長方形 32">
               <a:extLst>
                 <a:ext uri="{FF2B5EF4-FFF2-40B4-BE49-F238E27FC236}">
-                  <a16:creationId xmlns:a16="http://schemas.microsoft.com/office/drawing/2014/main" xmlns="" id="{79F2556D-3BF4-0540-AF4B-51FC5A2CB234}"/>
+                  <a16:creationId xmlns="" xmlns:a16="http://schemas.microsoft.com/office/drawing/2014/main" id="{79F2556D-3BF4-0540-AF4B-51FC5A2CB234}"/>
                 </a:ext>
               </a:extLst>
             </p:cNvPr>
@@ -19747,7 +19747,7 @@
             <p:cNvPr id="15" name="グループ化 14">
               <a:extLst>
                 <a:ext uri="{FF2B5EF4-FFF2-40B4-BE49-F238E27FC236}">
-                  <a16:creationId xmlns:a16="http://schemas.microsoft.com/office/drawing/2014/main" xmlns="" id="{E310BD69-5FCD-6441-80AD-6829EC549B42}"/>
+                  <a16:creationId xmlns="" xmlns:a16="http://schemas.microsoft.com/office/drawing/2014/main" id="{E310BD69-5FCD-6441-80AD-6829EC549B42}"/>
                 </a:ext>
               </a:extLst>
             </p:cNvPr>
@@ -19767,7 +19767,7 @@
               <p:cNvPr id="39" name="片側の 2 つの角を切り取った四角形 38">
                 <a:extLst>
                   <a:ext uri="{FF2B5EF4-FFF2-40B4-BE49-F238E27FC236}">
-                    <a16:creationId xmlns:a16="http://schemas.microsoft.com/office/drawing/2014/main" xmlns="" id="{2DCE4FBB-E173-FC4E-A6E6-B9ACDE105EC8}"/>
+                    <a16:creationId xmlns="" xmlns:a16="http://schemas.microsoft.com/office/drawing/2014/main" id="{2DCE4FBB-E173-FC4E-A6E6-B9ACDE105EC8}"/>
                   </a:ext>
                 </a:extLst>
               </p:cNvPr>
@@ -19821,7 +19821,7 @@
               <p:cNvPr id="43" name="グループ化 42">
                 <a:extLst>
                   <a:ext uri="{FF2B5EF4-FFF2-40B4-BE49-F238E27FC236}">
-                    <a16:creationId xmlns:a16="http://schemas.microsoft.com/office/drawing/2014/main" xmlns="" id="{F79545D0-B85D-4A45-B41F-BE495556F9AB}"/>
+                    <a16:creationId xmlns="" xmlns:a16="http://schemas.microsoft.com/office/drawing/2014/main" id="{F79545D0-B85D-4A45-B41F-BE495556F9AB}"/>
                   </a:ext>
                 </a:extLst>
               </p:cNvPr>
@@ -19841,7 +19841,7 @@
                 <p:cNvPr id="40" name="円弧 39">
                   <a:extLst>
                     <a:ext uri="{FF2B5EF4-FFF2-40B4-BE49-F238E27FC236}">
-                      <a16:creationId xmlns:a16="http://schemas.microsoft.com/office/drawing/2014/main" xmlns="" id="{86D38046-C761-3646-B461-1E3CFB7C8B8A}"/>
+                      <a16:creationId xmlns="" xmlns:a16="http://schemas.microsoft.com/office/drawing/2014/main" id="{86D38046-C761-3646-B461-1E3CFB7C8B8A}"/>
                     </a:ext>
                   </a:extLst>
                 </p:cNvPr>
@@ -19888,7 +19888,7 @@
                 <p:cNvPr id="41" name="円弧 40">
                   <a:extLst>
                     <a:ext uri="{FF2B5EF4-FFF2-40B4-BE49-F238E27FC236}">
-                      <a16:creationId xmlns:a16="http://schemas.microsoft.com/office/drawing/2014/main" xmlns="" id="{A164673C-EF62-E240-87CC-4F300A58BF9F}"/>
+                      <a16:creationId xmlns="" xmlns:a16="http://schemas.microsoft.com/office/drawing/2014/main" id="{A164673C-EF62-E240-87CC-4F300A58BF9F}"/>
                     </a:ext>
                   </a:extLst>
                 </p:cNvPr>
@@ -19935,7 +19935,7 @@
                 <p:cNvPr id="42" name="円弧 41">
                   <a:extLst>
                     <a:ext uri="{FF2B5EF4-FFF2-40B4-BE49-F238E27FC236}">
-                      <a16:creationId xmlns:a16="http://schemas.microsoft.com/office/drawing/2014/main" xmlns="" id="{ED505722-AB6D-3E47-BA49-B4536F823129}"/>
+                      <a16:creationId xmlns="" xmlns:a16="http://schemas.microsoft.com/office/drawing/2014/main" id="{ED505722-AB6D-3E47-BA49-B4536F823129}"/>
                     </a:ext>
                   </a:extLst>
                 </p:cNvPr>
@@ -19983,7 +19983,7 @@
               <p:cNvPr id="46" name="正方形/長方形 45">
                 <a:extLst>
                   <a:ext uri="{FF2B5EF4-FFF2-40B4-BE49-F238E27FC236}">
-                    <a16:creationId xmlns:a16="http://schemas.microsoft.com/office/drawing/2014/main" xmlns="" id="{C487CA86-E873-A643-BF93-B2317374DD71}"/>
+                    <a16:creationId xmlns="" xmlns:a16="http://schemas.microsoft.com/office/drawing/2014/main" id="{C487CA86-E873-A643-BF93-B2317374DD71}"/>
                   </a:ext>
                 </a:extLst>
               </p:cNvPr>
@@ -20032,7 +20032,7 @@
               <p:cNvPr id="48" name="片側の 2 つの角を切り取った四角形 47">
                 <a:extLst>
                   <a:ext uri="{FF2B5EF4-FFF2-40B4-BE49-F238E27FC236}">
-                    <a16:creationId xmlns:a16="http://schemas.microsoft.com/office/drawing/2014/main" xmlns="" id="{B7396866-22A4-3940-B9CC-491AE9F74EBD}"/>
+                    <a16:creationId xmlns="" xmlns:a16="http://schemas.microsoft.com/office/drawing/2014/main" id="{B7396866-22A4-3940-B9CC-491AE9F74EBD}"/>
                   </a:ext>
                 </a:extLst>
               </p:cNvPr>
@@ -20086,7 +20086,7 @@
               <p:cNvPr id="2" name="正方形/長方形 1">
                 <a:extLst>
                   <a:ext uri="{FF2B5EF4-FFF2-40B4-BE49-F238E27FC236}">
-                    <a16:creationId xmlns:a16="http://schemas.microsoft.com/office/drawing/2014/main" xmlns="" id="{EE90CA31-ECB3-6F42-A33C-9F63AD466C8B}"/>
+                    <a16:creationId xmlns="" xmlns:a16="http://schemas.microsoft.com/office/drawing/2014/main" id="{EE90CA31-ECB3-6F42-A33C-9F63AD466C8B}"/>
                   </a:ext>
                 </a:extLst>
               </p:cNvPr>
@@ -20159,7 +20159,7 @@
               <p:cNvPr id="54" name="正方形/長方形 53">
                 <a:extLst>
                   <a:ext uri="{FF2B5EF4-FFF2-40B4-BE49-F238E27FC236}">
-                    <a16:creationId xmlns:a16="http://schemas.microsoft.com/office/drawing/2014/main" xmlns="" id="{95670154-72F6-9540-9AD7-28E7B4A18965}"/>
+                    <a16:creationId xmlns="" xmlns:a16="http://schemas.microsoft.com/office/drawing/2014/main" id="{95670154-72F6-9540-9AD7-28E7B4A18965}"/>
                   </a:ext>
                 </a:extLst>
               </p:cNvPr>
@@ -20233,7 +20233,7 @@
             <p:cNvPr id="55" name="正方形/長方形 54">
               <a:extLst>
                 <a:ext uri="{FF2B5EF4-FFF2-40B4-BE49-F238E27FC236}">
-                  <a16:creationId xmlns:a16="http://schemas.microsoft.com/office/drawing/2014/main" xmlns="" id="{C482E7DA-297C-7344-AC5A-D4FB1344E8D4}"/>
+                  <a16:creationId xmlns="" xmlns:a16="http://schemas.microsoft.com/office/drawing/2014/main" id="{C482E7DA-297C-7344-AC5A-D4FB1344E8D4}"/>
                 </a:ext>
               </a:extLst>
             </p:cNvPr>
@@ -20290,7 +20290,7 @@
             <p:cNvPr id="21" name="グループ化 20">
               <a:extLst>
                 <a:ext uri="{FF2B5EF4-FFF2-40B4-BE49-F238E27FC236}">
-                  <a16:creationId xmlns:a16="http://schemas.microsoft.com/office/drawing/2014/main" xmlns="" id="{1AE5783F-2727-D344-9C41-72BC56ADC859}"/>
+                  <a16:creationId xmlns="" xmlns:a16="http://schemas.microsoft.com/office/drawing/2014/main" id="{1AE5783F-2727-D344-9C41-72BC56ADC859}"/>
                 </a:ext>
               </a:extLst>
             </p:cNvPr>
@@ -20310,7 +20310,7 @@
               <p:cNvPr id="18" name="グループ化 17">
                 <a:extLst>
                   <a:ext uri="{FF2B5EF4-FFF2-40B4-BE49-F238E27FC236}">
-                    <a16:creationId xmlns:a16="http://schemas.microsoft.com/office/drawing/2014/main" xmlns="" id="{A19B65C5-22B9-CD48-9803-FDC51EA6206F}"/>
+                    <a16:creationId xmlns="" xmlns:a16="http://schemas.microsoft.com/office/drawing/2014/main" id="{A19B65C5-22B9-CD48-9803-FDC51EA6206F}"/>
                   </a:ext>
                 </a:extLst>
               </p:cNvPr>
@@ -20333,7 +20333,7 @@
                 <p:cNvPr id="14" name="円/楕円 13">
                   <a:extLst>
                     <a:ext uri="{FF2B5EF4-FFF2-40B4-BE49-F238E27FC236}">
-                      <a16:creationId xmlns:a16="http://schemas.microsoft.com/office/drawing/2014/main" xmlns="" id="{95BC6E65-A6A6-DA4F-89B6-318AFFF06831}"/>
+                      <a16:creationId xmlns="" xmlns:a16="http://schemas.microsoft.com/office/drawing/2014/main" id="{95BC6E65-A6A6-DA4F-89B6-318AFFF06831}"/>
                     </a:ext>
                   </a:extLst>
                 </p:cNvPr>
@@ -20385,7 +20385,7 @@
                 <p:cNvPr id="10" name="グループ化 9">
                   <a:extLst>
                     <a:ext uri="{FF2B5EF4-FFF2-40B4-BE49-F238E27FC236}">
-                      <a16:creationId xmlns:a16="http://schemas.microsoft.com/office/drawing/2014/main" xmlns="" id="{101C7940-1F2F-9B46-86F9-5B87F71BEC85}"/>
+                      <a16:creationId xmlns="" xmlns:a16="http://schemas.microsoft.com/office/drawing/2014/main" id="{101C7940-1F2F-9B46-86F9-5B87F71BEC85}"/>
                     </a:ext>
                   </a:extLst>
                 </p:cNvPr>
@@ -20406,7 +20406,7 @@
                   <p:cNvPr id="5" name="円/楕円 4">
                     <a:extLst>
                       <a:ext uri="{FF2B5EF4-FFF2-40B4-BE49-F238E27FC236}">
-                        <a16:creationId xmlns:a16="http://schemas.microsoft.com/office/drawing/2014/main" xmlns="" id="{FC6F3BDA-439B-414C-B97A-9DD594111347}"/>
+                        <a16:creationId xmlns="" xmlns:a16="http://schemas.microsoft.com/office/drawing/2014/main" id="{FC6F3BDA-439B-414C-B97A-9DD594111347}"/>
                       </a:ext>
                     </a:extLst>
                   </p:cNvPr>
@@ -20458,7 +20458,7 @@
                   <p:cNvPr id="7" name="直線コネクタ 6">
                     <a:extLst>
                       <a:ext uri="{FF2B5EF4-FFF2-40B4-BE49-F238E27FC236}">
-                        <a16:creationId xmlns:a16="http://schemas.microsoft.com/office/drawing/2014/main" xmlns="" id="{A02EA583-404A-9E4B-A6B5-7EE81711ADFD}"/>
+                        <a16:creationId xmlns="" xmlns:a16="http://schemas.microsoft.com/office/drawing/2014/main" id="{A02EA583-404A-9E4B-A6B5-7EE81711ADFD}"/>
                       </a:ext>
                     </a:extLst>
                   </p:cNvPr>
@@ -20503,7 +20503,7 @@
                   <p:cNvPr id="9" name="直線コネクタ 8">
                     <a:extLst>
                       <a:ext uri="{FF2B5EF4-FFF2-40B4-BE49-F238E27FC236}">
-                        <a16:creationId xmlns:a16="http://schemas.microsoft.com/office/drawing/2014/main" xmlns="" id="{71EA019B-6F62-1647-B74E-7733CB3104E5}"/>
+                        <a16:creationId xmlns="" xmlns:a16="http://schemas.microsoft.com/office/drawing/2014/main" id="{71EA019B-6F62-1647-B74E-7733CB3104E5}"/>
                       </a:ext>
                     </a:extLst>
                   </p:cNvPr>
@@ -20550,7 +20550,7 @@
               <p:cNvPr id="77" name="円/楕円 76">
                 <a:extLst>
                   <a:ext uri="{FF2B5EF4-FFF2-40B4-BE49-F238E27FC236}">
-                    <a16:creationId xmlns:a16="http://schemas.microsoft.com/office/drawing/2014/main" xmlns="" id="{DFD99CCE-3A47-B64F-81EA-DE50EB9DE10D}"/>
+                    <a16:creationId xmlns="" xmlns:a16="http://schemas.microsoft.com/office/drawing/2014/main" id="{DFD99CCE-3A47-B64F-81EA-DE50EB9DE10D}"/>
                   </a:ext>
                 </a:extLst>
               </p:cNvPr>
@@ -20619,7 +20619,7 @@
             <p:cNvPr id="16" name="グループ化 15">
               <a:extLst>
                 <a:ext uri="{FF2B5EF4-FFF2-40B4-BE49-F238E27FC236}">
-                  <a16:creationId xmlns:a16="http://schemas.microsoft.com/office/drawing/2014/main" xmlns="" id="{9CC7FF9A-C920-3647-ADDB-8E45ECAE1C4D}"/>
+                  <a16:creationId xmlns="" xmlns:a16="http://schemas.microsoft.com/office/drawing/2014/main" id="{9CC7FF9A-C920-3647-ADDB-8E45ECAE1C4D}"/>
                 </a:ext>
               </a:extLst>
             </p:cNvPr>
@@ -20639,7 +20639,7 @@
               <p:cNvPr id="49" name="グループ化 48">
                 <a:extLst>
                   <a:ext uri="{FF2B5EF4-FFF2-40B4-BE49-F238E27FC236}">
-                    <a16:creationId xmlns:a16="http://schemas.microsoft.com/office/drawing/2014/main" xmlns="" id="{E2DE31E5-06AD-6F49-A568-0B7E55B925D3}"/>
+                    <a16:creationId xmlns="" xmlns:a16="http://schemas.microsoft.com/office/drawing/2014/main" id="{E2DE31E5-06AD-6F49-A568-0B7E55B925D3}"/>
                   </a:ext>
                 </a:extLst>
               </p:cNvPr>
@@ -20665,7 +20665,7 @@
                 <p:cNvPr id="50" name="円/楕円 49">
                   <a:extLst>
                     <a:ext uri="{FF2B5EF4-FFF2-40B4-BE49-F238E27FC236}">
-                      <a16:creationId xmlns:a16="http://schemas.microsoft.com/office/drawing/2014/main" xmlns="" id="{CB07BC6C-F1FD-484C-8FA0-49EB093AED70}"/>
+                      <a16:creationId xmlns="" xmlns:a16="http://schemas.microsoft.com/office/drawing/2014/main" id="{CB07BC6C-F1FD-484C-8FA0-49EB093AED70}"/>
                     </a:ext>
                   </a:extLst>
                 </p:cNvPr>
@@ -20717,7 +20717,7 @@
                 <p:cNvPr id="51" name="直線コネクタ 50">
                   <a:extLst>
                     <a:ext uri="{FF2B5EF4-FFF2-40B4-BE49-F238E27FC236}">
-                      <a16:creationId xmlns:a16="http://schemas.microsoft.com/office/drawing/2014/main" xmlns="" id="{ABC6D782-BE7F-C245-8D32-AB9CBD827AAB}"/>
+                      <a16:creationId xmlns="" xmlns:a16="http://schemas.microsoft.com/office/drawing/2014/main" id="{ABC6D782-BE7F-C245-8D32-AB9CBD827AAB}"/>
                     </a:ext>
                   </a:extLst>
                 </p:cNvPr>
@@ -20762,7 +20762,7 @@
                 <p:cNvPr id="52" name="直線コネクタ 51">
                   <a:extLst>
                     <a:ext uri="{FF2B5EF4-FFF2-40B4-BE49-F238E27FC236}">
-                      <a16:creationId xmlns:a16="http://schemas.microsoft.com/office/drawing/2014/main" xmlns="" id="{74D4EFDB-2EDC-E945-9102-FF205236DD78}"/>
+                      <a16:creationId xmlns="" xmlns:a16="http://schemas.microsoft.com/office/drawing/2014/main" id="{74D4EFDB-2EDC-E945-9102-FF205236DD78}"/>
                     </a:ext>
                   </a:extLst>
                 </p:cNvPr>
@@ -20807,7 +20807,7 @@
               <p:cNvPr id="60" name="正方形/長方形 59">
                 <a:extLst>
                   <a:ext uri="{FF2B5EF4-FFF2-40B4-BE49-F238E27FC236}">
-                    <a16:creationId xmlns:a16="http://schemas.microsoft.com/office/drawing/2014/main" xmlns="" id="{484EB7E4-4029-7A4D-879E-B7D88DD2DA1B}"/>
+                    <a16:creationId xmlns="" xmlns:a16="http://schemas.microsoft.com/office/drawing/2014/main" id="{484EB7E4-4029-7A4D-879E-B7D88DD2DA1B}"/>
                   </a:ext>
                 </a:extLst>
               </p:cNvPr>
@@ -20864,7 +20864,7 @@
               <p:cNvPr id="66" name="グループ化 65">
                 <a:extLst>
                   <a:ext uri="{FF2B5EF4-FFF2-40B4-BE49-F238E27FC236}">
-                    <a16:creationId xmlns:a16="http://schemas.microsoft.com/office/drawing/2014/main" xmlns="" id="{584A2695-63B3-F84D-8157-BADBC276CC8A}"/>
+                    <a16:creationId xmlns="" xmlns:a16="http://schemas.microsoft.com/office/drawing/2014/main" id="{584A2695-63B3-F84D-8157-BADBC276CC8A}"/>
                   </a:ext>
                 </a:extLst>
               </p:cNvPr>
@@ -20884,7 +20884,7 @@
                 <p:cNvPr id="61" name="グループ化 60">
                   <a:extLst>
                     <a:ext uri="{FF2B5EF4-FFF2-40B4-BE49-F238E27FC236}">
-                      <a16:creationId xmlns:a16="http://schemas.microsoft.com/office/drawing/2014/main" xmlns="" id="{13ABB243-0EE3-6449-B162-4D1737DBF78B}"/>
+                      <a16:creationId xmlns="" xmlns:a16="http://schemas.microsoft.com/office/drawing/2014/main" id="{13ABB243-0EE3-6449-B162-4D1737DBF78B}"/>
                     </a:ext>
                   </a:extLst>
                 </p:cNvPr>
@@ -20910,7 +20910,7 @@
                   <p:cNvPr id="62" name="円/楕円 61">
                     <a:extLst>
                       <a:ext uri="{FF2B5EF4-FFF2-40B4-BE49-F238E27FC236}">
-                        <a16:creationId xmlns:a16="http://schemas.microsoft.com/office/drawing/2014/main" xmlns="" id="{CBAA3278-E88D-9648-9780-A971C0C07152}"/>
+                        <a16:creationId xmlns="" xmlns:a16="http://schemas.microsoft.com/office/drawing/2014/main" id="{CBAA3278-E88D-9648-9780-A971C0C07152}"/>
                       </a:ext>
                     </a:extLst>
                   </p:cNvPr>
@@ -20962,7 +20962,7 @@
                   <p:cNvPr id="63" name="直線コネクタ 62">
                     <a:extLst>
                       <a:ext uri="{FF2B5EF4-FFF2-40B4-BE49-F238E27FC236}">
-                        <a16:creationId xmlns:a16="http://schemas.microsoft.com/office/drawing/2014/main" xmlns="" id="{9E5F0E71-BEEE-D94D-9AC7-420D6A526C09}"/>
+                        <a16:creationId xmlns="" xmlns:a16="http://schemas.microsoft.com/office/drawing/2014/main" id="{9E5F0E71-BEEE-D94D-9AC7-420D6A526C09}"/>
                       </a:ext>
                     </a:extLst>
                   </p:cNvPr>
@@ -21007,7 +21007,7 @@
                   <p:cNvPr id="64" name="直線コネクタ 63">
                     <a:extLst>
                       <a:ext uri="{FF2B5EF4-FFF2-40B4-BE49-F238E27FC236}">
-                        <a16:creationId xmlns:a16="http://schemas.microsoft.com/office/drawing/2014/main" xmlns="" id="{87363DFF-DE64-6549-B31E-770E70ED8452}"/>
+                        <a16:creationId xmlns="" xmlns:a16="http://schemas.microsoft.com/office/drawing/2014/main" id="{87363DFF-DE64-6549-B31E-770E70ED8452}"/>
                       </a:ext>
                     </a:extLst>
                   </p:cNvPr>
@@ -21052,7 +21052,7 @@
                 <p:cNvPr id="65" name="正方形/長方形 64">
                   <a:extLst>
                     <a:ext uri="{FF2B5EF4-FFF2-40B4-BE49-F238E27FC236}">
-                      <a16:creationId xmlns:a16="http://schemas.microsoft.com/office/drawing/2014/main" xmlns="" id="{6B1B71B7-BEB8-C44B-9119-0D075BA00B82}"/>
+                      <a16:creationId xmlns="" xmlns:a16="http://schemas.microsoft.com/office/drawing/2014/main" id="{6B1B71B7-BEB8-C44B-9119-0D075BA00B82}"/>
                     </a:ext>
                   </a:extLst>
                 </p:cNvPr>
@@ -21110,7 +21110,7 @@
               <p:cNvPr id="78" name="円/楕円 77">
                 <a:extLst>
                   <a:ext uri="{FF2B5EF4-FFF2-40B4-BE49-F238E27FC236}">
-                    <a16:creationId xmlns:a16="http://schemas.microsoft.com/office/drawing/2014/main" xmlns="" id="{DC063852-142C-D043-AE10-2308FBE9EE1A}"/>
+                    <a16:creationId xmlns="" xmlns:a16="http://schemas.microsoft.com/office/drawing/2014/main" id="{DC063852-142C-D043-AE10-2308FBE9EE1A}"/>
                   </a:ext>
                 </a:extLst>
               </p:cNvPr>
@@ -21179,7 +21179,7 @@
             <p:cNvPr id="3" name="正方形/長方形 2">
               <a:extLst>
                 <a:ext uri="{FF2B5EF4-FFF2-40B4-BE49-F238E27FC236}">
-                  <a16:creationId xmlns:a16="http://schemas.microsoft.com/office/drawing/2014/main" xmlns="" id="{D5728361-9A62-244E-B49F-E11536010A27}"/>
+                  <a16:creationId xmlns="" xmlns:a16="http://schemas.microsoft.com/office/drawing/2014/main" id="{D5728361-9A62-244E-B49F-E11536010A27}"/>
                 </a:ext>
               </a:extLst>
             </p:cNvPr>
@@ -21245,7 +21245,7 @@
             <p:cNvPr id="26" name="正方形/長方形 25">
               <a:extLst>
                 <a:ext uri="{FF2B5EF4-FFF2-40B4-BE49-F238E27FC236}">
-                  <a16:creationId xmlns:a16="http://schemas.microsoft.com/office/drawing/2014/main" xmlns="" id="{898E71A5-5EF7-7F49-8E15-E4F3CEE85774}"/>
+                  <a16:creationId xmlns="" xmlns:a16="http://schemas.microsoft.com/office/drawing/2014/main" id="{898E71A5-5EF7-7F49-8E15-E4F3CEE85774}"/>
                 </a:ext>
               </a:extLst>
             </p:cNvPr>
@@ -21308,7 +21308,7 @@
             <p:cNvPr id="19" name="グループ化 18">
               <a:extLst>
                 <a:ext uri="{FF2B5EF4-FFF2-40B4-BE49-F238E27FC236}">
-                  <a16:creationId xmlns:a16="http://schemas.microsoft.com/office/drawing/2014/main" xmlns="" id="{B81FAFE3-C618-8141-B123-D229E95E20B9}"/>
+                  <a16:creationId xmlns="" xmlns:a16="http://schemas.microsoft.com/office/drawing/2014/main" id="{B81FAFE3-C618-8141-B123-D229E95E20B9}"/>
                 </a:ext>
               </a:extLst>
             </p:cNvPr>
@@ -21328,7 +21328,7 @@
               <p:cNvPr id="20" name="片側の 2 つの角を切り取った四角形 19">
                 <a:extLst>
                   <a:ext uri="{FF2B5EF4-FFF2-40B4-BE49-F238E27FC236}">
-                    <a16:creationId xmlns:a16="http://schemas.microsoft.com/office/drawing/2014/main" xmlns="" id="{994F6E10-0C0B-E74E-B5BF-07DA3D7A11CF}"/>
+                    <a16:creationId xmlns="" xmlns:a16="http://schemas.microsoft.com/office/drawing/2014/main" id="{994F6E10-0C0B-E74E-B5BF-07DA3D7A11CF}"/>
                   </a:ext>
                 </a:extLst>
               </p:cNvPr>
@@ -21385,7 +21385,7 @@
               <p:cNvPr id="29" name="グループ化 28">
                 <a:extLst>
                   <a:ext uri="{FF2B5EF4-FFF2-40B4-BE49-F238E27FC236}">
-                    <a16:creationId xmlns:a16="http://schemas.microsoft.com/office/drawing/2014/main" xmlns="" id="{11B7519D-3544-574E-AB7E-85005C12F179}"/>
+                    <a16:creationId xmlns="" xmlns:a16="http://schemas.microsoft.com/office/drawing/2014/main" id="{11B7519D-3544-574E-AB7E-85005C12F179}"/>
                   </a:ext>
                 </a:extLst>
               </p:cNvPr>
@@ -21405,7 +21405,7 @@
                 <p:cNvPr id="30" name="三角形 29">
                   <a:extLst>
                     <a:ext uri="{FF2B5EF4-FFF2-40B4-BE49-F238E27FC236}">
-                      <a16:creationId xmlns:a16="http://schemas.microsoft.com/office/drawing/2014/main" xmlns="" id="{1EC59E7F-8481-B448-B4D0-2EFB82D94EE8}"/>
+                      <a16:creationId xmlns="" xmlns:a16="http://schemas.microsoft.com/office/drawing/2014/main" id="{1EC59E7F-8481-B448-B4D0-2EFB82D94EE8}"/>
                     </a:ext>
                   </a:extLst>
                 </p:cNvPr>
@@ -21454,7 +21454,7 @@
                 <p:cNvPr id="31" name="円/楕円 30">
                   <a:extLst>
                     <a:ext uri="{FF2B5EF4-FFF2-40B4-BE49-F238E27FC236}">
-                      <a16:creationId xmlns:a16="http://schemas.microsoft.com/office/drawing/2014/main" xmlns="" id="{FA9B417D-32DE-D549-9368-AD00CDC881B6}"/>
+                      <a16:creationId xmlns="" xmlns:a16="http://schemas.microsoft.com/office/drawing/2014/main" id="{FA9B417D-32DE-D549-9368-AD00CDC881B6}"/>
                     </a:ext>
                   </a:extLst>
                 </p:cNvPr>
@@ -21501,7 +21501,7 @@
               <p:cNvPr id="38" name="グループ化 37">
                 <a:extLst>
                   <a:ext uri="{FF2B5EF4-FFF2-40B4-BE49-F238E27FC236}">
-                    <a16:creationId xmlns:a16="http://schemas.microsoft.com/office/drawing/2014/main" xmlns="" id="{AB0C279A-ECDD-B44B-9384-4375A465EB70}"/>
+                    <a16:creationId xmlns="" xmlns:a16="http://schemas.microsoft.com/office/drawing/2014/main" id="{AB0C279A-ECDD-B44B-9384-4375A465EB70}"/>
                   </a:ext>
                 </a:extLst>
               </p:cNvPr>
@@ -21527,7 +21527,7 @@
                 <p:cNvPr id="17" name="円/楕円 16">
                   <a:extLst>
                     <a:ext uri="{FF2B5EF4-FFF2-40B4-BE49-F238E27FC236}">
-                      <a16:creationId xmlns:a16="http://schemas.microsoft.com/office/drawing/2014/main" xmlns="" id="{C16068F6-A4D1-EC4B-90FC-8043BEBD199F}"/>
+                      <a16:creationId xmlns="" xmlns:a16="http://schemas.microsoft.com/office/drawing/2014/main" id="{C16068F6-A4D1-EC4B-90FC-8043BEBD199F}"/>
                     </a:ext>
                   </a:extLst>
                 </p:cNvPr>
@@ -21579,7 +21579,7 @@
                 <p:cNvPr id="35" name="直線コネクタ 34">
                   <a:extLst>
                     <a:ext uri="{FF2B5EF4-FFF2-40B4-BE49-F238E27FC236}">
-                      <a16:creationId xmlns:a16="http://schemas.microsoft.com/office/drawing/2014/main" xmlns="" id="{47055E78-8374-0342-8953-D075EBACBCB5}"/>
+                      <a16:creationId xmlns="" xmlns:a16="http://schemas.microsoft.com/office/drawing/2014/main" id="{47055E78-8374-0342-8953-D075EBACBCB5}"/>
                     </a:ext>
                   </a:extLst>
                 </p:cNvPr>
@@ -21624,7 +21624,7 @@
                 <p:cNvPr id="37" name="直線コネクタ 36">
                   <a:extLst>
                     <a:ext uri="{FF2B5EF4-FFF2-40B4-BE49-F238E27FC236}">
-                      <a16:creationId xmlns:a16="http://schemas.microsoft.com/office/drawing/2014/main" xmlns="" id="{E20BA8D3-03D0-C64F-97AC-A90F2A6FFD64}"/>
+                      <a16:creationId xmlns="" xmlns:a16="http://schemas.microsoft.com/office/drawing/2014/main" id="{E20BA8D3-03D0-C64F-97AC-A90F2A6FFD64}"/>
                     </a:ext>
                   </a:extLst>
                 </p:cNvPr>
@@ -21669,7 +21669,7 @@
               <p:cNvPr id="32" name="L 字 31">
                 <a:extLst>
                   <a:ext uri="{FF2B5EF4-FFF2-40B4-BE49-F238E27FC236}">
-                    <a16:creationId xmlns:a16="http://schemas.microsoft.com/office/drawing/2014/main" xmlns="" id="{32488DE0-CAB9-6746-9A76-087E0ACBFD80}"/>
+                    <a16:creationId xmlns="" xmlns:a16="http://schemas.microsoft.com/office/drawing/2014/main" id="{32488DE0-CAB9-6746-9A76-087E0ACBFD80}"/>
                   </a:ext>
                 </a:extLst>
               </p:cNvPr>
@@ -21729,7 +21729,7 @@
               <p:cNvPr id="11" name="円/楕円 10">
                 <a:extLst>
                   <a:ext uri="{FF2B5EF4-FFF2-40B4-BE49-F238E27FC236}">
-                    <a16:creationId xmlns:a16="http://schemas.microsoft.com/office/drawing/2014/main" xmlns="" id="{20C8B133-7CA1-E54E-BC86-D253FA2E9B8F}"/>
+                    <a16:creationId xmlns="" xmlns:a16="http://schemas.microsoft.com/office/drawing/2014/main" id="{20C8B133-7CA1-E54E-BC86-D253FA2E9B8F}"/>
                   </a:ext>
                 </a:extLst>
               </p:cNvPr>
@@ -21799,7 +21799,7 @@
           <p:cNvPr id="110" name="正方形/長方形 109">
             <a:extLst>
               <a:ext uri="{FF2B5EF4-FFF2-40B4-BE49-F238E27FC236}">
-                <a16:creationId xmlns:a16="http://schemas.microsoft.com/office/drawing/2014/main" xmlns="" id="{D1544926-A4EC-DC40-BF40-1B98D4501B7C}"/>
+                <a16:creationId xmlns="" xmlns:a16="http://schemas.microsoft.com/office/drawing/2014/main" id="{D1544926-A4EC-DC40-BF40-1B98D4501B7C}"/>
               </a:ext>
             </a:extLst>
           </p:cNvPr>
@@ -21865,7 +21865,7 @@
           <p:cNvPr id="113" name="正方形/長方形 112">
             <a:extLst>
               <a:ext uri="{FF2B5EF4-FFF2-40B4-BE49-F238E27FC236}">
-                <a16:creationId xmlns:a16="http://schemas.microsoft.com/office/drawing/2014/main" xmlns="" id="{EE78B526-DC67-FC44-A75F-379D2DFFA32A}"/>
+                <a16:creationId xmlns="" xmlns:a16="http://schemas.microsoft.com/office/drawing/2014/main" id="{EE78B526-DC67-FC44-A75F-379D2DFFA32A}"/>
               </a:ext>
             </a:extLst>
           </p:cNvPr>
@@ -21931,7 +21931,7 @@
           <p:cNvPr id="114" name="正方形/長方形 113">
             <a:extLst>
               <a:ext uri="{FF2B5EF4-FFF2-40B4-BE49-F238E27FC236}">
-                <a16:creationId xmlns:a16="http://schemas.microsoft.com/office/drawing/2014/main" xmlns="" id="{3D3E2455-AA7B-2249-B36A-33EC01546CCE}"/>
+                <a16:creationId xmlns="" xmlns:a16="http://schemas.microsoft.com/office/drawing/2014/main" id="{3D3E2455-AA7B-2249-B36A-33EC01546CCE}"/>
               </a:ext>
             </a:extLst>
           </p:cNvPr>
@@ -21997,7 +21997,7 @@
           <p:cNvPr id="115" name="直線コネクタ 114">
             <a:extLst>
               <a:ext uri="{FF2B5EF4-FFF2-40B4-BE49-F238E27FC236}">
-                <a16:creationId xmlns:a16="http://schemas.microsoft.com/office/drawing/2014/main" xmlns="" id="{840AF35B-9D24-3C42-A936-735977996F33}"/>
+                <a16:creationId xmlns="" xmlns:a16="http://schemas.microsoft.com/office/drawing/2014/main" id="{840AF35B-9D24-3C42-A936-735977996F33}"/>
               </a:ext>
             </a:extLst>
           </p:cNvPr>
@@ -22042,7 +22042,7 @@
           <p:cNvPr id="116" name="正方形/長方形 115">
             <a:extLst>
               <a:ext uri="{FF2B5EF4-FFF2-40B4-BE49-F238E27FC236}">
-                <a16:creationId xmlns:a16="http://schemas.microsoft.com/office/drawing/2014/main" xmlns="" id="{48F90EAF-9E58-834F-9A43-520409ED83B1}"/>
+                <a16:creationId xmlns="" xmlns:a16="http://schemas.microsoft.com/office/drawing/2014/main" id="{48F90EAF-9E58-834F-9A43-520409ED83B1}"/>
               </a:ext>
             </a:extLst>
           </p:cNvPr>
@@ -22103,7 +22103,7 @@
           <p:cNvPr id="118" name="直線コネクタ 117">
             <a:extLst>
               <a:ext uri="{FF2B5EF4-FFF2-40B4-BE49-F238E27FC236}">
-                <a16:creationId xmlns:a16="http://schemas.microsoft.com/office/drawing/2014/main" xmlns="" id="{27C9FAB1-9CB6-EB40-844E-DE3B5B9838D9}"/>
+                <a16:creationId xmlns="" xmlns:a16="http://schemas.microsoft.com/office/drawing/2014/main" id="{27C9FAB1-9CB6-EB40-844E-DE3B5B9838D9}"/>
               </a:ext>
             </a:extLst>
           </p:cNvPr>
@@ -22148,7 +22148,7 @@
           <p:cNvPr id="119" name="正方形/長方形 118">
             <a:extLst>
               <a:ext uri="{FF2B5EF4-FFF2-40B4-BE49-F238E27FC236}">
-                <a16:creationId xmlns:a16="http://schemas.microsoft.com/office/drawing/2014/main" xmlns="" id="{FF68817B-313A-5146-B402-B8A568554646}"/>
+                <a16:creationId xmlns="" xmlns:a16="http://schemas.microsoft.com/office/drawing/2014/main" id="{FF68817B-313A-5146-B402-B8A568554646}"/>
               </a:ext>
             </a:extLst>
           </p:cNvPr>
@@ -22214,7 +22214,7 @@
           <p:cNvPr id="120" name="直線コネクタ 119">
             <a:extLst>
               <a:ext uri="{FF2B5EF4-FFF2-40B4-BE49-F238E27FC236}">
-                <a16:creationId xmlns:a16="http://schemas.microsoft.com/office/drawing/2014/main" xmlns="" id="{82897C1D-51D6-E743-96DF-19AF31C1C700}"/>
+                <a16:creationId xmlns="" xmlns:a16="http://schemas.microsoft.com/office/drawing/2014/main" id="{82897C1D-51D6-E743-96DF-19AF31C1C700}"/>
               </a:ext>
             </a:extLst>
           </p:cNvPr>
@@ -22260,7 +22260,7 @@
           <p:cNvPr id="122" name="正方形/長方形 121">
             <a:extLst>
               <a:ext uri="{FF2B5EF4-FFF2-40B4-BE49-F238E27FC236}">
-                <a16:creationId xmlns:a16="http://schemas.microsoft.com/office/drawing/2014/main" xmlns="" id="{3EEB0EFF-915F-AB41-992C-EBAAFFF44A14}"/>
+                <a16:creationId xmlns="" xmlns:a16="http://schemas.microsoft.com/office/drawing/2014/main" id="{3EEB0EFF-915F-AB41-992C-EBAAFFF44A14}"/>
               </a:ext>
             </a:extLst>
           </p:cNvPr>
@@ -22321,7 +22321,7 @@
           <p:cNvPr id="123" name="図 122">
             <a:extLst>
               <a:ext uri="{FF2B5EF4-FFF2-40B4-BE49-F238E27FC236}">
-                <a16:creationId xmlns:a16="http://schemas.microsoft.com/office/drawing/2014/main" xmlns="" id="{7B301D61-4485-D84D-AE9D-277FCD5309E3}"/>
+                <a16:creationId xmlns="" xmlns:a16="http://schemas.microsoft.com/office/drawing/2014/main" id="{7B301D61-4485-D84D-AE9D-277FCD5309E3}"/>
               </a:ext>
             </a:extLst>
           </p:cNvPr>
@@ -22355,7 +22355,7 @@
           <p:cNvPr id="124" name="直線コネクタ 123">
             <a:extLst>
               <a:ext uri="{FF2B5EF4-FFF2-40B4-BE49-F238E27FC236}">
-                <a16:creationId xmlns:a16="http://schemas.microsoft.com/office/drawing/2014/main" xmlns="" id="{2B64A74E-7F7C-4642-9BC0-918292D8F644}"/>
+                <a16:creationId xmlns="" xmlns:a16="http://schemas.microsoft.com/office/drawing/2014/main" id="{2B64A74E-7F7C-4642-9BC0-918292D8F644}"/>
               </a:ext>
             </a:extLst>
           </p:cNvPr>
@@ -22400,7 +22400,7 @@
           <p:cNvPr id="126" name="三角形 125">
             <a:extLst>
               <a:ext uri="{FF2B5EF4-FFF2-40B4-BE49-F238E27FC236}">
-                <a16:creationId xmlns:a16="http://schemas.microsoft.com/office/drawing/2014/main" xmlns="" id="{6821ACB9-6A2E-7B46-B255-60F701521C82}"/>
+                <a16:creationId xmlns="" xmlns:a16="http://schemas.microsoft.com/office/drawing/2014/main" id="{6821ACB9-6A2E-7B46-B255-60F701521C82}"/>
               </a:ext>
             </a:extLst>
           </p:cNvPr>
@@ -22449,7 +22449,7 @@
           <p:cNvPr id="129" name="グループ化 128">
             <a:extLst>
               <a:ext uri="{FF2B5EF4-FFF2-40B4-BE49-F238E27FC236}">
-                <a16:creationId xmlns:a16="http://schemas.microsoft.com/office/drawing/2014/main" xmlns="" id="{D4B3800E-7049-484E-AB30-D0932D90665B}"/>
+                <a16:creationId xmlns="" xmlns:a16="http://schemas.microsoft.com/office/drawing/2014/main" id="{D4B3800E-7049-484E-AB30-D0932D90665B}"/>
               </a:ext>
             </a:extLst>
           </p:cNvPr>
@@ -22469,7 +22469,7 @@
             <p:cNvPr id="130" name="正方形/長方形 129">
               <a:extLst>
                 <a:ext uri="{FF2B5EF4-FFF2-40B4-BE49-F238E27FC236}">
-                  <a16:creationId xmlns:a16="http://schemas.microsoft.com/office/drawing/2014/main" xmlns="" id="{CE9FFB64-EFAE-2447-B1A2-2446A6FB37E3}"/>
+                  <a16:creationId xmlns="" xmlns:a16="http://schemas.microsoft.com/office/drawing/2014/main" id="{CE9FFB64-EFAE-2447-B1A2-2446A6FB37E3}"/>
                 </a:ext>
               </a:extLst>
             </p:cNvPr>
@@ -22540,7 +22540,7 @@
             <p:cNvPr id="131" name="円/楕円 130">
               <a:extLst>
                 <a:ext uri="{FF2B5EF4-FFF2-40B4-BE49-F238E27FC236}">
-                  <a16:creationId xmlns:a16="http://schemas.microsoft.com/office/drawing/2014/main" xmlns="" id="{0F64A0DB-3368-0443-A8B8-9546C43F76BE}"/>
+                  <a16:creationId xmlns="" xmlns:a16="http://schemas.microsoft.com/office/drawing/2014/main" id="{0F64A0DB-3368-0443-A8B8-9546C43F76BE}"/>
                 </a:ext>
               </a:extLst>
             </p:cNvPr>
@@ -22601,7 +22601,7 @@
             <p:cNvPr id="132" name="円/楕円 131">
               <a:extLst>
                 <a:ext uri="{FF2B5EF4-FFF2-40B4-BE49-F238E27FC236}">
-                  <a16:creationId xmlns:a16="http://schemas.microsoft.com/office/drawing/2014/main" xmlns="" id="{A7EE8DA5-3385-1B49-B977-A737FDBA6560}"/>
+                  <a16:creationId xmlns="" xmlns:a16="http://schemas.microsoft.com/office/drawing/2014/main" id="{A7EE8DA5-3385-1B49-B977-A737FDBA6560}"/>
                 </a:ext>
               </a:extLst>
             </p:cNvPr>
@@ -22664,7 +22664,7 @@
             <p:cNvPr id="133" name="正方形/長方形 132">
               <a:extLst>
                 <a:ext uri="{FF2B5EF4-FFF2-40B4-BE49-F238E27FC236}">
-                  <a16:creationId xmlns:a16="http://schemas.microsoft.com/office/drawing/2014/main" xmlns="" id="{0BCCE592-016F-D74C-A248-EFE476D581CC}"/>
+                  <a16:creationId xmlns="" xmlns:a16="http://schemas.microsoft.com/office/drawing/2014/main" id="{0BCCE592-016F-D74C-A248-EFE476D581CC}"/>
                 </a:ext>
               </a:extLst>
             </p:cNvPr>
@@ -22735,7 +22735,7 @@
             <p:cNvPr id="134" name="円/楕円 133">
               <a:extLst>
                 <a:ext uri="{FF2B5EF4-FFF2-40B4-BE49-F238E27FC236}">
-                  <a16:creationId xmlns:a16="http://schemas.microsoft.com/office/drawing/2014/main" xmlns="" id="{2B5E5B70-D1BD-0E49-989E-C1A479456EBB}"/>
+                  <a16:creationId xmlns="" xmlns:a16="http://schemas.microsoft.com/office/drawing/2014/main" id="{2B5E5B70-D1BD-0E49-989E-C1A479456EBB}"/>
                 </a:ext>
               </a:extLst>
             </p:cNvPr>
@@ -22796,7 +22796,7 @@
             <p:cNvPr id="135" name="円/楕円 134">
               <a:extLst>
                 <a:ext uri="{FF2B5EF4-FFF2-40B4-BE49-F238E27FC236}">
-                  <a16:creationId xmlns:a16="http://schemas.microsoft.com/office/drawing/2014/main" xmlns="" id="{6C947F51-0353-E345-85EB-F81A3A25FEA0}"/>
+                  <a16:creationId xmlns="" xmlns:a16="http://schemas.microsoft.com/office/drawing/2014/main" id="{6C947F51-0353-E345-85EB-F81A3A25FEA0}"/>
                 </a:ext>
               </a:extLst>
             </p:cNvPr>
@@ -22859,7 +22859,7 @@
             <p:cNvPr id="136" name="正方形/長方形 135">
               <a:extLst>
                 <a:ext uri="{FF2B5EF4-FFF2-40B4-BE49-F238E27FC236}">
-                  <a16:creationId xmlns:a16="http://schemas.microsoft.com/office/drawing/2014/main" xmlns="" id="{6704E502-3E9F-6942-92B4-EAED78ABA2CC}"/>
+                  <a16:creationId xmlns="" xmlns:a16="http://schemas.microsoft.com/office/drawing/2014/main" id="{6704E502-3E9F-6942-92B4-EAED78ABA2CC}"/>
                 </a:ext>
               </a:extLst>
             </p:cNvPr>
@@ -22930,7 +22930,7 @@
             <p:cNvPr id="137" name="円/楕円 136">
               <a:extLst>
                 <a:ext uri="{FF2B5EF4-FFF2-40B4-BE49-F238E27FC236}">
-                  <a16:creationId xmlns:a16="http://schemas.microsoft.com/office/drawing/2014/main" xmlns="" id="{307F1953-5DEC-0E42-A73B-F798456B088F}"/>
+                  <a16:creationId xmlns="" xmlns:a16="http://schemas.microsoft.com/office/drawing/2014/main" id="{307F1953-5DEC-0E42-A73B-F798456B088F}"/>
                 </a:ext>
               </a:extLst>
             </p:cNvPr>
@@ -22991,7 +22991,7 @@
             <p:cNvPr id="138" name="円/楕円 137">
               <a:extLst>
                 <a:ext uri="{FF2B5EF4-FFF2-40B4-BE49-F238E27FC236}">
-                  <a16:creationId xmlns:a16="http://schemas.microsoft.com/office/drawing/2014/main" xmlns="" id="{F2D02C92-BD06-2446-B47E-D8E22571ACC5}"/>
+                  <a16:creationId xmlns="" xmlns:a16="http://schemas.microsoft.com/office/drawing/2014/main" id="{F2D02C92-BD06-2446-B47E-D8E22571ACC5}"/>
                 </a:ext>
               </a:extLst>
             </p:cNvPr>
@@ -23054,7 +23054,7 @@
             <p:cNvPr id="139" name="円/楕円 138">
               <a:extLst>
                 <a:ext uri="{FF2B5EF4-FFF2-40B4-BE49-F238E27FC236}">
-                  <a16:creationId xmlns:a16="http://schemas.microsoft.com/office/drawing/2014/main" xmlns="" id="{34568705-20F3-C443-8C31-488C350188E4}"/>
+                  <a16:creationId xmlns="" xmlns:a16="http://schemas.microsoft.com/office/drawing/2014/main" id="{34568705-20F3-C443-8C31-488C350188E4}"/>
                 </a:ext>
               </a:extLst>
             </p:cNvPr>
@@ -23117,7 +23117,7 @@
             <p:cNvPr id="140" name="正方形/長方形 139">
               <a:extLst>
                 <a:ext uri="{FF2B5EF4-FFF2-40B4-BE49-F238E27FC236}">
-                  <a16:creationId xmlns:a16="http://schemas.microsoft.com/office/drawing/2014/main" xmlns="" id="{720C238B-49C6-CE49-BD76-D6A8A5C02DDC}"/>
+                  <a16:creationId xmlns="" xmlns:a16="http://schemas.microsoft.com/office/drawing/2014/main" id="{720C238B-49C6-CE49-BD76-D6A8A5C02DDC}"/>
                 </a:ext>
               </a:extLst>
             </p:cNvPr>
@@ -23188,7 +23188,7 @@
             <p:cNvPr id="141" name="円/楕円 140">
               <a:extLst>
                 <a:ext uri="{FF2B5EF4-FFF2-40B4-BE49-F238E27FC236}">
-                  <a16:creationId xmlns:a16="http://schemas.microsoft.com/office/drawing/2014/main" xmlns="" id="{FC23D566-0CED-FC4A-8050-31FBA0794FEA}"/>
+                  <a16:creationId xmlns="" xmlns:a16="http://schemas.microsoft.com/office/drawing/2014/main" id="{FC23D566-0CED-FC4A-8050-31FBA0794FEA}"/>
                 </a:ext>
               </a:extLst>
             </p:cNvPr>
@@ -23249,7 +23249,7 @@
             <p:cNvPr id="142" name="円/楕円 141">
               <a:extLst>
                 <a:ext uri="{FF2B5EF4-FFF2-40B4-BE49-F238E27FC236}">
-                  <a16:creationId xmlns:a16="http://schemas.microsoft.com/office/drawing/2014/main" xmlns="" id="{79B05D15-21D9-E646-9DA8-4F4A8AEB2471}"/>
+                  <a16:creationId xmlns="" xmlns:a16="http://schemas.microsoft.com/office/drawing/2014/main" id="{79B05D15-21D9-E646-9DA8-4F4A8AEB2471}"/>
                 </a:ext>
               </a:extLst>
             </p:cNvPr>
@@ -23312,7 +23312,7 @@
             <p:cNvPr id="145" name="円/楕円 144">
               <a:extLst>
                 <a:ext uri="{FF2B5EF4-FFF2-40B4-BE49-F238E27FC236}">
-                  <a16:creationId xmlns:a16="http://schemas.microsoft.com/office/drawing/2014/main" xmlns="" id="{01A1153E-D014-3C45-9C00-4681EDDF9942}"/>
+                  <a16:creationId xmlns="" xmlns:a16="http://schemas.microsoft.com/office/drawing/2014/main" id="{01A1153E-D014-3C45-9C00-4681EDDF9942}"/>
                 </a:ext>
               </a:extLst>
             </p:cNvPr>
@@ -23375,7 +23375,7 @@
             <p:cNvPr id="146" name="正方形/長方形 145">
               <a:extLst>
                 <a:ext uri="{FF2B5EF4-FFF2-40B4-BE49-F238E27FC236}">
-                  <a16:creationId xmlns:a16="http://schemas.microsoft.com/office/drawing/2014/main" xmlns="" id="{86933EC2-4455-FE42-8717-D769566A0AF6}"/>
+                  <a16:creationId xmlns="" xmlns:a16="http://schemas.microsoft.com/office/drawing/2014/main" id="{86933EC2-4455-FE42-8717-D769566A0AF6}"/>
                 </a:ext>
               </a:extLst>
             </p:cNvPr>
@@ -23446,7 +23446,7 @@
             <p:cNvPr id="147" name="円/楕円 146">
               <a:extLst>
                 <a:ext uri="{FF2B5EF4-FFF2-40B4-BE49-F238E27FC236}">
-                  <a16:creationId xmlns:a16="http://schemas.microsoft.com/office/drawing/2014/main" xmlns="" id="{DB0D31D5-07AB-2249-9751-FAF826FF5C7B}"/>
+                  <a16:creationId xmlns="" xmlns:a16="http://schemas.microsoft.com/office/drawing/2014/main" id="{DB0D31D5-07AB-2249-9751-FAF826FF5C7B}"/>
                 </a:ext>
               </a:extLst>
             </p:cNvPr>
@@ -23507,7 +23507,7 @@
             <p:cNvPr id="148" name="円/楕円 147">
               <a:extLst>
                 <a:ext uri="{FF2B5EF4-FFF2-40B4-BE49-F238E27FC236}">
-                  <a16:creationId xmlns:a16="http://schemas.microsoft.com/office/drawing/2014/main" xmlns="" id="{2D563338-10CD-0C42-901C-B586DF6080B5}"/>
+                  <a16:creationId xmlns="" xmlns:a16="http://schemas.microsoft.com/office/drawing/2014/main" id="{2D563338-10CD-0C42-901C-B586DF6080B5}"/>
                 </a:ext>
               </a:extLst>
             </p:cNvPr>
@@ -23570,7 +23570,7 @@
             <p:cNvPr id="149" name="円/楕円 148">
               <a:extLst>
                 <a:ext uri="{FF2B5EF4-FFF2-40B4-BE49-F238E27FC236}">
-                  <a16:creationId xmlns:a16="http://schemas.microsoft.com/office/drawing/2014/main" xmlns="" id="{F4022BD0-903F-5244-82AC-A81C9E5EE38D}"/>
+                  <a16:creationId xmlns="" xmlns:a16="http://schemas.microsoft.com/office/drawing/2014/main" id="{F4022BD0-903F-5244-82AC-A81C9E5EE38D}"/>
                 </a:ext>
               </a:extLst>
             </p:cNvPr>
@@ -23633,7 +23633,7 @@
             <p:cNvPr id="150" name="正方形/長方形 149">
               <a:extLst>
                 <a:ext uri="{FF2B5EF4-FFF2-40B4-BE49-F238E27FC236}">
-                  <a16:creationId xmlns:a16="http://schemas.microsoft.com/office/drawing/2014/main" xmlns="" id="{2556500F-EBFF-D648-9B34-041289827C7A}"/>
+                  <a16:creationId xmlns="" xmlns:a16="http://schemas.microsoft.com/office/drawing/2014/main" id="{2556500F-EBFF-D648-9B34-041289827C7A}"/>
                 </a:ext>
               </a:extLst>
             </p:cNvPr>
@@ -23704,7 +23704,7 @@
             <p:cNvPr id="151" name="円/楕円 150">
               <a:extLst>
                 <a:ext uri="{FF2B5EF4-FFF2-40B4-BE49-F238E27FC236}">
-                  <a16:creationId xmlns:a16="http://schemas.microsoft.com/office/drawing/2014/main" xmlns="" id="{547E77C1-304C-4A44-BEED-C371866F42C3}"/>
+                  <a16:creationId xmlns="" xmlns:a16="http://schemas.microsoft.com/office/drawing/2014/main" id="{547E77C1-304C-4A44-BEED-C371866F42C3}"/>
                 </a:ext>
               </a:extLst>
             </p:cNvPr>
@@ -23765,7 +23765,7 @@
             <p:cNvPr id="152" name="円/楕円 151">
               <a:extLst>
                 <a:ext uri="{FF2B5EF4-FFF2-40B4-BE49-F238E27FC236}">
-                  <a16:creationId xmlns:a16="http://schemas.microsoft.com/office/drawing/2014/main" xmlns="" id="{CA4A2981-D90A-034B-AF8F-C708B2437F49}"/>
+                  <a16:creationId xmlns="" xmlns:a16="http://schemas.microsoft.com/office/drawing/2014/main" id="{CA4A2981-D90A-034B-AF8F-C708B2437F49}"/>
                 </a:ext>
               </a:extLst>
             </p:cNvPr>
@@ -23828,7 +23828,7 @@
             <p:cNvPr id="153" name="正方形/長方形 152">
               <a:extLst>
                 <a:ext uri="{FF2B5EF4-FFF2-40B4-BE49-F238E27FC236}">
-                  <a16:creationId xmlns:a16="http://schemas.microsoft.com/office/drawing/2014/main" xmlns="" id="{4CEF22F1-3D2C-9C4C-996A-82BB4C23B253}"/>
+                  <a16:creationId xmlns="" xmlns:a16="http://schemas.microsoft.com/office/drawing/2014/main" id="{4CEF22F1-3D2C-9C4C-996A-82BB4C23B253}"/>
                 </a:ext>
               </a:extLst>
             </p:cNvPr>
@@ -23899,7 +23899,7 @@
             <p:cNvPr id="154" name="円/楕円 153">
               <a:extLst>
                 <a:ext uri="{FF2B5EF4-FFF2-40B4-BE49-F238E27FC236}">
-                  <a16:creationId xmlns:a16="http://schemas.microsoft.com/office/drawing/2014/main" xmlns="" id="{6A61F0DA-7E88-4E46-9B28-660D26478F22}"/>
+                  <a16:creationId xmlns="" xmlns:a16="http://schemas.microsoft.com/office/drawing/2014/main" id="{6A61F0DA-7E88-4E46-9B28-660D26478F22}"/>
                 </a:ext>
               </a:extLst>
             </p:cNvPr>
@@ -23960,7 +23960,7 @@
             <p:cNvPr id="155" name="円/楕円 154">
               <a:extLst>
                 <a:ext uri="{FF2B5EF4-FFF2-40B4-BE49-F238E27FC236}">
-                  <a16:creationId xmlns:a16="http://schemas.microsoft.com/office/drawing/2014/main" xmlns="" id="{C250285D-C058-DB4D-B1C4-EFEDBDF153A2}"/>
+                  <a16:creationId xmlns="" xmlns:a16="http://schemas.microsoft.com/office/drawing/2014/main" id="{C250285D-C058-DB4D-B1C4-EFEDBDF153A2}"/>
                 </a:ext>
               </a:extLst>
             </p:cNvPr>
@@ -24023,7 +24023,7 @@
             <p:cNvPr id="156" name="正方形/長方形 155">
               <a:extLst>
                 <a:ext uri="{FF2B5EF4-FFF2-40B4-BE49-F238E27FC236}">
-                  <a16:creationId xmlns:a16="http://schemas.microsoft.com/office/drawing/2014/main" xmlns="" id="{0A3C2AD2-BB32-A44F-8DE8-B8720A355E48}"/>
+                  <a16:creationId xmlns="" xmlns:a16="http://schemas.microsoft.com/office/drawing/2014/main" id="{0A3C2AD2-BB32-A44F-8DE8-B8720A355E48}"/>
                 </a:ext>
               </a:extLst>
             </p:cNvPr>
@@ -24094,7 +24094,7 @@
             <p:cNvPr id="157" name="円/楕円 156">
               <a:extLst>
                 <a:ext uri="{FF2B5EF4-FFF2-40B4-BE49-F238E27FC236}">
-                  <a16:creationId xmlns:a16="http://schemas.microsoft.com/office/drawing/2014/main" xmlns="" id="{73D8A404-7D1B-C64F-ADCC-342B28B69294}"/>
+                  <a16:creationId xmlns="" xmlns:a16="http://schemas.microsoft.com/office/drawing/2014/main" id="{73D8A404-7D1B-C64F-ADCC-342B28B69294}"/>
                 </a:ext>
               </a:extLst>
             </p:cNvPr>
@@ -24155,7 +24155,7 @@
             <p:cNvPr id="158" name="円/楕円 157">
               <a:extLst>
                 <a:ext uri="{FF2B5EF4-FFF2-40B4-BE49-F238E27FC236}">
-                  <a16:creationId xmlns:a16="http://schemas.microsoft.com/office/drawing/2014/main" xmlns="" id="{CCE602D6-0B1C-B246-B79A-13D681989C71}"/>
+                  <a16:creationId xmlns="" xmlns:a16="http://schemas.microsoft.com/office/drawing/2014/main" id="{CCE602D6-0B1C-B246-B79A-13D681989C71}"/>
                 </a:ext>
               </a:extLst>
             </p:cNvPr>
@@ -24218,7 +24218,7 @@
             <p:cNvPr id="159" name="円/楕円 158">
               <a:extLst>
                 <a:ext uri="{FF2B5EF4-FFF2-40B4-BE49-F238E27FC236}">
-                  <a16:creationId xmlns:a16="http://schemas.microsoft.com/office/drawing/2014/main" xmlns="" id="{78DB2958-70F1-294A-829F-7199A4259F3F}"/>
+                  <a16:creationId xmlns="" xmlns:a16="http://schemas.microsoft.com/office/drawing/2014/main" id="{78DB2958-70F1-294A-829F-7199A4259F3F}"/>
                 </a:ext>
               </a:extLst>
             </p:cNvPr>
@@ -24281,7 +24281,7 @@
             <p:cNvPr id="160" name="円/楕円 159">
               <a:extLst>
                 <a:ext uri="{FF2B5EF4-FFF2-40B4-BE49-F238E27FC236}">
-                  <a16:creationId xmlns:a16="http://schemas.microsoft.com/office/drawing/2014/main" xmlns="" id="{A9333243-3622-A44A-A67C-6AEA09296F22}"/>
+                  <a16:creationId xmlns="" xmlns:a16="http://schemas.microsoft.com/office/drawing/2014/main" id="{A9333243-3622-A44A-A67C-6AEA09296F22}"/>
                 </a:ext>
               </a:extLst>
             </p:cNvPr>
@@ -24344,7 +24344,7 @@
             <p:cNvPr id="161" name="円/楕円 160">
               <a:extLst>
                 <a:ext uri="{FF2B5EF4-FFF2-40B4-BE49-F238E27FC236}">
-                  <a16:creationId xmlns:a16="http://schemas.microsoft.com/office/drawing/2014/main" xmlns="" id="{580D4848-9EB5-834F-A9B0-489A43754148}"/>
+                  <a16:creationId xmlns="" xmlns:a16="http://schemas.microsoft.com/office/drawing/2014/main" id="{580D4848-9EB5-834F-A9B0-489A43754148}"/>
                 </a:ext>
               </a:extLst>
             </p:cNvPr>
@@ -24407,7 +24407,7 @@
             <p:cNvPr id="162" name="円/楕円 161">
               <a:extLst>
                 <a:ext uri="{FF2B5EF4-FFF2-40B4-BE49-F238E27FC236}">
-                  <a16:creationId xmlns:a16="http://schemas.microsoft.com/office/drawing/2014/main" xmlns="" id="{2EF79D9C-DDFD-7342-BAEF-6E2D0FDDF816}"/>
+                  <a16:creationId xmlns="" xmlns:a16="http://schemas.microsoft.com/office/drawing/2014/main" id="{2EF79D9C-DDFD-7342-BAEF-6E2D0FDDF816}"/>
                 </a:ext>
               </a:extLst>
             </p:cNvPr>
@@ -24470,7 +24470,7 @@
             <p:cNvPr id="163" name="円/楕円 162">
               <a:extLst>
                 <a:ext uri="{FF2B5EF4-FFF2-40B4-BE49-F238E27FC236}">
-                  <a16:creationId xmlns:a16="http://schemas.microsoft.com/office/drawing/2014/main" xmlns="" id="{B4BE831F-DFEF-C64A-8BD4-C49FA2484A6F}"/>
+                  <a16:creationId xmlns="" xmlns:a16="http://schemas.microsoft.com/office/drawing/2014/main" id="{B4BE831F-DFEF-C64A-8BD4-C49FA2484A6F}"/>
                 </a:ext>
               </a:extLst>
             </p:cNvPr>
@@ -24534,7 +24534,7 @@
           <p:cNvPr id="172" name="グループ化 171">
             <a:extLst>
               <a:ext uri="{FF2B5EF4-FFF2-40B4-BE49-F238E27FC236}">
-                <a16:creationId xmlns:a16="http://schemas.microsoft.com/office/drawing/2014/main" xmlns="" id="{663C26FD-CE98-8C47-880C-7A8CD98C29A7}"/>
+                <a16:creationId xmlns="" xmlns:a16="http://schemas.microsoft.com/office/drawing/2014/main" id="{663C26FD-CE98-8C47-880C-7A8CD98C29A7}"/>
               </a:ext>
             </a:extLst>
           </p:cNvPr>
@@ -24554,7 +24554,7 @@
             <p:cNvPr id="59" name="円柱 58">
               <a:extLst>
                 <a:ext uri="{FF2B5EF4-FFF2-40B4-BE49-F238E27FC236}">
-                  <a16:creationId xmlns:a16="http://schemas.microsoft.com/office/drawing/2014/main" xmlns="" id="{32C0B371-FB11-4F47-B221-FB7556EBAFD6}"/>
+                  <a16:creationId xmlns="" xmlns:a16="http://schemas.microsoft.com/office/drawing/2014/main" id="{32C0B371-FB11-4F47-B221-FB7556EBAFD6}"/>
                 </a:ext>
               </a:extLst>
             </p:cNvPr>
@@ -24617,7 +24617,7 @@
             <p:cNvPr id="164" name="円柱 163">
               <a:extLst>
                 <a:ext uri="{FF2B5EF4-FFF2-40B4-BE49-F238E27FC236}">
-                  <a16:creationId xmlns:a16="http://schemas.microsoft.com/office/drawing/2014/main" xmlns="" id="{560CA088-3A90-8243-9B0D-07011E8753AE}"/>
+                  <a16:creationId xmlns="" xmlns:a16="http://schemas.microsoft.com/office/drawing/2014/main" id="{560CA088-3A90-8243-9B0D-07011E8753AE}"/>
                 </a:ext>
               </a:extLst>
             </p:cNvPr>
@@ -24680,7 +24680,7 @@
             <p:cNvPr id="165" name="円柱 164">
               <a:extLst>
                 <a:ext uri="{FF2B5EF4-FFF2-40B4-BE49-F238E27FC236}">
-                  <a16:creationId xmlns:a16="http://schemas.microsoft.com/office/drawing/2014/main" xmlns="" id="{FCB09909-68BF-5049-9AEC-FDB623C6FD07}"/>
+                  <a16:creationId xmlns="" xmlns:a16="http://schemas.microsoft.com/office/drawing/2014/main" id="{FCB09909-68BF-5049-9AEC-FDB623C6FD07}"/>
                 </a:ext>
               </a:extLst>
             </p:cNvPr>
@@ -24743,7 +24743,7 @@
             <p:cNvPr id="166" name="円柱 165">
               <a:extLst>
                 <a:ext uri="{FF2B5EF4-FFF2-40B4-BE49-F238E27FC236}">
-                  <a16:creationId xmlns:a16="http://schemas.microsoft.com/office/drawing/2014/main" xmlns="" id="{C3A5158C-5ECA-E043-888B-CF6E776C10B2}"/>
+                  <a16:creationId xmlns="" xmlns:a16="http://schemas.microsoft.com/office/drawing/2014/main" id="{C3A5158C-5ECA-E043-888B-CF6E776C10B2}"/>
                 </a:ext>
               </a:extLst>
             </p:cNvPr>
@@ -24807,7 +24807,7 @@
           <p:cNvPr id="174" name="正方形/長方形 173">
             <a:extLst>
               <a:ext uri="{FF2B5EF4-FFF2-40B4-BE49-F238E27FC236}">
-                <a16:creationId xmlns:a16="http://schemas.microsoft.com/office/drawing/2014/main" xmlns="" id="{847BEF8D-07C6-764A-AA8D-4F623FAB2F3B}"/>
+                <a16:creationId xmlns="" xmlns:a16="http://schemas.microsoft.com/office/drawing/2014/main" id="{847BEF8D-07C6-764A-AA8D-4F623FAB2F3B}"/>
               </a:ext>
             </a:extLst>
           </p:cNvPr>
@@ -24862,7 +24862,7 @@
           <p:cNvPr id="177" name="直方体 176">
             <a:extLst>
               <a:ext uri="{FF2B5EF4-FFF2-40B4-BE49-F238E27FC236}">
-                <a16:creationId xmlns:a16="http://schemas.microsoft.com/office/drawing/2014/main" xmlns="" id="{E6FAE80A-5AA6-4C43-BDC4-09B6C2064A1A}"/>
+                <a16:creationId xmlns="" xmlns:a16="http://schemas.microsoft.com/office/drawing/2014/main" id="{E6FAE80A-5AA6-4C43-BDC4-09B6C2064A1A}"/>
               </a:ext>
             </a:extLst>
           </p:cNvPr>
@@ -24927,7 +24927,7 @@
           <p:cNvPr id="178" name="正方形/長方形 177">
             <a:extLst>
               <a:ext uri="{FF2B5EF4-FFF2-40B4-BE49-F238E27FC236}">
-                <a16:creationId xmlns:a16="http://schemas.microsoft.com/office/drawing/2014/main" xmlns="" id="{74C51D47-C9C1-124A-9424-7907687AF5C2}"/>
+                <a16:creationId xmlns="" xmlns:a16="http://schemas.microsoft.com/office/drawing/2014/main" id="{74C51D47-C9C1-124A-9424-7907687AF5C2}"/>
               </a:ext>
             </a:extLst>
           </p:cNvPr>
@@ -25000,7 +25000,7 @@
           <p:cNvPr id="179" name="スマイル 178">
             <a:extLst>
               <a:ext uri="{FF2B5EF4-FFF2-40B4-BE49-F238E27FC236}">
-                <a16:creationId xmlns:a16="http://schemas.microsoft.com/office/drawing/2014/main" xmlns="" id="{A4D934E4-35B8-924E-A2FE-F1DA42DEA486}"/>
+                <a16:creationId xmlns="" xmlns:a16="http://schemas.microsoft.com/office/drawing/2014/main" id="{A4D934E4-35B8-924E-A2FE-F1DA42DEA486}"/>
               </a:ext>
             </a:extLst>
           </p:cNvPr>
@@ -25066,7 +25066,7 @@
           <p:cNvPr id="180" name="正方形/長方形 179">
             <a:extLst>
               <a:ext uri="{FF2B5EF4-FFF2-40B4-BE49-F238E27FC236}">
-                <a16:creationId xmlns:a16="http://schemas.microsoft.com/office/drawing/2014/main" xmlns="" id="{656EF5C8-B6BD-6E40-9929-9B6027BACD07}"/>
+                <a16:creationId xmlns="" xmlns:a16="http://schemas.microsoft.com/office/drawing/2014/main" id="{656EF5C8-B6BD-6E40-9929-9B6027BACD07}"/>
               </a:ext>
             </a:extLst>
           </p:cNvPr>
@@ -25136,7 +25136,7 @@
           <p:cNvPr id="181" name="スマイル 180">
             <a:extLst>
               <a:ext uri="{FF2B5EF4-FFF2-40B4-BE49-F238E27FC236}">
-                <a16:creationId xmlns:a16="http://schemas.microsoft.com/office/drawing/2014/main" xmlns="" id="{4E30AD36-02C8-D248-9F07-9CC7A9B60679}"/>
+                <a16:creationId xmlns="" xmlns:a16="http://schemas.microsoft.com/office/drawing/2014/main" id="{4E30AD36-02C8-D248-9F07-9CC7A9B60679}"/>
               </a:ext>
             </a:extLst>
           </p:cNvPr>
@@ -25202,7 +25202,7 @@
           <p:cNvPr id="182" name="正方形/長方形 181">
             <a:extLst>
               <a:ext uri="{FF2B5EF4-FFF2-40B4-BE49-F238E27FC236}">
-                <a16:creationId xmlns:a16="http://schemas.microsoft.com/office/drawing/2014/main" xmlns="" id="{5CFFDD21-7249-134D-9CA0-7C596189025C}"/>
+                <a16:creationId xmlns="" xmlns:a16="http://schemas.microsoft.com/office/drawing/2014/main" id="{5CFFDD21-7249-134D-9CA0-7C596189025C}"/>
               </a:ext>
             </a:extLst>
           </p:cNvPr>
@@ -25280,7 +25280,7 @@
           <p:cNvPr id="194" name="グループ化 193">
             <a:extLst>
               <a:ext uri="{FF2B5EF4-FFF2-40B4-BE49-F238E27FC236}">
-                <a16:creationId xmlns:a16="http://schemas.microsoft.com/office/drawing/2014/main" xmlns="" id="{C4A4D23D-29E8-9640-B664-F7E2128F9833}"/>
+                <a16:creationId xmlns="" xmlns:a16="http://schemas.microsoft.com/office/drawing/2014/main" id="{C4A4D23D-29E8-9640-B664-F7E2128F9833}"/>
               </a:ext>
             </a:extLst>
           </p:cNvPr>
@@ -25300,7 +25300,7 @@
             <p:cNvPr id="187" name="正方形/長方形 186">
               <a:extLst>
                 <a:ext uri="{FF2B5EF4-FFF2-40B4-BE49-F238E27FC236}">
-                  <a16:creationId xmlns:a16="http://schemas.microsoft.com/office/drawing/2014/main" xmlns="" id="{8132EC50-7F3F-C74E-9717-BCC7032C1811}"/>
+                  <a16:creationId xmlns="" xmlns:a16="http://schemas.microsoft.com/office/drawing/2014/main" id="{8132EC50-7F3F-C74E-9717-BCC7032C1811}"/>
                 </a:ext>
               </a:extLst>
             </p:cNvPr>
@@ -25362,7 +25362,7 @@
             <p:cNvPr id="193" name="グループ化 192">
               <a:extLst>
                 <a:ext uri="{FF2B5EF4-FFF2-40B4-BE49-F238E27FC236}">
-                  <a16:creationId xmlns:a16="http://schemas.microsoft.com/office/drawing/2014/main" xmlns="" id="{911AC093-DD57-BA4B-A5A3-273FE0D4BFBD}"/>
+                  <a16:creationId xmlns="" xmlns:a16="http://schemas.microsoft.com/office/drawing/2014/main" id="{911AC093-DD57-BA4B-A5A3-273FE0D4BFBD}"/>
                 </a:ext>
               </a:extLst>
             </p:cNvPr>
@@ -25382,7 +25382,7 @@
               <p:cNvPr id="184" name="円/楕円 183">
                 <a:extLst>
                   <a:ext uri="{FF2B5EF4-FFF2-40B4-BE49-F238E27FC236}">
-                    <a16:creationId xmlns:a16="http://schemas.microsoft.com/office/drawing/2014/main" xmlns="" id="{834EF205-064A-6642-865A-4C186129DF3A}"/>
+                    <a16:creationId xmlns="" xmlns:a16="http://schemas.microsoft.com/office/drawing/2014/main" id="{834EF205-064A-6642-865A-4C186129DF3A}"/>
                   </a:ext>
                 </a:extLst>
               </p:cNvPr>
@@ -25433,7 +25433,7 @@
               <p:cNvPr id="186" name="星 7 185">
                 <a:extLst>
                   <a:ext uri="{FF2B5EF4-FFF2-40B4-BE49-F238E27FC236}">
-                    <a16:creationId xmlns:a16="http://schemas.microsoft.com/office/drawing/2014/main" xmlns="" id="{EECD328D-6FC7-AD4D-8192-C2EE1A2BF4F8}"/>
+                    <a16:creationId xmlns="" xmlns:a16="http://schemas.microsoft.com/office/drawing/2014/main" id="{EECD328D-6FC7-AD4D-8192-C2EE1A2BF4F8}"/>
                   </a:ext>
                 </a:extLst>
               </p:cNvPr>
@@ -25498,7 +25498,7 @@
               <p:cNvPr id="189" name="直線コネクタ 188">
                 <a:extLst>
                   <a:ext uri="{FF2B5EF4-FFF2-40B4-BE49-F238E27FC236}">
-                    <a16:creationId xmlns:a16="http://schemas.microsoft.com/office/drawing/2014/main" xmlns="" id="{C4C513DF-7254-8D48-B76B-CAFE86DA4009}"/>
+                    <a16:creationId xmlns="" xmlns:a16="http://schemas.microsoft.com/office/drawing/2014/main" id="{C4C513DF-7254-8D48-B76B-CAFE86DA4009}"/>
                   </a:ext>
                 </a:extLst>
               </p:cNvPr>
@@ -25537,7 +25537,7 @@
               <p:cNvPr id="191" name="直線コネクタ 190">
                 <a:extLst>
                   <a:ext uri="{FF2B5EF4-FFF2-40B4-BE49-F238E27FC236}">
-                    <a16:creationId xmlns:a16="http://schemas.microsoft.com/office/drawing/2014/main" xmlns="" id="{CA9F8938-FEDC-A64E-9B93-01E49F17EF7D}"/>
+                    <a16:creationId xmlns="" xmlns:a16="http://schemas.microsoft.com/office/drawing/2014/main" id="{CA9F8938-FEDC-A64E-9B93-01E49F17EF7D}"/>
                   </a:ext>
                 </a:extLst>
               </p:cNvPr>
@@ -25578,7 +25578,7 @@
           <p:cNvPr id="202" name="グループ化 201">
             <a:extLst>
               <a:ext uri="{FF2B5EF4-FFF2-40B4-BE49-F238E27FC236}">
-                <a16:creationId xmlns:a16="http://schemas.microsoft.com/office/drawing/2014/main" xmlns="" id="{19955324-E8F0-8E4A-A841-60BDF8D22E31}"/>
+                <a16:creationId xmlns="" xmlns:a16="http://schemas.microsoft.com/office/drawing/2014/main" id="{19955324-E8F0-8E4A-A841-60BDF8D22E31}"/>
               </a:ext>
             </a:extLst>
           </p:cNvPr>
@@ -25598,7 +25598,7 @@
             <p:cNvPr id="196" name="正方形/長方形 195">
               <a:extLst>
                 <a:ext uri="{FF2B5EF4-FFF2-40B4-BE49-F238E27FC236}">
-                  <a16:creationId xmlns:a16="http://schemas.microsoft.com/office/drawing/2014/main" xmlns="" id="{EEEA3E9D-5672-754C-B025-C6F58EEDC1D1}"/>
+                  <a16:creationId xmlns="" xmlns:a16="http://schemas.microsoft.com/office/drawing/2014/main" id="{EEEA3E9D-5672-754C-B025-C6F58EEDC1D1}"/>
                 </a:ext>
               </a:extLst>
             </p:cNvPr>
@@ -25660,7 +25660,7 @@
             <p:cNvPr id="198" name="円/楕円 197">
               <a:extLst>
                 <a:ext uri="{FF2B5EF4-FFF2-40B4-BE49-F238E27FC236}">
-                  <a16:creationId xmlns:a16="http://schemas.microsoft.com/office/drawing/2014/main" xmlns="" id="{ABD107B4-4E93-A641-BF0F-FD20584F8755}"/>
+                  <a16:creationId xmlns="" xmlns:a16="http://schemas.microsoft.com/office/drawing/2014/main" id="{ABD107B4-4E93-A641-BF0F-FD20584F8755}"/>
                 </a:ext>
               </a:extLst>
             </p:cNvPr>
@@ -25718,7 +25718,7 @@
             <p:cNvPr id="199" name="星 7 198">
               <a:extLst>
                 <a:ext uri="{FF2B5EF4-FFF2-40B4-BE49-F238E27FC236}">
-                  <a16:creationId xmlns:a16="http://schemas.microsoft.com/office/drawing/2014/main" xmlns="" id="{6FFDA904-DC4A-BF46-A370-C2D03E277AFD}"/>
+                  <a16:creationId xmlns="" xmlns:a16="http://schemas.microsoft.com/office/drawing/2014/main" id="{6FFDA904-DC4A-BF46-A370-C2D03E277AFD}"/>
                 </a:ext>
               </a:extLst>
             </p:cNvPr>
@@ -25785,7 +25785,7 @@
             <p:cNvPr id="200" name="直線コネクタ 199">
               <a:extLst>
                 <a:ext uri="{FF2B5EF4-FFF2-40B4-BE49-F238E27FC236}">
-                  <a16:creationId xmlns:a16="http://schemas.microsoft.com/office/drawing/2014/main" xmlns="" id="{34CAA238-56BF-1048-BD00-D3F41F132014}"/>
+                  <a16:creationId xmlns="" xmlns:a16="http://schemas.microsoft.com/office/drawing/2014/main" id="{34CAA238-56BF-1048-BD00-D3F41F132014}"/>
                 </a:ext>
               </a:extLst>
             </p:cNvPr>
@@ -25829,7 +25829,7 @@
             <p:cNvPr id="201" name="直線コネクタ 200">
               <a:extLst>
                 <a:ext uri="{FF2B5EF4-FFF2-40B4-BE49-F238E27FC236}">
-                  <a16:creationId xmlns:a16="http://schemas.microsoft.com/office/drawing/2014/main" xmlns="" id="{C783B02F-890C-DA47-AA9B-FDA8683B5831}"/>
+                  <a16:creationId xmlns="" xmlns:a16="http://schemas.microsoft.com/office/drawing/2014/main" id="{C783B02F-890C-DA47-AA9B-FDA8683B5831}"/>
                 </a:ext>
               </a:extLst>
             </p:cNvPr>
@@ -25874,7 +25874,7 @@
           <p:cNvPr id="204" name="正方形/長方形 203">
             <a:extLst>
               <a:ext uri="{FF2B5EF4-FFF2-40B4-BE49-F238E27FC236}">
-                <a16:creationId xmlns:a16="http://schemas.microsoft.com/office/drawing/2014/main" xmlns="" id="{0FF69720-A931-AD48-BE0A-1AD07AC7F298}"/>
+                <a16:creationId xmlns="" xmlns:a16="http://schemas.microsoft.com/office/drawing/2014/main" id="{0FF69720-A931-AD48-BE0A-1AD07AC7F298}"/>
               </a:ext>
             </a:extLst>
           </p:cNvPr>
@@ -25931,7 +25931,7 @@
           <p:cNvPr id="205" name="正方形/長方形 204">
             <a:extLst>
               <a:ext uri="{FF2B5EF4-FFF2-40B4-BE49-F238E27FC236}">
-                <a16:creationId xmlns:a16="http://schemas.microsoft.com/office/drawing/2014/main" xmlns="" id="{9210A4B2-0202-D943-862B-74FD6C4EF43F}"/>
+                <a16:creationId xmlns="" xmlns:a16="http://schemas.microsoft.com/office/drawing/2014/main" id="{9210A4B2-0202-D943-862B-74FD6C4EF43F}"/>
               </a:ext>
             </a:extLst>
           </p:cNvPr>
@@ -25988,7 +25988,7 @@
           <p:cNvPr id="206" name="正方形/長方形 205">
             <a:extLst>
               <a:ext uri="{FF2B5EF4-FFF2-40B4-BE49-F238E27FC236}">
-                <a16:creationId xmlns:a16="http://schemas.microsoft.com/office/drawing/2014/main" xmlns="" id="{78CBF6E0-D10A-5C48-B6AA-368DEE2FBF31}"/>
+                <a16:creationId xmlns="" xmlns:a16="http://schemas.microsoft.com/office/drawing/2014/main" id="{78CBF6E0-D10A-5C48-B6AA-368DEE2FBF31}"/>
               </a:ext>
             </a:extLst>
           </p:cNvPr>
@@ -26045,7 +26045,7 @@
           <p:cNvPr id="207" name="正方形/長方形 206">
             <a:extLst>
               <a:ext uri="{FF2B5EF4-FFF2-40B4-BE49-F238E27FC236}">
-                <a16:creationId xmlns:a16="http://schemas.microsoft.com/office/drawing/2014/main" xmlns="" id="{55387B46-D31F-3C45-A8AB-620D59E7A0D0}"/>
+                <a16:creationId xmlns="" xmlns:a16="http://schemas.microsoft.com/office/drawing/2014/main" id="{55387B46-D31F-3C45-A8AB-620D59E7A0D0}"/>
               </a:ext>
             </a:extLst>
           </p:cNvPr>
@@ -26110,7 +26110,7 @@
           <p:cNvPr id="208" name="正方形/長方形 207">
             <a:extLst>
               <a:ext uri="{FF2B5EF4-FFF2-40B4-BE49-F238E27FC236}">
-                <a16:creationId xmlns:a16="http://schemas.microsoft.com/office/drawing/2014/main" xmlns="" id="{C14B7F6C-70B1-C44E-A2C0-DD1655E23599}"/>
+                <a16:creationId xmlns="" xmlns:a16="http://schemas.microsoft.com/office/drawing/2014/main" id="{C14B7F6C-70B1-C44E-A2C0-DD1655E23599}"/>
               </a:ext>
             </a:extLst>
           </p:cNvPr>
@@ -26172,7 +26172,7 @@
           <p:cNvPr id="209" name="正方形/長方形 208">
             <a:extLst>
               <a:ext uri="{FF2B5EF4-FFF2-40B4-BE49-F238E27FC236}">
-                <a16:creationId xmlns:a16="http://schemas.microsoft.com/office/drawing/2014/main" xmlns="" id="{D4D4802C-2A8F-4542-8EFF-A933EE65CC02}"/>
+                <a16:creationId xmlns="" xmlns:a16="http://schemas.microsoft.com/office/drawing/2014/main" id="{D4D4802C-2A8F-4542-8EFF-A933EE65CC02}"/>
               </a:ext>
             </a:extLst>
           </p:cNvPr>
@@ -26234,7 +26234,7 @@
           <p:cNvPr id="167" name="正方形/長方形 166">
             <a:extLst>
               <a:ext uri="{FF2B5EF4-FFF2-40B4-BE49-F238E27FC236}">
-                <a16:creationId xmlns:a16="http://schemas.microsoft.com/office/drawing/2014/main" xmlns="" id="{E165A1A7-388F-F843-8DB0-8FDB37FA68C9}"/>
+                <a16:creationId xmlns="" xmlns:a16="http://schemas.microsoft.com/office/drawing/2014/main" id="{E165A1A7-388F-F843-8DB0-8FDB37FA68C9}"/>
               </a:ext>
             </a:extLst>
           </p:cNvPr>
@@ -26299,7 +26299,7 @@
           <p:cNvPr id="169" name="正方形/長方形 168">
             <a:extLst>
               <a:ext uri="{FF2B5EF4-FFF2-40B4-BE49-F238E27FC236}">
-                <a16:creationId xmlns:a16="http://schemas.microsoft.com/office/drawing/2014/main" xmlns="" id="{E8A16788-4FE7-FE41-AB39-8EEB8547A3D0}"/>
+                <a16:creationId xmlns="" xmlns:a16="http://schemas.microsoft.com/office/drawing/2014/main" id="{E8A16788-4FE7-FE41-AB39-8EEB8547A3D0}"/>
               </a:ext>
             </a:extLst>
           </p:cNvPr>
@@ -26364,7 +26364,7 @@
           <p:cNvPr id="183" name="正方形/長方形 182">
             <a:extLst>
               <a:ext uri="{FF2B5EF4-FFF2-40B4-BE49-F238E27FC236}">
-                <a16:creationId xmlns:a16="http://schemas.microsoft.com/office/drawing/2014/main" xmlns="" id="{23C625FB-8F6E-F646-88B3-6DB8A8D189FC}"/>
+                <a16:creationId xmlns="" xmlns:a16="http://schemas.microsoft.com/office/drawing/2014/main" id="{23C625FB-8F6E-F646-88B3-6DB8A8D189FC}"/>
               </a:ext>
             </a:extLst>
           </p:cNvPr>
@@ -26456,7 +26456,7 @@
           <p:cNvPr id="2" name="タイトル 1">
             <a:extLst>
               <a:ext uri="{FF2B5EF4-FFF2-40B4-BE49-F238E27FC236}">
-                <a16:creationId xmlns:a16="http://schemas.microsoft.com/office/drawing/2014/main" xmlns="" id="{37B7E350-4F4E-A24E-8958-4CC4AB3B5872}"/>
+                <a16:creationId xmlns="" xmlns:a16="http://schemas.microsoft.com/office/drawing/2014/main" id="{37B7E350-4F4E-A24E-8958-4CC4AB3B5872}"/>
               </a:ext>
             </a:extLst>
           </p:cNvPr>
@@ -26536,7 +26536,7 @@
           <p:cNvPr id="4" name="正方形/長方形 3">
             <a:extLst>
               <a:ext uri="{FF2B5EF4-FFF2-40B4-BE49-F238E27FC236}">
-                <a16:creationId xmlns:a16="http://schemas.microsoft.com/office/drawing/2014/main" xmlns="" id="{A5BEF1B8-26B4-954D-9E23-608FB52D86D6}"/>
+                <a16:creationId xmlns="" xmlns:a16="http://schemas.microsoft.com/office/drawing/2014/main" id="{A5BEF1B8-26B4-954D-9E23-608FB52D86D6}"/>
               </a:ext>
             </a:extLst>
           </p:cNvPr>
@@ -26627,7 +26627,7 @@
           <p:cNvPr id="2" name="タイトル 1">
             <a:extLst>
               <a:ext uri="{FF2B5EF4-FFF2-40B4-BE49-F238E27FC236}">
-                <a16:creationId xmlns:a16="http://schemas.microsoft.com/office/drawing/2014/main" xmlns="" id="{37B7E350-4F4E-A24E-8958-4CC4AB3B5872}"/>
+                <a16:creationId xmlns="" xmlns:a16="http://schemas.microsoft.com/office/drawing/2014/main" id="{37B7E350-4F4E-A24E-8958-4CC4AB3B5872}"/>
               </a:ext>
             </a:extLst>
           </p:cNvPr>
@@ -26710,7 +26710,7 @@
           <p:cNvPr id="4" name="正方形/長方形 3">
             <a:extLst>
               <a:ext uri="{FF2B5EF4-FFF2-40B4-BE49-F238E27FC236}">
-                <a16:creationId xmlns:a16="http://schemas.microsoft.com/office/drawing/2014/main" xmlns="" id="{A5BEF1B8-26B4-954D-9E23-608FB52D86D6}"/>
+                <a16:creationId xmlns="" xmlns:a16="http://schemas.microsoft.com/office/drawing/2014/main" id="{A5BEF1B8-26B4-954D-9E23-608FB52D86D6}"/>
               </a:ext>
             </a:extLst>
           </p:cNvPr>
@@ -26801,7 +26801,7 @@
           <p:cNvPr id="12" name="直線コネクタ 11">
             <a:extLst>
               <a:ext uri="{FF2B5EF4-FFF2-40B4-BE49-F238E27FC236}">
-                <a16:creationId xmlns:a16="http://schemas.microsoft.com/office/drawing/2014/main" xmlns="" id="{5A4A64E8-5D1E-7244-9DD0-09862EF77525}"/>
+                <a16:creationId xmlns="" xmlns:a16="http://schemas.microsoft.com/office/drawing/2014/main" id="{5A4A64E8-5D1E-7244-9DD0-09862EF77525}"/>
               </a:ext>
             </a:extLst>
           </p:cNvPr>
@@ -26846,7 +26846,7 @@
           <p:cNvPr id="68" name="正方形/長方形 67">
             <a:extLst>
               <a:ext uri="{FF2B5EF4-FFF2-40B4-BE49-F238E27FC236}">
-                <a16:creationId xmlns:a16="http://schemas.microsoft.com/office/drawing/2014/main" xmlns="" id="{352CE438-4AF5-C841-B571-13EE86D45C3F}"/>
+                <a16:creationId xmlns="" xmlns:a16="http://schemas.microsoft.com/office/drawing/2014/main" id="{352CE438-4AF5-C841-B571-13EE86D45C3F}"/>
               </a:ext>
             </a:extLst>
           </p:cNvPr>
@@ -26923,7 +26923,7 @@
           <p:cNvPr id="112" name="グループ化 111">
             <a:extLst>
               <a:ext uri="{FF2B5EF4-FFF2-40B4-BE49-F238E27FC236}">
-                <a16:creationId xmlns:a16="http://schemas.microsoft.com/office/drawing/2014/main" xmlns="" id="{06BAE010-8C3A-B847-8207-12148B6CA988}"/>
+                <a16:creationId xmlns="" xmlns:a16="http://schemas.microsoft.com/office/drawing/2014/main" id="{06BAE010-8C3A-B847-8207-12148B6CA988}"/>
               </a:ext>
             </a:extLst>
           </p:cNvPr>
@@ -26943,7 +26943,7 @@
             <p:cNvPr id="25" name="正方形/長方形 24">
               <a:extLst>
                 <a:ext uri="{FF2B5EF4-FFF2-40B4-BE49-F238E27FC236}">
-                  <a16:creationId xmlns:a16="http://schemas.microsoft.com/office/drawing/2014/main" xmlns="" id="{ABC7FB96-33F9-5B4C-B205-11C2A68153C1}"/>
+                  <a16:creationId xmlns="" xmlns:a16="http://schemas.microsoft.com/office/drawing/2014/main" id="{ABC7FB96-33F9-5B4C-B205-11C2A68153C1}"/>
                 </a:ext>
               </a:extLst>
             </p:cNvPr>
@@ -27002,7 +27002,7 @@
             <p:cNvPr id="33" name="正方形/長方形 32">
               <a:extLst>
                 <a:ext uri="{FF2B5EF4-FFF2-40B4-BE49-F238E27FC236}">
-                  <a16:creationId xmlns:a16="http://schemas.microsoft.com/office/drawing/2014/main" xmlns="" id="{79F2556D-3BF4-0540-AF4B-51FC5A2CB234}"/>
+                  <a16:creationId xmlns="" xmlns:a16="http://schemas.microsoft.com/office/drawing/2014/main" id="{79F2556D-3BF4-0540-AF4B-51FC5A2CB234}"/>
                 </a:ext>
               </a:extLst>
             </p:cNvPr>
@@ -27058,7 +27058,7 @@
             <p:cNvPr id="18" name="グループ化 17">
               <a:extLst>
                 <a:ext uri="{FF2B5EF4-FFF2-40B4-BE49-F238E27FC236}">
-                  <a16:creationId xmlns:a16="http://schemas.microsoft.com/office/drawing/2014/main" xmlns="" id="{A19B65C5-22B9-CD48-9803-FDC51EA6206F}"/>
+                  <a16:creationId xmlns="" xmlns:a16="http://schemas.microsoft.com/office/drawing/2014/main" id="{A19B65C5-22B9-CD48-9803-FDC51EA6206F}"/>
                 </a:ext>
               </a:extLst>
             </p:cNvPr>
@@ -27081,7 +27081,7 @@
               <p:cNvPr id="14" name="円/楕円 13">
                 <a:extLst>
                   <a:ext uri="{FF2B5EF4-FFF2-40B4-BE49-F238E27FC236}">
-                    <a16:creationId xmlns:a16="http://schemas.microsoft.com/office/drawing/2014/main" xmlns="" id="{95BC6E65-A6A6-DA4F-89B6-318AFFF06831}"/>
+                    <a16:creationId xmlns="" xmlns:a16="http://schemas.microsoft.com/office/drawing/2014/main" id="{95BC6E65-A6A6-DA4F-89B6-318AFFF06831}"/>
                   </a:ext>
                 </a:extLst>
               </p:cNvPr>
@@ -27133,7 +27133,7 @@
               <p:cNvPr id="10" name="グループ化 9">
                 <a:extLst>
                   <a:ext uri="{FF2B5EF4-FFF2-40B4-BE49-F238E27FC236}">
-                    <a16:creationId xmlns:a16="http://schemas.microsoft.com/office/drawing/2014/main" xmlns="" id="{101C7940-1F2F-9B46-86F9-5B87F71BEC85}"/>
+                    <a16:creationId xmlns="" xmlns:a16="http://schemas.microsoft.com/office/drawing/2014/main" id="{101C7940-1F2F-9B46-86F9-5B87F71BEC85}"/>
                   </a:ext>
                 </a:extLst>
               </p:cNvPr>
@@ -27154,7 +27154,7 @@
                 <p:cNvPr id="5" name="円/楕円 4">
                   <a:extLst>
                     <a:ext uri="{FF2B5EF4-FFF2-40B4-BE49-F238E27FC236}">
-                      <a16:creationId xmlns:a16="http://schemas.microsoft.com/office/drawing/2014/main" xmlns="" id="{FC6F3BDA-439B-414C-B97A-9DD594111347}"/>
+                      <a16:creationId xmlns="" xmlns:a16="http://schemas.microsoft.com/office/drawing/2014/main" id="{FC6F3BDA-439B-414C-B97A-9DD594111347}"/>
                     </a:ext>
                   </a:extLst>
                 </p:cNvPr>
@@ -27206,7 +27206,7 @@
                 <p:cNvPr id="7" name="直線コネクタ 6">
                   <a:extLst>
                     <a:ext uri="{FF2B5EF4-FFF2-40B4-BE49-F238E27FC236}">
-                      <a16:creationId xmlns:a16="http://schemas.microsoft.com/office/drawing/2014/main" xmlns="" id="{A02EA583-404A-9E4B-A6B5-7EE81711ADFD}"/>
+                      <a16:creationId xmlns="" xmlns:a16="http://schemas.microsoft.com/office/drawing/2014/main" id="{A02EA583-404A-9E4B-A6B5-7EE81711ADFD}"/>
                     </a:ext>
                   </a:extLst>
                 </p:cNvPr>
@@ -27251,7 +27251,7 @@
                 <p:cNvPr id="9" name="直線コネクタ 8">
                   <a:extLst>
                     <a:ext uri="{FF2B5EF4-FFF2-40B4-BE49-F238E27FC236}">
-                      <a16:creationId xmlns:a16="http://schemas.microsoft.com/office/drawing/2014/main" xmlns="" id="{71EA019B-6F62-1647-B74E-7733CB3104E5}"/>
+                      <a16:creationId xmlns="" xmlns:a16="http://schemas.microsoft.com/office/drawing/2014/main" id="{71EA019B-6F62-1647-B74E-7733CB3104E5}"/>
                     </a:ext>
                   </a:extLst>
                 </p:cNvPr>
@@ -27298,7 +27298,7 @@
             <p:cNvPr id="20" name="片側の 2 つの角を切り取った四角形 19">
               <a:extLst>
                 <a:ext uri="{FF2B5EF4-FFF2-40B4-BE49-F238E27FC236}">
-                  <a16:creationId xmlns:a16="http://schemas.microsoft.com/office/drawing/2014/main" xmlns="" id="{994F6E10-0C0B-E74E-B5BF-07DA3D7A11CF}"/>
+                  <a16:creationId xmlns="" xmlns:a16="http://schemas.microsoft.com/office/drawing/2014/main" id="{994F6E10-0C0B-E74E-B5BF-07DA3D7A11CF}"/>
                 </a:ext>
               </a:extLst>
             </p:cNvPr>
@@ -27355,7 +27355,7 @@
             <p:cNvPr id="29" name="グループ化 28">
               <a:extLst>
                 <a:ext uri="{FF2B5EF4-FFF2-40B4-BE49-F238E27FC236}">
-                  <a16:creationId xmlns:a16="http://schemas.microsoft.com/office/drawing/2014/main" xmlns="" id="{11B7519D-3544-574E-AB7E-85005C12F179}"/>
+                  <a16:creationId xmlns="" xmlns:a16="http://schemas.microsoft.com/office/drawing/2014/main" id="{11B7519D-3544-574E-AB7E-85005C12F179}"/>
                 </a:ext>
               </a:extLst>
             </p:cNvPr>
@@ -27375,7 +27375,7 @@
               <p:cNvPr id="30" name="三角形 29">
                 <a:extLst>
                   <a:ext uri="{FF2B5EF4-FFF2-40B4-BE49-F238E27FC236}">
-                    <a16:creationId xmlns:a16="http://schemas.microsoft.com/office/drawing/2014/main" xmlns="" id="{1EC59E7F-8481-B448-B4D0-2EFB82D94EE8}"/>
+                    <a16:creationId xmlns="" xmlns:a16="http://schemas.microsoft.com/office/drawing/2014/main" id="{1EC59E7F-8481-B448-B4D0-2EFB82D94EE8}"/>
                   </a:ext>
                 </a:extLst>
               </p:cNvPr>
@@ -27424,7 +27424,7 @@
               <p:cNvPr id="31" name="円/楕円 30">
                 <a:extLst>
                   <a:ext uri="{FF2B5EF4-FFF2-40B4-BE49-F238E27FC236}">
-                    <a16:creationId xmlns:a16="http://schemas.microsoft.com/office/drawing/2014/main" xmlns="" id="{FA9B417D-32DE-D549-9368-AD00CDC881B6}"/>
+                    <a16:creationId xmlns="" xmlns:a16="http://schemas.microsoft.com/office/drawing/2014/main" id="{FA9B417D-32DE-D549-9368-AD00CDC881B6}"/>
                   </a:ext>
                 </a:extLst>
               </p:cNvPr>
@@ -27471,7 +27471,7 @@
             <p:cNvPr id="38" name="グループ化 37">
               <a:extLst>
                 <a:ext uri="{FF2B5EF4-FFF2-40B4-BE49-F238E27FC236}">
-                  <a16:creationId xmlns:a16="http://schemas.microsoft.com/office/drawing/2014/main" xmlns="" id="{AB0C279A-ECDD-B44B-9384-4375A465EB70}"/>
+                  <a16:creationId xmlns="" xmlns:a16="http://schemas.microsoft.com/office/drawing/2014/main" id="{AB0C279A-ECDD-B44B-9384-4375A465EB70}"/>
                 </a:ext>
               </a:extLst>
             </p:cNvPr>
@@ -27497,7 +27497,7 @@
               <p:cNvPr id="17" name="円/楕円 16">
                 <a:extLst>
                   <a:ext uri="{FF2B5EF4-FFF2-40B4-BE49-F238E27FC236}">
-                    <a16:creationId xmlns:a16="http://schemas.microsoft.com/office/drawing/2014/main" xmlns="" id="{C16068F6-A4D1-EC4B-90FC-8043BEBD199F}"/>
+                    <a16:creationId xmlns="" xmlns:a16="http://schemas.microsoft.com/office/drawing/2014/main" id="{C16068F6-A4D1-EC4B-90FC-8043BEBD199F}"/>
                   </a:ext>
                 </a:extLst>
               </p:cNvPr>
@@ -27549,7 +27549,7 @@
               <p:cNvPr id="35" name="直線コネクタ 34">
                 <a:extLst>
                   <a:ext uri="{FF2B5EF4-FFF2-40B4-BE49-F238E27FC236}">
-                    <a16:creationId xmlns:a16="http://schemas.microsoft.com/office/drawing/2014/main" xmlns="" id="{47055E78-8374-0342-8953-D075EBACBCB5}"/>
+                    <a16:creationId xmlns="" xmlns:a16="http://schemas.microsoft.com/office/drawing/2014/main" id="{47055E78-8374-0342-8953-D075EBACBCB5}"/>
                   </a:ext>
                 </a:extLst>
               </p:cNvPr>
@@ -27594,7 +27594,7 @@
               <p:cNvPr id="37" name="直線コネクタ 36">
                 <a:extLst>
                   <a:ext uri="{FF2B5EF4-FFF2-40B4-BE49-F238E27FC236}">
-                    <a16:creationId xmlns:a16="http://schemas.microsoft.com/office/drawing/2014/main" xmlns="" id="{E20BA8D3-03D0-C64F-97AC-A90F2A6FFD64}"/>
+                    <a16:creationId xmlns="" xmlns:a16="http://schemas.microsoft.com/office/drawing/2014/main" id="{E20BA8D3-03D0-C64F-97AC-A90F2A6FFD64}"/>
                   </a:ext>
                 </a:extLst>
               </p:cNvPr>
@@ -27639,7 +27639,7 @@
             <p:cNvPr id="32" name="L 字 31">
               <a:extLst>
                 <a:ext uri="{FF2B5EF4-FFF2-40B4-BE49-F238E27FC236}">
-                  <a16:creationId xmlns:a16="http://schemas.microsoft.com/office/drawing/2014/main" xmlns="" id="{32488DE0-CAB9-6746-9A76-087E0ACBFD80}"/>
+                  <a16:creationId xmlns="" xmlns:a16="http://schemas.microsoft.com/office/drawing/2014/main" id="{32488DE0-CAB9-6746-9A76-087E0ACBFD80}"/>
                 </a:ext>
               </a:extLst>
             </p:cNvPr>
@@ -27699,7 +27699,7 @@
             <p:cNvPr id="39" name="片側の 2 つの角を切り取った四角形 38">
               <a:extLst>
                 <a:ext uri="{FF2B5EF4-FFF2-40B4-BE49-F238E27FC236}">
-                  <a16:creationId xmlns:a16="http://schemas.microsoft.com/office/drawing/2014/main" xmlns="" id="{2DCE4FBB-E173-FC4E-A6E6-B9ACDE105EC8}"/>
+                  <a16:creationId xmlns="" xmlns:a16="http://schemas.microsoft.com/office/drawing/2014/main" id="{2DCE4FBB-E173-FC4E-A6E6-B9ACDE105EC8}"/>
                 </a:ext>
               </a:extLst>
             </p:cNvPr>
@@ -27753,7 +27753,7 @@
             <p:cNvPr id="43" name="グループ化 42">
               <a:extLst>
                 <a:ext uri="{FF2B5EF4-FFF2-40B4-BE49-F238E27FC236}">
-                  <a16:creationId xmlns:a16="http://schemas.microsoft.com/office/drawing/2014/main" xmlns="" id="{F79545D0-B85D-4A45-B41F-BE495556F9AB}"/>
+                  <a16:creationId xmlns="" xmlns:a16="http://schemas.microsoft.com/office/drawing/2014/main" id="{F79545D0-B85D-4A45-B41F-BE495556F9AB}"/>
                 </a:ext>
               </a:extLst>
             </p:cNvPr>
@@ -27773,7 +27773,7 @@
               <p:cNvPr id="40" name="円弧 39">
                 <a:extLst>
                   <a:ext uri="{FF2B5EF4-FFF2-40B4-BE49-F238E27FC236}">
-                    <a16:creationId xmlns:a16="http://schemas.microsoft.com/office/drawing/2014/main" xmlns="" id="{86D38046-C761-3646-B461-1E3CFB7C8B8A}"/>
+                    <a16:creationId xmlns="" xmlns:a16="http://schemas.microsoft.com/office/drawing/2014/main" id="{86D38046-C761-3646-B461-1E3CFB7C8B8A}"/>
                   </a:ext>
                 </a:extLst>
               </p:cNvPr>
@@ -27820,7 +27820,7 @@
               <p:cNvPr id="41" name="円弧 40">
                 <a:extLst>
                   <a:ext uri="{FF2B5EF4-FFF2-40B4-BE49-F238E27FC236}">
-                    <a16:creationId xmlns:a16="http://schemas.microsoft.com/office/drawing/2014/main" xmlns="" id="{A164673C-EF62-E240-87CC-4F300A58BF9F}"/>
+                    <a16:creationId xmlns="" xmlns:a16="http://schemas.microsoft.com/office/drawing/2014/main" id="{A164673C-EF62-E240-87CC-4F300A58BF9F}"/>
                   </a:ext>
                 </a:extLst>
               </p:cNvPr>
@@ -27867,7 +27867,7 @@
               <p:cNvPr id="42" name="円弧 41">
                 <a:extLst>
                   <a:ext uri="{FF2B5EF4-FFF2-40B4-BE49-F238E27FC236}">
-                    <a16:creationId xmlns:a16="http://schemas.microsoft.com/office/drawing/2014/main" xmlns="" id="{ED505722-AB6D-3E47-BA49-B4536F823129}"/>
+                    <a16:creationId xmlns="" xmlns:a16="http://schemas.microsoft.com/office/drawing/2014/main" id="{ED505722-AB6D-3E47-BA49-B4536F823129}"/>
                   </a:ext>
                 </a:extLst>
               </p:cNvPr>
@@ -27915,7 +27915,7 @@
             <p:cNvPr id="46" name="正方形/長方形 45">
               <a:extLst>
                 <a:ext uri="{FF2B5EF4-FFF2-40B4-BE49-F238E27FC236}">
-                  <a16:creationId xmlns:a16="http://schemas.microsoft.com/office/drawing/2014/main" xmlns="" id="{C487CA86-E873-A643-BF93-B2317374DD71}"/>
+                  <a16:creationId xmlns="" xmlns:a16="http://schemas.microsoft.com/office/drawing/2014/main" id="{C487CA86-E873-A643-BF93-B2317374DD71}"/>
                 </a:ext>
               </a:extLst>
             </p:cNvPr>
@@ -27964,7 +27964,7 @@
             <p:cNvPr id="67" name="グループ化 66">
               <a:extLst>
                 <a:ext uri="{FF2B5EF4-FFF2-40B4-BE49-F238E27FC236}">
-                  <a16:creationId xmlns:a16="http://schemas.microsoft.com/office/drawing/2014/main" xmlns="" id="{A5FECC56-0FB4-164D-BD43-B8C72FB2B817}"/>
+                  <a16:creationId xmlns="" xmlns:a16="http://schemas.microsoft.com/office/drawing/2014/main" id="{A5FECC56-0FB4-164D-BD43-B8C72FB2B817}"/>
                 </a:ext>
               </a:extLst>
             </p:cNvPr>
@@ -27984,7 +27984,7 @@
               <p:cNvPr id="49" name="グループ化 48">
                 <a:extLst>
                   <a:ext uri="{FF2B5EF4-FFF2-40B4-BE49-F238E27FC236}">
-                    <a16:creationId xmlns:a16="http://schemas.microsoft.com/office/drawing/2014/main" xmlns="" id="{E2DE31E5-06AD-6F49-A568-0B7E55B925D3}"/>
+                    <a16:creationId xmlns="" xmlns:a16="http://schemas.microsoft.com/office/drawing/2014/main" id="{E2DE31E5-06AD-6F49-A568-0B7E55B925D3}"/>
                   </a:ext>
                 </a:extLst>
               </p:cNvPr>
@@ -28010,7 +28010,7 @@
                 <p:cNvPr id="50" name="円/楕円 49">
                   <a:extLst>
                     <a:ext uri="{FF2B5EF4-FFF2-40B4-BE49-F238E27FC236}">
-                      <a16:creationId xmlns:a16="http://schemas.microsoft.com/office/drawing/2014/main" xmlns="" id="{CB07BC6C-F1FD-484C-8FA0-49EB093AED70}"/>
+                      <a16:creationId xmlns="" xmlns:a16="http://schemas.microsoft.com/office/drawing/2014/main" id="{CB07BC6C-F1FD-484C-8FA0-49EB093AED70}"/>
                     </a:ext>
                   </a:extLst>
                 </p:cNvPr>
@@ -28062,7 +28062,7 @@
                 <p:cNvPr id="51" name="直線コネクタ 50">
                   <a:extLst>
                     <a:ext uri="{FF2B5EF4-FFF2-40B4-BE49-F238E27FC236}">
-                      <a16:creationId xmlns:a16="http://schemas.microsoft.com/office/drawing/2014/main" xmlns="" id="{ABC6D782-BE7F-C245-8D32-AB9CBD827AAB}"/>
+                      <a16:creationId xmlns="" xmlns:a16="http://schemas.microsoft.com/office/drawing/2014/main" id="{ABC6D782-BE7F-C245-8D32-AB9CBD827AAB}"/>
                     </a:ext>
                   </a:extLst>
                 </p:cNvPr>
@@ -28107,7 +28107,7 @@
                 <p:cNvPr id="52" name="直線コネクタ 51">
                   <a:extLst>
                     <a:ext uri="{FF2B5EF4-FFF2-40B4-BE49-F238E27FC236}">
-                      <a16:creationId xmlns:a16="http://schemas.microsoft.com/office/drawing/2014/main" xmlns="" id="{74D4EFDB-2EDC-E945-9102-FF205236DD78}"/>
+                      <a16:creationId xmlns="" xmlns:a16="http://schemas.microsoft.com/office/drawing/2014/main" id="{74D4EFDB-2EDC-E945-9102-FF205236DD78}"/>
                     </a:ext>
                   </a:extLst>
                 </p:cNvPr>
@@ -28152,7 +28152,7 @@
               <p:cNvPr id="60" name="正方形/長方形 59">
                 <a:extLst>
                   <a:ext uri="{FF2B5EF4-FFF2-40B4-BE49-F238E27FC236}">
-                    <a16:creationId xmlns:a16="http://schemas.microsoft.com/office/drawing/2014/main" xmlns="" id="{484EB7E4-4029-7A4D-879E-B7D88DD2DA1B}"/>
+                    <a16:creationId xmlns="" xmlns:a16="http://schemas.microsoft.com/office/drawing/2014/main" id="{484EB7E4-4029-7A4D-879E-B7D88DD2DA1B}"/>
                   </a:ext>
                 </a:extLst>
               </p:cNvPr>
@@ -28209,7 +28209,7 @@
               <p:cNvPr id="66" name="グループ化 65">
                 <a:extLst>
                   <a:ext uri="{FF2B5EF4-FFF2-40B4-BE49-F238E27FC236}">
-                    <a16:creationId xmlns:a16="http://schemas.microsoft.com/office/drawing/2014/main" xmlns="" id="{584A2695-63B3-F84D-8157-BADBC276CC8A}"/>
+                    <a16:creationId xmlns="" xmlns:a16="http://schemas.microsoft.com/office/drawing/2014/main" id="{584A2695-63B3-F84D-8157-BADBC276CC8A}"/>
                   </a:ext>
                 </a:extLst>
               </p:cNvPr>
@@ -28229,7 +28229,7 @@
                 <p:cNvPr id="61" name="グループ化 60">
                   <a:extLst>
                     <a:ext uri="{FF2B5EF4-FFF2-40B4-BE49-F238E27FC236}">
-                      <a16:creationId xmlns:a16="http://schemas.microsoft.com/office/drawing/2014/main" xmlns="" id="{13ABB243-0EE3-6449-B162-4D1737DBF78B}"/>
+                      <a16:creationId xmlns="" xmlns:a16="http://schemas.microsoft.com/office/drawing/2014/main" id="{13ABB243-0EE3-6449-B162-4D1737DBF78B}"/>
                     </a:ext>
                   </a:extLst>
                 </p:cNvPr>
@@ -28255,7 +28255,7 @@
                   <p:cNvPr id="62" name="円/楕円 61">
                     <a:extLst>
                       <a:ext uri="{FF2B5EF4-FFF2-40B4-BE49-F238E27FC236}">
-                        <a16:creationId xmlns:a16="http://schemas.microsoft.com/office/drawing/2014/main" xmlns="" id="{CBAA3278-E88D-9648-9780-A971C0C07152}"/>
+                        <a16:creationId xmlns="" xmlns:a16="http://schemas.microsoft.com/office/drawing/2014/main" id="{CBAA3278-E88D-9648-9780-A971C0C07152}"/>
                       </a:ext>
                     </a:extLst>
                   </p:cNvPr>
@@ -28307,7 +28307,7 @@
                   <p:cNvPr id="63" name="直線コネクタ 62">
                     <a:extLst>
                       <a:ext uri="{FF2B5EF4-FFF2-40B4-BE49-F238E27FC236}">
-                        <a16:creationId xmlns:a16="http://schemas.microsoft.com/office/drawing/2014/main" xmlns="" id="{9E5F0E71-BEEE-D94D-9AC7-420D6A526C09}"/>
+                        <a16:creationId xmlns="" xmlns:a16="http://schemas.microsoft.com/office/drawing/2014/main" id="{9E5F0E71-BEEE-D94D-9AC7-420D6A526C09}"/>
                       </a:ext>
                     </a:extLst>
                   </p:cNvPr>
@@ -28352,7 +28352,7 @@
                   <p:cNvPr id="64" name="直線コネクタ 63">
                     <a:extLst>
                       <a:ext uri="{FF2B5EF4-FFF2-40B4-BE49-F238E27FC236}">
-                        <a16:creationId xmlns:a16="http://schemas.microsoft.com/office/drawing/2014/main" xmlns="" id="{87363DFF-DE64-6549-B31E-770E70ED8452}"/>
+                        <a16:creationId xmlns="" xmlns:a16="http://schemas.microsoft.com/office/drawing/2014/main" id="{87363DFF-DE64-6549-B31E-770E70ED8452}"/>
                       </a:ext>
                     </a:extLst>
                   </p:cNvPr>
@@ -28397,7 +28397,7 @@
                 <p:cNvPr id="65" name="正方形/長方形 64">
                   <a:extLst>
                     <a:ext uri="{FF2B5EF4-FFF2-40B4-BE49-F238E27FC236}">
-                      <a16:creationId xmlns:a16="http://schemas.microsoft.com/office/drawing/2014/main" xmlns="" id="{6B1B71B7-BEB8-C44B-9119-0D075BA00B82}"/>
+                      <a16:creationId xmlns="" xmlns:a16="http://schemas.microsoft.com/office/drawing/2014/main" id="{6B1B71B7-BEB8-C44B-9119-0D075BA00B82}"/>
                     </a:ext>
                   </a:extLst>
                 </p:cNvPr>
@@ -28456,7 +28456,7 @@
             <p:cNvPr id="69" name="円弧 68">
               <a:extLst>
                 <a:ext uri="{FF2B5EF4-FFF2-40B4-BE49-F238E27FC236}">
-                  <a16:creationId xmlns:a16="http://schemas.microsoft.com/office/drawing/2014/main" xmlns="" id="{E7920B79-D2BB-4E47-9CEB-55FAB9F03C9D}"/>
+                  <a16:creationId xmlns="" xmlns:a16="http://schemas.microsoft.com/office/drawing/2014/main" id="{E7920B79-D2BB-4E47-9CEB-55FAB9F03C9D}"/>
                 </a:ext>
               </a:extLst>
             </p:cNvPr>
@@ -28507,7 +28507,7 @@
             <p:cNvPr id="70" name="円弧 69">
               <a:extLst>
                 <a:ext uri="{FF2B5EF4-FFF2-40B4-BE49-F238E27FC236}">
-                  <a16:creationId xmlns:a16="http://schemas.microsoft.com/office/drawing/2014/main" xmlns="" id="{F1D334A4-1903-124F-A646-A27A694F6F3E}"/>
+                  <a16:creationId xmlns="" xmlns:a16="http://schemas.microsoft.com/office/drawing/2014/main" id="{F1D334A4-1903-124F-A646-A27A694F6F3E}"/>
                 </a:ext>
               </a:extLst>
             </p:cNvPr>
@@ -28558,7 +28558,7 @@
             <p:cNvPr id="71" name="円弧 70">
               <a:extLst>
                 <a:ext uri="{FF2B5EF4-FFF2-40B4-BE49-F238E27FC236}">
-                  <a16:creationId xmlns:a16="http://schemas.microsoft.com/office/drawing/2014/main" xmlns="" id="{688202EF-CA42-B947-82D0-DD58D83DCCE1}"/>
+                  <a16:creationId xmlns="" xmlns:a16="http://schemas.microsoft.com/office/drawing/2014/main" id="{688202EF-CA42-B947-82D0-DD58D83DCCE1}"/>
                 </a:ext>
               </a:extLst>
             </p:cNvPr>
@@ -28609,7 +28609,7 @@
             <p:cNvPr id="48" name="片側の 2 つの角を切り取った四角形 47">
               <a:extLst>
                 <a:ext uri="{FF2B5EF4-FFF2-40B4-BE49-F238E27FC236}">
-                  <a16:creationId xmlns:a16="http://schemas.microsoft.com/office/drawing/2014/main" xmlns="" id="{B7396866-22A4-3940-B9CC-491AE9F74EBD}"/>
+                  <a16:creationId xmlns="" xmlns:a16="http://schemas.microsoft.com/office/drawing/2014/main" id="{B7396866-22A4-3940-B9CC-491AE9F74EBD}"/>
                 </a:ext>
               </a:extLst>
             </p:cNvPr>
@@ -28663,7 +28663,7 @@
             <p:cNvPr id="2" name="正方形/長方形 1">
               <a:extLst>
                 <a:ext uri="{FF2B5EF4-FFF2-40B4-BE49-F238E27FC236}">
-                  <a16:creationId xmlns:a16="http://schemas.microsoft.com/office/drawing/2014/main" xmlns="" id="{EE90CA31-ECB3-6F42-A33C-9F63AD466C8B}"/>
+                  <a16:creationId xmlns="" xmlns:a16="http://schemas.microsoft.com/office/drawing/2014/main" id="{EE90CA31-ECB3-6F42-A33C-9F63AD466C8B}"/>
                 </a:ext>
               </a:extLst>
             </p:cNvPr>
@@ -28720,7 +28720,7 @@
             <p:cNvPr id="54" name="正方形/長方形 53">
               <a:extLst>
                 <a:ext uri="{FF2B5EF4-FFF2-40B4-BE49-F238E27FC236}">
-                  <a16:creationId xmlns:a16="http://schemas.microsoft.com/office/drawing/2014/main" xmlns="" id="{95670154-72F6-9540-9AD7-28E7B4A18965}"/>
+                  <a16:creationId xmlns="" xmlns:a16="http://schemas.microsoft.com/office/drawing/2014/main" id="{95670154-72F6-9540-9AD7-28E7B4A18965}"/>
                 </a:ext>
               </a:extLst>
             </p:cNvPr>
@@ -28777,7 +28777,7 @@
             <p:cNvPr id="55" name="正方形/長方形 54">
               <a:extLst>
                 <a:ext uri="{FF2B5EF4-FFF2-40B4-BE49-F238E27FC236}">
-                  <a16:creationId xmlns:a16="http://schemas.microsoft.com/office/drawing/2014/main" xmlns="" id="{C482E7DA-297C-7344-AC5A-D4FB1344E8D4}"/>
+                  <a16:creationId xmlns="" xmlns:a16="http://schemas.microsoft.com/office/drawing/2014/main" id="{C482E7DA-297C-7344-AC5A-D4FB1344E8D4}"/>
                 </a:ext>
               </a:extLst>
             </p:cNvPr>
@@ -28834,7 +28834,7 @@
             <p:cNvPr id="6" name="直線コネクタ 5">
               <a:extLst>
                 <a:ext uri="{FF2B5EF4-FFF2-40B4-BE49-F238E27FC236}">
-                  <a16:creationId xmlns:a16="http://schemas.microsoft.com/office/drawing/2014/main" xmlns="" id="{908F1DBC-922A-0F43-A003-0AEF620D65EB}"/>
+                  <a16:creationId xmlns="" xmlns:a16="http://schemas.microsoft.com/office/drawing/2014/main" id="{908F1DBC-922A-0F43-A003-0AEF620D65EB}"/>
                 </a:ext>
               </a:extLst>
             </p:cNvPr>
@@ -28882,7 +28882,7 @@
             <p:cNvPr id="8" name="グループ化 7">
               <a:extLst>
                 <a:ext uri="{FF2B5EF4-FFF2-40B4-BE49-F238E27FC236}">
-                  <a16:creationId xmlns:a16="http://schemas.microsoft.com/office/drawing/2014/main" xmlns="" id="{49FC80FB-036B-8344-87CD-C105DFD1F524}"/>
+                  <a16:creationId xmlns="" xmlns:a16="http://schemas.microsoft.com/office/drawing/2014/main" id="{49FC80FB-036B-8344-87CD-C105DFD1F524}"/>
                 </a:ext>
               </a:extLst>
             </p:cNvPr>
@@ -28902,7 +28902,7 @@
               <p:cNvPr id="56" name="直線コネクタ 55">
                 <a:extLst>
                   <a:ext uri="{FF2B5EF4-FFF2-40B4-BE49-F238E27FC236}">
-                    <a16:creationId xmlns:a16="http://schemas.microsoft.com/office/drawing/2014/main" xmlns="" id="{7248149E-A0A6-5346-8DE4-3D6F93F14B9D}"/>
+                    <a16:creationId xmlns="" xmlns:a16="http://schemas.microsoft.com/office/drawing/2014/main" id="{7248149E-A0A6-5346-8DE4-3D6F93F14B9D}"/>
                   </a:ext>
                 </a:extLst>
               </p:cNvPr>
@@ -28945,7 +28945,7 @@
               <p:cNvPr id="57" name="直線コネクタ 56">
                 <a:extLst>
                   <a:ext uri="{FF2B5EF4-FFF2-40B4-BE49-F238E27FC236}">
-                    <a16:creationId xmlns:a16="http://schemas.microsoft.com/office/drawing/2014/main" xmlns="" id="{F1700C69-9D30-DB49-886F-868671EF99A8}"/>
+                    <a16:creationId xmlns="" xmlns:a16="http://schemas.microsoft.com/office/drawing/2014/main" id="{F1700C69-9D30-DB49-886F-868671EF99A8}"/>
                   </a:ext>
                 </a:extLst>
               </p:cNvPr>
@@ -28991,7 +28991,7 @@
             <p:cNvPr id="58" name="グループ化 57">
               <a:extLst>
                 <a:ext uri="{FF2B5EF4-FFF2-40B4-BE49-F238E27FC236}">
-                  <a16:creationId xmlns:a16="http://schemas.microsoft.com/office/drawing/2014/main" xmlns="" id="{497C3288-6F09-3445-B841-209EC6F517E2}"/>
+                  <a16:creationId xmlns="" xmlns:a16="http://schemas.microsoft.com/office/drawing/2014/main" id="{497C3288-6F09-3445-B841-209EC6F517E2}"/>
                 </a:ext>
               </a:extLst>
             </p:cNvPr>
@@ -29011,7 +29011,7 @@
               <p:cNvPr id="72" name="直線コネクタ 71">
                 <a:extLst>
                   <a:ext uri="{FF2B5EF4-FFF2-40B4-BE49-F238E27FC236}">
-                    <a16:creationId xmlns:a16="http://schemas.microsoft.com/office/drawing/2014/main" xmlns="" id="{A0DC07A1-9BA6-E841-91E3-B3AB875B3082}"/>
+                    <a16:creationId xmlns="" xmlns:a16="http://schemas.microsoft.com/office/drawing/2014/main" id="{A0DC07A1-9BA6-E841-91E3-B3AB875B3082}"/>
                   </a:ext>
                 </a:extLst>
               </p:cNvPr>
@@ -29054,7 +29054,7 @@
               <p:cNvPr id="73" name="直線コネクタ 72">
                 <a:extLst>
                   <a:ext uri="{FF2B5EF4-FFF2-40B4-BE49-F238E27FC236}">
-                    <a16:creationId xmlns:a16="http://schemas.microsoft.com/office/drawing/2014/main" xmlns="" id="{817A2656-2DA6-E94A-87C0-6E84B6F7037C}"/>
+                    <a16:creationId xmlns="" xmlns:a16="http://schemas.microsoft.com/office/drawing/2014/main" id="{817A2656-2DA6-E94A-87C0-6E84B6F7037C}"/>
                   </a:ext>
                 </a:extLst>
               </p:cNvPr>
@@ -29100,7 +29100,7 @@
             <p:cNvPr id="74" name="グループ化 73">
               <a:extLst>
                 <a:ext uri="{FF2B5EF4-FFF2-40B4-BE49-F238E27FC236}">
-                  <a16:creationId xmlns:a16="http://schemas.microsoft.com/office/drawing/2014/main" xmlns="" id="{394D6594-F370-E74A-9075-8BFEFFEC808F}"/>
+                  <a16:creationId xmlns="" xmlns:a16="http://schemas.microsoft.com/office/drawing/2014/main" id="{394D6594-F370-E74A-9075-8BFEFFEC808F}"/>
                 </a:ext>
               </a:extLst>
             </p:cNvPr>
@@ -29120,7 +29120,7 @@
               <p:cNvPr id="75" name="直線コネクタ 74">
                 <a:extLst>
                   <a:ext uri="{FF2B5EF4-FFF2-40B4-BE49-F238E27FC236}">
-                    <a16:creationId xmlns:a16="http://schemas.microsoft.com/office/drawing/2014/main" xmlns="" id="{B3AD5886-7038-A04C-987B-FB93D0F48214}"/>
+                    <a16:creationId xmlns="" xmlns:a16="http://schemas.microsoft.com/office/drawing/2014/main" id="{B3AD5886-7038-A04C-987B-FB93D0F48214}"/>
                   </a:ext>
                 </a:extLst>
               </p:cNvPr>
@@ -29163,7 +29163,7 @@
               <p:cNvPr id="76" name="直線コネクタ 75">
                 <a:extLst>
                   <a:ext uri="{FF2B5EF4-FFF2-40B4-BE49-F238E27FC236}">
-                    <a16:creationId xmlns:a16="http://schemas.microsoft.com/office/drawing/2014/main" xmlns="" id="{6F9E1407-4319-4A44-B350-73B573376E20}"/>
+                    <a16:creationId xmlns="" xmlns:a16="http://schemas.microsoft.com/office/drawing/2014/main" id="{6F9E1407-4319-4A44-B350-73B573376E20}"/>
                   </a:ext>
                 </a:extLst>
               </p:cNvPr>
@@ -29209,7 +29209,7 @@
             <p:cNvPr id="11" name="円/楕円 10">
               <a:extLst>
                 <a:ext uri="{FF2B5EF4-FFF2-40B4-BE49-F238E27FC236}">
-                  <a16:creationId xmlns:a16="http://schemas.microsoft.com/office/drawing/2014/main" xmlns="" id="{20C8B133-7CA1-E54E-BC86-D253FA2E9B8F}"/>
+                  <a16:creationId xmlns="" xmlns:a16="http://schemas.microsoft.com/office/drawing/2014/main" id="{20C8B133-7CA1-E54E-BC86-D253FA2E9B8F}"/>
                 </a:ext>
               </a:extLst>
             </p:cNvPr>
@@ -29277,7 +29277,7 @@
             <p:cNvPr id="77" name="円/楕円 76">
               <a:extLst>
                 <a:ext uri="{FF2B5EF4-FFF2-40B4-BE49-F238E27FC236}">
-                  <a16:creationId xmlns:a16="http://schemas.microsoft.com/office/drawing/2014/main" xmlns="" id="{DFD99CCE-3A47-B64F-81EA-DE50EB9DE10D}"/>
+                  <a16:creationId xmlns="" xmlns:a16="http://schemas.microsoft.com/office/drawing/2014/main" id="{DFD99CCE-3A47-B64F-81EA-DE50EB9DE10D}"/>
                 </a:ext>
               </a:extLst>
             </p:cNvPr>
@@ -29345,7 +29345,7 @@
             <p:cNvPr id="78" name="円/楕円 77">
               <a:extLst>
                 <a:ext uri="{FF2B5EF4-FFF2-40B4-BE49-F238E27FC236}">
-                  <a16:creationId xmlns:a16="http://schemas.microsoft.com/office/drawing/2014/main" xmlns="" id="{DC063852-142C-D043-AE10-2308FBE9EE1A}"/>
+                  <a16:creationId xmlns="" xmlns:a16="http://schemas.microsoft.com/office/drawing/2014/main" id="{DC063852-142C-D043-AE10-2308FBE9EE1A}"/>
                 </a:ext>
               </a:extLst>
             </p:cNvPr>
@@ -29413,7 +29413,7 @@
             <p:cNvPr id="79" name="グループ化 78">
               <a:extLst>
                 <a:ext uri="{FF2B5EF4-FFF2-40B4-BE49-F238E27FC236}">
-                  <a16:creationId xmlns:a16="http://schemas.microsoft.com/office/drawing/2014/main" xmlns="" id="{4A01BF27-0A53-E94C-A196-5F8CD7267FC5}"/>
+                  <a16:creationId xmlns="" xmlns:a16="http://schemas.microsoft.com/office/drawing/2014/main" id="{4A01BF27-0A53-E94C-A196-5F8CD7267FC5}"/>
                 </a:ext>
               </a:extLst>
             </p:cNvPr>
@@ -29433,7 +29433,7 @@
               <p:cNvPr id="80" name="直線コネクタ 79">
                 <a:extLst>
                   <a:ext uri="{FF2B5EF4-FFF2-40B4-BE49-F238E27FC236}">
-                    <a16:creationId xmlns:a16="http://schemas.microsoft.com/office/drawing/2014/main" xmlns="" id="{A014D4E6-6006-3E42-9646-DBCB45FF7244}"/>
+                    <a16:creationId xmlns="" xmlns:a16="http://schemas.microsoft.com/office/drawing/2014/main" id="{A014D4E6-6006-3E42-9646-DBCB45FF7244}"/>
                   </a:ext>
                 </a:extLst>
               </p:cNvPr>
@@ -29476,7 +29476,7 @@
               <p:cNvPr id="81" name="直線コネクタ 80">
                 <a:extLst>
                   <a:ext uri="{FF2B5EF4-FFF2-40B4-BE49-F238E27FC236}">
-                    <a16:creationId xmlns:a16="http://schemas.microsoft.com/office/drawing/2014/main" xmlns="" id="{8628984F-7E99-3B49-9D03-AFE312CADDED}"/>
+                    <a16:creationId xmlns="" xmlns:a16="http://schemas.microsoft.com/office/drawing/2014/main" id="{8628984F-7E99-3B49-9D03-AFE312CADDED}"/>
                   </a:ext>
                 </a:extLst>
               </p:cNvPr>
@@ -29522,7 +29522,7 @@
             <p:cNvPr id="82" name="グループ化 81">
               <a:extLst>
                 <a:ext uri="{FF2B5EF4-FFF2-40B4-BE49-F238E27FC236}">
-                  <a16:creationId xmlns:a16="http://schemas.microsoft.com/office/drawing/2014/main" xmlns="" id="{BCB29996-5990-C548-A5E7-2CB16F3FA7C1}"/>
+                  <a16:creationId xmlns="" xmlns:a16="http://schemas.microsoft.com/office/drawing/2014/main" id="{BCB29996-5990-C548-A5E7-2CB16F3FA7C1}"/>
                 </a:ext>
               </a:extLst>
             </p:cNvPr>
@@ -29542,7 +29542,7 @@
               <p:cNvPr id="83" name="直線コネクタ 82">
                 <a:extLst>
                   <a:ext uri="{FF2B5EF4-FFF2-40B4-BE49-F238E27FC236}">
-                    <a16:creationId xmlns:a16="http://schemas.microsoft.com/office/drawing/2014/main" xmlns="" id="{9266F4A0-02E8-9641-A29E-28374FB1EAFC}"/>
+                    <a16:creationId xmlns="" xmlns:a16="http://schemas.microsoft.com/office/drawing/2014/main" id="{9266F4A0-02E8-9641-A29E-28374FB1EAFC}"/>
                   </a:ext>
                 </a:extLst>
               </p:cNvPr>
@@ -29585,7 +29585,7 @@
               <p:cNvPr id="84" name="直線コネクタ 83">
                 <a:extLst>
                   <a:ext uri="{FF2B5EF4-FFF2-40B4-BE49-F238E27FC236}">
-                    <a16:creationId xmlns:a16="http://schemas.microsoft.com/office/drawing/2014/main" xmlns="" id="{9997F004-A451-0A49-AFDF-48BA3DE1224D}"/>
+                    <a16:creationId xmlns="" xmlns:a16="http://schemas.microsoft.com/office/drawing/2014/main" id="{9997F004-A451-0A49-AFDF-48BA3DE1224D}"/>
                   </a:ext>
                 </a:extLst>
               </p:cNvPr>
@@ -29631,7 +29631,7 @@
             <p:cNvPr id="85" name="直線コネクタ 84">
               <a:extLst>
                 <a:ext uri="{FF2B5EF4-FFF2-40B4-BE49-F238E27FC236}">
-                  <a16:creationId xmlns:a16="http://schemas.microsoft.com/office/drawing/2014/main" xmlns="" id="{0FE1FF1D-3EB1-E246-8E69-B77D82010A08}"/>
+                  <a16:creationId xmlns="" xmlns:a16="http://schemas.microsoft.com/office/drawing/2014/main" id="{0FE1FF1D-3EB1-E246-8E69-B77D82010A08}"/>
                 </a:ext>
               </a:extLst>
             </p:cNvPr>
@@ -29676,7 +29676,7 @@
             <p:cNvPr id="86" name="直線コネクタ 85">
               <a:extLst>
                 <a:ext uri="{FF2B5EF4-FFF2-40B4-BE49-F238E27FC236}">
-                  <a16:creationId xmlns:a16="http://schemas.microsoft.com/office/drawing/2014/main" xmlns="" id="{EA4E7116-8630-C94E-951B-C8B225293976}"/>
+                  <a16:creationId xmlns="" xmlns:a16="http://schemas.microsoft.com/office/drawing/2014/main" id="{EA4E7116-8630-C94E-951B-C8B225293976}"/>
                 </a:ext>
               </a:extLst>
             </p:cNvPr>
@@ -29721,7 +29721,7 @@
             <p:cNvPr id="87" name="グループ化 86">
               <a:extLst>
                 <a:ext uri="{FF2B5EF4-FFF2-40B4-BE49-F238E27FC236}">
-                  <a16:creationId xmlns:a16="http://schemas.microsoft.com/office/drawing/2014/main" xmlns="" id="{92D44ADB-2B38-444A-B04A-C8E892E931AE}"/>
+                  <a16:creationId xmlns="" xmlns:a16="http://schemas.microsoft.com/office/drawing/2014/main" id="{92D44ADB-2B38-444A-B04A-C8E892E931AE}"/>
                 </a:ext>
               </a:extLst>
             </p:cNvPr>
@@ -29741,7 +29741,7 @@
               <p:cNvPr id="88" name="直線コネクタ 87">
                 <a:extLst>
                   <a:ext uri="{FF2B5EF4-FFF2-40B4-BE49-F238E27FC236}">
-                    <a16:creationId xmlns:a16="http://schemas.microsoft.com/office/drawing/2014/main" xmlns="" id="{B624E249-CBBF-9948-83DC-DF2696FBF248}"/>
+                    <a16:creationId xmlns="" xmlns:a16="http://schemas.microsoft.com/office/drawing/2014/main" id="{B624E249-CBBF-9948-83DC-DF2696FBF248}"/>
                   </a:ext>
                 </a:extLst>
               </p:cNvPr>
@@ -29784,7 +29784,7 @@
               <p:cNvPr id="89" name="直線コネクタ 88">
                 <a:extLst>
                   <a:ext uri="{FF2B5EF4-FFF2-40B4-BE49-F238E27FC236}">
-                    <a16:creationId xmlns:a16="http://schemas.microsoft.com/office/drawing/2014/main" xmlns="" id="{A54A37BB-2545-3746-85C4-64678BB404E9}"/>
+                    <a16:creationId xmlns="" xmlns:a16="http://schemas.microsoft.com/office/drawing/2014/main" id="{A54A37BB-2545-3746-85C4-64678BB404E9}"/>
                   </a:ext>
                 </a:extLst>
               </p:cNvPr>
@@ -29830,7 +29830,7 @@
             <p:cNvPr id="90" name="直線コネクタ 89">
               <a:extLst>
                 <a:ext uri="{FF2B5EF4-FFF2-40B4-BE49-F238E27FC236}">
-                  <a16:creationId xmlns:a16="http://schemas.microsoft.com/office/drawing/2014/main" xmlns="" id="{3D69ADC7-E530-AA49-96EA-FDA029FC7CB2}"/>
+                  <a16:creationId xmlns="" xmlns:a16="http://schemas.microsoft.com/office/drawing/2014/main" id="{3D69ADC7-E530-AA49-96EA-FDA029FC7CB2}"/>
                 </a:ext>
               </a:extLst>
             </p:cNvPr>
@@ -29875,7 +29875,7 @@
             <p:cNvPr id="91" name="グループ化 90">
               <a:extLst>
                 <a:ext uri="{FF2B5EF4-FFF2-40B4-BE49-F238E27FC236}">
-                  <a16:creationId xmlns:a16="http://schemas.microsoft.com/office/drawing/2014/main" xmlns="" id="{656B49B9-2C3C-3848-9A19-A554E1500A33}"/>
+                  <a16:creationId xmlns="" xmlns:a16="http://schemas.microsoft.com/office/drawing/2014/main" id="{656B49B9-2C3C-3848-9A19-A554E1500A33}"/>
                 </a:ext>
               </a:extLst>
             </p:cNvPr>
@@ -29895,7 +29895,7 @@
               <p:cNvPr id="92" name="直線コネクタ 91">
                 <a:extLst>
                   <a:ext uri="{FF2B5EF4-FFF2-40B4-BE49-F238E27FC236}">
-                    <a16:creationId xmlns:a16="http://schemas.microsoft.com/office/drawing/2014/main" xmlns="" id="{F4CECC8F-4719-B14D-BBB4-ACC2266C1C29}"/>
+                    <a16:creationId xmlns="" xmlns:a16="http://schemas.microsoft.com/office/drawing/2014/main" id="{F4CECC8F-4719-B14D-BBB4-ACC2266C1C29}"/>
                   </a:ext>
                 </a:extLst>
               </p:cNvPr>
@@ -29940,7 +29940,7 @@
               <p:cNvPr id="93" name="直線コネクタ 92">
                 <a:extLst>
                   <a:ext uri="{FF2B5EF4-FFF2-40B4-BE49-F238E27FC236}">
-                    <a16:creationId xmlns:a16="http://schemas.microsoft.com/office/drawing/2014/main" xmlns="" id="{23973AEB-3F26-A24B-ABD3-CD26847730AA}"/>
+                    <a16:creationId xmlns="" xmlns:a16="http://schemas.microsoft.com/office/drawing/2014/main" id="{23973AEB-3F26-A24B-ABD3-CD26847730AA}"/>
                   </a:ext>
                 </a:extLst>
               </p:cNvPr>
@@ -29988,7 +29988,7 @@
             <p:cNvPr id="94" name="グループ化 93">
               <a:extLst>
                 <a:ext uri="{FF2B5EF4-FFF2-40B4-BE49-F238E27FC236}">
-                  <a16:creationId xmlns:a16="http://schemas.microsoft.com/office/drawing/2014/main" xmlns="" id="{99C2CA00-5097-7C45-95FA-B415AEF111B7}"/>
+                  <a16:creationId xmlns="" xmlns:a16="http://schemas.microsoft.com/office/drawing/2014/main" id="{99C2CA00-5097-7C45-95FA-B415AEF111B7}"/>
                 </a:ext>
               </a:extLst>
             </p:cNvPr>
@@ -30008,7 +30008,7 @@
               <p:cNvPr id="95" name="直線コネクタ 94">
                 <a:extLst>
                   <a:ext uri="{FF2B5EF4-FFF2-40B4-BE49-F238E27FC236}">
-                    <a16:creationId xmlns:a16="http://schemas.microsoft.com/office/drawing/2014/main" xmlns="" id="{331BE7C4-9464-F145-B889-2B93F5027D6A}"/>
+                    <a16:creationId xmlns="" xmlns:a16="http://schemas.microsoft.com/office/drawing/2014/main" id="{331BE7C4-9464-F145-B889-2B93F5027D6A}"/>
                   </a:ext>
                 </a:extLst>
               </p:cNvPr>
@@ -30053,7 +30053,7 @@
               <p:cNvPr id="96" name="直線コネクタ 95">
                 <a:extLst>
                   <a:ext uri="{FF2B5EF4-FFF2-40B4-BE49-F238E27FC236}">
-                    <a16:creationId xmlns:a16="http://schemas.microsoft.com/office/drawing/2014/main" xmlns="" id="{7CB16ADF-D6E6-D244-83FB-62D2166F9D8C}"/>
+                    <a16:creationId xmlns="" xmlns:a16="http://schemas.microsoft.com/office/drawing/2014/main" id="{7CB16ADF-D6E6-D244-83FB-62D2166F9D8C}"/>
                   </a:ext>
                 </a:extLst>
               </p:cNvPr>
@@ -30101,7 +30101,7 @@
             <p:cNvPr id="97" name="グループ化 96">
               <a:extLst>
                 <a:ext uri="{FF2B5EF4-FFF2-40B4-BE49-F238E27FC236}">
-                  <a16:creationId xmlns:a16="http://schemas.microsoft.com/office/drawing/2014/main" xmlns="" id="{05FF8B2D-EDC0-CE47-8E0E-511257234A55}"/>
+                  <a16:creationId xmlns="" xmlns:a16="http://schemas.microsoft.com/office/drawing/2014/main" id="{05FF8B2D-EDC0-CE47-8E0E-511257234A55}"/>
                 </a:ext>
               </a:extLst>
             </p:cNvPr>
@@ -30121,7 +30121,7 @@
               <p:cNvPr id="98" name="直線コネクタ 97">
                 <a:extLst>
                   <a:ext uri="{FF2B5EF4-FFF2-40B4-BE49-F238E27FC236}">
-                    <a16:creationId xmlns:a16="http://schemas.microsoft.com/office/drawing/2014/main" xmlns="" id="{9C4B8C8D-DC43-0741-AD09-35C8473AC705}"/>
+                    <a16:creationId xmlns="" xmlns:a16="http://schemas.microsoft.com/office/drawing/2014/main" id="{9C4B8C8D-DC43-0741-AD09-35C8473AC705}"/>
                   </a:ext>
                 </a:extLst>
               </p:cNvPr>
@@ -30166,7 +30166,7 @@
               <p:cNvPr id="99" name="直線コネクタ 98">
                 <a:extLst>
                   <a:ext uri="{FF2B5EF4-FFF2-40B4-BE49-F238E27FC236}">
-                    <a16:creationId xmlns:a16="http://schemas.microsoft.com/office/drawing/2014/main" xmlns="" id="{95D64DD6-F5C8-3A45-B3EB-BB168BCFFD26}"/>
+                    <a16:creationId xmlns="" xmlns:a16="http://schemas.microsoft.com/office/drawing/2014/main" id="{95D64DD6-F5C8-3A45-B3EB-BB168BCFFD26}"/>
                   </a:ext>
                 </a:extLst>
               </p:cNvPr>
@@ -30214,7 +30214,7 @@
             <p:cNvPr id="100" name="直線コネクタ 99">
               <a:extLst>
                 <a:ext uri="{FF2B5EF4-FFF2-40B4-BE49-F238E27FC236}">
-                  <a16:creationId xmlns:a16="http://schemas.microsoft.com/office/drawing/2014/main" xmlns="" id="{9C646CC6-3918-4E43-A927-B8B3A2F202C8}"/>
+                  <a16:creationId xmlns="" xmlns:a16="http://schemas.microsoft.com/office/drawing/2014/main" id="{9C646CC6-3918-4E43-A927-B8B3A2F202C8}"/>
                 </a:ext>
               </a:extLst>
             </p:cNvPr>
@@ -30261,7 +30261,7 @@
             <p:cNvPr id="3" name="正方形/長方形 2">
               <a:extLst>
                 <a:ext uri="{FF2B5EF4-FFF2-40B4-BE49-F238E27FC236}">
-                  <a16:creationId xmlns:a16="http://schemas.microsoft.com/office/drawing/2014/main" xmlns="" id="{D5728361-9A62-244E-B49F-E11536010A27}"/>
+                  <a16:creationId xmlns="" xmlns:a16="http://schemas.microsoft.com/office/drawing/2014/main" id="{D5728361-9A62-244E-B49F-E11536010A27}"/>
                 </a:ext>
               </a:extLst>
             </p:cNvPr>
@@ -30327,7 +30327,7 @@
             <p:cNvPr id="101" name="正方形/長方形 100">
               <a:extLst>
                 <a:ext uri="{FF2B5EF4-FFF2-40B4-BE49-F238E27FC236}">
-                  <a16:creationId xmlns:a16="http://schemas.microsoft.com/office/drawing/2014/main" xmlns="" id="{8246770C-59EA-0849-AAD9-C65AA97D51FF}"/>
+                  <a16:creationId xmlns="" xmlns:a16="http://schemas.microsoft.com/office/drawing/2014/main" id="{8246770C-59EA-0849-AAD9-C65AA97D51FF}"/>
                 </a:ext>
               </a:extLst>
             </p:cNvPr>
@@ -30388,7 +30388,7 @@
             <p:cNvPr id="102" name="正方形/長方形 101">
               <a:extLst>
                 <a:ext uri="{FF2B5EF4-FFF2-40B4-BE49-F238E27FC236}">
-                  <a16:creationId xmlns:a16="http://schemas.microsoft.com/office/drawing/2014/main" xmlns="" id="{81791F1A-8684-BD46-96D8-E97E34CE6887}"/>
+                  <a16:creationId xmlns="" xmlns:a16="http://schemas.microsoft.com/office/drawing/2014/main" id="{81791F1A-8684-BD46-96D8-E97E34CE6887}"/>
                 </a:ext>
               </a:extLst>
             </p:cNvPr>
@@ -30457,7 +30457,7 @@
             <p:cNvPr id="103" name="正方形/長方形 102">
               <a:extLst>
                 <a:ext uri="{FF2B5EF4-FFF2-40B4-BE49-F238E27FC236}">
-                  <a16:creationId xmlns:a16="http://schemas.microsoft.com/office/drawing/2014/main" xmlns="" id="{8C9149BE-8F97-974D-89EC-8A6A1334C8BC}"/>
+                  <a16:creationId xmlns="" xmlns:a16="http://schemas.microsoft.com/office/drawing/2014/main" id="{8C9149BE-8F97-974D-89EC-8A6A1334C8BC}"/>
                 </a:ext>
               </a:extLst>
             </p:cNvPr>
@@ -30526,7 +30526,7 @@
             <p:cNvPr id="104" name="正方形/長方形 103">
               <a:extLst>
                 <a:ext uri="{FF2B5EF4-FFF2-40B4-BE49-F238E27FC236}">
-                  <a16:creationId xmlns:a16="http://schemas.microsoft.com/office/drawing/2014/main" xmlns="" id="{B2725BCA-5ABF-8F45-9AC9-18196D2B3113}"/>
+                  <a16:creationId xmlns="" xmlns:a16="http://schemas.microsoft.com/office/drawing/2014/main" id="{B2725BCA-5ABF-8F45-9AC9-18196D2B3113}"/>
                 </a:ext>
               </a:extLst>
             </p:cNvPr>
@@ -30595,7 +30595,7 @@
             <p:cNvPr id="105" name="正方形/長方形 104">
               <a:extLst>
                 <a:ext uri="{FF2B5EF4-FFF2-40B4-BE49-F238E27FC236}">
-                  <a16:creationId xmlns:a16="http://schemas.microsoft.com/office/drawing/2014/main" xmlns="" id="{06630923-2EE7-F34F-8697-E418A84C743F}"/>
+                  <a16:creationId xmlns="" xmlns:a16="http://schemas.microsoft.com/office/drawing/2014/main" id="{06630923-2EE7-F34F-8697-E418A84C743F}"/>
                 </a:ext>
               </a:extLst>
             </p:cNvPr>
@@ -30672,7 +30672,7 @@
             <p:cNvPr id="106" name="正方形/長方形 105">
               <a:extLst>
                 <a:ext uri="{FF2B5EF4-FFF2-40B4-BE49-F238E27FC236}">
-                  <a16:creationId xmlns:a16="http://schemas.microsoft.com/office/drawing/2014/main" xmlns="" id="{D5645CC8-480D-B945-999E-6FF1FEBDDE10}"/>
+                  <a16:creationId xmlns="" xmlns:a16="http://schemas.microsoft.com/office/drawing/2014/main" id="{D5645CC8-480D-B945-999E-6FF1FEBDDE10}"/>
                 </a:ext>
               </a:extLst>
             </p:cNvPr>
@@ -30733,7 +30733,7 @@
             <p:cNvPr id="107" name="正方形/長方形 106">
               <a:extLst>
                 <a:ext uri="{FF2B5EF4-FFF2-40B4-BE49-F238E27FC236}">
-                  <a16:creationId xmlns:a16="http://schemas.microsoft.com/office/drawing/2014/main" xmlns="" id="{91BE8022-4EF9-A346-BF78-D909AA825CA6}"/>
+                  <a16:creationId xmlns="" xmlns:a16="http://schemas.microsoft.com/office/drawing/2014/main" id="{91BE8022-4EF9-A346-BF78-D909AA825CA6}"/>
                 </a:ext>
               </a:extLst>
             </p:cNvPr>
@@ -30802,7 +30802,7 @@
             <p:cNvPr id="108" name="正方形/長方形 107">
               <a:extLst>
                 <a:ext uri="{FF2B5EF4-FFF2-40B4-BE49-F238E27FC236}">
-                  <a16:creationId xmlns:a16="http://schemas.microsoft.com/office/drawing/2014/main" xmlns="" id="{CE1B10CA-506F-AF41-B4B5-7E10E6F3A3E3}"/>
+                  <a16:creationId xmlns="" xmlns:a16="http://schemas.microsoft.com/office/drawing/2014/main" id="{CE1B10CA-506F-AF41-B4B5-7E10E6F3A3E3}"/>
                 </a:ext>
               </a:extLst>
             </p:cNvPr>
@@ -30863,7 +30863,7 @@
             <p:cNvPr id="109" name="正方形/長方形 108">
               <a:extLst>
                 <a:ext uri="{FF2B5EF4-FFF2-40B4-BE49-F238E27FC236}">
-                  <a16:creationId xmlns:a16="http://schemas.microsoft.com/office/drawing/2014/main" xmlns="" id="{147F6637-5842-6C4C-87DE-4B43B1F53EC1}"/>
+                  <a16:creationId xmlns="" xmlns:a16="http://schemas.microsoft.com/office/drawing/2014/main" id="{147F6637-5842-6C4C-87DE-4B43B1F53EC1}"/>
                 </a:ext>
               </a:extLst>
             </p:cNvPr>
@@ -30924,7 +30924,7 @@
             <p:cNvPr id="26" name="正方形/長方形 25">
               <a:extLst>
                 <a:ext uri="{FF2B5EF4-FFF2-40B4-BE49-F238E27FC236}">
-                  <a16:creationId xmlns:a16="http://schemas.microsoft.com/office/drawing/2014/main" xmlns="" id="{898E71A5-5EF7-7F49-8E15-E4F3CEE85774}"/>
+                  <a16:creationId xmlns="" xmlns:a16="http://schemas.microsoft.com/office/drawing/2014/main" id="{898E71A5-5EF7-7F49-8E15-E4F3CEE85774}"/>
                 </a:ext>
               </a:extLst>
             </p:cNvPr>
@@ -30987,7 +30987,7 @@
             <p:cNvPr id="111" name="正方形/長方形 110">
               <a:extLst>
                 <a:ext uri="{FF2B5EF4-FFF2-40B4-BE49-F238E27FC236}">
-                  <a16:creationId xmlns:a16="http://schemas.microsoft.com/office/drawing/2014/main" xmlns="" id="{F419667C-20FC-214F-AABD-00B15669DDCE}"/>
+                  <a16:creationId xmlns="" xmlns:a16="http://schemas.microsoft.com/office/drawing/2014/main" id="{F419667C-20FC-214F-AABD-00B15669DDCE}"/>
                 </a:ext>
               </a:extLst>
             </p:cNvPr>
@@ -31050,7 +31050,7 @@
           <p:cNvPr id="110" name="正方形/長方形 109">
             <a:extLst>
               <a:ext uri="{FF2B5EF4-FFF2-40B4-BE49-F238E27FC236}">
-                <a16:creationId xmlns:a16="http://schemas.microsoft.com/office/drawing/2014/main" xmlns="" id="{C945B98E-9D26-784D-AD2D-CC4BE51E4B89}"/>
+                <a16:creationId xmlns="" xmlns:a16="http://schemas.microsoft.com/office/drawing/2014/main" id="{C945B98E-9D26-784D-AD2D-CC4BE51E4B89}"/>
               </a:ext>
             </a:extLst>
           </p:cNvPr>
@@ -31116,7 +31116,7 @@
           <p:cNvPr id="113" name="正方形/長方形 112">
             <a:extLst>
               <a:ext uri="{FF2B5EF4-FFF2-40B4-BE49-F238E27FC236}">
-                <a16:creationId xmlns:a16="http://schemas.microsoft.com/office/drawing/2014/main" xmlns="" id="{8265059B-B887-1A49-8D5B-9F78FA6A73C9}"/>
+                <a16:creationId xmlns="" xmlns:a16="http://schemas.microsoft.com/office/drawing/2014/main" id="{8265059B-B887-1A49-8D5B-9F78FA6A73C9}"/>
               </a:ext>
             </a:extLst>
           </p:cNvPr>
@@ -31181,7 +31181,7 @@
           <p:cNvPr id="116" name="直線コネクタ 115">
             <a:extLst>
               <a:ext uri="{FF2B5EF4-FFF2-40B4-BE49-F238E27FC236}">
-                <a16:creationId xmlns:a16="http://schemas.microsoft.com/office/drawing/2014/main" xmlns="" id="{2A82784C-5820-A94A-B882-F9A772E0F931}"/>
+                <a16:creationId xmlns="" xmlns:a16="http://schemas.microsoft.com/office/drawing/2014/main" id="{2A82784C-5820-A94A-B882-F9A772E0F931}"/>
               </a:ext>
             </a:extLst>
           </p:cNvPr>
@@ -31228,7 +31228,7 @@
           <p:cNvPr id="117" name="正方形/長方形 116">
             <a:extLst>
               <a:ext uri="{FF2B5EF4-FFF2-40B4-BE49-F238E27FC236}">
-                <a16:creationId xmlns:a16="http://schemas.microsoft.com/office/drawing/2014/main" xmlns="" id="{A8E2CA04-D10E-CF40-81AF-BD153ECCFC5B}"/>
+                <a16:creationId xmlns="" xmlns:a16="http://schemas.microsoft.com/office/drawing/2014/main" id="{A8E2CA04-D10E-CF40-81AF-BD153ECCFC5B}"/>
               </a:ext>
             </a:extLst>
           </p:cNvPr>
@@ -31320,7 +31320,7 @@
           <p:cNvPr id="94" name="正方形/長方形 93">
             <a:extLst>
               <a:ext uri="{FF2B5EF4-FFF2-40B4-BE49-F238E27FC236}">
-                <a16:creationId xmlns:a16="http://schemas.microsoft.com/office/drawing/2014/main" xmlns="" id="{DB300F03-4C5E-674D-B96A-1E15E26AB9EC}"/>
+                <a16:creationId xmlns="" xmlns:a16="http://schemas.microsoft.com/office/drawing/2014/main" id="{DB300F03-4C5E-674D-B96A-1E15E26AB9EC}"/>
               </a:ext>
             </a:extLst>
           </p:cNvPr>
@@ -31393,7 +31393,7 @@
           <p:cNvPr id="1036" name="正方形/長方形 1035">
             <a:extLst>
               <a:ext uri="{FF2B5EF4-FFF2-40B4-BE49-F238E27FC236}">
-                <a16:creationId xmlns:a16="http://schemas.microsoft.com/office/drawing/2014/main" xmlns="" id="{9A96743D-2EF0-CA4D-8317-F317A7F33559}"/>
+                <a16:creationId xmlns="" xmlns:a16="http://schemas.microsoft.com/office/drawing/2014/main" id="{9A96743D-2EF0-CA4D-8317-F317A7F33559}"/>
               </a:ext>
             </a:extLst>
           </p:cNvPr>
@@ -31461,7 +31461,7 @@
           <p:cNvPr id="4" name="正方形/長方形 3">
             <a:extLst>
               <a:ext uri="{FF2B5EF4-FFF2-40B4-BE49-F238E27FC236}">
-                <a16:creationId xmlns:a16="http://schemas.microsoft.com/office/drawing/2014/main" xmlns="" id="{5EFFED2E-5A01-2546-9CC2-866160CB40A6}"/>
+                <a16:creationId xmlns="" xmlns:a16="http://schemas.microsoft.com/office/drawing/2014/main" id="{5EFFED2E-5A01-2546-9CC2-866160CB40A6}"/>
               </a:ext>
             </a:extLst>
           </p:cNvPr>
@@ -31535,7 +31535,7 @@
           <p:cNvPr id="8" name="正方形/長方形 7">
             <a:extLst>
               <a:ext uri="{FF2B5EF4-FFF2-40B4-BE49-F238E27FC236}">
-                <a16:creationId xmlns:a16="http://schemas.microsoft.com/office/drawing/2014/main" xmlns="" id="{76F8EC8A-F153-E145-875F-699F7446706A}"/>
+                <a16:creationId xmlns="" xmlns:a16="http://schemas.microsoft.com/office/drawing/2014/main" id="{76F8EC8A-F153-E145-875F-699F7446706A}"/>
               </a:ext>
             </a:extLst>
           </p:cNvPr>
@@ -31619,7 +31619,7 @@
           <p:cNvPr id="9" name="正方形/長方形 8">
             <a:extLst>
               <a:ext uri="{FF2B5EF4-FFF2-40B4-BE49-F238E27FC236}">
-                <a16:creationId xmlns:a16="http://schemas.microsoft.com/office/drawing/2014/main" xmlns="" id="{2181B61C-BC7C-1B49-AD43-3A2B61F785E4}"/>
+                <a16:creationId xmlns="" xmlns:a16="http://schemas.microsoft.com/office/drawing/2014/main" id="{2181B61C-BC7C-1B49-AD43-3A2B61F785E4}"/>
               </a:ext>
             </a:extLst>
           </p:cNvPr>
@@ -31687,7 +31687,7 @@
           <p:cNvPr id="11" name="直線矢印コネクタ 10">
             <a:extLst>
               <a:ext uri="{FF2B5EF4-FFF2-40B4-BE49-F238E27FC236}">
-                <a16:creationId xmlns:a16="http://schemas.microsoft.com/office/drawing/2014/main" xmlns="" id="{EC955D44-17C3-C342-82F4-90F6416F8A9D}"/>
+                <a16:creationId xmlns="" xmlns:a16="http://schemas.microsoft.com/office/drawing/2014/main" id="{EC955D44-17C3-C342-82F4-90F6416F8A9D}"/>
               </a:ext>
             </a:extLst>
           </p:cNvPr>
@@ -31727,7 +31727,7 @@
           <p:cNvPr id="13" name="直線矢印コネクタ 12">
             <a:extLst>
               <a:ext uri="{FF2B5EF4-FFF2-40B4-BE49-F238E27FC236}">
-                <a16:creationId xmlns:a16="http://schemas.microsoft.com/office/drawing/2014/main" xmlns="" id="{DE42E045-F4E0-5640-A60A-2AD3535FE4D8}"/>
+                <a16:creationId xmlns="" xmlns:a16="http://schemas.microsoft.com/office/drawing/2014/main" id="{DE42E045-F4E0-5640-A60A-2AD3535FE4D8}"/>
               </a:ext>
             </a:extLst>
           </p:cNvPr>
@@ -31771,7 +31771,7 @@
           <p:cNvPr id="1032" name="グループ化 1031">
             <a:extLst>
               <a:ext uri="{FF2B5EF4-FFF2-40B4-BE49-F238E27FC236}">
-                <a16:creationId xmlns:a16="http://schemas.microsoft.com/office/drawing/2014/main" xmlns="" id="{6A6EEDA1-C898-8A46-88B1-261173F7B119}"/>
+                <a16:creationId xmlns="" xmlns:a16="http://schemas.microsoft.com/office/drawing/2014/main" id="{6A6EEDA1-C898-8A46-88B1-261173F7B119}"/>
               </a:ext>
             </a:extLst>
           </p:cNvPr>
@@ -31791,7 +31791,7 @@
             <p:cNvPr id="10" name="正方形/長方形 9">
               <a:extLst>
                 <a:ext uri="{FF2B5EF4-FFF2-40B4-BE49-F238E27FC236}">
-                  <a16:creationId xmlns:a16="http://schemas.microsoft.com/office/drawing/2014/main" xmlns="" id="{4BDF2E3F-A899-A444-9D13-523C14A2FD59}"/>
+                  <a16:creationId xmlns="" xmlns:a16="http://schemas.microsoft.com/office/drawing/2014/main" id="{4BDF2E3F-A899-A444-9D13-523C14A2FD59}"/>
                 </a:ext>
               </a:extLst>
             </p:cNvPr>
@@ -31857,7 +31857,7 @@
             <p:cNvPr id="16" name="正方形/長方形 15">
               <a:extLst>
                 <a:ext uri="{FF2B5EF4-FFF2-40B4-BE49-F238E27FC236}">
-                  <a16:creationId xmlns:a16="http://schemas.microsoft.com/office/drawing/2014/main" xmlns="" id="{E7F0AA64-DB6B-304D-9E7B-7549A8096DE0}"/>
+                  <a16:creationId xmlns="" xmlns:a16="http://schemas.microsoft.com/office/drawing/2014/main" id="{E7F0AA64-DB6B-304D-9E7B-7549A8096DE0}"/>
                 </a:ext>
               </a:extLst>
             </p:cNvPr>
@@ -31939,7 +31939,7 @@
             <p:cNvPr id="17" name="直線矢印コネクタ 16">
               <a:extLst>
                 <a:ext uri="{FF2B5EF4-FFF2-40B4-BE49-F238E27FC236}">
-                  <a16:creationId xmlns:a16="http://schemas.microsoft.com/office/drawing/2014/main" xmlns="" id="{0C75E1E4-D1FF-FA45-82EB-FF167B5E2B98}"/>
+                  <a16:creationId xmlns="" xmlns:a16="http://schemas.microsoft.com/office/drawing/2014/main" id="{0C75E1E4-D1FF-FA45-82EB-FF167B5E2B98}"/>
                 </a:ext>
               </a:extLst>
             </p:cNvPr>
@@ -31982,7 +31982,7 @@
             <p:cNvPr id="21" name="正方形/長方形 20">
               <a:extLst>
                 <a:ext uri="{FF2B5EF4-FFF2-40B4-BE49-F238E27FC236}">
-                  <a16:creationId xmlns:a16="http://schemas.microsoft.com/office/drawing/2014/main" xmlns="" id="{A9B14F8D-40E6-F346-9916-BA55292B72DD}"/>
+                  <a16:creationId xmlns="" xmlns:a16="http://schemas.microsoft.com/office/drawing/2014/main" id="{A9B14F8D-40E6-F346-9916-BA55292B72DD}"/>
                 </a:ext>
               </a:extLst>
             </p:cNvPr>
@@ -32080,7 +32080,7 @@
             <p:cNvPr id="22" name="正方形/長方形 21">
               <a:extLst>
                 <a:ext uri="{FF2B5EF4-FFF2-40B4-BE49-F238E27FC236}">
-                  <a16:creationId xmlns:a16="http://schemas.microsoft.com/office/drawing/2014/main" xmlns="" id="{FB6ECDE2-E0EA-1C4D-A9C9-B8D8EBC56B3E}"/>
+                  <a16:creationId xmlns="" xmlns:a16="http://schemas.microsoft.com/office/drawing/2014/main" id="{FB6ECDE2-E0EA-1C4D-A9C9-B8D8EBC56B3E}"/>
                 </a:ext>
               </a:extLst>
             </p:cNvPr>
@@ -32211,7 +32211,7 @@
             <p:cNvPr id="25" name="グループ化 24">
               <a:extLst>
                 <a:ext uri="{FF2B5EF4-FFF2-40B4-BE49-F238E27FC236}">
-                  <a16:creationId xmlns:a16="http://schemas.microsoft.com/office/drawing/2014/main" xmlns="" id="{8D976FF4-4AA2-4041-BD66-FF75FFBAFC2A}"/>
+                  <a16:creationId xmlns="" xmlns:a16="http://schemas.microsoft.com/office/drawing/2014/main" id="{8D976FF4-4AA2-4041-BD66-FF75FFBAFC2A}"/>
                 </a:ext>
               </a:extLst>
             </p:cNvPr>
@@ -32234,7 +32234,7 @@
               <p:cNvPr id="26" name="直線コネクタ 25">
                 <a:extLst>
                   <a:ext uri="{FF2B5EF4-FFF2-40B4-BE49-F238E27FC236}">
-                    <a16:creationId xmlns:a16="http://schemas.microsoft.com/office/drawing/2014/main" xmlns="" id="{94593010-A7A8-6A40-BB97-A03AD8BA8F68}"/>
+                    <a16:creationId xmlns="" xmlns:a16="http://schemas.microsoft.com/office/drawing/2014/main" id="{94593010-A7A8-6A40-BB97-A03AD8BA8F68}"/>
                   </a:ext>
                 </a:extLst>
               </p:cNvPr>
@@ -32278,7 +32278,7 @@
               <p:cNvPr id="27" name="直線コネクタ 26">
                 <a:extLst>
                   <a:ext uri="{FF2B5EF4-FFF2-40B4-BE49-F238E27FC236}">
-                    <a16:creationId xmlns:a16="http://schemas.microsoft.com/office/drawing/2014/main" xmlns="" id="{C62242E3-A477-FF48-855F-093FA0CFC87F}"/>
+                    <a16:creationId xmlns="" xmlns:a16="http://schemas.microsoft.com/office/drawing/2014/main" id="{C62242E3-A477-FF48-855F-093FA0CFC87F}"/>
                   </a:ext>
                 </a:extLst>
               </p:cNvPr>
@@ -32325,7 +32325,7 @@
             <p:cNvPr id="29" name="直線矢印コネクタ 28">
               <a:extLst>
                 <a:ext uri="{FF2B5EF4-FFF2-40B4-BE49-F238E27FC236}">
-                  <a16:creationId xmlns:a16="http://schemas.microsoft.com/office/drawing/2014/main" xmlns="" id="{CE796C2D-6D6A-0D4D-92B3-8AED05385947}"/>
+                  <a16:creationId xmlns="" xmlns:a16="http://schemas.microsoft.com/office/drawing/2014/main" id="{CE796C2D-6D6A-0D4D-92B3-8AED05385947}"/>
                 </a:ext>
               </a:extLst>
             </p:cNvPr>
@@ -32367,7 +32367,7 @@
             <p:cNvPr id="31" name="直線矢印コネクタ 30">
               <a:extLst>
                 <a:ext uri="{FF2B5EF4-FFF2-40B4-BE49-F238E27FC236}">
-                  <a16:creationId xmlns:a16="http://schemas.microsoft.com/office/drawing/2014/main" xmlns="" id="{E2027621-03C0-2F42-8832-54251DE0675E}"/>
+                  <a16:creationId xmlns="" xmlns:a16="http://schemas.microsoft.com/office/drawing/2014/main" id="{E2027621-03C0-2F42-8832-54251DE0675E}"/>
                 </a:ext>
               </a:extLst>
             </p:cNvPr>
@@ -32409,7 +32409,7 @@
             <p:cNvPr id="33" name="正方形/長方形 32">
               <a:extLst>
                 <a:ext uri="{FF2B5EF4-FFF2-40B4-BE49-F238E27FC236}">
-                  <a16:creationId xmlns:a16="http://schemas.microsoft.com/office/drawing/2014/main" xmlns="" id="{47AC8F3B-CB2C-1C46-8930-FA238812184B}"/>
+                  <a16:creationId xmlns="" xmlns:a16="http://schemas.microsoft.com/office/drawing/2014/main" id="{47AC8F3B-CB2C-1C46-8930-FA238812184B}"/>
                 </a:ext>
               </a:extLst>
             </p:cNvPr>
@@ -32502,7 +32502,7 @@
             <p:cNvPr id="34" name="直線矢印コネクタ 33">
               <a:extLst>
                 <a:ext uri="{FF2B5EF4-FFF2-40B4-BE49-F238E27FC236}">
-                  <a16:creationId xmlns:a16="http://schemas.microsoft.com/office/drawing/2014/main" xmlns="" id="{27B0508D-3C81-9448-AF75-A81B50C2EEE6}"/>
+                  <a16:creationId xmlns="" xmlns:a16="http://schemas.microsoft.com/office/drawing/2014/main" id="{27B0508D-3C81-9448-AF75-A81B50C2EEE6}"/>
                 </a:ext>
               </a:extLst>
             </p:cNvPr>
@@ -32544,7 +32544,7 @@
             <p:cNvPr id="35" name="直線矢印コネクタ 34">
               <a:extLst>
                 <a:ext uri="{FF2B5EF4-FFF2-40B4-BE49-F238E27FC236}">
-                  <a16:creationId xmlns:a16="http://schemas.microsoft.com/office/drawing/2014/main" xmlns="" id="{C92FBBE7-B739-D349-BA1E-1974E9A4C161}"/>
+                  <a16:creationId xmlns="" xmlns:a16="http://schemas.microsoft.com/office/drawing/2014/main" id="{C92FBBE7-B739-D349-BA1E-1974E9A4C161}"/>
                 </a:ext>
               </a:extLst>
             </p:cNvPr>
@@ -32586,7 +32586,7 @@
             <p:cNvPr id="36" name="正方形/長方形 35">
               <a:extLst>
                 <a:ext uri="{FF2B5EF4-FFF2-40B4-BE49-F238E27FC236}">
-                  <a16:creationId xmlns:a16="http://schemas.microsoft.com/office/drawing/2014/main" xmlns="" id="{99D41376-BE8A-F540-9BB0-CE19EE74381C}"/>
+                  <a16:creationId xmlns="" xmlns:a16="http://schemas.microsoft.com/office/drawing/2014/main" id="{99D41376-BE8A-F540-9BB0-CE19EE74381C}"/>
                 </a:ext>
               </a:extLst>
             </p:cNvPr>
@@ -32668,7 +32668,7 @@
             <p:cNvPr id="40" name="直線矢印コネクタ 39">
               <a:extLst>
                 <a:ext uri="{FF2B5EF4-FFF2-40B4-BE49-F238E27FC236}">
-                  <a16:creationId xmlns:a16="http://schemas.microsoft.com/office/drawing/2014/main" xmlns="" id="{9BB3F302-7901-0349-954E-BC3538C32627}"/>
+                  <a16:creationId xmlns="" xmlns:a16="http://schemas.microsoft.com/office/drawing/2014/main" id="{9BB3F302-7901-0349-954E-BC3538C32627}"/>
                 </a:ext>
               </a:extLst>
             </p:cNvPr>
@@ -32710,7 +32710,7 @@
             <p:cNvPr id="58" name="正方形/長方形 57">
               <a:extLst>
                 <a:ext uri="{FF2B5EF4-FFF2-40B4-BE49-F238E27FC236}">
-                  <a16:creationId xmlns:a16="http://schemas.microsoft.com/office/drawing/2014/main" xmlns="" id="{FCD6134E-B0EE-614F-8EA2-37F0B42D0DFA}"/>
+                  <a16:creationId xmlns="" xmlns:a16="http://schemas.microsoft.com/office/drawing/2014/main" id="{FCD6134E-B0EE-614F-8EA2-37F0B42D0DFA}"/>
                 </a:ext>
               </a:extLst>
             </p:cNvPr>
@@ -32771,7 +32771,7 @@
             <p:cNvPr id="59" name="正方形/長方形 58">
               <a:extLst>
                 <a:ext uri="{FF2B5EF4-FFF2-40B4-BE49-F238E27FC236}">
-                  <a16:creationId xmlns:a16="http://schemas.microsoft.com/office/drawing/2014/main" xmlns="" id="{C02DE10B-F676-9C47-A9A0-62B11226428E}"/>
+                  <a16:creationId xmlns="" xmlns:a16="http://schemas.microsoft.com/office/drawing/2014/main" id="{C02DE10B-F676-9C47-A9A0-62B11226428E}"/>
                 </a:ext>
               </a:extLst>
             </p:cNvPr>
@@ -32832,7 +32832,7 @@
             <p:cNvPr id="63" name="直線矢印コネクタ 62">
               <a:extLst>
                 <a:ext uri="{FF2B5EF4-FFF2-40B4-BE49-F238E27FC236}">
-                  <a16:creationId xmlns:a16="http://schemas.microsoft.com/office/drawing/2014/main" xmlns="" id="{8AD7BE0A-79C3-FD4F-89C8-2176D9FF085C}"/>
+                  <a16:creationId xmlns="" xmlns:a16="http://schemas.microsoft.com/office/drawing/2014/main" id="{8AD7BE0A-79C3-FD4F-89C8-2176D9FF085C}"/>
                 </a:ext>
               </a:extLst>
             </p:cNvPr>
@@ -32875,7 +32875,7 @@
             <p:cNvPr id="67" name="直線矢印コネクタ 66">
               <a:extLst>
                 <a:ext uri="{FF2B5EF4-FFF2-40B4-BE49-F238E27FC236}">
-                  <a16:creationId xmlns:a16="http://schemas.microsoft.com/office/drawing/2014/main" xmlns="" id="{58B8FEB4-B8DE-FD49-81C8-9EC08816B195}"/>
+                  <a16:creationId xmlns="" xmlns:a16="http://schemas.microsoft.com/office/drawing/2014/main" id="{58B8FEB4-B8DE-FD49-81C8-9EC08816B195}"/>
                 </a:ext>
               </a:extLst>
             </p:cNvPr>
@@ -32917,7 +32917,7 @@
             <p:cNvPr id="69" name="直線矢印コネクタ 68">
               <a:extLst>
                 <a:ext uri="{FF2B5EF4-FFF2-40B4-BE49-F238E27FC236}">
-                  <a16:creationId xmlns:a16="http://schemas.microsoft.com/office/drawing/2014/main" xmlns="" id="{A5F90F65-0547-CC47-8D2D-2C3144A8973A}"/>
+                  <a16:creationId xmlns="" xmlns:a16="http://schemas.microsoft.com/office/drawing/2014/main" id="{A5F90F65-0547-CC47-8D2D-2C3144A8973A}"/>
                 </a:ext>
               </a:extLst>
             </p:cNvPr>
@@ -32960,7 +32960,7 @@
           <p:cNvPr id="61" name="直線矢印コネクタ 60">
             <a:extLst>
               <a:ext uri="{FF2B5EF4-FFF2-40B4-BE49-F238E27FC236}">
-                <a16:creationId xmlns:a16="http://schemas.microsoft.com/office/drawing/2014/main" xmlns="" id="{0FDD658B-A2CC-7245-8DFD-60815F4B0478}"/>
+                <a16:creationId xmlns="" xmlns:a16="http://schemas.microsoft.com/office/drawing/2014/main" id="{0FDD658B-A2CC-7245-8DFD-60815F4B0478}"/>
               </a:ext>
             </a:extLst>
           </p:cNvPr>
@@ -33003,7 +33003,7 @@
           <p:cNvPr id="70" name="直線矢印コネクタ 69">
             <a:extLst>
               <a:ext uri="{FF2B5EF4-FFF2-40B4-BE49-F238E27FC236}">
-                <a16:creationId xmlns:a16="http://schemas.microsoft.com/office/drawing/2014/main" xmlns="" id="{C399165E-24EE-5B49-B9E1-5846024EC1E2}"/>
+                <a16:creationId xmlns="" xmlns:a16="http://schemas.microsoft.com/office/drawing/2014/main" id="{C399165E-24EE-5B49-B9E1-5846024EC1E2}"/>
               </a:ext>
             </a:extLst>
           </p:cNvPr>
@@ -33045,7 +33045,7 @@
           <p:cNvPr id="42" name="正方形/長方形 41">
             <a:extLst>
               <a:ext uri="{FF2B5EF4-FFF2-40B4-BE49-F238E27FC236}">
-                <a16:creationId xmlns:a16="http://schemas.microsoft.com/office/drawing/2014/main" xmlns="" id="{3AB49827-6DFB-2045-984F-8C1F46BB9A6F}"/>
+                <a16:creationId xmlns="" xmlns:a16="http://schemas.microsoft.com/office/drawing/2014/main" id="{3AB49827-6DFB-2045-984F-8C1F46BB9A6F}"/>
               </a:ext>
             </a:extLst>
           </p:cNvPr>
@@ -33143,7 +33143,7 @@
           <p:cNvPr id="44" name="正方形/長方形 43">
             <a:extLst>
               <a:ext uri="{FF2B5EF4-FFF2-40B4-BE49-F238E27FC236}">
-                <a16:creationId xmlns:a16="http://schemas.microsoft.com/office/drawing/2014/main" xmlns="" id="{CF825F77-4BA7-ED4F-A4FA-47AF9472B67F}"/>
+                <a16:creationId xmlns="" xmlns:a16="http://schemas.microsoft.com/office/drawing/2014/main" id="{CF825F77-4BA7-ED4F-A4FA-47AF9472B67F}"/>
               </a:ext>
             </a:extLst>
           </p:cNvPr>
@@ -33257,7 +33257,7 @@
           <p:cNvPr id="46" name="直線矢印コネクタ 45">
             <a:extLst>
               <a:ext uri="{FF2B5EF4-FFF2-40B4-BE49-F238E27FC236}">
-                <a16:creationId xmlns:a16="http://schemas.microsoft.com/office/drawing/2014/main" xmlns="" id="{12E145D7-9DCC-6D44-AFD5-4FB2F71D0609}"/>
+                <a16:creationId xmlns="" xmlns:a16="http://schemas.microsoft.com/office/drawing/2014/main" id="{12E145D7-9DCC-6D44-AFD5-4FB2F71D0609}"/>
               </a:ext>
             </a:extLst>
           </p:cNvPr>
@@ -33299,7 +33299,7 @@
           <p:cNvPr id="49" name="直線矢印コネクタ 48">
             <a:extLst>
               <a:ext uri="{FF2B5EF4-FFF2-40B4-BE49-F238E27FC236}">
-                <a16:creationId xmlns:a16="http://schemas.microsoft.com/office/drawing/2014/main" xmlns="" id="{9AE8D64D-5FB9-5142-BF6F-6AEAF823498B}"/>
+                <a16:creationId xmlns="" xmlns:a16="http://schemas.microsoft.com/office/drawing/2014/main" id="{9AE8D64D-5FB9-5142-BF6F-6AEAF823498B}"/>
               </a:ext>
             </a:extLst>
           </p:cNvPr>
@@ -33341,7 +33341,7 @@
           <p:cNvPr id="50" name="グループ化 49">
             <a:extLst>
               <a:ext uri="{FF2B5EF4-FFF2-40B4-BE49-F238E27FC236}">
-                <a16:creationId xmlns:a16="http://schemas.microsoft.com/office/drawing/2014/main" xmlns="" id="{4FD697CC-C8CC-7848-89C2-3BAE3DC8D0E8}"/>
+                <a16:creationId xmlns="" xmlns:a16="http://schemas.microsoft.com/office/drawing/2014/main" id="{4FD697CC-C8CC-7848-89C2-3BAE3DC8D0E8}"/>
               </a:ext>
             </a:extLst>
           </p:cNvPr>
@@ -33364,7 +33364,7 @@
             <p:cNvPr id="51" name="直線コネクタ 50">
               <a:extLst>
                 <a:ext uri="{FF2B5EF4-FFF2-40B4-BE49-F238E27FC236}">
-                  <a16:creationId xmlns:a16="http://schemas.microsoft.com/office/drawing/2014/main" xmlns="" id="{3BABA7F0-0122-8346-AC3E-035B13322D7A}"/>
+                  <a16:creationId xmlns="" xmlns:a16="http://schemas.microsoft.com/office/drawing/2014/main" id="{3BABA7F0-0122-8346-AC3E-035B13322D7A}"/>
                 </a:ext>
               </a:extLst>
             </p:cNvPr>
@@ -33408,7 +33408,7 @@
             <p:cNvPr id="52" name="直線コネクタ 51">
               <a:extLst>
                 <a:ext uri="{FF2B5EF4-FFF2-40B4-BE49-F238E27FC236}">
-                  <a16:creationId xmlns:a16="http://schemas.microsoft.com/office/drawing/2014/main" xmlns="" id="{CCC5EF9F-F13F-8549-B737-FE939D824981}"/>
+                  <a16:creationId xmlns="" xmlns:a16="http://schemas.microsoft.com/office/drawing/2014/main" id="{CCC5EF9F-F13F-8549-B737-FE939D824981}"/>
                 </a:ext>
               </a:extLst>
             </p:cNvPr>
@@ -33455,7 +33455,7 @@
           <p:cNvPr id="54" name="直線矢印コネクタ 53">
             <a:extLst>
               <a:ext uri="{FF2B5EF4-FFF2-40B4-BE49-F238E27FC236}">
-                <a16:creationId xmlns:a16="http://schemas.microsoft.com/office/drawing/2014/main" xmlns="" id="{18510E2F-F315-6B48-A5FC-6A08BCB8C9A4}"/>
+                <a16:creationId xmlns="" xmlns:a16="http://schemas.microsoft.com/office/drawing/2014/main" id="{18510E2F-F315-6B48-A5FC-6A08BCB8C9A4}"/>
               </a:ext>
             </a:extLst>
           </p:cNvPr>
@@ -33497,7 +33497,7 @@
           <p:cNvPr id="55" name="直線矢印コネクタ 54">
             <a:extLst>
               <a:ext uri="{FF2B5EF4-FFF2-40B4-BE49-F238E27FC236}">
-                <a16:creationId xmlns:a16="http://schemas.microsoft.com/office/drawing/2014/main" xmlns="" id="{991B49FD-B796-0D40-9F72-56F5010F4667}"/>
+                <a16:creationId xmlns="" xmlns:a16="http://schemas.microsoft.com/office/drawing/2014/main" id="{991B49FD-B796-0D40-9F72-56F5010F4667}"/>
               </a:ext>
             </a:extLst>
           </p:cNvPr>
@@ -33539,7 +33539,7 @@
           <p:cNvPr id="56" name="直線矢印コネクタ 55">
             <a:extLst>
               <a:ext uri="{FF2B5EF4-FFF2-40B4-BE49-F238E27FC236}">
-                <a16:creationId xmlns:a16="http://schemas.microsoft.com/office/drawing/2014/main" xmlns="" id="{AD45177B-D6BC-3B4D-A0E9-D1B3DD1048C5}"/>
+                <a16:creationId xmlns="" xmlns:a16="http://schemas.microsoft.com/office/drawing/2014/main" id="{AD45177B-D6BC-3B4D-A0E9-D1B3DD1048C5}"/>
               </a:ext>
             </a:extLst>
           </p:cNvPr>
@@ -33581,7 +33581,7 @@
           <p:cNvPr id="57" name="正方形/長方形 56">
             <a:extLst>
               <a:ext uri="{FF2B5EF4-FFF2-40B4-BE49-F238E27FC236}">
-                <a16:creationId xmlns:a16="http://schemas.microsoft.com/office/drawing/2014/main" xmlns="" id="{A373726B-E3DC-F548-B330-C7DA7105410B}"/>
+                <a16:creationId xmlns="" xmlns:a16="http://schemas.microsoft.com/office/drawing/2014/main" id="{A373726B-E3DC-F548-B330-C7DA7105410B}"/>
               </a:ext>
             </a:extLst>
           </p:cNvPr>
@@ -33663,7 +33663,7 @@
           <p:cNvPr id="45" name="正方形/長方形 44">
             <a:extLst>
               <a:ext uri="{FF2B5EF4-FFF2-40B4-BE49-F238E27FC236}">
-                <a16:creationId xmlns:a16="http://schemas.microsoft.com/office/drawing/2014/main" xmlns="" id="{CA0F5CE7-513F-AE47-A57A-8B354721724E}"/>
+                <a16:creationId xmlns="" xmlns:a16="http://schemas.microsoft.com/office/drawing/2014/main" id="{CA0F5CE7-513F-AE47-A57A-8B354721724E}"/>
               </a:ext>
             </a:extLst>
           </p:cNvPr>
@@ -33735,7 +33735,7 @@
           <p:cNvPr id="48" name="正方形/長方形 47">
             <a:extLst>
               <a:ext uri="{FF2B5EF4-FFF2-40B4-BE49-F238E27FC236}">
-                <a16:creationId xmlns:a16="http://schemas.microsoft.com/office/drawing/2014/main" xmlns="" id="{3851518B-85C5-3D4C-B596-19BB33220289}"/>
+                <a16:creationId xmlns="" xmlns:a16="http://schemas.microsoft.com/office/drawing/2014/main" id="{3851518B-85C5-3D4C-B596-19BB33220289}"/>
               </a:ext>
             </a:extLst>
           </p:cNvPr>
@@ -33807,7 +33807,7 @@
           <p:cNvPr id="72" name="正方形/長方形 71">
             <a:extLst>
               <a:ext uri="{FF2B5EF4-FFF2-40B4-BE49-F238E27FC236}">
-                <a16:creationId xmlns:a16="http://schemas.microsoft.com/office/drawing/2014/main" xmlns="" id="{21E0CB5D-F19C-4F42-B9C3-71C5F6A46C26}"/>
+                <a16:creationId xmlns="" xmlns:a16="http://schemas.microsoft.com/office/drawing/2014/main" id="{21E0CB5D-F19C-4F42-B9C3-71C5F6A46C26}"/>
               </a:ext>
             </a:extLst>
           </p:cNvPr>
@@ -33871,7 +33871,7 @@
           <p:cNvPr id="73" name="直線矢印コネクタ 72">
             <a:extLst>
               <a:ext uri="{FF2B5EF4-FFF2-40B4-BE49-F238E27FC236}">
-                <a16:creationId xmlns:a16="http://schemas.microsoft.com/office/drawing/2014/main" xmlns="" id="{70A0A0D6-4095-644F-9E05-521362C08BC4}"/>
+                <a16:creationId xmlns="" xmlns:a16="http://schemas.microsoft.com/office/drawing/2014/main" id="{70A0A0D6-4095-644F-9E05-521362C08BC4}"/>
               </a:ext>
             </a:extLst>
           </p:cNvPr>
@@ -33913,7 +33913,7 @@
           <p:cNvPr id="75" name="正方形/長方形 74">
             <a:extLst>
               <a:ext uri="{FF2B5EF4-FFF2-40B4-BE49-F238E27FC236}">
-                <a16:creationId xmlns:a16="http://schemas.microsoft.com/office/drawing/2014/main" xmlns="" id="{24DE1073-C04E-8145-991F-C8E226827FF5}"/>
+                <a16:creationId xmlns="" xmlns:a16="http://schemas.microsoft.com/office/drawing/2014/main" id="{24DE1073-C04E-8145-991F-C8E226827FF5}"/>
               </a:ext>
             </a:extLst>
           </p:cNvPr>
@@ -33974,7 +33974,7 @@
           <p:cNvPr id="76" name="直線矢印コネクタ 75">
             <a:extLst>
               <a:ext uri="{FF2B5EF4-FFF2-40B4-BE49-F238E27FC236}">
-                <a16:creationId xmlns:a16="http://schemas.microsoft.com/office/drawing/2014/main" xmlns="" id="{C1AACA67-F0A0-EF42-A587-59B1744A87F3}"/>
+                <a16:creationId xmlns="" xmlns:a16="http://schemas.microsoft.com/office/drawing/2014/main" id="{C1AACA67-F0A0-EF42-A587-59B1744A87F3}"/>
               </a:ext>
             </a:extLst>
           </p:cNvPr>
@@ -34016,7 +34016,7 @@
           <p:cNvPr id="84" name="正方形/長方形 83">
             <a:extLst>
               <a:ext uri="{FF2B5EF4-FFF2-40B4-BE49-F238E27FC236}">
-                <a16:creationId xmlns:a16="http://schemas.microsoft.com/office/drawing/2014/main" xmlns="" id="{155DFE3D-0463-1943-80FB-B341FAEC17BA}"/>
+                <a16:creationId xmlns="" xmlns:a16="http://schemas.microsoft.com/office/drawing/2014/main" id="{155DFE3D-0463-1943-80FB-B341FAEC17BA}"/>
               </a:ext>
             </a:extLst>
           </p:cNvPr>
@@ -34098,7 +34098,7 @@
           <p:cNvPr id="85" name="正方形/長方形 84">
             <a:extLst>
               <a:ext uri="{FF2B5EF4-FFF2-40B4-BE49-F238E27FC236}">
-                <a16:creationId xmlns:a16="http://schemas.microsoft.com/office/drawing/2014/main" xmlns="" id="{48AC5AFF-6459-B846-BC0F-534F0AD7F3F7}"/>
+                <a16:creationId xmlns="" xmlns:a16="http://schemas.microsoft.com/office/drawing/2014/main" id="{48AC5AFF-6459-B846-BC0F-534F0AD7F3F7}"/>
               </a:ext>
             </a:extLst>
           </p:cNvPr>
@@ -34180,7 +34180,7 @@
           <p:cNvPr id="86" name="グループ化 85">
             <a:extLst>
               <a:ext uri="{FF2B5EF4-FFF2-40B4-BE49-F238E27FC236}">
-                <a16:creationId xmlns:a16="http://schemas.microsoft.com/office/drawing/2014/main" xmlns="" id="{DC56E049-88E5-CB48-AADC-D31FB1E0A5C1}"/>
+                <a16:creationId xmlns="" xmlns:a16="http://schemas.microsoft.com/office/drawing/2014/main" id="{DC56E049-88E5-CB48-AADC-D31FB1E0A5C1}"/>
               </a:ext>
             </a:extLst>
           </p:cNvPr>
@@ -34200,7 +34200,7 @@
             <p:cNvPr id="87" name="直線矢印コネクタ 86">
               <a:extLst>
                 <a:ext uri="{FF2B5EF4-FFF2-40B4-BE49-F238E27FC236}">
-                  <a16:creationId xmlns:a16="http://schemas.microsoft.com/office/drawing/2014/main" xmlns="" id="{2B4833A7-5DD6-7042-8379-6820E00C9893}"/>
+                  <a16:creationId xmlns="" xmlns:a16="http://schemas.microsoft.com/office/drawing/2014/main" id="{2B4833A7-5DD6-7042-8379-6820E00C9893}"/>
                 </a:ext>
               </a:extLst>
             </p:cNvPr>
@@ -34242,7 +34242,7 @@
             <p:cNvPr id="88" name="直線矢印コネクタ 87">
               <a:extLst>
                 <a:ext uri="{FF2B5EF4-FFF2-40B4-BE49-F238E27FC236}">
-                  <a16:creationId xmlns:a16="http://schemas.microsoft.com/office/drawing/2014/main" xmlns="" id="{5652B8CC-858A-C944-847A-A21A8DE91185}"/>
+                  <a16:creationId xmlns="" xmlns:a16="http://schemas.microsoft.com/office/drawing/2014/main" id="{5652B8CC-858A-C944-847A-A21A8DE91185}"/>
                 </a:ext>
               </a:extLst>
             </p:cNvPr>
@@ -34285,7 +34285,7 @@
           <p:cNvPr id="1035" name="角丸四角形 1034">
             <a:extLst>
               <a:ext uri="{FF2B5EF4-FFF2-40B4-BE49-F238E27FC236}">
-                <a16:creationId xmlns:a16="http://schemas.microsoft.com/office/drawing/2014/main" xmlns="" id="{D2D7D303-E91F-844B-BA92-707DFB4B499D}"/>
+                <a16:creationId xmlns="" xmlns:a16="http://schemas.microsoft.com/office/drawing/2014/main" id="{D2D7D303-E91F-844B-BA92-707DFB4B499D}"/>
               </a:ext>
             </a:extLst>
           </p:cNvPr>
@@ -34354,7 +34354,7 @@
           <p:cNvPr id="91" name="角丸四角形 90">
             <a:extLst>
               <a:ext uri="{FF2B5EF4-FFF2-40B4-BE49-F238E27FC236}">
-                <a16:creationId xmlns:a16="http://schemas.microsoft.com/office/drawing/2014/main" xmlns="" id="{DA542AF9-A939-B04E-A163-0EF4DDCE077D}"/>
+                <a16:creationId xmlns="" xmlns:a16="http://schemas.microsoft.com/office/drawing/2014/main" id="{DA542AF9-A939-B04E-A163-0EF4DDCE077D}"/>
               </a:ext>
             </a:extLst>
           </p:cNvPr>
@@ -34423,7 +34423,7 @@
           <p:cNvPr id="92" name="角丸四角形 91">
             <a:extLst>
               <a:ext uri="{FF2B5EF4-FFF2-40B4-BE49-F238E27FC236}">
-                <a16:creationId xmlns:a16="http://schemas.microsoft.com/office/drawing/2014/main" xmlns="" id="{6D0A4D57-DF17-3E45-8DE0-28A7D58186A0}"/>
+                <a16:creationId xmlns="" xmlns:a16="http://schemas.microsoft.com/office/drawing/2014/main" id="{6D0A4D57-DF17-3E45-8DE0-28A7D58186A0}"/>
               </a:ext>
             </a:extLst>
           </p:cNvPr>
@@ -34492,7 +34492,7 @@
           <p:cNvPr id="95" name="正方形/長方形 94">
             <a:extLst>
               <a:ext uri="{FF2B5EF4-FFF2-40B4-BE49-F238E27FC236}">
-                <a16:creationId xmlns:a16="http://schemas.microsoft.com/office/drawing/2014/main" xmlns="" id="{6E4A1B11-38F4-AD45-87E0-D196CD7B6C22}"/>
+                <a16:creationId xmlns="" xmlns:a16="http://schemas.microsoft.com/office/drawing/2014/main" id="{6E4A1B11-38F4-AD45-87E0-D196CD7B6C22}"/>
               </a:ext>
             </a:extLst>
           </p:cNvPr>
@@ -34565,7 +34565,7 @@
           <p:cNvPr id="60" name="正方形/長方形 59">
             <a:extLst>
               <a:ext uri="{FF2B5EF4-FFF2-40B4-BE49-F238E27FC236}">
-                <a16:creationId xmlns:a16="http://schemas.microsoft.com/office/drawing/2014/main" xmlns="" id="{DBA78A03-1570-114B-9FD5-B782F05B2557}"/>
+                <a16:creationId xmlns="" xmlns:a16="http://schemas.microsoft.com/office/drawing/2014/main" id="{DBA78A03-1570-114B-9FD5-B782F05B2557}"/>
               </a:ext>
             </a:extLst>
           </p:cNvPr>
@@ -34626,7 +34626,7 @@
           <p:cNvPr id="64" name="正方形/長方形 63">
             <a:extLst>
               <a:ext uri="{FF2B5EF4-FFF2-40B4-BE49-F238E27FC236}">
-                <a16:creationId xmlns:a16="http://schemas.microsoft.com/office/drawing/2014/main" xmlns="" id="{C02DE10B-F676-9C47-A9A0-62B11226428E}"/>
+                <a16:creationId xmlns="" xmlns:a16="http://schemas.microsoft.com/office/drawing/2014/main" id="{C02DE10B-F676-9C47-A9A0-62B11226428E}"/>
               </a:ext>
             </a:extLst>
           </p:cNvPr>
@@ -34741,7 +34741,7 @@
           <p:cNvPr id="4" name="正方形/長方形 3">
             <a:extLst>
               <a:ext uri="{FF2B5EF4-FFF2-40B4-BE49-F238E27FC236}">
-                <a16:creationId xmlns:a16="http://schemas.microsoft.com/office/drawing/2014/main" xmlns="" id="{5EFFED2E-5A01-2546-9CC2-866160CB40A6}"/>
+                <a16:creationId xmlns="" xmlns:a16="http://schemas.microsoft.com/office/drawing/2014/main" id="{5EFFED2E-5A01-2546-9CC2-866160CB40A6}"/>
               </a:ext>
             </a:extLst>
           </p:cNvPr>
@@ -34821,7 +34821,7 @@
             <p:cNvPr id="94" name="正方形/長方形 93">
               <a:extLst>
                 <a:ext uri="{FF2B5EF4-FFF2-40B4-BE49-F238E27FC236}">
-                  <a16:creationId xmlns:a16="http://schemas.microsoft.com/office/drawing/2014/main" xmlns="" id="{DB300F03-4C5E-674D-B96A-1E15E26AB9EC}"/>
+                  <a16:creationId xmlns="" xmlns:a16="http://schemas.microsoft.com/office/drawing/2014/main" id="{DB300F03-4C5E-674D-B96A-1E15E26AB9EC}"/>
                 </a:ext>
               </a:extLst>
             </p:cNvPr>
@@ -34896,7 +34896,7 @@
             <p:cNvPr id="1036" name="正方形/長方形 1035">
               <a:extLst>
                 <a:ext uri="{FF2B5EF4-FFF2-40B4-BE49-F238E27FC236}">
-                  <a16:creationId xmlns:a16="http://schemas.microsoft.com/office/drawing/2014/main" xmlns="" id="{9A96743D-2EF0-CA4D-8317-F317A7F33559}"/>
+                  <a16:creationId xmlns="" xmlns:a16="http://schemas.microsoft.com/office/drawing/2014/main" id="{9A96743D-2EF0-CA4D-8317-F317A7F33559}"/>
                 </a:ext>
               </a:extLst>
             </p:cNvPr>
@@ -34963,7 +34963,7 @@
             <p:cNvPr id="8" name="正方形/長方形 7">
               <a:extLst>
                 <a:ext uri="{FF2B5EF4-FFF2-40B4-BE49-F238E27FC236}">
-                  <a16:creationId xmlns:a16="http://schemas.microsoft.com/office/drawing/2014/main" xmlns="" id="{76F8EC8A-F153-E145-875F-699F7446706A}"/>
+                  <a16:creationId xmlns="" xmlns:a16="http://schemas.microsoft.com/office/drawing/2014/main" id="{76F8EC8A-F153-E145-875F-699F7446706A}"/>
                 </a:ext>
               </a:extLst>
             </p:cNvPr>
@@ -35047,7 +35047,7 @@
             <p:cNvPr id="9" name="正方形/長方形 8">
               <a:extLst>
                 <a:ext uri="{FF2B5EF4-FFF2-40B4-BE49-F238E27FC236}">
-                  <a16:creationId xmlns:a16="http://schemas.microsoft.com/office/drawing/2014/main" xmlns="" id="{2181B61C-BC7C-1B49-AD43-3A2B61F785E4}"/>
+                  <a16:creationId xmlns="" xmlns:a16="http://schemas.microsoft.com/office/drawing/2014/main" id="{2181B61C-BC7C-1B49-AD43-3A2B61F785E4}"/>
                 </a:ext>
               </a:extLst>
             </p:cNvPr>
@@ -35115,7 +35115,7 @@
             <p:cNvPr id="11" name="直線矢印コネクタ 10">
               <a:extLst>
                 <a:ext uri="{FF2B5EF4-FFF2-40B4-BE49-F238E27FC236}">
-                  <a16:creationId xmlns:a16="http://schemas.microsoft.com/office/drawing/2014/main" xmlns="" id="{EC955D44-17C3-C342-82F4-90F6416F8A9D}"/>
+                  <a16:creationId xmlns="" xmlns:a16="http://schemas.microsoft.com/office/drawing/2014/main" id="{EC955D44-17C3-C342-82F4-90F6416F8A9D}"/>
                 </a:ext>
               </a:extLst>
             </p:cNvPr>
@@ -35155,7 +35155,7 @@
             <p:cNvPr id="13" name="直線矢印コネクタ 12">
               <a:extLst>
                 <a:ext uri="{FF2B5EF4-FFF2-40B4-BE49-F238E27FC236}">
-                  <a16:creationId xmlns:a16="http://schemas.microsoft.com/office/drawing/2014/main" xmlns="" id="{DE42E045-F4E0-5640-A60A-2AD3535FE4D8}"/>
+                  <a16:creationId xmlns="" xmlns:a16="http://schemas.microsoft.com/office/drawing/2014/main" id="{DE42E045-F4E0-5640-A60A-2AD3535FE4D8}"/>
                 </a:ext>
               </a:extLst>
             </p:cNvPr>
@@ -35199,7 +35199,7 @@
             <p:cNvPr id="1032" name="グループ化 1031">
               <a:extLst>
                 <a:ext uri="{FF2B5EF4-FFF2-40B4-BE49-F238E27FC236}">
-                  <a16:creationId xmlns:a16="http://schemas.microsoft.com/office/drawing/2014/main" xmlns="" id="{6A6EEDA1-C898-8A46-88B1-261173F7B119}"/>
+                  <a16:creationId xmlns="" xmlns:a16="http://schemas.microsoft.com/office/drawing/2014/main" id="{6A6EEDA1-C898-8A46-88B1-261173F7B119}"/>
                 </a:ext>
               </a:extLst>
             </p:cNvPr>
@@ -35219,7 +35219,7 @@
               <p:cNvPr id="10" name="正方形/長方形 9">
                 <a:extLst>
                   <a:ext uri="{FF2B5EF4-FFF2-40B4-BE49-F238E27FC236}">
-                    <a16:creationId xmlns:a16="http://schemas.microsoft.com/office/drawing/2014/main" xmlns="" id="{4BDF2E3F-A899-A444-9D13-523C14A2FD59}"/>
+                    <a16:creationId xmlns="" xmlns:a16="http://schemas.microsoft.com/office/drawing/2014/main" id="{4BDF2E3F-A899-A444-9D13-523C14A2FD59}"/>
                   </a:ext>
                 </a:extLst>
               </p:cNvPr>
@@ -35285,7 +35285,7 @@
               <p:cNvPr id="16" name="正方形/長方形 15">
                 <a:extLst>
                   <a:ext uri="{FF2B5EF4-FFF2-40B4-BE49-F238E27FC236}">
-                    <a16:creationId xmlns:a16="http://schemas.microsoft.com/office/drawing/2014/main" xmlns="" id="{E7F0AA64-DB6B-304D-9E7B-7549A8096DE0}"/>
+                    <a16:creationId xmlns="" xmlns:a16="http://schemas.microsoft.com/office/drawing/2014/main" id="{E7F0AA64-DB6B-304D-9E7B-7549A8096DE0}"/>
                   </a:ext>
                 </a:extLst>
               </p:cNvPr>
@@ -35367,7 +35367,7 @@
               <p:cNvPr id="17" name="直線矢印コネクタ 16">
                 <a:extLst>
                   <a:ext uri="{FF2B5EF4-FFF2-40B4-BE49-F238E27FC236}">
-                    <a16:creationId xmlns:a16="http://schemas.microsoft.com/office/drawing/2014/main" xmlns="" id="{0C75E1E4-D1FF-FA45-82EB-FF167B5E2B98}"/>
+                    <a16:creationId xmlns="" xmlns:a16="http://schemas.microsoft.com/office/drawing/2014/main" id="{0C75E1E4-D1FF-FA45-82EB-FF167B5E2B98}"/>
                   </a:ext>
                 </a:extLst>
               </p:cNvPr>
@@ -35410,7 +35410,7 @@
               <p:cNvPr id="21" name="正方形/長方形 20">
                 <a:extLst>
                   <a:ext uri="{FF2B5EF4-FFF2-40B4-BE49-F238E27FC236}">
-                    <a16:creationId xmlns:a16="http://schemas.microsoft.com/office/drawing/2014/main" xmlns="" id="{A9B14F8D-40E6-F346-9916-BA55292B72DD}"/>
+                    <a16:creationId xmlns="" xmlns:a16="http://schemas.microsoft.com/office/drawing/2014/main" id="{A9B14F8D-40E6-F346-9916-BA55292B72DD}"/>
                   </a:ext>
                 </a:extLst>
               </p:cNvPr>
@@ -35508,7 +35508,7 @@
               <p:cNvPr id="22" name="正方形/長方形 21">
                 <a:extLst>
                   <a:ext uri="{FF2B5EF4-FFF2-40B4-BE49-F238E27FC236}">
-                    <a16:creationId xmlns:a16="http://schemas.microsoft.com/office/drawing/2014/main" xmlns="" id="{FB6ECDE2-E0EA-1C4D-A9C9-B8D8EBC56B3E}"/>
+                    <a16:creationId xmlns="" xmlns:a16="http://schemas.microsoft.com/office/drawing/2014/main" id="{FB6ECDE2-E0EA-1C4D-A9C9-B8D8EBC56B3E}"/>
                   </a:ext>
                 </a:extLst>
               </p:cNvPr>
@@ -35639,7 +35639,7 @@
               <p:cNvPr id="25" name="グループ化 24">
                 <a:extLst>
                   <a:ext uri="{FF2B5EF4-FFF2-40B4-BE49-F238E27FC236}">
-                    <a16:creationId xmlns:a16="http://schemas.microsoft.com/office/drawing/2014/main" xmlns="" id="{8D976FF4-4AA2-4041-BD66-FF75FFBAFC2A}"/>
+                    <a16:creationId xmlns="" xmlns:a16="http://schemas.microsoft.com/office/drawing/2014/main" id="{8D976FF4-4AA2-4041-BD66-FF75FFBAFC2A}"/>
                   </a:ext>
                 </a:extLst>
               </p:cNvPr>
@@ -35662,7 +35662,7 @@
                 <p:cNvPr id="26" name="直線コネクタ 25">
                   <a:extLst>
                     <a:ext uri="{FF2B5EF4-FFF2-40B4-BE49-F238E27FC236}">
-                      <a16:creationId xmlns:a16="http://schemas.microsoft.com/office/drawing/2014/main" xmlns="" id="{94593010-A7A8-6A40-BB97-A03AD8BA8F68}"/>
+                      <a16:creationId xmlns="" xmlns:a16="http://schemas.microsoft.com/office/drawing/2014/main" id="{94593010-A7A8-6A40-BB97-A03AD8BA8F68}"/>
                     </a:ext>
                   </a:extLst>
                 </p:cNvPr>
@@ -35706,7 +35706,7 @@
                 <p:cNvPr id="27" name="直線コネクタ 26">
                   <a:extLst>
                     <a:ext uri="{FF2B5EF4-FFF2-40B4-BE49-F238E27FC236}">
-                      <a16:creationId xmlns:a16="http://schemas.microsoft.com/office/drawing/2014/main" xmlns="" id="{C62242E3-A477-FF48-855F-093FA0CFC87F}"/>
+                      <a16:creationId xmlns="" xmlns:a16="http://schemas.microsoft.com/office/drawing/2014/main" id="{C62242E3-A477-FF48-855F-093FA0CFC87F}"/>
                     </a:ext>
                   </a:extLst>
                 </p:cNvPr>
@@ -35753,7 +35753,7 @@
               <p:cNvPr id="29" name="直線矢印コネクタ 28">
                 <a:extLst>
                   <a:ext uri="{FF2B5EF4-FFF2-40B4-BE49-F238E27FC236}">
-                    <a16:creationId xmlns:a16="http://schemas.microsoft.com/office/drawing/2014/main" xmlns="" id="{CE796C2D-6D6A-0D4D-92B3-8AED05385947}"/>
+                    <a16:creationId xmlns="" xmlns:a16="http://schemas.microsoft.com/office/drawing/2014/main" id="{CE796C2D-6D6A-0D4D-92B3-8AED05385947}"/>
                   </a:ext>
                 </a:extLst>
               </p:cNvPr>
@@ -35795,7 +35795,7 @@
               <p:cNvPr id="31" name="直線矢印コネクタ 30">
                 <a:extLst>
                   <a:ext uri="{FF2B5EF4-FFF2-40B4-BE49-F238E27FC236}">
-                    <a16:creationId xmlns:a16="http://schemas.microsoft.com/office/drawing/2014/main" xmlns="" id="{E2027621-03C0-2F42-8832-54251DE0675E}"/>
+                    <a16:creationId xmlns="" xmlns:a16="http://schemas.microsoft.com/office/drawing/2014/main" id="{E2027621-03C0-2F42-8832-54251DE0675E}"/>
                   </a:ext>
                 </a:extLst>
               </p:cNvPr>
@@ -35837,7 +35837,7 @@
               <p:cNvPr id="33" name="正方形/長方形 32">
                 <a:extLst>
                   <a:ext uri="{FF2B5EF4-FFF2-40B4-BE49-F238E27FC236}">
-                    <a16:creationId xmlns:a16="http://schemas.microsoft.com/office/drawing/2014/main" xmlns="" id="{47AC8F3B-CB2C-1C46-8930-FA238812184B}"/>
+                    <a16:creationId xmlns="" xmlns:a16="http://schemas.microsoft.com/office/drawing/2014/main" id="{47AC8F3B-CB2C-1C46-8930-FA238812184B}"/>
                   </a:ext>
                 </a:extLst>
               </p:cNvPr>
@@ -35930,7 +35930,7 @@
               <p:cNvPr id="34" name="直線矢印コネクタ 33">
                 <a:extLst>
                   <a:ext uri="{FF2B5EF4-FFF2-40B4-BE49-F238E27FC236}">
-                    <a16:creationId xmlns:a16="http://schemas.microsoft.com/office/drawing/2014/main" xmlns="" id="{27B0508D-3C81-9448-AF75-A81B50C2EEE6}"/>
+                    <a16:creationId xmlns="" xmlns:a16="http://schemas.microsoft.com/office/drawing/2014/main" id="{27B0508D-3C81-9448-AF75-A81B50C2EEE6}"/>
                   </a:ext>
                 </a:extLst>
               </p:cNvPr>
@@ -35972,7 +35972,7 @@
               <p:cNvPr id="35" name="直線矢印コネクタ 34">
                 <a:extLst>
                   <a:ext uri="{FF2B5EF4-FFF2-40B4-BE49-F238E27FC236}">
-                    <a16:creationId xmlns:a16="http://schemas.microsoft.com/office/drawing/2014/main" xmlns="" id="{C92FBBE7-B739-D349-BA1E-1974E9A4C161}"/>
+                    <a16:creationId xmlns="" xmlns:a16="http://schemas.microsoft.com/office/drawing/2014/main" id="{C92FBBE7-B739-D349-BA1E-1974E9A4C161}"/>
                   </a:ext>
                 </a:extLst>
               </p:cNvPr>
@@ -36014,7 +36014,7 @@
               <p:cNvPr id="36" name="正方形/長方形 35">
                 <a:extLst>
                   <a:ext uri="{FF2B5EF4-FFF2-40B4-BE49-F238E27FC236}">
-                    <a16:creationId xmlns:a16="http://schemas.microsoft.com/office/drawing/2014/main" xmlns="" id="{99D41376-BE8A-F540-9BB0-CE19EE74381C}"/>
+                    <a16:creationId xmlns="" xmlns:a16="http://schemas.microsoft.com/office/drawing/2014/main" id="{99D41376-BE8A-F540-9BB0-CE19EE74381C}"/>
                   </a:ext>
                 </a:extLst>
               </p:cNvPr>
@@ -36096,7 +36096,7 @@
               <p:cNvPr id="40" name="直線矢印コネクタ 39">
                 <a:extLst>
                   <a:ext uri="{FF2B5EF4-FFF2-40B4-BE49-F238E27FC236}">
-                    <a16:creationId xmlns:a16="http://schemas.microsoft.com/office/drawing/2014/main" xmlns="" id="{9BB3F302-7901-0349-954E-BC3538C32627}"/>
+                    <a16:creationId xmlns="" xmlns:a16="http://schemas.microsoft.com/office/drawing/2014/main" id="{9BB3F302-7901-0349-954E-BC3538C32627}"/>
                   </a:ext>
                 </a:extLst>
               </p:cNvPr>
@@ -36138,7 +36138,7 @@
               <p:cNvPr id="58" name="正方形/長方形 57">
                 <a:extLst>
                   <a:ext uri="{FF2B5EF4-FFF2-40B4-BE49-F238E27FC236}">
-                    <a16:creationId xmlns:a16="http://schemas.microsoft.com/office/drawing/2014/main" xmlns="" id="{FCD6134E-B0EE-614F-8EA2-37F0B42D0DFA}"/>
+                    <a16:creationId xmlns="" xmlns:a16="http://schemas.microsoft.com/office/drawing/2014/main" id="{FCD6134E-B0EE-614F-8EA2-37F0B42D0DFA}"/>
                   </a:ext>
                 </a:extLst>
               </p:cNvPr>
@@ -36199,7 +36199,7 @@
               <p:cNvPr id="59" name="正方形/長方形 58">
                 <a:extLst>
                   <a:ext uri="{FF2B5EF4-FFF2-40B4-BE49-F238E27FC236}">
-                    <a16:creationId xmlns:a16="http://schemas.microsoft.com/office/drawing/2014/main" xmlns="" id="{C02DE10B-F676-9C47-A9A0-62B11226428E}"/>
+                    <a16:creationId xmlns="" xmlns:a16="http://schemas.microsoft.com/office/drawing/2014/main" id="{C02DE10B-F676-9C47-A9A0-62B11226428E}"/>
                   </a:ext>
                 </a:extLst>
               </p:cNvPr>
@@ -36260,7 +36260,7 @@
               <p:cNvPr id="63" name="直線矢印コネクタ 62">
                 <a:extLst>
                   <a:ext uri="{FF2B5EF4-FFF2-40B4-BE49-F238E27FC236}">
-                    <a16:creationId xmlns:a16="http://schemas.microsoft.com/office/drawing/2014/main" xmlns="" id="{8AD7BE0A-79C3-FD4F-89C8-2176D9FF085C}"/>
+                    <a16:creationId xmlns="" xmlns:a16="http://schemas.microsoft.com/office/drawing/2014/main" id="{8AD7BE0A-79C3-FD4F-89C8-2176D9FF085C}"/>
                   </a:ext>
                 </a:extLst>
               </p:cNvPr>
@@ -36303,7 +36303,7 @@
               <p:cNvPr id="67" name="直線矢印コネクタ 66">
                 <a:extLst>
                   <a:ext uri="{FF2B5EF4-FFF2-40B4-BE49-F238E27FC236}">
-                    <a16:creationId xmlns:a16="http://schemas.microsoft.com/office/drawing/2014/main" xmlns="" id="{58B8FEB4-B8DE-FD49-81C8-9EC08816B195}"/>
+                    <a16:creationId xmlns="" xmlns:a16="http://schemas.microsoft.com/office/drawing/2014/main" id="{58B8FEB4-B8DE-FD49-81C8-9EC08816B195}"/>
                   </a:ext>
                 </a:extLst>
               </p:cNvPr>
@@ -36345,7 +36345,7 @@
               <p:cNvPr id="69" name="直線矢印コネクタ 68">
                 <a:extLst>
                   <a:ext uri="{FF2B5EF4-FFF2-40B4-BE49-F238E27FC236}">
-                    <a16:creationId xmlns:a16="http://schemas.microsoft.com/office/drawing/2014/main" xmlns="" id="{A5F90F65-0547-CC47-8D2D-2C3144A8973A}"/>
+                    <a16:creationId xmlns="" xmlns:a16="http://schemas.microsoft.com/office/drawing/2014/main" id="{A5F90F65-0547-CC47-8D2D-2C3144A8973A}"/>
                   </a:ext>
                 </a:extLst>
               </p:cNvPr>
@@ -36388,7 +36388,7 @@
             <p:cNvPr id="61" name="直線矢印コネクタ 60">
               <a:extLst>
                 <a:ext uri="{FF2B5EF4-FFF2-40B4-BE49-F238E27FC236}">
-                  <a16:creationId xmlns:a16="http://schemas.microsoft.com/office/drawing/2014/main" xmlns="" id="{0FDD658B-A2CC-7245-8DFD-60815F4B0478}"/>
+                  <a16:creationId xmlns="" xmlns:a16="http://schemas.microsoft.com/office/drawing/2014/main" id="{0FDD658B-A2CC-7245-8DFD-60815F4B0478}"/>
                 </a:ext>
               </a:extLst>
             </p:cNvPr>
@@ -36431,7 +36431,7 @@
             <p:cNvPr id="70" name="直線矢印コネクタ 69">
               <a:extLst>
                 <a:ext uri="{FF2B5EF4-FFF2-40B4-BE49-F238E27FC236}">
-                  <a16:creationId xmlns:a16="http://schemas.microsoft.com/office/drawing/2014/main" xmlns="" id="{C399165E-24EE-5B49-B9E1-5846024EC1E2}"/>
+                  <a16:creationId xmlns="" xmlns:a16="http://schemas.microsoft.com/office/drawing/2014/main" id="{C399165E-24EE-5B49-B9E1-5846024EC1E2}"/>
                 </a:ext>
               </a:extLst>
             </p:cNvPr>
@@ -36473,7 +36473,7 @@
             <p:cNvPr id="42" name="正方形/長方形 41">
               <a:extLst>
                 <a:ext uri="{FF2B5EF4-FFF2-40B4-BE49-F238E27FC236}">
-                  <a16:creationId xmlns:a16="http://schemas.microsoft.com/office/drawing/2014/main" xmlns="" id="{3AB49827-6DFB-2045-984F-8C1F46BB9A6F}"/>
+                  <a16:creationId xmlns="" xmlns:a16="http://schemas.microsoft.com/office/drawing/2014/main" id="{3AB49827-6DFB-2045-984F-8C1F46BB9A6F}"/>
                 </a:ext>
               </a:extLst>
             </p:cNvPr>
@@ -36571,7 +36571,7 @@
             <p:cNvPr id="44" name="正方形/長方形 43">
               <a:extLst>
                 <a:ext uri="{FF2B5EF4-FFF2-40B4-BE49-F238E27FC236}">
-                  <a16:creationId xmlns:a16="http://schemas.microsoft.com/office/drawing/2014/main" xmlns="" id="{CF825F77-4BA7-ED4F-A4FA-47AF9472B67F}"/>
+                  <a16:creationId xmlns="" xmlns:a16="http://schemas.microsoft.com/office/drawing/2014/main" id="{CF825F77-4BA7-ED4F-A4FA-47AF9472B67F}"/>
                 </a:ext>
               </a:extLst>
             </p:cNvPr>
@@ -36685,7 +36685,7 @@
             <p:cNvPr id="46" name="直線矢印コネクタ 45">
               <a:extLst>
                 <a:ext uri="{FF2B5EF4-FFF2-40B4-BE49-F238E27FC236}">
-                  <a16:creationId xmlns:a16="http://schemas.microsoft.com/office/drawing/2014/main" xmlns="" id="{12E145D7-9DCC-6D44-AFD5-4FB2F71D0609}"/>
+                  <a16:creationId xmlns="" xmlns:a16="http://schemas.microsoft.com/office/drawing/2014/main" id="{12E145D7-9DCC-6D44-AFD5-4FB2F71D0609}"/>
                 </a:ext>
               </a:extLst>
             </p:cNvPr>
@@ -36727,7 +36727,7 @@
             <p:cNvPr id="49" name="直線矢印コネクタ 48">
               <a:extLst>
                 <a:ext uri="{FF2B5EF4-FFF2-40B4-BE49-F238E27FC236}">
-                  <a16:creationId xmlns:a16="http://schemas.microsoft.com/office/drawing/2014/main" xmlns="" id="{9AE8D64D-5FB9-5142-BF6F-6AEAF823498B}"/>
+                  <a16:creationId xmlns="" xmlns:a16="http://schemas.microsoft.com/office/drawing/2014/main" id="{9AE8D64D-5FB9-5142-BF6F-6AEAF823498B}"/>
                 </a:ext>
               </a:extLst>
             </p:cNvPr>
@@ -36769,7 +36769,7 @@
             <p:cNvPr id="50" name="グループ化 49">
               <a:extLst>
                 <a:ext uri="{FF2B5EF4-FFF2-40B4-BE49-F238E27FC236}">
-                  <a16:creationId xmlns:a16="http://schemas.microsoft.com/office/drawing/2014/main" xmlns="" id="{4FD697CC-C8CC-7848-89C2-3BAE3DC8D0E8}"/>
+                  <a16:creationId xmlns="" xmlns:a16="http://schemas.microsoft.com/office/drawing/2014/main" id="{4FD697CC-C8CC-7848-89C2-3BAE3DC8D0E8}"/>
                 </a:ext>
               </a:extLst>
             </p:cNvPr>
@@ -36792,7 +36792,7 @@
               <p:cNvPr id="51" name="直線コネクタ 50">
                 <a:extLst>
                   <a:ext uri="{FF2B5EF4-FFF2-40B4-BE49-F238E27FC236}">
-                    <a16:creationId xmlns:a16="http://schemas.microsoft.com/office/drawing/2014/main" xmlns="" id="{3BABA7F0-0122-8346-AC3E-035B13322D7A}"/>
+                    <a16:creationId xmlns="" xmlns:a16="http://schemas.microsoft.com/office/drawing/2014/main" id="{3BABA7F0-0122-8346-AC3E-035B13322D7A}"/>
                   </a:ext>
                 </a:extLst>
               </p:cNvPr>
@@ -36836,7 +36836,7 @@
               <p:cNvPr id="52" name="直線コネクタ 51">
                 <a:extLst>
                   <a:ext uri="{FF2B5EF4-FFF2-40B4-BE49-F238E27FC236}">
-                    <a16:creationId xmlns:a16="http://schemas.microsoft.com/office/drawing/2014/main" xmlns="" id="{CCC5EF9F-F13F-8549-B737-FE939D824981}"/>
+                    <a16:creationId xmlns="" xmlns:a16="http://schemas.microsoft.com/office/drawing/2014/main" id="{CCC5EF9F-F13F-8549-B737-FE939D824981}"/>
                   </a:ext>
                 </a:extLst>
               </p:cNvPr>
@@ -36883,7 +36883,7 @@
             <p:cNvPr id="54" name="直線矢印コネクタ 53">
               <a:extLst>
                 <a:ext uri="{FF2B5EF4-FFF2-40B4-BE49-F238E27FC236}">
-                  <a16:creationId xmlns:a16="http://schemas.microsoft.com/office/drawing/2014/main" xmlns="" id="{18510E2F-F315-6B48-A5FC-6A08BCB8C9A4}"/>
+                  <a16:creationId xmlns="" xmlns:a16="http://schemas.microsoft.com/office/drawing/2014/main" id="{18510E2F-F315-6B48-A5FC-6A08BCB8C9A4}"/>
                 </a:ext>
               </a:extLst>
             </p:cNvPr>
@@ -36925,7 +36925,7 @@
             <p:cNvPr id="55" name="直線矢印コネクタ 54">
               <a:extLst>
                 <a:ext uri="{FF2B5EF4-FFF2-40B4-BE49-F238E27FC236}">
-                  <a16:creationId xmlns:a16="http://schemas.microsoft.com/office/drawing/2014/main" xmlns="" id="{991B49FD-B796-0D40-9F72-56F5010F4667}"/>
+                  <a16:creationId xmlns="" xmlns:a16="http://schemas.microsoft.com/office/drawing/2014/main" id="{991B49FD-B796-0D40-9F72-56F5010F4667}"/>
                 </a:ext>
               </a:extLst>
             </p:cNvPr>
@@ -36967,7 +36967,7 @@
             <p:cNvPr id="56" name="直線矢印コネクタ 55">
               <a:extLst>
                 <a:ext uri="{FF2B5EF4-FFF2-40B4-BE49-F238E27FC236}">
-                  <a16:creationId xmlns:a16="http://schemas.microsoft.com/office/drawing/2014/main" xmlns="" id="{AD45177B-D6BC-3B4D-A0E9-D1B3DD1048C5}"/>
+                  <a16:creationId xmlns="" xmlns:a16="http://schemas.microsoft.com/office/drawing/2014/main" id="{AD45177B-D6BC-3B4D-A0E9-D1B3DD1048C5}"/>
                 </a:ext>
               </a:extLst>
             </p:cNvPr>
@@ -37009,7 +37009,7 @@
             <p:cNvPr id="57" name="正方形/長方形 56">
               <a:extLst>
                 <a:ext uri="{FF2B5EF4-FFF2-40B4-BE49-F238E27FC236}">
-                  <a16:creationId xmlns:a16="http://schemas.microsoft.com/office/drawing/2014/main" xmlns="" id="{A373726B-E3DC-F548-B330-C7DA7105410B}"/>
+                  <a16:creationId xmlns="" xmlns:a16="http://schemas.microsoft.com/office/drawing/2014/main" id="{A373726B-E3DC-F548-B330-C7DA7105410B}"/>
                 </a:ext>
               </a:extLst>
             </p:cNvPr>
@@ -37091,7 +37091,7 @@
             <p:cNvPr id="45" name="正方形/長方形 44">
               <a:extLst>
                 <a:ext uri="{FF2B5EF4-FFF2-40B4-BE49-F238E27FC236}">
-                  <a16:creationId xmlns:a16="http://schemas.microsoft.com/office/drawing/2014/main" xmlns="" id="{CA0F5CE7-513F-AE47-A57A-8B354721724E}"/>
+                  <a16:creationId xmlns="" xmlns:a16="http://schemas.microsoft.com/office/drawing/2014/main" id="{CA0F5CE7-513F-AE47-A57A-8B354721724E}"/>
                 </a:ext>
               </a:extLst>
             </p:cNvPr>
@@ -37163,7 +37163,7 @@
             <p:cNvPr id="48" name="正方形/長方形 47">
               <a:extLst>
                 <a:ext uri="{FF2B5EF4-FFF2-40B4-BE49-F238E27FC236}">
-                  <a16:creationId xmlns:a16="http://schemas.microsoft.com/office/drawing/2014/main" xmlns="" id="{3851518B-85C5-3D4C-B596-19BB33220289}"/>
+                  <a16:creationId xmlns="" xmlns:a16="http://schemas.microsoft.com/office/drawing/2014/main" id="{3851518B-85C5-3D4C-B596-19BB33220289}"/>
                 </a:ext>
               </a:extLst>
             </p:cNvPr>
@@ -37235,7 +37235,7 @@
             <p:cNvPr id="72" name="正方形/長方形 71">
               <a:extLst>
                 <a:ext uri="{FF2B5EF4-FFF2-40B4-BE49-F238E27FC236}">
-                  <a16:creationId xmlns:a16="http://schemas.microsoft.com/office/drawing/2014/main" xmlns="" id="{21E0CB5D-F19C-4F42-B9C3-71C5F6A46C26}"/>
+                  <a16:creationId xmlns="" xmlns:a16="http://schemas.microsoft.com/office/drawing/2014/main" id="{21E0CB5D-F19C-4F42-B9C3-71C5F6A46C26}"/>
                 </a:ext>
               </a:extLst>
             </p:cNvPr>
@@ -37299,7 +37299,7 @@
             <p:cNvPr id="73" name="直線矢印コネクタ 72">
               <a:extLst>
                 <a:ext uri="{FF2B5EF4-FFF2-40B4-BE49-F238E27FC236}">
-                  <a16:creationId xmlns:a16="http://schemas.microsoft.com/office/drawing/2014/main" xmlns="" id="{70A0A0D6-4095-644F-9E05-521362C08BC4}"/>
+                  <a16:creationId xmlns="" xmlns:a16="http://schemas.microsoft.com/office/drawing/2014/main" id="{70A0A0D6-4095-644F-9E05-521362C08BC4}"/>
                 </a:ext>
               </a:extLst>
             </p:cNvPr>
@@ -37341,7 +37341,7 @@
             <p:cNvPr id="75" name="正方形/長方形 74">
               <a:extLst>
                 <a:ext uri="{FF2B5EF4-FFF2-40B4-BE49-F238E27FC236}">
-                  <a16:creationId xmlns:a16="http://schemas.microsoft.com/office/drawing/2014/main" xmlns="" id="{24DE1073-C04E-8145-991F-C8E226827FF5}"/>
+                  <a16:creationId xmlns="" xmlns:a16="http://schemas.microsoft.com/office/drawing/2014/main" id="{24DE1073-C04E-8145-991F-C8E226827FF5}"/>
                 </a:ext>
               </a:extLst>
             </p:cNvPr>
@@ -37402,7 +37402,7 @@
             <p:cNvPr id="76" name="直線矢印コネクタ 75">
               <a:extLst>
                 <a:ext uri="{FF2B5EF4-FFF2-40B4-BE49-F238E27FC236}">
-                  <a16:creationId xmlns:a16="http://schemas.microsoft.com/office/drawing/2014/main" xmlns="" id="{C1AACA67-F0A0-EF42-A587-59B1744A87F3}"/>
+                  <a16:creationId xmlns="" xmlns:a16="http://schemas.microsoft.com/office/drawing/2014/main" id="{C1AACA67-F0A0-EF42-A587-59B1744A87F3}"/>
                 </a:ext>
               </a:extLst>
             </p:cNvPr>
@@ -37444,7 +37444,7 @@
             <p:cNvPr id="84" name="正方形/長方形 83">
               <a:extLst>
                 <a:ext uri="{FF2B5EF4-FFF2-40B4-BE49-F238E27FC236}">
-                  <a16:creationId xmlns:a16="http://schemas.microsoft.com/office/drawing/2014/main" xmlns="" id="{155DFE3D-0463-1943-80FB-B341FAEC17BA}"/>
+                  <a16:creationId xmlns="" xmlns:a16="http://schemas.microsoft.com/office/drawing/2014/main" id="{155DFE3D-0463-1943-80FB-B341FAEC17BA}"/>
                 </a:ext>
               </a:extLst>
             </p:cNvPr>
@@ -37526,7 +37526,7 @@
             <p:cNvPr id="85" name="正方形/長方形 84">
               <a:extLst>
                 <a:ext uri="{FF2B5EF4-FFF2-40B4-BE49-F238E27FC236}">
-                  <a16:creationId xmlns:a16="http://schemas.microsoft.com/office/drawing/2014/main" xmlns="" id="{48AC5AFF-6459-B846-BC0F-534F0AD7F3F7}"/>
+                  <a16:creationId xmlns="" xmlns:a16="http://schemas.microsoft.com/office/drawing/2014/main" id="{48AC5AFF-6459-B846-BC0F-534F0AD7F3F7}"/>
                 </a:ext>
               </a:extLst>
             </p:cNvPr>
@@ -37608,7 +37608,7 @@
             <p:cNvPr id="86" name="グループ化 85">
               <a:extLst>
                 <a:ext uri="{FF2B5EF4-FFF2-40B4-BE49-F238E27FC236}">
-                  <a16:creationId xmlns:a16="http://schemas.microsoft.com/office/drawing/2014/main" xmlns="" id="{DC56E049-88E5-CB48-AADC-D31FB1E0A5C1}"/>
+                  <a16:creationId xmlns="" xmlns:a16="http://schemas.microsoft.com/office/drawing/2014/main" id="{DC56E049-88E5-CB48-AADC-D31FB1E0A5C1}"/>
                 </a:ext>
               </a:extLst>
             </p:cNvPr>
@@ -37628,7 +37628,7 @@
               <p:cNvPr id="87" name="直線矢印コネクタ 86">
                 <a:extLst>
                   <a:ext uri="{FF2B5EF4-FFF2-40B4-BE49-F238E27FC236}">
-                    <a16:creationId xmlns:a16="http://schemas.microsoft.com/office/drawing/2014/main" xmlns="" id="{2B4833A7-5DD6-7042-8379-6820E00C9893}"/>
+                    <a16:creationId xmlns="" xmlns:a16="http://schemas.microsoft.com/office/drawing/2014/main" id="{2B4833A7-5DD6-7042-8379-6820E00C9893}"/>
                   </a:ext>
                 </a:extLst>
               </p:cNvPr>
@@ -37670,7 +37670,7 @@
               <p:cNvPr id="88" name="直線矢印コネクタ 87">
                 <a:extLst>
                   <a:ext uri="{FF2B5EF4-FFF2-40B4-BE49-F238E27FC236}">
-                    <a16:creationId xmlns:a16="http://schemas.microsoft.com/office/drawing/2014/main" xmlns="" id="{5652B8CC-858A-C944-847A-A21A8DE91185}"/>
+                    <a16:creationId xmlns="" xmlns:a16="http://schemas.microsoft.com/office/drawing/2014/main" id="{5652B8CC-858A-C944-847A-A21A8DE91185}"/>
                   </a:ext>
                 </a:extLst>
               </p:cNvPr>
@@ -37713,7 +37713,7 @@
             <p:cNvPr id="1035" name="角丸四角形 1034">
               <a:extLst>
                 <a:ext uri="{FF2B5EF4-FFF2-40B4-BE49-F238E27FC236}">
-                  <a16:creationId xmlns:a16="http://schemas.microsoft.com/office/drawing/2014/main" xmlns="" id="{D2D7D303-E91F-844B-BA92-707DFB4B499D}"/>
+                  <a16:creationId xmlns="" xmlns:a16="http://schemas.microsoft.com/office/drawing/2014/main" id="{D2D7D303-E91F-844B-BA92-707DFB4B499D}"/>
                 </a:ext>
               </a:extLst>
             </p:cNvPr>
@@ -37782,7 +37782,7 @@
             <p:cNvPr id="91" name="角丸四角形 90">
               <a:extLst>
                 <a:ext uri="{FF2B5EF4-FFF2-40B4-BE49-F238E27FC236}">
-                  <a16:creationId xmlns:a16="http://schemas.microsoft.com/office/drawing/2014/main" xmlns="" id="{DA542AF9-A939-B04E-A163-0EF4DDCE077D}"/>
+                  <a16:creationId xmlns="" xmlns:a16="http://schemas.microsoft.com/office/drawing/2014/main" id="{DA542AF9-A939-B04E-A163-0EF4DDCE077D}"/>
                 </a:ext>
               </a:extLst>
             </p:cNvPr>
@@ -37851,7 +37851,7 @@
             <p:cNvPr id="92" name="角丸四角形 91">
               <a:extLst>
                 <a:ext uri="{FF2B5EF4-FFF2-40B4-BE49-F238E27FC236}">
-                  <a16:creationId xmlns:a16="http://schemas.microsoft.com/office/drawing/2014/main" xmlns="" id="{6D0A4D57-DF17-3E45-8DE0-28A7D58186A0}"/>
+                  <a16:creationId xmlns="" xmlns:a16="http://schemas.microsoft.com/office/drawing/2014/main" id="{6D0A4D57-DF17-3E45-8DE0-28A7D58186A0}"/>
                 </a:ext>
               </a:extLst>
             </p:cNvPr>
@@ -37920,7 +37920,7 @@
             <p:cNvPr id="64" name="正方形/長方形 63">
               <a:extLst>
                 <a:ext uri="{FF2B5EF4-FFF2-40B4-BE49-F238E27FC236}">
-                  <a16:creationId xmlns:a16="http://schemas.microsoft.com/office/drawing/2014/main" xmlns="" id="{C02DE10B-F676-9C47-A9A0-62B11226428E}"/>
+                  <a16:creationId xmlns="" xmlns:a16="http://schemas.microsoft.com/office/drawing/2014/main" id="{C02DE10B-F676-9C47-A9A0-62B11226428E}"/>
                 </a:ext>
               </a:extLst>
             </p:cNvPr>
@@ -38577,7 +38577,7 @@
           <p:cNvPr id="79" name="正方形/長方形 78">
             <a:extLst>
               <a:ext uri="{FF2B5EF4-FFF2-40B4-BE49-F238E27FC236}">
-                <a16:creationId xmlns:a16="http://schemas.microsoft.com/office/drawing/2014/main" xmlns="" id="{DBA78A03-1570-114B-9FD5-B782F05B2557}"/>
+                <a16:creationId xmlns="" xmlns:a16="http://schemas.microsoft.com/office/drawing/2014/main" id="{DBA78A03-1570-114B-9FD5-B782F05B2557}"/>
               </a:ext>
             </a:extLst>
           </p:cNvPr>
@@ -38638,7 +38638,7 @@
           <p:cNvPr id="80" name="正方形/長方形 79">
             <a:extLst>
               <a:ext uri="{FF2B5EF4-FFF2-40B4-BE49-F238E27FC236}">
-                <a16:creationId xmlns:a16="http://schemas.microsoft.com/office/drawing/2014/main" xmlns="" id="{DBA78A03-1570-114B-9FD5-B782F05B2557}"/>
+                <a16:creationId xmlns="" xmlns:a16="http://schemas.microsoft.com/office/drawing/2014/main" id="{DBA78A03-1570-114B-9FD5-B782F05B2557}"/>
               </a:ext>
             </a:extLst>
           </p:cNvPr>
@@ -38699,7 +38699,7 @@
           <p:cNvPr id="81" name="正方形/長方形 80">
             <a:extLst>
               <a:ext uri="{FF2B5EF4-FFF2-40B4-BE49-F238E27FC236}">
-                <a16:creationId xmlns:a16="http://schemas.microsoft.com/office/drawing/2014/main" xmlns="" id="{DBA78A03-1570-114B-9FD5-B782F05B2557}"/>
+                <a16:creationId xmlns="" xmlns:a16="http://schemas.microsoft.com/office/drawing/2014/main" id="{DBA78A03-1570-114B-9FD5-B782F05B2557}"/>
               </a:ext>
             </a:extLst>
           </p:cNvPr>
@@ -38776,7 +38776,7 @@
           <p:cNvPr id="82" name="正方形/長方形 81">
             <a:extLst>
               <a:ext uri="{FF2B5EF4-FFF2-40B4-BE49-F238E27FC236}">
-                <a16:creationId xmlns:a16="http://schemas.microsoft.com/office/drawing/2014/main" xmlns="" id="{DBA78A03-1570-114B-9FD5-B782F05B2557}"/>
+                <a16:creationId xmlns="" xmlns:a16="http://schemas.microsoft.com/office/drawing/2014/main" id="{DBA78A03-1570-114B-9FD5-B782F05B2557}"/>
               </a:ext>
             </a:extLst>
           </p:cNvPr>
@@ -38837,7 +38837,7 @@
           <p:cNvPr id="83" name="正方形/長方形 82">
             <a:extLst>
               <a:ext uri="{FF2B5EF4-FFF2-40B4-BE49-F238E27FC236}">
-                <a16:creationId xmlns:a16="http://schemas.microsoft.com/office/drawing/2014/main" xmlns="" id="{DBA78A03-1570-114B-9FD5-B782F05B2557}"/>
+                <a16:creationId xmlns="" xmlns:a16="http://schemas.microsoft.com/office/drawing/2014/main" id="{DBA78A03-1570-114B-9FD5-B782F05B2557}"/>
               </a:ext>
             </a:extLst>
           </p:cNvPr>
@@ -38928,7 +38928,7 @@
           <p:cNvPr id="4" name="正方形/長方形 3">
             <a:extLst>
               <a:ext uri="{FF2B5EF4-FFF2-40B4-BE49-F238E27FC236}">
-                <a16:creationId xmlns:a16="http://schemas.microsoft.com/office/drawing/2014/main" xmlns="" id="{5EFFED2E-5A01-2546-9CC2-866160CB40A6}"/>
+                <a16:creationId xmlns="" xmlns:a16="http://schemas.microsoft.com/office/drawing/2014/main" id="{5EFFED2E-5A01-2546-9CC2-866160CB40A6}"/>
               </a:ext>
             </a:extLst>
           </p:cNvPr>
@@ -39008,7 +39008,7 @@
             <p:cNvPr id="94" name="正方形/長方形 93">
               <a:extLst>
                 <a:ext uri="{FF2B5EF4-FFF2-40B4-BE49-F238E27FC236}">
-                  <a16:creationId xmlns:a16="http://schemas.microsoft.com/office/drawing/2014/main" xmlns="" id="{DB300F03-4C5E-674D-B96A-1E15E26AB9EC}"/>
+                  <a16:creationId xmlns="" xmlns:a16="http://schemas.microsoft.com/office/drawing/2014/main" id="{DB300F03-4C5E-674D-B96A-1E15E26AB9EC}"/>
                 </a:ext>
               </a:extLst>
             </p:cNvPr>
@@ -39083,7 +39083,7 @@
             <p:cNvPr id="1036" name="正方形/長方形 1035">
               <a:extLst>
                 <a:ext uri="{FF2B5EF4-FFF2-40B4-BE49-F238E27FC236}">
-                  <a16:creationId xmlns:a16="http://schemas.microsoft.com/office/drawing/2014/main" xmlns="" id="{9A96743D-2EF0-CA4D-8317-F317A7F33559}"/>
+                  <a16:creationId xmlns="" xmlns:a16="http://schemas.microsoft.com/office/drawing/2014/main" id="{9A96743D-2EF0-CA4D-8317-F317A7F33559}"/>
                 </a:ext>
               </a:extLst>
             </p:cNvPr>
@@ -39150,7 +39150,7 @@
             <p:cNvPr id="8" name="正方形/長方形 7">
               <a:extLst>
                 <a:ext uri="{FF2B5EF4-FFF2-40B4-BE49-F238E27FC236}">
-                  <a16:creationId xmlns:a16="http://schemas.microsoft.com/office/drawing/2014/main" xmlns="" id="{76F8EC8A-F153-E145-875F-699F7446706A}"/>
+                  <a16:creationId xmlns="" xmlns:a16="http://schemas.microsoft.com/office/drawing/2014/main" id="{76F8EC8A-F153-E145-875F-699F7446706A}"/>
                 </a:ext>
               </a:extLst>
             </p:cNvPr>
@@ -39234,7 +39234,7 @@
             <p:cNvPr id="9" name="正方形/長方形 8">
               <a:extLst>
                 <a:ext uri="{FF2B5EF4-FFF2-40B4-BE49-F238E27FC236}">
-                  <a16:creationId xmlns:a16="http://schemas.microsoft.com/office/drawing/2014/main" xmlns="" id="{2181B61C-BC7C-1B49-AD43-3A2B61F785E4}"/>
+                  <a16:creationId xmlns="" xmlns:a16="http://schemas.microsoft.com/office/drawing/2014/main" id="{2181B61C-BC7C-1B49-AD43-3A2B61F785E4}"/>
                 </a:ext>
               </a:extLst>
             </p:cNvPr>
@@ -39302,7 +39302,7 @@
             <p:cNvPr id="11" name="直線矢印コネクタ 10">
               <a:extLst>
                 <a:ext uri="{FF2B5EF4-FFF2-40B4-BE49-F238E27FC236}">
-                  <a16:creationId xmlns:a16="http://schemas.microsoft.com/office/drawing/2014/main" xmlns="" id="{EC955D44-17C3-C342-82F4-90F6416F8A9D}"/>
+                  <a16:creationId xmlns="" xmlns:a16="http://schemas.microsoft.com/office/drawing/2014/main" id="{EC955D44-17C3-C342-82F4-90F6416F8A9D}"/>
                 </a:ext>
               </a:extLst>
             </p:cNvPr>
@@ -39342,7 +39342,7 @@
             <p:cNvPr id="13" name="直線矢印コネクタ 12">
               <a:extLst>
                 <a:ext uri="{FF2B5EF4-FFF2-40B4-BE49-F238E27FC236}">
-                  <a16:creationId xmlns:a16="http://schemas.microsoft.com/office/drawing/2014/main" xmlns="" id="{DE42E045-F4E0-5640-A60A-2AD3535FE4D8}"/>
+                  <a16:creationId xmlns="" xmlns:a16="http://schemas.microsoft.com/office/drawing/2014/main" id="{DE42E045-F4E0-5640-A60A-2AD3535FE4D8}"/>
                 </a:ext>
               </a:extLst>
             </p:cNvPr>
@@ -39386,7 +39386,7 @@
             <p:cNvPr id="1032" name="グループ化 1031">
               <a:extLst>
                 <a:ext uri="{FF2B5EF4-FFF2-40B4-BE49-F238E27FC236}">
-                  <a16:creationId xmlns:a16="http://schemas.microsoft.com/office/drawing/2014/main" xmlns="" id="{6A6EEDA1-C898-8A46-88B1-261173F7B119}"/>
+                  <a16:creationId xmlns="" xmlns:a16="http://schemas.microsoft.com/office/drawing/2014/main" id="{6A6EEDA1-C898-8A46-88B1-261173F7B119}"/>
                 </a:ext>
               </a:extLst>
             </p:cNvPr>
@@ -39406,7 +39406,7 @@
               <p:cNvPr id="10" name="正方形/長方形 9">
                 <a:extLst>
                   <a:ext uri="{FF2B5EF4-FFF2-40B4-BE49-F238E27FC236}">
-                    <a16:creationId xmlns:a16="http://schemas.microsoft.com/office/drawing/2014/main" xmlns="" id="{4BDF2E3F-A899-A444-9D13-523C14A2FD59}"/>
+                    <a16:creationId xmlns="" xmlns:a16="http://schemas.microsoft.com/office/drawing/2014/main" id="{4BDF2E3F-A899-A444-9D13-523C14A2FD59}"/>
                   </a:ext>
                 </a:extLst>
               </p:cNvPr>
@@ -39472,7 +39472,7 @@
               <p:cNvPr id="16" name="正方形/長方形 15">
                 <a:extLst>
                   <a:ext uri="{FF2B5EF4-FFF2-40B4-BE49-F238E27FC236}">
-                    <a16:creationId xmlns:a16="http://schemas.microsoft.com/office/drawing/2014/main" xmlns="" id="{E7F0AA64-DB6B-304D-9E7B-7549A8096DE0}"/>
+                    <a16:creationId xmlns="" xmlns:a16="http://schemas.microsoft.com/office/drawing/2014/main" id="{E7F0AA64-DB6B-304D-9E7B-7549A8096DE0}"/>
                   </a:ext>
                 </a:extLst>
               </p:cNvPr>
@@ -39554,7 +39554,7 @@
               <p:cNvPr id="17" name="直線矢印コネクタ 16">
                 <a:extLst>
                   <a:ext uri="{FF2B5EF4-FFF2-40B4-BE49-F238E27FC236}">
-                    <a16:creationId xmlns:a16="http://schemas.microsoft.com/office/drawing/2014/main" xmlns="" id="{0C75E1E4-D1FF-FA45-82EB-FF167B5E2B98}"/>
+                    <a16:creationId xmlns="" xmlns:a16="http://schemas.microsoft.com/office/drawing/2014/main" id="{0C75E1E4-D1FF-FA45-82EB-FF167B5E2B98}"/>
                   </a:ext>
                 </a:extLst>
               </p:cNvPr>
@@ -39597,7 +39597,7 @@
               <p:cNvPr id="21" name="正方形/長方形 20">
                 <a:extLst>
                   <a:ext uri="{FF2B5EF4-FFF2-40B4-BE49-F238E27FC236}">
-                    <a16:creationId xmlns:a16="http://schemas.microsoft.com/office/drawing/2014/main" xmlns="" id="{A9B14F8D-40E6-F346-9916-BA55292B72DD}"/>
+                    <a16:creationId xmlns="" xmlns:a16="http://schemas.microsoft.com/office/drawing/2014/main" id="{A9B14F8D-40E6-F346-9916-BA55292B72DD}"/>
                   </a:ext>
                 </a:extLst>
               </p:cNvPr>
@@ -39695,7 +39695,7 @@
               <p:cNvPr id="22" name="正方形/長方形 21">
                 <a:extLst>
                   <a:ext uri="{FF2B5EF4-FFF2-40B4-BE49-F238E27FC236}">
-                    <a16:creationId xmlns:a16="http://schemas.microsoft.com/office/drawing/2014/main" xmlns="" id="{FB6ECDE2-E0EA-1C4D-A9C9-B8D8EBC56B3E}"/>
+                    <a16:creationId xmlns="" xmlns:a16="http://schemas.microsoft.com/office/drawing/2014/main" id="{FB6ECDE2-E0EA-1C4D-A9C9-B8D8EBC56B3E}"/>
                   </a:ext>
                 </a:extLst>
               </p:cNvPr>
@@ -39826,7 +39826,7 @@
               <p:cNvPr id="25" name="グループ化 24">
                 <a:extLst>
                   <a:ext uri="{FF2B5EF4-FFF2-40B4-BE49-F238E27FC236}">
-                    <a16:creationId xmlns:a16="http://schemas.microsoft.com/office/drawing/2014/main" xmlns="" id="{8D976FF4-4AA2-4041-BD66-FF75FFBAFC2A}"/>
+                    <a16:creationId xmlns="" xmlns:a16="http://schemas.microsoft.com/office/drawing/2014/main" id="{8D976FF4-4AA2-4041-BD66-FF75FFBAFC2A}"/>
                   </a:ext>
                 </a:extLst>
               </p:cNvPr>
@@ -39849,7 +39849,7 @@
                 <p:cNvPr id="26" name="直線コネクタ 25">
                   <a:extLst>
                     <a:ext uri="{FF2B5EF4-FFF2-40B4-BE49-F238E27FC236}">
-                      <a16:creationId xmlns:a16="http://schemas.microsoft.com/office/drawing/2014/main" xmlns="" id="{94593010-A7A8-6A40-BB97-A03AD8BA8F68}"/>
+                      <a16:creationId xmlns="" xmlns:a16="http://schemas.microsoft.com/office/drawing/2014/main" id="{94593010-A7A8-6A40-BB97-A03AD8BA8F68}"/>
                     </a:ext>
                   </a:extLst>
                 </p:cNvPr>
@@ -39893,7 +39893,7 @@
                 <p:cNvPr id="27" name="直線コネクタ 26">
                   <a:extLst>
                     <a:ext uri="{FF2B5EF4-FFF2-40B4-BE49-F238E27FC236}">
-                      <a16:creationId xmlns:a16="http://schemas.microsoft.com/office/drawing/2014/main" xmlns="" id="{C62242E3-A477-FF48-855F-093FA0CFC87F}"/>
+                      <a16:creationId xmlns="" xmlns:a16="http://schemas.microsoft.com/office/drawing/2014/main" id="{C62242E3-A477-FF48-855F-093FA0CFC87F}"/>
                     </a:ext>
                   </a:extLst>
                 </p:cNvPr>
@@ -39940,7 +39940,7 @@
               <p:cNvPr id="29" name="直線矢印コネクタ 28">
                 <a:extLst>
                   <a:ext uri="{FF2B5EF4-FFF2-40B4-BE49-F238E27FC236}">
-                    <a16:creationId xmlns:a16="http://schemas.microsoft.com/office/drawing/2014/main" xmlns="" id="{CE796C2D-6D6A-0D4D-92B3-8AED05385947}"/>
+                    <a16:creationId xmlns="" xmlns:a16="http://schemas.microsoft.com/office/drawing/2014/main" id="{CE796C2D-6D6A-0D4D-92B3-8AED05385947}"/>
                   </a:ext>
                 </a:extLst>
               </p:cNvPr>
@@ -39982,7 +39982,7 @@
               <p:cNvPr id="31" name="直線矢印コネクタ 30">
                 <a:extLst>
                   <a:ext uri="{FF2B5EF4-FFF2-40B4-BE49-F238E27FC236}">
-                    <a16:creationId xmlns:a16="http://schemas.microsoft.com/office/drawing/2014/main" xmlns="" id="{E2027621-03C0-2F42-8832-54251DE0675E}"/>
+                    <a16:creationId xmlns="" xmlns:a16="http://schemas.microsoft.com/office/drawing/2014/main" id="{E2027621-03C0-2F42-8832-54251DE0675E}"/>
                   </a:ext>
                 </a:extLst>
               </p:cNvPr>
@@ -40024,7 +40024,7 @@
               <p:cNvPr id="33" name="正方形/長方形 32">
                 <a:extLst>
                   <a:ext uri="{FF2B5EF4-FFF2-40B4-BE49-F238E27FC236}">
-                    <a16:creationId xmlns:a16="http://schemas.microsoft.com/office/drawing/2014/main" xmlns="" id="{47AC8F3B-CB2C-1C46-8930-FA238812184B}"/>
+                    <a16:creationId xmlns="" xmlns:a16="http://schemas.microsoft.com/office/drawing/2014/main" id="{47AC8F3B-CB2C-1C46-8930-FA238812184B}"/>
                   </a:ext>
                 </a:extLst>
               </p:cNvPr>
@@ -40117,7 +40117,7 @@
               <p:cNvPr id="34" name="直線矢印コネクタ 33">
                 <a:extLst>
                   <a:ext uri="{FF2B5EF4-FFF2-40B4-BE49-F238E27FC236}">
-                    <a16:creationId xmlns:a16="http://schemas.microsoft.com/office/drawing/2014/main" xmlns="" id="{27B0508D-3C81-9448-AF75-A81B50C2EEE6}"/>
+                    <a16:creationId xmlns="" xmlns:a16="http://schemas.microsoft.com/office/drawing/2014/main" id="{27B0508D-3C81-9448-AF75-A81B50C2EEE6}"/>
                   </a:ext>
                 </a:extLst>
               </p:cNvPr>
@@ -40159,7 +40159,7 @@
               <p:cNvPr id="35" name="直線矢印コネクタ 34">
                 <a:extLst>
                   <a:ext uri="{FF2B5EF4-FFF2-40B4-BE49-F238E27FC236}">
-                    <a16:creationId xmlns:a16="http://schemas.microsoft.com/office/drawing/2014/main" xmlns="" id="{C92FBBE7-B739-D349-BA1E-1974E9A4C161}"/>
+                    <a16:creationId xmlns="" xmlns:a16="http://schemas.microsoft.com/office/drawing/2014/main" id="{C92FBBE7-B739-D349-BA1E-1974E9A4C161}"/>
                   </a:ext>
                 </a:extLst>
               </p:cNvPr>
@@ -40201,7 +40201,7 @@
               <p:cNvPr id="36" name="正方形/長方形 35">
                 <a:extLst>
                   <a:ext uri="{FF2B5EF4-FFF2-40B4-BE49-F238E27FC236}">
-                    <a16:creationId xmlns:a16="http://schemas.microsoft.com/office/drawing/2014/main" xmlns="" id="{99D41376-BE8A-F540-9BB0-CE19EE74381C}"/>
+                    <a16:creationId xmlns="" xmlns:a16="http://schemas.microsoft.com/office/drawing/2014/main" id="{99D41376-BE8A-F540-9BB0-CE19EE74381C}"/>
                   </a:ext>
                 </a:extLst>
               </p:cNvPr>
@@ -40283,7 +40283,7 @@
               <p:cNvPr id="40" name="直線矢印コネクタ 39">
                 <a:extLst>
                   <a:ext uri="{FF2B5EF4-FFF2-40B4-BE49-F238E27FC236}">
-                    <a16:creationId xmlns:a16="http://schemas.microsoft.com/office/drawing/2014/main" xmlns="" id="{9BB3F302-7901-0349-954E-BC3538C32627}"/>
+                    <a16:creationId xmlns="" xmlns:a16="http://schemas.microsoft.com/office/drawing/2014/main" id="{9BB3F302-7901-0349-954E-BC3538C32627}"/>
                   </a:ext>
                 </a:extLst>
               </p:cNvPr>
@@ -40325,7 +40325,7 @@
               <p:cNvPr id="58" name="正方形/長方形 57">
                 <a:extLst>
                   <a:ext uri="{FF2B5EF4-FFF2-40B4-BE49-F238E27FC236}">
-                    <a16:creationId xmlns:a16="http://schemas.microsoft.com/office/drawing/2014/main" xmlns="" id="{FCD6134E-B0EE-614F-8EA2-37F0B42D0DFA}"/>
+                    <a16:creationId xmlns="" xmlns:a16="http://schemas.microsoft.com/office/drawing/2014/main" id="{FCD6134E-B0EE-614F-8EA2-37F0B42D0DFA}"/>
                   </a:ext>
                 </a:extLst>
               </p:cNvPr>
@@ -40386,7 +40386,7 @@
               <p:cNvPr id="59" name="正方形/長方形 58">
                 <a:extLst>
                   <a:ext uri="{FF2B5EF4-FFF2-40B4-BE49-F238E27FC236}">
-                    <a16:creationId xmlns:a16="http://schemas.microsoft.com/office/drawing/2014/main" xmlns="" id="{C02DE10B-F676-9C47-A9A0-62B11226428E}"/>
+                    <a16:creationId xmlns="" xmlns:a16="http://schemas.microsoft.com/office/drawing/2014/main" id="{C02DE10B-F676-9C47-A9A0-62B11226428E}"/>
                   </a:ext>
                 </a:extLst>
               </p:cNvPr>
@@ -40447,7 +40447,7 @@
               <p:cNvPr id="63" name="直線矢印コネクタ 62">
                 <a:extLst>
                   <a:ext uri="{FF2B5EF4-FFF2-40B4-BE49-F238E27FC236}">
-                    <a16:creationId xmlns:a16="http://schemas.microsoft.com/office/drawing/2014/main" xmlns="" id="{8AD7BE0A-79C3-FD4F-89C8-2176D9FF085C}"/>
+                    <a16:creationId xmlns="" xmlns:a16="http://schemas.microsoft.com/office/drawing/2014/main" id="{8AD7BE0A-79C3-FD4F-89C8-2176D9FF085C}"/>
                   </a:ext>
                 </a:extLst>
               </p:cNvPr>
@@ -40490,7 +40490,7 @@
               <p:cNvPr id="67" name="直線矢印コネクタ 66">
                 <a:extLst>
                   <a:ext uri="{FF2B5EF4-FFF2-40B4-BE49-F238E27FC236}">
-                    <a16:creationId xmlns:a16="http://schemas.microsoft.com/office/drawing/2014/main" xmlns="" id="{58B8FEB4-B8DE-FD49-81C8-9EC08816B195}"/>
+                    <a16:creationId xmlns="" xmlns:a16="http://schemas.microsoft.com/office/drawing/2014/main" id="{58B8FEB4-B8DE-FD49-81C8-9EC08816B195}"/>
                   </a:ext>
                 </a:extLst>
               </p:cNvPr>
@@ -40532,7 +40532,7 @@
               <p:cNvPr id="69" name="直線矢印コネクタ 68">
                 <a:extLst>
                   <a:ext uri="{FF2B5EF4-FFF2-40B4-BE49-F238E27FC236}">
-                    <a16:creationId xmlns:a16="http://schemas.microsoft.com/office/drawing/2014/main" xmlns="" id="{A5F90F65-0547-CC47-8D2D-2C3144A8973A}"/>
+                    <a16:creationId xmlns="" xmlns:a16="http://schemas.microsoft.com/office/drawing/2014/main" id="{A5F90F65-0547-CC47-8D2D-2C3144A8973A}"/>
                   </a:ext>
                 </a:extLst>
               </p:cNvPr>
@@ -40575,7 +40575,7 @@
             <p:cNvPr id="61" name="直線矢印コネクタ 60">
               <a:extLst>
                 <a:ext uri="{FF2B5EF4-FFF2-40B4-BE49-F238E27FC236}">
-                  <a16:creationId xmlns:a16="http://schemas.microsoft.com/office/drawing/2014/main" xmlns="" id="{0FDD658B-A2CC-7245-8DFD-60815F4B0478}"/>
+                  <a16:creationId xmlns="" xmlns:a16="http://schemas.microsoft.com/office/drawing/2014/main" id="{0FDD658B-A2CC-7245-8DFD-60815F4B0478}"/>
                 </a:ext>
               </a:extLst>
             </p:cNvPr>
@@ -40618,7 +40618,7 @@
             <p:cNvPr id="70" name="直線矢印コネクタ 69">
               <a:extLst>
                 <a:ext uri="{FF2B5EF4-FFF2-40B4-BE49-F238E27FC236}">
-                  <a16:creationId xmlns:a16="http://schemas.microsoft.com/office/drawing/2014/main" xmlns="" id="{C399165E-24EE-5B49-B9E1-5846024EC1E2}"/>
+                  <a16:creationId xmlns="" xmlns:a16="http://schemas.microsoft.com/office/drawing/2014/main" id="{C399165E-24EE-5B49-B9E1-5846024EC1E2}"/>
                 </a:ext>
               </a:extLst>
             </p:cNvPr>
@@ -40660,7 +40660,7 @@
             <p:cNvPr id="42" name="正方形/長方形 41">
               <a:extLst>
                 <a:ext uri="{FF2B5EF4-FFF2-40B4-BE49-F238E27FC236}">
-                  <a16:creationId xmlns:a16="http://schemas.microsoft.com/office/drawing/2014/main" xmlns="" id="{3AB49827-6DFB-2045-984F-8C1F46BB9A6F}"/>
+                  <a16:creationId xmlns="" xmlns:a16="http://schemas.microsoft.com/office/drawing/2014/main" id="{3AB49827-6DFB-2045-984F-8C1F46BB9A6F}"/>
                 </a:ext>
               </a:extLst>
             </p:cNvPr>
@@ -40758,7 +40758,7 @@
             <p:cNvPr id="44" name="正方形/長方形 43">
               <a:extLst>
                 <a:ext uri="{FF2B5EF4-FFF2-40B4-BE49-F238E27FC236}">
-                  <a16:creationId xmlns:a16="http://schemas.microsoft.com/office/drawing/2014/main" xmlns="" id="{CF825F77-4BA7-ED4F-A4FA-47AF9472B67F}"/>
+                  <a16:creationId xmlns="" xmlns:a16="http://schemas.microsoft.com/office/drawing/2014/main" id="{CF825F77-4BA7-ED4F-A4FA-47AF9472B67F}"/>
                 </a:ext>
               </a:extLst>
             </p:cNvPr>
@@ -40872,7 +40872,7 @@
             <p:cNvPr id="46" name="直線矢印コネクタ 45">
               <a:extLst>
                 <a:ext uri="{FF2B5EF4-FFF2-40B4-BE49-F238E27FC236}">
-                  <a16:creationId xmlns:a16="http://schemas.microsoft.com/office/drawing/2014/main" xmlns="" id="{12E145D7-9DCC-6D44-AFD5-4FB2F71D0609}"/>
+                  <a16:creationId xmlns="" xmlns:a16="http://schemas.microsoft.com/office/drawing/2014/main" id="{12E145D7-9DCC-6D44-AFD5-4FB2F71D0609}"/>
                 </a:ext>
               </a:extLst>
             </p:cNvPr>
@@ -40914,7 +40914,7 @@
             <p:cNvPr id="49" name="直線矢印コネクタ 48">
               <a:extLst>
                 <a:ext uri="{FF2B5EF4-FFF2-40B4-BE49-F238E27FC236}">
-                  <a16:creationId xmlns:a16="http://schemas.microsoft.com/office/drawing/2014/main" xmlns="" id="{9AE8D64D-5FB9-5142-BF6F-6AEAF823498B}"/>
+                  <a16:creationId xmlns="" xmlns:a16="http://schemas.microsoft.com/office/drawing/2014/main" id="{9AE8D64D-5FB9-5142-BF6F-6AEAF823498B}"/>
                 </a:ext>
               </a:extLst>
             </p:cNvPr>
@@ -40956,7 +40956,7 @@
             <p:cNvPr id="50" name="グループ化 49">
               <a:extLst>
                 <a:ext uri="{FF2B5EF4-FFF2-40B4-BE49-F238E27FC236}">
-                  <a16:creationId xmlns:a16="http://schemas.microsoft.com/office/drawing/2014/main" xmlns="" id="{4FD697CC-C8CC-7848-89C2-3BAE3DC8D0E8}"/>
+                  <a16:creationId xmlns="" xmlns:a16="http://schemas.microsoft.com/office/drawing/2014/main" id="{4FD697CC-C8CC-7848-89C2-3BAE3DC8D0E8}"/>
                 </a:ext>
               </a:extLst>
             </p:cNvPr>
@@ -40979,7 +40979,7 @@
               <p:cNvPr id="51" name="直線コネクタ 50">
                 <a:extLst>
                   <a:ext uri="{FF2B5EF4-FFF2-40B4-BE49-F238E27FC236}">
-                    <a16:creationId xmlns:a16="http://schemas.microsoft.com/office/drawing/2014/main" xmlns="" id="{3BABA7F0-0122-8346-AC3E-035B13322D7A}"/>
+                    <a16:creationId xmlns="" xmlns:a16="http://schemas.microsoft.com/office/drawing/2014/main" id="{3BABA7F0-0122-8346-AC3E-035B13322D7A}"/>
                   </a:ext>
                 </a:extLst>
               </p:cNvPr>
@@ -41023,7 +41023,7 @@
               <p:cNvPr id="52" name="直線コネクタ 51">
                 <a:extLst>
                   <a:ext uri="{FF2B5EF4-FFF2-40B4-BE49-F238E27FC236}">
-                    <a16:creationId xmlns:a16="http://schemas.microsoft.com/office/drawing/2014/main" xmlns="" id="{CCC5EF9F-F13F-8549-B737-FE939D824981}"/>
+                    <a16:creationId xmlns="" xmlns:a16="http://schemas.microsoft.com/office/drawing/2014/main" id="{CCC5EF9F-F13F-8549-B737-FE939D824981}"/>
                   </a:ext>
                 </a:extLst>
               </p:cNvPr>
@@ -41070,7 +41070,7 @@
             <p:cNvPr id="54" name="直線矢印コネクタ 53">
               <a:extLst>
                 <a:ext uri="{FF2B5EF4-FFF2-40B4-BE49-F238E27FC236}">
-                  <a16:creationId xmlns:a16="http://schemas.microsoft.com/office/drawing/2014/main" xmlns="" id="{18510E2F-F315-6B48-A5FC-6A08BCB8C9A4}"/>
+                  <a16:creationId xmlns="" xmlns:a16="http://schemas.microsoft.com/office/drawing/2014/main" id="{18510E2F-F315-6B48-A5FC-6A08BCB8C9A4}"/>
                 </a:ext>
               </a:extLst>
             </p:cNvPr>
@@ -41112,7 +41112,7 @@
             <p:cNvPr id="55" name="直線矢印コネクタ 54">
               <a:extLst>
                 <a:ext uri="{FF2B5EF4-FFF2-40B4-BE49-F238E27FC236}">
-                  <a16:creationId xmlns:a16="http://schemas.microsoft.com/office/drawing/2014/main" xmlns="" id="{991B49FD-B796-0D40-9F72-56F5010F4667}"/>
+                  <a16:creationId xmlns="" xmlns:a16="http://schemas.microsoft.com/office/drawing/2014/main" id="{991B49FD-B796-0D40-9F72-56F5010F4667}"/>
                 </a:ext>
               </a:extLst>
             </p:cNvPr>
@@ -41154,7 +41154,7 @@
             <p:cNvPr id="56" name="直線矢印コネクタ 55">
               <a:extLst>
                 <a:ext uri="{FF2B5EF4-FFF2-40B4-BE49-F238E27FC236}">
-                  <a16:creationId xmlns:a16="http://schemas.microsoft.com/office/drawing/2014/main" xmlns="" id="{AD45177B-D6BC-3B4D-A0E9-D1B3DD1048C5}"/>
+                  <a16:creationId xmlns="" xmlns:a16="http://schemas.microsoft.com/office/drawing/2014/main" id="{AD45177B-D6BC-3B4D-A0E9-D1B3DD1048C5}"/>
                 </a:ext>
               </a:extLst>
             </p:cNvPr>
@@ -41196,7 +41196,7 @@
             <p:cNvPr id="57" name="正方形/長方形 56">
               <a:extLst>
                 <a:ext uri="{FF2B5EF4-FFF2-40B4-BE49-F238E27FC236}">
-                  <a16:creationId xmlns:a16="http://schemas.microsoft.com/office/drawing/2014/main" xmlns="" id="{A373726B-E3DC-F548-B330-C7DA7105410B}"/>
+                  <a16:creationId xmlns="" xmlns:a16="http://schemas.microsoft.com/office/drawing/2014/main" id="{A373726B-E3DC-F548-B330-C7DA7105410B}"/>
                 </a:ext>
               </a:extLst>
             </p:cNvPr>
@@ -41278,7 +41278,7 @@
             <p:cNvPr id="45" name="正方形/長方形 44">
               <a:extLst>
                 <a:ext uri="{FF2B5EF4-FFF2-40B4-BE49-F238E27FC236}">
-                  <a16:creationId xmlns:a16="http://schemas.microsoft.com/office/drawing/2014/main" xmlns="" id="{CA0F5CE7-513F-AE47-A57A-8B354721724E}"/>
+                  <a16:creationId xmlns="" xmlns:a16="http://schemas.microsoft.com/office/drawing/2014/main" id="{CA0F5CE7-513F-AE47-A57A-8B354721724E}"/>
                 </a:ext>
               </a:extLst>
             </p:cNvPr>
@@ -41350,7 +41350,7 @@
             <p:cNvPr id="48" name="正方形/長方形 47">
               <a:extLst>
                 <a:ext uri="{FF2B5EF4-FFF2-40B4-BE49-F238E27FC236}">
-                  <a16:creationId xmlns:a16="http://schemas.microsoft.com/office/drawing/2014/main" xmlns="" id="{3851518B-85C5-3D4C-B596-19BB33220289}"/>
+                  <a16:creationId xmlns="" xmlns:a16="http://schemas.microsoft.com/office/drawing/2014/main" id="{3851518B-85C5-3D4C-B596-19BB33220289}"/>
                 </a:ext>
               </a:extLst>
             </p:cNvPr>
@@ -41422,7 +41422,7 @@
             <p:cNvPr id="72" name="正方形/長方形 71">
               <a:extLst>
                 <a:ext uri="{FF2B5EF4-FFF2-40B4-BE49-F238E27FC236}">
-                  <a16:creationId xmlns:a16="http://schemas.microsoft.com/office/drawing/2014/main" xmlns="" id="{21E0CB5D-F19C-4F42-B9C3-71C5F6A46C26}"/>
+                  <a16:creationId xmlns="" xmlns:a16="http://schemas.microsoft.com/office/drawing/2014/main" id="{21E0CB5D-F19C-4F42-B9C3-71C5F6A46C26}"/>
                 </a:ext>
               </a:extLst>
             </p:cNvPr>
@@ -41483,7 +41483,7 @@
             <p:cNvPr id="73" name="直線矢印コネクタ 72">
               <a:extLst>
                 <a:ext uri="{FF2B5EF4-FFF2-40B4-BE49-F238E27FC236}">
-                  <a16:creationId xmlns:a16="http://schemas.microsoft.com/office/drawing/2014/main" xmlns="" id="{70A0A0D6-4095-644F-9E05-521362C08BC4}"/>
+                  <a16:creationId xmlns="" xmlns:a16="http://schemas.microsoft.com/office/drawing/2014/main" id="{70A0A0D6-4095-644F-9E05-521362C08BC4}"/>
                 </a:ext>
               </a:extLst>
             </p:cNvPr>
@@ -41525,7 +41525,7 @@
             <p:cNvPr id="75" name="正方形/長方形 74">
               <a:extLst>
                 <a:ext uri="{FF2B5EF4-FFF2-40B4-BE49-F238E27FC236}">
-                  <a16:creationId xmlns:a16="http://schemas.microsoft.com/office/drawing/2014/main" xmlns="" id="{24DE1073-C04E-8145-991F-C8E226827FF5}"/>
+                  <a16:creationId xmlns="" xmlns:a16="http://schemas.microsoft.com/office/drawing/2014/main" id="{24DE1073-C04E-8145-991F-C8E226827FF5}"/>
                 </a:ext>
               </a:extLst>
             </p:cNvPr>
@@ -41586,7 +41586,7 @@
             <p:cNvPr id="76" name="直線矢印コネクタ 75">
               <a:extLst>
                 <a:ext uri="{FF2B5EF4-FFF2-40B4-BE49-F238E27FC236}">
-                  <a16:creationId xmlns:a16="http://schemas.microsoft.com/office/drawing/2014/main" xmlns="" id="{C1AACA67-F0A0-EF42-A587-59B1744A87F3}"/>
+                  <a16:creationId xmlns="" xmlns:a16="http://schemas.microsoft.com/office/drawing/2014/main" id="{C1AACA67-F0A0-EF42-A587-59B1744A87F3}"/>
                 </a:ext>
               </a:extLst>
             </p:cNvPr>
@@ -41628,7 +41628,7 @@
             <p:cNvPr id="84" name="正方形/長方形 83">
               <a:extLst>
                 <a:ext uri="{FF2B5EF4-FFF2-40B4-BE49-F238E27FC236}">
-                  <a16:creationId xmlns:a16="http://schemas.microsoft.com/office/drawing/2014/main" xmlns="" id="{155DFE3D-0463-1943-80FB-B341FAEC17BA}"/>
+                  <a16:creationId xmlns="" xmlns:a16="http://schemas.microsoft.com/office/drawing/2014/main" id="{155DFE3D-0463-1943-80FB-B341FAEC17BA}"/>
                 </a:ext>
               </a:extLst>
             </p:cNvPr>
@@ -41710,7 +41710,7 @@
             <p:cNvPr id="85" name="正方形/長方形 84">
               <a:extLst>
                 <a:ext uri="{FF2B5EF4-FFF2-40B4-BE49-F238E27FC236}">
-                  <a16:creationId xmlns:a16="http://schemas.microsoft.com/office/drawing/2014/main" xmlns="" id="{48AC5AFF-6459-B846-BC0F-534F0AD7F3F7}"/>
+                  <a16:creationId xmlns="" xmlns:a16="http://schemas.microsoft.com/office/drawing/2014/main" id="{48AC5AFF-6459-B846-BC0F-534F0AD7F3F7}"/>
                 </a:ext>
               </a:extLst>
             </p:cNvPr>
@@ -41792,7 +41792,7 @@
             <p:cNvPr id="86" name="グループ化 85">
               <a:extLst>
                 <a:ext uri="{FF2B5EF4-FFF2-40B4-BE49-F238E27FC236}">
-                  <a16:creationId xmlns:a16="http://schemas.microsoft.com/office/drawing/2014/main" xmlns="" id="{DC56E049-88E5-CB48-AADC-D31FB1E0A5C1}"/>
+                  <a16:creationId xmlns="" xmlns:a16="http://schemas.microsoft.com/office/drawing/2014/main" id="{DC56E049-88E5-CB48-AADC-D31FB1E0A5C1}"/>
                 </a:ext>
               </a:extLst>
             </p:cNvPr>
@@ -41812,7 +41812,7 @@
               <p:cNvPr id="87" name="直線矢印コネクタ 86">
                 <a:extLst>
                   <a:ext uri="{FF2B5EF4-FFF2-40B4-BE49-F238E27FC236}">
-                    <a16:creationId xmlns:a16="http://schemas.microsoft.com/office/drawing/2014/main" xmlns="" id="{2B4833A7-5DD6-7042-8379-6820E00C9893}"/>
+                    <a16:creationId xmlns="" xmlns:a16="http://schemas.microsoft.com/office/drawing/2014/main" id="{2B4833A7-5DD6-7042-8379-6820E00C9893}"/>
                   </a:ext>
                 </a:extLst>
               </p:cNvPr>
@@ -41854,7 +41854,7 @@
               <p:cNvPr id="88" name="直線矢印コネクタ 87">
                 <a:extLst>
                   <a:ext uri="{FF2B5EF4-FFF2-40B4-BE49-F238E27FC236}">
-                    <a16:creationId xmlns:a16="http://schemas.microsoft.com/office/drawing/2014/main" xmlns="" id="{5652B8CC-858A-C944-847A-A21A8DE91185}"/>
+                    <a16:creationId xmlns="" xmlns:a16="http://schemas.microsoft.com/office/drawing/2014/main" id="{5652B8CC-858A-C944-847A-A21A8DE91185}"/>
                   </a:ext>
                 </a:extLst>
               </p:cNvPr>
@@ -41897,7 +41897,7 @@
             <p:cNvPr id="64" name="正方形/長方形 63">
               <a:extLst>
                 <a:ext uri="{FF2B5EF4-FFF2-40B4-BE49-F238E27FC236}">
-                  <a16:creationId xmlns:a16="http://schemas.microsoft.com/office/drawing/2014/main" xmlns="" id="{C02DE10B-F676-9C47-A9A0-62B11226428E}"/>
+                  <a16:creationId xmlns="" xmlns:a16="http://schemas.microsoft.com/office/drawing/2014/main" id="{C02DE10B-F676-9C47-A9A0-62B11226428E}"/>
                 </a:ext>
               </a:extLst>
             </p:cNvPr>
@@ -42382,7 +42382,7 @@
           <p:cNvPr id="2" name="タイトル 1">
             <a:extLst>
               <a:ext uri="{FF2B5EF4-FFF2-40B4-BE49-F238E27FC236}">
-                <a16:creationId xmlns:a16="http://schemas.microsoft.com/office/drawing/2014/main" xmlns="" id="{37B7E350-4F4E-A24E-8958-4CC4AB3B5872}"/>
+                <a16:creationId xmlns="" xmlns:a16="http://schemas.microsoft.com/office/drawing/2014/main" id="{37B7E350-4F4E-A24E-8958-4CC4AB3B5872}"/>
               </a:ext>
             </a:extLst>
           </p:cNvPr>
@@ -42456,7 +42456,7 @@
           <p:cNvPr id="4" name="正方形/長方形 3">
             <a:extLst>
               <a:ext uri="{FF2B5EF4-FFF2-40B4-BE49-F238E27FC236}">
-                <a16:creationId xmlns:a16="http://schemas.microsoft.com/office/drawing/2014/main" xmlns="" id="{E14352D6-4254-954F-B23C-DD3C3BEF430F}"/>
+                <a16:creationId xmlns="" xmlns:a16="http://schemas.microsoft.com/office/drawing/2014/main" id="{E14352D6-4254-954F-B23C-DD3C3BEF430F}"/>
               </a:ext>
             </a:extLst>
           </p:cNvPr>
@@ -42522,7 +42522,7 @@
           <p:cNvPr id="5" name="Picture 2">
             <a:extLst>
               <a:ext uri="{FF2B5EF4-FFF2-40B4-BE49-F238E27FC236}">
-                <a16:creationId xmlns:a16="http://schemas.microsoft.com/office/drawing/2014/main" xmlns="" id="{6355C1F0-0BC4-434A-9EF7-691CC78DB512}"/>
+                <a16:creationId xmlns="" xmlns:a16="http://schemas.microsoft.com/office/drawing/2014/main" id="{6355C1F0-0BC4-434A-9EF7-691CC78DB512}"/>
               </a:ext>
             </a:extLst>
           </p:cNvPr>
@@ -42590,7 +42590,7 @@
           <p:cNvPr id="3" name="正方形/長方形 2">
             <a:extLst>
               <a:ext uri="{FF2B5EF4-FFF2-40B4-BE49-F238E27FC236}">
-                <a16:creationId xmlns:a16="http://schemas.microsoft.com/office/drawing/2014/main" xmlns="" id="{AB2DC209-2D49-ED48-A28A-5235BB16A756}"/>
+                <a16:creationId xmlns="" xmlns:a16="http://schemas.microsoft.com/office/drawing/2014/main" id="{AB2DC209-2D49-ED48-A28A-5235BB16A756}"/>
               </a:ext>
             </a:extLst>
           </p:cNvPr>
@@ -42647,7 +42647,7 @@
           <p:cNvPr id="7" name="正方形/長方形 6">
             <a:extLst>
               <a:ext uri="{FF2B5EF4-FFF2-40B4-BE49-F238E27FC236}">
-                <a16:creationId xmlns:a16="http://schemas.microsoft.com/office/drawing/2014/main" xmlns="" id="{4FDE3D7F-84F9-344F-9C6B-86A603DC6CF1}"/>
+                <a16:creationId xmlns="" xmlns:a16="http://schemas.microsoft.com/office/drawing/2014/main" id="{4FDE3D7F-84F9-344F-9C6B-86A603DC6CF1}"/>
               </a:ext>
             </a:extLst>
           </p:cNvPr>
@@ -42704,7 +42704,7 @@
           <p:cNvPr id="8" name="正方形/長方形 7">
             <a:extLst>
               <a:ext uri="{FF2B5EF4-FFF2-40B4-BE49-F238E27FC236}">
-                <a16:creationId xmlns:a16="http://schemas.microsoft.com/office/drawing/2014/main" xmlns="" id="{5D5E8653-064D-DB49-9A91-B200665F5761}"/>
+                <a16:creationId xmlns="" xmlns:a16="http://schemas.microsoft.com/office/drawing/2014/main" id="{5D5E8653-064D-DB49-9A91-B200665F5761}"/>
               </a:ext>
             </a:extLst>
           </p:cNvPr>
@@ -42761,7 +42761,7 @@
           <p:cNvPr id="15" name="正方形/長方形 14">
             <a:extLst>
               <a:ext uri="{FF2B5EF4-FFF2-40B4-BE49-F238E27FC236}">
-                <a16:creationId xmlns:a16="http://schemas.microsoft.com/office/drawing/2014/main" xmlns="" id="{52AF8D6F-4DC0-574B-AA11-63A1C9877C31}"/>
+                <a16:creationId xmlns="" xmlns:a16="http://schemas.microsoft.com/office/drawing/2014/main" id="{52AF8D6F-4DC0-574B-AA11-63A1C9877C31}"/>
               </a:ext>
             </a:extLst>
           </p:cNvPr>
@@ -42852,7 +42852,7 @@
           <p:cNvPr id="4" name="正方形/長方形 3">
             <a:extLst>
               <a:ext uri="{FF2B5EF4-FFF2-40B4-BE49-F238E27FC236}">
-                <a16:creationId xmlns:a16="http://schemas.microsoft.com/office/drawing/2014/main" xmlns="" id="{E14352D6-4254-954F-B23C-DD3C3BEF430F}"/>
+                <a16:creationId xmlns="" xmlns:a16="http://schemas.microsoft.com/office/drawing/2014/main" id="{E14352D6-4254-954F-B23C-DD3C3BEF430F}"/>
               </a:ext>
             </a:extLst>
           </p:cNvPr>
@@ -42918,7 +42918,7 @@
           <p:cNvPr id="2" name="フリーフォーム 1">
             <a:extLst>
               <a:ext uri="{FF2B5EF4-FFF2-40B4-BE49-F238E27FC236}">
-                <a16:creationId xmlns:a16="http://schemas.microsoft.com/office/drawing/2014/main" xmlns="" id="{C1CF671C-1973-BB4B-8499-D925431031F9}"/>
+                <a16:creationId xmlns="" xmlns:a16="http://schemas.microsoft.com/office/drawing/2014/main" id="{C1CF671C-1973-BB4B-8499-D925431031F9}"/>
               </a:ext>
             </a:extLst>
           </p:cNvPr>
@@ -43006,7 +43006,7 @@
           <p:cNvPr id="6" name="正方形/長方形 5">
             <a:extLst>
               <a:ext uri="{FF2B5EF4-FFF2-40B4-BE49-F238E27FC236}">
-                <a16:creationId xmlns:a16="http://schemas.microsoft.com/office/drawing/2014/main" xmlns="" id="{3133FDFE-F698-A04B-87BA-855249F0A8F3}"/>
+                <a16:creationId xmlns="" xmlns:a16="http://schemas.microsoft.com/office/drawing/2014/main" id="{3133FDFE-F698-A04B-87BA-855249F0A8F3}"/>
               </a:ext>
             </a:extLst>
           </p:cNvPr>
@@ -43076,7 +43076,7 @@
           <p:cNvPr id="9" name="正方形/長方形 8">
             <a:extLst>
               <a:ext uri="{FF2B5EF4-FFF2-40B4-BE49-F238E27FC236}">
-                <a16:creationId xmlns:a16="http://schemas.microsoft.com/office/drawing/2014/main" xmlns="" id="{081D1E09-3BB0-984D-8FD1-4FBC6B904AA3}"/>
+                <a16:creationId xmlns="" xmlns:a16="http://schemas.microsoft.com/office/drawing/2014/main" id="{081D1E09-3BB0-984D-8FD1-4FBC6B904AA3}"/>
               </a:ext>
             </a:extLst>
           </p:cNvPr>
@@ -43146,7 +43146,7 @@
           <p:cNvPr id="10" name="正方形/長方形 9">
             <a:extLst>
               <a:ext uri="{FF2B5EF4-FFF2-40B4-BE49-F238E27FC236}">
-                <a16:creationId xmlns:a16="http://schemas.microsoft.com/office/drawing/2014/main" xmlns="" id="{EFBEBC3A-DA97-D14C-B158-0FAEC4DA172C}"/>
+                <a16:creationId xmlns="" xmlns:a16="http://schemas.microsoft.com/office/drawing/2014/main" id="{EFBEBC3A-DA97-D14C-B158-0FAEC4DA172C}"/>
               </a:ext>
             </a:extLst>
           </p:cNvPr>
@@ -43216,7 +43216,7 @@
           <p:cNvPr id="12" name="直線コネクタ 11">
             <a:extLst>
               <a:ext uri="{FF2B5EF4-FFF2-40B4-BE49-F238E27FC236}">
-                <a16:creationId xmlns:a16="http://schemas.microsoft.com/office/drawing/2014/main" xmlns="" id="{498D4C03-132D-8643-8758-A8114DD78FB1}"/>
+                <a16:creationId xmlns="" xmlns:a16="http://schemas.microsoft.com/office/drawing/2014/main" id="{498D4C03-132D-8643-8758-A8114DD78FB1}"/>
               </a:ext>
             </a:extLst>
           </p:cNvPr>
@@ -43258,7 +43258,7 @@
           <p:cNvPr id="14" name="直線コネクタ 13">
             <a:extLst>
               <a:ext uri="{FF2B5EF4-FFF2-40B4-BE49-F238E27FC236}">
-                <a16:creationId xmlns:a16="http://schemas.microsoft.com/office/drawing/2014/main" xmlns="" id="{3ECBF010-6007-A644-A7E0-0253692D4E3E}"/>
+                <a16:creationId xmlns="" xmlns:a16="http://schemas.microsoft.com/office/drawing/2014/main" id="{3ECBF010-6007-A644-A7E0-0253692D4E3E}"/>
               </a:ext>
             </a:extLst>
           </p:cNvPr>
@@ -43297,7 +43297,7 @@
           <p:cNvPr id="16" name="正方形/長方形 15">
             <a:extLst>
               <a:ext uri="{FF2B5EF4-FFF2-40B4-BE49-F238E27FC236}">
-                <a16:creationId xmlns:a16="http://schemas.microsoft.com/office/drawing/2014/main" xmlns="" id="{706824F8-B15C-A64A-B37A-B776CED3A7DD}"/>
+                <a16:creationId xmlns="" xmlns:a16="http://schemas.microsoft.com/office/drawing/2014/main" id="{706824F8-B15C-A64A-B37A-B776CED3A7DD}"/>
               </a:ext>
             </a:extLst>
           </p:cNvPr>
@@ -43588,7 +43588,7 @@
           <p:cNvPr id="17" name="直線コネクタ 16">
             <a:extLst>
               <a:ext uri="{FF2B5EF4-FFF2-40B4-BE49-F238E27FC236}">
-                <a16:creationId xmlns:a16="http://schemas.microsoft.com/office/drawing/2014/main" xmlns="" id="{3388B312-0FD0-184D-BA60-6F3D4146CFB4}"/>
+                <a16:creationId xmlns="" xmlns:a16="http://schemas.microsoft.com/office/drawing/2014/main" id="{3388B312-0FD0-184D-BA60-6F3D4146CFB4}"/>
               </a:ext>
             </a:extLst>
           </p:cNvPr>
@@ -43627,7 +43627,7 @@
           <p:cNvPr id="19" name="直線コネクタ 18">
             <a:extLst>
               <a:ext uri="{FF2B5EF4-FFF2-40B4-BE49-F238E27FC236}">
-                <a16:creationId xmlns:a16="http://schemas.microsoft.com/office/drawing/2014/main" xmlns="" id="{CF1C5363-FA1D-D444-823B-9ECE759818F1}"/>
+                <a16:creationId xmlns="" xmlns:a16="http://schemas.microsoft.com/office/drawing/2014/main" id="{CF1C5363-FA1D-D444-823B-9ECE759818F1}"/>
               </a:ext>
             </a:extLst>
           </p:cNvPr>
@@ -43666,7 +43666,7 @@
           <p:cNvPr id="20" name="フリーフォーム 19">
             <a:extLst>
               <a:ext uri="{FF2B5EF4-FFF2-40B4-BE49-F238E27FC236}">
-                <a16:creationId xmlns:a16="http://schemas.microsoft.com/office/drawing/2014/main" xmlns="" id="{AF2389CD-D043-8140-B056-B50B613FF5A4}"/>
+                <a16:creationId xmlns="" xmlns:a16="http://schemas.microsoft.com/office/drawing/2014/main" id="{AF2389CD-D043-8140-B056-B50B613FF5A4}"/>
               </a:ext>
             </a:extLst>
           </p:cNvPr>
@@ -43760,7 +43760,7 @@
           <p:cNvPr id="21" name="正方形/長方形 20">
             <a:extLst>
               <a:ext uri="{FF2B5EF4-FFF2-40B4-BE49-F238E27FC236}">
-                <a16:creationId xmlns:a16="http://schemas.microsoft.com/office/drawing/2014/main" xmlns="" id="{EB51ABC7-6C6A-7142-BE11-B1F9354B3F3C}"/>
+                <a16:creationId xmlns="" xmlns:a16="http://schemas.microsoft.com/office/drawing/2014/main" id="{EB51ABC7-6C6A-7142-BE11-B1F9354B3F3C}"/>
               </a:ext>
             </a:extLst>
           </p:cNvPr>
@@ -43822,7 +43822,7 @@
           <p:cNvPr id="22" name="フリーフォーム 21">
             <a:extLst>
               <a:ext uri="{FF2B5EF4-FFF2-40B4-BE49-F238E27FC236}">
-                <a16:creationId xmlns:a16="http://schemas.microsoft.com/office/drawing/2014/main" xmlns="" id="{6198E0E1-84AA-8349-AEF4-180F8FC14271}"/>
+                <a16:creationId xmlns="" xmlns:a16="http://schemas.microsoft.com/office/drawing/2014/main" id="{6198E0E1-84AA-8349-AEF4-180F8FC14271}"/>
               </a:ext>
             </a:extLst>
           </p:cNvPr>
@@ -43916,7 +43916,7 @@
           <p:cNvPr id="32" name="グループ化 31">
             <a:extLst>
               <a:ext uri="{FF2B5EF4-FFF2-40B4-BE49-F238E27FC236}">
-                <a16:creationId xmlns:a16="http://schemas.microsoft.com/office/drawing/2014/main" xmlns="" id="{7679A530-0F0E-4340-9309-6EBDD71DA538}"/>
+                <a16:creationId xmlns="" xmlns:a16="http://schemas.microsoft.com/office/drawing/2014/main" id="{7679A530-0F0E-4340-9309-6EBDD71DA538}"/>
               </a:ext>
             </a:extLst>
           </p:cNvPr>
@@ -43936,7 +43936,7 @@
             <p:cNvPr id="24" name="直線コネクタ 23">
               <a:extLst>
                 <a:ext uri="{FF2B5EF4-FFF2-40B4-BE49-F238E27FC236}">
-                  <a16:creationId xmlns:a16="http://schemas.microsoft.com/office/drawing/2014/main" xmlns="" id="{A918F862-3F9A-BC4A-A6C1-6A482849B6CF}"/>
+                  <a16:creationId xmlns="" xmlns:a16="http://schemas.microsoft.com/office/drawing/2014/main" id="{A918F862-3F9A-BC4A-A6C1-6A482849B6CF}"/>
                 </a:ext>
               </a:extLst>
             </p:cNvPr>
@@ -43977,7 +43977,7 @@
             <p:cNvPr id="25" name="正方形/長方形 24">
               <a:extLst>
                 <a:ext uri="{FF2B5EF4-FFF2-40B4-BE49-F238E27FC236}">
-                  <a16:creationId xmlns:a16="http://schemas.microsoft.com/office/drawing/2014/main" xmlns="" id="{CDA574C5-D349-3D48-9D4B-173EDD41B2B7}"/>
+                  <a16:creationId xmlns="" xmlns:a16="http://schemas.microsoft.com/office/drawing/2014/main" id="{CDA574C5-D349-3D48-9D4B-173EDD41B2B7}"/>
                 </a:ext>
               </a:extLst>
             </p:cNvPr>
@@ -44048,7 +44048,7 @@
           <p:cNvPr id="31" name="グループ化 30">
             <a:extLst>
               <a:ext uri="{FF2B5EF4-FFF2-40B4-BE49-F238E27FC236}">
-                <a16:creationId xmlns:a16="http://schemas.microsoft.com/office/drawing/2014/main" xmlns="" id="{7843754B-2FA8-104B-ADF1-1AA5D1F07504}"/>
+                <a16:creationId xmlns="" xmlns:a16="http://schemas.microsoft.com/office/drawing/2014/main" id="{7843754B-2FA8-104B-ADF1-1AA5D1F07504}"/>
               </a:ext>
             </a:extLst>
           </p:cNvPr>
@@ -44068,7 +44068,7 @@
             <p:cNvPr id="26" name="直線コネクタ 25">
               <a:extLst>
                 <a:ext uri="{FF2B5EF4-FFF2-40B4-BE49-F238E27FC236}">
-                  <a16:creationId xmlns:a16="http://schemas.microsoft.com/office/drawing/2014/main" xmlns="" id="{AF5F6AAB-7DBF-4F48-97BD-4D125C385234}"/>
+                  <a16:creationId xmlns="" xmlns:a16="http://schemas.microsoft.com/office/drawing/2014/main" id="{AF5F6AAB-7DBF-4F48-97BD-4D125C385234}"/>
                 </a:ext>
               </a:extLst>
             </p:cNvPr>
@@ -44109,7 +44109,7 @@
             <p:cNvPr id="27" name="正方形/長方形 26">
               <a:extLst>
                 <a:ext uri="{FF2B5EF4-FFF2-40B4-BE49-F238E27FC236}">
-                  <a16:creationId xmlns:a16="http://schemas.microsoft.com/office/drawing/2014/main" xmlns="" id="{C63EA42F-B45E-B344-A72D-317C0330045A}"/>
+                  <a16:creationId xmlns="" xmlns:a16="http://schemas.microsoft.com/office/drawing/2014/main" id="{C63EA42F-B45E-B344-A72D-317C0330045A}"/>
                 </a:ext>
               </a:extLst>
             </p:cNvPr>
@@ -44180,7 +44180,7 @@
           <p:cNvPr id="28" name="フリーフォーム 27">
             <a:extLst>
               <a:ext uri="{FF2B5EF4-FFF2-40B4-BE49-F238E27FC236}">
-                <a16:creationId xmlns:a16="http://schemas.microsoft.com/office/drawing/2014/main" xmlns="" id="{F64686B9-C078-BC41-8064-E39B289D786B}"/>
+                <a16:creationId xmlns="" xmlns:a16="http://schemas.microsoft.com/office/drawing/2014/main" id="{F64686B9-C078-BC41-8064-E39B289D786B}"/>
               </a:ext>
             </a:extLst>
           </p:cNvPr>
@@ -44274,7 +44274,7 @@
           <p:cNvPr id="33" name="グループ化 32">
             <a:extLst>
               <a:ext uri="{FF2B5EF4-FFF2-40B4-BE49-F238E27FC236}">
-                <a16:creationId xmlns:a16="http://schemas.microsoft.com/office/drawing/2014/main" xmlns="" id="{D6BB27BD-9907-AC4A-BB29-D76658301EB6}"/>
+                <a16:creationId xmlns="" xmlns:a16="http://schemas.microsoft.com/office/drawing/2014/main" id="{D6BB27BD-9907-AC4A-BB29-D76658301EB6}"/>
               </a:ext>
             </a:extLst>
           </p:cNvPr>
@@ -44294,7 +44294,7 @@
             <p:cNvPr id="34" name="直線コネクタ 33">
               <a:extLst>
                 <a:ext uri="{FF2B5EF4-FFF2-40B4-BE49-F238E27FC236}">
-                  <a16:creationId xmlns:a16="http://schemas.microsoft.com/office/drawing/2014/main" xmlns="" id="{25BC22DA-E4C3-9E48-8559-6CED71216C7D}"/>
+                  <a16:creationId xmlns="" xmlns:a16="http://schemas.microsoft.com/office/drawing/2014/main" id="{25BC22DA-E4C3-9E48-8559-6CED71216C7D}"/>
                 </a:ext>
               </a:extLst>
             </p:cNvPr>
@@ -44335,7 +44335,7 @@
             <p:cNvPr id="35" name="正方形/長方形 34">
               <a:extLst>
                 <a:ext uri="{FF2B5EF4-FFF2-40B4-BE49-F238E27FC236}">
-                  <a16:creationId xmlns:a16="http://schemas.microsoft.com/office/drawing/2014/main" xmlns="" id="{211CC027-D2AF-CE41-A8D2-A96F82EBF0DD}"/>
+                  <a16:creationId xmlns="" xmlns:a16="http://schemas.microsoft.com/office/drawing/2014/main" id="{211CC027-D2AF-CE41-A8D2-A96F82EBF0DD}"/>
                 </a:ext>
               </a:extLst>
             </p:cNvPr>
@@ -44406,7 +44406,7 @@
           <p:cNvPr id="36" name="フリーフォーム 35">
             <a:extLst>
               <a:ext uri="{FF2B5EF4-FFF2-40B4-BE49-F238E27FC236}">
-                <a16:creationId xmlns:a16="http://schemas.microsoft.com/office/drawing/2014/main" xmlns="" id="{3053FD58-C136-354C-9F56-C8E33AFB441F}"/>
+                <a16:creationId xmlns="" xmlns:a16="http://schemas.microsoft.com/office/drawing/2014/main" id="{3053FD58-C136-354C-9F56-C8E33AFB441F}"/>
               </a:ext>
             </a:extLst>
           </p:cNvPr>
@@ -44494,7 +44494,7 @@
           <p:cNvPr id="37" name="正方形/長方形 36">
             <a:extLst>
               <a:ext uri="{FF2B5EF4-FFF2-40B4-BE49-F238E27FC236}">
-                <a16:creationId xmlns:a16="http://schemas.microsoft.com/office/drawing/2014/main" xmlns="" id="{764BCBD2-80F4-FF48-92A0-78FD4548D6C8}"/>
+                <a16:creationId xmlns="" xmlns:a16="http://schemas.microsoft.com/office/drawing/2014/main" id="{764BCBD2-80F4-FF48-92A0-78FD4548D6C8}"/>
               </a:ext>
             </a:extLst>
           </p:cNvPr>
@@ -44564,7 +44564,7 @@
           <p:cNvPr id="38" name="正方形/長方形 37">
             <a:extLst>
               <a:ext uri="{FF2B5EF4-FFF2-40B4-BE49-F238E27FC236}">
-                <a16:creationId xmlns:a16="http://schemas.microsoft.com/office/drawing/2014/main" xmlns="" id="{0457A0B8-D66E-404F-8288-ADE9B9210690}"/>
+                <a16:creationId xmlns="" xmlns:a16="http://schemas.microsoft.com/office/drawing/2014/main" id="{0457A0B8-D66E-404F-8288-ADE9B9210690}"/>
               </a:ext>
             </a:extLst>
           </p:cNvPr>
@@ -44634,7 +44634,7 @@
           <p:cNvPr id="40" name="直線コネクタ 39">
             <a:extLst>
               <a:ext uri="{FF2B5EF4-FFF2-40B4-BE49-F238E27FC236}">
-                <a16:creationId xmlns:a16="http://schemas.microsoft.com/office/drawing/2014/main" xmlns="" id="{06ED3722-9AEA-1649-BC70-82494511B3C7}"/>
+                <a16:creationId xmlns="" xmlns:a16="http://schemas.microsoft.com/office/drawing/2014/main" id="{06ED3722-9AEA-1649-BC70-82494511B3C7}"/>
               </a:ext>
             </a:extLst>
           </p:cNvPr>
@@ -44678,7 +44678,7 @@
           <p:cNvPr id="43" name="正方形/長方形 42">
             <a:extLst>
               <a:ext uri="{FF2B5EF4-FFF2-40B4-BE49-F238E27FC236}">
-                <a16:creationId xmlns:a16="http://schemas.microsoft.com/office/drawing/2014/main" xmlns="" id="{838C1902-9A20-2B4A-B5D7-F3AA957A29A5}"/>
+                <a16:creationId xmlns="" xmlns:a16="http://schemas.microsoft.com/office/drawing/2014/main" id="{838C1902-9A20-2B4A-B5D7-F3AA957A29A5}"/>
               </a:ext>
             </a:extLst>
           </p:cNvPr>
@@ -44740,7 +44740,7 @@
           <p:cNvPr id="44" name="正方形/長方形 43">
             <a:extLst>
               <a:ext uri="{FF2B5EF4-FFF2-40B4-BE49-F238E27FC236}">
-                <a16:creationId xmlns:a16="http://schemas.microsoft.com/office/drawing/2014/main" xmlns="" id="{4D8F268D-1C6C-8D4D-95B9-D5D9740B85CD}"/>
+                <a16:creationId xmlns="" xmlns:a16="http://schemas.microsoft.com/office/drawing/2014/main" id="{4D8F268D-1C6C-8D4D-95B9-D5D9740B85CD}"/>
               </a:ext>
             </a:extLst>
           </p:cNvPr>
@@ -44802,7 +44802,7 @@
           <p:cNvPr id="45" name="正方形/長方形 44">
             <a:extLst>
               <a:ext uri="{FF2B5EF4-FFF2-40B4-BE49-F238E27FC236}">
-                <a16:creationId xmlns:a16="http://schemas.microsoft.com/office/drawing/2014/main" xmlns="" id="{7494A8F0-4D34-B748-BD7D-0CBDAE721714}"/>
+                <a16:creationId xmlns="" xmlns:a16="http://schemas.microsoft.com/office/drawing/2014/main" id="{7494A8F0-4D34-B748-BD7D-0CBDAE721714}"/>
               </a:ext>
             </a:extLst>
           </p:cNvPr>
@@ -44864,7 +44864,7 @@
           <p:cNvPr id="47" name="正方形/長方形 46">
             <a:extLst>
               <a:ext uri="{FF2B5EF4-FFF2-40B4-BE49-F238E27FC236}">
-                <a16:creationId xmlns:a16="http://schemas.microsoft.com/office/drawing/2014/main" xmlns="" id="{7DFAC033-4B88-D64A-B27A-5B1D4EA43931}"/>
+                <a16:creationId xmlns="" xmlns:a16="http://schemas.microsoft.com/office/drawing/2014/main" id="{7DFAC033-4B88-D64A-B27A-5B1D4EA43931}"/>
               </a:ext>
             </a:extLst>
           </p:cNvPr>
@@ -44934,7 +44934,7 @@
           <p:cNvPr id="48" name="フリーフォーム 47">
             <a:extLst>
               <a:ext uri="{FF2B5EF4-FFF2-40B4-BE49-F238E27FC236}">
-                <a16:creationId xmlns:a16="http://schemas.microsoft.com/office/drawing/2014/main" xmlns="" id="{B2FDCDB5-236D-DF4D-880A-8F0DA3B4D112}"/>
+                <a16:creationId xmlns="" xmlns:a16="http://schemas.microsoft.com/office/drawing/2014/main" id="{B2FDCDB5-236D-DF4D-880A-8F0DA3B4D112}"/>
               </a:ext>
             </a:extLst>
           </p:cNvPr>
@@ -45022,7 +45022,7 @@
           <p:cNvPr id="49" name="直線コネクタ 48">
             <a:extLst>
               <a:ext uri="{FF2B5EF4-FFF2-40B4-BE49-F238E27FC236}">
-                <a16:creationId xmlns:a16="http://schemas.microsoft.com/office/drawing/2014/main" xmlns="" id="{CE47A830-58FD-DA43-83D9-48169E6160AA}"/>
+                <a16:creationId xmlns="" xmlns:a16="http://schemas.microsoft.com/office/drawing/2014/main" id="{CE47A830-58FD-DA43-83D9-48169E6160AA}"/>
               </a:ext>
             </a:extLst>
           </p:cNvPr>
@@ -45066,7 +45066,7 @@
           <p:cNvPr id="56" name="グループ化 55">
             <a:extLst>
               <a:ext uri="{FF2B5EF4-FFF2-40B4-BE49-F238E27FC236}">
-                <a16:creationId xmlns:a16="http://schemas.microsoft.com/office/drawing/2014/main" xmlns="" id="{F23F659C-9918-F84A-854A-B69C9F36A3D7}"/>
+                <a16:creationId xmlns="" xmlns:a16="http://schemas.microsoft.com/office/drawing/2014/main" id="{F23F659C-9918-F84A-854A-B69C9F36A3D7}"/>
               </a:ext>
             </a:extLst>
           </p:cNvPr>
@@ -45086,7 +45086,7 @@
             <p:cNvPr id="39" name="フリーフォーム 38">
               <a:extLst>
                 <a:ext uri="{FF2B5EF4-FFF2-40B4-BE49-F238E27FC236}">
-                  <a16:creationId xmlns:a16="http://schemas.microsoft.com/office/drawing/2014/main" xmlns="" id="{B806F955-12BD-574B-A586-9A4968D44795}"/>
+                  <a16:creationId xmlns="" xmlns:a16="http://schemas.microsoft.com/office/drawing/2014/main" id="{B806F955-12BD-574B-A586-9A4968D44795}"/>
                 </a:ext>
               </a:extLst>
             </p:cNvPr>
@@ -45174,7 +45174,7 @@
             <p:cNvPr id="42" name="フリーフォーム 41">
               <a:extLst>
                 <a:ext uri="{FF2B5EF4-FFF2-40B4-BE49-F238E27FC236}">
-                  <a16:creationId xmlns:a16="http://schemas.microsoft.com/office/drawing/2014/main" xmlns="" id="{9F2A982D-E680-A54F-A71A-AA9740C30D21}"/>
+                  <a16:creationId xmlns="" xmlns:a16="http://schemas.microsoft.com/office/drawing/2014/main" id="{9F2A982D-E680-A54F-A71A-AA9740C30D21}"/>
                 </a:ext>
               </a:extLst>
             </p:cNvPr>
@@ -45262,7 +45262,7 @@
             <p:cNvPr id="50" name="フリーフォーム 49">
               <a:extLst>
                 <a:ext uri="{FF2B5EF4-FFF2-40B4-BE49-F238E27FC236}">
-                  <a16:creationId xmlns:a16="http://schemas.microsoft.com/office/drawing/2014/main" xmlns="" id="{5EA9ECAF-8AD5-A94D-AE9D-BD7DD528C621}"/>
+                  <a16:creationId xmlns="" xmlns:a16="http://schemas.microsoft.com/office/drawing/2014/main" id="{5EA9ECAF-8AD5-A94D-AE9D-BD7DD528C621}"/>
                 </a:ext>
               </a:extLst>
             </p:cNvPr>
@@ -45351,7 +45351,7 @@
           <p:cNvPr id="51" name="正方形/長方形 50">
             <a:extLst>
               <a:ext uri="{FF2B5EF4-FFF2-40B4-BE49-F238E27FC236}">
-                <a16:creationId xmlns:a16="http://schemas.microsoft.com/office/drawing/2014/main" xmlns="" id="{52948044-A08D-DF4A-9ED4-8F6BE907C84F}"/>
+                <a16:creationId xmlns="" xmlns:a16="http://schemas.microsoft.com/office/drawing/2014/main" id="{52948044-A08D-DF4A-9ED4-8F6BE907C84F}"/>
               </a:ext>
             </a:extLst>
           </p:cNvPr>
@@ -45413,7 +45413,7 @@
           <p:cNvPr id="52" name="正方形/長方形 51">
             <a:extLst>
               <a:ext uri="{FF2B5EF4-FFF2-40B4-BE49-F238E27FC236}">
-                <a16:creationId xmlns:a16="http://schemas.microsoft.com/office/drawing/2014/main" xmlns="" id="{E65DA141-408D-E649-A1AD-67DC97EFD1EB}"/>
+                <a16:creationId xmlns="" xmlns:a16="http://schemas.microsoft.com/office/drawing/2014/main" id="{E65DA141-408D-E649-A1AD-67DC97EFD1EB}"/>
               </a:ext>
             </a:extLst>
           </p:cNvPr>
@@ -45475,7 +45475,7 @@
           <p:cNvPr id="53" name="正方形/長方形 52">
             <a:extLst>
               <a:ext uri="{FF2B5EF4-FFF2-40B4-BE49-F238E27FC236}">
-                <a16:creationId xmlns:a16="http://schemas.microsoft.com/office/drawing/2014/main" xmlns="" id="{E850C21F-A9D8-0241-8F83-DF789B918ED8}"/>
+                <a16:creationId xmlns="" xmlns:a16="http://schemas.microsoft.com/office/drawing/2014/main" id="{E850C21F-A9D8-0241-8F83-DF789B918ED8}"/>
               </a:ext>
             </a:extLst>
           </p:cNvPr>
@@ -45537,7 +45537,7 @@
           <p:cNvPr id="54" name="正方形/長方形 53">
             <a:extLst>
               <a:ext uri="{FF2B5EF4-FFF2-40B4-BE49-F238E27FC236}">
-                <a16:creationId xmlns:a16="http://schemas.microsoft.com/office/drawing/2014/main" xmlns="" id="{783881D1-8F78-C741-8472-703668867F3B}"/>
+                <a16:creationId xmlns="" xmlns:a16="http://schemas.microsoft.com/office/drawing/2014/main" id="{783881D1-8F78-C741-8472-703668867F3B}"/>
               </a:ext>
             </a:extLst>
           </p:cNvPr>
@@ -45599,7 +45599,7 @@
           <p:cNvPr id="55" name="正方形/長方形 54">
             <a:extLst>
               <a:ext uri="{FF2B5EF4-FFF2-40B4-BE49-F238E27FC236}">
-                <a16:creationId xmlns:a16="http://schemas.microsoft.com/office/drawing/2014/main" xmlns="" id="{E769BB79-9F1C-AE44-A58E-6AFCB922D01A}"/>
+                <a16:creationId xmlns="" xmlns:a16="http://schemas.microsoft.com/office/drawing/2014/main" id="{E769BB79-9F1C-AE44-A58E-6AFCB922D01A}"/>
               </a:ext>
             </a:extLst>
           </p:cNvPr>
@@ -45661,7 +45661,7 @@
           <p:cNvPr id="57" name="グループ化 56">
             <a:extLst>
               <a:ext uri="{FF2B5EF4-FFF2-40B4-BE49-F238E27FC236}">
-                <a16:creationId xmlns:a16="http://schemas.microsoft.com/office/drawing/2014/main" xmlns="" id="{5073C78E-15A8-FF4F-BD9A-D68C440C7677}"/>
+                <a16:creationId xmlns="" xmlns:a16="http://schemas.microsoft.com/office/drawing/2014/main" id="{5073C78E-15A8-FF4F-BD9A-D68C440C7677}"/>
               </a:ext>
             </a:extLst>
           </p:cNvPr>
@@ -45681,7 +45681,7 @@
             <p:cNvPr id="58" name="フリーフォーム 57">
               <a:extLst>
                 <a:ext uri="{FF2B5EF4-FFF2-40B4-BE49-F238E27FC236}">
-                  <a16:creationId xmlns:a16="http://schemas.microsoft.com/office/drawing/2014/main" xmlns="" id="{2609BCD4-2042-9549-96F3-654D5E22C22C}"/>
+                  <a16:creationId xmlns="" xmlns:a16="http://schemas.microsoft.com/office/drawing/2014/main" id="{2609BCD4-2042-9549-96F3-654D5E22C22C}"/>
                 </a:ext>
               </a:extLst>
             </p:cNvPr>
@@ -45771,7 +45771,7 @@
             <p:cNvPr id="59" name="フリーフォーム 58">
               <a:extLst>
                 <a:ext uri="{FF2B5EF4-FFF2-40B4-BE49-F238E27FC236}">
-                  <a16:creationId xmlns:a16="http://schemas.microsoft.com/office/drawing/2014/main" xmlns="" id="{1029824B-8792-624B-875D-9E96608CF70E}"/>
+                  <a16:creationId xmlns="" xmlns:a16="http://schemas.microsoft.com/office/drawing/2014/main" id="{1029824B-8792-624B-875D-9E96608CF70E}"/>
                 </a:ext>
               </a:extLst>
             </p:cNvPr>
@@ -45861,7 +45861,7 @@
             <p:cNvPr id="60" name="フリーフォーム 59">
               <a:extLst>
                 <a:ext uri="{FF2B5EF4-FFF2-40B4-BE49-F238E27FC236}">
-                  <a16:creationId xmlns:a16="http://schemas.microsoft.com/office/drawing/2014/main" xmlns="" id="{908560B6-331F-1747-9B6F-8D6192E91FF7}"/>
+                  <a16:creationId xmlns="" xmlns:a16="http://schemas.microsoft.com/office/drawing/2014/main" id="{908560B6-331F-1747-9B6F-8D6192E91FF7}"/>
                 </a:ext>
               </a:extLst>
             </p:cNvPr>
@@ -45952,7 +45952,7 @@
           <p:cNvPr id="61" name="グループ化 60">
             <a:extLst>
               <a:ext uri="{FF2B5EF4-FFF2-40B4-BE49-F238E27FC236}">
-                <a16:creationId xmlns:a16="http://schemas.microsoft.com/office/drawing/2014/main" xmlns="" id="{FC88A3D1-E42F-8E49-8684-2BF9D2C8E0EF}"/>
+                <a16:creationId xmlns="" xmlns:a16="http://schemas.microsoft.com/office/drawing/2014/main" id="{FC88A3D1-E42F-8E49-8684-2BF9D2C8E0EF}"/>
               </a:ext>
             </a:extLst>
           </p:cNvPr>
@@ -45972,7 +45972,7 @@
             <p:cNvPr id="62" name="フリーフォーム 61">
               <a:extLst>
                 <a:ext uri="{FF2B5EF4-FFF2-40B4-BE49-F238E27FC236}">
-                  <a16:creationId xmlns:a16="http://schemas.microsoft.com/office/drawing/2014/main" xmlns="" id="{1847827D-4903-A44E-9234-D939C5B9369A}"/>
+                  <a16:creationId xmlns="" xmlns:a16="http://schemas.microsoft.com/office/drawing/2014/main" id="{1847827D-4903-A44E-9234-D939C5B9369A}"/>
                 </a:ext>
               </a:extLst>
             </p:cNvPr>
@@ -46060,7 +46060,7 @@
             <p:cNvPr id="63" name="フリーフォーム 62">
               <a:extLst>
                 <a:ext uri="{FF2B5EF4-FFF2-40B4-BE49-F238E27FC236}">
-                  <a16:creationId xmlns:a16="http://schemas.microsoft.com/office/drawing/2014/main" xmlns="" id="{E2ED0976-C09A-7A40-A236-52E96B9D3359}"/>
+                  <a16:creationId xmlns="" xmlns:a16="http://schemas.microsoft.com/office/drawing/2014/main" id="{E2ED0976-C09A-7A40-A236-52E96B9D3359}"/>
                 </a:ext>
               </a:extLst>
             </p:cNvPr>
@@ -46148,7 +46148,7 @@
             <p:cNvPr id="64" name="フリーフォーム 63">
               <a:extLst>
                 <a:ext uri="{FF2B5EF4-FFF2-40B4-BE49-F238E27FC236}">
-                  <a16:creationId xmlns:a16="http://schemas.microsoft.com/office/drawing/2014/main" xmlns="" id="{BF649DB5-AB3C-BE43-A1FA-1FEEF0815135}"/>
+                  <a16:creationId xmlns="" xmlns:a16="http://schemas.microsoft.com/office/drawing/2014/main" id="{BF649DB5-AB3C-BE43-A1FA-1FEEF0815135}"/>
                 </a:ext>
               </a:extLst>
             </p:cNvPr>
@@ -46573,7 +46573,7 @@
   <a:extraClrSchemeLst/>
   <a:extLst>
     <a:ext uri="{05A4C25C-085E-4340-85A3-A5531E510DB2}">
-      <thm15:themeFamily xmlns:thm15="http://schemas.microsoft.com/office/thememl/2012/main" xmlns="" name="Office Theme" id="{62F939B6-93AF-4DB8-9C6B-D6C7DFDC589F}" vid="{4A3C46E8-61CC-4603-A589-7422A47A8E4A}"/>
+      <thm15:themeFamily xmlns="" xmlns:thm15="http://schemas.microsoft.com/office/thememl/2012/main" name="Office Theme" id="{62F939B6-93AF-4DB8-9C6B-D6C7DFDC589F}" vid="{4A3C46E8-61CC-4603-A589-7422A47A8E4A}"/>
     </a:ext>
   </a:extLst>
 </a:theme>
@@ -46868,7 +46868,7 @@
   <a:extraClrSchemeLst/>
   <a:extLst>
     <a:ext uri="{05A4C25C-085E-4340-85A3-A5531E510DB2}">
-      <thm15:themeFamily xmlns:thm15="http://schemas.microsoft.com/office/thememl/2012/main" xmlns="" name="Office Theme" id="{62F939B6-93AF-4DB8-9C6B-D6C7DFDC589F}" vid="{4A3C46E8-61CC-4603-A589-7422A47A8E4A}"/>
+      <thm15:themeFamily xmlns="" xmlns:thm15="http://schemas.microsoft.com/office/thememl/2012/main" name="Office Theme" id="{62F939B6-93AF-4DB8-9C6B-D6C7DFDC589F}" vid="{4A3C46E8-61CC-4603-A589-7422A47A8E4A}"/>
     </a:ext>
   </a:extLst>
 </a:theme>

--- a/Documents/hirojiren_設計ノート.pptx
+++ b/Documents/hirojiren_設計ノート.pptx
@@ -45906,14 +45906,14 @@
           <p:nvPr>
             <p:extLst>
               <p:ext uri="{D42A27DB-BD31-4B8C-83A1-F6EECF244321}">
-                <p14:modId xmlns:p14="http://schemas.microsoft.com/office/powerpoint/2010/main" val="709106165"/>
+                <p14:modId xmlns:p14="http://schemas.microsoft.com/office/powerpoint/2010/main" val="1439825852"/>
               </p:ext>
             </p:extLst>
           </p:nvPr>
         </p:nvGraphicFramePr>
         <p:xfrm>
-          <a:off x="263352" y="836712"/>
-          <a:ext cx="11510358" cy="5059680"/>
+          <a:off x="119336" y="764704"/>
+          <a:ext cx="11399641" cy="5059680"/>
         </p:xfrm>
         <a:graphic>
           <a:graphicData uri="http://schemas.openxmlformats.org/drawingml/2006/table">
@@ -45922,63 +45922,70 @@
                 <a:tableStyleId>{5940675A-B579-460E-94D1-54222C63F5DA}</a:tableStyleId>
               </a:tblPr>
               <a:tblGrid>
-                <a:gridCol w="713488">
+                <a:gridCol w="455986">
                   <a:extLst>
                     <a:ext uri="{9D8B030D-6E8A-4147-A177-3AD203B41FA5}">
                       <a16:colId xmlns:a16="http://schemas.microsoft.com/office/drawing/2014/main" val="20000"/>
                     </a:ext>
                   </a:extLst>
                 </a:gridCol>
-                <a:gridCol w="1926867">
+                <a:gridCol w="1953769">
                   <a:extLst>
                     <a:ext uri="{9D8B030D-6E8A-4147-A177-3AD203B41FA5}">
                       <a16:colId xmlns:a16="http://schemas.microsoft.com/office/drawing/2014/main" val="20001"/>
                     </a:ext>
                   </a:extLst>
                 </a:gridCol>
-                <a:gridCol w="4426758">
+                <a:gridCol w="4043977">
                   <a:extLst>
                     <a:ext uri="{9D8B030D-6E8A-4147-A177-3AD203B41FA5}">
                       <a16:colId xmlns:a16="http://schemas.microsoft.com/office/drawing/2014/main" val="20002"/>
                     </a:ext>
                   </a:extLst>
                 </a:gridCol>
-                <a:gridCol w="904094">
+                <a:gridCol w="854393">
                   <a:extLst>
                     <a:ext uri="{9D8B030D-6E8A-4147-A177-3AD203B41FA5}">
                       <a16:colId xmlns:a16="http://schemas.microsoft.com/office/drawing/2014/main" val="20003"/>
                     </a:ext>
                   </a:extLst>
                 </a:gridCol>
-                <a:gridCol w="804862">
+                <a:gridCol w="600393">
+                  <a:extLst>
+                    <a:ext uri="{9D8B030D-6E8A-4147-A177-3AD203B41FA5}">
+                      <a16:colId xmlns:a16="http://schemas.microsoft.com/office/drawing/2014/main" val="895392601"/>
+                    </a:ext>
+                  </a:extLst>
+                </a:gridCol>
+                <a:gridCol w="793940">
                   <a:extLst>
                     <a:ext uri="{9D8B030D-6E8A-4147-A177-3AD203B41FA5}">
                       <a16:colId xmlns:a16="http://schemas.microsoft.com/office/drawing/2014/main" val="3512156482"/>
                     </a:ext>
                   </a:extLst>
                 </a:gridCol>
-                <a:gridCol w="473393">
+                <a:gridCol w="466968">
                   <a:extLst>
                     <a:ext uri="{9D8B030D-6E8A-4147-A177-3AD203B41FA5}">
                       <a16:colId xmlns:a16="http://schemas.microsoft.com/office/drawing/2014/main" val="2974290793"/>
                     </a:ext>
                   </a:extLst>
                 </a:gridCol>
-                <a:gridCol w="474641">
+                <a:gridCol w="468200">
                   <a:extLst>
                     <a:ext uri="{9D8B030D-6E8A-4147-A177-3AD203B41FA5}">
                       <a16:colId xmlns:a16="http://schemas.microsoft.com/office/drawing/2014/main" val="1704005855"/>
                     </a:ext>
                   </a:extLst>
                 </a:gridCol>
-                <a:gridCol w="981393">
+                <a:gridCol w="968075">
                   <a:extLst>
                     <a:ext uri="{9D8B030D-6E8A-4147-A177-3AD203B41FA5}">
                       <a16:colId xmlns:a16="http://schemas.microsoft.com/office/drawing/2014/main" val="1984222814"/>
                     </a:ext>
                   </a:extLst>
                 </a:gridCol>
-                <a:gridCol w="804862">
+                <a:gridCol w="793940">
                   <a:extLst>
                     <a:ext uri="{9D8B030D-6E8A-4147-A177-3AD203B41FA5}">
                       <a16:colId xmlns:a16="http://schemas.microsoft.com/office/drawing/2014/main" val="1934091177"/>
@@ -46064,6 +46071,35 @@
                       <a:r>
                         <a:rPr kumimoji="1" lang="ja-JP" altLang="en-US" sz="1000"/>
                         <a:t>コンセプト</a:t>
+                      </a:r>
+                      <a:endParaRPr kumimoji="1" lang="ja-JP" altLang="en-US" sz="1000" dirty="0"/>
+                    </a:p>
+                  </a:txBody>
+                  <a:tcPr anchor="ctr">
+                    <a:solidFill>
+                      <a:schemeClr val="bg1">
+                        <a:lumMod val="95000"/>
+                      </a:schemeClr>
+                    </a:solidFill>
+                  </a:tcPr>
+                </a:tc>
+                <a:tc>
+                  <a:txBody>
+                    <a:bodyPr/>
+                    <a:lstStyle/>
+                    <a:p>
+                      <a:pPr algn="ctr"/>
+                      <a:r>
+                        <a:rPr kumimoji="1" lang="ja-JP" altLang="en-US" sz="1000"/>
+                        <a:t>実現性</a:t>
+                      </a:r>
+                      <a:endParaRPr kumimoji="1" lang="en-US" altLang="ja-JP" sz="1000" dirty="0"/>
+                    </a:p>
+                    <a:p>
+                      <a:pPr algn="ctr"/>
+                      <a:r>
+                        <a:rPr kumimoji="1" lang="ja-JP" altLang="en-US" sz="1000"/>
+                        <a:t>検討</a:t>
                       </a:r>
                       <a:endParaRPr kumimoji="1" lang="ja-JP" altLang="en-US" sz="1000" dirty="0"/>
                     </a:p>
@@ -46358,6 +46394,23 @@
                     <a:noFill/>
                   </a:tcPr>
                 </a:tc>
+                <a:tc>
+                  <a:txBody>
+                    <a:bodyPr/>
+                    <a:lstStyle/>
+                    <a:p>
+                      <a:pPr algn="ctr"/>
+                      <a:endParaRPr kumimoji="1" lang="ja-JP" altLang="en-US" sz="1100" dirty="0">
+                        <a:solidFill>
+                          <a:srgbClr val="FF0000"/>
+                        </a:solidFill>
+                      </a:endParaRPr>
+                    </a:p>
+                  </a:txBody>
+                  <a:tcPr anchor="ctr">
+                    <a:noFill/>
+                  </a:tcPr>
+                </a:tc>
                 <a:extLst>
                   <a:ext uri="{0D108BD9-81ED-4DB2-BD59-A6C34878D82A}">
                     <a16:rowId xmlns:a16="http://schemas.microsoft.com/office/drawing/2014/main" val="10001"/>
@@ -46515,6 +46568,23 @@
                     <a:noFill/>
                   </a:tcPr>
                 </a:tc>
+                <a:tc>
+                  <a:txBody>
+                    <a:bodyPr/>
+                    <a:lstStyle/>
+                    <a:p>
+                      <a:pPr algn="ctr"/>
+                      <a:endParaRPr kumimoji="1" lang="ja-JP" altLang="en-US" sz="1100" dirty="0">
+                        <a:solidFill>
+                          <a:srgbClr val="FF0000"/>
+                        </a:solidFill>
+                      </a:endParaRPr>
+                    </a:p>
+                  </a:txBody>
+                  <a:tcPr anchor="ctr">
+                    <a:noFill/>
+                  </a:tcPr>
+                </a:tc>
                 <a:extLst>
                   <a:ext uri="{0D108BD9-81ED-4DB2-BD59-A6C34878D82A}">
                     <a16:rowId xmlns:a16="http://schemas.microsoft.com/office/drawing/2014/main" val="10002"/>
@@ -46554,6 +46624,23 @@
                         <a:rPr kumimoji="1" lang="ja-JP" altLang="en-US" sz="1000" dirty="0"/>
                         <a:t>走行体の進行角度を計算する</a:t>
                       </a:r>
+                    </a:p>
+                  </a:txBody>
+                  <a:tcPr anchor="ctr">
+                    <a:noFill/>
+                  </a:tcPr>
+                </a:tc>
+                <a:tc>
+                  <a:txBody>
+                    <a:bodyPr/>
+                    <a:lstStyle/>
+                    <a:p>
+                      <a:pPr algn="ctr"/>
+                      <a:endParaRPr kumimoji="1" lang="ja-JP" altLang="en-US" sz="1100" dirty="0">
+                        <a:solidFill>
+                          <a:srgbClr val="FF0000"/>
+                        </a:solidFill>
+                      </a:endParaRPr>
                     </a:p>
                   </a:txBody>
                   <a:tcPr anchor="ctr">
@@ -46819,6 +46906,23 @@
                     <a:noFill/>
                   </a:tcPr>
                 </a:tc>
+                <a:tc>
+                  <a:txBody>
+                    <a:bodyPr/>
+                    <a:lstStyle/>
+                    <a:p>
+                      <a:pPr algn="ctr"/>
+                      <a:endParaRPr kumimoji="1" lang="ja-JP" altLang="en-US" sz="1100" dirty="0">
+                        <a:solidFill>
+                          <a:srgbClr val="FF0000"/>
+                        </a:solidFill>
+                      </a:endParaRPr>
+                    </a:p>
+                  </a:txBody>
+                  <a:tcPr anchor="ctr">
+                    <a:noFill/>
+                  </a:tcPr>
+                </a:tc>
                 <a:extLst>
                   <a:ext uri="{0D108BD9-81ED-4DB2-BD59-A6C34878D82A}">
                     <a16:rowId xmlns:a16="http://schemas.microsoft.com/office/drawing/2014/main" val="10004"/>
@@ -46858,6 +46962,23 @@
                         <a:rPr kumimoji="1" lang="ja-JP" altLang="en-US" sz="1000" dirty="0"/>
                         <a:t>ヨーレートを計算する</a:t>
                       </a:r>
+                    </a:p>
+                  </a:txBody>
+                  <a:tcPr anchor="ctr">
+                    <a:noFill/>
+                  </a:tcPr>
+                </a:tc>
+                <a:tc>
+                  <a:txBody>
+                    <a:bodyPr/>
+                    <a:lstStyle/>
+                    <a:p>
+                      <a:pPr algn="ctr"/>
+                      <a:endParaRPr kumimoji="1" lang="ja-JP" altLang="en-US" sz="1100" dirty="0">
+                        <a:solidFill>
+                          <a:srgbClr val="FF0000"/>
+                        </a:solidFill>
+                      </a:endParaRPr>
                     </a:p>
                   </a:txBody>
                   <a:tcPr anchor="ctr">
@@ -47016,6 +47137,23 @@
                         <a:t>センサ出力パターンを監視する</a:t>
                       </a:r>
                       <a:endParaRPr kumimoji="1" lang="ja-JP" altLang="en-US" sz="1000" dirty="0"/>
+                    </a:p>
+                  </a:txBody>
+                  <a:tcPr anchor="ctr">
+                    <a:noFill/>
+                  </a:tcPr>
+                </a:tc>
+                <a:tc>
+                  <a:txBody>
+                    <a:bodyPr/>
+                    <a:lstStyle/>
+                    <a:p>
+                      <a:pPr algn="ctr"/>
+                      <a:endParaRPr kumimoji="1" lang="ja-JP" altLang="en-US" sz="1100" dirty="0">
+                        <a:solidFill>
+                          <a:srgbClr val="FF0000"/>
+                        </a:solidFill>
+                      </a:endParaRPr>
                     </a:p>
                   </a:txBody>
                   <a:tcPr anchor="ctr">
@@ -47298,6 +47436,23 @@
                     <a:noFill/>
                   </a:tcPr>
                 </a:tc>
+                <a:tc>
+                  <a:txBody>
+                    <a:bodyPr/>
+                    <a:lstStyle/>
+                    <a:p>
+                      <a:pPr algn="ctr"/>
+                      <a:endParaRPr kumimoji="1" lang="ja-JP" altLang="en-US" sz="1100" dirty="0">
+                        <a:solidFill>
+                          <a:srgbClr val="FF0000"/>
+                        </a:solidFill>
+                      </a:endParaRPr>
+                    </a:p>
+                  </a:txBody>
+                  <a:tcPr anchor="ctr">
+                    <a:noFill/>
+                  </a:tcPr>
+                </a:tc>
                 <a:extLst>
                   <a:ext uri="{0D108BD9-81ED-4DB2-BD59-A6C34878D82A}">
                     <a16:rowId xmlns:a16="http://schemas.microsoft.com/office/drawing/2014/main" val="3909802888"/>
@@ -47346,6 +47501,23 @@
                         <a:rPr kumimoji="1" lang="ja-JP" altLang="en-US" sz="1000" dirty="0"/>
                         <a:t>ライントレースをする</a:t>
                       </a:r>
+                    </a:p>
+                  </a:txBody>
+                  <a:tcPr anchor="ctr">
+                    <a:noFill/>
+                  </a:tcPr>
+                </a:tc>
+                <a:tc>
+                  <a:txBody>
+                    <a:bodyPr/>
+                    <a:lstStyle/>
+                    <a:p>
+                      <a:pPr algn="ctr"/>
+                      <a:endParaRPr kumimoji="1" lang="ja-JP" altLang="en-US" sz="1100" dirty="0">
+                        <a:solidFill>
+                          <a:srgbClr val="FF0000"/>
+                        </a:solidFill>
+                      </a:endParaRPr>
                     </a:p>
                   </a:txBody>
                   <a:tcPr anchor="ctr">
@@ -47504,6 +47676,23 @@
                         <a:t>をする</a:t>
                       </a:r>
                       <a:endParaRPr kumimoji="1" lang="ja-JP" altLang="en-US" sz="1000" i="1" dirty="0"/>
+                    </a:p>
+                  </a:txBody>
+                  <a:tcPr anchor="ctr">
+                    <a:noFill/>
+                  </a:tcPr>
+                </a:tc>
+                <a:tc>
+                  <a:txBody>
+                    <a:bodyPr/>
+                    <a:lstStyle/>
+                    <a:p>
+                      <a:pPr algn="ctr"/>
+                      <a:endParaRPr kumimoji="1" lang="ja-JP" altLang="en-US" sz="1100" dirty="0">
+                        <a:solidFill>
+                          <a:srgbClr val="FF0000"/>
+                        </a:solidFill>
+                      </a:endParaRPr>
                     </a:p>
                   </a:txBody>
                   <a:tcPr anchor="ctr">
@@ -47776,6 +47965,23 @@
                     <a:noFill/>
                   </a:tcPr>
                 </a:tc>
+                <a:tc>
+                  <a:txBody>
+                    <a:bodyPr/>
+                    <a:lstStyle/>
+                    <a:p>
+                      <a:pPr algn="ctr"/>
+                      <a:endParaRPr kumimoji="1" lang="ja-JP" altLang="en-US" sz="1100" dirty="0">
+                        <a:solidFill>
+                          <a:srgbClr val="FF0000"/>
+                        </a:solidFill>
+                      </a:endParaRPr>
+                    </a:p>
+                  </a:txBody>
+                  <a:tcPr anchor="ctr">
+                    <a:noFill/>
+                  </a:tcPr>
+                </a:tc>
                 <a:extLst>
                   <a:ext uri="{0D108BD9-81ED-4DB2-BD59-A6C34878D82A}">
                     <a16:rowId xmlns:a16="http://schemas.microsoft.com/office/drawing/2014/main" val="616397152"/>
@@ -47932,6 +48138,23 @@
                     <a:noFill/>
                   </a:tcPr>
                 </a:tc>
+                <a:tc>
+                  <a:txBody>
+                    <a:bodyPr/>
+                    <a:lstStyle/>
+                    <a:p>
+                      <a:pPr algn="ctr"/>
+                      <a:endParaRPr kumimoji="1" lang="ja-JP" altLang="en-US" sz="1100" dirty="0">
+                        <a:solidFill>
+                          <a:srgbClr val="FF0000"/>
+                        </a:solidFill>
+                      </a:endParaRPr>
+                    </a:p>
+                  </a:txBody>
+                  <a:tcPr anchor="ctr">
+                    <a:noFill/>
+                  </a:tcPr>
+                </a:tc>
                 <a:extLst>
                   <a:ext uri="{0D108BD9-81ED-4DB2-BD59-A6C34878D82A}">
                     <a16:rowId xmlns:a16="http://schemas.microsoft.com/office/drawing/2014/main" val="3339362986"/>
@@ -47977,6 +48200,23 @@
                         <a:rPr kumimoji="1" lang="ja-JP" altLang="en-US" sz="1000" dirty="0"/>
                         <a:t>ライン復帰を検出する</a:t>
                       </a:r>
+                    </a:p>
+                  </a:txBody>
+                  <a:tcPr anchor="ctr">
+                    <a:noFill/>
+                  </a:tcPr>
+                </a:tc>
+                <a:tc>
+                  <a:txBody>
+                    <a:bodyPr/>
+                    <a:lstStyle/>
+                    <a:p>
+                      <a:pPr algn="ctr"/>
+                      <a:endParaRPr kumimoji="1" lang="ja-JP" altLang="en-US" sz="1100" dirty="0">
+                        <a:solidFill>
+                          <a:srgbClr val="FF0000"/>
+                        </a:solidFill>
+                      </a:endParaRPr>
                     </a:p>
                   </a:txBody>
                   <a:tcPr anchor="ctr">
@@ -48248,6 +48488,23 @@
                     <a:noFill/>
                   </a:tcPr>
                 </a:tc>
+                <a:tc>
+                  <a:txBody>
+                    <a:bodyPr/>
+                    <a:lstStyle/>
+                    <a:p>
+                      <a:pPr algn="ctr"/>
+                      <a:endParaRPr kumimoji="1" lang="ja-JP" altLang="en-US" sz="1100" dirty="0">
+                        <a:solidFill>
+                          <a:srgbClr val="FF0000"/>
+                        </a:solidFill>
+                      </a:endParaRPr>
+                    </a:p>
+                  </a:txBody>
+                  <a:tcPr anchor="ctr">
+                    <a:noFill/>
+                  </a:tcPr>
+                </a:tc>
                 <a:extLst>
                   <a:ext uri="{0D108BD9-81ED-4DB2-BD59-A6C34878D82A}">
                     <a16:rowId xmlns:a16="http://schemas.microsoft.com/office/drawing/2014/main" val="1884838560"/>
@@ -48293,6 +48550,23 @@
                     <a:p>
                       <a:pPr algn="l"/>
                       <a:endParaRPr kumimoji="1" lang="ja-JP" altLang="en-US" sz="1000" dirty="0"/>
+                    </a:p>
+                  </a:txBody>
+                  <a:tcPr anchor="ctr">
+                    <a:noFill/>
+                  </a:tcPr>
+                </a:tc>
+                <a:tc>
+                  <a:txBody>
+                    <a:bodyPr/>
+                    <a:lstStyle/>
+                    <a:p>
+                      <a:pPr algn="ctr"/>
+                      <a:endParaRPr kumimoji="1" lang="ja-JP" altLang="en-US" sz="1100" dirty="0">
+                        <a:solidFill>
+                          <a:srgbClr val="FF0000"/>
+                        </a:solidFill>
+                      </a:endParaRPr>
                     </a:p>
                   </a:txBody>
                   <a:tcPr anchor="ctr">
@@ -48561,6 +48835,23 @@
                     <a:noFill/>
                   </a:tcPr>
                 </a:tc>
+                <a:tc>
+                  <a:txBody>
+                    <a:bodyPr/>
+                    <a:lstStyle/>
+                    <a:p>
+                      <a:pPr algn="ctr"/>
+                      <a:endParaRPr kumimoji="1" lang="ja-JP" altLang="en-US" sz="1100" dirty="0">
+                        <a:solidFill>
+                          <a:srgbClr val="FF0000"/>
+                        </a:solidFill>
+                      </a:endParaRPr>
+                    </a:p>
+                  </a:txBody>
+                  <a:tcPr anchor="ctr">
+                    <a:noFill/>
+                  </a:tcPr>
+                </a:tc>
                 <a:extLst>
                   <a:ext uri="{0D108BD9-81ED-4DB2-BD59-A6C34878D82A}">
                     <a16:rowId xmlns:a16="http://schemas.microsoft.com/office/drawing/2014/main" val="1104030135"/>
@@ -48605,6 +48896,23 @@
                     <a:p>
                       <a:pPr algn="l"/>
                       <a:endParaRPr kumimoji="1" lang="ja-JP" altLang="en-US" sz="1000" dirty="0"/>
+                    </a:p>
+                  </a:txBody>
+                  <a:tcPr anchor="ctr">
+                    <a:noFill/>
+                  </a:tcPr>
+                </a:tc>
+                <a:tc>
+                  <a:txBody>
+                    <a:bodyPr/>
+                    <a:lstStyle/>
+                    <a:p>
+                      <a:pPr algn="ctr"/>
+                      <a:endParaRPr kumimoji="1" lang="ja-JP" altLang="en-US" sz="1100" dirty="0">
+                        <a:solidFill>
+                          <a:srgbClr val="FF0000"/>
+                        </a:solidFill>
+                      </a:endParaRPr>
                     </a:p>
                   </a:txBody>
                   <a:tcPr anchor="ctr">
@@ -48865,6 +49173,23 @@
                     <a:noFill/>
                   </a:tcPr>
                 </a:tc>
+                <a:tc>
+                  <a:txBody>
+                    <a:bodyPr/>
+                    <a:lstStyle/>
+                    <a:p>
+                      <a:pPr algn="ctr"/>
+                      <a:endParaRPr kumimoji="1" lang="ja-JP" altLang="en-US" sz="1100" dirty="0">
+                        <a:solidFill>
+                          <a:srgbClr val="FF0000"/>
+                        </a:solidFill>
+                      </a:endParaRPr>
+                    </a:p>
+                  </a:txBody>
+                  <a:tcPr anchor="ctr">
+                    <a:noFill/>
+                  </a:tcPr>
+                </a:tc>
                 <a:extLst>
                   <a:ext uri="{0D108BD9-81ED-4DB2-BD59-A6C34878D82A}">
                     <a16:rowId xmlns:a16="http://schemas.microsoft.com/office/drawing/2014/main" val="1747002346"/>
@@ -48909,6 +49234,23 @@
                     <a:p>
                       <a:pPr algn="l"/>
                       <a:endParaRPr kumimoji="1" lang="ja-JP" altLang="en-US" sz="1000" dirty="0"/>
+                    </a:p>
+                  </a:txBody>
+                  <a:tcPr anchor="ctr">
+                    <a:noFill/>
+                  </a:tcPr>
+                </a:tc>
+                <a:tc>
+                  <a:txBody>
+                    <a:bodyPr/>
+                    <a:lstStyle/>
+                    <a:p>
+                      <a:pPr algn="ctr"/>
+                      <a:endParaRPr kumimoji="1" lang="ja-JP" altLang="en-US" sz="1100" dirty="0">
+                        <a:solidFill>
+                          <a:srgbClr val="FF0000"/>
+                        </a:solidFill>
+                      </a:endParaRPr>
                     </a:p>
                   </a:txBody>
                   <a:tcPr anchor="ctr">

--- a/Documents/hirojiren_設計ノート.pptx
+++ b/Documents/hirojiren_設計ノート.pptx
@@ -231,7 +231,7 @@
           <a:p>
             <a:fld id="{C3D393E5-7C75-494E-8F9A-32FD27628E8C}" type="datetimeFigureOut">
               <a:rPr kumimoji="1" lang="ja-JP" altLang="en-US" smtClean="0"/>
-              <a:t>2019/6/3</a:t>
+              <a:t>2019/6/5</a:t>
             </a:fld>
             <a:endParaRPr kumimoji="1" lang="ja-JP" altLang="en-US"/>
           </a:p>
@@ -929,7 +929,7 @@
           <a:p>
             <a:fld id="{F652821D-2172-BB44-A27D-4D545FF2494B}" type="datetimeFigureOut">
               <a:rPr kumimoji="1" lang="ja-JP" altLang="en-US" smtClean="0"/>
-              <a:t>2019/6/3</a:t>
+              <a:t>2019/6/5</a:t>
             </a:fld>
             <a:endParaRPr kumimoji="1" lang="ja-JP" altLang="en-US"/>
           </a:p>
@@ -1159,7 +1159,7 @@
           <a:p>
             <a:fld id="{F652821D-2172-BB44-A27D-4D545FF2494B}" type="datetimeFigureOut">
               <a:rPr kumimoji="1" lang="ja-JP" altLang="en-US" smtClean="0"/>
-              <a:t>2019/6/3</a:t>
+              <a:t>2019/6/5</a:t>
             </a:fld>
             <a:endParaRPr kumimoji="1" lang="ja-JP" altLang="en-US"/>
           </a:p>
@@ -1399,7 +1399,7 @@
           <a:p>
             <a:fld id="{F652821D-2172-BB44-A27D-4D545FF2494B}" type="datetimeFigureOut">
               <a:rPr kumimoji="1" lang="ja-JP" altLang="en-US" smtClean="0"/>
-              <a:t>2019/6/3</a:t>
+              <a:t>2019/6/5</a:t>
             </a:fld>
             <a:endParaRPr kumimoji="1" lang="ja-JP" altLang="en-US"/>
           </a:p>
@@ -1629,7 +1629,7 @@
           <a:p>
             <a:fld id="{F652821D-2172-BB44-A27D-4D545FF2494B}" type="datetimeFigureOut">
               <a:rPr kumimoji="1" lang="ja-JP" altLang="en-US" smtClean="0"/>
-              <a:t>2019/6/3</a:t>
+              <a:t>2019/6/5</a:t>
             </a:fld>
             <a:endParaRPr kumimoji="1" lang="ja-JP" altLang="en-US"/>
           </a:p>
@@ -1904,7 +1904,7 @@
           <a:p>
             <a:fld id="{F652821D-2172-BB44-A27D-4D545FF2494B}" type="datetimeFigureOut">
               <a:rPr kumimoji="1" lang="ja-JP" altLang="en-US" smtClean="0"/>
-              <a:t>2019/6/3</a:t>
+              <a:t>2019/6/5</a:t>
             </a:fld>
             <a:endParaRPr kumimoji="1" lang="ja-JP" altLang="en-US"/>
           </a:p>
@@ -2233,7 +2233,7 @@
           <a:p>
             <a:fld id="{F652821D-2172-BB44-A27D-4D545FF2494B}" type="datetimeFigureOut">
               <a:rPr kumimoji="1" lang="ja-JP" altLang="en-US" smtClean="0"/>
-              <a:t>2019/6/3</a:t>
+              <a:t>2019/6/5</a:t>
             </a:fld>
             <a:endParaRPr kumimoji="1" lang="ja-JP" altLang="en-US"/>
           </a:p>
@@ -2709,7 +2709,7 @@
           <a:p>
             <a:fld id="{F652821D-2172-BB44-A27D-4D545FF2494B}" type="datetimeFigureOut">
               <a:rPr kumimoji="1" lang="ja-JP" altLang="en-US" smtClean="0"/>
-              <a:t>2019/6/3</a:t>
+              <a:t>2019/6/5</a:t>
             </a:fld>
             <a:endParaRPr kumimoji="1" lang="ja-JP" altLang="en-US"/>
           </a:p>
@@ -2850,7 +2850,7 @@
           <a:p>
             <a:fld id="{F652821D-2172-BB44-A27D-4D545FF2494B}" type="datetimeFigureOut">
               <a:rPr kumimoji="1" lang="ja-JP" altLang="en-US" smtClean="0"/>
-              <a:t>2019/6/3</a:t>
+              <a:t>2019/6/5</a:t>
             </a:fld>
             <a:endParaRPr kumimoji="1" lang="ja-JP" altLang="en-US"/>
           </a:p>
@@ -2963,7 +2963,7 @@
           <a:p>
             <a:fld id="{F652821D-2172-BB44-A27D-4D545FF2494B}" type="datetimeFigureOut">
               <a:rPr kumimoji="1" lang="ja-JP" altLang="en-US" smtClean="0"/>
-              <a:t>2019/6/3</a:t>
+              <a:t>2019/6/5</a:t>
             </a:fld>
             <a:endParaRPr kumimoji="1" lang="ja-JP" altLang="en-US"/>
           </a:p>
@@ -3306,7 +3306,7 @@
           <a:p>
             <a:fld id="{F652821D-2172-BB44-A27D-4D545FF2494B}" type="datetimeFigureOut">
               <a:rPr kumimoji="1" lang="ja-JP" altLang="en-US" smtClean="0"/>
-              <a:t>2019/6/3</a:t>
+              <a:t>2019/6/5</a:t>
             </a:fld>
             <a:endParaRPr kumimoji="1" lang="ja-JP" altLang="en-US"/>
           </a:p>
@@ -3594,7 +3594,7 @@
           <a:p>
             <a:fld id="{F652821D-2172-BB44-A27D-4D545FF2494B}" type="datetimeFigureOut">
               <a:rPr kumimoji="1" lang="ja-JP" altLang="en-US" smtClean="0"/>
-              <a:t>2019/6/3</a:t>
+              <a:t>2019/6/5</a:t>
             </a:fld>
             <a:endParaRPr kumimoji="1" lang="ja-JP" altLang="en-US"/>
           </a:p>
@@ -3867,7 +3867,7 @@
           <a:p>
             <a:fld id="{F652821D-2172-BB44-A27D-4D545FF2494B}" type="datetimeFigureOut">
               <a:rPr kumimoji="1" lang="ja-JP" altLang="en-US" smtClean="0"/>
-              <a:t>2019/6/3</a:t>
+              <a:t>2019/6/5</a:t>
             </a:fld>
             <a:endParaRPr kumimoji="1" lang="ja-JP" altLang="en-US"/>
           </a:p>
@@ -4317,6 +4317,10 @@
               <a:rPr kumimoji="1" lang="ja-JP" altLang="en-US" dirty="0"/>
               <a:t>じれん</a:t>
             </a:r>
+            <a:r>
+              <a:rPr kumimoji="1" lang="en-US" altLang="ja-JP" dirty="0"/>
+              <a:t/>
+            </a:r>
             <a:br>
               <a:rPr kumimoji="1" lang="en-US" altLang="ja-JP" dirty="0"/>
             </a:br>
@@ -4362,6 +4366,13 @@
   <p:clrMapOvr>
     <a:masterClrMapping/>
   </p:clrMapOvr>
+  <p:timing>
+    <p:tnLst>
+      <p:par>
+        <p:cTn id="1" dur="indefinite" restart="never" nodeType="tmRoot"/>
+      </p:par>
+    </p:tnLst>
+  </p:timing>
 </p:sld>
 </file>
 
@@ -7761,6 +7772,13 @@
   <p:clrMapOvr>
     <a:masterClrMapping/>
   </p:clrMapOvr>
+  <p:timing>
+    <p:tnLst>
+      <p:par>
+        <p:cTn id="1" dur="indefinite" restart="never" nodeType="tmRoot"/>
+      </p:par>
+    </p:tnLst>
+  </p:timing>
 </p:sld>
 </file>
 
@@ -10876,6 +10894,13 @@
   <p:clrMapOvr>
     <a:masterClrMapping/>
   </p:clrMapOvr>
+  <p:timing>
+    <p:tnLst>
+      <p:par>
+        <p:cTn id="1" dur="indefinite" restart="never" nodeType="tmRoot"/>
+      </p:par>
+    </p:tnLst>
+  </p:timing>
 </p:sld>
 </file>
 
@@ -12051,6 +12076,13 @@
   <p:clrMapOvr>
     <a:masterClrMapping/>
   </p:clrMapOvr>
+  <p:timing>
+    <p:tnLst>
+      <p:par>
+        <p:cTn id="1" dur="indefinite" restart="never" nodeType="tmRoot"/>
+      </p:par>
+    </p:tnLst>
+  </p:timing>
 </p:sld>
 </file>
 
@@ -16514,6 +16546,13 @@
   <p:clrMapOvr>
     <a:masterClrMapping/>
   </p:clrMapOvr>
+  <p:timing>
+    <p:tnLst>
+      <p:par>
+        <p:cTn id="1" dur="indefinite" restart="never" nodeType="tmRoot"/>
+      </p:par>
+    </p:tnLst>
+  </p:timing>
 </p:sld>
 </file>
 
@@ -16613,6 +16652,13 @@
   <p:clrMapOvr>
     <a:masterClrMapping/>
   </p:clrMapOvr>
+  <p:timing>
+    <p:tnLst>
+      <p:par>
+        <p:cTn id="1" dur="indefinite" restart="never" nodeType="tmRoot"/>
+      </p:par>
+    </p:tnLst>
+  </p:timing>
 </p:sld>
 </file>
 
@@ -22468,12 +22514,20 @@
               <a:rPr kumimoji="1" lang="ja-JP" altLang="en-US" dirty="0"/>
               <a:t>②自己位置・ライン推定</a:t>
             </a:r>
+            <a:r>
+              <a:rPr kumimoji="1" lang="en-US" altLang="ja-JP" dirty="0"/>
+              <a:t/>
+            </a:r>
             <a:br>
               <a:rPr kumimoji="1" lang="en-US" altLang="ja-JP" dirty="0"/>
             </a:br>
             <a:r>
               <a:rPr lang="ja-JP" altLang="en-US" dirty="0"/>
               <a:t>ブロック</a:t>
+            </a:r>
+            <a:r>
+              <a:rPr lang="en-US" altLang="ja-JP" dirty="0"/>
+              <a:t/>
             </a:r>
             <a:br>
               <a:rPr lang="en-US" altLang="ja-JP" dirty="0"/>
@@ -22637,6 +22691,10 @@
             <a:r>
               <a:rPr lang="ja-JP" altLang="en-US" dirty="0"/>
               <a:t>ブロック</a:t>
+            </a:r>
+            <a:r>
+              <a:rPr lang="en-US" altLang="ja-JP" dirty="0"/>
+              <a:t/>
             </a:r>
             <a:br>
               <a:rPr lang="en-US" altLang="ja-JP" dirty="0"/>
@@ -29800,6 +29858,13 @@
   <p:clrMapOvr>
     <a:masterClrMapping/>
   </p:clrMapOvr>
+  <p:timing>
+    <p:tnLst>
+      <p:par>
+        <p:cTn id="1" dur="indefinite" restart="never" nodeType="tmRoot"/>
+      </p:par>
+    </p:tnLst>
+  </p:timing>
 </p:sld>
 </file>
 
@@ -29945,6 +30010,10 @@
             <a:r>
               <a:rPr lang="ja-JP" altLang="en-US" dirty="0"/>
               <a:t>ブロック</a:t>
+            </a:r>
+            <a:r>
+              <a:rPr lang="en-US" altLang="ja-JP" dirty="0"/>
+              <a:t/>
             </a:r>
             <a:br>
               <a:rPr lang="en-US" altLang="ja-JP" dirty="0"/>
@@ -30105,12 +30174,20 @@
               <a:rPr lang="ja-JP" altLang="en-US" dirty="0"/>
               <a:t>⑤経路探索・目標動作決定</a:t>
             </a:r>
+            <a:r>
+              <a:rPr lang="en-US" altLang="ja-JP" dirty="0"/>
+              <a:t/>
+            </a:r>
             <a:br>
               <a:rPr lang="en-US" altLang="ja-JP" dirty="0"/>
             </a:br>
             <a:r>
               <a:rPr lang="ja-JP" altLang="en-US" dirty="0"/>
               <a:t>ブロック</a:t>
+            </a:r>
+            <a:r>
+              <a:rPr lang="en-US" altLang="ja-JP" dirty="0"/>
+              <a:t/>
             </a:r>
             <a:br>
               <a:rPr lang="en-US" altLang="ja-JP" dirty="0"/>
@@ -34743,6 +34820,13 @@
   <p:clrMapOvr>
     <a:masterClrMapping/>
   </p:clrMapOvr>
+  <p:timing>
+    <p:tnLst>
+      <p:par>
+        <p:cTn id="1" dur="indefinite" restart="never" nodeType="tmRoot"/>
+      </p:par>
+    </p:tnLst>
+  </p:timing>
 </p:sld>
 </file>
 
@@ -38164,6 +38248,13 @@
   <p:clrMapOvr>
     <a:masterClrMapping/>
   </p:clrMapOvr>
+  <p:timing>
+    <p:tnLst>
+      <p:par>
+        <p:cTn id="1" dur="indefinite" restart="never" nodeType="tmRoot"/>
+      </p:par>
+    </p:tnLst>
+  </p:timing>
 </p:sld>
 </file>
 
@@ -42351,6 +42442,13 @@
   <p:clrMapOvr>
     <a:masterClrMapping/>
   </p:clrMapOvr>
+  <p:timing>
+    <p:tnLst>
+      <p:par>
+        <p:cTn id="1" dur="indefinite" restart="never" nodeType="tmRoot"/>
+      </p:par>
+    </p:tnLst>
+  </p:timing>
 </p:sld>
 </file>
 
@@ -45805,6 +45903,13 @@
   <p:clrMapOvr>
     <a:masterClrMapping/>
   </p:clrMapOvr>
+  <p:timing>
+    <p:tnLst>
+      <p:par>
+        <p:cTn id="1" dur="indefinite" restart="never" nodeType="tmRoot"/>
+      </p:par>
+    </p:tnLst>
+  </p:timing>
 </p:sld>
 </file>
 
@@ -45876,12 +45981,20 @@
           <a:lstStyle/>
           <a:p>
             <a:r>
-              <a:rPr lang="ja-JP" altLang="en-US">
+              <a:rPr lang="ja-JP" altLang="en-US" dirty="0">
                 <a:solidFill>
                   <a:schemeClr val="tx1"/>
                 </a:solidFill>
               </a:rPr>
-              <a:t>機能展開図</a:t>
+              <a:t>機能</a:t>
+            </a:r>
+            <a:r>
+              <a:rPr lang="ja-JP" altLang="en-US" dirty="0" smtClean="0">
+                <a:solidFill>
+                  <a:schemeClr val="tx1"/>
+                </a:solidFill>
+              </a:rPr>
+              <a:t>展開図　走行体システム</a:t>
             </a:r>
             <a:endParaRPr kumimoji="1" lang="ja-JP" altLang="en-US" dirty="0">
               <a:solidFill>
@@ -45906,14 +46019,14 @@
           <p:nvPr>
             <p:extLst>
               <p:ext uri="{D42A27DB-BD31-4B8C-83A1-F6EECF244321}">
-                <p14:modId xmlns:p14="http://schemas.microsoft.com/office/powerpoint/2010/main" val="1439825852"/>
+                <p14:modId xmlns:p14="http://schemas.microsoft.com/office/powerpoint/2010/main" val="3227691885"/>
               </p:ext>
             </p:extLst>
           </p:nvPr>
         </p:nvGraphicFramePr>
         <p:xfrm>
           <a:off x="119336" y="764704"/>
-          <a:ext cx="11399641" cy="5059680"/>
+          <a:ext cx="11569724" cy="5966460"/>
         </p:xfrm>
         <a:graphic>
           <a:graphicData uri="http://schemas.openxmlformats.org/drawingml/2006/table">
@@ -45929,14 +46042,14 @@
                     </a:ext>
                   </a:extLst>
                 </a:gridCol>
-                <a:gridCol w="1953769">
+                <a:gridCol w="2378393">
                   <a:extLst>
                     <a:ext uri="{9D8B030D-6E8A-4147-A177-3AD203B41FA5}">
                       <a16:colId xmlns:a16="http://schemas.microsoft.com/office/drawing/2014/main" val="20001"/>
                     </a:ext>
                   </a:extLst>
                 </a:gridCol>
-                <a:gridCol w="4043977">
+                <a:gridCol w="3789436">
                   <a:extLst>
                     <a:ext uri="{9D8B030D-6E8A-4147-A177-3AD203B41FA5}">
                       <a16:colId xmlns:a16="http://schemas.microsoft.com/office/drawing/2014/main" val="20002"/>
@@ -46223,8 +46336,8 @@
                   </a:ext>
                 </a:extLst>
               </a:tr>
-              <a:tr h="180020">
-                <a:tc rowSpan="6">
+              <a:tr h="129540">
+                <a:tc rowSpan="9">
                   <a:txBody>
                     <a:bodyPr/>
                     <a:lstStyle/>
@@ -46242,17 +46355,20 @@
                     </a:solidFill>
                   </a:tcPr>
                 </a:tc>
-                <a:tc>
+                <a:tc rowSpan="4">
                   <a:txBody>
                     <a:bodyPr/>
                     <a:lstStyle/>
                     <a:p>
                       <a:pPr algn="l"/>
                       <a:r>
-                        <a:rPr kumimoji="1" lang="ja-JP" altLang="en-US" sz="1000"/>
-                        <a:t>ラインを推定する</a:t>
+                        <a:rPr kumimoji="1" lang="ja-JP" altLang="en-US" sz="1000" smtClean="0"/>
+                        <a:t>ラインと色を</a:t>
                       </a:r>
-                      <a:endParaRPr kumimoji="1" lang="ja-JP" altLang="en-US" sz="1000" dirty="0"/>
+                      <a:r>
+                        <a:rPr kumimoji="1" lang="ja-JP" altLang="en-US" sz="1000" dirty="0"/>
+                        <a:t>推定する</a:t>
+                      </a:r>
                     </a:p>
                   </a:txBody>
                   <a:tcPr anchor="ctr">
@@ -46266,23 +46382,19 @@
                     <a:p>
                       <a:pPr algn="l"/>
                       <a:r>
-                        <a:rPr kumimoji="1" lang="en-US" altLang="ja-JP" sz="1000" dirty="0"/>
+                        <a:rPr kumimoji="1" lang="en-US" altLang="ja-JP" sz="1000" smtClean="0"/>
                         <a:t>RGB</a:t>
                       </a:r>
                       <a:r>
-                        <a:rPr kumimoji="1" lang="ja-JP" altLang="en-US" sz="1000" dirty="0"/>
-                        <a:t>値から輝度</a:t>
+                        <a:rPr kumimoji="1" lang="ja-JP" altLang="en-US" sz="1000" smtClean="0"/>
+                        <a:t>を</a:t>
                       </a:r>
                       <a:r>
-                        <a:rPr kumimoji="1" lang="ja-JP" altLang="en-US" sz="1000"/>
-                        <a:t>を計算し、輝度をライン値</a:t>
+                        <a:rPr kumimoji="1" lang="en-US" altLang="ja-JP" sz="1000" smtClean="0"/>
+                        <a:t>HSV</a:t>
                       </a:r>
                       <a:r>
-                        <a:rPr kumimoji="1" lang="en-US" altLang="ja-JP" sz="1000" dirty="0"/>
-                        <a:t>0-100%</a:t>
-                      </a:r>
-                      <a:r>
-                        <a:rPr kumimoji="1" lang="ja-JP" altLang="en-US" sz="1000"/>
+                        <a:rPr kumimoji="1" lang="ja-JP" altLang="en-US" sz="1000" smtClean="0"/>
                         <a:t>に変換する</a:t>
                       </a:r>
                       <a:endParaRPr kumimoji="1" lang="ja-JP" altLang="en-US" sz="1000" dirty="0"/>
@@ -46417,6 +46529,499 @@
                   </a:ext>
                 </a:extLst>
               </a:tr>
+              <a:tr h="129540">
+                <a:tc vMerge="1">
+                  <a:txBody>
+                    <a:bodyPr/>
+                    <a:lstStyle/>
+                    <a:p>
+                      <a:endParaRPr kumimoji="1" lang="ja-JP" altLang="en-US"/>
+                    </a:p>
+                  </a:txBody>
+                  <a:tcPr/>
+                </a:tc>
+                <a:tc vMerge="1">
+                  <a:txBody>
+                    <a:bodyPr/>
+                    <a:lstStyle/>
+                    <a:p>
+                      <a:endParaRPr kumimoji="1" lang="ja-JP" altLang="en-US"/>
+                    </a:p>
+                  </a:txBody>
+                  <a:tcPr/>
+                </a:tc>
+                <a:tc>
+                  <a:txBody>
+                    <a:bodyPr/>
+                    <a:lstStyle/>
+                    <a:p>
+                      <a:pPr algn="l"/>
+                      <a:r>
+                        <a:rPr kumimoji="1" lang="en-US" altLang="ja-JP" sz="1000" dirty="0" smtClean="0"/>
+                        <a:t>HSV</a:t>
+                      </a:r>
+                      <a:r>
+                        <a:rPr kumimoji="1" lang="ja-JP" altLang="en-US" sz="1000" dirty="0" smtClean="0"/>
+                        <a:t>の輝度情報からラインを推定する</a:t>
+                      </a:r>
+                      <a:endParaRPr kumimoji="1" lang="ja-JP" altLang="en-US" sz="1000" dirty="0"/>
+                    </a:p>
+                  </a:txBody>
+                  <a:tcPr anchor="ctr">
+                    <a:noFill/>
+                  </a:tcPr>
+                </a:tc>
+                <a:tc>
+                  <a:txBody>
+                    <a:bodyPr/>
+                    <a:lstStyle/>
+                    <a:p>
+                      <a:pPr algn="ctr"/>
+                      <a:endParaRPr kumimoji="1" lang="ja-JP" altLang="en-US" sz="1100" dirty="0">
+                        <a:solidFill>
+                          <a:srgbClr val="FF0000"/>
+                        </a:solidFill>
+                      </a:endParaRPr>
+                    </a:p>
+                  </a:txBody>
+                  <a:tcPr anchor="ctr">
+                    <a:noFill/>
+                  </a:tcPr>
+                </a:tc>
+                <a:tc>
+                  <a:txBody>
+                    <a:bodyPr/>
+                    <a:lstStyle/>
+                    <a:p>
+                      <a:pPr algn="ctr"/>
+                      <a:endParaRPr kumimoji="1" lang="ja-JP" altLang="en-US" sz="1100" dirty="0">
+                        <a:solidFill>
+                          <a:srgbClr val="FF0000"/>
+                        </a:solidFill>
+                      </a:endParaRPr>
+                    </a:p>
+                  </a:txBody>
+                  <a:tcPr anchor="ctr">
+                    <a:noFill/>
+                  </a:tcPr>
+                </a:tc>
+                <a:tc>
+                  <a:txBody>
+                    <a:bodyPr/>
+                    <a:lstStyle/>
+                    <a:p>
+                      <a:pPr algn="ctr"/>
+                      <a:endParaRPr kumimoji="1" lang="ja-JP" altLang="en-US" sz="1100" dirty="0">
+                        <a:solidFill>
+                          <a:srgbClr val="FF0000"/>
+                        </a:solidFill>
+                      </a:endParaRPr>
+                    </a:p>
+                  </a:txBody>
+                  <a:tcPr anchor="ctr">
+                    <a:noFill/>
+                  </a:tcPr>
+                </a:tc>
+                <a:tc>
+                  <a:txBody>
+                    <a:bodyPr/>
+                    <a:lstStyle/>
+                    <a:p>
+                      <a:pPr algn="ctr"/>
+                      <a:endParaRPr kumimoji="1" lang="ja-JP" altLang="en-US" sz="1100" dirty="0">
+                        <a:solidFill>
+                          <a:srgbClr val="FF0000"/>
+                        </a:solidFill>
+                      </a:endParaRPr>
+                    </a:p>
+                  </a:txBody>
+                  <a:tcPr anchor="ctr">
+                    <a:noFill/>
+                  </a:tcPr>
+                </a:tc>
+                <a:tc>
+                  <a:txBody>
+                    <a:bodyPr/>
+                    <a:lstStyle/>
+                    <a:p>
+                      <a:pPr algn="ctr"/>
+                      <a:endParaRPr kumimoji="1" lang="ja-JP" altLang="en-US" sz="1100" dirty="0">
+                        <a:solidFill>
+                          <a:srgbClr val="FF0000"/>
+                        </a:solidFill>
+                      </a:endParaRPr>
+                    </a:p>
+                  </a:txBody>
+                  <a:tcPr anchor="ctr">
+                    <a:noFill/>
+                  </a:tcPr>
+                </a:tc>
+                <a:tc>
+                  <a:txBody>
+                    <a:bodyPr/>
+                    <a:lstStyle/>
+                    <a:p>
+                      <a:pPr algn="ctr"/>
+                      <a:endParaRPr kumimoji="1" lang="ja-JP" altLang="en-US" sz="1100" dirty="0">
+                        <a:solidFill>
+                          <a:srgbClr val="FF0000"/>
+                        </a:solidFill>
+                      </a:endParaRPr>
+                    </a:p>
+                  </a:txBody>
+                  <a:tcPr anchor="ctr">
+                    <a:noFill/>
+                  </a:tcPr>
+                </a:tc>
+                <a:tc>
+                  <a:txBody>
+                    <a:bodyPr/>
+                    <a:lstStyle/>
+                    <a:p>
+                      <a:pPr algn="ctr"/>
+                      <a:endParaRPr kumimoji="1" lang="ja-JP" altLang="en-US" sz="1100" dirty="0">
+                        <a:solidFill>
+                          <a:srgbClr val="FF0000"/>
+                        </a:solidFill>
+                      </a:endParaRPr>
+                    </a:p>
+                  </a:txBody>
+                  <a:tcPr anchor="ctr">
+                    <a:noFill/>
+                  </a:tcPr>
+                </a:tc>
+                <a:extLst>
+                  <a:ext uri="{0D108BD9-81ED-4DB2-BD59-A6C34878D82A}">
+                    <a16:rowId xmlns:a16="http://schemas.microsoft.com/office/drawing/2014/main" val="812915627"/>
+                  </a:ext>
+                </a:extLst>
+              </a:tr>
+              <a:tr h="129540">
+                <a:tc vMerge="1">
+                  <a:txBody>
+                    <a:bodyPr/>
+                    <a:lstStyle/>
+                    <a:p>
+                      <a:endParaRPr kumimoji="1" lang="ja-JP" altLang="en-US"/>
+                    </a:p>
+                  </a:txBody>
+                  <a:tcPr/>
+                </a:tc>
+                <a:tc vMerge="1">
+                  <a:txBody>
+                    <a:bodyPr/>
+                    <a:lstStyle/>
+                    <a:p>
+                      <a:endParaRPr kumimoji="1" lang="ja-JP" altLang="en-US"/>
+                    </a:p>
+                  </a:txBody>
+                  <a:tcPr/>
+                </a:tc>
+                <a:tc>
+                  <a:txBody>
+                    <a:bodyPr/>
+                    <a:lstStyle/>
+                    <a:p>
+                      <a:pPr algn="l"/>
+                      <a:r>
+                        <a:rPr kumimoji="1" lang="ja-JP" altLang="en-US" sz="1000" dirty="0" smtClean="0"/>
+                        <a:t>カラーセンサーを垂直に保つ</a:t>
+                      </a:r>
+                      <a:endParaRPr kumimoji="1" lang="ja-JP" altLang="en-US" sz="1000" dirty="0"/>
+                    </a:p>
+                  </a:txBody>
+                  <a:tcPr anchor="ctr">
+                    <a:noFill/>
+                  </a:tcPr>
+                </a:tc>
+                <a:tc>
+                  <a:txBody>
+                    <a:bodyPr/>
+                    <a:lstStyle/>
+                    <a:p>
+                      <a:pPr algn="ctr"/>
+                      <a:endParaRPr kumimoji="1" lang="ja-JP" altLang="en-US" sz="1100" dirty="0">
+                        <a:solidFill>
+                          <a:srgbClr val="FF0000"/>
+                        </a:solidFill>
+                      </a:endParaRPr>
+                    </a:p>
+                  </a:txBody>
+                  <a:tcPr anchor="ctr">
+                    <a:noFill/>
+                  </a:tcPr>
+                </a:tc>
+                <a:tc>
+                  <a:txBody>
+                    <a:bodyPr/>
+                    <a:lstStyle/>
+                    <a:p>
+                      <a:pPr algn="ctr"/>
+                      <a:endParaRPr kumimoji="1" lang="ja-JP" altLang="en-US" sz="1100" dirty="0">
+                        <a:solidFill>
+                          <a:srgbClr val="FF0000"/>
+                        </a:solidFill>
+                      </a:endParaRPr>
+                    </a:p>
+                  </a:txBody>
+                  <a:tcPr anchor="ctr">
+                    <a:noFill/>
+                  </a:tcPr>
+                </a:tc>
+                <a:tc>
+                  <a:txBody>
+                    <a:bodyPr/>
+                    <a:lstStyle/>
+                    <a:p>
+                      <a:pPr algn="ctr"/>
+                      <a:endParaRPr kumimoji="1" lang="ja-JP" altLang="en-US" sz="1100" dirty="0">
+                        <a:solidFill>
+                          <a:srgbClr val="FF0000"/>
+                        </a:solidFill>
+                      </a:endParaRPr>
+                    </a:p>
+                  </a:txBody>
+                  <a:tcPr anchor="ctr">
+                    <a:noFill/>
+                  </a:tcPr>
+                </a:tc>
+                <a:tc>
+                  <a:txBody>
+                    <a:bodyPr/>
+                    <a:lstStyle/>
+                    <a:p>
+                      <a:pPr algn="ctr"/>
+                      <a:endParaRPr kumimoji="1" lang="ja-JP" altLang="en-US" sz="1100" dirty="0">
+                        <a:solidFill>
+                          <a:srgbClr val="FF0000"/>
+                        </a:solidFill>
+                      </a:endParaRPr>
+                    </a:p>
+                  </a:txBody>
+                  <a:tcPr anchor="ctr">
+                    <a:noFill/>
+                  </a:tcPr>
+                </a:tc>
+                <a:tc>
+                  <a:txBody>
+                    <a:bodyPr/>
+                    <a:lstStyle/>
+                    <a:p>
+                      <a:pPr algn="ctr"/>
+                      <a:endParaRPr kumimoji="1" lang="ja-JP" altLang="en-US" sz="1100" dirty="0">
+                        <a:solidFill>
+                          <a:srgbClr val="FF0000"/>
+                        </a:solidFill>
+                      </a:endParaRPr>
+                    </a:p>
+                  </a:txBody>
+                  <a:tcPr anchor="ctr">
+                    <a:noFill/>
+                  </a:tcPr>
+                </a:tc>
+                <a:tc>
+                  <a:txBody>
+                    <a:bodyPr/>
+                    <a:lstStyle/>
+                    <a:p>
+                      <a:pPr algn="ctr"/>
+                      <a:endParaRPr kumimoji="1" lang="ja-JP" altLang="en-US" sz="1100" dirty="0">
+                        <a:solidFill>
+                          <a:srgbClr val="FF0000"/>
+                        </a:solidFill>
+                      </a:endParaRPr>
+                    </a:p>
+                  </a:txBody>
+                  <a:tcPr anchor="ctr">
+                    <a:noFill/>
+                  </a:tcPr>
+                </a:tc>
+                <a:tc>
+                  <a:txBody>
+                    <a:bodyPr/>
+                    <a:lstStyle/>
+                    <a:p>
+                      <a:pPr algn="ctr"/>
+                      <a:endParaRPr kumimoji="1" lang="ja-JP" altLang="en-US" sz="1100" dirty="0">
+                        <a:solidFill>
+                          <a:srgbClr val="FF0000"/>
+                        </a:solidFill>
+                      </a:endParaRPr>
+                    </a:p>
+                  </a:txBody>
+                  <a:tcPr anchor="ctr">
+                    <a:noFill/>
+                  </a:tcPr>
+                </a:tc>
+                <a:extLst>
+                  <a:ext uri="{0D108BD9-81ED-4DB2-BD59-A6C34878D82A}">
+                    <a16:rowId xmlns:a16="http://schemas.microsoft.com/office/drawing/2014/main" val="1867054292"/>
+                  </a:ext>
+                </a:extLst>
+              </a:tr>
+              <a:tr h="388620">
+                <a:tc vMerge="1">
+                  <a:txBody>
+                    <a:bodyPr/>
+                    <a:lstStyle/>
+                    <a:p>
+                      <a:endParaRPr kumimoji="1" lang="ja-JP" altLang="en-US"/>
+                    </a:p>
+                  </a:txBody>
+                  <a:tcPr/>
+                </a:tc>
+                <a:tc vMerge="1">
+                  <a:txBody>
+                    <a:bodyPr/>
+                    <a:lstStyle/>
+                    <a:p>
+                      <a:endParaRPr kumimoji="1" lang="ja-JP" altLang="en-US"/>
+                    </a:p>
+                  </a:txBody>
+                  <a:tcPr/>
+                </a:tc>
+                <a:tc>
+                  <a:txBody>
+                    <a:bodyPr/>
+                    <a:lstStyle/>
+                    <a:p>
+                      <a:pPr algn="l"/>
+                      <a:r>
+                        <a:rPr kumimoji="1" lang="ja-JP" altLang="en-US" sz="1000" dirty="0" smtClean="0"/>
+                        <a:t>カラーセンサーを水平に保つ</a:t>
+                      </a:r>
+                      <a:endParaRPr kumimoji="1" lang="ja-JP" altLang="en-US" sz="1000" dirty="0"/>
+                    </a:p>
+                  </a:txBody>
+                  <a:tcPr anchor="ctr">
+                    <a:noFill/>
+                  </a:tcPr>
+                </a:tc>
+                <a:tc>
+                  <a:txBody>
+                    <a:bodyPr/>
+                    <a:lstStyle/>
+                    <a:p>
+                      <a:pPr algn="ctr"/>
+                      <a:endParaRPr kumimoji="1" lang="ja-JP" altLang="en-US" sz="1100" dirty="0">
+                        <a:solidFill>
+                          <a:srgbClr val="FF0000"/>
+                        </a:solidFill>
+                      </a:endParaRPr>
+                    </a:p>
+                  </a:txBody>
+                  <a:tcPr anchor="ctr">
+                    <a:noFill/>
+                  </a:tcPr>
+                </a:tc>
+                <a:tc>
+                  <a:txBody>
+                    <a:bodyPr/>
+                    <a:lstStyle/>
+                    <a:p>
+                      <a:pPr algn="ctr"/>
+                      <a:endParaRPr kumimoji="1" lang="ja-JP" altLang="en-US" sz="1100" dirty="0">
+                        <a:solidFill>
+                          <a:srgbClr val="FF0000"/>
+                        </a:solidFill>
+                      </a:endParaRPr>
+                    </a:p>
+                  </a:txBody>
+                  <a:tcPr anchor="ctr">
+                    <a:noFill/>
+                  </a:tcPr>
+                </a:tc>
+                <a:tc>
+                  <a:txBody>
+                    <a:bodyPr/>
+                    <a:lstStyle/>
+                    <a:p>
+                      <a:pPr algn="ctr"/>
+                      <a:endParaRPr kumimoji="1" lang="ja-JP" altLang="en-US" sz="1100" dirty="0">
+                        <a:solidFill>
+                          <a:srgbClr val="FF0000"/>
+                        </a:solidFill>
+                      </a:endParaRPr>
+                    </a:p>
+                  </a:txBody>
+                  <a:tcPr anchor="ctr">
+                    <a:noFill/>
+                  </a:tcPr>
+                </a:tc>
+                <a:tc>
+                  <a:txBody>
+                    <a:bodyPr/>
+                    <a:lstStyle/>
+                    <a:p>
+                      <a:pPr algn="ctr"/>
+                      <a:endParaRPr kumimoji="1" lang="ja-JP" altLang="en-US" sz="1100" dirty="0">
+                        <a:solidFill>
+                          <a:srgbClr val="FF0000"/>
+                        </a:solidFill>
+                      </a:endParaRPr>
+                    </a:p>
+                  </a:txBody>
+                  <a:tcPr anchor="ctr">
+                    <a:noFill/>
+                  </a:tcPr>
+                </a:tc>
+                <a:tc>
+                  <a:txBody>
+                    <a:bodyPr/>
+                    <a:lstStyle/>
+                    <a:p>
+                      <a:pPr algn="ctr"/>
+                      <a:endParaRPr kumimoji="1" lang="ja-JP" altLang="en-US" sz="1100" dirty="0">
+                        <a:solidFill>
+                          <a:srgbClr val="FF0000"/>
+                        </a:solidFill>
+                      </a:endParaRPr>
+                    </a:p>
+                  </a:txBody>
+                  <a:tcPr anchor="ctr">
+                    <a:noFill/>
+                  </a:tcPr>
+                </a:tc>
+                <a:tc>
+                  <a:txBody>
+                    <a:bodyPr/>
+                    <a:lstStyle/>
+                    <a:p>
+                      <a:pPr algn="ctr"/>
+                      <a:endParaRPr kumimoji="1" lang="ja-JP" altLang="en-US" sz="1100" dirty="0">
+                        <a:solidFill>
+                          <a:srgbClr val="FF0000"/>
+                        </a:solidFill>
+                      </a:endParaRPr>
+                    </a:p>
+                  </a:txBody>
+                  <a:tcPr anchor="ctr">
+                    <a:noFill/>
+                  </a:tcPr>
+                </a:tc>
+                <a:tc>
+                  <a:txBody>
+                    <a:bodyPr/>
+                    <a:lstStyle/>
+                    <a:p>
+                      <a:pPr algn="ctr"/>
+                      <a:endParaRPr kumimoji="1" lang="ja-JP" altLang="en-US" sz="1100" dirty="0">
+                        <a:solidFill>
+                          <a:srgbClr val="FF0000"/>
+                        </a:solidFill>
+                      </a:endParaRPr>
+                    </a:p>
+                  </a:txBody>
+                  <a:tcPr anchor="ctr">
+                    <a:noFill/>
+                  </a:tcPr>
+                </a:tc>
+                <a:extLst>
+                  <a:ext uri="{0D108BD9-81ED-4DB2-BD59-A6C34878D82A}">
+                    <a16:rowId xmlns:a16="http://schemas.microsoft.com/office/drawing/2014/main" val="925098779"/>
+                  </a:ext>
+                </a:extLst>
+              </a:tr>
               <a:tr h="180020">
                 <a:tc vMerge="1">
                   <a:txBody>
@@ -46429,19 +47034,15 @@
                   </a:txBody>
                   <a:tcPr anchor="ctr"/>
                 </a:tc>
-                <a:tc rowSpan="2">
+                <a:tc rowSpan="4">
                   <a:txBody>
                     <a:bodyPr/>
                     <a:lstStyle/>
                     <a:p>
                       <a:pPr algn="l"/>
                       <a:r>
-                        <a:rPr kumimoji="1" lang="ja-JP" altLang="en-US" sz="1000" dirty="0"/>
-                        <a:t>幾何学的</a:t>
-                      </a:r>
-                      <a:r>
-                        <a:rPr kumimoji="1" lang="ja-JP" altLang="en-US" sz="1000"/>
-                        <a:t>状況を推定する</a:t>
+                        <a:rPr kumimoji="1" lang="ja-JP" altLang="en-US" sz="1000" dirty="0" smtClean="0"/>
+                        <a:t>状態モデルを更新する</a:t>
                       </a:r>
                       <a:endParaRPr kumimoji="1" lang="ja-JP" altLang="en-US" sz="1000" dirty="0"/>
                     </a:p>
@@ -46767,20 +47368,12 @@
                   </a:txBody>
                   <a:tcPr anchor="ctr"/>
                 </a:tc>
-                <a:tc rowSpan="2">
+                <a:tc vMerge="1">
                   <a:txBody>
                     <a:bodyPr/>
                     <a:lstStyle/>
                     <a:p>
                       <a:pPr algn="l"/>
-                      <a:r>
-                        <a:rPr kumimoji="1" lang="ja-JP" altLang="en-US" sz="1000" dirty="0"/>
-                        <a:t>運動</a:t>
-                      </a:r>
-                      <a:r>
-                        <a:rPr kumimoji="1" lang="ja-JP" altLang="en-US" sz="1000"/>
-                        <a:t>状態を推定する</a:t>
-                      </a:r>
                       <a:endParaRPr kumimoji="1" lang="ja-JP" altLang="en-US" sz="1000" dirty="0"/>
                     </a:p>
                   </a:txBody>
@@ -47318,15 +47911,7 @@
                       <a:pPr algn="l"/>
                       <a:r>
                         <a:rPr kumimoji="1" lang="ja-JP" altLang="en-US" sz="1000" dirty="0"/>
-                        <a:t>走行体の座標から走行</a:t>
-                      </a:r>
-                      <a:r>
-                        <a:rPr kumimoji="1" lang="ja-JP" altLang="en-US" sz="1000"/>
-                        <a:t>アリアを判定</a:t>
-                      </a:r>
-                      <a:r>
-                        <a:rPr kumimoji="1" lang="ja-JP" altLang="en-US" sz="1000" dirty="0"/>
-                        <a:t>する</a:t>
+                        <a:t>走行体の座標から走行アリアを判定する</a:t>
                       </a:r>
                     </a:p>
                   </a:txBody>
@@ -48859,12 +49444,16 @@
                 </a:extLst>
               </a:tr>
               <a:tr h="180020">
-                <a:tc>
+                <a:tc rowSpan="3">
                   <a:txBody>
                     <a:bodyPr/>
                     <a:lstStyle/>
                     <a:p>
                       <a:pPr algn="ctr"/>
+                      <a:r>
+                        <a:rPr kumimoji="1" lang="ja-JP" altLang="en-US" sz="1000" dirty="0" smtClean="0"/>
+                        <a:t>通信する</a:t>
+                      </a:r>
                       <a:endParaRPr kumimoji="1" lang="ja-JP" altLang="en-US" sz="1000" dirty="0"/>
                     </a:p>
                   </a:txBody>
@@ -48882,6 +49471,10 @@
                     <a:lstStyle/>
                     <a:p>
                       <a:pPr algn="l"/>
+                      <a:r>
+                        <a:rPr kumimoji="1" lang="ja-JP" altLang="en-US" sz="1000" dirty="0" smtClean="0"/>
+                        <a:t>データをコマンドシステムに送る</a:t>
+                      </a:r>
                       <a:endParaRPr kumimoji="1" lang="ja-JP" altLang="en-US" sz="1000" dirty="0"/>
                     </a:p>
                   </a:txBody>
@@ -48895,6 +49488,18 @@
                     <a:lstStyle/>
                     <a:p>
                       <a:pPr algn="l"/>
+                      <a:r>
+                        <a:rPr kumimoji="1" lang="ja-JP" altLang="en-US" sz="1000" dirty="0" smtClean="0"/>
+                        <a:t>データを</a:t>
+                      </a:r>
+                      <a:r>
+                        <a:rPr kumimoji="1" lang="en-US" altLang="ja-JP" sz="1000" dirty="0" smtClean="0"/>
+                        <a:t>Bluetooth</a:t>
+                      </a:r>
+                      <a:r>
+                        <a:rPr kumimoji="1" lang="ja-JP" altLang="en-US" sz="1000" dirty="0" smtClean="0"/>
+                        <a:t>を介してシリアル送信する</a:t>
+                      </a:r>
                       <a:endParaRPr kumimoji="1" lang="ja-JP" altLang="en-US" sz="1000" dirty="0"/>
                     </a:p>
                   </a:txBody>
@@ -49028,7 +49633,7 @@
                 </a:extLst>
               </a:tr>
               <a:tr h="180020">
-                <a:tc>
+                <a:tc vMerge="1">
                   <a:txBody>
                     <a:bodyPr/>
                     <a:lstStyle/>
@@ -49051,6 +49656,10 @@
                     <a:lstStyle/>
                     <a:p>
                       <a:pPr algn="l"/>
+                      <a:r>
+                        <a:rPr kumimoji="1" lang="ja-JP" altLang="en-US" sz="1000" dirty="0" smtClean="0"/>
+                        <a:t>データをコマンドシステムから受ける</a:t>
+                      </a:r>
                       <a:endParaRPr kumimoji="1" lang="ja-JP" altLang="en-US" sz="1000" dirty="0"/>
                     </a:p>
                   </a:txBody>
@@ -49064,6 +49673,18 @@
                     <a:lstStyle/>
                     <a:p>
                       <a:pPr algn="l"/>
+                      <a:r>
+                        <a:rPr kumimoji="1" lang="ja-JP" altLang="en-US" sz="1000" dirty="0" smtClean="0"/>
+                        <a:t>データを</a:t>
+                      </a:r>
+                      <a:r>
+                        <a:rPr kumimoji="1" lang="en-US" altLang="ja-JP" sz="1000" dirty="0" smtClean="0"/>
+                        <a:t>Bluetooth</a:t>
+                      </a:r>
+                      <a:r>
+                        <a:rPr kumimoji="1" lang="ja-JP" altLang="en-US" sz="1000" dirty="0" smtClean="0"/>
+                        <a:t>を介してシリアル受信する</a:t>
+                      </a:r>
                       <a:endParaRPr kumimoji="1" lang="ja-JP" altLang="en-US" sz="1000" dirty="0"/>
                     </a:p>
                   </a:txBody>
@@ -49197,7 +49818,7 @@
                 </a:extLst>
               </a:tr>
               <a:tr h="180020">
-                <a:tc>
+                <a:tc vMerge="1">
                   <a:txBody>
                     <a:bodyPr/>
                     <a:lstStyle/>
@@ -49379,6 +50000,13 @@
   <p:clrMapOvr>
     <a:masterClrMapping/>
   </p:clrMapOvr>
+  <p:timing>
+    <p:tnLst>
+      <p:par>
+        <p:cTn id="1" dur="indefinite" restart="never" nodeType="tmRoot"/>
+      </p:par>
+    </p:tnLst>
+  </p:timing>
 </p:sld>
 </file>
 
@@ -49428,6 +50056,10 @@
               <a:rPr lang="ja-JP" altLang="en-US" dirty="0"/>
               <a:t>ブロック</a:t>
             </a:r>
+            <a:r>
+              <a:rPr lang="en-US" altLang="ja-JP" dirty="0"/>
+              <a:t/>
+            </a:r>
             <a:br>
               <a:rPr lang="en-US" altLang="ja-JP" dirty="0"/>
             </a:br>
@@ -49449,6 +50081,13 @@
   <p:clrMapOvr>
     <a:masterClrMapping/>
   </p:clrMapOvr>
+  <p:timing>
+    <p:tnLst>
+      <p:par>
+        <p:cTn id="1" dur="indefinite" restart="never" nodeType="tmRoot"/>
+      </p:par>
+    </p:tnLst>
+  </p:timing>
 </p:sld>
 </file>
 
@@ -49845,6 +50484,13 @@
   <p:clrMapOvr>
     <a:masterClrMapping/>
   </p:clrMapOvr>
+  <p:timing>
+    <p:tnLst>
+      <p:par>
+        <p:cTn id="1" dur="indefinite" restart="never" nodeType="tmRoot"/>
+      </p:par>
+    </p:tnLst>
+  </p:timing>
 </p:sld>
 </file>
 

--- a/Documents/hirojiren_設計ノート.pptx
+++ b/Documents/hirojiren_設計ノート.pptx
@@ -5,7 +5,7 @@
     <p:sldMasterId id="2147483648" r:id="rId1"/>
   </p:sldMasterIdLst>
   <p:notesMasterIdLst>
-    <p:notesMasterId r:id="rId33"/>
+    <p:notesMasterId r:id="rId34"/>
   </p:notesMasterIdLst>
   <p:sldIdLst>
     <p:sldId id="256" r:id="rId2"/>
@@ -21,24 +21,25 @@
     <p:sldId id="331" r:id="rId12"/>
     <p:sldId id="332" r:id="rId13"/>
     <p:sldId id="335" r:id="rId14"/>
-    <p:sldId id="333" r:id="rId15"/>
-    <p:sldId id="312" r:id="rId16"/>
-    <p:sldId id="281" r:id="rId17"/>
-    <p:sldId id="322" r:id="rId18"/>
-    <p:sldId id="323" r:id="rId19"/>
-    <p:sldId id="297" r:id="rId20"/>
-    <p:sldId id="307" r:id="rId21"/>
-    <p:sldId id="309" r:id="rId22"/>
-    <p:sldId id="298" r:id="rId23"/>
-    <p:sldId id="308" r:id="rId24"/>
-    <p:sldId id="313" r:id="rId25"/>
-    <p:sldId id="314" r:id="rId26"/>
-    <p:sldId id="315" r:id="rId27"/>
-    <p:sldId id="316" r:id="rId28"/>
-    <p:sldId id="317" r:id="rId29"/>
-    <p:sldId id="318" r:id="rId30"/>
-    <p:sldId id="319" r:id="rId31"/>
-    <p:sldId id="320" r:id="rId32"/>
+    <p:sldId id="336" r:id="rId15"/>
+    <p:sldId id="333" r:id="rId16"/>
+    <p:sldId id="312" r:id="rId17"/>
+    <p:sldId id="281" r:id="rId18"/>
+    <p:sldId id="322" r:id="rId19"/>
+    <p:sldId id="323" r:id="rId20"/>
+    <p:sldId id="297" r:id="rId21"/>
+    <p:sldId id="307" r:id="rId22"/>
+    <p:sldId id="309" r:id="rId23"/>
+    <p:sldId id="298" r:id="rId24"/>
+    <p:sldId id="308" r:id="rId25"/>
+    <p:sldId id="313" r:id="rId26"/>
+    <p:sldId id="314" r:id="rId27"/>
+    <p:sldId id="315" r:id="rId28"/>
+    <p:sldId id="316" r:id="rId29"/>
+    <p:sldId id="317" r:id="rId30"/>
+    <p:sldId id="318" r:id="rId31"/>
+    <p:sldId id="319" r:id="rId32"/>
+    <p:sldId id="320" r:id="rId33"/>
   </p:sldIdLst>
   <p:sldSz cx="12192000" cy="6858000"/>
   <p:notesSz cx="6858000" cy="9144000"/>
@@ -238,7 +239,7 @@
           <a:p>
             <a:fld id="{C3D393E5-7C75-494E-8F9A-32FD27628E8C}" type="datetimeFigureOut">
               <a:rPr kumimoji="1" lang="ja-JP" altLang="en-US" smtClean="0"/>
-              <a:t>2019/6/6</a:t>
+              <a:t>2019/6/7</a:t>
             </a:fld>
             <a:endParaRPr kumimoji="1" lang="ja-JP" altLang="en-US"/>
           </a:p>
@@ -687,6 +688,90 @@
             <a:fld id="{CBCFDE4E-0ABD-C44C-8B0A-D287ABAFA927}" type="slidenum">
               <a:rPr kumimoji="1" lang="ja-JP" altLang="en-US" smtClean="0"/>
               <a:t>14</a:t>
+            </a:fld>
+            <a:endParaRPr kumimoji="1" lang="ja-JP" altLang="en-US"/>
+          </a:p>
+        </p:txBody>
+      </p:sp>
+    </p:spTree>
+    <p:extLst>
+      <p:ext uri="{BB962C8B-B14F-4D97-AF65-F5344CB8AC3E}">
+        <p14:creationId xmlns:p14="http://schemas.microsoft.com/office/powerpoint/2010/main" val="3543091926"/>
+      </p:ext>
+    </p:extLst>
+  </p:cSld>
+  <p:clrMapOvr>
+    <a:masterClrMapping/>
+  </p:clrMapOvr>
+</p:notes>
+</file>
+
+<file path=ppt/notesSlides/notesSlide11.xml><?xml version="1.0" encoding="utf-8"?>
+<p:notes xmlns:a="http://schemas.openxmlformats.org/drawingml/2006/main" xmlns:r="http://schemas.openxmlformats.org/officeDocument/2006/relationships" xmlns:p="http://schemas.openxmlformats.org/presentationml/2006/main">
+  <p:cSld>
+    <p:spTree>
+      <p:nvGrpSpPr>
+        <p:cNvPr id="1" name=""/>
+        <p:cNvGrpSpPr/>
+        <p:nvPr/>
+      </p:nvGrpSpPr>
+      <p:grpSpPr>
+        <a:xfrm>
+          <a:off x="0" y="0"/>
+          <a:ext cx="0" cy="0"/>
+          <a:chOff x="0" y="0"/>
+          <a:chExt cx="0" cy="0"/>
+        </a:xfrm>
+      </p:grpSpPr>
+      <p:sp>
+        <p:nvSpPr>
+          <p:cNvPr id="2" name="スライド イメージ プレースホルダー 1"/>
+          <p:cNvSpPr>
+            <a:spLocks noGrp="1" noRot="1" noChangeAspect="1"/>
+          </p:cNvSpPr>
+          <p:nvPr>
+            <p:ph type="sldImg"/>
+          </p:nvPr>
+        </p:nvSpPr>
+        <p:spPr/>
+      </p:sp>
+      <p:sp>
+        <p:nvSpPr>
+          <p:cNvPr id="3" name="ノート プレースホルダー 2"/>
+          <p:cNvSpPr>
+            <a:spLocks noGrp="1"/>
+          </p:cNvSpPr>
+          <p:nvPr>
+            <p:ph type="body" idx="1"/>
+          </p:nvPr>
+        </p:nvSpPr>
+        <p:spPr/>
+        <p:txBody>
+          <a:bodyPr/>
+          <a:lstStyle/>
+          <a:p>
+            <a:endParaRPr kumimoji="1" lang="ja-JP" altLang="en-US" dirty="0"/>
+          </a:p>
+        </p:txBody>
+      </p:sp>
+      <p:sp>
+        <p:nvSpPr>
+          <p:cNvPr id="4" name="スライド番号プレースホルダー 3"/>
+          <p:cNvSpPr>
+            <a:spLocks noGrp="1"/>
+          </p:cNvSpPr>
+          <p:nvPr>
+            <p:ph type="sldNum" sz="quarter" idx="10"/>
+          </p:nvPr>
+        </p:nvSpPr>
+        <p:spPr/>
+        <p:txBody>
+          <a:bodyPr/>
+          <a:lstStyle/>
+          <a:p>
+            <a:fld id="{CBCFDE4E-0ABD-C44C-8B0A-D287ABAFA927}" type="slidenum">
+              <a:rPr kumimoji="1" lang="ja-JP" altLang="en-US" smtClean="0"/>
+              <a:t>15</a:t>
             </a:fld>
             <a:endParaRPr kumimoji="1" lang="ja-JP" altLang="en-US"/>
           </a:p>
@@ -1524,7 +1609,7 @@
           <a:p>
             <a:fld id="{F652821D-2172-BB44-A27D-4D545FF2494B}" type="datetimeFigureOut">
               <a:rPr kumimoji="1" lang="ja-JP" altLang="en-US" smtClean="0"/>
-              <a:t>2019/6/6</a:t>
+              <a:t>2019/6/7</a:t>
             </a:fld>
             <a:endParaRPr kumimoji="1" lang="ja-JP" altLang="en-US"/>
           </a:p>
@@ -1754,7 +1839,7 @@
           <a:p>
             <a:fld id="{F652821D-2172-BB44-A27D-4D545FF2494B}" type="datetimeFigureOut">
               <a:rPr kumimoji="1" lang="ja-JP" altLang="en-US" smtClean="0"/>
-              <a:t>2019/6/6</a:t>
+              <a:t>2019/6/7</a:t>
             </a:fld>
             <a:endParaRPr kumimoji="1" lang="ja-JP" altLang="en-US"/>
           </a:p>
@@ -1994,7 +2079,7 @@
           <a:p>
             <a:fld id="{F652821D-2172-BB44-A27D-4D545FF2494B}" type="datetimeFigureOut">
               <a:rPr kumimoji="1" lang="ja-JP" altLang="en-US" smtClean="0"/>
-              <a:t>2019/6/6</a:t>
+              <a:t>2019/6/7</a:t>
             </a:fld>
             <a:endParaRPr kumimoji="1" lang="ja-JP" altLang="en-US"/>
           </a:p>
@@ -2224,7 +2309,7 @@
           <a:p>
             <a:fld id="{F652821D-2172-BB44-A27D-4D545FF2494B}" type="datetimeFigureOut">
               <a:rPr kumimoji="1" lang="ja-JP" altLang="en-US" smtClean="0"/>
-              <a:t>2019/6/6</a:t>
+              <a:t>2019/6/7</a:t>
             </a:fld>
             <a:endParaRPr kumimoji="1" lang="ja-JP" altLang="en-US"/>
           </a:p>
@@ -2499,7 +2584,7 @@
           <a:p>
             <a:fld id="{F652821D-2172-BB44-A27D-4D545FF2494B}" type="datetimeFigureOut">
               <a:rPr kumimoji="1" lang="ja-JP" altLang="en-US" smtClean="0"/>
-              <a:t>2019/6/6</a:t>
+              <a:t>2019/6/7</a:t>
             </a:fld>
             <a:endParaRPr kumimoji="1" lang="ja-JP" altLang="en-US"/>
           </a:p>
@@ -2828,7 +2913,7 @@
           <a:p>
             <a:fld id="{F652821D-2172-BB44-A27D-4D545FF2494B}" type="datetimeFigureOut">
               <a:rPr kumimoji="1" lang="ja-JP" altLang="en-US" smtClean="0"/>
-              <a:t>2019/6/6</a:t>
+              <a:t>2019/6/7</a:t>
             </a:fld>
             <a:endParaRPr kumimoji="1" lang="ja-JP" altLang="en-US"/>
           </a:p>
@@ -3304,7 +3389,7 @@
           <a:p>
             <a:fld id="{F652821D-2172-BB44-A27D-4D545FF2494B}" type="datetimeFigureOut">
               <a:rPr kumimoji="1" lang="ja-JP" altLang="en-US" smtClean="0"/>
-              <a:t>2019/6/6</a:t>
+              <a:t>2019/6/7</a:t>
             </a:fld>
             <a:endParaRPr kumimoji="1" lang="ja-JP" altLang="en-US"/>
           </a:p>
@@ -3445,7 +3530,7 @@
           <a:p>
             <a:fld id="{F652821D-2172-BB44-A27D-4D545FF2494B}" type="datetimeFigureOut">
               <a:rPr kumimoji="1" lang="ja-JP" altLang="en-US" smtClean="0"/>
-              <a:t>2019/6/6</a:t>
+              <a:t>2019/6/7</a:t>
             </a:fld>
             <a:endParaRPr kumimoji="1" lang="ja-JP" altLang="en-US"/>
           </a:p>
@@ -3558,7 +3643,7 @@
           <a:p>
             <a:fld id="{F652821D-2172-BB44-A27D-4D545FF2494B}" type="datetimeFigureOut">
               <a:rPr kumimoji="1" lang="ja-JP" altLang="en-US" smtClean="0"/>
-              <a:t>2019/6/6</a:t>
+              <a:t>2019/6/7</a:t>
             </a:fld>
             <a:endParaRPr kumimoji="1" lang="ja-JP" altLang="en-US"/>
           </a:p>
@@ -3901,7 +3986,7 @@
           <a:p>
             <a:fld id="{F652821D-2172-BB44-A27D-4D545FF2494B}" type="datetimeFigureOut">
               <a:rPr kumimoji="1" lang="ja-JP" altLang="en-US" smtClean="0"/>
-              <a:t>2019/6/6</a:t>
+              <a:t>2019/6/7</a:t>
             </a:fld>
             <a:endParaRPr kumimoji="1" lang="ja-JP" altLang="en-US"/>
           </a:p>
@@ -4189,7 +4274,7 @@
           <a:p>
             <a:fld id="{F652821D-2172-BB44-A27D-4D545FF2494B}" type="datetimeFigureOut">
               <a:rPr kumimoji="1" lang="ja-JP" altLang="en-US" smtClean="0"/>
-              <a:t>2019/6/6</a:t>
+              <a:t>2019/6/7</a:t>
             </a:fld>
             <a:endParaRPr kumimoji="1" lang="ja-JP" altLang="en-US"/>
           </a:p>
@@ -4462,7 +4547,7 @@
           <a:p>
             <a:fld id="{F652821D-2172-BB44-A27D-4D545FF2494B}" type="datetimeFigureOut">
               <a:rPr kumimoji="1" lang="ja-JP" altLang="en-US" smtClean="0"/>
-              <a:t>2019/6/6</a:t>
+              <a:t>2019/6/7</a:t>
             </a:fld>
             <a:endParaRPr kumimoji="1" lang="ja-JP" altLang="en-US"/>
           </a:p>
@@ -5058,13 +5143,13 @@
           <p:nvPr>
             <p:extLst>
               <p:ext uri="{D42A27DB-BD31-4B8C-83A1-F6EECF244321}">
-                <p14:modId xmlns:p14="http://schemas.microsoft.com/office/powerpoint/2010/main" val="2090911452"/>
+                <p14:modId xmlns:p14="http://schemas.microsoft.com/office/powerpoint/2010/main" val="2743742213"/>
               </p:ext>
             </p:extLst>
           </p:nvPr>
         </p:nvGraphicFramePr>
         <p:xfrm>
-          <a:off x="695400" y="1628800"/>
+          <a:off x="695400" y="2158072"/>
           <a:ext cx="10801200" cy="4079240"/>
         </p:xfrm>
         <a:graphic>
@@ -5782,7 +5867,7 @@
         <p:spPr>
           <a:xfrm>
             <a:off x="5303912" y="592251"/>
-            <a:ext cx="5400600" cy="432048"/>
+            <a:ext cx="6048672" cy="432048"/>
           </a:xfrm>
           <a:prstGeom prst="rect">
             <a:avLst/>
@@ -5862,8 +5947,8 @@
         </p:nvSpPr>
         <p:spPr>
           <a:xfrm>
-            <a:off x="5303912" y="1086096"/>
-            <a:ext cx="5400600" cy="432048"/>
+            <a:off x="5303912" y="1268760"/>
+            <a:ext cx="6048672" cy="432048"/>
           </a:xfrm>
           <a:prstGeom prst="rect">
             <a:avLst/>
@@ -5920,6 +6005,93 @@
                 </a:solidFill>
               </a:rPr>
               <a:t>走行体を左右に降って輝度の変化で見る、、、</a:t>
+            </a:r>
+            <a:endParaRPr kumimoji="1" lang="ja-JP" altLang="en-US" dirty="0" err="1">
+              <a:solidFill>
+                <a:schemeClr val="tx1"/>
+              </a:solidFill>
+            </a:endParaRPr>
+          </a:p>
+        </p:txBody>
+      </p:sp>
+      <p:sp>
+        <p:nvSpPr>
+          <p:cNvPr id="2" name="角丸四角形吹き出し 1">
+            <a:extLst>
+              <a:ext uri="{FF2B5EF4-FFF2-40B4-BE49-F238E27FC236}">
+                <a16:creationId xmlns:a16="http://schemas.microsoft.com/office/drawing/2014/main" id="{277831C1-F153-1F49-8973-6DA66D7CCC74}"/>
+              </a:ext>
+            </a:extLst>
+          </p:cNvPr>
+          <p:cNvSpPr/>
+          <p:nvPr/>
+        </p:nvSpPr>
+        <p:spPr>
+          <a:xfrm>
+            <a:off x="1847528" y="1556792"/>
+            <a:ext cx="4032448" cy="1224136"/>
+          </a:xfrm>
+          <a:prstGeom prst="wedgeRoundRectCallout">
+            <a:avLst>
+              <a:gd name="adj1" fmla="val -26214"/>
+              <a:gd name="adj2" fmla="val -71702"/>
+              <a:gd name="adj3" fmla="val 16667"/>
+            </a:avLst>
+          </a:prstGeom>
+          <a:solidFill>
+            <a:schemeClr val="accent4">
+              <a:lumMod val="20000"/>
+              <a:lumOff val="80000"/>
+            </a:schemeClr>
+          </a:solidFill>
+          <a:ln w="19050">
+            <a:solidFill>
+              <a:schemeClr val="tx1"/>
+            </a:solidFill>
+          </a:ln>
+        </p:spPr>
+        <p:style>
+          <a:lnRef idx="2">
+            <a:schemeClr val="accent1">
+              <a:shade val="50000"/>
+            </a:schemeClr>
+          </a:lnRef>
+          <a:fillRef idx="1">
+            <a:schemeClr val="accent1"/>
+          </a:fillRef>
+          <a:effectRef idx="0">
+            <a:schemeClr val="accent1"/>
+          </a:effectRef>
+          <a:fontRef idx="minor">
+            <a:schemeClr val="lt1"/>
+          </a:fontRef>
+        </p:style>
+        <p:txBody>
+          <a:bodyPr rtlCol="0" anchor="t" anchorCtr="0"/>
+          <a:lstStyle/>
+          <a:p>
+            <a:r>
+              <a:rPr lang="ja-JP" altLang="en-US">
+                <a:solidFill>
+                  <a:schemeClr val="tx1"/>
+                </a:solidFill>
+              </a:rPr>
+              <a:t>この機能が必要なのか、</a:t>
+            </a:r>
+            <a:endParaRPr lang="en-US" altLang="ja-JP" dirty="0">
+              <a:solidFill>
+                <a:schemeClr val="tx1"/>
+              </a:solidFill>
+            </a:endParaRPr>
+          </a:p>
+          <a:p>
+            <a:r>
+              <a:rPr kumimoji="1" lang="ja-JP" altLang="en-US">
+                <a:solidFill>
+                  <a:schemeClr val="tx1"/>
+                </a:solidFill>
+              </a:rPr>
+              <a:t>その場合どのように実現するかの検討が必要</a:t>
             </a:r>
             <a:endParaRPr kumimoji="1" lang="ja-JP" altLang="en-US" dirty="0" err="1">
               <a:solidFill>
@@ -7488,14 +7660,14 @@
           <p:nvPr>
             <p:extLst>
               <p:ext uri="{D42A27DB-BD31-4B8C-83A1-F6EECF244321}">
-                <p14:modId xmlns:p14="http://schemas.microsoft.com/office/powerpoint/2010/main" val="507400299"/>
+                <p14:modId xmlns:p14="http://schemas.microsoft.com/office/powerpoint/2010/main" val="615010199"/>
               </p:ext>
             </p:extLst>
           </p:nvPr>
         </p:nvGraphicFramePr>
         <p:xfrm>
           <a:off x="695400" y="1628800"/>
-          <a:ext cx="10801200" cy="2966720"/>
+          <a:ext cx="10457080" cy="3672408"/>
         </p:xfrm>
         <a:graphic>
           <a:graphicData uri="http://schemas.openxmlformats.org/drawingml/2006/table">
@@ -7504,21 +7676,21 @@
                 <a:tableStyleId>{5940675A-B579-460E-94D1-54222C63F5DA}</a:tableStyleId>
               </a:tblPr>
               <a:tblGrid>
-                <a:gridCol w="3600400">
+                <a:gridCol w="4392488">
                   <a:extLst>
                     <a:ext uri="{9D8B030D-6E8A-4147-A177-3AD203B41FA5}">
                       <a16:colId xmlns:a16="http://schemas.microsoft.com/office/drawing/2014/main" val="3785133965"/>
                     </a:ext>
                   </a:extLst>
                 </a:gridCol>
-                <a:gridCol w="4824536">
+                <a:gridCol w="3384376">
                   <a:extLst>
                     <a:ext uri="{9D8B030D-6E8A-4147-A177-3AD203B41FA5}">
                       <a16:colId xmlns:a16="http://schemas.microsoft.com/office/drawing/2014/main" val="320256873"/>
                     </a:ext>
                   </a:extLst>
                 </a:gridCol>
-                <a:gridCol w="2376264">
+                <a:gridCol w="2680216">
                   <a:extLst>
                     <a:ext uri="{9D8B030D-6E8A-4147-A177-3AD203B41FA5}">
                       <a16:colId xmlns:a16="http://schemas.microsoft.com/office/drawing/2014/main" val="1118577975"/>
@@ -7526,7 +7698,7 @@
                   </a:extLst>
                 </a:gridCol>
               </a:tblGrid>
-              <a:tr h="370840">
+              <a:tr h="459051">
                 <a:tc>
                   <a:txBody>
                     <a:bodyPr/>
@@ -7595,7 +7767,7 @@
                   </a:ext>
                 </a:extLst>
               </a:tr>
-              <a:tr h="370840">
+              <a:tr h="459051">
                 <a:tc>
                   <a:txBody>
                     <a:bodyPr/>
@@ -7659,13 +7831,19 @@
                   </a:ext>
                 </a:extLst>
               </a:tr>
-              <a:tr h="370840">
+              <a:tr h="459051">
                 <a:tc>
                   <a:txBody>
                     <a:bodyPr/>
                     <a:lstStyle/>
                     <a:p>
-                      <a:endParaRPr lang="ja-JP" altLang="en-US" sz="1400"/>
+                      <a:r>
+                        <a:rPr lang="ja-JP" altLang="en-US" sz="1400">
+                          <a:latin typeface="+mn-ea"/>
+                          <a:ea typeface="+mn-ea"/>
+                        </a:rPr>
+                        <a:t>動画から静止画を作る</a:t>
+                      </a:r>
                     </a:p>
                   </a:txBody>
                   <a:tcPr anchor="ctr"/>
@@ -7699,7 +7877,747 @@
                   </a:ext>
                 </a:extLst>
               </a:tr>
-              <a:tr h="370840">
+              <a:tr h="459051">
+                <a:tc>
+                  <a:txBody>
+                    <a:bodyPr/>
+                    <a:lstStyle/>
+                    <a:p>
+                      <a:pPr algn="l"/>
+                      <a:r>
+                        <a:rPr kumimoji="1" lang="ja-JP" altLang="en-US" sz="1400">
+                          <a:latin typeface="+mn-ea"/>
+                          <a:ea typeface="+mn-ea"/>
+                        </a:rPr>
+                        <a:t>静止画を正方形にする</a:t>
+                      </a:r>
+                      <a:endParaRPr kumimoji="1" lang="ja-JP" altLang="en-US" sz="1400" dirty="0">
+                        <a:latin typeface="+mn-ea"/>
+                        <a:ea typeface="+mn-ea"/>
+                      </a:endParaRPr>
+                    </a:p>
+                  </a:txBody>
+                  <a:tcPr anchor="ctr"/>
+                </a:tc>
+                <a:tc>
+                  <a:txBody>
+                    <a:bodyPr/>
+                    <a:lstStyle/>
+                    <a:p>
+                      <a:pPr algn="l"/>
+                      <a:r>
+                        <a:rPr kumimoji="1" lang="ja-JP" altLang="en-US" sz="1400">
+                          <a:latin typeface="+mn-ea"/>
+                          <a:ea typeface="+mn-ea"/>
+                        </a:rPr>
+                        <a:t>画像を台形補正する</a:t>
+                      </a:r>
+                      <a:endParaRPr kumimoji="1" lang="ja-JP" altLang="en-US" sz="1400" dirty="0">
+                        <a:latin typeface="+mn-ea"/>
+                        <a:ea typeface="+mn-ea"/>
+                      </a:endParaRPr>
+                    </a:p>
+                  </a:txBody>
+                  <a:tcPr anchor="ctr"/>
+                </a:tc>
+                <a:tc>
+                  <a:txBody>
+                    <a:bodyPr/>
+                    <a:lstStyle/>
+                    <a:p>
+                      <a:endParaRPr kumimoji="1" lang="ja-JP" altLang="en-US" sz="1400">
+                        <a:latin typeface="+mn-ea"/>
+                        <a:ea typeface="+mn-ea"/>
+                      </a:endParaRPr>
+                    </a:p>
+                  </a:txBody>
+                  <a:tcPr anchor="ctr"/>
+                </a:tc>
+                <a:extLst>
+                  <a:ext uri="{0D108BD9-81ED-4DB2-BD59-A6C34878D82A}">
+                    <a16:rowId xmlns:a16="http://schemas.microsoft.com/office/drawing/2014/main" val="2137794786"/>
+                  </a:ext>
+                </a:extLst>
+              </a:tr>
+              <a:tr h="459051">
+                <a:tc>
+                  <a:txBody>
+                    <a:bodyPr/>
+                    <a:lstStyle/>
+                    <a:p>
+                      <a:r>
+                        <a:rPr lang="en-US" altLang="ja-JP" sz="1400" dirty="0">
+                          <a:latin typeface="+mn-ea"/>
+                          <a:ea typeface="+mn-ea"/>
+                        </a:rPr>
+                        <a:t>RGB-HSV</a:t>
+                      </a:r>
+                      <a:r>
+                        <a:rPr lang="ja-JP" altLang="en-US" sz="1400">
+                          <a:latin typeface="+mn-ea"/>
+                          <a:ea typeface="+mn-ea"/>
+                        </a:rPr>
+                        <a:t>変換する</a:t>
+                      </a:r>
+                    </a:p>
+                  </a:txBody>
+                  <a:tcPr anchor="ctr"/>
+                </a:tc>
+                <a:tc>
+                  <a:txBody>
+                    <a:bodyPr/>
+                    <a:lstStyle/>
+                    <a:p>
+                      <a:pPr algn="l"/>
+                      <a:endParaRPr kumimoji="1" lang="ja-JP" altLang="en-US" sz="1400" dirty="0">
+                        <a:latin typeface="+mn-ea"/>
+                        <a:ea typeface="+mn-ea"/>
+                      </a:endParaRPr>
+                    </a:p>
+                  </a:txBody>
+                  <a:tcPr anchor="ctr"/>
+                </a:tc>
+                <a:tc>
+                  <a:txBody>
+                    <a:bodyPr/>
+                    <a:lstStyle/>
+                    <a:p>
+                      <a:endParaRPr kumimoji="1" lang="ja-JP" altLang="en-US" sz="1400">
+                        <a:latin typeface="+mn-ea"/>
+                        <a:ea typeface="+mn-ea"/>
+                      </a:endParaRPr>
+                    </a:p>
+                  </a:txBody>
+                  <a:tcPr anchor="ctr"/>
+                </a:tc>
+                <a:extLst>
+                  <a:ext uri="{0D108BD9-81ED-4DB2-BD59-A6C34878D82A}">
+                    <a16:rowId xmlns:a16="http://schemas.microsoft.com/office/drawing/2014/main" val="1818637054"/>
+                  </a:ext>
+                </a:extLst>
+              </a:tr>
+              <a:tr h="459051">
+                <a:tc>
+                  <a:txBody>
+                    <a:bodyPr/>
+                    <a:lstStyle/>
+                    <a:p>
+                      <a:pPr marL="0" marR="0" lvl="0" indent="0" algn="l" defTabSz="914400" rtl="0" eaLnBrk="1" fontAlgn="auto" latinLnBrk="0" hangingPunct="1">
+                        <a:lnSpc>
+                          <a:spcPct val="100000"/>
+                        </a:lnSpc>
+                        <a:spcBef>
+                          <a:spcPts val="0"/>
+                        </a:spcBef>
+                        <a:spcAft>
+                          <a:spcPts val="0"/>
+                        </a:spcAft>
+                        <a:buClrTx/>
+                        <a:buSzTx/>
+                        <a:buFontTx/>
+                        <a:buNone/>
+                        <a:tabLst/>
+                        <a:defRPr/>
+                      </a:pPr>
+                      <a:r>
+                        <a:rPr kumimoji="1" lang="ja-JP" altLang="en-US" sz="1400">
+                          <a:latin typeface="+mn-ea"/>
+                          <a:ea typeface="+mn-ea"/>
+                        </a:rPr>
+                        <a:t>画像から数字カードの部分を抜き出す</a:t>
+                      </a:r>
+                      <a:endParaRPr kumimoji="1" lang="en-US" altLang="ja-JP" sz="1400" dirty="0">
+                        <a:latin typeface="+mn-ea"/>
+                        <a:ea typeface="+mn-ea"/>
+                      </a:endParaRPr>
+                    </a:p>
+                  </a:txBody>
+                  <a:tcPr anchor="ctr"/>
+                </a:tc>
+                <a:tc>
+                  <a:txBody>
+                    <a:bodyPr/>
+                    <a:lstStyle/>
+                    <a:p>
+                      <a:endParaRPr kumimoji="1" lang="ja-JP" altLang="en-US" sz="1400">
+                        <a:latin typeface="+mn-ea"/>
+                        <a:ea typeface="+mn-ea"/>
+                      </a:endParaRPr>
+                    </a:p>
+                  </a:txBody>
+                  <a:tcPr anchor="ctr"/>
+                </a:tc>
+                <a:tc>
+                  <a:txBody>
+                    <a:bodyPr/>
+                    <a:lstStyle/>
+                    <a:p>
+                      <a:endParaRPr kumimoji="1" lang="ja-JP" altLang="en-US" sz="1400">
+                        <a:latin typeface="+mn-ea"/>
+                        <a:ea typeface="+mn-ea"/>
+                      </a:endParaRPr>
+                    </a:p>
+                  </a:txBody>
+                  <a:tcPr anchor="ctr"/>
+                </a:tc>
+                <a:extLst>
+                  <a:ext uri="{0D108BD9-81ED-4DB2-BD59-A6C34878D82A}">
+                    <a16:rowId xmlns:a16="http://schemas.microsoft.com/office/drawing/2014/main" val="133717894"/>
+                  </a:ext>
+                </a:extLst>
+              </a:tr>
+              <a:tr h="459051">
+                <a:tc>
+                  <a:txBody>
+                    <a:bodyPr/>
+                    <a:lstStyle/>
+                    <a:p>
+                      <a:r>
+                        <a:rPr kumimoji="1" lang="ja-JP" altLang="en-US" sz="1400">
+                          <a:latin typeface="+mn-ea"/>
+                          <a:ea typeface="+mn-ea"/>
+                        </a:rPr>
+                        <a:t>数字カード部の画像を正方形にする</a:t>
+                      </a:r>
+                    </a:p>
+                  </a:txBody>
+                  <a:tcPr anchor="ctr"/>
+                </a:tc>
+                <a:tc>
+                  <a:txBody>
+                    <a:bodyPr/>
+                    <a:lstStyle/>
+                    <a:p>
+                      <a:endParaRPr kumimoji="1" lang="ja-JP" altLang="en-US" sz="1400">
+                        <a:latin typeface="+mn-ea"/>
+                        <a:ea typeface="+mn-ea"/>
+                      </a:endParaRPr>
+                    </a:p>
+                  </a:txBody>
+                  <a:tcPr anchor="ctr"/>
+                </a:tc>
+                <a:tc>
+                  <a:txBody>
+                    <a:bodyPr/>
+                    <a:lstStyle/>
+                    <a:p>
+                      <a:endParaRPr kumimoji="1" lang="ja-JP" altLang="en-US" sz="1400">
+                        <a:latin typeface="+mn-ea"/>
+                        <a:ea typeface="+mn-ea"/>
+                      </a:endParaRPr>
+                    </a:p>
+                  </a:txBody>
+                  <a:tcPr anchor="ctr"/>
+                </a:tc>
+                <a:extLst>
+                  <a:ext uri="{0D108BD9-81ED-4DB2-BD59-A6C34878D82A}">
+                    <a16:rowId xmlns:a16="http://schemas.microsoft.com/office/drawing/2014/main" val="3980248112"/>
+                  </a:ext>
+                </a:extLst>
+              </a:tr>
+              <a:tr h="459051">
+                <a:tc>
+                  <a:txBody>
+                    <a:bodyPr/>
+                    <a:lstStyle/>
+                    <a:p>
+                      <a:r>
+                        <a:rPr kumimoji="1" lang="ja-JP" altLang="en-US" sz="1400">
+                          <a:latin typeface="+mn-ea"/>
+                          <a:ea typeface="+mn-ea"/>
+                        </a:rPr>
+                        <a:t>数字を推定する</a:t>
+                      </a:r>
+                    </a:p>
+                  </a:txBody>
+                  <a:tcPr anchor="ctr"/>
+                </a:tc>
+                <a:tc>
+                  <a:txBody>
+                    <a:bodyPr/>
+                    <a:lstStyle/>
+                    <a:p>
+                      <a:r>
+                        <a:rPr kumimoji="1" lang="ja-JP" altLang="en-US" sz="1400">
+                          <a:latin typeface="+mn-ea"/>
+                          <a:ea typeface="+mn-ea"/>
+                        </a:rPr>
+                        <a:t>ニューラルネットワーク</a:t>
+                      </a:r>
+                    </a:p>
+                  </a:txBody>
+                  <a:tcPr anchor="ctr"/>
+                </a:tc>
+                <a:tc>
+                  <a:txBody>
+                    <a:bodyPr/>
+                    <a:lstStyle/>
+                    <a:p>
+                      <a:endParaRPr kumimoji="1" lang="ja-JP" altLang="en-US" sz="1400">
+                        <a:latin typeface="+mn-ea"/>
+                        <a:ea typeface="+mn-ea"/>
+                      </a:endParaRPr>
+                    </a:p>
+                  </a:txBody>
+                  <a:tcPr anchor="ctr"/>
+                </a:tc>
+                <a:extLst>
+                  <a:ext uri="{0D108BD9-81ED-4DB2-BD59-A6C34878D82A}">
+                    <a16:rowId xmlns:a16="http://schemas.microsoft.com/office/drawing/2014/main" val="190976862"/>
+                  </a:ext>
+                </a:extLst>
+              </a:tr>
+            </a:tbl>
+          </a:graphicData>
+        </a:graphic>
+      </p:graphicFrame>
+      <p:sp>
+        <p:nvSpPr>
+          <p:cNvPr id="5" name="正方形/長方形 4">
+            <a:extLst>
+              <a:ext uri="{FF2B5EF4-FFF2-40B4-BE49-F238E27FC236}">
+                <a16:creationId xmlns:a16="http://schemas.microsoft.com/office/drawing/2014/main" id="{8DEC94C1-38B0-BE4D-B8B1-0936BF476735}"/>
+              </a:ext>
+            </a:extLst>
+          </p:cNvPr>
+          <p:cNvSpPr/>
+          <p:nvPr/>
+        </p:nvSpPr>
+        <p:spPr>
+          <a:xfrm>
+            <a:off x="335360" y="836712"/>
+            <a:ext cx="4608512" cy="432048"/>
+          </a:xfrm>
+          <a:prstGeom prst="rect">
+            <a:avLst/>
+          </a:prstGeom>
+          <a:solidFill>
+            <a:schemeClr val="bg1"/>
+          </a:solidFill>
+          <a:ln w="19050">
+            <a:solidFill>
+              <a:schemeClr val="tx1"/>
+            </a:solidFill>
+          </a:ln>
+        </p:spPr>
+        <p:style>
+          <a:lnRef idx="2">
+            <a:schemeClr val="accent1">
+              <a:shade val="50000"/>
+            </a:schemeClr>
+          </a:lnRef>
+          <a:fillRef idx="1">
+            <a:schemeClr val="accent1"/>
+          </a:fillRef>
+          <a:effectRef idx="0">
+            <a:schemeClr val="accent1"/>
+          </a:effectRef>
+          <a:fontRef idx="minor">
+            <a:schemeClr val="lt1"/>
+          </a:fontRef>
+        </p:style>
+        <p:txBody>
+          <a:bodyPr rtlCol="0" anchor="ctr" anchorCtr="0"/>
+          <a:lstStyle/>
+          <a:p>
+            <a:r>
+              <a:rPr kumimoji="1" lang="ja-JP" altLang="en-US">
+                <a:solidFill>
+                  <a:schemeClr val="tx1"/>
+                </a:solidFill>
+              </a:rPr>
+              <a:t>上位機能：数字カードの数字を推定する</a:t>
+            </a:r>
+            <a:endParaRPr kumimoji="1" lang="ja-JP" altLang="en-US" dirty="0" err="1">
+              <a:solidFill>
+                <a:schemeClr val="tx1"/>
+              </a:solidFill>
+            </a:endParaRPr>
+          </a:p>
+        </p:txBody>
+      </p:sp>
+      <p:sp>
+        <p:nvSpPr>
+          <p:cNvPr id="6" name="正方形/長方形 5">
+            <a:extLst>
+              <a:ext uri="{FF2B5EF4-FFF2-40B4-BE49-F238E27FC236}">
+                <a16:creationId xmlns:a16="http://schemas.microsoft.com/office/drawing/2014/main" id="{9745A5CC-5033-0A4F-B80B-925A50F69D7B}"/>
+              </a:ext>
+            </a:extLst>
+          </p:cNvPr>
+          <p:cNvSpPr/>
+          <p:nvPr/>
+        </p:nvSpPr>
+        <p:spPr>
+          <a:xfrm>
+            <a:off x="5591944" y="836712"/>
+            <a:ext cx="4680520" cy="432048"/>
+          </a:xfrm>
+          <a:prstGeom prst="rect">
+            <a:avLst/>
+          </a:prstGeom>
+          <a:solidFill>
+            <a:schemeClr val="bg1"/>
+          </a:solidFill>
+          <a:ln w="19050">
+            <a:solidFill>
+              <a:schemeClr val="tx1"/>
+            </a:solidFill>
+          </a:ln>
+        </p:spPr>
+        <p:style>
+          <a:lnRef idx="2">
+            <a:schemeClr val="accent1">
+              <a:shade val="50000"/>
+            </a:schemeClr>
+          </a:lnRef>
+          <a:fillRef idx="1">
+            <a:schemeClr val="accent1"/>
+          </a:fillRef>
+          <a:effectRef idx="0">
+            <a:schemeClr val="accent1"/>
+          </a:effectRef>
+          <a:fontRef idx="minor">
+            <a:schemeClr val="lt1"/>
+          </a:fontRef>
+        </p:style>
+        <p:txBody>
+          <a:bodyPr rtlCol="0" anchor="ctr" anchorCtr="0"/>
+          <a:lstStyle/>
+          <a:p>
+            <a:r>
+              <a:rPr kumimoji="1" lang="ja-JP" altLang="en-US">
+                <a:solidFill>
+                  <a:schemeClr val="tx1"/>
+                </a:solidFill>
+              </a:rPr>
+              <a:t>コンセプト：トレーニング済みの</a:t>
+            </a:r>
+            <a:r>
+              <a:rPr kumimoji="1" lang="en-US" altLang="ja-JP" dirty="0">
+                <a:solidFill>
+                  <a:schemeClr val="tx1"/>
+                </a:solidFill>
+              </a:rPr>
+              <a:t>CNN</a:t>
+            </a:r>
+            <a:endParaRPr kumimoji="1" lang="ja-JP" altLang="en-US" dirty="0" err="1">
+              <a:solidFill>
+                <a:schemeClr val="tx1"/>
+              </a:solidFill>
+            </a:endParaRPr>
+          </a:p>
+        </p:txBody>
+      </p:sp>
+    </p:spTree>
+    <p:extLst>
+      <p:ext uri="{BB962C8B-B14F-4D97-AF65-F5344CB8AC3E}">
+        <p14:creationId xmlns:p14="http://schemas.microsoft.com/office/powerpoint/2010/main" val="329427747"/>
+      </p:ext>
+    </p:extLst>
+  </p:cSld>
+  <p:clrMapOvr>
+    <a:masterClrMapping/>
+  </p:clrMapOvr>
+</p:sld>
+</file>
+
+<file path=ppt/slides/slide14.xml><?xml version="1.0" encoding="utf-8"?>
+<p:sld xmlns:a="http://schemas.openxmlformats.org/drawingml/2006/main" xmlns:r="http://schemas.openxmlformats.org/officeDocument/2006/relationships" xmlns:p="http://schemas.openxmlformats.org/presentationml/2006/main">
+  <p:cSld>
+    <p:spTree>
+      <p:nvGrpSpPr>
+        <p:cNvPr id="1" name=""/>
+        <p:cNvGrpSpPr/>
+        <p:nvPr/>
+      </p:nvGrpSpPr>
+      <p:grpSpPr>
+        <a:xfrm>
+          <a:off x="0" y="0"/>
+          <a:ext cx="0" cy="0"/>
+          <a:chOff x="0" y="0"/>
+          <a:chExt cx="0" cy="0"/>
+        </a:xfrm>
+      </p:grpSpPr>
+      <p:sp>
+        <p:nvSpPr>
+          <p:cNvPr id="4" name="正方形/長方形 3">
+            <a:extLst>
+              <a:ext uri="{FF2B5EF4-FFF2-40B4-BE49-F238E27FC236}">
+                <a16:creationId xmlns:a16="http://schemas.microsoft.com/office/drawing/2014/main" id="{5EFFED2E-5A01-2546-9CC2-866160CB40A6}"/>
+              </a:ext>
+            </a:extLst>
+          </p:cNvPr>
+          <p:cNvSpPr/>
+          <p:nvPr/>
+        </p:nvSpPr>
+        <p:spPr>
+          <a:xfrm>
+            <a:off x="0" y="0"/>
+            <a:ext cx="12192000" cy="448235"/>
+          </a:xfrm>
+          <a:prstGeom prst="rect">
+            <a:avLst/>
+          </a:prstGeom>
+          <a:solidFill>
+            <a:schemeClr val="accent1">
+              <a:lumMod val="20000"/>
+              <a:lumOff val="80000"/>
+            </a:schemeClr>
+          </a:solidFill>
+          <a:ln>
+            <a:noFill/>
+          </a:ln>
+        </p:spPr>
+        <p:style>
+          <a:lnRef idx="2">
+            <a:schemeClr val="accent1">
+              <a:shade val="50000"/>
+            </a:schemeClr>
+          </a:lnRef>
+          <a:fillRef idx="1">
+            <a:schemeClr val="accent1"/>
+          </a:fillRef>
+          <a:effectRef idx="0">
+            <a:schemeClr val="accent1"/>
+          </a:effectRef>
+          <a:fontRef idx="minor">
+            <a:schemeClr val="lt1"/>
+          </a:fontRef>
+        </p:style>
+        <p:txBody>
+          <a:bodyPr rtlCol="0" anchor="ctr"/>
+          <a:lstStyle/>
+          <a:p>
+            <a:r>
+              <a:rPr lang="ja-JP" altLang="en-US">
+                <a:solidFill>
+                  <a:schemeClr val="tx1"/>
+                </a:solidFill>
+              </a:rPr>
+              <a:t>機能の洗い出し「ブロックが配置されたカラーサークルの位置とブロックの色を推定する」</a:t>
+            </a:r>
+            <a:endParaRPr kumimoji="1" lang="ja-JP" altLang="en-US" dirty="0">
+              <a:solidFill>
+                <a:schemeClr val="tx1"/>
+              </a:solidFill>
+            </a:endParaRPr>
+          </a:p>
+        </p:txBody>
+      </p:sp>
+      <p:graphicFrame>
+        <p:nvGraphicFramePr>
+          <p:cNvPr id="3" name="表 2">
+            <a:extLst>
+              <a:ext uri="{FF2B5EF4-FFF2-40B4-BE49-F238E27FC236}">
+                <a16:creationId xmlns:a16="http://schemas.microsoft.com/office/drawing/2014/main" id="{DF99433B-A77D-2A48-B3F5-A042DE64BE84}"/>
+              </a:ext>
+            </a:extLst>
+          </p:cNvPr>
+          <p:cNvGraphicFramePr>
+            <a:graphicFrameLocks noGrp="1"/>
+          </p:cNvGraphicFramePr>
+          <p:nvPr>
+            <p:extLst>
+              <p:ext uri="{D42A27DB-BD31-4B8C-83A1-F6EECF244321}">
+                <p14:modId xmlns:p14="http://schemas.microsoft.com/office/powerpoint/2010/main" val="1808390422"/>
+              </p:ext>
+            </p:extLst>
+          </p:nvPr>
+        </p:nvGraphicFramePr>
+        <p:xfrm>
+          <a:off x="695400" y="1628800"/>
+          <a:ext cx="10457080" cy="3672408"/>
+        </p:xfrm>
+        <a:graphic>
+          <a:graphicData uri="http://schemas.openxmlformats.org/drawingml/2006/table">
+            <a:tbl>
+              <a:tblPr firstRow="1" bandRow="1">
+                <a:tableStyleId>{5940675A-B579-460E-94D1-54222C63F5DA}</a:tableStyleId>
+              </a:tblPr>
+              <a:tblGrid>
+                <a:gridCol w="4392488">
+                  <a:extLst>
+                    <a:ext uri="{9D8B030D-6E8A-4147-A177-3AD203B41FA5}">
+                      <a16:colId xmlns:a16="http://schemas.microsoft.com/office/drawing/2014/main" val="3785133965"/>
+                    </a:ext>
+                  </a:extLst>
+                </a:gridCol>
+                <a:gridCol w="3384376">
+                  <a:extLst>
+                    <a:ext uri="{9D8B030D-6E8A-4147-A177-3AD203B41FA5}">
+                      <a16:colId xmlns:a16="http://schemas.microsoft.com/office/drawing/2014/main" val="320256873"/>
+                    </a:ext>
+                  </a:extLst>
+                </a:gridCol>
+                <a:gridCol w="2680216">
+                  <a:extLst>
+                    <a:ext uri="{9D8B030D-6E8A-4147-A177-3AD203B41FA5}">
+                      <a16:colId xmlns:a16="http://schemas.microsoft.com/office/drawing/2014/main" val="1118577975"/>
+                    </a:ext>
+                  </a:extLst>
+                </a:gridCol>
+              </a:tblGrid>
+              <a:tr h="459051">
+                <a:tc>
+                  <a:txBody>
+                    <a:bodyPr/>
+                    <a:lstStyle/>
+                    <a:p>
+                      <a:pPr algn="ctr"/>
+                      <a:r>
+                        <a:rPr kumimoji="1" lang="en-US" altLang="ja-JP" sz="1400" dirty="0">
+                          <a:latin typeface="+mn-ea"/>
+                          <a:ea typeface="+mn-ea"/>
+                        </a:rPr>
+                        <a:t>1</a:t>
+                      </a:r>
+                      <a:r>
+                        <a:rPr kumimoji="1" lang="ja-JP" altLang="en-US" sz="1400">
+                          <a:latin typeface="+mn-ea"/>
+                          <a:ea typeface="+mn-ea"/>
+                        </a:rPr>
+                        <a:t>次機能</a:t>
+                      </a:r>
+                    </a:p>
+                  </a:txBody>
+                  <a:tcPr anchor="ctr"/>
+                </a:tc>
+                <a:tc>
+                  <a:txBody>
+                    <a:bodyPr/>
+                    <a:lstStyle/>
+                    <a:p>
+                      <a:pPr algn="ctr"/>
+                      <a:r>
+                        <a:rPr kumimoji="1" lang="ja-JP" altLang="en-US" sz="1400">
+                          <a:latin typeface="+mn-ea"/>
+                          <a:ea typeface="+mn-ea"/>
+                        </a:rPr>
+                        <a:t>２次機能</a:t>
+                      </a:r>
+                    </a:p>
+                  </a:txBody>
+                  <a:tcPr anchor="ctr"/>
+                </a:tc>
+                <a:tc>
+                  <a:txBody>
+                    <a:bodyPr/>
+                    <a:lstStyle/>
+                    <a:p>
+                      <a:pPr algn="ctr"/>
+                      <a:r>
+                        <a:rPr kumimoji="1" lang="en-US" altLang="ja-JP" sz="1400" dirty="0">
+                          <a:latin typeface="+mn-ea"/>
+                          <a:ea typeface="+mn-ea"/>
+                        </a:rPr>
+                        <a:t>JIRA</a:t>
+                      </a:r>
+                      <a:endParaRPr kumimoji="1" lang="ja-JP" altLang="en-US" sz="1400">
+                        <a:latin typeface="+mn-ea"/>
+                        <a:ea typeface="+mn-ea"/>
+                      </a:endParaRPr>
+                    </a:p>
+                  </a:txBody>
+                  <a:tcPr anchor="ctr"/>
+                </a:tc>
+                <a:extLst>
+                  <a:ext uri="{0D108BD9-81ED-4DB2-BD59-A6C34878D82A}">
+                    <a16:rowId xmlns:a16="http://schemas.microsoft.com/office/drawing/2014/main" val="4126325063"/>
+                  </a:ext>
+                </a:extLst>
+              </a:tr>
+              <a:tr h="459051">
+                <a:tc>
+                  <a:txBody>
+                    <a:bodyPr/>
+                    <a:lstStyle/>
+                    <a:p>
+                      <a:endParaRPr kumimoji="1" lang="ja-JP" altLang="en-US" sz="1400">
+                        <a:latin typeface="+mn-ea"/>
+                        <a:ea typeface="+mn-ea"/>
+                      </a:endParaRPr>
+                    </a:p>
+                  </a:txBody>
+                  <a:tcPr anchor="ctr"/>
+                </a:tc>
+                <a:tc>
+                  <a:txBody>
+                    <a:bodyPr/>
+                    <a:lstStyle/>
+                    <a:p>
+                      <a:pPr algn="l"/>
+                      <a:endParaRPr kumimoji="1" lang="ja-JP" altLang="en-US" sz="1400" dirty="0">
+                        <a:latin typeface="+mn-ea"/>
+                        <a:ea typeface="+mn-ea"/>
+                      </a:endParaRPr>
+                    </a:p>
+                  </a:txBody>
+                  <a:tcPr anchor="ctr"/>
+                </a:tc>
+                <a:tc>
+                  <a:txBody>
+                    <a:bodyPr/>
+                    <a:lstStyle/>
+                    <a:p>
+                      <a:endParaRPr kumimoji="1" lang="ja-JP" altLang="en-US" sz="1400">
+                        <a:latin typeface="+mn-ea"/>
+                        <a:ea typeface="+mn-ea"/>
+                      </a:endParaRPr>
+                    </a:p>
+                  </a:txBody>
+                  <a:tcPr anchor="ctr"/>
+                </a:tc>
+                <a:extLst>
+                  <a:ext uri="{0D108BD9-81ED-4DB2-BD59-A6C34878D82A}">
+                    <a16:rowId xmlns:a16="http://schemas.microsoft.com/office/drawing/2014/main" val="1785159856"/>
+                  </a:ext>
+                </a:extLst>
+              </a:tr>
+              <a:tr h="459051">
+                <a:tc>
+                  <a:txBody>
+                    <a:bodyPr/>
+                    <a:lstStyle/>
+                    <a:p>
+                      <a:endParaRPr lang="ja-JP" altLang="en-US" sz="1400">
+                        <a:latin typeface="+mn-ea"/>
+                        <a:ea typeface="+mn-ea"/>
+                      </a:endParaRPr>
+                    </a:p>
+                  </a:txBody>
+                  <a:tcPr anchor="ctr"/>
+                </a:tc>
+                <a:tc>
+                  <a:txBody>
+                    <a:bodyPr/>
+                    <a:lstStyle/>
+                    <a:p>
+                      <a:endParaRPr lang="ja-JP" altLang="en-US" sz="1400"/>
+                    </a:p>
+                  </a:txBody>
+                  <a:tcPr anchor="ctr"/>
+                </a:tc>
+                <a:tc>
+                  <a:txBody>
+                    <a:bodyPr/>
+                    <a:lstStyle/>
+                    <a:p>
+                      <a:endParaRPr kumimoji="1" lang="ja-JP" altLang="en-US" sz="1400">
+                        <a:latin typeface="+mn-ea"/>
+                        <a:ea typeface="+mn-ea"/>
+                      </a:endParaRPr>
+                    </a:p>
+                  </a:txBody>
+                  <a:tcPr anchor="ctr"/>
+                </a:tc>
+                <a:extLst>
+                  <a:ext uri="{0D108BD9-81ED-4DB2-BD59-A6C34878D82A}">
+                    <a16:rowId xmlns:a16="http://schemas.microsoft.com/office/drawing/2014/main" val="1619067208"/>
+                  </a:ext>
+                </a:extLst>
+              </a:tr>
+              <a:tr h="459051">
                 <a:tc>
                   <a:txBody>
                     <a:bodyPr/>
@@ -7747,30 +8665,13 @@
                   </a:ext>
                 </a:extLst>
               </a:tr>
-              <a:tr h="370840">
+              <a:tr h="459051">
                 <a:tc>
                   <a:txBody>
                     <a:bodyPr/>
                     <a:lstStyle/>
                     <a:p>
-                      <a:pPr marL="0" marR="0" lvl="0" indent="0" algn="l" defTabSz="914400" rtl="0" eaLnBrk="1" fontAlgn="auto" latinLnBrk="0" hangingPunct="1">
-                        <a:lnSpc>
-                          <a:spcPct val="100000"/>
-                        </a:lnSpc>
-                        <a:spcBef>
-                          <a:spcPts val="0"/>
-                        </a:spcBef>
-                        <a:spcAft>
-                          <a:spcPts val="0"/>
-                        </a:spcAft>
-                        <a:buClrTx/>
-                        <a:buSzTx/>
-                        <a:buFontTx/>
-                        <a:buNone/>
-                        <a:tabLst/>
-                        <a:defRPr/>
-                      </a:pPr>
-                      <a:endParaRPr kumimoji="1" lang="en-US" altLang="ja-JP" sz="1400" dirty="0">
+                      <a:endParaRPr lang="ja-JP" altLang="en-US" sz="1400">
                         <a:latin typeface="+mn-ea"/>
                         <a:ea typeface="+mn-ea"/>
                       </a:endParaRPr>
@@ -7811,13 +8712,30 @@
                   </a:ext>
                 </a:extLst>
               </a:tr>
-              <a:tr h="370840">
+              <a:tr h="459051">
                 <a:tc>
                   <a:txBody>
                     <a:bodyPr/>
                     <a:lstStyle/>
                     <a:p>
-                      <a:endParaRPr kumimoji="1" lang="ja-JP" altLang="en-US" sz="1400">
+                      <a:pPr marL="0" marR="0" lvl="0" indent="0" algn="l" defTabSz="914400" rtl="0" eaLnBrk="1" fontAlgn="auto" latinLnBrk="0" hangingPunct="1">
+                        <a:lnSpc>
+                          <a:spcPct val="100000"/>
+                        </a:lnSpc>
+                        <a:spcBef>
+                          <a:spcPts val="0"/>
+                        </a:spcBef>
+                        <a:spcAft>
+                          <a:spcPts val="0"/>
+                        </a:spcAft>
+                        <a:buClrTx/>
+                        <a:buSzTx/>
+                        <a:buFontTx/>
+                        <a:buNone/>
+                        <a:tabLst/>
+                        <a:defRPr/>
+                      </a:pPr>
+                      <a:endParaRPr kumimoji="1" lang="en-US" altLang="ja-JP" sz="1400" dirty="0">
                         <a:latin typeface="+mn-ea"/>
                         <a:ea typeface="+mn-ea"/>
                       </a:endParaRPr>
@@ -7857,7 +8775,7 @@
                   </a:ext>
                 </a:extLst>
               </a:tr>
-              <a:tr h="370840">
+              <a:tr h="459051">
                 <a:tc>
                   <a:txBody>
                     <a:bodyPr/>
@@ -7903,7 +8821,7 @@
                   </a:ext>
                 </a:extLst>
               </a:tr>
-              <a:tr h="370840">
+              <a:tr h="459051">
                 <a:tc>
                   <a:txBody>
                     <a:bodyPr/>
@@ -7967,8 +8885,8 @@
         </p:nvSpPr>
         <p:spPr>
           <a:xfrm>
-            <a:off x="335360" y="836712"/>
-            <a:ext cx="4608512" cy="432048"/>
+            <a:off x="263352" y="770794"/>
+            <a:ext cx="9073008" cy="432048"/>
           </a:xfrm>
           <a:prstGeom prst="rect">
             <a:avLst/>
@@ -8008,7 +8926,7 @@
                   <a:schemeClr val="tx1"/>
                 </a:solidFill>
               </a:rPr>
-              <a:t>上位機能：数字カードの数字を推定する</a:t>
+              <a:t>上位機能：ブロックが配置されたカラーサークルの位置とブロックの色を推定する</a:t>
             </a:r>
             <a:endParaRPr kumimoji="1" lang="ja-JP" altLang="en-US" dirty="0" err="1">
               <a:solidFill>
@@ -8020,10 +8938,10 @@
       </p:sp>
       <p:sp>
         <p:nvSpPr>
-          <p:cNvPr id="6" name="正方形/長方形 5">
+          <p:cNvPr id="7" name="角丸四角形吹き出し 6">
             <a:extLst>
               <a:ext uri="{FF2B5EF4-FFF2-40B4-BE49-F238E27FC236}">
-                <a16:creationId xmlns:a16="http://schemas.microsoft.com/office/drawing/2014/main" id="{9745A5CC-5033-0A4F-B80B-925A50F69D7B}"/>
+                <a16:creationId xmlns:a16="http://schemas.microsoft.com/office/drawing/2014/main" id="{2902D219-2737-A24B-B690-3A5E7A0A6814}"/>
               </a:ext>
             </a:extLst>
           </p:cNvPr>
@@ -8032,14 +8950,21 @@
         </p:nvSpPr>
         <p:spPr>
           <a:xfrm>
-            <a:off x="5591944" y="836712"/>
-            <a:ext cx="4680520" cy="432048"/>
+            <a:off x="1631504" y="5115098"/>
+            <a:ext cx="4032448" cy="1224136"/>
           </a:xfrm>
-          <a:prstGeom prst="rect">
-            <a:avLst/>
+          <a:prstGeom prst="wedgeRoundRectCallout">
+            <a:avLst>
+              <a:gd name="adj1" fmla="val -26214"/>
+              <a:gd name="adj2" fmla="val -71702"/>
+              <a:gd name="adj3" fmla="val 16667"/>
+            </a:avLst>
           </a:prstGeom>
           <a:solidFill>
-            <a:schemeClr val="bg1"/>
+            <a:schemeClr val="accent4">
+              <a:lumMod val="20000"/>
+              <a:lumOff val="80000"/>
+            </a:schemeClr>
           </a:solidFill>
           <a:ln w="19050">
             <a:solidFill>
@@ -8064,24 +8989,16 @@
           </a:fontRef>
         </p:style>
         <p:txBody>
-          <a:bodyPr rtlCol="0" anchor="ctr" anchorCtr="0"/>
+          <a:bodyPr rtlCol="0" anchor="t" anchorCtr="0"/>
           <a:lstStyle/>
           <a:p>
             <a:r>
-              <a:rPr kumimoji="1" lang="ja-JP" altLang="en-US">
+              <a:rPr lang="ja-JP" altLang="en-US">
                 <a:solidFill>
                   <a:schemeClr val="tx1"/>
                 </a:solidFill>
               </a:rPr>
-              <a:t>コンセプト：トレーニング済みの</a:t>
-            </a:r>
-            <a:r>
-              <a:rPr kumimoji="1" lang="en-US" altLang="ja-JP" dirty="0">
-                <a:solidFill>
-                  <a:schemeClr val="tx1"/>
-                </a:solidFill>
-              </a:rPr>
-              <a:t>CNN</a:t>
+              <a:t>実現方法の検討が必要</a:t>
             </a:r>
             <a:endParaRPr kumimoji="1" lang="ja-JP" altLang="en-US" dirty="0" err="1">
               <a:solidFill>
@@ -8094,7 +9011,7 @@
     </p:spTree>
     <p:extLst>
       <p:ext uri="{BB962C8B-B14F-4D97-AF65-F5344CB8AC3E}">
-        <p14:creationId xmlns:p14="http://schemas.microsoft.com/office/powerpoint/2010/main" val="329427747"/>
+        <p14:creationId xmlns:p14="http://schemas.microsoft.com/office/powerpoint/2010/main" val="3330494090"/>
       </p:ext>
     </p:extLst>
   </p:cSld>
@@ -8104,7 +9021,7 @@
 </p:sld>
 </file>
 
-<file path=ppt/slides/slide14.xml><?xml version="1.0" encoding="utf-8"?>
+<file path=ppt/slides/slide15.xml><?xml version="1.0" encoding="utf-8"?>
 <p:sld xmlns:a="http://schemas.openxmlformats.org/drawingml/2006/main" xmlns:r="http://schemas.openxmlformats.org/officeDocument/2006/relationships" xmlns:p="http://schemas.openxmlformats.org/presentationml/2006/main">
   <p:cSld>
     <p:spTree>
@@ -8796,7 +9713,7 @@
 </p:sld>
 </file>
 
-<file path=ppt/slides/slide15.xml><?xml version="1.0" encoding="utf-8"?>
+<file path=ppt/slides/slide16.xml><?xml version="1.0" encoding="utf-8"?>
 <p:sld xmlns:a="http://schemas.openxmlformats.org/drawingml/2006/main" xmlns:r="http://schemas.openxmlformats.org/officeDocument/2006/relationships" xmlns:p="http://schemas.openxmlformats.org/presentationml/2006/main">
   <p:cSld>
     <p:spTree>
@@ -8866,7 +9783,7 @@
 </p:sld>
 </file>
 
-<file path=ppt/slides/slide16.xml><?xml version="1.0" encoding="utf-8"?>
+<file path=ppt/slides/slide17.xml><?xml version="1.0" encoding="utf-8"?>
 <p:sld xmlns:a="http://schemas.openxmlformats.org/drawingml/2006/main" xmlns:r="http://schemas.openxmlformats.org/officeDocument/2006/relationships" xmlns:p="http://schemas.openxmlformats.org/presentationml/2006/main">
   <p:cSld>
     <p:spTree>
@@ -9262,7 +10179,7 @@
 </p:sld>
 </file>
 
-<file path=ppt/slides/slide17.xml><?xml version="1.0" encoding="utf-8"?>
+<file path=ppt/slides/slide18.xml><?xml version="1.0" encoding="utf-8"?>
 <p:sld xmlns:a="http://schemas.openxmlformats.org/drawingml/2006/main" xmlns:r="http://schemas.openxmlformats.org/officeDocument/2006/relationships" xmlns:p="http://schemas.openxmlformats.org/presentationml/2006/main">
   <p:cSld>
     <p:spTree>
@@ -12661,7 +13578,7 @@
 </p:sld>
 </file>
 
-<file path=ppt/slides/slide18.xml><?xml version="1.0" encoding="utf-8"?>
+<file path=ppt/slides/slide19.xml><?xml version="1.0" encoding="utf-8"?>
 <p:sld xmlns:a="http://schemas.openxmlformats.org/drawingml/2006/main" xmlns:r="http://schemas.openxmlformats.org/officeDocument/2006/relationships" xmlns:p="http://schemas.openxmlformats.org/presentationml/2006/main">
   <p:cSld>
     <p:spTree>
@@ -15767,1181 +16684,6 @@
     <p:extLst>
       <p:ext uri="{BB962C8B-B14F-4D97-AF65-F5344CB8AC3E}">
         <p14:creationId xmlns:p14="http://schemas.microsoft.com/office/powerpoint/2010/main" val="1370158810"/>
-      </p:ext>
-    </p:extLst>
-  </p:cSld>
-  <p:clrMapOvr>
-    <a:masterClrMapping/>
-  </p:clrMapOvr>
-</p:sld>
-</file>
-
-<file path=ppt/slides/slide19.xml><?xml version="1.0" encoding="utf-8"?>
-<p:sld xmlns:a="http://schemas.openxmlformats.org/drawingml/2006/main" xmlns:r="http://schemas.openxmlformats.org/officeDocument/2006/relationships" xmlns:p="http://schemas.openxmlformats.org/presentationml/2006/main">
-  <p:cSld>
-    <p:spTree>
-      <p:nvGrpSpPr>
-        <p:cNvPr id="1" name=""/>
-        <p:cNvGrpSpPr/>
-        <p:nvPr/>
-      </p:nvGrpSpPr>
-      <p:grpSpPr>
-        <a:xfrm>
-          <a:off x="0" y="0"/>
-          <a:ext cx="0" cy="0"/>
-          <a:chOff x="0" y="0"/>
-          <a:chExt cx="0" cy="0"/>
-        </a:xfrm>
-      </p:grpSpPr>
-      <p:sp>
-        <p:nvSpPr>
-          <p:cNvPr id="4" name="正方形/長方形 3">
-            <a:extLst>
-              <a:ext uri="{FF2B5EF4-FFF2-40B4-BE49-F238E27FC236}">
-                <a16:creationId xmlns:a16="http://schemas.microsoft.com/office/drawing/2014/main" id="{E14352D6-4254-954F-B23C-DD3C3BEF430F}"/>
-              </a:ext>
-            </a:extLst>
-          </p:cNvPr>
-          <p:cNvSpPr/>
-          <p:nvPr/>
-        </p:nvSpPr>
-        <p:spPr>
-          <a:xfrm>
-            <a:off x="0" y="0"/>
-            <a:ext cx="12192000" cy="448235"/>
-          </a:xfrm>
-          <a:prstGeom prst="rect">
-            <a:avLst/>
-          </a:prstGeom>
-          <a:solidFill>
-            <a:schemeClr val="accent1">
-              <a:lumMod val="20000"/>
-              <a:lumOff val="80000"/>
-            </a:schemeClr>
-          </a:solidFill>
-          <a:ln>
-            <a:noFill/>
-          </a:ln>
-        </p:spPr>
-        <p:style>
-          <a:lnRef idx="2">
-            <a:schemeClr val="accent1">
-              <a:shade val="50000"/>
-            </a:schemeClr>
-          </a:lnRef>
-          <a:fillRef idx="1">
-            <a:schemeClr val="accent1"/>
-          </a:fillRef>
-          <a:effectRef idx="0">
-            <a:schemeClr val="accent1"/>
-          </a:effectRef>
-          <a:fontRef idx="minor">
-            <a:schemeClr val="lt1"/>
-          </a:fontRef>
-        </p:style>
-        <p:txBody>
-          <a:bodyPr rtlCol="0" anchor="ctr"/>
-          <a:lstStyle/>
-          <a:p>
-            <a:r>
-              <a:rPr kumimoji="1" lang="ja-JP" altLang="en-US">
-                <a:solidFill>
-                  <a:schemeClr val="tx1"/>
-                </a:solidFill>
-              </a:rPr>
-              <a:t>制御の目的</a:t>
-            </a:r>
-            <a:r>
-              <a:rPr lang="ja-JP" altLang="en-US">
-                <a:solidFill>
-                  <a:schemeClr val="tx1"/>
-                </a:solidFill>
-              </a:rPr>
-              <a:t>①：走行体をキビキビ動かす。</a:t>
-            </a:r>
-            <a:endParaRPr kumimoji="1" lang="ja-JP" altLang="en-US">
-              <a:solidFill>
-                <a:schemeClr val="tx1"/>
-              </a:solidFill>
-            </a:endParaRPr>
-          </a:p>
-        </p:txBody>
-      </p:sp>
-      <p:sp>
-        <p:nvSpPr>
-          <p:cNvPr id="2" name="正方形/長方形 1">
-            <a:extLst>
-              <a:ext uri="{FF2B5EF4-FFF2-40B4-BE49-F238E27FC236}">
-                <a16:creationId xmlns:a16="http://schemas.microsoft.com/office/drawing/2014/main" id="{3B96F38B-7BB7-1F4E-A5F8-5FCA8E116D6A}"/>
-              </a:ext>
-            </a:extLst>
-          </p:cNvPr>
-          <p:cNvSpPr/>
-          <p:nvPr/>
-        </p:nvSpPr>
-        <p:spPr>
-          <a:xfrm>
-            <a:off x="4439816" y="764704"/>
-            <a:ext cx="3312368" cy="792088"/>
-          </a:xfrm>
-          <a:prstGeom prst="rect">
-            <a:avLst/>
-          </a:prstGeom>
-          <a:solidFill>
-            <a:schemeClr val="bg1"/>
-          </a:solidFill>
-          <a:ln w="38100">
-            <a:solidFill>
-              <a:schemeClr val="tx1"/>
-            </a:solidFill>
-          </a:ln>
-        </p:spPr>
-        <p:style>
-          <a:lnRef idx="2">
-            <a:schemeClr val="accent1">
-              <a:shade val="50000"/>
-            </a:schemeClr>
-          </a:lnRef>
-          <a:fillRef idx="1">
-            <a:schemeClr val="accent1"/>
-          </a:fillRef>
-          <a:effectRef idx="0">
-            <a:schemeClr val="accent1"/>
-          </a:effectRef>
-          <a:fontRef idx="minor">
-            <a:schemeClr val="lt1"/>
-          </a:fontRef>
-        </p:style>
-        <p:txBody>
-          <a:bodyPr rtlCol="0" anchor="ctr" anchorCtr="0"/>
-          <a:lstStyle/>
-          <a:p>
-            <a:pPr algn="ctr"/>
-            <a:r>
-              <a:rPr kumimoji="1" lang="ja-JP" altLang="en-US">
-                <a:solidFill>
-                  <a:schemeClr val="tx1"/>
-                </a:solidFill>
-              </a:rPr>
-              <a:t>走行体をキビキビ動かす</a:t>
-            </a:r>
-            <a:endParaRPr kumimoji="1" lang="ja-JP" altLang="en-US" dirty="0" err="1">
-              <a:solidFill>
-                <a:schemeClr val="tx1"/>
-              </a:solidFill>
-            </a:endParaRPr>
-          </a:p>
-        </p:txBody>
-      </p:sp>
-      <p:sp>
-        <p:nvSpPr>
-          <p:cNvPr id="9" name="正方形/長方形 8">
-            <a:extLst>
-              <a:ext uri="{FF2B5EF4-FFF2-40B4-BE49-F238E27FC236}">
-                <a16:creationId xmlns:a16="http://schemas.microsoft.com/office/drawing/2014/main" id="{D25F2B85-7440-CD40-A8A0-B13A3A3EFD4D}"/>
-              </a:ext>
-            </a:extLst>
-          </p:cNvPr>
-          <p:cNvSpPr/>
-          <p:nvPr/>
-        </p:nvSpPr>
-        <p:spPr>
-          <a:xfrm>
-            <a:off x="551384" y="2276872"/>
-            <a:ext cx="3312368" cy="792088"/>
-          </a:xfrm>
-          <a:prstGeom prst="rect">
-            <a:avLst/>
-          </a:prstGeom>
-          <a:solidFill>
-            <a:schemeClr val="bg1"/>
-          </a:solidFill>
-          <a:ln w="38100">
-            <a:solidFill>
-              <a:schemeClr val="tx1"/>
-            </a:solidFill>
-          </a:ln>
-        </p:spPr>
-        <p:style>
-          <a:lnRef idx="2">
-            <a:schemeClr val="accent1">
-              <a:shade val="50000"/>
-            </a:schemeClr>
-          </a:lnRef>
-          <a:fillRef idx="1">
-            <a:schemeClr val="accent1"/>
-          </a:fillRef>
-          <a:effectRef idx="0">
-            <a:schemeClr val="accent1"/>
-          </a:effectRef>
-          <a:fontRef idx="minor">
-            <a:schemeClr val="lt1"/>
-          </a:fontRef>
-        </p:style>
-        <p:txBody>
-          <a:bodyPr rtlCol="0" anchor="ctr" anchorCtr="0"/>
-          <a:lstStyle/>
-          <a:p>
-            <a:r>
-              <a:rPr kumimoji="1" lang="ja-JP" altLang="en-US">
-                <a:solidFill>
-                  <a:schemeClr val="tx1"/>
-                </a:solidFill>
-              </a:rPr>
-              <a:t>機能①：スムーズに走る</a:t>
-            </a:r>
-            <a:endParaRPr kumimoji="1" lang="ja-JP" altLang="en-US" dirty="0" err="1">
-              <a:solidFill>
-                <a:schemeClr val="tx1"/>
-              </a:solidFill>
-            </a:endParaRPr>
-          </a:p>
-        </p:txBody>
-      </p:sp>
-      <p:sp>
-        <p:nvSpPr>
-          <p:cNvPr id="12" name="正方形/長方形 11">
-            <a:extLst>
-              <a:ext uri="{FF2B5EF4-FFF2-40B4-BE49-F238E27FC236}">
-                <a16:creationId xmlns:a16="http://schemas.microsoft.com/office/drawing/2014/main" id="{87630161-49C7-B54A-863C-2731BD820B94}"/>
-              </a:ext>
-            </a:extLst>
-          </p:cNvPr>
-          <p:cNvSpPr/>
-          <p:nvPr/>
-        </p:nvSpPr>
-        <p:spPr>
-          <a:xfrm>
-            <a:off x="551384" y="3501008"/>
-            <a:ext cx="3312368" cy="792088"/>
-          </a:xfrm>
-          <a:prstGeom prst="rect">
-            <a:avLst/>
-          </a:prstGeom>
-          <a:solidFill>
-            <a:schemeClr val="bg1"/>
-          </a:solidFill>
-          <a:ln w="38100">
-            <a:solidFill>
-              <a:schemeClr val="tx1"/>
-            </a:solidFill>
-          </a:ln>
-        </p:spPr>
-        <p:style>
-          <a:lnRef idx="2">
-            <a:schemeClr val="accent1">
-              <a:shade val="50000"/>
-            </a:schemeClr>
-          </a:lnRef>
-          <a:fillRef idx="1">
-            <a:schemeClr val="accent1"/>
-          </a:fillRef>
-          <a:effectRef idx="0">
-            <a:schemeClr val="accent1"/>
-          </a:effectRef>
-          <a:fontRef idx="minor">
-            <a:schemeClr val="lt1"/>
-          </a:fontRef>
-        </p:style>
-        <p:txBody>
-          <a:bodyPr rtlCol="0" anchor="ctr" anchorCtr="0"/>
-          <a:lstStyle/>
-          <a:p>
-            <a:r>
-              <a:rPr kumimoji="1" lang="ja-JP" altLang="en-US">
-                <a:solidFill>
-                  <a:schemeClr val="tx1"/>
-                </a:solidFill>
-              </a:rPr>
-              <a:t>性能①：加速度○○</a:t>
-            </a:r>
-            <a:r>
-              <a:rPr lang="en-US" altLang="ja-JP" dirty="0">
-                <a:solidFill>
-                  <a:schemeClr val="tx1"/>
-                </a:solidFill>
-              </a:rPr>
-              <a:t>m2/s^2</a:t>
-            </a:r>
-            <a:endParaRPr kumimoji="1" lang="ja-JP" altLang="en-US" dirty="0" err="1">
-              <a:solidFill>
-                <a:schemeClr val="tx1"/>
-              </a:solidFill>
-            </a:endParaRPr>
-          </a:p>
-        </p:txBody>
-      </p:sp>
-      <p:sp>
-        <p:nvSpPr>
-          <p:cNvPr id="18" name="正方形/長方形 17">
-            <a:extLst>
-              <a:ext uri="{FF2B5EF4-FFF2-40B4-BE49-F238E27FC236}">
-                <a16:creationId xmlns:a16="http://schemas.microsoft.com/office/drawing/2014/main" id="{4B242921-8215-924A-82CE-0BDD899B68D4}"/>
-              </a:ext>
-            </a:extLst>
-          </p:cNvPr>
-          <p:cNvSpPr/>
-          <p:nvPr/>
-        </p:nvSpPr>
-        <p:spPr>
-          <a:xfrm>
-            <a:off x="551384" y="4725144"/>
-            <a:ext cx="3312368" cy="792088"/>
-          </a:xfrm>
-          <a:prstGeom prst="rect">
-            <a:avLst/>
-          </a:prstGeom>
-          <a:solidFill>
-            <a:schemeClr val="bg1"/>
-          </a:solidFill>
-          <a:ln w="38100">
-            <a:solidFill>
-              <a:schemeClr val="tx1"/>
-            </a:solidFill>
-          </a:ln>
-        </p:spPr>
-        <p:style>
-          <a:lnRef idx="2">
-            <a:schemeClr val="accent1">
-              <a:shade val="50000"/>
-            </a:schemeClr>
-          </a:lnRef>
-          <a:fillRef idx="1">
-            <a:schemeClr val="accent1"/>
-          </a:fillRef>
-          <a:effectRef idx="0">
-            <a:schemeClr val="accent1"/>
-          </a:effectRef>
-          <a:fontRef idx="minor">
-            <a:schemeClr val="lt1"/>
-          </a:fontRef>
-        </p:style>
-        <p:txBody>
-          <a:bodyPr rtlCol="0" anchor="ctr" anchorCtr="0"/>
-          <a:lstStyle/>
-          <a:p>
-            <a:r>
-              <a:rPr kumimoji="1" lang="ja-JP" altLang="en-US">
-                <a:solidFill>
-                  <a:schemeClr val="tx1"/>
-                </a:solidFill>
-              </a:rPr>
-              <a:t>要素①：走行体の数学モデル</a:t>
-            </a:r>
-            <a:endParaRPr kumimoji="1" lang="ja-JP" altLang="en-US" dirty="0" err="1">
-              <a:solidFill>
-                <a:schemeClr val="tx1"/>
-              </a:solidFill>
-            </a:endParaRPr>
-          </a:p>
-        </p:txBody>
-      </p:sp>
-      <p:cxnSp>
-        <p:nvCxnSpPr>
-          <p:cNvPr id="22" name="直線コネクタ 21">
-            <a:extLst>
-              <a:ext uri="{FF2B5EF4-FFF2-40B4-BE49-F238E27FC236}">
-                <a16:creationId xmlns:a16="http://schemas.microsoft.com/office/drawing/2014/main" id="{FE9FF948-2749-5642-93AC-B90A735533B4}"/>
-              </a:ext>
-            </a:extLst>
-          </p:cNvPr>
-          <p:cNvCxnSpPr>
-            <a:stCxn id="9" idx="2"/>
-            <a:endCxn id="12" idx="0"/>
-          </p:cNvCxnSpPr>
-          <p:nvPr/>
-        </p:nvCxnSpPr>
-        <p:spPr>
-          <a:xfrm>
-            <a:off x="2207568" y="3068960"/>
-            <a:ext cx="0" cy="432048"/>
-          </a:xfrm>
-          <a:prstGeom prst="line">
-            <a:avLst/>
-          </a:prstGeom>
-          <a:solidFill>
-            <a:schemeClr val="bg1"/>
-          </a:solidFill>
-          <a:ln w="38100"/>
-        </p:spPr>
-        <p:style>
-          <a:lnRef idx="1">
-            <a:schemeClr val="accent1"/>
-          </a:lnRef>
-          <a:fillRef idx="0">
-            <a:schemeClr val="accent1"/>
-          </a:fillRef>
-          <a:effectRef idx="0">
-            <a:schemeClr val="accent1"/>
-          </a:effectRef>
-          <a:fontRef idx="minor">
-            <a:schemeClr val="tx1"/>
-          </a:fontRef>
-        </p:style>
-      </p:cxnSp>
-      <p:cxnSp>
-        <p:nvCxnSpPr>
-          <p:cNvPr id="24" name="直線コネクタ 23">
-            <a:extLst>
-              <a:ext uri="{FF2B5EF4-FFF2-40B4-BE49-F238E27FC236}">
-                <a16:creationId xmlns:a16="http://schemas.microsoft.com/office/drawing/2014/main" id="{AA304103-7EF6-2F48-9E13-AD65D84E21FC}"/>
-              </a:ext>
-            </a:extLst>
-          </p:cNvPr>
-          <p:cNvCxnSpPr>
-            <a:stCxn id="12" idx="2"/>
-            <a:endCxn id="18" idx="0"/>
-          </p:cNvCxnSpPr>
-          <p:nvPr/>
-        </p:nvCxnSpPr>
-        <p:spPr>
-          <a:xfrm>
-            <a:off x="2207568" y="4293096"/>
-            <a:ext cx="0" cy="432048"/>
-          </a:xfrm>
-          <a:prstGeom prst="line">
-            <a:avLst/>
-          </a:prstGeom>
-          <a:solidFill>
-            <a:schemeClr val="bg1"/>
-          </a:solidFill>
-          <a:ln w="38100"/>
-        </p:spPr>
-        <p:style>
-          <a:lnRef idx="1">
-            <a:schemeClr val="accent1"/>
-          </a:lnRef>
-          <a:fillRef idx="0">
-            <a:schemeClr val="accent1"/>
-          </a:fillRef>
-          <a:effectRef idx="0">
-            <a:schemeClr val="accent1"/>
-          </a:effectRef>
-          <a:fontRef idx="minor">
-            <a:schemeClr val="tx1"/>
-          </a:fontRef>
-        </p:style>
-      </p:cxnSp>
-      <p:sp>
-        <p:nvSpPr>
-          <p:cNvPr id="29" name="正方形/長方形 28">
-            <a:extLst>
-              <a:ext uri="{FF2B5EF4-FFF2-40B4-BE49-F238E27FC236}">
-                <a16:creationId xmlns:a16="http://schemas.microsoft.com/office/drawing/2014/main" id="{5729F884-B159-8A4B-BD8E-FE850EDC7DD5}"/>
-              </a:ext>
-            </a:extLst>
-          </p:cNvPr>
-          <p:cNvSpPr/>
-          <p:nvPr/>
-        </p:nvSpPr>
-        <p:spPr>
-          <a:xfrm>
-            <a:off x="4439816" y="2276872"/>
-            <a:ext cx="3312368" cy="792088"/>
-          </a:xfrm>
-          <a:prstGeom prst="rect">
-            <a:avLst/>
-          </a:prstGeom>
-          <a:solidFill>
-            <a:schemeClr val="accent4">
-              <a:lumMod val="20000"/>
-              <a:lumOff val="80000"/>
-            </a:schemeClr>
-          </a:solidFill>
-          <a:ln w="38100">
-            <a:solidFill>
-              <a:schemeClr val="tx1"/>
-            </a:solidFill>
-          </a:ln>
-        </p:spPr>
-        <p:style>
-          <a:lnRef idx="2">
-            <a:schemeClr val="accent1">
-              <a:shade val="50000"/>
-            </a:schemeClr>
-          </a:lnRef>
-          <a:fillRef idx="1">
-            <a:schemeClr val="accent1"/>
-          </a:fillRef>
-          <a:effectRef idx="0">
-            <a:schemeClr val="accent1"/>
-          </a:effectRef>
-          <a:fontRef idx="minor">
-            <a:schemeClr val="lt1"/>
-          </a:fontRef>
-        </p:style>
-        <p:txBody>
-          <a:bodyPr rtlCol="0" anchor="ctr" anchorCtr="0"/>
-          <a:lstStyle/>
-          <a:p>
-            <a:r>
-              <a:rPr kumimoji="1" lang="ja-JP" altLang="en-US" dirty="0">
-                <a:solidFill>
-                  <a:schemeClr val="tx1"/>
-                </a:solidFill>
-              </a:rPr>
-              <a:t>機能②：素早く目標速度に到達</a:t>
-            </a:r>
-          </a:p>
-        </p:txBody>
-      </p:sp>
-      <p:sp>
-        <p:nvSpPr>
-          <p:cNvPr id="30" name="正方形/長方形 29">
-            <a:extLst>
-              <a:ext uri="{FF2B5EF4-FFF2-40B4-BE49-F238E27FC236}">
-                <a16:creationId xmlns:a16="http://schemas.microsoft.com/office/drawing/2014/main" id="{08479233-78CF-0240-A9AE-0924D8DC9097}"/>
-              </a:ext>
-            </a:extLst>
-          </p:cNvPr>
-          <p:cNvSpPr/>
-          <p:nvPr/>
-        </p:nvSpPr>
-        <p:spPr>
-          <a:xfrm>
-            <a:off x="4439816" y="3501008"/>
-            <a:ext cx="3312368" cy="792088"/>
-          </a:xfrm>
-          <a:prstGeom prst="rect">
-            <a:avLst/>
-          </a:prstGeom>
-          <a:solidFill>
-            <a:schemeClr val="accent4">
-              <a:lumMod val="20000"/>
-              <a:lumOff val="80000"/>
-            </a:schemeClr>
-          </a:solidFill>
-          <a:ln w="38100">
-            <a:solidFill>
-              <a:schemeClr val="tx1"/>
-            </a:solidFill>
-          </a:ln>
-        </p:spPr>
-        <p:style>
-          <a:lnRef idx="2">
-            <a:schemeClr val="accent1">
-              <a:shade val="50000"/>
-            </a:schemeClr>
-          </a:lnRef>
-          <a:fillRef idx="1">
-            <a:schemeClr val="accent1"/>
-          </a:fillRef>
-          <a:effectRef idx="0">
-            <a:schemeClr val="accent1"/>
-          </a:effectRef>
-          <a:fontRef idx="minor">
-            <a:schemeClr val="lt1"/>
-          </a:fontRef>
-        </p:style>
-        <p:txBody>
-          <a:bodyPr rtlCol="0" anchor="ctr" anchorCtr="0"/>
-          <a:lstStyle/>
-          <a:p>
-            <a:r>
-              <a:rPr kumimoji="1" lang="ja-JP" altLang="en-US" dirty="0">
-                <a:solidFill>
-                  <a:schemeClr val="tx1"/>
-                </a:solidFill>
-              </a:rPr>
-              <a:t>性能</a:t>
-            </a:r>
-            <a:r>
-              <a:rPr kumimoji="1" lang="ja-JP" altLang="en-US">
-                <a:solidFill>
-                  <a:schemeClr val="tx1"/>
-                </a:solidFill>
-              </a:rPr>
-              <a:t>②：</a:t>
-            </a:r>
-            <a:r>
-              <a:rPr lang="ja-JP" altLang="en-US">
-                <a:solidFill>
-                  <a:schemeClr val="tx1"/>
-                </a:solidFill>
-              </a:rPr>
-              <a:t>応答時間○○秒</a:t>
-            </a:r>
-            <a:endParaRPr kumimoji="1" lang="ja-JP" altLang="en-US" dirty="0">
-              <a:solidFill>
-                <a:schemeClr val="tx1"/>
-              </a:solidFill>
-            </a:endParaRPr>
-          </a:p>
-        </p:txBody>
-      </p:sp>
-      <p:sp>
-        <p:nvSpPr>
-          <p:cNvPr id="31" name="正方形/長方形 30">
-            <a:extLst>
-              <a:ext uri="{FF2B5EF4-FFF2-40B4-BE49-F238E27FC236}">
-                <a16:creationId xmlns:a16="http://schemas.microsoft.com/office/drawing/2014/main" id="{9C3F81BD-C19A-EA43-BB71-51B597050167}"/>
-              </a:ext>
-            </a:extLst>
-          </p:cNvPr>
-          <p:cNvSpPr/>
-          <p:nvPr/>
-        </p:nvSpPr>
-        <p:spPr>
-          <a:xfrm>
-            <a:off x="4439816" y="4725144"/>
-            <a:ext cx="3312368" cy="792088"/>
-          </a:xfrm>
-          <a:prstGeom prst="rect">
-            <a:avLst/>
-          </a:prstGeom>
-          <a:solidFill>
-            <a:schemeClr val="accent4">
-              <a:lumMod val="20000"/>
-              <a:lumOff val="80000"/>
-            </a:schemeClr>
-          </a:solidFill>
-          <a:ln w="38100">
-            <a:solidFill>
-              <a:schemeClr val="tx1"/>
-            </a:solidFill>
-          </a:ln>
-        </p:spPr>
-        <p:style>
-          <a:lnRef idx="2">
-            <a:schemeClr val="accent1">
-              <a:shade val="50000"/>
-            </a:schemeClr>
-          </a:lnRef>
-          <a:fillRef idx="1">
-            <a:schemeClr val="accent1"/>
-          </a:fillRef>
-          <a:effectRef idx="0">
-            <a:schemeClr val="accent1"/>
-          </a:effectRef>
-          <a:fontRef idx="minor">
-            <a:schemeClr val="lt1"/>
-          </a:fontRef>
-        </p:style>
-        <p:txBody>
-          <a:bodyPr rtlCol="0" anchor="ctr" anchorCtr="0"/>
-          <a:lstStyle/>
-          <a:p>
-            <a:r>
-              <a:rPr kumimoji="1" lang="ja-JP" altLang="en-US" dirty="0">
-                <a:solidFill>
-                  <a:schemeClr val="tx1"/>
-                </a:solidFill>
-              </a:rPr>
-              <a:t>要素②：コントロー</a:t>
-            </a:r>
-            <a:r>
-              <a:rPr lang="ja-JP" altLang="en-US" dirty="0">
-                <a:solidFill>
-                  <a:schemeClr val="tx1"/>
-                </a:solidFill>
-              </a:rPr>
-              <a:t>ラ</a:t>
-            </a:r>
-            <a:endParaRPr kumimoji="1" lang="ja-JP" altLang="en-US" dirty="0">
-              <a:solidFill>
-                <a:schemeClr val="tx1"/>
-              </a:solidFill>
-            </a:endParaRPr>
-          </a:p>
-        </p:txBody>
-      </p:sp>
-      <p:cxnSp>
-        <p:nvCxnSpPr>
-          <p:cNvPr id="33" name="直線コネクタ 32">
-            <a:extLst>
-              <a:ext uri="{FF2B5EF4-FFF2-40B4-BE49-F238E27FC236}">
-                <a16:creationId xmlns:a16="http://schemas.microsoft.com/office/drawing/2014/main" id="{C17D52A5-A1C2-5644-A791-FE8E85C266DB}"/>
-              </a:ext>
-            </a:extLst>
-          </p:cNvPr>
-          <p:cNvCxnSpPr>
-            <a:stCxn id="29" idx="2"/>
-            <a:endCxn id="30" idx="0"/>
-          </p:cNvCxnSpPr>
-          <p:nvPr/>
-        </p:nvCxnSpPr>
-        <p:spPr>
-          <a:xfrm>
-            <a:off x="6096000" y="3068960"/>
-            <a:ext cx="0" cy="432048"/>
-          </a:xfrm>
-          <a:prstGeom prst="line">
-            <a:avLst/>
-          </a:prstGeom>
-          <a:ln w="38100"/>
-        </p:spPr>
-        <p:style>
-          <a:lnRef idx="1">
-            <a:schemeClr val="accent1"/>
-          </a:lnRef>
-          <a:fillRef idx="0">
-            <a:schemeClr val="accent1"/>
-          </a:fillRef>
-          <a:effectRef idx="0">
-            <a:schemeClr val="accent1"/>
-          </a:effectRef>
-          <a:fontRef idx="minor">
-            <a:schemeClr val="tx1"/>
-          </a:fontRef>
-        </p:style>
-      </p:cxnSp>
-      <p:cxnSp>
-        <p:nvCxnSpPr>
-          <p:cNvPr id="34" name="直線コネクタ 33">
-            <a:extLst>
-              <a:ext uri="{FF2B5EF4-FFF2-40B4-BE49-F238E27FC236}">
-                <a16:creationId xmlns:a16="http://schemas.microsoft.com/office/drawing/2014/main" id="{D68BE1F3-7AEA-694B-BB81-5510E80064D6}"/>
-              </a:ext>
-            </a:extLst>
-          </p:cNvPr>
-          <p:cNvCxnSpPr>
-            <a:stCxn id="30" idx="2"/>
-            <a:endCxn id="31" idx="0"/>
-          </p:cNvCxnSpPr>
-          <p:nvPr/>
-        </p:nvCxnSpPr>
-        <p:spPr>
-          <a:xfrm>
-            <a:off x="6096000" y="4293096"/>
-            <a:ext cx="0" cy="432048"/>
-          </a:xfrm>
-          <a:prstGeom prst="line">
-            <a:avLst/>
-          </a:prstGeom>
-          <a:ln w="38100"/>
-        </p:spPr>
-        <p:style>
-          <a:lnRef idx="1">
-            <a:schemeClr val="accent1"/>
-          </a:lnRef>
-          <a:fillRef idx="0">
-            <a:schemeClr val="accent1"/>
-          </a:fillRef>
-          <a:effectRef idx="0">
-            <a:schemeClr val="accent1"/>
-          </a:effectRef>
-          <a:fontRef idx="minor">
-            <a:schemeClr val="tx1"/>
-          </a:fontRef>
-        </p:style>
-      </p:cxnSp>
-      <p:sp>
-        <p:nvSpPr>
-          <p:cNvPr id="37" name="正方形/長方形 36">
-            <a:extLst>
-              <a:ext uri="{FF2B5EF4-FFF2-40B4-BE49-F238E27FC236}">
-                <a16:creationId xmlns:a16="http://schemas.microsoft.com/office/drawing/2014/main" id="{28056EF5-1A0A-C345-95F0-D04921842027}"/>
-              </a:ext>
-            </a:extLst>
-          </p:cNvPr>
-          <p:cNvSpPr/>
-          <p:nvPr/>
-        </p:nvSpPr>
-        <p:spPr>
-          <a:xfrm>
-            <a:off x="8328248" y="2276872"/>
-            <a:ext cx="3312368" cy="792088"/>
-          </a:xfrm>
-          <a:prstGeom prst="rect">
-            <a:avLst/>
-          </a:prstGeom>
-          <a:solidFill>
-            <a:schemeClr val="accent4">
-              <a:lumMod val="20000"/>
-              <a:lumOff val="80000"/>
-            </a:schemeClr>
-          </a:solidFill>
-          <a:ln w="38100">
-            <a:solidFill>
-              <a:schemeClr val="tx1"/>
-            </a:solidFill>
-          </a:ln>
-        </p:spPr>
-        <p:style>
-          <a:lnRef idx="2">
-            <a:schemeClr val="accent1">
-              <a:shade val="50000"/>
-            </a:schemeClr>
-          </a:lnRef>
-          <a:fillRef idx="1">
-            <a:schemeClr val="accent1"/>
-          </a:fillRef>
-          <a:effectRef idx="0">
-            <a:schemeClr val="accent1"/>
-          </a:effectRef>
-          <a:fontRef idx="minor">
-            <a:schemeClr val="lt1"/>
-          </a:fontRef>
-        </p:style>
-        <p:txBody>
-          <a:bodyPr rtlCol="0" anchor="ctr" anchorCtr="0"/>
-          <a:lstStyle/>
-          <a:p>
-            <a:r>
-              <a:rPr kumimoji="1" lang="ja-JP" altLang="en-US">
-                <a:solidFill>
-                  <a:schemeClr val="tx1"/>
-                </a:solidFill>
-              </a:rPr>
-              <a:t>機能②：</a:t>
-            </a:r>
-            <a:endParaRPr kumimoji="1" lang="ja-JP" altLang="en-US" dirty="0" err="1">
-              <a:solidFill>
-                <a:schemeClr val="tx1"/>
-              </a:solidFill>
-            </a:endParaRPr>
-          </a:p>
-        </p:txBody>
-      </p:sp>
-      <p:sp>
-        <p:nvSpPr>
-          <p:cNvPr id="38" name="正方形/長方形 37">
-            <a:extLst>
-              <a:ext uri="{FF2B5EF4-FFF2-40B4-BE49-F238E27FC236}">
-                <a16:creationId xmlns:a16="http://schemas.microsoft.com/office/drawing/2014/main" id="{C7A76BD7-9ED7-074D-9CC0-643687221C41}"/>
-              </a:ext>
-            </a:extLst>
-          </p:cNvPr>
-          <p:cNvSpPr/>
-          <p:nvPr/>
-        </p:nvSpPr>
-        <p:spPr>
-          <a:xfrm>
-            <a:off x="8328248" y="3501008"/>
-            <a:ext cx="3312368" cy="792088"/>
-          </a:xfrm>
-          <a:prstGeom prst="rect">
-            <a:avLst/>
-          </a:prstGeom>
-          <a:solidFill>
-            <a:schemeClr val="accent4">
-              <a:lumMod val="20000"/>
-              <a:lumOff val="80000"/>
-            </a:schemeClr>
-          </a:solidFill>
-          <a:ln w="38100">
-            <a:solidFill>
-              <a:schemeClr val="tx1"/>
-            </a:solidFill>
-          </a:ln>
-        </p:spPr>
-        <p:style>
-          <a:lnRef idx="2">
-            <a:schemeClr val="accent1">
-              <a:shade val="50000"/>
-            </a:schemeClr>
-          </a:lnRef>
-          <a:fillRef idx="1">
-            <a:schemeClr val="accent1"/>
-          </a:fillRef>
-          <a:effectRef idx="0">
-            <a:schemeClr val="accent1"/>
-          </a:effectRef>
-          <a:fontRef idx="minor">
-            <a:schemeClr val="lt1"/>
-          </a:fontRef>
-        </p:style>
-        <p:txBody>
-          <a:bodyPr rtlCol="0" anchor="ctr" anchorCtr="0"/>
-          <a:lstStyle/>
-          <a:p>
-            <a:r>
-              <a:rPr kumimoji="1" lang="ja-JP" altLang="en-US">
-                <a:solidFill>
-                  <a:schemeClr val="tx1"/>
-                </a:solidFill>
-              </a:rPr>
-              <a:t>性能②：</a:t>
-            </a:r>
-            <a:endParaRPr kumimoji="1" lang="ja-JP" altLang="en-US" dirty="0" err="1">
-              <a:solidFill>
-                <a:schemeClr val="tx1"/>
-              </a:solidFill>
-            </a:endParaRPr>
-          </a:p>
-        </p:txBody>
-      </p:sp>
-      <p:sp>
-        <p:nvSpPr>
-          <p:cNvPr id="39" name="正方形/長方形 38">
-            <a:extLst>
-              <a:ext uri="{FF2B5EF4-FFF2-40B4-BE49-F238E27FC236}">
-                <a16:creationId xmlns:a16="http://schemas.microsoft.com/office/drawing/2014/main" id="{E52736EC-F79D-E548-A3B5-E6DACF67E764}"/>
-              </a:ext>
-            </a:extLst>
-          </p:cNvPr>
-          <p:cNvSpPr/>
-          <p:nvPr/>
-        </p:nvSpPr>
-        <p:spPr>
-          <a:xfrm>
-            <a:off x="8328248" y="4725144"/>
-            <a:ext cx="3312368" cy="792088"/>
-          </a:xfrm>
-          <a:prstGeom prst="rect">
-            <a:avLst/>
-          </a:prstGeom>
-          <a:solidFill>
-            <a:schemeClr val="accent4">
-              <a:lumMod val="20000"/>
-              <a:lumOff val="80000"/>
-            </a:schemeClr>
-          </a:solidFill>
-          <a:ln w="38100">
-            <a:solidFill>
-              <a:schemeClr val="tx1"/>
-            </a:solidFill>
-          </a:ln>
-        </p:spPr>
-        <p:style>
-          <a:lnRef idx="2">
-            <a:schemeClr val="accent1">
-              <a:shade val="50000"/>
-            </a:schemeClr>
-          </a:lnRef>
-          <a:fillRef idx="1">
-            <a:schemeClr val="accent1"/>
-          </a:fillRef>
-          <a:effectRef idx="0">
-            <a:schemeClr val="accent1"/>
-          </a:effectRef>
-          <a:fontRef idx="minor">
-            <a:schemeClr val="lt1"/>
-          </a:fontRef>
-        </p:style>
-        <p:txBody>
-          <a:bodyPr rtlCol="0" anchor="ctr" anchorCtr="0"/>
-          <a:lstStyle/>
-          <a:p>
-            <a:r>
-              <a:rPr kumimoji="1" lang="ja-JP" altLang="en-US">
-                <a:solidFill>
-                  <a:schemeClr val="tx1"/>
-                </a:solidFill>
-              </a:rPr>
-              <a:t>要素②：</a:t>
-            </a:r>
-            <a:endParaRPr kumimoji="1" lang="ja-JP" altLang="en-US" dirty="0" err="1">
-              <a:solidFill>
-                <a:schemeClr val="tx1"/>
-              </a:solidFill>
-            </a:endParaRPr>
-          </a:p>
-        </p:txBody>
-      </p:sp>
-      <p:cxnSp>
-        <p:nvCxnSpPr>
-          <p:cNvPr id="41" name="直線コネクタ 40">
-            <a:extLst>
-              <a:ext uri="{FF2B5EF4-FFF2-40B4-BE49-F238E27FC236}">
-                <a16:creationId xmlns:a16="http://schemas.microsoft.com/office/drawing/2014/main" id="{07CBD99B-6B20-814A-AF7D-8A4D16F47E37}"/>
-              </a:ext>
-            </a:extLst>
-          </p:cNvPr>
-          <p:cNvCxnSpPr>
-            <a:stCxn id="37" idx="2"/>
-            <a:endCxn id="38" idx="0"/>
-          </p:cNvCxnSpPr>
-          <p:nvPr/>
-        </p:nvCxnSpPr>
-        <p:spPr>
-          <a:xfrm>
-            <a:off x="9984432" y="3068960"/>
-            <a:ext cx="0" cy="432048"/>
-          </a:xfrm>
-          <a:prstGeom prst="line">
-            <a:avLst/>
-          </a:prstGeom>
-          <a:ln w="38100"/>
-        </p:spPr>
-        <p:style>
-          <a:lnRef idx="1">
-            <a:schemeClr val="accent1"/>
-          </a:lnRef>
-          <a:fillRef idx="0">
-            <a:schemeClr val="accent1"/>
-          </a:fillRef>
-          <a:effectRef idx="0">
-            <a:schemeClr val="accent1"/>
-          </a:effectRef>
-          <a:fontRef idx="minor">
-            <a:schemeClr val="tx1"/>
-          </a:fontRef>
-        </p:style>
-      </p:cxnSp>
-      <p:cxnSp>
-        <p:nvCxnSpPr>
-          <p:cNvPr id="42" name="直線コネクタ 41">
-            <a:extLst>
-              <a:ext uri="{FF2B5EF4-FFF2-40B4-BE49-F238E27FC236}">
-                <a16:creationId xmlns:a16="http://schemas.microsoft.com/office/drawing/2014/main" id="{D0851425-88EA-8F4E-8C32-17E72EACAA5D}"/>
-              </a:ext>
-            </a:extLst>
-          </p:cNvPr>
-          <p:cNvCxnSpPr>
-            <a:stCxn id="38" idx="2"/>
-            <a:endCxn id="39" idx="0"/>
-          </p:cNvCxnSpPr>
-          <p:nvPr/>
-        </p:nvCxnSpPr>
-        <p:spPr>
-          <a:xfrm>
-            <a:off x="9984432" y="4293096"/>
-            <a:ext cx="0" cy="432048"/>
-          </a:xfrm>
-          <a:prstGeom prst="line">
-            <a:avLst/>
-          </a:prstGeom>
-          <a:ln w="38100"/>
-        </p:spPr>
-        <p:style>
-          <a:lnRef idx="1">
-            <a:schemeClr val="accent1"/>
-          </a:lnRef>
-          <a:fillRef idx="0">
-            <a:schemeClr val="accent1"/>
-          </a:fillRef>
-          <a:effectRef idx="0">
-            <a:schemeClr val="accent1"/>
-          </a:effectRef>
-          <a:fontRef idx="minor">
-            <a:schemeClr val="tx1"/>
-          </a:fontRef>
-        </p:style>
-      </p:cxnSp>
-      <p:cxnSp>
-        <p:nvCxnSpPr>
-          <p:cNvPr id="43" name="直線コネクタ 42">
-            <a:extLst>
-              <a:ext uri="{FF2B5EF4-FFF2-40B4-BE49-F238E27FC236}">
-                <a16:creationId xmlns:a16="http://schemas.microsoft.com/office/drawing/2014/main" id="{1D2954E9-C58B-AB47-9521-4C3D90DBA5B6}"/>
-              </a:ext>
-            </a:extLst>
-          </p:cNvPr>
-          <p:cNvCxnSpPr>
-            <a:cxnSpLocks/>
-            <a:stCxn id="2" idx="2"/>
-          </p:cNvCxnSpPr>
-          <p:nvPr/>
-        </p:nvCxnSpPr>
-        <p:spPr>
-          <a:xfrm flipH="1">
-            <a:off x="2207568" y="1556792"/>
-            <a:ext cx="3888432" cy="720080"/>
-          </a:xfrm>
-          <a:prstGeom prst="line">
-            <a:avLst/>
-          </a:prstGeom>
-          <a:solidFill>
-            <a:schemeClr val="bg1"/>
-          </a:solidFill>
-          <a:ln w="38100"/>
-        </p:spPr>
-        <p:style>
-          <a:lnRef idx="1">
-            <a:schemeClr val="accent1"/>
-          </a:lnRef>
-          <a:fillRef idx="0">
-            <a:schemeClr val="accent1"/>
-          </a:fillRef>
-          <a:effectRef idx="0">
-            <a:schemeClr val="accent1"/>
-          </a:effectRef>
-          <a:fontRef idx="minor">
-            <a:schemeClr val="tx1"/>
-          </a:fontRef>
-        </p:style>
-      </p:cxnSp>
-      <p:cxnSp>
-        <p:nvCxnSpPr>
-          <p:cNvPr id="46" name="直線コネクタ 45">
-            <a:extLst>
-              <a:ext uri="{FF2B5EF4-FFF2-40B4-BE49-F238E27FC236}">
-                <a16:creationId xmlns:a16="http://schemas.microsoft.com/office/drawing/2014/main" id="{4287B8F5-AE88-3043-B943-6C6156B55EC4}"/>
-              </a:ext>
-            </a:extLst>
-          </p:cNvPr>
-          <p:cNvCxnSpPr>
-            <a:cxnSpLocks/>
-            <a:stCxn id="2" idx="2"/>
-          </p:cNvCxnSpPr>
-          <p:nvPr/>
-        </p:nvCxnSpPr>
-        <p:spPr>
-          <a:xfrm>
-            <a:off x="6096000" y="1556792"/>
-            <a:ext cx="0" cy="720080"/>
-          </a:xfrm>
-          <a:prstGeom prst="line">
-            <a:avLst/>
-          </a:prstGeom>
-          <a:solidFill>
-            <a:schemeClr val="bg1"/>
-          </a:solidFill>
-          <a:ln w="38100"/>
-        </p:spPr>
-        <p:style>
-          <a:lnRef idx="1">
-            <a:schemeClr val="accent1"/>
-          </a:lnRef>
-          <a:fillRef idx="0">
-            <a:schemeClr val="accent1"/>
-          </a:fillRef>
-          <a:effectRef idx="0">
-            <a:schemeClr val="accent1"/>
-          </a:effectRef>
-          <a:fontRef idx="minor">
-            <a:schemeClr val="tx1"/>
-          </a:fontRef>
-        </p:style>
-      </p:cxnSp>
-      <p:cxnSp>
-        <p:nvCxnSpPr>
-          <p:cNvPr id="49" name="直線コネクタ 48">
-            <a:extLst>
-              <a:ext uri="{FF2B5EF4-FFF2-40B4-BE49-F238E27FC236}">
-                <a16:creationId xmlns:a16="http://schemas.microsoft.com/office/drawing/2014/main" id="{F34EEB9C-368F-4644-90B1-A7BECEB930CD}"/>
-              </a:ext>
-            </a:extLst>
-          </p:cNvPr>
-          <p:cNvCxnSpPr>
-            <a:cxnSpLocks/>
-            <a:stCxn id="2" idx="2"/>
-          </p:cNvCxnSpPr>
-          <p:nvPr/>
-        </p:nvCxnSpPr>
-        <p:spPr>
-          <a:xfrm>
-            <a:off x="6096000" y="1556792"/>
-            <a:ext cx="3888432" cy="720080"/>
-          </a:xfrm>
-          <a:prstGeom prst="line">
-            <a:avLst/>
-          </a:prstGeom>
-          <a:solidFill>
-            <a:schemeClr val="bg1"/>
-          </a:solidFill>
-          <a:ln w="38100"/>
-        </p:spPr>
-        <p:style>
-          <a:lnRef idx="1">
-            <a:schemeClr val="accent1"/>
-          </a:lnRef>
-          <a:fillRef idx="0">
-            <a:schemeClr val="accent1"/>
-          </a:fillRef>
-          <a:effectRef idx="0">
-            <a:schemeClr val="accent1"/>
-          </a:effectRef>
-          <a:fontRef idx="minor">
-            <a:schemeClr val="tx1"/>
-          </a:fontRef>
-        </p:style>
-      </p:cxnSp>
-    </p:spTree>
-    <p:extLst>
-      <p:ext uri="{BB962C8B-B14F-4D97-AF65-F5344CB8AC3E}">
-        <p14:creationId xmlns:p14="http://schemas.microsoft.com/office/powerpoint/2010/main" val="4108047190"/>
       </p:ext>
     </p:extLst>
   </p:cSld>
@@ -24114,6 +23856,1181 @@
           <p:cNvPr id="4" name="正方形/長方形 3">
             <a:extLst>
               <a:ext uri="{FF2B5EF4-FFF2-40B4-BE49-F238E27FC236}">
+                <a16:creationId xmlns:a16="http://schemas.microsoft.com/office/drawing/2014/main" id="{E14352D6-4254-954F-B23C-DD3C3BEF430F}"/>
+              </a:ext>
+            </a:extLst>
+          </p:cNvPr>
+          <p:cNvSpPr/>
+          <p:nvPr/>
+        </p:nvSpPr>
+        <p:spPr>
+          <a:xfrm>
+            <a:off x="0" y="0"/>
+            <a:ext cx="12192000" cy="448235"/>
+          </a:xfrm>
+          <a:prstGeom prst="rect">
+            <a:avLst/>
+          </a:prstGeom>
+          <a:solidFill>
+            <a:schemeClr val="accent1">
+              <a:lumMod val="20000"/>
+              <a:lumOff val="80000"/>
+            </a:schemeClr>
+          </a:solidFill>
+          <a:ln>
+            <a:noFill/>
+          </a:ln>
+        </p:spPr>
+        <p:style>
+          <a:lnRef idx="2">
+            <a:schemeClr val="accent1">
+              <a:shade val="50000"/>
+            </a:schemeClr>
+          </a:lnRef>
+          <a:fillRef idx="1">
+            <a:schemeClr val="accent1"/>
+          </a:fillRef>
+          <a:effectRef idx="0">
+            <a:schemeClr val="accent1"/>
+          </a:effectRef>
+          <a:fontRef idx="minor">
+            <a:schemeClr val="lt1"/>
+          </a:fontRef>
+        </p:style>
+        <p:txBody>
+          <a:bodyPr rtlCol="0" anchor="ctr"/>
+          <a:lstStyle/>
+          <a:p>
+            <a:r>
+              <a:rPr kumimoji="1" lang="ja-JP" altLang="en-US">
+                <a:solidFill>
+                  <a:schemeClr val="tx1"/>
+                </a:solidFill>
+              </a:rPr>
+              <a:t>制御の目的</a:t>
+            </a:r>
+            <a:r>
+              <a:rPr lang="ja-JP" altLang="en-US">
+                <a:solidFill>
+                  <a:schemeClr val="tx1"/>
+                </a:solidFill>
+              </a:rPr>
+              <a:t>①：走行体をキビキビ動かす。</a:t>
+            </a:r>
+            <a:endParaRPr kumimoji="1" lang="ja-JP" altLang="en-US">
+              <a:solidFill>
+                <a:schemeClr val="tx1"/>
+              </a:solidFill>
+            </a:endParaRPr>
+          </a:p>
+        </p:txBody>
+      </p:sp>
+      <p:sp>
+        <p:nvSpPr>
+          <p:cNvPr id="2" name="正方形/長方形 1">
+            <a:extLst>
+              <a:ext uri="{FF2B5EF4-FFF2-40B4-BE49-F238E27FC236}">
+                <a16:creationId xmlns:a16="http://schemas.microsoft.com/office/drawing/2014/main" id="{3B96F38B-7BB7-1F4E-A5F8-5FCA8E116D6A}"/>
+              </a:ext>
+            </a:extLst>
+          </p:cNvPr>
+          <p:cNvSpPr/>
+          <p:nvPr/>
+        </p:nvSpPr>
+        <p:spPr>
+          <a:xfrm>
+            <a:off x="4439816" y="764704"/>
+            <a:ext cx="3312368" cy="792088"/>
+          </a:xfrm>
+          <a:prstGeom prst="rect">
+            <a:avLst/>
+          </a:prstGeom>
+          <a:solidFill>
+            <a:schemeClr val="bg1"/>
+          </a:solidFill>
+          <a:ln w="38100">
+            <a:solidFill>
+              <a:schemeClr val="tx1"/>
+            </a:solidFill>
+          </a:ln>
+        </p:spPr>
+        <p:style>
+          <a:lnRef idx="2">
+            <a:schemeClr val="accent1">
+              <a:shade val="50000"/>
+            </a:schemeClr>
+          </a:lnRef>
+          <a:fillRef idx="1">
+            <a:schemeClr val="accent1"/>
+          </a:fillRef>
+          <a:effectRef idx="0">
+            <a:schemeClr val="accent1"/>
+          </a:effectRef>
+          <a:fontRef idx="minor">
+            <a:schemeClr val="lt1"/>
+          </a:fontRef>
+        </p:style>
+        <p:txBody>
+          <a:bodyPr rtlCol="0" anchor="ctr" anchorCtr="0"/>
+          <a:lstStyle/>
+          <a:p>
+            <a:pPr algn="ctr"/>
+            <a:r>
+              <a:rPr kumimoji="1" lang="ja-JP" altLang="en-US">
+                <a:solidFill>
+                  <a:schemeClr val="tx1"/>
+                </a:solidFill>
+              </a:rPr>
+              <a:t>走行体をキビキビ動かす</a:t>
+            </a:r>
+            <a:endParaRPr kumimoji="1" lang="ja-JP" altLang="en-US" dirty="0" err="1">
+              <a:solidFill>
+                <a:schemeClr val="tx1"/>
+              </a:solidFill>
+            </a:endParaRPr>
+          </a:p>
+        </p:txBody>
+      </p:sp>
+      <p:sp>
+        <p:nvSpPr>
+          <p:cNvPr id="9" name="正方形/長方形 8">
+            <a:extLst>
+              <a:ext uri="{FF2B5EF4-FFF2-40B4-BE49-F238E27FC236}">
+                <a16:creationId xmlns:a16="http://schemas.microsoft.com/office/drawing/2014/main" id="{D25F2B85-7440-CD40-A8A0-B13A3A3EFD4D}"/>
+              </a:ext>
+            </a:extLst>
+          </p:cNvPr>
+          <p:cNvSpPr/>
+          <p:nvPr/>
+        </p:nvSpPr>
+        <p:spPr>
+          <a:xfrm>
+            <a:off x="551384" y="2276872"/>
+            <a:ext cx="3312368" cy="792088"/>
+          </a:xfrm>
+          <a:prstGeom prst="rect">
+            <a:avLst/>
+          </a:prstGeom>
+          <a:solidFill>
+            <a:schemeClr val="bg1"/>
+          </a:solidFill>
+          <a:ln w="38100">
+            <a:solidFill>
+              <a:schemeClr val="tx1"/>
+            </a:solidFill>
+          </a:ln>
+        </p:spPr>
+        <p:style>
+          <a:lnRef idx="2">
+            <a:schemeClr val="accent1">
+              <a:shade val="50000"/>
+            </a:schemeClr>
+          </a:lnRef>
+          <a:fillRef idx="1">
+            <a:schemeClr val="accent1"/>
+          </a:fillRef>
+          <a:effectRef idx="0">
+            <a:schemeClr val="accent1"/>
+          </a:effectRef>
+          <a:fontRef idx="minor">
+            <a:schemeClr val="lt1"/>
+          </a:fontRef>
+        </p:style>
+        <p:txBody>
+          <a:bodyPr rtlCol="0" anchor="ctr" anchorCtr="0"/>
+          <a:lstStyle/>
+          <a:p>
+            <a:r>
+              <a:rPr kumimoji="1" lang="ja-JP" altLang="en-US">
+                <a:solidFill>
+                  <a:schemeClr val="tx1"/>
+                </a:solidFill>
+              </a:rPr>
+              <a:t>機能①：スムーズに走る</a:t>
+            </a:r>
+            <a:endParaRPr kumimoji="1" lang="ja-JP" altLang="en-US" dirty="0" err="1">
+              <a:solidFill>
+                <a:schemeClr val="tx1"/>
+              </a:solidFill>
+            </a:endParaRPr>
+          </a:p>
+        </p:txBody>
+      </p:sp>
+      <p:sp>
+        <p:nvSpPr>
+          <p:cNvPr id="12" name="正方形/長方形 11">
+            <a:extLst>
+              <a:ext uri="{FF2B5EF4-FFF2-40B4-BE49-F238E27FC236}">
+                <a16:creationId xmlns:a16="http://schemas.microsoft.com/office/drawing/2014/main" id="{87630161-49C7-B54A-863C-2731BD820B94}"/>
+              </a:ext>
+            </a:extLst>
+          </p:cNvPr>
+          <p:cNvSpPr/>
+          <p:nvPr/>
+        </p:nvSpPr>
+        <p:spPr>
+          <a:xfrm>
+            <a:off x="551384" y="3501008"/>
+            <a:ext cx="3312368" cy="792088"/>
+          </a:xfrm>
+          <a:prstGeom prst="rect">
+            <a:avLst/>
+          </a:prstGeom>
+          <a:solidFill>
+            <a:schemeClr val="bg1"/>
+          </a:solidFill>
+          <a:ln w="38100">
+            <a:solidFill>
+              <a:schemeClr val="tx1"/>
+            </a:solidFill>
+          </a:ln>
+        </p:spPr>
+        <p:style>
+          <a:lnRef idx="2">
+            <a:schemeClr val="accent1">
+              <a:shade val="50000"/>
+            </a:schemeClr>
+          </a:lnRef>
+          <a:fillRef idx="1">
+            <a:schemeClr val="accent1"/>
+          </a:fillRef>
+          <a:effectRef idx="0">
+            <a:schemeClr val="accent1"/>
+          </a:effectRef>
+          <a:fontRef idx="minor">
+            <a:schemeClr val="lt1"/>
+          </a:fontRef>
+        </p:style>
+        <p:txBody>
+          <a:bodyPr rtlCol="0" anchor="ctr" anchorCtr="0"/>
+          <a:lstStyle/>
+          <a:p>
+            <a:r>
+              <a:rPr kumimoji="1" lang="ja-JP" altLang="en-US">
+                <a:solidFill>
+                  <a:schemeClr val="tx1"/>
+                </a:solidFill>
+              </a:rPr>
+              <a:t>性能①：加速度○○</a:t>
+            </a:r>
+            <a:r>
+              <a:rPr lang="en-US" altLang="ja-JP" dirty="0">
+                <a:solidFill>
+                  <a:schemeClr val="tx1"/>
+                </a:solidFill>
+              </a:rPr>
+              <a:t>m2/s^2</a:t>
+            </a:r>
+            <a:endParaRPr kumimoji="1" lang="ja-JP" altLang="en-US" dirty="0" err="1">
+              <a:solidFill>
+                <a:schemeClr val="tx1"/>
+              </a:solidFill>
+            </a:endParaRPr>
+          </a:p>
+        </p:txBody>
+      </p:sp>
+      <p:sp>
+        <p:nvSpPr>
+          <p:cNvPr id="18" name="正方形/長方形 17">
+            <a:extLst>
+              <a:ext uri="{FF2B5EF4-FFF2-40B4-BE49-F238E27FC236}">
+                <a16:creationId xmlns:a16="http://schemas.microsoft.com/office/drawing/2014/main" id="{4B242921-8215-924A-82CE-0BDD899B68D4}"/>
+              </a:ext>
+            </a:extLst>
+          </p:cNvPr>
+          <p:cNvSpPr/>
+          <p:nvPr/>
+        </p:nvSpPr>
+        <p:spPr>
+          <a:xfrm>
+            <a:off x="551384" y="4725144"/>
+            <a:ext cx="3312368" cy="792088"/>
+          </a:xfrm>
+          <a:prstGeom prst="rect">
+            <a:avLst/>
+          </a:prstGeom>
+          <a:solidFill>
+            <a:schemeClr val="bg1"/>
+          </a:solidFill>
+          <a:ln w="38100">
+            <a:solidFill>
+              <a:schemeClr val="tx1"/>
+            </a:solidFill>
+          </a:ln>
+        </p:spPr>
+        <p:style>
+          <a:lnRef idx="2">
+            <a:schemeClr val="accent1">
+              <a:shade val="50000"/>
+            </a:schemeClr>
+          </a:lnRef>
+          <a:fillRef idx="1">
+            <a:schemeClr val="accent1"/>
+          </a:fillRef>
+          <a:effectRef idx="0">
+            <a:schemeClr val="accent1"/>
+          </a:effectRef>
+          <a:fontRef idx="minor">
+            <a:schemeClr val="lt1"/>
+          </a:fontRef>
+        </p:style>
+        <p:txBody>
+          <a:bodyPr rtlCol="0" anchor="ctr" anchorCtr="0"/>
+          <a:lstStyle/>
+          <a:p>
+            <a:r>
+              <a:rPr kumimoji="1" lang="ja-JP" altLang="en-US">
+                <a:solidFill>
+                  <a:schemeClr val="tx1"/>
+                </a:solidFill>
+              </a:rPr>
+              <a:t>要素①：走行体の数学モデル</a:t>
+            </a:r>
+            <a:endParaRPr kumimoji="1" lang="ja-JP" altLang="en-US" dirty="0" err="1">
+              <a:solidFill>
+                <a:schemeClr val="tx1"/>
+              </a:solidFill>
+            </a:endParaRPr>
+          </a:p>
+        </p:txBody>
+      </p:sp>
+      <p:cxnSp>
+        <p:nvCxnSpPr>
+          <p:cNvPr id="22" name="直線コネクタ 21">
+            <a:extLst>
+              <a:ext uri="{FF2B5EF4-FFF2-40B4-BE49-F238E27FC236}">
+                <a16:creationId xmlns:a16="http://schemas.microsoft.com/office/drawing/2014/main" id="{FE9FF948-2749-5642-93AC-B90A735533B4}"/>
+              </a:ext>
+            </a:extLst>
+          </p:cNvPr>
+          <p:cNvCxnSpPr>
+            <a:stCxn id="9" idx="2"/>
+            <a:endCxn id="12" idx="0"/>
+          </p:cNvCxnSpPr>
+          <p:nvPr/>
+        </p:nvCxnSpPr>
+        <p:spPr>
+          <a:xfrm>
+            <a:off x="2207568" y="3068960"/>
+            <a:ext cx="0" cy="432048"/>
+          </a:xfrm>
+          <a:prstGeom prst="line">
+            <a:avLst/>
+          </a:prstGeom>
+          <a:solidFill>
+            <a:schemeClr val="bg1"/>
+          </a:solidFill>
+          <a:ln w="38100"/>
+        </p:spPr>
+        <p:style>
+          <a:lnRef idx="1">
+            <a:schemeClr val="accent1"/>
+          </a:lnRef>
+          <a:fillRef idx="0">
+            <a:schemeClr val="accent1"/>
+          </a:fillRef>
+          <a:effectRef idx="0">
+            <a:schemeClr val="accent1"/>
+          </a:effectRef>
+          <a:fontRef idx="minor">
+            <a:schemeClr val="tx1"/>
+          </a:fontRef>
+        </p:style>
+      </p:cxnSp>
+      <p:cxnSp>
+        <p:nvCxnSpPr>
+          <p:cNvPr id="24" name="直線コネクタ 23">
+            <a:extLst>
+              <a:ext uri="{FF2B5EF4-FFF2-40B4-BE49-F238E27FC236}">
+                <a16:creationId xmlns:a16="http://schemas.microsoft.com/office/drawing/2014/main" id="{AA304103-7EF6-2F48-9E13-AD65D84E21FC}"/>
+              </a:ext>
+            </a:extLst>
+          </p:cNvPr>
+          <p:cNvCxnSpPr>
+            <a:stCxn id="12" idx="2"/>
+            <a:endCxn id="18" idx="0"/>
+          </p:cNvCxnSpPr>
+          <p:nvPr/>
+        </p:nvCxnSpPr>
+        <p:spPr>
+          <a:xfrm>
+            <a:off x="2207568" y="4293096"/>
+            <a:ext cx="0" cy="432048"/>
+          </a:xfrm>
+          <a:prstGeom prst="line">
+            <a:avLst/>
+          </a:prstGeom>
+          <a:solidFill>
+            <a:schemeClr val="bg1"/>
+          </a:solidFill>
+          <a:ln w="38100"/>
+        </p:spPr>
+        <p:style>
+          <a:lnRef idx="1">
+            <a:schemeClr val="accent1"/>
+          </a:lnRef>
+          <a:fillRef idx="0">
+            <a:schemeClr val="accent1"/>
+          </a:fillRef>
+          <a:effectRef idx="0">
+            <a:schemeClr val="accent1"/>
+          </a:effectRef>
+          <a:fontRef idx="minor">
+            <a:schemeClr val="tx1"/>
+          </a:fontRef>
+        </p:style>
+      </p:cxnSp>
+      <p:sp>
+        <p:nvSpPr>
+          <p:cNvPr id="29" name="正方形/長方形 28">
+            <a:extLst>
+              <a:ext uri="{FF2B5EF4-FFF2-40B4-BE49-F238E27FC236}">
+                <a16:creationId xmlns:a16="http://schemas.microsoft.com/office/drawing/2014/main" id="{5729F884-B159-8A4B-BD8E-FE850EDC7DD5}"/>
+              </a:ext>
+            </a:extLst>
+          </p:cNvPr>
+          <p:cNvSpPr/>
+          <p:nvPr/>
+        </p:nvSpPr>
+        <p:spPr>
+          <a:xfrm>
+            <a:off x="4439816" y="2276872"/>
+            <a:ext cx="3312368" cy="792088"/>
+          </a:xfrm>
+          <a:prstGeom prst="rect">
+            <a:avLst/>
+          </a:prstGeom>
+          <a:solidFill>
+            <a:schemeClr val="accent4">
+              <a:lumMod val="20000"/>
+              <a:lumOff val="80000"/>
+            </a:schemeClr>
+          </a:solidFill>
+          <a:ln w="38100">
+            <a:solidFill>
+              <a:schemeClr val="tx1"/>
+            </a:solidFill>
+          </a:ln>
+        </p:spPr>
+        <p:style>
+          <a:lnRef idx="2">
+            <a:schemeClr val="accent1">
+              <a:shade val="50000"/>
+            </a:schemeClr>
+          </a:lnRef>
+          <a:fillRef idx="1">
+            <a:schemeClr val="accent1"/>
+          </a:fillRef>
+          <a:effectRef idx="0">
+            <a:schemeClr val="accent1"/>
+          </a:effectRef>
+          <a:fontRef idx="minor">
+            <a:schemeClr val="lt1"/>
+          </a:fontRef>
+        </p:style>
+        <p:txBody>
+          <a:bodyPr rtlCol="0" anchor="ctr" anchorCtr="0"/>
+          <a:lstStyle/>
+          <a:p>
+            <a:r>
+              <a:rPr kumimoji="1" lang="ja-JP" altLang="en-US" dirty="0">
+                <a:solidFill>
+                  <a:schemeClr val="tx1"/>
+                </a:solidFill>
+              </a:rPr>
+              <a:t>機能②：素早く目標速度に到達</a:t>
+            </a:r>
+          </a:p>
+        </p:txBody>
+      </p:sp>
+      <p:sp>
+        <p:nvSpPr>
+          <p:cNvPr id="30" name="正方形/長方形 29">
+            <a:extLst>
+              <a:ext uri="{FF2B5EF4-FFF2-40B4-BE49-F238E27FC236}">
+                <a16:creationId xmlns:a16="http://schemas.microsoft.com/office/drawing/2014/main" id="{08479233-78CF-0240-A9AE-0924D8DC9097}"/>
+              </a:ext>
+            </a:extLst>
+          </p:cNvPr>
+          <p:cNvSpPr/>
+          <p:nvPr/>
+        </p:nvSpPr>
+        <p:spPr>
+          <a:xfrm>
+            <a:off x="4439816" y="3501008"/>
+            <a:ext cx="3312368" cy="792088"/>
+          </a:xfrm>
+          <a:prstGeom prst="rect">
+            <a:avLst/>
+          </a:prstGeom>
+          <a:solidFill>
+            <a:schemeClr val="accent4">
+              <a:lumMod val="20000"/>
+              <a:lumOff val="80000"/>
+            </a:schemeClr>
+          </a:solidFill>
+          <a:ln w="38100">
+            <a:solidFill>
+              <a:schemeClr val="tx1"/>
+            </a:solidFill>
+          </a:ln>
+        </p:spPr>
+        <p:style>
+          <a:lnRef idx="2">
+            <a:schemeClr val="accent1">
+              <a:shade val="50000"/>
+            </a:schemeClr>
+          </a:lnRef>
+          <a:fillRef idx="1">
+            <a:schemeClr val="accent1"/>
+          </a:fillRef>
+          <a:effectRef idx="0">
+            <a:schemeClr val="accent1"/>
+          </a:effectRef>
+          <a:fontRef idx="minor">
+            <a:schemeClr val="lt1"/>
+          </a:fontRef>
+        </p:style>
+        <p:txBody>
+          <a:bodyPr rtlCol="0" anchor="ctr" anchorCtr="0"/>
+          <a:lstStyle/>
+          <a:p>
+            <a:r>
+              <a:rPr kumimoji="1" lang="ja-JP" altLang="en-US" dirty="0">
+                <a:solidFill>
+                  <a:schemeClr val="tx1"/>
+                </a:solidFill>
+              </a:rPr>
+              <a:t>性能</a:t>
+            </a:r>
+            <a:r>
+              <a:rPr kumimoji="1" lang="ja-JP" altLang="en-US">
+                <a:solidFill>
+                  <a:schemeClr val="tx1"/>
+                </a:solidFill>
+              </a:rPr>
+              <a:t>②：</a:t>
+            </a:r>
+            <a:r>
+              <a:rPr lang="ja-JP" altLang="en-US">
+                <a:solidFill>
+                  <a:schemeClr val="tx1"/>
+                </a:solidFill>
+              </a:rPr>
+              <a:t>応答時間○○秒</a:t>
+            </a:r>
+            <a:endParaRPr kumimoji="1" lang="ja-JP" altLang="en-US" dirty="0">
+              <a:solidFill>
+                <a:schemeClr val="tx1"/>
+              </a:solidFill>
+            </a:endParaRPr>
+          </a:p>
+        </p:txBody>
+      </p:sp>
+      <p:sp>
+        <p:nvSpPr>
+          <p:cNvPr id="31" name="正方形/長方形 30">
+            <a:extLst>
+              <a:ext uri="{FF2B5EF4-FFF2-40B4-BE49-F238E27FC236}">
+                <a16:creationId xmlns:a16="http://schemas.microsoft.com/office/drawing/2014/main" id="{9C3F81BD-C19A-EA43-BB71-51B597050167}"/>
+              </a:ext>
+            </a:extLst>
+          </p:cNvPr>
+          <p:cNvSpPr/>
+          <p:nvPr/>
+        </p:nvSpPr>
+        <p:spPr>
+          <a:xfrm>
+            <a:off x="4439816" y="4725144"/>
+            <a:ext cx="3312368" cy="792088"/>
+          </a:xfrm>
+          <a:prstGeom prst="rect">
+            <a:avLst/>
+          </a:prstGeom>
+          <a:solidFill>
+            <a:schemeClr val="accent4">
+              <a:lumMod val="20000"/>
+              <a:lumOff val="80000"/>
+            </a:schemeClr>
+          </a:solidFill>
+          <a:ln w="38100">
+            <a:solidFill>
+              <a:schemeClr val="tx1"/>
+            </a:solidFill>
+          </a:ln>
+        </p:spPr>
+        <p:style>
+          <a:lnRef idx="2">
+            <a:schemeClr val="accent1">
+              <a:shade val="50000"/>
+            </a:schemeClr>
+          </a:lnRef>
+          <a:fillRef idx="1">
+            <a:schemeClr val="accent1"/>
+          </a:fillRef>
+          <a:effectRef idx="0">
+            <a:schemeClr val="accent1"/>
+          </a:effectRef>
+          <a:fontRef idx="minor">
+            <a:schemeClr val="lt1"/>
+          </a:fontRef>
+        </p:style>
+        <p:txBody>
+          <a:bodyPr rtlCol="0" anchor="ctr" anchorCtr="0"/>
+          <a:lstStyle/>
+          <a:p>
+            <a:r>
+              <a:rPr kumimoji="1" lang="ja-JP" altLang="en-US" dirty="0">
+                <a:solidFill>
+                  <a:schemeClr val="tx1"/>
+                </a:solidFill>
+              </a:rPr>
+              <a:t>要素②：コントロー</a:t>
+            </a:r>
+            <a:r>
+              <a:rPr lang="ja-JP" altLang="en-US" dirty="0">
+                <a:solidFill>
+                  <a:schemeClr val="tx1"/>
+                </a:solidFill>
+              </a:rPr>
+              <a:t>ラ</a:t>
+            </a:r>
+            <a:endParaRPr kumimoji="1" lang="ja-JP" altLang="en-US" dirty="0">
+              <a:solidFill>
+                <a:schemeClr val="tx1"/>
+              </a:solidFill>
+            </a:endParaRPr>
+          </a:p>
+        </p:txBody>
+      </p:sp>
+      <p:cxnSp>
+        <p:nvCxnSpPr>
+          <p:cNvPr id="33" name="直線コネクタ 32">
+            <a:extLst>
+              <a:ext uri="{FF2B5EF4-FFF2-40B4-BE49-F238E27FC236}">
+                <a16:creationId xmlns:a16="http://schemas.microsoft.com/office/drawing/2014/main" id="{C17D52A5-A1C2-5644-A791-FE8E85C266DB}"/>
+              </a:ext>
+            </a:extLst>
+          </p:cNvPr>
+          <p:cNvCxnSpPr>
+            <a:stCxn id="29" idx="2"/>
+            <a:endCxn id="30" idx="0"/>
+          </p:cNvCxnSpPr>
+          <p:nvPr/>
+        </p:nvCxnSpPr>
+        <p:spPr>
+          <a:xfrm>
+            <a:off x="6096000" y="3068960"/>
+            <a:ext cx="0" cy="432048"/>
+          </a:xfrm>
+          <a:prstGeom prst="line">
+            <a:avLst/>
+          </a:prstGeom>
+          <a:ln w="38100"/>
+        </p:spPr>
+        <p:style>
+          <a:lnRef idx="1">
+            <a:schemeClr val="accent1"/>
+          </a:lnRef>
+          <a:fillRef idx="0">
+            <a:schemeClr val="accent1"/>
+          </a:fillRef>
+          <a:effectRef idx="0">
+            <a:schemeClr val="accent1"/>
+          </a:effectRef>
+          <a:fontRef idx="minor">
+            <a:schemeClr val="tx1"/>
+          </a:fontRef>
+        </p:style>
+      </p:cxnSp>
+      <p:cxnSp>
+        <p:nvCxnSpPr>
+          <p:cNvPr id="34" name="直線コネクタ 33">
+            <a:extLst>
+              <a:ext uri="{FF2B5EF4-FFF2-40B4-BE49-F238E27FC236}">
+                <a16:creationId xmlns:a16="http://schemas.microsoft.com/office/drawing/2014/main" id="{D68BE1F3-7AEA-694B-BB81-5510E80064D6}"/>
+              </a:ext>
+            </a:extLst>
+          </p:cNvPr>
+          <p:cNvCxnSpPr>
+            <a:stCxn id="30" idx="2"/>
+            <a:endCxn id="31" idx="0"/>
+          </p:cNvCxnSpPr>
+          <p:nvPr/>
+        </p:nvCxnSpPr>
+        <p:spPr>
+          <a:xfrm>
+            <a:off x="6096000" y="4293096"/>
+            <a:ext cx="0" cy="432048"/>
+          </a:xfrm>
+          <a:prstGeom prst="line">
+            <a:avLst/>
+          </a:prstGeom>
+          <a:ln w="38100"/>
+        </p:spPr>
+        <p:style>
+          <a:lnRef idx="1">
+            <a:schemeClr val="accent1"/>
+          </a:lnRef>
+          <a:fillRef idx="0">
+            <a:schemeClr val="accent1"/>
+          </a:fillRef>
+          <a:effectRef idx="0">
+            <a:schemeClr val="accent1"/>
+          </a:effectRef>
+          <a:fontRef idx="minor">
+            <a:schemeClr val="tx1"/>
+          </a:fontRef>
+        </p:style>
+      </p:cxnSp>
+      <p:sp>
+        <p:nvSpPr>
+          <p:cNvPr id="37" name="正方形/長方形 36">
+            <a:extLst>
+              <a:ext uri="{FF2B5EF4-FFF2-40B4-BE49-F238E27FC236}">
+                <a16:creationId xmlns:a16="http://schemas.microsoft.com/office/drawing/2014/main" id="{28056EF5-1A0A-C345-95F0-D04921842027}"/>
+              </a:ext>
+            </a:extLst>
+          </p:cNvPr>
+          <p:cNvSpPr/>
+          <p:nvPr/>
+        </p:nvSpPr>
+        <p:spPr>
+          <a:xfrm>
+            <a:off x="8328248" y="2276872"/>
+            <a:ext cx="3312368" cy="792088"/>
+          </a:xfrm>
+          <a:prstGeom prst="rect">
+            <a:avLst/>
+          </a:prstGeom>
+          <a:solidFill>
+            <a:schemeClr val="accent4">
+              <a:lumMod val="20000"/>
+              <a:lumOff val="80000"/>
+            </a:schemeClr>
+          </a:solidFill>
+          <a:ln w="38100">
+            <a:solidFill>
+              <a:schemeClr val="tx1"/>
+            </a:solidFill>
+          </a:ln>
+        </p:spPr>
+        <p:style>
+          <a:lnRef idx="2">
+            <a:schemeClr val="accent1">
+              <a:shade val="50000"/>
+            </a:schemeClr>
+          </a:lnRef>
+          <a:fillRef idx="1">
+            <a:schemeClr val="accent1"/>
+          </a:fillRef>
+          <a:effectRef idx="0">
+            <a:schemeClr val="accent1"/>
+          </a:effectRef>
+          <a:fontRef idx="minor">
+            <a:schemeClr val="lt1"/>
+          </a:fontRef>
+        </p:style>
+        <p:txBody>
+          <a:bodyPr rtlCol="0" anchor="ctr" anchorCtr="0"/>
+          <a:lstStyle/>
+          <a:p>
+            <a:r>
+              <a:rPr kumimoji="1" lang="ja-JP" altLang="en-US">
+                <a:solidFill>
+                  <a:schemeClr val="tx1"/>
+                </a:solidFill>
+              </a:rPr>
+              <a:t>機能②：</a:t>
+            </a:r>
+            <a:endParaRPr kumimoji="1" lang="ja-JP" altLang="en-US" dirty="0" err="1">
+              <a:solidFill>
+                <a:schemeClr val="tx1"/>
+              </a:solidFill>
+            </a:endParaRPr>
+          </a:p>
+        </p:txBody>
+      </p:sp>
+      <p:sp>
+        <p:nvSpPr>
+          <p:cNvPr id="38" name="正方形/長方形 37">
+            <a:extLst>
+              <a:ext uri="{FF2B5EF4-FFF2-40B4-BE49-F238E27FC236}">
+                <a16:creationId xmlns:a16="http://schemas.microsoft.com/office/drawing/2014/main" id="{C7A76BD7-9ED7-074D-9CC0-643687221C41}"/>
+              </a:ext>
+            </a:extLst>
+          </p:cNvPr>
+          <p:cNvSpPr/>
+          <p:nvPr/>
+        </p:nvSpPr>
+        <p:spPr>
+          <a:xfrm>
+            <a:off x="8328248" y="3501008"/>
+            <a:ext cx="3312368" cy="792088"/>
+          </a:xfrm>
+          <a:prstGeom prst="rect">
+            <a:avLst/>
+          </a:prstGeom>
+          <a:solidFill>
+            <a:schemeClr val="accent4">
+              <a:lumMod val="20000"/>
+              <a:lumOff val="80000"/>
+            </a:schemeClr>
+          </a:solidFill>
+          <a:ln w="38100">
+            <a:solidFill>
+              <a:schemeClr val="tx1"/>
+            </a:solidFill>
+          </a:ln>
+        </p:spPr>
+        <p:style>
+          <a:lnRef idx="2">
+            <a:schemeClr val="accent1">
+              <a:shade val="50000"/>
+            </a:schemeClr>
+          </a:lnRef>
+          <a:fillRef idx="1">
+            <a:schemeClr val="accent1"/>
+          </a:fillRef>
+          <a:effectRef idx="0">
+            <a:schemeClr val="accent1"/>
+          </a:effectRef>
+          <a:fontRef idx="minor">
+            <a:schemeClr val="lt1"/>
+          </a:fontRef>
+        </p:style>
+        <p:txBody>
+          <a:bodyPr rtlCol="0" anchor="ctr" anchorCtr="0"/>
+          <a:lstStyle/>
+          <a:p>
+            <a:r>
+              <a:rPr kumimoji="1" lang="ja-JP" altLang="en-US">
+                <a:solidFill>
+                  <a:schemeClr val="tx1"/>
+                </a:solidFill>
+              </a:rPr>
+              <a:t>性能②：</a:t>
+            </a:r>
+            <a:endParaRPr kumimoji="1" lang="ja-JP" altLang="en-US" dirty="0" err="1">
+              <a:solidFill>
+                <a:schemeClr val="tx1"/>
+              </a:solidFill>
+            </a:endParaRPr>
+          </a:p>
+        </p:txBody>
+      </p:sp>
+      <p:sp>
+        <p:nvSpPr>
+          <p:cNvPr id="39" name="正方形/長方形 38">
+            <a:extLst>
+              <a:ext uri="{FF2B5EF4-FFF2-40B4-BE49-F238E27FC236}">
+                <a16:creationId xmlns:a16="http://schemas.microsoft.com/office/drawing/2014/main" id="{E52736EC-F79D-E548-A3B5-E6DACF67E764}"/>
+              </a:ext>
+            </a:extLst>
+          </p:cNvPr>
+          <p:cNvSpPr/>
+          <p:nvPr/>
+        </p:nvSpPr>
+        <p:spPr>
+          <a:xfrm>
+            <a:off x="8328248" y="4725144"/>
+            <a:ext cx="3312368" cy="792088"/>
+          </a:xfrm>
+          <a:prstGeom prst="rect">
+            <a:avLst/>
+          </a:prstGeom>
+          <a:solidFill>
+            <a:schemeClr val="accent4">
+              <a:lumMod val="20000"/>
+              <a:lumOff val="80000"/>
+            </a:schemeClr>
+          </a:solidFill>
+          <a:ln w="38100">
+            <a:solidFill>
+              <a:schemeClr val="tx1"/>
+            </a:solidFill>
+          </a:ln>
+        </p:spPr>
+        <p:style>
+          <a:lnRef idx="2">
+            <a:schemeClr val="accent1">
+              <a:shade val="50000"/>
+            </a:schemeClr>
+          </a:lnRef>
+          <a:fillRef idx="1">
+            <a:schemeClr val="accent1"/>
+          </a:fillRef>
+          <a:effectRef idx="0">
+            <a:schemeClr val="accent1"/>
+          </a:effectRef>
+          <a:fontRef idx="minor">
+            <a:schemeClr val="lt1"/>
+          </a:fontRef>
+        </p:style>
+        <p:txBody>
+          <a:bodyPr rtlCol="0" anchor="ctr" anchorCtr="0"/>
+          <a:lstStyle/>
+          <a:p>
+            <a:r>
+              <a:rPr kumimoji="1" lang="ja-JP" altLang="en-US">
+                <a:solidFill>
+                  <a:schemeClr val="tx1"/>
+                </a:solidFill>
+              </a:rPr>
+              <a:t>要素②：</a:t>
+            </a:r>
+            <a:endParaRPr kumimoji="1" lang="ja-JP" altLang="en-US" dirty="0" err="1">
+              <a:solidFill>
+                <a:schemeClr val="tx1"/>
+              </a:solidFill>
+            </a:endParaRPr>
+          </a:p>
+        </p:txBody>
+      </p:sp>
+      <p:cxnSp>
+        <p:nvCxnSpPr>
+          <p:cNvPr id="41" name="直線コネクタ 40">
+            <a:extLst>
+              <a:ext uri="{FF2B5EF4-FFF2-40B4-BE49-F238E27FC236}">
+                <a16:creationId xmlns:a16="http://schemas.microsoft.com/office/drawing/2014/main" id="{07CBD99B-6B20-814A-AF7D-8A4D16F47E37}"/>
+              </a:ext>
+            </a:extLst>
+          </p:cNvPr>
+          <p:cNvCxnSpPr>
+            <a:stCxn id="37" idx="2"/>
+            <a:endCxn id="38" idx="0"/>
+          </p:cNvCxnSpPr>
+          <p:nvPr/>
+        </p:nvCxnSpPr>
+        <p:spPr>
+          <a:xfrm>
+            <a:off x="9984432" y="3068960"/>
+            <a:ext cx="0" cy="432048"/>
+          </a:xfrm>
+          <a:prstGeom prst="line">
+            <a:avLst/>
+          </a:prstGeom>
+          <a:ln w="38100"/>
+        </p:spPr>
+        <p:style>
+          <a:lnRef idx="1">
+            <a:schemeClr val="accent1"/>
+          </a:lnRef>
+          <a:fillRef idx="0">
+            <a:schemeClr val="accent1"/>
+          </a:fillRef>
+          <a:effectRef idx="0">
+            <a:schemeClr val="accent1"/>
+          </a:effectRef>
+          <a:fontRef idx="minor">
+            <a:schemeClr val="tx1"/>
+          </a:fontRef>
+        </p:style>
+      </p:cxnSp>
+      <p:cxnSp>
+        <p:nvCxnSpPr>
+          <p:cNvPr id="42" name="直線コネクタ 41">
+            <a:extLst>
+              <a:ext uri="{FF2B5EF4-FFF2-40B4-BE49-F238E27FC236}">
+                <a16:creationId xmlns:a16="http://schemas.microsoft.com/office/drawing/2014/main" id="{D0851425-88EA-8F4E-8C32-17E72EACAA5D}"/>
+              </a:ext>
+            </a:extLst>
+          </p:cNvPr>
+          <p:cNvCxnSpPr>
+            <a:stCxn id="38" idx="2"/>
+            <a:endCxn id="39" idx="0"/>
+          </p:cNvCxnSpPr>
+          <p:nvPr/>
+        </p:nvCxnSpPr>
+        <p:spPr>
+          <a:xfrm>
+            <a:off x="9984432" y="4293096"/>
+            <a:ext cx="0" cy="432048"/>
+          </a:xfrm>
+          <a:prstGeom prst="line">
+            <a:avLst/>
+          </a:prstGeom>
+          <a:ln w="38100"/>
+        </p:spPr>
+        <p:style>
+          <a:lnRef idx="1">
+            <a:schemeClr val="accent1"/>
+          </a:lnRef>
+          <a:fillRef idx="0">
+            <a:schemeClr val="accent1"/>
+          </a:fillRef>
+          <a:effectRef idx="0">
+            <a:schemeClr val="accent1"/>
+          </a:effectRef>
+          <a:fontRef idx="minor">
+            <a:schemeClr val="tx1"/>
+          </a:fontRef>
+        </p:style>
+      </p:cxnSp>
+      <p:cxnSp>
+        <p:nvCxnSpPr>
+          <p:cNvPr id="43" name="直線コネクタ 42">
+            <a:extLst>
+              <a:ext uri="{FF2B5EF4-FFF2-40B4-BE49-F238E27FC236}">
+                <a16:creationId xmlns:a16="http://schemas.microsoft.com/office/drawing/2014/main" id="{1D2954E9-C58B-AB47-9521-4C3D90DBA5B6}"/>
+              </a:ext>
+            </a:extLst>
+          </p:cNvPr>
+          <p:cNvCxnSpPr>
+            <a:cxnSpLocks/>
+            <a:stCxn id="2" idx="2"/>
+          </p:cNvCxnSpPr>
+          <p:nvPr/>
+        </p:nvCxnSpPr>
+        <p:spPr>
+          <a:xfrm flipH="1">
+            <a:off x="2207568" y="1556792"/>
+            <a:ext cx="3888432" cy="720080"/>
+          </a:xfrm>
+          <a:prstGeom prst="line">
+            <a:avLst/>
+          </a:prstGeom>
+          <a:solidFill>
+            <a:schemeClr val="bg1"/>
+          </a:solidFill>
+          <a:ln w="38100"/>
+        </p:spPr>
+        <p:style>
+          <a:lnRef idx="1">
+            <a:schemeClr val="accent1"/>
+          </a:lnRef>
+          <a:fillRef idx="0">
+            <a:schemeClr val="accent1"/>
+          </a:fillRef>
+          <a:effectRef idx="0">
+            <a:schemeClr val="accent1"/>
+          </a:effectRef>
+          <a:fontRef idx="minor">
+            <a:schemeClr val="tx1"/>
+          </a:fontRef>
+        </p:style>
+      </p:cxnSp>
+      <p:cxnSp>
+        <p:nvCxnSpPr>
+          <p:cNvPr id="46" name="直線コネクタ 45">
+            <a:extLst>
+              <a:ext uri="{FF2B5EF4-FFF2-40B4-BE49-F238E27FC236}">
+                <a16:creationId xmlns:a16="http://schemas.microsoft.com/office/drawing/2014/main" id="{4287B8F5-AE88-3043-B943-6C6156B55EC4}"/>
+              </a:ext>
+            </a:extLst>
+          </p:cNvPr>
+          <p:cNvCxnSpPr>
+            <a:cxnSpLocks/>
+            <a:stCxn id="2" idx="2"/>
+          </p:cNvCxnSpPr>
+          <p:nvPr/>
+        </p:nvCxnSpPr>
+        <p:spPr>
+          <a:xfrm>
+            <a:off x="6096000" y="1556792"/>
+            <a:ext cx="0" cy="720080"/>
+          </a:xfrm>
+          <a:prstGeom prst="line">
+            <a:avLst/>
+          </a:prstGeom>
+          <a:solidFill>
+            <a:schemeClr val="bg1"/>
+          </a:solidFill>
+          <a:ln w="38100"/>
+        </p:spPr>
+        <p:style>
+          <a:lnRef idx="1">
+            <a:schemeClr val="accent1"/>
+          </a:lnRef>
+          <a:fillRef idx="0">
+            <a:schemeClr val="accent1"/>
+          </a:fillRef>
+          <a:effectRef idx="0">
+            <a:schemeClr val="accent1"/>
+          </a:effectRef>
+          <a:fontRef idx="minor">
+            <a:schemeClr val="tx1"/>
+          </a:fontRef>
+        </p:style>
+      </p:cxnSp>
+      <p:cxnSp>
+        <p:nvCxnSpPr>
+          <p:cNvPr id="49" name="直線コネクタ 48">
+            <a:extLst>
+              <a:ext uri="{FF2B5EF4-FFF2-40B4-BE49-F238E27FC236}">
+                <a16:creationId xmlns:a16="http://schemas.microsoft.com/office/drawing/2014/main" id="{F34EEB9C-368F-4644-90B1-A7BECEB930CD}"/>
+              </a:ext>
+            </a:extLst>
+          </p:cNvPr>
+          <p:cNvCxnSpPr>
+            <a:cxnSpLocks/>
+            <a:stCxn id="2" idx="2"/>
+          </p:cNvCxnSpPr>
+          <p:nvPr/>
+        </p:nvCxnSpPr>
+        <p:spPr>
+          <a:xfrm>
+            <a:off x="6096000" y="1556792"/>
+            <a:ext cx="3888432" cy="720080"/>
+          </a:xfrm>
+          <a:prstGeom prst="line">
+            <a:avLst/>
+          </a:prstGeom>
+          <a:solidFill>
+            <a:schemeClr val="bg1"/>
+          </a:solidFill>
+          <a:ln w="38100"/>
+        </p:spPr>
+        <p:style>
+          <a:lnRef idx="1">
+            <a:schemeClr val="accent1"/>
+          </a:lnRef>
+          <a:fillRef idx="0">
+            <a:schemeClr val="accent1"/>
+          </a:fillRef>
+          <a:effectRef idx="0">
+            <a:schemeClr val="accent1"/>
+          </a:effectRef>
+          <a:fontRef idx="minor">
+            <a:schemeClr val="tx1"/>
+          </a:fontRef>
+        </p:style>
+      </p:cxnSp>
+    </p:spTree>
+    <p:extLst>
+      <p:ext uri="{BB962C8B-B14F-4D97-AF65-F5344CB8AC3E}">
+        <p14:creationId xmlns:p14="http://schemas.microsoft.com/office/powerpoint/2010/main" val="4108047190"/>
+      </p:ext>
+    </p:extLst>
+  </p:cSld>
+  <p:clrMapOvr>
+    <a:masterClrMapping/>
+  </p:clrMapOvr>
+</p:sld>
+</file>
+
+<file path=ppt/slides/slide21.xml><?xml version="1.0" encoding="utf-8"?>
+<p:sld xmlns:a="http://schemas.openxmlformats.org/drawingml/2006/main" xmlns:r="http://schemas.openxmlformats.org/officeDocument/2006/relationships" xmlns:p="http://schemas.openxmlformats.org/presentationml/2006/main">
+  <p:cSld>
+    <p:spTree>
+      <p:nvGrpSpPr>
+        <p:cNvPr id="1" name=""/>
+        <p:cNvGrpSpPr/>
+        <p:nvPr/>
+      </p:nvGrpSpPr>
+      <p:grpSpPr>
+        <a:xfrm>
+          <a:off x="0" y="0"/>
+          <a:ext cx="0" cy="0"/>
+          <a:chOff x="0" y="0"/>
+          <a:chExt cx="0" cy="0"/>
+        </a:xfrm>
+      </p:grpSpPr>
+      <p:sp>
+        <p:nvSpPr>
+          <p:cNvPr id="4" name="正方形/長方形 3">
+            <a:extLst>
+              <a:ext uri="{FF2B5EF4-FFF2-40B4-BE49-F238E27FC236}">
                 <a16:creationId xmlns:a16="http://schemas.microsoft.com/office/drawing/2014/main" id="{A5BEF1B8-26B4-954D-9E23-608FB52D86D6}"/>
               </a:ext>
             </a:extLst>
@@ -28555,7 +29472,7 @@
 </p:sld>
 </file>
 
-<file path=ppt/slides/slide21.xml><?xml version="1.0" encoding="utf-8"?>
+<file path=ppt/slides/slide22.xml><?xml version="1.0" encoding="utf-8"?>
 <p:sld xmlns:a="http://schemas.openxmlformats.org/drawingml/2006/main" xmlns:r="http://schemas.openxmlformats.org/officeDocument/2006/relationships" xmlns:p="http://schemas.openxmlformats.org/presentationml/2006/main">
   <p:cSld>
     <p:spTree>
@@ -28654,7 +29571,7 @@
 </p:sld>
 </file>
 
-<file path=ppt/slides/slide22.xml><?xml version="1.0" encoding="utf-8"?>
+<file path=ppt/slides/slide23.xml><?xml version="1.0" encoding="utf-8"?>
 <p:sld xmlns:a="http://schemas.openxmlformats.org/drawingml/2006/main" xmlns:r="http://schemas.openxmlformats.org/officeDocument/2006/relationships" xmlns:p="http://schemas.openxmlformats.org/presentationml/2006/main">
   <p:cSld>
     <p:spTree>
@@ -29816,7 +30733,7 @@
 </p:sld>
 </file>
 
-<file path=ppt/slides/slide23.xml><?xml version="1.0" encoding="utf-8"?>
+<file path=ppt/slides/slide24.xml><?xml version="1.0" encoding="utf-8"?>
 <p:sld xmlns:a="http://schemas.openxmlformats.org/drawingml/2006/main" xmlns:r="http://schemas.openxmlformats.org/officeDocument/2006/relationships" xmlns:p="http://schemas.openxmlformats.org/presentationml/2006/main">
   <p:cSld>
     <p:spTree>
@@ -34462,7 +35379,7 @@
 </p:sld>
 </file>
 
-<file path=ppt/slides/slide24.xml><?xml version="1.0" encoding="utf-8"?>
+<file path=ppt/slides/slide25.xml><?xml version="1.0" encoding="utf-8"?>
 <p:sld xmlns:a="http://schemas.openxmlformats.org/drawingml/2006/main" xmlns:r="http://schemas.openxmlformats.org/officeDocument/2006/relationships" xmlns:p="http://schemas.openxmlformats.org/presentationml/2006/main">
   <p:cSld>
     <p:spTree>
@@ -34537,7 +35454,7 @@
 </p:sld>
 </file>
 
-<file path=ppt/slides/slide25.xml><?xml version="1.0" encoding="utf-8"?>
+<file path=ppt/slides/slide26.xml><?xml version="1.0" encoding="utf-8"?>
 <p:sld xmlns:a="http://schemas.openxmlformats.org/drawingml/2006/main" xmlns:r="http://schemas.openxmlformats.org/officeDocument/2006/relationships" xmlns:p="http://schemas.openxmlformats.org/presentationml/2006/main">
   <p:cSld>
     <p:spTree>
@@ -34628,7 +35545,7 @@
 </p:sld>
 </file>
 
-<file path=ppt/slides/slide26.xml><?xml version="1.0" encoding="utf-8"?>
+<file path=ppt/slides/slide27.xml><?xml version="1.0" encoding="utf-8"?>
 <p:sld xmlns:a="http://schemas.openxmlformats.org/drawingml/2006/main" xmlns:r="http://schemas.openxmlformats.org/officeDocument/2006/relationships" xmlns:p="http://schemas.openxmlformats.org/presentationml/2006/main">
   <p:cSld>
     <p:spTree>
@@ -34700,7 +35617,7 @@
 </p:sld>
 </file>
 
-<file path=ppt/slides/slide27.xml><?xml version="1.0" encoding="utf-8"?>
+<file path=ppt/slides/slide28.xml><?xml version="1.0" encoding="utf-8"?>
 <p:sld xmlns:a="http://schemas.openxmlformats.org/drawingml/2006/main" xmlns:r="http://schemas.openxmlformats.org/officeDocument/2006/relationships" xmlns:p="http://schemas.openxmlformats.org/presentationml/2006/main">
   <p:cSld>
     <p:spTree>
@@ -34791,7 +35708,7 @@
 </p:sld>
 </file>
 
-<file path=ppt/slides/slide28.xml><?xml version="1.0" encoding="utf-8"?>
+<file path=ppt/slides/slide29.xml><?xml version="1.0" encoding="utf-8"?>
 <p:sld xmlns:a="http://schemas.openxmlformats.org/drawingml/2006/main" xmlns:r="http://schemas.openxmlformats.org/officeDocument/2006/relationships" xmlns:p="http://schemas.openxmlformats.org/presentationml/2006/main">
   <p:cSld>
     <p:spTree>
@@ -34858,97 +35775,6 @@
     <p:extLst>
       <p:ext uri="{BB962C8B-B14F-4D97-AF65-F5344CB8AC3E}">
         <p14:creationId xmlns:p14="http://schemas.microsoft.com/office/powerpoint/2010/main" val="3974805702"/>
-      </p:ext>
-    </p:extLst>
-  </p:cSld>
-  <p:clrMapOvr>
-    <a:masterClrMapping/>
-  </p:clrMapOvr>
-</p:sld>
-</file>
-
-<file path=ppt/slides/slide29.xml><?xml version="1.0" encoding="utf-8"?>
-<p:sld xmlns:a="http://schemas.openxmlformats.org/drawingml/2006/main" xmlns:r="http://schemas.openxmlformats.org/officeDocument/2006/relationships" xmlns:p="http://schemas.openxmlformats.org/presentationml/2006/main">
-  <p:cSld>
-    <p:spTree>
-      <p:nvGrpSpPr>
-        <p:cNvPr id="1" name=""/>
-        <p:cNvGrpSpPr/>
-        <p:nvPr/>
-      </p:nvGrpSpPr>
-      <p:grpSpPr>
-        <a:xfrm>
-          <a:off x="0" y="0"/>
-          <a:ext cx="0" cy="0"/>
-          <a:chOff x="0" y="0"/>
-          <a:chExt cx="0" cy="0"/>
-        </a:xfrm>
-      </p:grpSpPr>
-      <p:sp>
-        <p:nvSpPr>
-          <p:cNvPr id="4" name="正方形/長方形 3">
-            <a:extLst>
-              <a:ext uri="{FF2B5EF4-FFF2-40B4-BE49-F238E27FC236}">
-                <a16:creationId xmlns:a16="http://schemas.microsoft.com/office/drawing/2014/main" id="{A5BEF1B8-26B4-954D-9E23-608FB52D86D6}"/>
-              </a:ext>
-            </a:extLst>
-          </p:cNvPr>
-          <p:cNvSpPr/>
-          <p:nvPr/>
-        </p:nvSpPr>
-        <p:spPr>
-          <a:xfrm>
-            <a:off x="0" y="0"/>
-            <a:ext cx="12192000" cy="448235"/>
-          </a:xfrm>
-          <a:prstGeom prst="rect">
-            <a:avLst/>
-          </a:prstGeom>
-          <a:solidFill>
-            <a:schemeClr val="accent1">
-              <a:lumMod val="20000"/>
-              <a:lumOff val="80000"/>
-            </a:schemeClr>
-          </a:solidFill>
-          <a:ln>
-            <a:noFill/>
-          </a:ln>
-        </p:spPr>
-        <p:style>
-          <a:lnRef idx="2">
-            <a:schemeClr val="accent1">
-              <a:shade val="50000"/>
-            </a:schemeClr>
-          </a:lnRef>
-          <a:fillRef idx="1">
-            <a:schemeClr val="accent1"/>
-          </a:fillRef>
-          <a:effectRef idx="0">
-            <a:schemeClr val="accent1"/>
-          </a:effectRef>
-          <a:fontRef idx="minor">
-            <a:schemeClr val="lt1"/>
-          </a:fontRef>
-        </p:style>
-        <p:txBody>
-          <a:bodyPr rtlCol="0" anchor="ctr"/>
-          <a:lstStyle/>
-          <a:p>
-            <a:r>
-              <a:rPr kumimoji="1" lang="ja-JP" altLang="en-US" dirty="0">
-                <a:solidFill>
-                  <a:schemeClr val="tx1"/>
-                </a:solidFill>
-              </a:rPr>
-              <a:t>〇〇</a:t>
-            </a:r>
-          </a:p>
-        </p:txBody>
-      </p:sp>
-    </p:spTree>
-    <p:extLst>
-      <p:ext uri="{BB962C8B-B14F-4D97-AF65-F5344CB8AC3E}">
-        <p14:creationId xmlns:p14="http://schemas.microsoft.com/office/powerpoint/2010/main" val="1872221591"/>
       </p:ext>
     </p:extLst>
   </p:cSld>
@@ -39496,6 +40322,97 @@
       </p:grpSpPr>
       <p:sp>
         <p:nvSpPr>
+          <p:cNvPr id="4" name="正方形/長方形 3">
+            <a:extLst>
+              <a:ext uri="{FF2B5EF4-FFF2-40B4-BE49-F238E27FC236}">
+                <a16:creationId xmlns:a16="http://schemas.microsoft.com/office/drawing/2014/main" id="{A5BEF1B8-26B4-954D-9E23-608FB52D86D6}"/>
+              </a:ext>
+            </a:extLst>
+          </p:cNvPr>
+          <p:cNvSpPr/>
+          <p:nvPr/>
+        </p:nvSpPr>
+        <p:spPr>
+          <a:xfrm>
+            <a:off x="0" y="0"/>
+            <a:ext cx="12192000" cy="448235"/>
+          </a:xfrm>
+          <a:prstGeom prst="rect">
+            <a:avLst/>
+          </a:prstGeom>
+          <a:solidFill>
+            <a:schemeClr val="accent1">
+              <a:lumMod val="20000"/>
+              <a:lumOff val="80000"/>
+            </a:schemeClr>
+          </a:solidFill>
+          <a:ln>
+            <a:noFill/>
+          </a:ln>
+        </p:spPr>
+        <p:style>
+          <a:lnRef idx="2">
+            <a:schemeClr val="accent1">
+              <a:shade val="50000"/>
+            </a:schemeClr>
+          </a:lnRef>
+          <a:fillRef idx="1">
+            <a:schemeClr val="accent1"/>
+          </a:fillRef>
+          <a:effectRef idx="0">
+            <a:schemeClr val="accent1"/>
+          </a:effectRef>
+          <a:fontRef idx="minor">
+            <a:schemeClr val="lt1"/>
+          </a:fontRef>
+        </p:style>
+        <p:txBody>
+          <a:bodyPr rtlCol="0" anchor="ctr"/>
+          <a:lstStyle/>
+          <a:p>
+            <a:r>
+              <a:rPr kumimoji="1" lang="ja-JP" altLang="en-US" dirty="0">
+                <a:solidFill>
+                  <a:schemeClr val="tx1"/>
+                </a:solidFill>
+              </a:rPr>
+              <a:t>〇〇</a:t>
+            </a:r>
+          </a:p>
+        </p:txBody>
+      </p:sp>
+    </p:spTree>
+    <p:extLst>
+      <p:ext uri="{BB962C8B-B14F-4D97-AF65-F5344CB8AC3E}">
+        <p14:creationId xmlns:p14="http://schemas.microsoft.com/office/powerpoint/2010/main" val="1872221591"/>
+      </p:ext>
+    </p:extLst>
+  </p:cSld>
+  <p:clrMapOvr>
+    <a:masterClrMapping/>
+  </p:clrMapOvr>
+</p:sld>
+</file>
+
+<file path=ppt/slides/slide31.xml><?xml version="1.0" encoding="utf-8"?>
+<p:sld xmlns:a="http://schemas.openxmlformats.org/drawingml/2006/main" xmlns:r="http://schemas.openxmlformats.org/officeDocument/2006/relationships" xmlns:p="http://schemas.openxmlformats.org/presentationml/2006/main">
+  <p:cSld>
+    <p:spTree>
+      <p:nvGrpSpPr>
+        <p:cNvPr id="1" name=""/>
+        <p:cNvGrpSpPr/>
+        <p:nvPr/>
+      </p:nvGrpSpPr>
+      <p:grpSpPr>
+        <a:xfrm>
+          <a:off x="0" y="0"/>
+          <a:ext cx="0" cy="0"/>
+          <a:chOff x="0" y="0"/>
+          <a:chExt cx="0" cy="0"/>
+        </a:xfrm>
+      </p:grpSpPr>
+      <p:sp>
+        <p:nvSpPr>
           <p:cNvPr id="2" name="タイトル 1">
             <a:extLst>
               <a:ext uri="{FF2B5EF4-FFF2-40B4-BE49-F238E27FC236}">
@@ -39552,7 +40469,7 @@
 </p:sld>
 </file>
 
-<file path=ppt/slides/slide31.xml><?xml version="1.0" encoding="utf-8"?>
+<file path=ppt/slides/slide32.xml><?xml version="1.0" encoding="utf-8"?>
 <p:sld xmlns:a="http://schemas.openxmlformats.org/drawingml/2006/main" xmlns:r="http://schemas.openxmlformats.org/officeDocument/2006/relationships" xmlns:p="http://schemas.openxmlformats.org/presentationml/2006/main">
   <p:cSld>
     <p:spTree>

--- a/Documents/hirojiren_設計ノート.pptx
+++ b/Documents/hirojiren_設計ノート.pptx
@@ -4997,6 +4997,10 @@
               <a:rPr kumimoji="1" lang="ja-JP" altLang="en-US" dirty="0"/>
               <a:t>じれん</a:t>
             </a:r>
+            <a:r>
+              <a:rPr kumimoji="1" lang="en-US" altLang="ja-JP" dirty="0"/>
+              <a:t/>
+            </a:r>
             <a:br>
               <a:rPr kumimoji="1" lang="en-US" altLang="ja-JP" dirty="0"/>
             </a:br>
@@ -5042,6 +5046,13 @@
   <p:clrMapOvr>
     <a:masterClrMapping/>
   </p:clrMapOvr>
+  <p:timing>
+    <p:tnLst>
+      <p:par>
+        <p:cTn id="1" dur="indefinite" restart="never" nodeType="tmRoot"/>
+      </p:par>
+    </p:tnLst>
+  </p:timing>
 </p:sld>
 </file>
 
@@ -6111,6 +6122,13 @@
   <p:clrMapOvr>
     <a:masterClrMapping/>
   </p:clrMapOvr>
+  <p:timing>
+    <p:tnLst>
+      <p:par>
+        <p:cTn id="1" dur="indefinite" restart="never" nodeType="tmRoot"/>
+      </p:par>
+    </p:tnLst>
+  </p:timing>
 </p:sld>
 </file>
 
@@ -6837,6 +6855,13 @@
   <p:clrMapOvr>
     <a:masterClrMapping/>
   </p:clrMapOvr>
+  <p:timing>
+    <p:tnLst>
+      <p:par>
+        <p:cTn id="1" dur="indefinite" restart="never" nodeType="tmRoot"/>
+      </p:par>
+    </p:tnLst>
+  </p:timing>
 </p:sld>
 </file>
 
@@ -7559,6 +7584,13 @@
   <p:clrMapOvr>
     <a:masterClrMapping/>
   </p:clrMapOvr>
+  <p:timing>
+    <p:tnLst>
+      <p:par>
+        <p:cTn id="1" dur="indefinite" restart="never" nodeType="tmRoot"/>
+      </p:par>
+    </p:tnLst>
+  </p:timing>
 </p:sld>
 </file>
 
@@ -8319,6 +8351,13 @@
   <p:clrMapOvr>
     <a:masterClrMapping/>
   </p:clrMapOvr>
+  <p:timing>
+    <p:tnLst>
+      <p:par>
+        <p:cTn id="1" dur="indefinite" restart="never" nodeType="tmRoot"/>
+      </p:par>
+    </p:tnLst>
+  </p:timing>
 </p:sld>
 </file>
 
@@ -9018,6 +9057,13 @@
   <p:clrMapOvr>
     <a:masterClrMapping/>
   </p:clrMapOvr>
+  <p:timing>
+    <p:tnLst>
+      <p:par>
+        <p:cTn id="1" dur="indefinite" restart="never" nodeType="tmRoot"/>
+      </p:par>
+    </p:tnLst>
+  </p:timing>
 </p:sld>
 </file>
 
@@ -9710,6 +9756,13 @@
   <p:clrMapOvr>
     <a:masterClrMapping/>
   </p:clrMapOvr>
+  <p:timing>
+    <p:tnLst>
+      <p:par>
+        <p:cTn id="1" dur="indefinite" restart="never" nodeType="tmRoot"/>
+      </p:par>
+    </p:tnLst>
+  </p:timing>
 </p:sld>
 </file>
 
@@ -9758,6 +9811,10 @@
             <a:r>
               <a:rPr lang="ja-JP" altLang="en-US" dirty="0"/>
               <a:t>ブロック</a:t>
+            </a:r>
+            <a:r>
+              <a:rPr lang="en-US" altLang="ja-JP" dirty="0"/>
+              <a:t/>
             </a:r>
             <a:br>
               <a:rPr lang="en-US" altLang="ja-JP" dirty="0"/>
@@ -23831,6 +23888,13 @@
   <p:clrMapOvr>
     <a:masterClrMapping/>
   </p:clrMapOvr>
+  <p:timing>
+    <p:tnLst>
+      <p:par>
+        <p:cTn id="1" dur="indefinite" restart="never" nodeType="tmRoot"/>
+      </p:par>
+    </p:tnLst>
+  </p:timing>
 </p:sld>
 </file>
 
@@ -35423,12 +35487,20 @@
               <a:rPr kumimoji="1" lang="ja-JP" altLang="en-US" dirty="0"/>
               <a:t>②自己位置・ライン推定</a:t>
             </a:r>
+            <a:r>
+              <a:rPr kumimoji="1" lang="en-US" altLang="ja-JP" dirty="0"/>
+              <a:t/>
+            </a:r>
             <a:br>
               <a:rPr kumimoji="1" lang="en-US" altLang="ja-JP" dirty="0"/>
             </a:br>
             <a:r>
               <a:rPr lang="ja-JP" altLang="en-US" dirty="0"/>
               <a:t>ブロック</a:t>
+            </a:r>
+            <a:r>
+              <a:rPr lang="en-US" altLang="ja-JP" dirty="0"/>
+              <a:t/>
             </a:r>
             <a:br>
               <a:rPr lang="en-US" altLang="ja-JP" dirty="0"/>
@@ -35592,6 +35664,10 @@
             <a:r>
               <a:rPr lang="ja-JP" altLang="en-US" dirty="0"/>
               <a:t>ブロック</a:t>
+            </a:r>
+            <a:r>
+              <a:rPr lang="en-US" altLang="ja-JP" dirty="0"/>
+              <a:t/>
             </a:r>
             <a:br>
               <a:rPr lang="en-US" altLang="ja-JP" dirty="0"/>
@@ -35759,6 +35835,10 @@
             <a:r>
               <a:rPr lang="ja-JP" altLang="en-US" dirty="0"/>
               <a:t>ブロック</a:t>
+            </a:r>
+            <a:r>
+              <a:rPr lang="en-US" altLang="ja-JP" dirty="0"/>
+              <a:t/>
             </a:r>
             <a:br>
               <a:rPr lang="en-US" altLang="ja-JP" dirty="0"/>
@@ -40300,6 +40380,13 @@
   <p:clrMapOvr>
     <a:masterClrMapping/>
   </p:clrMapOvr>
+  <p:timing>
+    <p:tnLst>
+      <p:par>
+        <p:cTn id="1" dur="indefinite" restart="never" nodeType="tmRoot"/>
+      </p:par>
+    </p:tnLst>
+  </p:timing>
 </p:sld>
 </file>
 
@@ -40438,12 +40525,20 @@
               <a:rPr lang="ja-JP" altLang="en-US" dirty="0"/>
               <a:t>⑤経路探索・目標動作決定</a:t>
             </a:r>
+            <a:r>
+              <a:rPr lang="en-US" altLang="ja-JP" dirty="0"/>
+              <a:t/>
+            </a:r>
             <a:br>
               <a:rPr lang="en-US" altLang="ja-JP" dirty="0"/>
             </a:br>
             <a:r>
               <a:rPr lang="ja-JP" altLang="en-US" dirty="0"/>
               <a:t>ブロック</a:t>
+            </a:r>
+            <a:r>
+              <a:rPr lang="en-US" altLang="ja-JP" dirty="0"/>
+              <a:t/>
             </a:r>
             <a:br>
               <a:rPr lang="en-US" altLang="ja-JP" dirty="0"/>
@@ -43978,6 +44073,13 @@
   <p:clrMapOvr>
     <a:masterClrMapping/>
   </p:clrMapOvr>
+  <p:timing>
+    <p:tnLst>
+      <p:par>
+        <p:cTn id="1" dur="indefinite" restart="never" nodeType="tmRoot"/>
+      </p:par>
+    </p:tnLst>
+  </p:timing>
 </p:sld>
 </file>
 
@@ -48165,6 +48267,13 @@
   <p:clrMapOvr>
     <a:masterClrMapping/>
   </p:clrMapOvr>
+  <p:timing>
+    <p:tnLst>
+      <p:par>
+        <p:cTn id="1" dur="indefinite" restart="never" nodeType="tmRoot"/>
+      </p:par>
+    </p:tnLst>
+  </p:timing>
 </p:sld>
 </file>
 
@@ -51619,6 +51728,13 @@
   <p:clrMapOvr>
     <a:masterClrMapping/>
   </p:clrMapOvr>
+  <p:timing>
+    <p:tnLst>
+      <p:par>
+        <p:cTn id="1" dur="indefinite" restart="never" nodeType="tmRoot"/>
+      </p:par>
+    </p:tnLst>
+  </p:timing>
 </p:sld>
 </file>
 
@@ -53593,6 +53709,13 @@
   <p:clrMapOvr>
     <a:masterClrMapping/>
   </p:clrMapOvr>
+  <p:timing>
+    <p:tnLst>
+      <p:par>
+        <p:cTn id="1" dur="indefinite" restart="never" nodeType="tmRoot"/>
+      </p:par>
+    </p:tnLst>
+  </p:timing>
 </p:sld>
 </file>
 
@@ -54414,6 +54537,13 @@
   <p:clrMapOvr>
     <a:masterClrMapping/>
   </p:clrMapOvr>
+  <p:timing>
+    <p:tnLst>
+      <p:par>
+        <p:cTn id="1" dur="indefinite" restart="never" nodeType="tmRoot"/>
+      </p:par>
+    </p:tnLst>
+  </p:timing>
 </p:sld>
 </file>
 
@@ -55473,6 +55603,13 @@
   <p:clrMapOvr>
     <a:masterClrMapping/>
   </p:clrMapOvr>
+  <p:timing>
+    <p:tnLst>
+      <p:par>
+        <p:cTn id="1" dur="indefinite" restart="never" nodeType="tmRoot"/>
+      </p:par>
+    </p:tnLst>
+  </p:timing>
 </p:sld>
 </file>
 

--- a/Documents/hirojiren_設計ノート.pptx
+++ b/Documents/hirojiren_設計ノート.pptx
@@ -32,7 +32,7 @@
     <p:sldId id="323" r:id="rId23"/>
     <p:sldId id="297" r:id="rId24"/>
     <p:sldId id="307" r:id="rId25"/>
-    <p:sldId id="309" r:id="rId26"/>
+    <p:sldId id="340" r:id="rId26"/>
     <p:sldId id="298" r:id="rId27"/>
     <p:sldId id="308" r:id="rId28"/>
     <p:sldId id="313" r:id="rId29"/>
@@ -242,7 +242,7 @@
           <a:p>
             <a:fld id="{C3D393E5-7C75-494E-8F9A-32FD27628E8C}" type="datetimeFigureOut">
               <a:rPr kumimoji="1" lang="ja-JP" altLang="en-US" smtClean="0"/>
-              <a:t>2019/6/7</a:t>
+              <a:t>2019/6/9</a:t>
             </a:fld>
             <a:endParaRPr kumimoji="1" lang="ja-JP" altLang="en-US"/>
           </a:p>
@@ -1864,7 +1864,7 @@
           <a:p>
             <a:fld id="{F652821D-2172-BB44-A27D-4D545FF2494B}" type="datetimeFigureOut">
               <a:rPr kumimoji="1" lang="ja-JP" altLang="en-US" smtClean="0"/>
-              <a:t>2019/6/7</a:t>
+              <a:t>2019/6/9</a:t>
             </a:fld>
             <a:endParaRPr kumimoji="1" lang="ja-JP" altLang="en-US"/>
           </a:p>
@@ -2094,7 +2094,7 @@
           <a:p>
             <a:fld id="{F652821D-2172-BB44-A27D-4D545FF2494B}" type="datetimeFigureOut">
               <a:rPr kumimoji="1" lang="ja-JP" altLang="en-US" smtClean="0"/>
-              <a:t>2019/6/7</a:t>
+              <a:t>2019/6/9</a:t>
             </a:fld>
             <a:endParaRPr kumimoji="1" lang="ja-JP" altLang="en-US"/>
           </a:p>
@@ -2334,7 +2334,7 @@
           <a:p>
             <a:fld id="{F652821D-2172-BB44-A27D-4D545FF2494B}" type="datetimeFigureOut">
               <a:rPr kumimoji="1" lang="ja-JP" altLang="en-US" smtClean="0"/>
-              <a:t>2019/6/7</a:t>
+              <a:t>2019/6/9</a:t>
             </a:fld>
             <a:endParaRPr kumimoji="1" lang="ja-JP" altLang="en-US"/>
           </a:p>
@@ -2564,7 +2564,7 @@
           <a:p>
             <a:fld id="{F652821D-2172-BB44-A27D-4D545FF2494B}" type="datetimeFigureOut">
               <a:rPr kumimoji="1" lang="ja-JP" altLang="en-US" smtClean="0"/>
-              <a:t>2019/6/7</a:t>
+              <a:t>2019/6/9</a:t>
             </a:fld>
             <a:endParaRPr kumimoji="1" lang="ja-JP" altLang="en-US"/>
           </a:p>
@@ -2839,7 +2839,7 @@
           <a:p>
             <a:fld id="{F652821D-2172-BB44-A27D-4D545FF2494B}" type="datetimeFigureOut">
               <a:rPr kumimoji="1" lang="ja-JP" altLang="en-US" smtClean="0"/>
-              <a:t>2019/6/7</a:t>
+              <a:t>2019/6/9</a:t>
             </a:fld>
             <a:endParaRPr kumimoji="1" lang="ja-JP" altLang="en-US"/>
           </a:p>
@@ -3168,7 +3168,7 @@
           <a:p>
             <a:fld id="{F652821D-2172-BB44-A27D-4D545FF2494B}" type="datetimeFigureOut">
               <a:rPr kumimoji="1" lang="ja-JP" altLang="en-US" smtClean="0"/>
-              <a:t>2019/6/7</a:t>
+              <a:t>2019/6/9</a:t>
             </a:fld>
             <a:endParaRPr kumimoji="1" lang="ja-JP" altLang="en-US"/>
           </a:p>
@@ -3644,7 +3644,7 @@
           <a:p>
             <a:fld id="{F652821D-2172-BB44-A27D-4D545FF2494B}" type="datetimeFigureOut">
               <a:rPr kumimoji="1" lang="ja-JP" altLang="en-US" smtClean="0"/>
-              <a:t>2019/6/7</a:t>
+              <a:t>2019/6/9</a:t>
             </a:fld>
             <a:endParaRPr kumimoji="1" lang="ja-JP" altLang="en-US"/>
           </a:p>
@@ -3785,7 +3785,7 @@
           <a:p>
             <a:fld id="{F652821D-2172-BB44-A27D-4D545FF2494B}" type="datetimeFigureOut">
               <a:rPr kumimoji="1" lang="ja-JP" altLang="en-US" smtClean="0"/>
-              <a:t>2019/6/7</a:t>
+              <a:t>2019/6/9</a:t>
             </a:fld>
             <a:endParaRPr kumimoji="1" lang="ja-JP" altLang="en-US"/>
           </a:p>
@@ -3898,7 +3898,7 @@
           <a:p>
             <a:fld id="{F652821D-2172-BB44-A27D-4D545FF2494B}" type="datetimeFigureOut">
               <a:rPr kumimoji="1" lang="ja-JP" altLang="en-US" smtClean="0"/>
-              <a:t>2019/6/7</a:t>
+              <a:t>2019/6/9</a:t>
             </a:fld>
             <a:endParaRPr kumimoji="1" lang="ja-JP" altLang="en-US"/>
           </a:p>
@@ -4241,7 +4241,7 @@
           <a:p>
             <a:fld id="{F652821D-2172-BB44-A27D-4D545FF2494B}" type="datetimeFigureOut">
               <a:rPr kumimoji="1" lang="ja-JP" altLang="en-US" smtClean="0"/>
-              <a:t>2019/6/7</a:t>
+              <a:t>2019/6/9</a:t>
             </a:fld>
             <a:endParaRPr kumimoji="1" lang="ja-JP" altLang="en-US"/>
           </a:p>
@@ -4529,7 +4529,7 @@
           <a:p>
             <a:fld id="{F652821D-2172-BB44-A27D-4D545FF2494B}" type="datetimeFigureOut">
               <a:rPr kumimoji="1" lang="ja-JP" altLang="en-US" smtClean="0"/>
-              <a:t>2019/6/7</a:t>
+              <a:t>2019/6/9</a:t>
             </a:fld>
             <a:endParaRPr kumimoji="1" lang="ja-JP" altLang="en-US"/>
           </a:p>
@@ -4802,7 +4802,7 @@
           <a:p>
             <a:fld id="{F652821D-2172-BB44-A27D-4D545FF2494B}" type="datetimeFigureOut">
               <a:rPr kumimoji="1" lang="ja-JP" altLang="en-US" smtClean="0"/>
-              <a:t>2019/6/7</a:t>
+              <a:t>2019/6/9</a:t>
             </a:fld>
             <a:endParaRPr kumimoji="1" lang="ja-JP" altLang="en-US"/>
           </a:p>
@@ -27525,6 +27525,74 @@
           </a:fontRef>
         </p:style>
       </p:cxnSp>
+      <p:sp>
+        <p:nvSpPr>
+          <p:cNvPr id="23" name="正方形/長方形 22">
+            <a:extLst>
+              <a:ext uri="{FF2B5EF4-FFF2-40B4-BE49-F238E27FC236}">
+                <a16:creationId xmlns:a16="http://schemas.microsoft.com/office/drawing/2014/main" id="{40B05C0E-2C63-8449-8B8B-81C0D60A3E3A}"/>
+              </a:ext>
+            </a:extLst>
+          </p:cNvPr>
+          <p:cNvSpPr/>
+          <p:nvPr/>
+        </p:nvSpPr>
+        <p:spPr>
+          <a:xfrm>
+            <a:off x="5231904" y="5877272"/>
+            <a:ext cx="3312368" cy="792088"/>
+          </a:xfrm>
+          <a:prstGeom prst="rect">
+            <a:avLst/>
+          </a:prstGeom>
+          <a:solidFill>
+            <a:schemeClr val="accent4">
+              <a:lumMod val="20000"/>
+              <a:lumOff val="80000"/>
+            </a:schemeClr>
+          </a:solidFill>
+          <a:ln w="38100">
+            <a:solidFill>
+              <a:schemeClr val="tx1"/>
+            </a:solidFill>
+          </a:ln>
+        </p:spPr>
+        <p:style>
+          <a:lnRef idx="2">
+            <a:schemeClr val="accent1">
+              <a:shade val="50000"/>
+            </a:schemeClr>
+          </a:lnRef>
+          <a:fillRef idx="1">
+            <a:schemeClr val="accent1"/>
+          </a:fillRef>
+          <a:effectRef idx="0">
+            <a:schemeClr val="accent1"/>
+          </a:effectRef>
+          <a:fontRef idx="minor">
+            <a:schemeClr val="lt1"/>
+          </a:fontRef>
+        </p:style>
+        <p:txBody>
+          <a:bodyPr rtlCol="0" anchor="ctr" anchorCtr="0"/>
+          <a:lstStyle/>
+          <a:p>
+            <a:r>
+              <a:rPr kumimoji="1" lang="ja-JP" altLang="en-US">
+                <a:solidFill>
+                  <a:schemeClr val="tx1"/>
+                </a:solidFill>
+              </a:rPr>
+              <a:t>性能②：車輪を滑らせない</a:t>
+            </a:r>
+            <a:endParaRPr kumimoji="1" lang="ja-JP" altLang="en-US" dirty="0" err="1">
+              <a:solidFill>
+                <a:schemeClr val="tx1"/>
+              </a:solidFill>
+            </a:endParaRPr>
+          </a:p>
+        </p:txBody>
+      </p:sp>
     </p:spTree>
     <p:extLst>
       <p:ext uri="{BB962C8B-B14F-4D97-AF65-F5344CB8AC3E}">
@@ -27555,6 +27623,91 @@
           <a:chExt cx="0" cy="0"/>
         </a:xfrm>
       </p:grpSpPr>
+      <p:sp>
+        <p:nvSpPr>
+          <p:cNvPr id="132" name="正方形/長方形 131">
+            <a:extLst>
+              <a:ext uri="{FF2B5EF4-FFF2-40B4-BE49-F238E27FC236}">
+                <a16:creationId xmlns:a16="http://schemas.microsoft.com/office/drawing/2014/main" id="{4DE94639-2AC3-E74F-B71F-9BAF0BBAA11C}"/>
+              </a:ext>
+            </a:extLst>
+          </p:cNvPr>
+          <p:cNvSpPr/>
+          <p:nvPr/>
+        </p:nvSpPr>
+        <p:spPr>
+          <a:xfrm>
+            <a:off x="1343472" y="1604854"/>
+            <a:ext cx="4581568" cy="4128402"/>
+          </a:xfrm>
+          <a:prstGeom prst="rect">
+            <a:avLst/>
+          </a:prstGeom>
+          <a:solidFill>
+            <a:schemeClr val="accent4">
+              <a:lumMod val="20000"/>
+              <a:lumOff val="80000"/>
+            </a:schemeClr>
+          </a:solidFill>
+          <a:ln w="19050">
+            <a:solidFill>
+              <a:schemeClr val="tx1"/>
+            </a:solidFill>
+          </a:ln>
+        </p:spPr>
+        <p:style>
+          <a:lnRef idx="2">
+            <a:schemeClr val="accent1">
+              <a:shade val="50000"/>
+            </a:schemeClr>
+          </a:lnRef>
+          <a:fillRef idx="1">
+            <a:schemeClr val="accent1"/>
+          </a:fillRef>
+          <a:effectRef idx="0">
+            <a:schemeClr val="accent1"/>
+          </a:effectRef>
+          <a:fontRef idx="minor">
+            <a:schemeClr val="lt1"/>
+          </a:fontRef>
+        </p:style>
+        <p:txBody>
+          <a:bodyPr rtlCol="0" anchor="t" anchorCtr="0"/>
+          <a:lstStyle/>
+          <a:p>
+            <a:pPr algn="ctr"/>
+            <a:r>
+              <a:rPr kumimoji="1" lang="ja-JP" altLang="en-US" sz="1400">
+                <a:solidFill>
+                  <a:schemeClr val="tx1"/>
+                </a:solidFill>
+              </a:rPr>
+              <a:t>キビキビ制御</a:t>
+            </a:r>
+            <a:endParaRPr kumimoji="1" lang="en-US" altLang="ja-JP" sz="1400" dirty="0">
+              <a:solidFill>
+                <a:schemeClr val="tx1"/>
+              </a:solidFill>
+            </a:endParaRPr>
+          </a:p>
+          <a:p>
+            <a:pPr algn="ctr"/>
+            <a:r>
+              <a:rPr kumimoji="1" lang="ja-JP" altLang="en-US" sz="1400">
+                <a:solidFill>
+                  <a:schemeClr val="tx1"/>
+                </a:solidFill>
+              </a:rPr>
+              <a:t>システム</a:t>
+            </a:r>
+            <a:endParaRPr kumimoji="1" lang="ja-JP" altLang="en-US" sz="1400" dirty="0" err="1">
+              <a:solidFill>
+                <a:schemeClr val="tx1"/>
+              </a:solidFill>
+            </a:endParaRPr>
+          </a:p>
+        </p:txBody>
+      </p:sp>
       <p:sp>
         <p:nvSpPr>
           <p:cNvPr id="4" name="正方形/長方形 3">
@@ -27645,7 +27798,7 @@
         </p:nvCxnSpPr>
         <p:spPr>
           <a:xfrm>
-            <a:off x="9372364" y="6453336"/>
+            <a:off x="9660396" y="6453336"/>
             <a:ext cx="2484276" cy="0"/>
           </a:xfrm>
           <a:prstGeom prst="line">
@@ -27686,7 +27839,7 @@
         </p:nvGrpSpPr>
         <p:grpSpPr>
           <a:xfrm>
-            <a:off x="9372364" y="4797152"/>
+            <a:off x="9660396" y="4797152"/>
             <a:ext cx="1656184" cy="1656184"/>
             <a:chOff x="8616280" y="4797152"/>
             <a:chExt cx="1656184" cy="1656184"/>
@@ -27861,7 +28014,7 @@
         </p:nvCxnSpPr>
         <p:spPr>
           <a:xfrm>
-            <a:off x="10190971" y="6433267"/>
+            <a:off x="10479003" y="6433267"/>
             <a:ext cx="981593" cy="0"/>
           </a:xfrm>
           <a:prstGeom prst="straightConnector1">
@@ -27902,7 +28055,7 @@
         </p:nvCxnSpPr>
         <p:spPr>
           <a:xfrm flipV="1">
-            <a:off x="11496600" y="3992689"/>
+            <a:off x="11784632" y="3992689"/>
             <a:ext cx="0" cy="2748679"/>
           </a:xfrm>
           <a:prstGeom prst="line">
@@ -27943,7 +28096,7 @@
         </p:nvCxnSpPr>
         <p:spPr>
           <a:xfrm flipH="1">
-            <a:off x="10092444" y="3824484"/>
+            <a:off x="10380476" y="3824484"/>
             <a:ext cx="981593" cy="0"/>
           </a:xfrm>
           <a:prstGeom prst="straightConnector1">
@@ -27982,7 +28135,7 @@
         </p:nvSpPr>
         <p:spPr>
           <a:xfrm>
-            <a:off x="10009416" y="2708919"/>
+            <a:off x="10297448" y="2708919"/>
             <a:ext cx="1481869" cy="3324531"/>
           </a:xfrm>
           <a:prstGeom prst="rect">
@@ -28046,7 +28199,7 @@
         </p:nvGrpSpPr>
         <p:grpSpPr>
           <a:xfrm>
-            <a:off x="10896845" y="3645024"/>
+            <a:off x="11184877" y="3645024"/>
             <a:ext cx="358012" cy="358012"/>
             <a:chOff x="4024536" y="3216424"/>
             <a:chExt cx="3168353" cy="3168352"/>
@@ -28248,7 +28401,7 @@
         </p:nvSpPr>
         <p:spPr>
           <a:xfrm>
-            <a:off x="9664754" y="5089542"/>
+            <a:off x="9952786" y="5089542"/>
             <a:ext cx="1075762" cy="1075762"/>
           </a:xfrm>
           <a:prstGeom prst="arc">
@@ -28301,7 +28454,7 @@
         </p:nvCxnSpPr>
         <p:spPr>
           <a:xfrm rot="16200000" flipH="1">
-            <a:off x="10583241" y="4314827"/>
+            <a:off x="10871273" y="4314827"/>
             <a:ext cx="981593" cy="0"/>
           </a:xfrm>
           <a:prstGeom prst="straightConnector1">
@@ -28340,7 +28493,7 @@
         </p:nvGrpSpPr>
         <p:grpSpPr>
           <a:xfrm>
-            <a:off x="11185119" y="5931662"/>
+            <a:off x="11473151" y="5931662"/>
             <a:ext cx="527505" cy="527505"/>
             <a:chOff x="11185119" y="5931662"/>
             <a:chExt cx="527505" cy="527505"/>
@@ -28507,7 +28660,7 @@
         </p:nvSpPr>
         <p:spPr>
           <a:xfrm rot="16200000">
-            <a:off x="6023992" y="3681028"/>
+            <a:off x="6312024" y="3681028"/>
             <a:ext cx="1080120" cy="576064"/>
           </a:xfrm>
           <a:prstGeom prst="rect">
@@ -28597,7 +28750,7 @@
         </p:nvSpPr>
         <p:spPr>
           <a:xfrm rot="16200000">
-            <a:off x="7163462" y="3681028"/>
+            <a:off x="7451494" y="3681028"/>
             <a:ext cx="1080120" cy="576064"/>
           </a:xfrm>
           <a:prstGeom prst="rect">
@@ -28677,7 +28830,7 @@
         </p:nvSpPr>
         <p:spPr>
           <a:xfrm rot="16200000">
-            <a:off x="8302932" y="3681028"/>
+            <a:off x="8590964" y="3681028"/>
             <a:ext cx="1080120" cy="576064"/>
           </a:xfrm>
           <a:prstGeom prst="rect">
@@ -28733,88 +28886,6 @@
           </a:p>
         </p:txBody>
       </p:sp>
-      <p:sp>
-        <p:nvSpPr>
-          <p:cNvPr id="41" name="正方形/長方形 40">
-            <a:extLst>
-              <a:ext uri="{FF2B5EF4-FFF2-40B4-BE49-F238E27FC236}">
-                <a16:creationId xmlns:a16="http://schemas.microsoft.com/office/drawing/2014/main" id="{F13334BF-615A-544D-B85F-88E828CF94C0}"/>
-              </a:ext>
-            </a:extLst>
-          </p:cNvPr>
-          <p:cNvSpPr/>
-          <p:nvPr/>
-        </p:nvSpPr>
-        <p:spPr>
-          <a:xfrm>
-            <a:off x="1510646" y="1556793"/>
-            <a:ext cx="4232041" cy="4040920"/>
-          </a:xfrm>
-          <a:prstGeom prst="rect">
-            <a:avLst/>
-          </a:prstGeom>
-          <a:solidFill>
-            <a:schemeClr val="bg1"/>
-          </a:solidFill>
-          <a:ln w="19050">
-            <a:solidFill>
-              <a:schemeClr val="tx1"/>
-            </a:solidFill>
-          </a:ln>
-        </p:spPr>
-        <p:style>
-          <a:lnRef idx="2">
-            <a:schemeClr val="accent1">
-              <a:shade val="50000"/>
-            </a:schemeClr>
-          </a:lnRef>
-          <a:fillRef idx="1">
-            <a:schemeClr val="accent1"/>
-          </a:fillRef>
-          <a:effectRef idx="0">
-            <a:schemeClr val="accent1"/>
-          </a:effectRef>
-          <a:fontRef idx="minor">
-            <a:schemeClr val="lt1"/>
-          </a:fontRef>
-        </p:style>
-        <p:txBody>
-          <a:bodyPr rtlCol="0" anchor="t" anchorCtr="0"/>
-          <a:lstStyle/>
-          <a:p>
-            <a:pPr algn="ctr"/>
-            <a:r>
-              <a:rPr kumimoji="1" lang="ja-JP" altLang="en-US" sz="1400">
-                <a:solidFill>
-                  <a:schemeClr val="tx1"/>
-                </a:solidFill>
-              </a:rPr>
-              <a:t>キビキビ制御</a:t>
-            </a:r>
-            <a:endParaRPr kumimoji="1" lang="en-US" altLang="ja-JP" sz="1400" dirty="0">
-              <a:solidFill>
-                <a:schemeClr val="tx1"/>
-              </a:solidFill>
-            </a:endParaRPr>
-          </a:p>
-          <a:p>
-            <a:pPr algn="ctr"/>
-            <a:r>
-              <a:rPr kumimoji="1" lang="ja-JP" altLang="en-US" sz="1400">
-                <a:solidFill>
-                  <a:schemeClr val="tx1"/>
-                </a:solidFill>
-              </a:rPr>
-              <a:t>システム</a:t>
-            </a:r>
-            <a:endParaRPr kumimoji="1" lang="ja-JP" altLang="en-US" sz="1400" dirty="0" err="1">
-              <a:solidFill>
-                <a:schemeClr val="tx1"/>
-              </a:solidFill>
-            </a:endParaRPr>
-          </a:p>
-        </p:txBody>
-      </p:sp>
       <p:cxnSp>
         <p:nvCxnSpPr>
           <p:cNvPr id="45" name="直線矢印コネクタ 44">
@@ -28831,7 +28902,7 @@
         </p:nvCxnSpPr>
         <p:spPr>
           <a:xfrm>
-            <a:off x="6881759" y="3969060"/>
+            <a:off x="7169791" y="3969060"/>
             <a:ext cx="504056" cy="0"/>
           </a:xfrm>
           <a:prstGeom prst="straightConnector1">
@@ -28877,7 +28948,7 @@
         </p:nvCxnSpPr>
         <p:spPr>
           <a:xfrm>
-            <a:off x="8021229" y="3969060"/>
+            <a:off x="8309261" y="3969060"/>
             <a:ext cx="504056" cy="0"/>
           </a:xfrm>
           <a:prstGeom prst="straightConnector1">
@@ -28921,7 +28992,7 @@
         </p:nvGrpSpPr>
         <p:grpSpPr>
           <a:xfrm>
-            <a:off x="9156340" y="3957379"/>
+            <a:off x="9444372" y="3957379"/>
             <a:ext cx="504056" cy="859842"/>
             <a:chOff x="9480376" y="2996952"/>
             <a:chExt cx="504056" cy="504056"/>
@@ -29039,7 +29110,7 @@
         </p:nvSpPr>
         <p:spPr>
           <a:xfrm rot="16200000">
-            <a:off x="7987305" y="5564610"/>
+            <a:off x="8275337" y="5564610"/>
             <a:ext cx="1080120" cy="576064"/>
           </a:xfrm>
           <a:prstGeom prst="rect">
@@ -29123,7 +29194,7 @@
         </p:nvCxnSpPr>
         <p:spPr>
           <a:xfrm flipH="1">
-            <a:off x="8762867" y="5852641"/>
+            <a:off x="9050899" y="5852641"/>
             <a:ext cx="681505" cy="0"/>
           </a:xfrm>
           <a:prstGeom prst="straightConnector1">
@@ -29162,7 +29233,7 @@
         </p:nvSpPr>
         <p:spPr>
           <a:xfrm rot="16200000">
-            <a:off x="8360447" y="4988573"/>
+            <a:off x="8648479" y="4988573"/>
             <a:ext cx="1368152" cy="265229"/>
           </a:xfrm>
           <a:prstGeom prst="rect">
@@ -29233,7 +29304,7 @@
         </p:nvCxnSpPr>
         <p:spPr>
           <a:xfrm flipH="1">
-            <a:off x="7557827" y="5852641"/>
+            <a:off x="7845859" y="5852641"/>
             <a:ext cx="681505" cy="0"/>
           </a:xfrm>
           <a:prstGeom prst="straightConnector1">
@@ -29272,7 +29343,7 @@
         </p:nvSpPr>
         <p:spPr>
           <a:xfrm rot="16200000">
-            <a:off x="7236727" y="4988574"/>
+            <a:off x="7524759" y="4988574"/>
             <a:ext cx="1368152" cy="265229"/>
           </a:xfrm>
           <a:prstGeom prst="rect">
@@ -29343,7 +29414,7 @@
         </p:nvCxnSpPr>
         <p:spPr>
           <a:xfrm>
-            <a:off x="5414196" y="3957379"/>
+            <a:off x="5702228" y="3957379"/>
             <a:ext cx="861824" cy="0"/>
           </a:xfrm>
           <a:prstGeom prst="straightConnector1">
@@ -29387,8 +29458,8 @@
         </p:nvGrpSpPr>
         <p:grpSpPr>
           <a:xfrm rot="10800000">
-            <a:off x="1811521" y="5550152"/>
-            <a:ext cx="5198613" cy="315884"/>
+            <a:off x="3051875" y="5560789"/>
+            <a:ext cx="4235950" cy="305245"/>
             <a:chOff x="9480376" y="2996952"/>
             <a:chExt cx="504056" cy="504056"/>
           </a:xfrm>
@@ -29492,7 +29563,7 @@
         </p:nvSpPr>
         <p:spPr>
           <a:xfrm rot="16200000">
-            <a:off x="6753081" y="5564610"/>
+            <a:off x="7041113" y="5564610"/>
             <a:ext cx="1080120" cy="576064"/>
           </a:xfrm>
           <a:prstGeom prst="rect">
@@ -29569,7 +29640,7 @@
         </p:nvSpPr>
         <p:spPr>
           <a:xfrm rot="16200000">
-            <a:off x="6023992" y="2456892"/>
+            <a:off x="6312024" y="2456892"/>
             <a:ext cx="1080120" cy="576064"/>
           </a:xfrm>
           <a:prstGeom prst="rect">
@@ -29651,7 +29722,7 @@
         </p:nvSpPr>
         <p:spPr>
           <a:xfrm rot="16200000">
-            <a:off x="7163462" y="2456892"/>
+            <a:off x="7451494" y="2456892"/>
             <a:ext cx="1080120" cy="576064"/>
           </a:xfrm>
           <a:prstGeom prst="rect">
@@ -29725,7 +29796,7 @@
         </p:nvSpPr>
         <p:spPr>
           <a:xfrm rot="16200000">
-            <a:off x="8302932" y="2456892"/>
+            <a:off x="8590964" y="2456892"/>
             <a:ext cx="1080120" cy="576064"/>
           </a:xfrm>
           <a:prstGeom prst="rect">
@@ -29793,7 +29864,7 @@
         </p:nvCxnSpPr>
         <p:spPr>
           <a:xfrm>
-            <a:off x="6881759" y="2744924"/>
+            <a:off x="7169791" y="2744924"/>
             <a:ext cx="504056" cy="0"/>
           </a:xfrm>
           <a:prstGeom prst="straightConnector1">
@@ -29834,7 +29905,7 @@
         </p:nvCxnSpPr>
         <p:spPr>
           <a:xfrm>
-            <a:off x="8021229" y="2744924"/>
+            <a:off x="8309261" y="2744924"/>
             <a:ext cx="504056" cy="0"/>
           </a:xfrm>
           <a:prstGeom prst="straightConnector1">
@@ -29873,7 +29944,7 @@
         </p:nvSpPr>
         <p:spPr>
           <a:xfrm rot="16200000">
-            <a:off x="6323932" y="1845575"/>
+            <a:off x="6611964" y="1845575"/>
             <a:ext cx="1523850" cy="226203"/>
           </a:xfrm>
           <a:prstGeom prst="rect">
@@ -29974,7 +30045,7 @@
         </p:nvSpPr>
         <p:spPr>
           <a:xfrm rot="16200000">
-            <a:off x="7597030" y="2012220"/>
+            <a:off x="7885062" y="2012220"/>
             <a:ext cx="1226055" cy="190709"/>
           </a:xfrm>
           <a:prstGeom prst="rect">
@@ -30043,7 +30114,7 @@
         </p:nvSpPr>
         <p:spPr>
           <a:xfrm rot="16200000">
-            <a:off x="8735990" y="2012220"/>
+            <a:off x="9024022" y="2012220"/>
             <a:ext cx="1226055" cy="190709"/>
           </a:xfrm>
           <a:prstGeom prst="rect">
@@ -30114,7 +30185,7 @@
         </p:nvCxnSpPr>
         <p:spPr>
           <a:xfrm>
-            <a:off x="5414196" y="2733243"/>
+            <a:off x="5702228" y="2733243"/>
             <a:ext cx="861824" cy="0"/>
           </a:xfrm>
           <a:prstGeom prst="straightConnector1">
@@ -30153,7 +30224,7 @@
         </p:nvSpPr>
         <p:spPr>
           <a:xfrm rot="16200000">
-            <a:off x="5111965" y="1731722"/>
+            <a:off x="5399997" y="1731722"/>
             <a:ext cx="1728193" cy="226203"/>
           </a:xfrm>
           <a:prstGeom prst="rect">
@@ -30222,7 +30293,7 @@
         </p:nvGrpSpPr>
         <p:grpSpPr>
           <a:xfrm>
-            <a:off x="9156340" y="2708919"/>
+            <a:off x="9444372" y="2708919"/>
             <a:ext cx="666103" cy="2333245"/>
             <a:chOff x="9480376" y="2996952"/>
             <a:chExt cx="504056" cy="504056"/>
@@ -30329,7 +30400,7 @@
         </p:nvCxnSpPr>
         <p:spPr>
           <a:xfrm>
-            <a:off x="623395" y="2708920"/>
+            <a:off x="623395" y="3140968"/>
             <a:ext cx="864093" cy="0"/>
           </a:xfrm>
           <a:prstGeom prst="straightConnector1">
@@ -30368,7 +30439,7 @@
         </p:nvSpPr>
         <p:spPr>
           <a:xfrm>
-            <a:off x="-24680" y="1772816"/>
+            <a:off x="-24680" y="2204864"/>
             <a:ext cx="2212463" cy="317104"/>
           </a:xfrm>
           <a:prstGeom prst="rect">
@@ -30400,12 +30471,12 @@
           <a:lstStyle/>
           <a:p>
             <a:r>
-              <a:rPr kumimoji="1" lang="ja-JP" altLang="en-US" sz="1400" dirty="0">
+              <a:rPr kumimoji="1" lang="ja-JP" altLang="en-US" sz="1400">
                 <a:solidFill>
                   <a:srgbClr val="FF0000"/>
                 </a:solidFill>
               </a:rPr>
-              <a:t>目標加速度 </a:t>
+              <a:t>目標速度 </a:t>
             </a:r>
             <a:r>
               <a:rPr kumimoji="1" lang="en-US" altLang="ja-JP" sz="1400" dirty="0">
@@ -30413,7 +30484,7 @@
                   <a:srgbClr val="FF0000"/>
                 </a:solidFill>
               </a:rPr>
-              <a:t>[m/s^2]</a:t>
+              <a:t>[m/s]</a:t>
             </a:r>
             <a:endParaRPr kumimoji="1" lang="ja-JP" altLang="en-US" sz="1400" dirty="0">
               <a:solidFill>
@@ -30437,7 +30508,7 @@
         </p:nvSpPr>
         <p:spPr>
           <a:xfrm>
-            <a:off x="1926106" y="5293763"/>
+            <a:off x="3031182" y="5977200"/>
             <a:ext cx="1559573" cy="265229"/>
           </a:xfrm>
           <a:prstGeom prst="rect">
@@ -30474,15 +30545,7 @@
                   <a:schemeClr val="tx1"/>
                 </a:solidFill>
               </a:rPr>
-              <a:t>角速度</a:t>
-            </a:r>
-            <a:r>
-              <a:rPr lang="ja-JP" altLang="en-US" sz="1400">
-                <a:solidFill>
-                  <a:schemeClr val="tx1"/>
-                </a:solidFill>
-              </a:rPr>
-              <a:t>値</a:t>
+              <a:t>車輪角度 </a:t>
             </a:r>
             <a:r>
               <a:rPr kumimoji="1" lang="en-US" altLang="ja-JP" sz="1400" dirty="0">
@@ -30490,7 +30553,25 @@
                   <a:schemeClr val="tx1"/>
                 </a:solidFill>
               </a:rPr>
-              <a:t>[rad/s]</a:t>
+              <a:t>[</a:t>
+            </a:r>
+            <a:r>
+              <a:rPr kumimoji="1" lang="en-US" altLang="ja-JP" sz="1400" dirty="0" err="1">
+                <a:solidFill>
+                  <a:schemeClr val="accent6">
+                    <a:lumMod val="75000"/>
+                  </a:schemeClr>
+                </a:solidFill>
+              </a:rPr>
+              <a:t>deg</a:t>
+            </a:r>
+            <a:r>
+              <a:rPr kumimoji="1" lang="en-US" altLang="ja-JP" sz="1400" dirty="0">
+                <a:solidFill>
+                  <a:schemeClr val="tx1"/>
+                </a:solidFill>
+              </a:rPr>
+              <a:t>]</a:t>
             </a:r>
             <a:endParaRPr kumimoji="1" lang="ja-JP" altLang="en-US" sz="1400" dirty="0" err="1">
               <a:solidFill>
@@ -30686,7 +30767,7 @@
         <p:grpSpPr>
           <a:xfrm>
             <a:off x="3197707" y="958946"/>
-            <a:ext cx="3366345" cy="1241762"/>
+            <a:ext cx="3620811" cy="1241762"/>
             <a:chOff x="9480376" y="2996952"/>
             <a:chExt cx="504056" cy="504056"/>
           </a:xfrm>
@@ -30790,7 +30871,7 @@
         </p:nvGrpSpPr>
         <p:grpSpPr>
           <a:xfrm>
-            <a:off x="6390683" y="958946"/>
+            <a:off x="6678715" y="958946"/>
             <a:ext cx="1282258" cy="1241762"/>
             <a:chOff x="9480376" y="2996952"/>
             <a:chExt cx="504056" cy="504056"/>
@@ -30895,7 +30976,7 @@
         </p:nvGrpSpPr>
         <p:grpSpPr>
           <a:xfrm>
-            <a:off x="7702615" y="958946"/>
+            <a:off x="7990647" y="958946"/>
             <a:ext cx="1112782" cy="1241762"/>
             <a:chOff x="9480376" y="2996952"/>
             <a:chExt cx="504056" cy="504056"/>
@@ -31101,7 +31182,7 @@
         </p:nvSpPr>
         <p:spPr>
           <a:xfrm rot="16200000">
-            <a:off x="-132692" y="5005731"/>
+            <a:off x="-132692" y="5493627"/>
             <a:ext cx="1080120" cy="576064"/>
           </a:xfrm>
           <a:prstGeom prst="rect">
@@ -31175,7 +31256,7 @@
         </p:nvSpPr>
         <p:spPr>
           <a:xfrm rot="16200000">
-            <a:off x="520509" y="4996118"/>
+            <a:off x="520509" y="5484014"/>
             <a:ext cx="1080120" cy="576064"/>
           </a:xfrm>
           <a:prstGeom prst="rect">
@@ -31241,7 +31322,7 @@
         </p:nvSpPr>
         <p:spPr>
           <a:xfrm rot="16200000">
-            <a:off x="-132692" y="3732161"/>
+            <a:off x="-132692" y="4220057"/>
             <a:ext cx="1080120" cy="576064"/>
           </a:xfrm>
           <a:prstGeom prst="rect">
@@ -31320,7 +31401,7 @@
         </p:nvCxnSpPr>
         <p:spPr>
           <a:xfrm>
-            <a:off x="726304" y="4003239"/>
+            <a:off x="726304" y="4491135"/>
             <a:ext cx="784342" cy="0"/>
           </a:xfrm>
           <a:prstGeom prst="straightConnector1">
@@ -31359,7 +31440,7 @@
         </p:nvSpPr>
         <p:spPr>
           <a:xfrm>
-            <a:off x="1656809" y="3821962"/>
+            <a:off x="1656809" y="4309858"/>
             <a:ext cx="1030354" cy="317104"/>
           </a:xfrm>
           <a:prstGeom prst="rect">
@@ -31430,7 +31511,7 @@
         </p:nvCxnSpPr>
         <p:spPr>
           <a:xfrm>
-            <a:off x="1060569" y="5805264"/>
+            <a:off x="1060569" y="6293160"/>
             <a:ext cx="0" cy="520216"/>
           </a:xfrm>
           <a:prstGeom prst="straightConnector1">
@@ -31469,7 +31550,7 @@
         </p:nvSpPr>
         <p:spPr>
           <a:xfrm>
-            <a:off x="1193895" y="5931662"/>
+            <a:off x="1193895" y="6419558"/>
             <a:ext cx="515177" cy="317104"/>
           </a:xfrm>
           <a:prstGeom prst="rect">
@@ -31532,7 +31613,7 @@
         </p:nvCxnSpPr>
         <p:spPr>
           <a:xfrm>
-            <a:off x="0" y="6325480"/>
+            <a:off x="0" y="6813376"/>
             <a:ext cx="2484276" cy="0"/>
           </a:xfrm>
           <a:prstGeom prst="line">
@@ -31575,7 +31656,7 @@
         </p:nvCxnSpPr>
         <p:spPr>
           <a:xfrm flipV="1">
-            <a:off x="407368" y="5818266"/>
+            <a:off x="407368" y="6306162"/>
             <a:ext cx="1" cy="465386"/>
           </a:xfrm>
           <a:prstGeom prst="straightConnector1">
@@ -31614,7 +31695,7 @@
         </p:nvSpPr>
         <p:spPr>
           <a:xfrm>
-            <a:off x="401454" y="5931662"/>
+            <a:off x="401454" y="6419558"/>
             <a:ext cx="515177" cy="317104"/>
           </a:xfrm>
           <a:prstGeom prst="rect">
@@ -31679,7 +31760,7 @@
         </p:nvCxnSpPr>
         <p:spPr>
           <a:xfrm flipV="1">
-            <a:off x="407368" y="4560253"/>
+            <a:off x="407368" y="5048149"/>
             <a:ext cx="0" cy="193450"/>
           </a:xfrm>
           <a:prstGeom prst="straightConnector1">
@@ -31718,7 +31799,7 @@
         </p:nvGrpSpPr>
         <p:grpSpPr>
           <a:xfrm flipH="1">
-            <a:off x="1048285" y="4337188"/>
+            <a:off x="1048285" y="4825084"/>
             <a:ext cx="462356" cy="459963"/>
             <a:chOff x="9774999" y="2996952"/>
             <a:chExt cx="209433" cy="504056"/>
@@ -31823,7 +31904,7 @@
         </p:nvSpPr>
         <p:spPr>
           <a:xfrm>
-            <a:off x="-24680" y="2391816"/>
+            <a:off x="-24680" y="2823864"/>
             <a:ext cx="2052650" cy="317104"/>
           </a:xfrm>
           <a:prstGeom prst="rect">
@@ -31860,7 +31941,15 @@
                   <a:srgbClr val="FF0000"/>
                 </a:solidFill>
               </a:rPr>
-              <a:t>目標角速度度 </a:t>
+              <a:t>目標</a:t>
+            </a:r>
+            <a:r>
+              <a:rPr kumimoji="1" lang="ja-JP" altLang="en-US" sz="1400">
+                <a:solidFill>
+                  <a:srgbClr val="FF0000"/>
+                </a:solidFill>
+              </a:rPr>
+              <a:t>角速度 </a:t>
             </a:r>
             <a:r>
               <a:rPr kumimoji="1" lang="en-US" altLang="ja-JP" sz="1400" dirty="0">
@@ -31894,7 +31983,7 @@
         </p:nvCxnSpPr>
         <p:spPr>
           <a:xfrm>
-            <a:off x="653736" y="2089920"/>
+            <a:off x="656865" y="2521968"/>
             <a:ext cx="864093" cy="0"/>
           </a:xfrm>
           <a:prstGeom prst="straightConnector1">
@@ -31921,10 +32010,10 @@
       </p:cxnSp>
       <p:sp>
         <p:nvSpPr>
-          <p:cNvPr id="111" name="正方形/長方形 110">
+          <p:cNvPr id="2" name="正方形/長方形 1">
             <a:extLst>
               <a:ext uri="{FF2B5EF4-FFF2-40B4-BE49-F238E27FC236}">
-                <a16:creationId xmlns:a16="http://schemas.microsoft.com/office/drawing/2014/main" id="{4CFBD517-1EC6-7340-A95E-085DF5A98CAA}"/>
+                <a16:creationId xmlns:a16="http://schemas.microsoft.com/office/drawing/2014/main" id="{E45EBFED-A3EB-E044-907C-E40D1F362228}"/>
               </a:ext>
             </a:extLst>
           </p:cNvPr>
@@ -31933,21 +32022,18 @@
         </p:nvSpPr>
         <p:spPr>
           <a:xfrm rot="16200000">
-            <a:off x="4144567" y="3067559"/>
-            <a:ext cx="1963193" cy="576064"/>
+            <a:off x="1227104" y="2520545"/>
+            <a:ext cx="1286568" cy="674358"/>
           </a:xfrm>
           <a:prstGeom prst="rect">
             <a:avLst/>
           </a:prstGeom>
           <a:solidFill>
-            <a:schemeClr val="accent4">
-              <a:lumMod val="20000"/>
-              <a:lumOff val="80000"/>
-            </a:schemeClr>
+            <a:schemeClr val="bg1"/>
           </a:solidFill>
           <a:ln w="19050">
             <a:solidFill>
-              <a:srgbClr val="FF0000"/>
+              <a:schemeClr val="tx1"/>
             </a:solidFill>
           </a:ln>
         </p:spPr>
@@ -31973,14 +32059,30 @@
           <a:p>
             <a:pPr algn="ctr"/>
             <a:r>
-              <a:rPr kumimoji="1" lang="en-US" altLang="ja-JP" sz="1400" dirty="0">
+              <a:rPr kumimoji="1" lang="ja-JP" altLang="en-US" sz="1400">
                 <a:solidFill>
                   <a:schemeClr val="tx1"/>
                 </a:solidFill>
               </a:rPr>
-              <a:t>PWM_GEN</a:t>
+              <a:t>目標車輪速度</a:t>
             </a:r>
-            <a:endParaRPr kumimoji="1" lang="ja-JP" altLang="en-US" sz="1400" dirty="0">
+            <a:endParaRPr kumimoji="1" lang="en-US" altLang="ja-JP" sz="1400" dirty="0">
+              <a:solidFill>
+                <a:schemeClr val="tx1"/>
+              </a:solidFill>
+            </a:endParaRPr>
+          </a:p>
+          <a:p>
+            <a:pPr algn="ctr"/>
+            <a:r>
+              <a:rPr lang="ja-JP" altLang="en-US" sz="1400">
+                <a:solidFill>
+                  <a:schemeClr val="tx1"/>
+                </a:solidFill>
+              </a:rPr>
+              <a:t>演算</a:t>
+            </a:r>
+            <a:endParaRPr kumimoji="1" lang="ja-JP" altLang="en-US" sz="1400" dirty="0" err="1">
               <a:solidFill>
                 <a:schemeClr val="tx1"/>
               </a:solidFill>
@@ -31988,6 +32090,1088 @@
           </a:p>
         </p:txBody>
       </p:sp>
+      <p:cxnSp>
+        <p:nvCxnSpPr>
+          <p:cNvPr id="112" name="直線矢印コネクタ 111">
+            <a:extLst>
+              <a:ext uri="{FF2B5EF4-FFF2-40B4-BE49-F238E27FC236}">
+                <a16:creationId xmlns:a16="http://schemas.microsoft.com/office/drawing/2014/main" id="{CABB7543-2866-5249-8DB2-13B2AE952063}"/>
+              </a:ext>
+            </a:extLst>
+          </p:cNvPr>
+          <p:cNvCxnSpPr>
+            <a:cxnSpLocks/>
+          </p:cNvCxnSpPr>
+          <p:nvPr/>
+        </p:nvCxnSpPr>
+        <p:spPr>
+          <a:xfrm>
+            <a:off x="2217812" y="2518192"/>
+            <a:ext cx="1801151" cy="0"/>
+          </a:xfrm>
+          <a:prstGeom prst="straightConnector1">
+            <a:avLst/>
+          </a:prstGeom>
+          <a:ln w="38100">
+            <a:tailEnd type="triangle"/>
+          </a:ln>
+        </p:spPr>
+        <p:style>
+          <a:lnRef idx="1">
+            <a:schemeClr val="accent1"/>
+          </a:lnRef>
+          <a:fillRef idx="0">
+            <a:schemeClr val="accent1"/>
+          </a:fillRef>
+          <a:effectRef idx="0">
+            <a:schemeClr val="accent1"/>
+          </a:effectRef>
+          <a:fontRef idx="minor">
+            <a:schemeClr val="tx1"/>
+          </a:fontRef>
+        </p:style>
+      </p:cxnSp>
+      <p:sp>
+        <p:nvSpPr>
+          <p:cNvPr id="113" name="正方形/長方形 112">
+            <a:extLst>
+              <a:ext uri="{FF2B5EF4-FFF2-40B4-BE49-F238E27FC236}">
+                <a16:creationId xmlns:a16="http://schemas.microsoft.com/office/drawing/2014/main" id="{569EECD9-6B40-9244-945E-B7485573A5A0}"/>
+              </a:ext>
+            </a:extLst>
+          </p:cNvPr>
+          <p:cNvSpPr/>
+          <p:nvPr/>
+        </p:nvSpPr>
+        <p:spPr>
+          <a:xfrm>
+            <a:off x="7455355" y="431235"/>
+            <a:ext cx="2212463" cy="317104"/>
+          </a:xfrm>
+          <a:prstGeom prst="rect">
+            <a:avLst/>
+          </a:prstGeom>
+          <a:noFill/>
+          <a:ln w="19050">
+            <a:noFill/>
+          </a:ln>
+        </p:spPr>
+        <p:style>
+          <a:lnRef idx="2">
+            <a:schemeClr val="accent1">
+              <a:shade val="50000"/>
+            </a:schemeClr>
+          </a:lnRef>
+          <a:fillRef idx="1">
+            <a:schemeClr val="accent1"/>
+          </a:fillRef>
+          <a:effectRef idx="0">
+            <a:schemeClr val="accent1"/>
+          </a:effectRef>
+          <a:fontRef idx="minor">
+            <a:schemeClr val="lt1"/>
+          </a:fontRef>
+        </p:style>
+        <p:txBody>
+          <a:bodyPr rtlCol="0" anchor="ctr" anchorCtr="0"/>
+          <a:lstStyle/>
+          <a:p>
+            <a:r>
+              <a:rPr kumimoji="1" lang="ja-JP" altLang="en-US" sz="1400">
+                <a:solidFill>
+                  <a:srgbClr val="FF0000"/>
+                </a:solidFill>
+              </a:rPr>
+              <a:t>目標</a:t>
+            </a:r>
+            <a:r>
+              <a:rPr lang="ja-JP" altLang="en-US" sz="1400">
+                <a:solidFill>
+                  <a:srgbClr val="FF0000"/>
+                </a:solidFill>
+              </a:rPr>
+              <a:t>左車輪</a:t>
+            </a:r>
+            <a:r>
+              <a:rPr kumimoji="1" lang="ja-JP" altLang="en-US" sz="1400">
+                <a:solidFill>
+                  <a:srgbClr val="FF0000"/>
+                </a:solidFill>
+              </a:rPr>
+              <a:t>速度 </a:t>
+            </a:r>
+            <a:r>
+              <a:rPr kumimoji="1" lang="en-US" altLang="ja-JP" sz="1400" dirty="0">
+                <a:solidFill>
+                  <a:srgbClr val="FF0000"/>
+                </a:solidFill>
+              </a:rPr>
+              <a:t>[m/s]</a:t>
+            </a:r>
+            <a:endParaRPr kumimoji="1" lang="ja-JP" altLang="en-US" sz="1400" dirty="0">
+              <a:solidFill>
+                <a:srgbClr val="FF0000"/>
+              </a:solidFill>
+            </a:endParaRPr>
+          </a:p>
+        </p:txBody>
+      </p:sp>
+      <p:cxnSp>
+        <p:nvCxnSpPr>
+          <p:cNvPr id="114" name="直線矢印コネクタ 113">
+            <a:extLst>
+              <a:ext uri="{FF2B5EF4-FFF2-40B4-BE49-F238E27FC236}">
+                <a16:creationId xmlns:a16="http://schemas.microsoft.com/office/drawing/2014/main" id="{D452B311-D8B4-004D-AE62-F2ED716D5FC8}"/>
+              </a:ext>
+            </a:extLst>
+          </p:cNvPr>
+          <p:cNvCxnSpPr>
+            <a:cxnSpLocks/>
+          </p:cNvCxnSpPr>
+          <p:nvPr/>
+        </p:nvCxnSpPr>
+        <p:spPr>
+          <a:xfrm>
+            <a:off x="2200140" y="3128953"/>
+            <a:ext cx="361930" cy="0"/>
+          </a:xfrm>
+          <a:prstGeom prst="straightConnector1">
+            <a:avLst/>
+          </a:prstGeom>
+          <a:ln w="38100">
+            <a:headEnd type="none" w="med" len="med"/>
+            <a:tailEnd type="none" w="med" len="med"/>
+          </a:ln>
+        </p:spPr>
+        <p:style>
+          <a:lnRef idx="1">
+            <a:schemeClr val="accent1"/>
+          </a:lnRef>
+          <a:fillRef idx="0">
+            <a:schemeClr val="accent1"/>
+          </a:fillRef>
+          <a:effectRef idx="0">
+            <a:schemeClr val="accent1"/>
+          </a:effectRef>
+          <a:fontRef idx="minor">
+            <a:schemeClr val="tx1"/>
+          </a:fontRef>
+        </p:style>
+      </p:cxnSp>
+      <p:sp>
+        <p:nvSpPr>
+          <p:cNvPr id="115" name="正方形/長方形 114">
+            <a:extLst>
+              <a:ext uri="{FF2B5EF4-FFF2-40B4-BE49-F238E27FC236}">
+                <a16:creationId xmlns:a16="http://schemas.microsoft.com/office/drawing/2014/main" id="{1F50E59E-AA71-784C-8E10-0FEBF7EBE29C}"/>
+              </a:ext>
+            </a:extLst>
+          </p:cNvPr>
+          <p:cNvSpPr/>
+          <p:nvPr/>
+        </p:nvSpPr>
+        <p:spPr>
+          <a:xfrm>
+            <a:off x="4038457" y="2348880"/>
+            <a:ext cx="1646495" cy="753097"/>
+          </a:xfrm>
+          <a:prstGeom prst="rect">
+            <a:avLst/>
+          </a:prstGeom>
+          <a:solidFill>
+            <a:schemeClr val="bg1"/>
+          </a:solidFill>
+          <a:ln w="19050">
+            <a:solidFill>
+              <a:schemeClr val="tx1"/>
+            </a:solidFill>
+          </a:ln>
+        </p:spPr>
+        <p:style>
+          <a:lnRef idx="2">
+            <a:schemeClr val="accent1">
+              <a:shade val="50000"/>
+            </a:schemeClr>
+          </a:lnRef>
+          <a:fillRef idx="1">
+            <a:schemeClr val="accent1"/>
+          </a:fillRef>
+          <a:effectRef idx="0">
+            <a:schemeClr val="accent1"/>
+          </a:effectRef>
+          <a:fontRef idx="minor">
+            <a:schemeClr val="lt1"/>
+          </a:fontRef>
+        </p:style>
+        <p:txBody>
+          <a:bodyPr rtlCol="0" anchor="ctr" anchorCtr="0"/>
+          <a:lstStyle/>
+          <a:p>
+            <a:pPr algn="ctr"/>
+            <a:r>
+              <a:rPr kumimoji="1" lang="ja-JP" altLang="en-US" sz="1400">
+                <a:solidFill>
+                  <a:schemeClr val="tx1"/>
+                </a:solidFill>
+              </a:rPr>
+              <a:t>車輪速度</a:t>
+            </a:r>
+            <a:endParaRPr kumimoji="1" lang="en-US" altLang="ja-JP" sz="1400" dirty="0">
+              <a:solidFill>
+                <a:schemeClr val="tx1"/>
+              </a:solidFill>
+            </a:endParaRPr>
+          </a:p>
+          <a:p>
+            <a:pPr algn="ctr"/>
+            <a:r>
+              <a:rPr lang="en-US" altLang="ja-JP" sz="1400" dirty="0">
+                <a:solidFill>
+                  <a:schemeClr val="tx1"/>
+                </a:solidFill>
+              </a:rPr>
+              <a:t>CTL</a:t>
+            </a:r>
+            <a:endParaRPr kumimoji="1" lang="ja-JP" altLang="en-US" sz="1400" dirty="0" err="1">
+              <a:solidFill>
+                <a:schemeClr val="tx1"/>
+              </a:solidFill>
+            </a:endParaRPr>
+          </a:p>
+        </p:txBody>
+      </p:sp>
+      <p:sp>
+        <p:nvSpPr>
+          <p:cNvPr id="117" name="正方形/長方形 116">
+            <a:extLst>
+              <a:ext uri="{FF2B5EF4-FFF2-40B4-BE49-F238E27FC236}">
+                <a16:creationId xmlns:a16="http://schemas.microsoft.com/office/drawing/2014/main" id="{73D3C8F8-BF29-9A43-AE39-156B957A5BB5}"/>
+              </a:ext>
+            </a:extLst>
+          </p:cNvPr>
+          <p:cNvSpPr/>
+          <p:nvPr/>
+        </p:nvSpPr>
+        <p:spPr>
+          <a:xfrm>
+            <a:off x="4007768" y="3612007"/>
+            <a:ext cx="1646495" cy="753097"/>
+          </a:xfrm>
+          <a:prstGeom prst="rect">
+            <a:avLst/>
+          </a:prstGeom>
+          <a:solidFill>
+            <a:schemeClr val="bg1"/>
+          </a:solidFill>
+          <a:ln w="19050">
+            <a:solidFill>
+              <a:schemeClr val="tx1"/>
+            </a:solidFill>
+          </a:ln>
+        </p:spPr>
+        <p:style>
+          <a:lnRef idx="2">
+            <a:schemeClr val="accent1">
+              <a:shade val="50000"/>
+            </a:schemeClr>
+          </a:lnRef>
+          <a:fillRef idx="1">
+            <a:schemeClr val="accent1"/>
+          </a:fillRef>
+          <a:effectRef idx="0">
+            <a:schemeClr val="accent1"/>
+          </a:effectRef>
+          <a:fontRef idx="minor">
+            <a:schemeClr val="lt1"/>
+          </a:fontRef>
+        </p:style>
+        <p:txBody>
+          <a:bodyPr rtlCol="0" anchor="ctr" anchorCtr="0"/>
+          <a:lstStyle/>
+          <a:p>
+            <a:pPr algn="ctr"/>
+            <a:r>
+              <a:rPr kumimoji="1" lang="ja-JP" altLang="en-US" sz="1400">
+                <a:solidFill>
+                  <a:schemeClr val="tx1"/>
+                </a:solidFill>
+              </a:rPr>
+              <a:t>車輪速度</a:t>
+            </a:r>
+            <a:endParaRPr kumimoji="1" lang="en-US" altLang="ja-JP" sz="1400" dirty="0">
+              <a:solidFill>
+                <a:schemeClr val="tx1"/>
+              </a:solidFill>
+            </a:endParaRPr>
+          </a:p>
+          <a:p>
+            <a:pPr algn="ctr"/>
+            <a:r>
+              <a:rPr lang="en-US" altLang="ja-JP" sz="1400" dirty="0">
+                <a:solidFill>
+                  <a:schemeClr val="tx1"/>
+                </a:solidFill>
+              </a:rPr>
+              <a:t>CTL</a:t>
+            </a:r>
+            <a:endParaRPr kumimoji="1" lang="ja-JP" altLang="en-US" sz="1400" dirty="0" err="1">
+              <a:solidFill>
+                <a:schemeClr val="tx1"/>
+              </a:solidFill>
+            </a:endParaRPr>
+          </a:p>
+        </p:txBody>
+      </p:sp>
+      <p:grpSp>
+        <p:nvGrpSpPr>
+          <p:cNvPr id="119" name="グループ化 118">
+            <a:extLst>
+              <a:ext uri="{FF2B5EF4-FFF2-40B4-BE49-F238E27FC236}">
+                <a16:creationId xmlns:a16="http://schemas.microsoft.com/office/drawing/2014/main" id="{C763B90E-463E-C84B-BF84-28B81A90B8D6}"/>
+              </a:ext>
+            </a:extLst>
+          </p:cNvPr>
+          <p:cNvGrpSpPr/>
+          <p:nvPr/>
+        </p:nvGrpSpPr>
+        <p:grpSpPr>
+          <a:xfrm rot="16200000">
+            <a:off x="3412538" y="4337536"/>
+            <a:ext cx="664588" cy="490104"/>
+            <a:chOff x="9480376" y="2996952"/>
+            <a:chExt cx="504056" cy="504056"/>
+          </a:xfrm>
+        </p:grpSpPr>
+        <p:cxnSp>
+          <p:nvCxnSpPr>
+            <p:cNvPr id="120" name="直線矢印コネクタ 119">
+              <a:extLst>
+                <a:ext uri="{FF2B5EF4-FFF2-40B4-BE49-F238E27FC236}">
+                  <a16:creationId xmlns:a16="http://schemas.microsoft.com/office/drawing/2014/main" id="{BC5F3E88-D815-BC4F-8B19-7F2A84938DB4}"/>
+                </a:ext>
+              </a:extLst>
+            </p:cNvPr>
+            <p:cNvCxnSpPr>
+              <a:cxnSpLocks/>
+            </p:cNvCxnSpPr>
+            <p:nvPr/>
+          </p:nvCxnSpPr>
+          <p:spPr>
+            <a:xfrm>
+              <a:off x="9480376" y="2996952"/>
+              <a:ext cx="504056" cy="0"/>
+            </a:xfrm>
+            <a:prstGeom prst="straightConnector1">
+              <a:avLst/>
+            </a:prstGeom>
+            <a:ln w="38100" cap="rnd">
+              <a:bevel/>
+              <a:headEnd type="none" w="med" len="med"/>
+              <a:tailEnd type="none" w="med" len="med"/>
+            </a:ln>
+          </p:spPr>
+          <p:style>
+            <a:lnRef idx="1">
+              <a:schemeClr val="accent1"/>
+            </a:lnRef>
+            <a:fillRef idx="0">
+              <a:schemeClr val="accent1"/>
+            </a:fillRef>
+            <a:effectRef idx="0">
+              <a:schemeClr val="accent1"/>
+            </a:effectRef>
+            <a:fontRef idx="minor">
+              <a:schemeClr val="tx1"/>
+            </a:fontRef>
+          </p:style>
+        </p:cxnSp>
+        <p:cxnSp>
+          <p:nvCxnSpPr>
+            <p:cNvPr id="121" name="直線矢印コネクタ 120">
+              <a:extLst>
+                <a:ext uri="{FF2B5EF4-FFF2-40B4-BE49-F238E27FC236}">
+                  <a16:creationId xmlns:a16="http://schemas.microsoft.com/office/drawing/2014/main" id="{C1616CF7-F6A3-B140-8EBD-3EF258A865A1}"/>
+                </a:ext>
+              </a:extLst>
+            </p:cNvPr>
+            <p:cNvCxnSpPr>
+              <a:cxnSpLocks/>
+            </p:cNvCxnSpPr>
+            <p:nvPr/>
+          </p:nvCxnSpPr>
+          <p:spPr>
+            <a:xfrm rot="5400000">
+              <a:off x="9732404" y="3248980"/>
+              <a:ext cx="504056" cy="0"/>
+            </a:xfrm>
+            <a:prstGeom prst="straightConnector1">
+              <a:avLst/>
+            </a:prstGeom>
+            <a:ln w="38100">
+              <a:tailEnd type="triangle"/>
+            </a:ln>
+          </p:spPr>
+          <p:style>
+            <a:lnRef idx="1">
+              <a:schemeClr val="accent1"/>
+            </a:lnRef>
+            <a:fillRef idx="0">
+              <a:schemeClr val="accent1"/>
+            </a:fillRef>
+            <a:effectRef idx="0">
+              <a:schemeClr val="accent1"/>
+            </a:effectRef>
+            <a:fontRef idx="minor">
+              <a:schemeClr val="tx1"/>
+            </a:fontRef>
+          </p:style>
+        </p:cxnSp>
+      </p:grpSp>
+      <p:grpSp>
+        <p:nvGrpSpPr>
+          <p:cNvPr id="122" name="グループ化 121">
+            <a:extLst>
+              <a:ext uri="{FF2B5EF4-FFF2-40B4-BE49-F238E27FC236}">
+                <a16:creationId xmlns:a16="http://schemas.microsoft.com/office/drawing/2014/main" id="{610B7205-367A-934C-ADCD-D896D6E73290}"/>
+              </a:ext>
+            </a:extLst>
+          </p:cNvPr>
+          <p:cNvGrpSpPr/>
+          <p:nvPr/>
+        </p:nvGrpSpPr>
+        <p:grpSpPr>
+          <a:xfrm rot="16200000">
+            <a:off x="2531842" y="3427760"/>
+            <a:ext cx="2007153" cy="967090"/>
+            <a:chOff x="9480376" y="2996952"/>
+            <a:chExt cx="504056" cy="504056"/>
+          </a:xfrm>
+        </p:grpSpPr>
+        <p:cxnSp>
+          <p:nvCxnSpPr>
+            <p:cNvPr id="123" name="直線矢印コネクタ 122">
+              <a:extLst>
+                <a:ext uri="{FF2B5EF4-FFF2-40B4-BE49-F238E27FC236}">
+                  <a16:creationId xmlns:a16="http://schemas.microsoft.com/office/drawing/2014/main" id="{94200035-F61E-B84D-A337-D12057B93E50}"/>
+                </a:ext>
+              </a:extLst>
+            </p:cNvPr>
+            <p:cNvCxnSpPr>
+              <a:cxnSpLocks/>
+            </p:cNvCxnSpPr>
+            <p:nvPr/>
+          </p:nvCxnSpPr>
+          <p:spPr>
+            <a:xfrm>
+              <a:off x="9480376" y="2996952"/>
+              <a:ext cx="504056" cy="0"/>
+            </a:xfrm>
+            <a:prstGeom prst="straightConnector1">
+              <a:avLst/>
+            </a:prstGeom>
+            <a:ln w="38100" cap="rnd">
+              <a:bevel/>
+              <a:headEnd type="none" w="med" len="med"/>
+              <a:tailEnd type="none" w="med" len="med"/>
+            </a:ln>
+          </p:spPr>
+          <p:style>
+            <a:lnRef idx="1">
+              <a:schemeClr val="accent1"/>
+            </a:lnRef>
+            <a:fillRef idx="0">
+              <a:schemeClr val="accent1"/>
+            </a:fillRef>
+            <a:effectRef idx="0">
+              <a:schemeClr val="accent1"/>
+            </a:effectRef>
+            <a:fontRef idx="minor">
+              <a:schemeClr val="tx1"/>
+            </a:fontRef>
+          </p:style>
+        </p:cxnSp>
+        <p:cxnSp>
+          <p:nvCxnSpPr>
+            <p:cNvPr id="124" name="直線矢印コネクタ 123">
+              <a:extLst>
+                <a:ext uri="{FF2B5EF4-FFF2-40B4-BE49-F238E27FC236}">
+                  <a16:creationId xmlns:a16="http://schemas.microsoft.com/office/drawing/2014/main" id="{2D0D9030-0A87-2F4C-84FD-635AB1291102}"/>
+                </a:ext>
+              </a:extLst>
+            </p:cNvPr>
+            <p:cNvCxnSpPr>
+              <a:cxnSpLocks/>
+            </p:cNvCxnSpPr>
+            <p:nvPr/>
+          </p:nvCxnSpPr>
+          <p:spPr>
+            <a:xfrm rot="5400000">
+              <a:off x="9732404" y="3248980"/>
+              <a:ext cx="504056" cy="0"/>
+            </a:xfrm>
+            <a:prstGeom prst="straightConnector1">
+              <a:avLst/>
+            </a:prstGeom>
+            <a:ln w="38100">
+              <a:tailEnd type="triangle"/>
+            </a:ln>
+          </p:spPr>
+          <p:style>
+            <a:lnRef idx="1">
+              <a:schemeClr val="accent1"/>
+            </a:lnRef>
+            <a:fillRef idx="0">
+              <a:schemeClr val="accent1"/>
+            </a:fillRef>
+            <a:effectRef idx="0">
+              <a:schemeClr val="accent1"/>
+            </a:effectRef>
+            <a:fontRef idx="minor">
+              <a:schemeClr val="tx1"/>
+            </a:fontRef>
+          </p:style>
+        </p:cxnSp>
+      </p:grpSp>
+      <p:sp>
+        <p:nvSpPr>
+          <p:cNvPr id="118" name="正方形/長方形 117">
+            <a:extLst>
+              <a:ext uri="{FF2B5EF4-FFF2-40B4-BE49-F238E27FC236}">
+                <a16:creationId xmlns:a16="http://schemas.microsoft.com/office/drawing/2014/main" id="{0D48BE20-EBD8-5848-90E4-FC61C3623B22}"/>
+              </a:ext>
+            </a:extLst>
+          </p:cNvPr>
+          <p:cNvSpPr/>
+          <p:nvPr/>
+        </p:nvSpPr>
+        <p:spPr>
+          <a:xfrm>
+            <a:off x="2423592" y="4914882"/>
+            <a:ext cx="1286568" cy="674358"/>
+          </a:xfrm>
+          <a:prstGeom prst="rect">
+            <a:avLst/>
+          </a:prstGeom>
+          <a:solidFill>
+            <a:schemeClr val="bg1"/>
+          </a:solidFill>
+          <a:ln w="19050">
+            <a:solidFill>
+              <a:schemeClr val="tx1"/>
+            </a:solidFill>
+          </a:ln>
+        </p:spPr>
+        <p:style>
+          <a:lnRef idx="2">
+            <a:schemeClr val="accent1">
+              <a:shade val="50000"/>
+            </a:schemeClr>
+          </a:lnRef>
+          <a:fillRef idx="1">
+            <a:schemeClr val="accent1"/>
+          </a:fillRef>
+          <a:effectRef idx="0">
+            <a:schemeClr val="accent1"/>
+          </a:effectRef>
+          <a:fontRef idx="minor">
+            <a:schemeClr val="lt1"/>
+          </a:fontRef>
+        </p:style>
+        <p:txBody>
+          <a:bodyPr rtlCol="0" anchor="ctr" anchorCtr="0"/>
+          <a:lstStyle/>
+          <a:p>
+            <a:pPr algn="ctr"/>
+            <a:r>
+              <a:rPr kumimoji="1" lang="ja-JP" altLang="en-US" sz="1400">
+                <a:solidFill>
+                  <a:schemeClr val="tx1"/>
+                </a:solidFill>
+              </a:rPr>
+              <a:t>車輪速度</a:t>
+            </a:r>
+            <a:endParaRPr kumimoji="1" lang="en-US" altLang="ja-JP" sz="1400" dirty="0">
+              <a:solidFill>
+                <a:schemeClr val="tx1"/>
+              </a:solidFill>
+            </a:endParaRPr>
+          </a:p>
+          <a:p>
+            <a:pPr algn="ctr"/>
+            <a:r>
+              <a:rPr lang="ja-JP" altLang="en-US" sz="1400">
+                <a:solidFill>
+                  <a:schemeClr val="tx1"/>
+                </a:solidFill>
+              </a:rPr>
+              <a:t>演算</a:t>
+            </a:r>
+            <a:endParaRPr kumimoji="1" lang="ja-JP" altLang="en-US" sz="1400" dirty="0" err="1">
+              <a:solidFill>
+                <a:schemeClr val="tx1"/>
+              </a:solidFill>
+            </a:endParaRPr>
+          </a:p>
+        </p:txBody>
+      </p:sp>
+      <p:sp>
+        <p:nvSpPr>
+          <p:cNvPr id="125" name="正方形/長方形 124">
+            <a:extLst>
+              <a:ext uri="{FF2B5EF4-FFF2-40B4-BE49-F238E27FC236}">
+                <a16:creationId xmlns:a16="http://schemas.microsoft.com/office/drawing/2014/main" id="{80A6648F-4D85-2E4E-A9FB-E802CE83D797}"/>
+              </a:ext>
+            </a:extLst>
+          </p:cNvPr>
+          <p:cNvSpPr/>
+          <p:nvPr/>
+        </p:nvSpPr>
+        <p:spPr>
+          <a:xfrm>
+            <a:off x="3594171" y="4646478"/>
+            <a:ext cx="1559573" cy="265229"/>
+          </a:xfrm>
+          <a:prstGeom prst="rect">
+            <a:avLst/>
+          </a:prstGeom>
+          <a:noFill/>
+          <a:ln w="19050">
+            <a:noFill/>
+          </a:ln>
+        </p:spPr>
+        <p:style>
+          <a:lnRef idx="2">
+            <a:schemeClr val="accent1">
+              <a:shade val="50000"/>
+            </a:schemeClr>
+          </a:lnRef>
+          <a:fillRef idx="1">
+            <a:schemeClr val="accent1"/>
+          </a:fillRef>
+          <a:effectRef idx="0">
+            <a:schemeClr val="accent1"/>
+          </a:effectRef>
+          <a:fontRef idx="minor">
+            <a:schemeClr val="lt1"/>
+          </a:fontRef>
+        </p:style>
+        <p:txBody>
+          <a:bodyPr rtlCol="0" anchor="ctr" anchorCtr="0"/>
+          <a:lstStyle/>
+          <a:p>
+            <a:r>
+              <a:rPr kumimoji="1" lang="ja-JP" altLang="en-US" sz="1400">
+                <a:solidFill>
+                  <a:schemeClr val="tx1"/>
+                </a:solidFill>
+              </a:rPr>
+              <a:t>右車輪速</a:t>
+            </a:r>
+            <a:r>
+              <a:rPr kumimoji="1" lang="en-US" altLang="ja-JP" sz="1400" dirty="0">
+                <a:solidFill>
+                  <a:schemeClr val="tx1"/>
+                </a:solidFill>
+              </a:rPr>
+              <a:t>[</a:t>
+            </a:r>
+            <a:r>
+              <a:rPr kumimoji="1" lang="en-US" altLang="ja-JP" sz="1400" dirty="0">
+                <a:solidFill>
+                  <a:srgbClr val="FF0000"/>
+                </a:solidFill>
+              </a:rPr>
+              <a:t>rad</a:t>
+            </a:r>
+            <a:r>
+              <a:rPr kumimoji="1" lang="en-US" altLang="ja-JP" sz="1400" dirty="0">
+                <a:solidFill>
+                  <a:schemeClr val="tx1"/>
+                </a:solidFill>
+              </a:rPr>
+              <a:t>/s]</a:t>
+            </a:r>
+            <a:endParaRPr kumimoji="1" lang="ja-JP" altLang="en-US" sz="1400" dirty="0" err="1">
+              <a:solidFill>
+                <a:schemeClr val="tx1"/>
+              </a:solidFill>
+            </a:endParaRPr>
+          </a:p>
+        </p:txBody>
+      </p:sp>
+      <p:sp>
+        <p:nvSpPr>
+          <p:cNvPr id="126" name="正方形/長方形 125">
+            <a:extLst>
+              <a:ext uri="{FF2B5EF4-FFF2-40B4-BE49-F238E27FC236}">
+                <a16:creationId xmlns:a16="http://schemas.microsoft.com/office/drawing/2014/main" id="{827AE887-E7D1-B246-BC60-CDE85E513496}"/>
+              </a:ext>
+            </a:extLst>
+          </p:cNvPr>
+          <p:cNvSpPr/>
+          <p:nvPr/>
+        </p:nvSpPr>
+        <p:spPr>
+          <a:xfrm>
+            <a:off x="2300119" y="4241851"/>
+            <a:ext cx="799323" cy="614661"/>
+          </a:xfrm>
+          <a:prstGeom prst="rect">
+            <a:avLst/>
+          </a:prstGeom>
+          <a:noFill/>
+          <a:ln w="19050">
+            <a:noFill/>
+          </a:ln>
+        </p:spPr>
+        <p:style>
+          <a:lnRef idx="2">
+            <a:schemeClr val="accent1">
+              <a:shade val="50000"/>
+            </a:schemeClr>
+          </a:lnRef>
+          <a:fillRef idx="1">
+            <a:schemeClr val="accent1"/>
+          </a:fillRef>
+          <a:effectRef idx="0">
+            <a:schemeClr val="accent1"/>
+          </a:effectRef>
+          <a:fontRef idx="minor">
+            <a:schemeClr val="lt1"/>
+          </a:fontRef>
+        </p:style>
+        <p:txBody>
+          <a:bodyPr rtlCol="0" anchor="ctr" anchorCtr="0"/>
+          <a:lstStyle/>
+          <a:p>
+            <a:r>
+              <a:rPr lang="ja-JP" altLang="en-US" sz="1400">
+                <a:solidFill>
+                  <a:schemeClr val="tx1"/>
+                </a:solidFill>
+              </a:rPr>
+              <a:t>左</a:t>
+            </a:r>
+            <a:r>
+              <a:rPr kumimoji="1" lang="ja-JP" altLang="en-US" sz="1400">
+                <a:solidFill>
+                  <a:schemeClr val="tx1"/>
+                </a:solidFill>
+              </a:rPr>
+              <a:t>車</a:t>
+            </a:r>
+            <a:endParaRPr kumimoji="1" lang="en-US" altLang="ja-JP" sz="1400" dirty="0">
+              <a:solidFill>
+                <a:schemeClr val="tx1"/>
+              </a:solidFill>
+            </a:endParaRPr>
+          </a:p>
+          <a:p>
+            <a:r>
+              <a:rPr kumimoji="1" lang="ja-JP" altLang="en-US" sz="1400">
+                <a:solidFill>
+                  <a:schemeClr val="tx1"/>
+                </a:solidFill>
+              </a:rPr>
+              <a:t>輪速</a:t>
+            </a:r>
+            <a:endParaRPr kumimoji="1" lang="en-US" altLang="ja-JP" sz="1400" dirty="0">
+              <a:solidFill>
+                <a:schemeClr val="tx1"/>
+              </a:solidFill>
+            </a:endParaRPr>
+          </a:p>
+          <a:p>
+            <a:r>
+              <a:rPr kumimoji="1" lang="en-US" altLang="ja-JP" sz="1400" dirty="0">
+                <a:solidFill>
+                  <a:schemeClr val="tx1"/>
+                </a:solidFill>
+              </a:rPr>
+              <a:t>[</a:t>
+            </a:r>
+            <a:r>
+              <a:rPr kumimoji="1" lang="en-US" altLang="ja-JP" sz="1400" dirty="0">
+                <a:solidFill>
+                  <a:srgbClr val="FF0000"/>
+                </a:solidFill>
+              </a:rPr>
+              <a:t>rad</a:t>
+            </a:r>
+            <a:r>
+              <a:rPr kumimoji="1" lang="en-US" altLang="ja-JP" sz="1400" dirty="0">
+                <a:solidFill>
+                  <a:schemeClr val="tx1"/>
+                </a:solidFill>
+              </a:rPr>
+              <a:t>/s]</a:t>
+            </a:r>
+            <a:endParaRPr kumimoji="1" lang="ja-JP" altLang="en-US" sz="1400" dirty="0" err="1">
+              <a:solidFill>
+                <a:schemeClr val="tx1"/>
+              </a:solidFill>
+            </a:endParaRPr>
+          </a:p>
+        </p:txBody>
+      </p:sp>
+      <p:sp>
+        <p:nvSpPr>
+          <p:cNvPr id="127" name="正方形/長方形 126">
+            <a:extLst>
+              <a:ext uri="{FF2B5EF4-FFF2-40B4-BE49-F238E27FC236}">
+                <a16:creationId xmlns:a16="http://schemas.microsoft.com/office/drawing/2014/main" id="{DFCDFF99-4C29-7443-845F-305C9FD8058B}"/>
+              </a:ext>
+            </a:extLst>
+          </p:cNvPr>
+          <p:cNvSpPr/>
+          <p:nvPr/>
+        </p:nvSpPr>
+        <p:spPr>
+          <a:xfrm>
+            <a:off x="1609086" y="3527763"/>
+            <a:ext cx="1226764" cy="529693"/>
+          </a:xfrm>
+          <a:prstGeom prst="rect">
+            <a:avLst/>
+          </a:prstGeom>
+          <a:noFill/>
+          <a:ln w="19050">
+            <a:noFill/>
+          </a:ln>
+        </p:spPr>
+        <p:style>
+          <a:lnRef idx="2">
+            <a:schemeClr val="accent1">
+              <a:shade val="50000"/>
+            </a:schemeClr>
+          </a:lnRef>
+          <a:fillRef idx="1">
+            <a:schemeClr val="accent1"/>
+          </a:fillRef>
+          <a:effectRef idx="0">
+            <a:schemeClr val="accent1"/>
+          </a:effectRef>
+          <a:fontRef idx="minor">
+            <a:schemeClr val="lt1"/>
+          </a:fontRef>
+        </p:style>
+        <p:txBody>
+          <a:bodyPr rtlCol="0" anchor="ctr" anchorCtr="0"/>
+          <a:lstStyle/>
+          <a:p>
+            <a:r>
+              <a:rPr kumimoji="1" lang="ja-JP" altLang="en-US" sz="1400">
+                <a:solidFill>
+                  <a:schemeClr val="tx1"/>
+                </a:solidFill>
+              </a:rPr>
+              <a:t>目標右車</a:t>
+            </a:r>
+            <a:endParaRPr kumimoji="1" lang="en-US" altLang="ja-JP" sz="1400" dirty="0">
+              <a:solidFill>
+                <a:schemeClr val="tx1"/>
+              </a:solidFill>
+            </a:endParaRPr>
+          </a:p>
+          <a:p>
+            <a:r>
+              <a:rPr kumimoji="1" lang="ja-JP" altLang="en-US" sz="1400">
+                <a:solidFill>
+                  <a:schemeClr val="tx1"/>
+                </a:solidFill>
+              </a:rPr>
+              <a:t>輪速</a:t>
+            </a:r>
+            <a:r>
+              <a:rPr kumimoji="1" lang="en-US" altLang="ja-JP" sz="1400" dirty="0">
+                <a:solidFill>
+                  <a:schemeClr val="tx1"/>
+                </a:solidFill>
+              </a:rPr>
+              <a:t>[rad/s]</a:t>
+            </a:r>
+            <a:endParaRPr kumimoji="1" lang="ja-JP" altLang="en-US" sz="1400" dirty="0" err="1">
+              <a:solidFill>
+                <a:schemeClr val="tx1"/>
+              </a:solidFill>
+            </a:endParaRPr>
+          </a:p>
+        </p:txBody>
+      </p:sp>
+      <p:sp>
+        <p:nvSpPr>
+          <p:cNvPr id="128" name="正方形/長方形 127">
+            <a:extLst>
+              <a:ext uri="{FF2B5EF4-FFF2-40B4-BE49-F238E27FC236}">
+                <a16:creationId xmlns:a16="http://schemas.microsoft.com/office/drawing/2014/main" id="{BB229226-5A23-1744-9D73-BDA2AA256282}"/>
+              </a:ext>
+            </a:extLst>
+          </p:cNvPr>
+          <p:cNvSpPr/>
+          <p:nvPr/>
+        </p:nvSpPr>
+        <p:spPr>
+          <a:xfrm>
+            <a:off x="2207276" y="2060848"/>
+            <a:ext cx="2160532" cy="467152"/>
+          </a:xfrm>
+          <a:prstGeom prst="rect">
+            <a:avLst/>
+          </a:prstGeom>
+          <a:noFill/>
+          <a:ln w="19050">
+            <a:noFill/>
+          </a:ln>
+        </p:spPr>
+        <p:style>
+          <a:lnRef idx="2">
+            <a:schemeClr val="accent1">
+              <a:shade val="50000"/>
+            </a:schemeClr>
+          </a:lnRef>
+          <a:fillRef idx="1">
+            <a:schemeClr val="accent1"/>
+          </a:fillRef>
+          <a:effectRef idx="0">
+            <a:schemeClr val="accent1"/>
+          </a:effectRef>
+          <a:fontRef idx="minor">
+            <a:schemeClr val="lt1"/>
+          </a:fontRef>
+        </p:style>
+        <p:txBody>
+          <a:bodyPr rtlCol="0" anchor="ctr" anchorCtr="0"/>
+          <a:lstStyle/>
+          <a:p>
+            <a:r>
+              <a:rPr kumimoji="1" lang="ja-JP" altLang="en-US" sz="1400">
+                <a:solidFill>
+                  <a:schemeClr val="tx1"/>
+                </a:solidFill>
+              </a:rPr>
+              <a:t>目標左車輪速</a:t>
+            </a:r>
+            <a:r>
+              <a:rPr kumimoji="1" lang="en-US" altLang="ja-JP" sz="1400" dirty="0">
+                <a:solidFill>
+                  <a:schemeClr val="tx1"/>
+                </a:solidFill>
+              </a:rPr>
+              <a:t>[rad/s]</a:t>
+            </a:r>
+            <a:endParaRPr kumimoji="1" lang="ja-JP" altLang="en-US" sz="1400" dirty="0" err="1">
+              <a:solidFill>
+                <a:schemeClr val="tx1"/>
+              </a:solidFill>
+            </a:endParaRPr>
+          </a:p>
+        </p:txBody>
+      </p:sp>
+      <p:grpSp>
+        <p:nvGrpSpPr>
+          <p:cNvPr id="129" name="グループ化 128">
+            <a:extLst>
+              <a:ext uri="{FF2B5EF4-FFF2-40B4-BE49-F238E27FC236}">
+                <a16:creationId xmlns:a16="http://schemas.microsoft.com/office/drawing/2014/main" id="{B6962840-A1D6-F649-8966-BF8E4258A793}"/>
+              </a:ext>
+            </a:extLst>
+          </p:cNvPr>
+          <p:cNvGrpSpPr/>
+          <p:nvPr/>
+        </p:nvGrpSpPr>
+        <p:grpSpPr>
+          <a:xfrm rot="5400000" flipV="1">
+            <a:off x="2951148" y="2781493"/>
+            <a:ext cx="664588" cy="1442743"/>
+            <a:chOff x="9480376" y="2996952"/>
+            <a:chExt cx="504056" cy="504056"/>
+          </a:xfrm>
+        </p:grpSpPr>
+        <p:cxnSp>
+          <p:nvCxnSpPr>
+            <p:cNvPr id="130" name="直線矢印コネクタ 129">
+              <a:extLst>
+                <a:ext uri="{FF2B5EF4-FFF2-40B4-BE49-F238E27FC236}">
+                  <a16:creationId xmlns:a16="http://schemas.microsoft.com/office/drawing/2014/main" id="{5FD6850E-CD96-5E4E-A5D5-A42A37ABD850}"/>
+                </a:ext>
+              </a:extLst>
+            </p:cNvPr>
+            <p:cNvCxnSpPr>
+              <a:cxnSpLocks/>
+            </p:cNvCxnSpPr>
+            <p:nvPr/>
+          </p:nvCxnSpPr>
+          <p:spPr>
+            <a:xfrm>
+              <a:off x="9480376" y="2996952"/>
+              <a:ext cx="504056" cy="0"/>
+            </a:xfrm>
+            <a:prstGeom prst="straightConnector1">
+              <a:avLst/>
+            </a:prstGeom>
+            <a:ln w="38100" cap="rnd">
+              <a:bevel/>
+              <a:headEnd type="none" w="med" len="med"/>
+              <a:tailEnd type="none" w="med" len="med"/>
+            </a:ln>
+          </p:spPr>
+          <p:style>
+            <a:lnRef idx="1">
+              <a:schemeClr val="accent1"/>
+            </a:lnRef>
+            <a:fillRef idx="0">
+              <a:schemeClr val="accent1"/>
+            </a:fillRef>
+            <a:effectRef idx="0">
+              <a:schemeClr val="accent1"/>
+            </a:effectRef>
+            <a:fontRef idx="minor">
+              <a:schemeClr val="tx1"/>
+            </a:fontRef>
+          </p:style>
+        </p:cxnSp>
+        <p:cxnSp>
+          <p:nvCxnSpPr>
+            <p:cNvPr id="131" name="直線矢印コネクタ 130">
+              <a:extLst>
+                <a:ext uri="{FF2B5EF4-FFF2-40B4-BE49-F238E27FC236}">
+                  <a16:creationId xmlns:a16="http://schemas.microsoft.com/office/drawing/2014/main" id="{91196ABD-2C2E-C249-8CCF-A1C00CF37097}"/>
+                </a:ext>
+              </a:extLst>
+            </p:cNvPr>
+            <p:cNvCxnSpPr>
+              <a:cxnSpLocks/>
+            </p:cNvCxnSpPr>
+            <p:nvPr/>
+          </p:nvCxnSpPr>
+          <p:spPr>
+            <a:xfrm rot="5400000">
+              <a:off x="9732404" y="3248980"/>
+              <a:ext cx="504056" cy="0"/>
+            </a:xfrm>
+            <a:prstGeom prst="straightConnector1">
+              <a:avLst/>
+            </a:prstGeom>
+            <a:ln w="38100">
+              <a:tailEnd type="triangle"/>
+            </a:ln>
+          </p:spPr>
+          <p:style>
+            <a:lnRef idx="1">
+              <a:schemeClr val="accent1"/>
+            </a:lnRef>
+            <a:fillRef idx="0">
+              <a:schemeClr val="accent1"/>
+            </a:fillRef>
+            <a:effectRef idx="0">
+              <a:schemeClr val="accent1"/>
+            </a:effectRef>
+            <a:fontRef idx="minor">
+              <a:schemeClr val="tx1"/>
+            </a:fontRef>
+          </p:style>
+        </p:cxnSp>
+      </p:grpSp>
     </p:spTree>
     <p:extLst>
       <p:ext uri="{BB962C8B-B14F-4D97-AF65-F5344CB8AC3E}">
@@ -32018,79 +33202,39 @@
           <a:chExt cx="0" cy="0"/>
         </a:xfrm>
       </p:grpSpPr>
-      <p:sp>
-        <p:nvSpPr>
-          <p:cNvPr id="4" name="正方形/長方形 3">
+      <p:pic>
+        <p:nvPicPr>
+          <p:cNvPr id="5" name="図 4">
             <a:extLst>
               <a:ext uri="{FF2B5EF4-FFF2-40B4-BE49-F238E27FC236}">
-                <a16:creationId xmlns:a16="http://schemas.microsoft.com/office/drawing/2014/main" id="{A5BEF1B8-26B4-954D-9E23-608FB52D86D6}"/>
+                <a16:creationId xmlns:a16="http://schemas.microsoft.com/office/drawing/2014/main" id="{E0AD8E3F-02C4-C34C-94A3-6636144574E8}"/>
               </a:ext>
             </a:extLst>
           </p:cNvPr>
-          <p:cNvSpPr/>
+          <p:cNvPicPr>
+            <a:picLocks noChangeAspect="1"/>
+          </p:cNvPicPr>
           <p:nvPr/>
-        </p:nvSpPr>
+        </p:nvPicPr>
+        <p:blipFill rotWithShape="1">
+          <a:blip r:embed="rId2"/>
+          <a:srcRect l="4326" t="2750" r="4326" b="30051"/>
+          <a:stretch/>
+        </p:blipFill>
         <p:spPr>
           <a:xfrm>
-            <a:off x="0" y="0"/>
-            <a:ext cx="12192000" cy="448235"/>
+            <a:off x="1919536" y="188640"/>
+            <a:ext cx="8352928" cy="4608512"/>
           </a:xfrm>
           <a:prstGeom prst="rect">
             <a:avLst/>
           </a:prstGeom>
-          <a:solidFill>
-            <a:schemeClr val="accent1">
-              <a:lumMod val="20000"/>
-              <a:lumOff val="80000"/>
-            </a:schemeClr>
-          </a:solidFill>
-          <a:ln>
-            <a:noFill/>
-          </a:ln>
         </p:spPr>
-        <p:style>
-          <a:lnRef idx="2">
-            <a:schemeClr val="accent1">
-              <a:shade val="50000"/>
-            </a:schemeClr>
-          </a:lnRef>
-          <a:fillRef idx="1">
-            <a:schemeClr val="accent1"/>
-          </a:fillRef>
-          <a:effectRef idx="0">
-            <a:schemeClr val="accent1"/>
-          </a:effectRef>
-          <a:fontRef idx="minor">
-            <a:schemeClr val="lt1"/>
-          </a:fontRef>
-        </p:style>
-        <p:txBody>
-          <a:bodyPr rtlCol="0" anchor="ctr"/>
-          <a:lstStyle/>
-          <a:p>
-            <a:r>
-              <a:rPr kumimoji="1" lang="en-US" altLang="ja-JP" dirty="0">
-                <a:solidFill>
-                  <a:schemeClr val="tx1"/>
-                </a:solidFill>
-              </a:rPr>
-              <a:t>PWM_GEN</a:t>
-            </a:r>
-            <a:r>
-              <a:rPr kumimoji="1" lang="ja-JP" altLang="en-US" dirty="0">
-                <a:solidFill>
-                  <a:schemeClr val="tx1"/>
-                </a:solidFill>
-              </a:rPr>
-              <a:t>の設計</a:t>
-            </a:r>
-          </a:p>
-        </p:txBody>
-      </p:sp>
+      </p:pic>
     </p:spTree>
     <p:extLst>
       <p:ext uri="{BB962C8B-B14F-4D97-AF65-F5344CB8AC3E}">
-        <p14:creationId xmlns:p14="http://schemas.microsoft.com/office/powerpoint/2010/main" val="3385965976"/>
+        <p14:creationId xmlns:p14="http://schemas.microsoft.com/office/powerpoint/2010/main" val="3907645441"/>
       </p:ext>
     </p:extLst>
   </p:cSld>
